--- a/2021-08-25_event-driven-architecture.pptx
+++ b/2021-08-25_event-driven-architecture.pptx
@@ -5,7 +5,7 @@
     <p:sldMasterId id="2147483648" r:id="rId1"/>
   </p:sldMasterIdLst>
   <p:notesMasterIdLst>
-    <p:notesMasterId r:id="rId11"/>
+    <p:notesMasterId r:id="rId12"/>
   </p:notesMasterIdLst>
   <p:sldIdLst>
     <p:sldId id="260" r:id="rId2"/>
@@ -16,7 +16,8 @@
     <p:sldId id="481" r:id="rId7"/>
     <p:sldId id="482" r:id="rId8"/>
     <p:sldId id="483" r:id="rId9"/>
-    <p:sldId id="265" r:id="rId10"/>
+    <p:sldId id="484" r:id="rId10"/>
+    <p:sldId id="265" r:id="rId11"/>
   </p:sldIdLst>
   <p:sldSz cx="12192000" cy="6858000"/>
   <p:notesSz cx="6858000" cy="9144000"/>
@@ -4413,6 +4414,90 @@
     <p:extLst>
       <p:ext uri="{BB962C8B-B14F-4D97-AF65-F5344CB8AC3E}">
         <p14:creationId xmlns:p14="http://schemas.microsoft.com/office/powerpoint/2010/main" val="3400233502"/>
+      </p:ext>
+    </p:extLst>
+  </p:cSld>
+  <p:clrMapOvr>
+    <a:masterClrMapping/>
+  </p:clrMapOvr>
+</p:notes>
+</file>
+
+<file path=ppt/notesSlides/notesSlide6.xml><?xml version="1.0" encoding="utf-8"?>
+<p:notes xmlns:a="http://schemas.openxmlformats.org/drawingml/2006/main" xmlns:r="http://schemas.openxmlformats.org/officeDocument/2006/relationships" xmlns:p="http://schemas.openxmlformats.org/presentationml/2006/main">
+  <p:cSld>
+    <p:spTree>
+      <p:nvGrpSpPr>
+        <p:cNvPr id="1" name=""/>
+        <p:cNvGrpSpPr/>
+        <p:nvPr/>
+      </p:nvGrpSpPr>
+      <p:grpSpPr>
+        <a:xfrm>
+          <a:off x="0" y="0"/>
+          <a:ext cx="0" cy="0"/>
+          <a:chOff x="0" y="0"/>
+          <a:chExt cx="0" cy="0"/>
+        </a:xfrm>
+      </p:grpSpPr>
+      <p:sp>
+        <p:nvSpPr>
+          <p:cNvPr id="2" name="Espaço Reservado para Imagem de Slide 1"/>
+          <p:cNvSpPr>
+            <a:spLocks noGrp="1" noRot="1" noChangeAspect="1"/>
+          </p:cNvSpPr>
+          <p:nvPr>
+            <p:ph type="sldImg"/>
+          </p:nvPr>
+        </p:nvSpPr>
+        <p:spPr/>
+      </p:sp>
+      <p:sp>
+        <p:nvSpPr>
+          <p:cNvPr id="3" name="Espaço Reservado para Anotações 2"/>
+          <p:cNvSpPr>
+            <a:spLocks noGrp="1"/>
+          </p:cNvSpPr>
+          <p:nvPr>
+            <p:ph type="body" idx="1"/>
+          </p:nvPr>
+        </p:nvSpPr>
+        <p:spPr/>
+        <p:txBody>
+          <a:bodyPr/>
+          <a:lstStyle/>
+          <a:p>
+            <a:endParaRPr lang="en-US" dirty="0"/>
+          </a:p>
+        </p:txBody>
+      </p:sp>
+      <p:sp>
+        <p:nvSpPr>
+          <p:cNvPr id="4" name="Espaço Reservado para Número de Slide 3"/>
+          <p:cNvSpPr>
+            <a:spLocks noGrp="1"/>
+          </p:cNvSpPr>
+          <p:nvPr>
+            <p:ph type="sldNum" sz="quarter" idx="5"/>
+          </p:nvPr>
+        </p:nvSpPr>
+        <p:spPr/>
+        <p:txBody>
+          <a:bodyPr/>
+          <a:lstStyle/>
+          <a:p>
+            <a:fld id="{1BFBF4EA-A19C-4108-A664-D5EED1568F94}" type="slidenum">
+              <a:rPr lang="pt-BR" smtClean="0"/>
+              <a:t>9</a:t>
+            </a:fld>
+            <a:endParaRPr lang="pt-BR"/>
+          </a:p>
+        </p:txBody>
+      </p:sp>
+    </p:spTree>
+    <p:extLst>
+      <p:ext uri="{BB962C8B-B14F-4D97-AF65-F5344CB8AC3E}">
+        <p14:creationId xmlns:p14="http://schemas.microsoft.com/office/powerpoint/2010/main" val="614316843"/>
       </p:ext>
     </p:extLst>
   </p:cSld>
@@ -8364,6 +8449,401 @@
 </p:sld>
 </file>
 
+<file path=ppt/slides/slide10.xml><?xml version="1.0" encoding="utf-8"?>
+<p:sld xmlns:a="http://schemas.openxmlformats.org/drawingml/2006/main" xmlns:r="http://schemas.openxmlformats.org/officeDocument/2006/relationships" xmlns:p="http://schemas.openxmlformats.org/presentationml/2006/main">
+  <p:cSld>
+    <p:spTree>
+      <p:nvGrpSpPr>
+        <p:cNvPr id="1" name=""/>
+        <p:cNvGrpSpPr/>
+        <p:nvPr/>
+      </p:nvGrpSpPr>
+      <p:grpSpPr>
+        <a:xfrm>
+          <a:off x="0" y="0"/>
+          <a:ext cx="0" cy="0"/>
+          <a:chOff x="0" y="0"/>
+          <a:chExt cx="0" cy="0"/>
+        </a:xfrm>
+      </p:grpSpPr>
+      <p:pic>
+        <p:nvPicPr>
+          <p:cNvPr id="5" name="Espaço Reservado para Conteúdo 4">
+            <a:extLst>
+              <a:ext uri="{FF2B5EF4-FFF2-40B4-BE49-F238E27FC236}">
+                <a16:creationId xmlns:a16="http://schemas.microsoft.com/office/drawing/2014/main" id="{DEBCF998-65B9-41B2-A535-E5741DD64BE5}"/>
+              </a:ext>
+            </a:extLst>
+          </p:cNvPr>
+          <p:cNvPicPr>
+            <a:picLocks noGrp="1" noChangeAspect="1"/>
+          </p:cNvPicPr>
+          <p:nvPr>
+            <p:ph idx="1"/>
+          </p:nvPr>
+        </p:nvPicPr>
+        <p:blipFill>
+          <a:blip r:embed="rId2">
+            <a:extLst>
+              <a:ext uri="{28A0092B-C50C-407E-A947-70E740481C1C}">
+                <a14:useLocalDpi xmlns:a14="http://schemas.microsoft.com/office/drawing/2010/main" val="0"/>
+              </a:ext>
+            </a:extLst>
+          </a:blip>
+          <a:stretch>
+            <a:fillRect/>
+          </a:stretch>
+        </p:blipFill>
+        <p:spPr>
+          <a:xfrm>
+            <a:off x="-11088" y="1"/>
+            <a:ext cx="12203088" cy="6881654"/>
+          </a:xfrm>
+        </p:spPr>
+      </p:pic>
+      <p:sp>
+        <p:nvSpPr>
+          <p:cNvPr id="6" name="Título 1">
+            <a:extLst>
+              <a:ext uri="{FF2B5EF4-FFF2-40B4-BE49-F238E27FC236}">
+                <a16:creationId xmlns:a16="http://schemas.microsoft.com/office/drawing/2014/main" id="{EC993F68-2ABC-472C-9DAA-F49885B6553A}"/>
+              </a:ext>
+            </a:extLst>
+          </p:cNvPr>
+          <p:cNvSpPr>
+            <a:spLocks noGrp="1"/>
+          </p:cNvSpPr>
+          <p:nvPr>
+            <p:ph type="title"/>
+          </p:nvPr>
+        </p:nvSpPr>
+        <p:spPr>
+          <a:xfrm>
+            <a:off x="29290" y="2418011"/>
+            <a:ext cx="11358357" cy="2021978"/>
+          </a:xfrm>
+        </p:spPr>
+        <p:txBody>
+          <a:bodyPr>
+            <a:normAutofit/>
+          </a:bodyPr>
+          <a:lstStyle/>
+          <a:p>
+            <a:pPr algn="ctr"/>
+            <a:r>
+              <a:rPr lang="pt-BR" sz="7300" dirty="0">
+                <a:solidFill>
+                  <a:schemeClr val="bg1"/>
+                </a:solidFill>
+                <a:latin typeface="Nunito" pitchFamily="2" charset="77"/>
+              </a:rPr>
+              <a:t>Dúvidas?</a:t>
+            </a:r>
+            <a:endParaRPr lang="pt-BR" sz="5400" dirty="0">
+              <a:solidFill>
+                <a:schemeClr val="bg1"/>
+              </a:solidFill>
+              <a:latin typeface="Nunito" pitchFamily="2" charset="77"/>
+            </a:endParaRPr>
+          </a:p>
+        </p:txBody>
+      </p:sp>
+      <p:pic>
+        <p:nvPicPr>
+          <p:cNvPr id="4" name="Gráfico 3">
+            <a:extLst>
+              <a:ext uri="{FF2B5EF4-FFF2-40B4-BE49-F238E27FC236}">
+                <a16:creationId xmlns:a16="http://schemas.microsoft.com/office/drawing/2014/main" id="{30B2841D-7CA4-4E0E-8F46-4FA75875DD08}"/>
+              </a:ext>
+            </a:extLst>
+          </p:cNvPr>
+          <p:cNvPicPr>
+            <a:picLocks noChangeAspect="1"/>
+          </p:cNvPicPr>
+          <p:nvPr/>
+        </p:nvPicPr>
+        <p:blipFill>
+          <a:blip r:embed="rId3">
+            <a:extLst>
+              <a:ext uri="{28A0092B-C50C-407E-A947-70E740481C1C}">
+                <a14:useLocalDpi xmlns:a14="http://schemas.microsoft.com/office/drawing/2010/main" val="0"/>
+              </a:ext>
+              <a:ext uri="{96DAC541-7B7A-43D3-8B79-37D633B846F1}">
+                <asvg:svgBlip xmlns:asvg="http://schemas.microsoft.com/office/drawing/2016/SVG/main" r:embed="rId4"/>
+              </a:ext>
+            </a:extLst>
+          </a:blip>
+          <a:stretch>
+            <a:fillRect/>
+          </a:stretch>
+        </p:blipFill>
+        <p:spPr>
+          <a:xfrm>
+            <a:off x="8042728" y="2538248"/>
+            <a:ext cx="1285750" cy="1648398"/>
+          </a:xfrm>
+          <a:prstGeom prst="rect">
+            <a:avLst/>
+          </a:prstGeom>
+        </p:spPr>
+      </p:pic>
+      <p:sp>
+        <p:nvSpPr>
+          <p:cNvPr id="7" name="CaixaDeTexto 6">
+            <a:extLst>
+              <a:ext uri="{FF2B5EF4-FFF2-40B4-BE49-F238E27FC236}">
+                <a16:creationId xmlns:a16="http://schemas.microsoft.com/office/drawing/2014/main" id="{F156BB03-8A3B-4693-854F-02F1C8040212}"/>
+              </a:ext>
+            </a:extLst>
+          </p:cNvPr>
+          <p:cNvSpPr txBox="1"/>
+          <p:nvPr/>
+        </p:nvSpPr>
+        <p:spPr>
+          <a:xfrm>
+            <a:off x="3307223" y="3955813"/>
+            <a:ext cx="5052852" cy="400110"/>
+          </a:xfrm>
+          <a:prstGeom prst="rect">
+            <a:avLst/>
+          </a:prstGeom>
+          <a:noFill/>
+        </p:spPr>
+        <p:txBody>
+          <a:bodyPr wrap="square" rtlCol="0">
+            <a:spAutoFit/>
+          </a:bodyPr>
+          <a:lstStyle/>
+          <a:p>
+            <a:pPr algn="ctr"/>
+            <a:r>
+              <a:rPr lang="pt-BR" sz="2000" dirty="0" err="1">
+                <a:solidFill>
+                  <a:schemeClr val="bg1"/>
+                </a:solidFill>
+                <a:latin typeface="Nunito" pitchFamily="2" charset="77"/>
+              </a:rPr>
+              <a:t>https</a:t>
+            </a:r>
+            <a:r>
+              <a:rPr lang="pt-BR" sz="2000" dirty="0">
+                <a:solidFill>
+                  <a:schemeClr val="bg1"/>
+                </a:solidFill>
+                <a:latin typeface="Nunito" pitchFamily="2" charset="77"/>
+              </a:rPr>
+              <a:t>://</a:t>
+            </a:r>
+            <a:r>
+              <a:rPr lang="pt-BR" sz="2000" dirty="0" err="1">
+                <a:solidFill>
+                  <a:schemeClr val="bg1"/>
+                </a:solidFill>
+                <a:latin typeface="Nunito" pitchFamily="2" charset="77"/>
+              </a:rPr>
+              <a:t>balta.io</a:t>
+            </a:r>
+            <a:r>
+              <a:rPr lang="pt-BR" sz="2000" dirty="0">
+                <a:solidFill>
+                  <a:schemeClr val="bg1"/>
+                </a:solidFill>
+                <a:latin typeface="Nunito" pitchFamily="2" charset="77"/>
+              </a:rPr>
+              <a:t>/ajuda</a:t>
+            </a:r>
+          </a:p>
+        </p:txBody>
+      </p:sp>
+    </p:spTree>
+    <p:extLst>
+      <p:ext uri="{BB962C8B-B14F-4D97-AF65-F5344CB8AC3E}">
+        <p14:creationId xmlns:p14="http://schemas.microsoft.com/office/powerpoint/2010/main" val="797744895"/>
+      </p:ext>
+    </p:extLst>
+  </p:cSld>
+  <p:clrMapOvr>
+    <a:masterClrMapping/>
+  </p:clrMapOvr>
+  <mc:AlternateContent xmlns:mc="http://schemas.openxmlformats.org/markup-compatibility/2006" xmlns:p14="http://schemas.microsoft.com/office/powerpoint/2010/main">
+    <mc:Choice Requires="p14">
+      <p:transition spd="med" p14:dur="700">
+        <p:fade/>
+      </p:transition>
+    </mc:Choice>
+    <mc:Fallback xmlns="">
+      <p:transition spd="med">
+        <p:fade/>
+      </p:transition>
+    </mc:Fallback>
+  </mc:AlternateContent>
+  <p:timing>
+    <p:tnLst>
+      <p:par>
+        <p:cTn id="1" dur="indefinite" restart="never" nodeType="tmRoot">
+          <p:childTnLst>
+            <p:seq concurrent="1" nextAc="seek">
+              <p:cTn id="2" dur="indefinite" nodeType="mainSeq">
+                <p:childTnLst>
+                  <p:par>
+                    <p:cTn id="3" fill="hold">
+                      <p:stCondLst>
+                        <p:cond delay="indefinite"/>
+                        <p:cond evt="onBegin" delay="0">
+                          <p:tn val="2"/>
+                        </p:cond>
+                      </p:stCondLst>
+                      <p:childTnLst>
+                        <p:par>
+                          <p:cTn id="4" fill="hold">
+                            <p:stCondLst>
+                              <p:cond delay="0"/>
+                            </p:stCondLst>
+                            <p:childTnLst>
+                              <p:par>
+                                <p:cTn id="5" presetID="10" presetClass="entr" presetSubtype="0" fill="hold" grpId="0" nodeType="afterEffect">
+                                  <p:stCondLst>
+                                    <p:cond delay="0"/>
+                                  </p:stCondLst>
+                                  <p:childTnLst>
+                                    <p:set>
+                                      <p:cBhvr>
+                                        <p:cTn id="6" dur="1" fill="hold">
+                                          <p:stCondLst>
+                                            <p:cond delay="0"/>
+                                          </p:stCondLst>
+                                        </p:cTn>
+                                        <p:tgtEl>
+                                          <p:spTgt spid="6"/>
+                                        </p:tgtEl>
+                                        <p:attrNameLst>
+                                          <p:attrName>style.visibility</p:attrName>
+                                        </p:attrNameLst>
+                                      </p:cBhvr>
+                                      <p:to>
+                                        <p:strVal val="visible"/>
+                                      </p:to>
+                                    </p:set>
+                                    <p:animEffect transition="in" filter="fade">
+                                      <p:cBhvr>
+                                        <p:cTn id="7" dur="500"/>
+                                        <p:tgtEl>
+                                          <p:spTgt spid="6"/>
+                                        </p:tgtEl>
+                                      </p:cBhvr>
+                                    </p:animEffect>
+                                  </p:childTnLst>
+                                </p:cTn>
+                              </p:par>
+                            </p:childTnLst>
+                          </p:cTn>
+                        </p:par>
+                        <p:par>
+                          <p:cTn id="8" fill="hold">
+                            <p:stCondLst>
+                              <p:cond delay="500"/>
+                            </p:stCondLst>
+                            <p:childTnLst>
+                              <p:par>
+                                <p:cTn id="9" presetID="10" presetClass="entr" presetSubtype="0" fill="hold" nodeType="afterEffect">
+                                  <p:stCondLst>
+                                    <p:cond delay="0"/>
+                                  </p:stCondLst>
+                                  <p:childTnLst>
+                                    <p:set>
+                                      <p:cBhvr>
+                                        <p:cTn id="10" dur="1" fill="hold">
+                                          <p:stCondLst>
+                                            <p:cond delay="0"/>
+                                          </p:stCondLst>
+                                        </p:cTn>
+                                        <p:tgtEl>
+                                          <p:spTgt spid="4"/>
+                                        </p:tgtEl>
+                                        <p:attrNameLst>
+                                          <p:attrName>style.visibility</p:attrName>
+                                        </p:attrNameLst>
+                                      </p:cBhvr>
+                                      <p:to>
+                                        <p:strVal val="visible"/>
+                                      </p:to>
+                                    </p:set>
+                                    <p:animEffect transition="in" filter="fade">
+                                      <p:cBhvr>
+                                        <p:cTn id="11" dur="500"/>
+                                        <p:tgtEl>
+                                          <p:spTgt spid="4"/>
+                                        </p:tgtEl>
+                                      </p:cBhvr>
+                                    </p:animEffect>
+                                  </p:childTnLst>
+                                </p:cTn>
+                              </p:par>
+                            </p:childTnLst>
+                          </p:cTn>
+                        </p:par>
+                        <p:par>
+                          <p:cTn id="12" fill="hold">
+                            <p:stCondLst>
+                              <p:cond delay="1000"/>
+                            </p:stCondLst>
+                            <p:childTnLst>
+                              <p:par>
+                                <p:cTn id="13" presetID="42" presetClass="path" presetSubtype="0" repeatCount="indefinite" accel="50000" decel="50000" autoRev="1" fill="hold" nodeType="afterEffect">
+                                  <p:stCondLst>
+                                    <p:cond delay="0"/>
+                                  </p:stCondLst>
+                                  <p:childTnLst>
+                                    <p:animMotion origin="layout" path="M 2.08333E-7 2.22222E-6 L 0.00052 0.05208 " pathEditMode="relative" rAng="0" ptsTypes="AA">
+                                      <p:cBhvr>
+                                        <p:cTn id="14" dur="2000" fill="hold"/>
+                                        <p:tgtEl>
+                                          <p:spTgt spid="4"/>
+                                        </p:tgtEl>
+                                        <p:attrNameLst>
+                                          <p:attrName>ppt_x</p:attrName>
+                                          <p:attrName>ppt_y</p:attrName>
+                                        </p:attrNameLst>
+                                      </p:cBhvr>
+                                      <p:rCtr x="26" y="2593"/>
+                                    </p:animMotion>
+                                  </p:childTnLst>
+                                </p:cTn>
+                              </p:par>
+                            </p:childTnLst>
+                          </p:cTn>
+                        </p:par>
+                      </p:childTnLst>
+                    </p:cTn>
+                  </p:par>
+                </p:childTnLst>
+              </p:cTn>
+              <p:prevCondLst>
+                <p:cond evt="onPrev" delay="0">
+                  <p:tgtEl>
+                    <p:sldTgt/>
+                  </p:tgtEl>
+                </p:cond>
+              </p:prevCondLst>
+              <p:nextCondLst>
+                <p:cond evt="onNext" delay="0">
+                  <p:tgtEl>
+                    <p:sldTgt/>
+                  </p:tgtEl>
+                </p:cond>
+              </p:nextCondLst>
+            </p:seq>
+          </p:childTnLst>
+        </p:cTn>
+      </p:par>
+    </p:tnLst>
+    <p:bldLst>
+      <p:bldP spid="6" grpId="0"/>
+    </p:bldLst>
+  </p:timing>
+</p:sld>
+</file>
+
 <file path=ppt/slides/slide2.xml><?xml version="1.0" encoding="utf-8"?>
 <p:sld xmlns:a="http://schemas.openxmlformats.org/drawingml/2006/main" xmlns:r="http://schemas.openxmlformats.org/officeDocument/2006/relationships" xmlns:p="http://schemas.openxmlformats.org/presentationml/2006/main">
   <p:cSld>
@@ -11943,7 +12423,7 @@
               <a:rPr lang="en-US" sz="1600" b="1" dirty="0" err="1">
                 <a:latin typeface="Nunito" pitchFamily="2" charset="0"/>
               </a:rPr>
-              <a:t>Promoções</a:t>
+              <a:t>Notas</a:t>
             </a:r>
             <a:endParaRPr lang="en-US" sz="1600" b="1" dirty="0">
               <a:latin typeface="Nunito" pitchFamily="2" charset="0"/>
@@ -12005,7 +12485,7 @@
               <a:rPr lang="en-US" sz="1600" b="1" dirty="0" err="1">
                 <a:latin typeface="Nunito" pitchFamily="2" charset="0"/>
               </a:rPr>
-              <a:t>Envios</a:t>
+              <a:t>Vendas</a:t>
             </a:r>
             <a:endParaRPr lang="en-US" sz="1600" b="1" dirty="0">
               <a:latin typeface="Nunito" pitchFamily="2" charset="0"/>
@@ -12191,11 +12671,139 @@
               <a:rPr lang="en-US" sz="1600" b="1" dirty="0" err="1">
                 <a:latin typeface="Nunito" pitchFamily="2" charset="0"/>
               </a:rPr>
-              <a:t>Sugestões</a:t>
+              <a:t>Envios</a:t>
             </a:r>
             <a:endParaRPr lang="en-US" sz="1600" b="1" dirty="0">
               <a:latin typeface="Nunito" pitchFamily="2" charset="0"/>
             </a:endParaRPr>
+          </a:p>
+        </p:txBody>
+      </p:sp>
+      <p:sp>
+        <p:nvSpPr>
+          <p:cNvPr id="2" name="CaixaDeTexto 1">
+            <a:extLst>
+              <a:ext uri="{FF2B5EF4-FFF2-40B4-BE49-F238E27FC236}">
+                <a16:creationId xmlns:a16="http://schemas.microsoft.com/office/drawing/2014/main" id="{A3FC14E0-93E4-4E87-94BB-9CE82A450F70}"/>
+              </a:ext>
+            </a:extLst>
+          </p:cNvPr>
+          <p:cNvSpPr txBox="1"/>
+          <p:nvPr/>
+        </p:nvSpPr>
+        <p:spPr>
+          <a:xfrm>
+            <a:off x="766569" y="2227042"/>
+            <a:ext cx="2574487" cy="369332"/>
+          </a:xfrm>
+          <a:prstGeom prst="rect">
+            <a:avLst/>
+          </a:prstGeom>
+          <a:noFill/>
+        </p:spPr>
+        <p:txBody>
+          <a:bodyPr wrap="none" rtlCol="0">
+            <a:spAutoFit/>
+          </a:bodyPr>
+          <a:lstStyle/>
+          <a:p>
+            <a:r>
+              <a:rPr lang="en-US" dirty="0" err="1"/>
+              <a:t>Camada</a:t>
+            </a:r>
+            <a:r>
+              <a:rPr lang="en-US" dirty="0"/>
+              <a:t> de </a:t>
+            </a:r>
+            <a:r>
+              <a:rPr lang="en-US" dirty="0" err="1"/>
+              <a:t>Apresentação</a:t>
+            </a:r>
+            <a:endParaRPr lang="pt-BR" dirty="0"/>
+          </a:p>
+        </p:txBody>
+      </p:sp>
+      <p:sp>
+        <p:nvSpPr>
+          <p:cNvPr id="15" name="CaixaDeTexto 14">
+            <a:extLst>
+              <a:ext uri="{FF2B5EF4-FFF2-40B4-BE49-F238E27FC236}">
+                <a16:creationId xmlns:a16="http://schemas.microsoft.com/office/drawing/2014/main" id="{1CE6559F-080B-462E-B9D9-2F24C0403F0D}"/>
+              </a:ext>
+            </a:extLst>
+          </p:cNvPr>
+          <p:cNvSpPr txBox="1"/>
+          <p:nvPr/>
+        </p:nvSpPr>
+        <p:spPr>
+          <a:xfrm>
+            <a:off x="5130691" y="2202772"/>
+            <a:ext cx="2145139" cy="369332"/>
+          </a:xfrm>
+          <a:prstGeom prst="rect">
+            <a:avLst/>
+          </a:prstGeom>
+          <a:noFill/>
+        </p:spPr>
+        <p:txBody>
+          <a:bodyPr wrap="none" rtlCol="0">
+            <a:spAutoFit/>
+          </a:bodyPr>
+          <a:lstStyle/>
+          <a:p>
+            <a:r>
+              <a:rPr lang="en-US" dirty="0" err="1"/>
+              <a:t>Camada</a:t>
+            </a:r>
+            <a:r>
+              <a:rPr lang="en-US" dirty="0"/>
+              <a:t> de </a:t>
+            </a:r>
+            <a:r>
+              <a:rPr lang="en-US" dirty="0" err="1"/>
+              <a:t>Negócios</a:t>
+            </a:r>
+            <a:endParaRPr lang="pt-BR" dirty="0"/>
+          </a:p>
+        </p:txBody>
+      </p:sp>
+      <p:sp>
+        <p:nvSpPr>
+          <p:cNvPr id="18" name="CaixaDeTexto 17">
+            <a:extLst>
+              <a:ext uri="{FF2B5EF4-FFF2-40B4-BE49-F238E27FC236}">
+                <a16:creationId xmlns:a16="http://schemas.microsoft.com/office/drawing/2014/main" id="{C567C743-CDB9-4069-A6D7-1E47176AC5C4}"/>
+              </a:ext>
+            </a:extLst>
+          </p:cNvPr>
+          <p:cNvSpPr txBox="1"/>
+          <p:nvPr/>
+        </p:nvSpPr>
+        <p:spPr>
+          <a:xfrm>
+            <a:off x="9369379" y="2202772"/>
+            <a:ext cx="1875835" cy="369332"/>
+          </a:xfrm>
+          <a:prstGeom prst="rect">
+            <a:avLst/>
+          </a:prstGeom>
+          <a:noFill/>
+        </p:spPr>
+        <p:txBody>
+          <a:bodyPr wrap="none" rtlCol="0">
+            <a:spAutoFit/>
+          </a:bodyPr>
+          <a:lstStyle/>
+          <a:p>
+            <a:r>
+              <a:rPr lang="en-US" dirty="0" err="1"/>
+              <a:t>Camada</a:t>
+            </a:r>
+            <a:r>
+              <a:rPr lang="en-US" dirty="0"/>
+              <a:t> de Dados</a:t>
+            </a:r>
+            <a:endParaRPr lang="pt-BR" dirty="0"/>
           </a:p>
         </p:txBody>
       </p:sp>
@@ -12991,6 +13599,276 @@
                             </p:childTnLst>
                           </p:cTn>
                         </p:par>
+                        <p:par>
+                          <p:cTn id="51" fill="hold">
+                            <p:stCondLst>
+                              <p:cond delay="3500"/>
+                            </p:stCondLst>
+                            <p:childTnLst>
+                              <p:par>
+                                <p:cTn id="52" presetID="42" presetClass="entr" presetSubtype="0" fill="hold" grpId="0" nodeType="afterEffect">
+                                  <p:stCondLst>
+                                    <p:cond delay="0"/>
+                                  </p:stCondLst>
+                                  <p:childTnLst>
+                                    <p:set>
+                                      <p:cBhvr>
+                                        <p:cTn id="53" dur="1" fill="hold">
+                                          <p:stCondLst>
+                                            <p:cond delay="0"/>
+                                          </p:stCondLst>
+                                        </p:cTn>
+                                        <p:tgtEl>
+                                          <p:spTgt spid="15"/>
+                                        </p:tgtEl>
+                                        <p:attrNameLst>
+                                          <p:attrName>style.visibility</p:attrName>
+                                        </p:attrNameLst>
+                                      </p:cBhvr>
+                                      <p:to>
+                                        <p:strVal val="visible"/>
+                                      </p:to>
+                                    </p:set>
+                                    <p:animEffect transition="in" filter="fade">
+                                      <p:cBhvr>
+                                        <p:cTn id="54" dur="1000"/>
+                                        <p:tgtEl>
+                                          <p:spTgt spid="15"/>
+                                        </p:tgtEl>
+                                      </p:cBhvr>
+                                    </p:animEffect>
+                                    <p:anim calcmode="lin" valueType="num">
+                                      <p:cBhvr>
+                                        <p:cTn id="55" dur="1000" fill="hold"/>
+                                        <p:tgtEl>
+                                          <p:spTgt spid="15"/>
+                                        </p:tgtEl>
+                                        <p:attrNameLst>
+                                          <p:attrName>ppt_x</p:attrName>
+                                        </p:attrNameLst>
+                                      </p:cBhvr>
+                                      <p:tavLst>
+                                        <p:tav tm="0">
+                                          <p:val>
+                                            <p:strVal val="#ppt_x"/>
+                                          </p:val>
+                                        </p:tav>
+                                        <p:tav tm="100000">
+                                          <p:val>
+                                            <p:strVal val="#ppt_x"/>
+                                          </p:val>
+                                        </p:tav>
+                                      </p:tavLst>
+                                    </p:anim>
+                                    <p:anim calcmode="lin" valueType="num">
+                                      <p:cBhvr>
+                                        <p:cTn id="56" dur="1000" fill="hold"/>
+                                        <p:tgtEl>
+                                          <p:spTgt spid="15"/>
+                                        </p:tgtEl>
+                                        <p:attrNameLst>
+                                          <p:attrName>ppt_y</p:attrName>
+                                        </p:attrNameLst>
+                                      </p:cBhvr>
+                                      <p:tavLst>
+                                        <p:tav tm="0">
+                                          <p:val>
+                                            <p:strVal val="#ppt_y+.1"/>
+                                          </p:val>
+                                        </p:tav>
+                                        <p:tav tm="100000">
+                                          <p:val>
+                                            <p:strVal val="#ppt_y"/>
+                                          </p:val>
+                                        </p:tav>
+                                      </p:tavLst>
+                                    </p:anim>
+                                  </p:childTnLst>
+                                </p:cTn>
+                              </p:par>
+                            </p:childTnLst>
+                          </p:cTn>
+                        </p:par>
+                        <p:par>
+                          <p:cTn id="57" fill="hold">
+                            <p:stCondLst>
+                              <p:cond delay="4500"/>
+                            </p:stCondLst>
+                            <p:childTnLst>
+                              <p:par>
+                                <p:cTn id="58" presetID="42" presetClass="entr" presetSubtype="0" fill="hold" grpId="0" nodeType="afterEffect">
+                                  <p:stCondLst>
+                                    <p:cond delay="0"/>
+                                  </p:stCondLst>
+                                  <p:childTnLst>
+                                    <p:set>
+                                      <p:cBhvr>
+                                        <p:cTn id="59" dur="1" fill="hold">
+                                          <p:stCondLst>
+                                            <p:cond delay="0"/>
+                                          </p:stCondLst>
+                                        </p:cTn>
+                                        <p:tgtEl>
+                                          <p:spTgt spid="18"/>
+                                        </p:tgtEl>
+                                        <p:attrNameLst>
+                                          <p:attrName>style.visibility</p:attrName>
+                                        </p:attrNameLst>
+                                      </p:cBhvr>
+                                      <p:to>
+                                        <p:strVal val="visible"/>
+                                      </p:to>
+                                    </p:set>
+                                    <p:animEffect transition="in" filter="fade">
+                                      <p:cBhvr>
+                                        <p:cTn id="60" dur="1000"/>
+                                        <p:tgtEl>
+                                          <p:spTgt spid="18"/>
+                                        </p:tgtEl>
+                                      </p:cBhvr>
+                                    </p:animEffect>
+                                    <p:anim calcmode="lin" valueType="num">
+                                      <p:cBhvr>
+                                        <p:cTn id="61" dur="1000" fill="hold"/>
+                                        <p:tgtEl>
+                                          <p:spTgt spid="18"/>
+                                        </p:tgtEl>
+                                        <p:attrNameLst>
+                                          <p:attrName>ppt_x</p:attrName>
+                                        </p:attrNameLst>
+                                      </p:cBhvr>
+                                      <p:tavLst>
+                                        <p:tav tm="0">
+                                          <p:val>
+                                            <p:strVal val="#ppt_x"/>
+                                          </p:val>
+                                        </p:tav>
+                                        <p:tav tm="100000">
+                                          <p:val>
+                                            <p:strVal val="#ppt_x"/>
+                                          </p:val>
+                                        </p:tav>
+                                      </p:tavLst>
+                                    </p:anim>
+                                    <p:anim calcmode="lin" valueType="num">
+                                      <p:cBhvr>
+                                        <p:cTn id="62" dur="1000" fill="hold"/>
+                                        <p:tgtEl>
+                                          <p:spTgt spid="18"/>
+                                        </p:tgtEl>
+                                        <p:attrNameLst>
+                                          <p:attrName>ppt_y</p:attrName>
+                                        </p:attrNameLst>
+                                      </p:cBhvr>
+                                      <p:tavLst>
+                                        <p:tav tm="0">
+                                          <p:val>
+                                            <p:strVal val="#ppt_y+.1"/>
+                                          </p:val>
+                                        </p:tav>
+                                        <p:tav tm="100000">
+                                          <p:val>
+                                            <p:strVal val="#ppt_y"/>
+                                          </p:val>
+                                        </p:tav>
+                                      </p:tavLst>
+                                    </p:anim>
+                                  </p:childTnLst>
+                                </p:cTn>
+                              </p:par>
+                            </p:childTnLst>
+                          </p:cTn>
+                        </p:par>
+                        <p:par>
+                          <p:cTn id="63" fill="hold">
+                            <p:stCondLst>
+                              <p:cond delay="5500"/>
+                            </p:stCondLst>
+                            <p:childTnLst>
+                              <p:par>
+                                <p:cTn id="64" presetID="42" presetClass="entr" presetSubtype="0" fill="hold" grpId="0" nodeType="afterEffect">
+                                  <p:stCondLst>
+                                    <p:cond delay="0"/>
+                                  </p:stCondLst>
+                                  <p:childTnLst>
+                                    <p:set>
+                                      <p:cBhvr>
+                                        <p:cTn id="65" dur="1" fill="hold">
+                                          <p:stCondLst>
+                                            <p:cond delay="0"/>
+                                          </p:stCondLst>
+                                        </p:cTn>
+                                        <p:tgtEl>
+                                          <p:spTgt spid="2"/>
+                                        </p:tgtEl>
+                                        <p:attrNameLst>
+                                          <p:attrName>style.visibility</p:attrName>
+                                        </p:attrNameLst>
+                                      </p:cBhvr>
+                                      <p:to>
+                                        <p:strVal val="visible"/>
+                                      </p:to>
+                                    </p:set>
+                                    <p:animEffect transition="in" filter="fade">
+                                      <p:cBhvr>
+                                        <p:cTn id="66" dur="1000"/>
+                                        <p:tgtEl>
+                                          <p:spTgt spid="2"/>
+                                        </p:tgtEl>
+                                      </p:cBhvr>
+                                    </p:animEffect>
+                                    <p:anim calcmode="lin" valueType="num">
+                                      <p:cBhvr>
+                                        <p:cTn id="67" dur="1000" fill="hold"/>
+                                        <p:tgtEl>
+                                          <p:spTgt spid="2"/>
+                                        </p:tgtEl>
+                                        <p:attrNameLst>
+                                          <p:attrName>ppt_x</p:attrName>
+                                        </p:attrNameLst>
+                                      </p:cBhvr>
+                                      <p:tavLst>
+                                        <p:tav tm="0">
+                                          <p:val>
+                                            <p:strVal val="#ppt_x"/>
+                                          </p:val>
+                                        </p:tav>
+                                        <p:tav tm="100000">
+                                          <p:val>
+                                            <p:strVal val="#ppt_x"/>
+                                          </p:val>
+                                        </p:tav>
+                                      </p:tavLst>
+                                    </p:anim>
+                                    <p:anim calcmode="lin" valueType="num">
+                                      <p:cBhvr>
+                                        <p:cTn id="68" dur="1000" fill="hold"/>
+                                        <p:tgtEl>
+                                          <p:spTgt spid="2"/>
+                                        </p:tgtEl>
+                                        <p:attrNameLst>
+                                          <p:attrName>ppt_y</p:attrName>
+                                        </p:attrNameLst>
+                                      </p:cBhvr>
+                                      <p:tavLst>
+                                        <p:tav tm="0">
+                                          <p:val>
+                                            <p:strVal val="#ppt_y+.1"/>
+                                          </p:val>
+                                        </p:tav>
+                                        <p:tav tm="100000">
+                                          <p:val>
+                                            <p:strVal val="#ppt_y"/>
+                                          </p:val>
+                                        </p:tav>
+                                      </p:tavLst>
+                                    </p:anim>
+                                  </p:childTnLst>
+                                </p:cTn>
+                              </p:par>
+                            </p:childTnLst>
+                          </p:cTn>
+                        </p:par>
                       </p:childTnLst>
                     </p:cTn>
                   </p:par>
@@ -13025,6 +13903,9 @@
       <p:bldP spid="26" grpId="0" animBg="1"/>
       <p:bldP spid="27" grpId="0" animBg="1"/>
       <p:bldP spid="28" grpId="0" animBg="1"/>
+      <p:bldP spid="2" grpId="0"/>
+      <p:bldP spid="15" grpId="0"/>
+      <p:bldP spid="18" grpId="0"/>
     </p:bldLst>
   </p:timing>
 </p:sld>
@@ -13049,22 +13930,20 @@
       </p:grpSpPr>
       <p:pic>
         <p:nvPicPr>
-          <p:cNvPr id="5" name="Espaço Reservado para Conteúdo 4">
+          <p:cNvPr id="7" name="Imagem 6">
             <a:extLst>
               <a:ext uri="{FF2B5EF4-FFF2-40B4-BE49-F238E27FC236}">
-                <a16:creationId xmlns:a16="http://schemas.microsoft.com/office/drawing/2014/main" id="{DEBCF998-65B9-41B2-A535-E5741DD64BE5}"/>
+                <a16:creationId xmlns:a16="http://schemas.microsoft.com/office/drawing/2014/main" id="{15EF5E79-A320-604B-B8D0-BB7CC7F3BD24}"/>
               </a:ext>
             </a:extLst>
           </p:cNvPr>
           <p:cNvPicPr>
-            <a:picLocks noGrp="1" noChangeAspect="1"/>
+            <a:picLocks noChangeAspect="1"/>
           </p:cNvPicPr>
-          <p:nvPr>
-            <p:ph idx="1"/>
-          </p:nvPr>
+          <p:nvPr/>
         </p:nvPicPr>
         <p:blipFill>
-          <a:blip r:embed="rId2">
+          <a:blip r:embed="rId3">
             <a:extLst>
               <a:ext uri="{28A0092B-C50C-407E-A947-70E740481C1C}">
                 <a14:useLocalDpi xmlns:a14="http://schemas.microsoft.com/office/drawing/2010/main" val="0"/>
@@ -13077,17 +13956,20 @@
         </p:blipFill>
         <p:spPr>
           <a:xfrm>
-            <a:off x="-11088" y="1"/>
-            <a:ext cx="12203088" cy="6881654"/>
+            <a:off x="-1" y="-1590"/>
+            <a:ext cx="12192001" cy="2021978"/>
           </a:xfrm>
+          <a:prstGeom prst="rect">
+            <a:avLst/>
+          </a:prstGeom>
         </p:spPr>
       </p:pic>
       <p:sp>
         <p:nvSpPr>
-          <p:cNvPr id="6" name="Título 1">
+          <p:cNvPr id="13" name="Título 1">
             <a:extLst>
               <a:ext uri="{FF2B5EF4-FFF2-40B4-BE49-F238E27FC236}">
-                <a16:creationId xmlns:a16="http://schemas.microsoft.com/office/drawing/2014/main" id="{EC993F68-2ABC-472C-9DAA-F49885B6553A}"/>
+                <a16:creationId xmlns:a16="http://schemas.microsoft.com/office/drawing/2014/main" id="{94E1A0D2-D048-46FE-90D3-722FBF740CC7}"/>
               </a:ext>
             </a:extLst>
           </p:cNvPr>
@@ -13100,8 +13982,8 @@
         </p:nvSpPr>
         <p:spPr>
           <a:xfrm>
-            <a:off x="29290" y="2418011"/>
-            <a:ext cx="11358357" cy="2021978"/>
+            <a:off x="2159726" y="0"/>
+            <a:ext cx="9292046" cy="2021978"/>
           </a:xfrm>
         </p:spPr>
         <p:txBody>
@@ -13110,17 +13992,16 @@
           </a:bodyPr>
           <a:lstStyle/>
           <a:p>
-            <a:pPr algn="ctr"/>
             <a:r>
-              <a:rPr lang="pt-BR" sz="7300" dirty="0">
+              <a:rPr lang="pt-BR" dirty="0" err="1">
                 <a:solidFill>
                   <a:schemeClr val="bg1"/>
                 </a:solidFill>
                 <a:latin typeface="Nunito" pitchFamily="2" charset="77"/>
               </a:rPr>
-              <a:t>Dúvidas?</a:t>
+              <a:t>Microsserviços</a:t>
             </a:r>
-            <a:endParaRPr lang="pt-BR" sz="5400" dirty="0">
+            <a:endParaRPr lang="pt-BR" dirty="0">
               <a:solidFill>
                 <a:schemeClr val="bg1"/>
               </a:solidFill>
@@ -13131,10 +14012,10 @@
       </p:sp>
       <p:pic>
         <p:nvPicPr>
-          <p:cNvPr id="4" name="Gráfico 3">
+          <p:cNvPr id="14" name="Gráfico 13">
             <a:extLst>
               <a:ext uri="{FF2B5EF4-FFF2-40B4-BE49-F238E27FC236}">
-                <a16:creationId xmlns:a16="http://schemas.microsoft.com/office/drawing/2014/main" id="{30B2841D-7CA4-4E0E-8F46-4FA75875DD08}"/>
+                <a16:creationId xmlns:a16="http://schemas.microsoft.com/office/drawing/2014/main" id="{2B5477E9-00BA-4494-BA1B-5466AC45994D}"/>
               </a:ext>
             </a:extLst>
           </p:cNvPr>
@@ -13144,13 +14025,10 @@
           <p:nvPr/>
         </p:nvPicPr>
         <p:blipFill>
-          <a:blip r:embed="rId3">
-            <a:extLst>
-              <a:ext uri="{28A0092B-C50C-407E-A947-70E740481C1C}">
-                <a14:useLocalDpi xmlns:a14="http://schemas.microsoft.com/office/drawing/2010/main" val="0"/>
-              </a:ext>
+          <a:blip r:embed="rId4">
+            <a:extLst>
               <a:ext uri="{96DAC541-7B7A-43D3-8B79-37D633B846F1}">
-                <asvg:svgBlip xmlns:asvg="http://schemas.microsoft.com/office/drawing/2016/SVG/main" r:embed="rId4"/>
+                <asvg:svgBlip xmlns:asvg="http://schemas.microsoft.com/office/drawing/2016/SVG/main" r:embed="rId5"/>
               </a:ext>
             </a:extLst>
           </a:blip>
@@ -13160,8 +14038,8 @@
         </p:blipFill>
         <p:spPr>
           <a:xfrm>
-            <a:off x="8042728" y="2538248"/>
-            <a:ext cx="1285750" cy="1648398"/>
+            <a:off x="1097280" y="636835"/>
+            <a:ext cx="610307" cy="705667"/>
           </a:xfrm>
           <a:prstGeom prst="rect">
             <a:avLst/>
@@ -13170,90 +14048,913 @@
       </p:pic>
       <p:sp>
         <p:nvSpPr>
-          <p:cNvPr id="7" name="CaixaDeTexto 6">
+          <p:cNvPr id="19" name="Fluxograma: Processo Alternativo 18">
             <a:extLst>
               <a:ext uri="{FF2B5EF4-FFF2-40B4-BE49-F238E27FC236}">
-                <a16:creationId xmlns:a16="http://schemas.microsoft.com/office/drawing/2014/main" id="{F156BB03-8A3B-4693-854F-02F1C8040212}"/>
+                <a16:creationId xmlns:a16="http://schemas.microsoft.com/office/drawing/2014/main" id="{B17FA60B-9074-4E3C-9C32-75EFD8A8DA7C}"/>
               </a:ext>
             </a:extLst>
           </p:cNvPr>
-          <p:cNvSpPr txBox="1"/>
+          <p:cNvSpPr/>
           <p:nvPr/>
         </p:nvSpPr>
         <p:spPr>
           <a:xfrm>
-            <a:off x="3307223" y="3955813"/>
-            <a:ext cx="5052852" cy="400110"/>
+            <a:off x="6095999" y="3325386"/>
+            <a:ext cx="1794456" cy="633211"/>
+          </a:xfrm>
+          <a:prstGeom prst="flowChartAlternateProcess">
+            <a:avLst/>
+          </a:prstGeom>
+          <a:solidFill>
+            <a:srgbClr val="11D15E"/>
+          </a:solidFill>
+          <a:ln cap="rnd">
+            <a:noFill/>
+          </a:ln>
+        </p:spPr>
+        <p:style>
+          <a:lnRef idx="2">
+            <a:schemeClr val="accent1">
+              <a:shade val="50000"/>
+            </a:schemeClr>
+          </a:lnRef>
+          <a:fillRef idx="1">
+            <a:schemeClr val="accent1"/>
+          </a:fillRef>
+          <a:effectRef idx="0">
+            <a:schemeClr val="accent1"/>
+          </a:effectRef>
+          <a:fontRef idx="minor">
+            <a:schemeClr val="lt1"/>
+          </a:fontRef>
+        </p:style>
+        <p:txBody>
+          <a:bodyPr rtlCol="0" anchor="ctr"/>
+          <a:lstStyle/>
+          <a:p>
+            <a:pPr algn="ctr"/>
+            <a:r>
+              <a:rPr lang="en-US" sz="1600" b="1" dirty="0" err="1">
+                <a:solidFill>
+                  <a:schemeClr val="tx1"/>
+                </a:solidFill>
+                <a:latin typeface="Nunito" pitchFamily="2" charset="0"/>
+              </a:rPr>
+              <a:t>Pedidos</a:t>
+            </a:r>
+            <a:endParaRPr lang="en-US" sz="1600" b="1" dirty="0">
+              <a:solidFill>
+                <a:schemeClr val="tx1"/>
+              </a:solidFill>
+              <a:latin typeface="Nunito" pitchFamily="2" charset="0"/>
+            </a:endParaRPr>
+          </a:p>
+        </p:txBody>
+      </p:sp>
+      <p:sp>
+        <p:nvSpPr>
+          <p:cNvPr id="21" name="Fluxograma: Processo Alternativo 20">
+            <a:extLst>
+              <a:ext uri="{FF2B5EF4-FFF2-40B4-BE49-F238E27FC236}">
+                <a16:creationId xmlns:a16="http://schemas.microsoft.com/office/drawing/2014/main" id="{D5DD050F-D264-4735-AB65-9AA129280908}"/>
+              </a:ext>
+            </a:extLst>
+          </p:cNvPr>
+          <p:cNvSpPr/>
+          <p:nvPr/>
+        </p:nvSpPr>
+        <p:spPr>
+          <a:xfrm>
+            <a:off x="8861068" y="2376640"/>
+            <a:ext cx="1794456" cy="633211"/>
+          </a:xfrm>
+          <a:prstGeom prst="flowChartAlternateProcess">
+            <a:avLst/>
+          </a:prstGeom>
+          <a:solidFill>
+            <a:srgbClr val="11D15E"/>
+          </a:solidFill>
+          <a:ln cap="rnd">
+            <a:noFill/>
+          </a:ln>
+        </p:spPr>
+        <p:style>
+          <a:lnRef idx="2">
+            <a:schemeClr val="accent1">
+              <a:shade val="50000"/>
+            </a:schemeClr>
+          </a:lnRef>
+          <a:fillRef idx="1">
+            <a:schemeClr val="accent1"/>
+          </a:fillRef>
+          <a:effectRef idx="0">
+            <a:schemeClr val="accent1"/>
+          </a:effectRef>
+          <a:fontRef idx="minor">
+            <a:schemeClr val="lt1"/>
+          </a:fontRef>
+        </p:style>
+        <p:txBody>
+          <a:bodyPr rtlCol="0" anchor="ctr"/>
+          <a:lstStyle/>
+          <a:p>
+            <a:pPr algn="ctr"/>
+            <a:r>
+              <a:rPr lang="en-US" sz="1600" b="1" dirty="0" err="1">
+                <a:solidFill>
+                  <a:schemeClr val="tx1"/>
+                </a:solidFill>
+                <a:latin typeface="Nunito" pitchFamily="2" charset="0"/>
+              </a:rPr>
+              <a:t>Notas</a:t>
+            </a:r>
+            <a:endParaRPr lang="en-US" sz="1600" b="1" dirty="0">
+              <a:solidFill>
+                <a:schemeClr val="tx1"/>
+              </a:solidFill>
+              <a:latin typeface="Nunito" pitchFamily="2" charset="0"/>
+            </a:endParaRPr>
+          </a:p>
+        </p:txBody>
+      </p:sp>
+      <p:sp>
+        <p:nvSpPr>
+          <p:cNvPr id="22" name="Fluxograma: Processo Alternativo 21">
+            <a:extLst>
+              <a:ext uri="{FF2B5EF4-FFF2-40B4-BE49-F238E27FC236}">
+                <a16:creationId xmlns:a16="http://schemas.microsoft.com/office/drawing/2014/main" id="{D80FFE83-F8AE-4E1A-843A-26E67C24D3FE}"/>
+              </a:ext>
+            </a:extLst>
+          </p:cNvPr>
+          <p:cNvSpPr/>
+          <p:nvPr/>
+        </p:nvSpPr>
+        <p:spPr>
+          <a:xfrm>
+            <a:off x="8861068" y="3518079"/>
+            <a:ext cx="1794456" cy="633211"/>
+          </a:xfrm>
+          <a:prstGeom prst="flowChartAlternateProcess">
+            <a:avLst/>
+          </a:prstGeom>
+          <a:solidFill>
+            <a:srgbClr val="11D15E"/>
+          </a:solidFill>
+          <a:ln cap="rnd">
+            <a:noFill/>
+          </a:ln>
+        </p:spPr>
+        <p:style>
+          <a:lnRef idx="2">
+            <a:schemeClr val="accent1">
+              <a:shade val="50000"/>
+            </a:schemeClr>
+          </a:lnRef>
+          <a:fillRef idx="1">
+            <a:schemeClr val="accent1"/>
+          </a:fillRef>
+          <a:effectRef idx="0">
+            <a:schemeClr val="accent1"/>
+          </a:effectRef>
+          <a:fontRef idx="minor">
+            <a:schemeClr val="lt1"/>
+          </a:fontRef>
+        </p:style>
+        <p:txBody>
+          <a:bodyPr rtlCol="0" anchor="ctr"/>
+          <a:lstStyle/>
+          <a:p>
+            <a:pPr algn="ctr"/>
+            <a:r>
+              <a:rPr lang="en-US" sz="1600" b="1" dirty="0" err="1">
+                <a:solidFill>
+                  <a:schemeClr val="tx1"/>
+                </a:solidFill>
+                <a:latin typeface="Nunito" pitchFamily="2" charset="0"/>
+              </a:rPr>
+              <a:t>Vendas</a:t>
+            </a:r>
+            <a:endParaRPr lang="en-US" sz="1600" b="1" dirty="0">
+              <a:solidFill>
+                <a:schemeClr val="tx1"/>
+              </a:solidFill>
+              <a:latin typeface="Nunito" pitchFamily="2" charset="0"/>
+            </a:endParaRPr>
+          </a:p>
+        </p:txBody>
+      </p:sp>
+      <p:sp>
+        <p:nvSpPr>
+          <p:cNvPr id="26" name="Fluxograma: Processo Alternativo 25">
+            <a:extLst>
+              <a:ext uri="{FF2B5EF4-FFF2-40B4-BE49-F238E27FC236}">
+                <a16:creationId xmlns:a16="http://schemas.microsoft.com/office/drawing/2014/main" id="{3D043196-70BD-4BE0-97B3-AD80C52820D8}"/>
+              </a:ext>
+            </a:extLst>
+          </p:cNvPr>
+          <p:cNvSpPr/>
+          <p:nvPr/>
+        </p:nvSpPr>
+        <p:spPr>
+          <a:xfrm>
+            <a:off x="6095999" y="5239428"/>
+            <a:ext cx="1794456" cy="633211"/>
+          </a:xfrm>
+          <a:prstGeom prst="flowChartAlternateProcess">
+            <a:avLst/>
+          </a:prstGeom>
+          <a:solidFill>
+            <a:srgbClr val="11D15E"/>
+          </a:solidFill>
+          <a:ln cap="rnd">
+            <a:noFill/>
+          </a:ln>
+        </p:spPr>
+        <p:style>
+          <a:lnRef idx="2">
+            <a:schemeClr val="accent1">
+              <a:shade val="50000"/>
+            </a:schemeClr>
+          </a:lnRef>
+          <a:fillRef idx="1">
+            <a:schemeClr val="accent1"/>
+          </a:fillRef>
+          <a:effectRef idx="0">
+            <a:schemeClr val="accent1"/>
+          </a:effectRef>
+          <a:fontRef idx="minor">
+            <a:schemeClr val="lt1"/>
+          </a:fontRef>
+        </p:style>
+        <p:txBody>
+          <a:bodyPr rtlCol="0" anchor="ctr"/>
+          <a:lstStyle/>
+          <a:p>
+            <a:pPr algn="ctr"/>
+            <a:r>
+              <a:rPr lang="en-US" sz="1600" b="1" dirty="0" err="1">
+                <a:solidFill>
+                  <a:schemeClr val="tx1"/>
+                </a:solidFill>
+                <a:latin typeface="Nunito" pitchFamily="2" charset="0"/>
+              </a:rPr>
+              <a:t>Usuários</a:t>
+            </a:r>
+            <a:endParaRPr lang="en-US" sz="1600" b="1" dirty="0">
+              <a:solidFill>
+                <a:schemeClr val="tx1"/>
+              </a:solidFill>
+              <a:latin typeface="Nunito" pitchFamily="2" charset="0"/>
+            </a:endParaRPr>
+          </a:p>
+        </p:txBody>
+      </p:sp>
+      <p:sp>
+        <p:nvSpPr>
+          <p:cNvPr id="27" name="Fluxograma: Processo Alternativo 26">
+            <a:extLst>
+              <a:ext uri="{FF2B5EF4-FFF2-40B4-BE49-F238E27FC236}">
+                <a16:creationId xmlns:a16="http://schemas.microsoft.com/office/drawing/2014/main" id="{48BA25D1-EFDA-491C-9419-134F7D5614B8}"/>
+              </a:ext>
+            </a:extLst>
+          </p:cNvPr>
+          <p:cNvSpPr/>
+          <p:nvPr/>
+        </p:nvSpPr>
+        <p:spPr>
+          <a:xfrm>
+            <a:off x="8861068" y="4606217"/>
+            <a:ext cx="1794456" cy="633211"/>
+          </a:xfrm>
+          <a:prstGeom prst="flowChartAlternateProcess">
+            <a:avLst/>
+          </a:prstGeom>
+          <a:solidFill>
+            <a:srgbClr val="11D15E"/>
+          </a:solidFill>
+          <a:ln cap="rnd">
+            <a:noFill/>
+          </a:ln>
+        </p:spPr>
+        <p:style>
+          <a:lnRef idx="2">
+            <a:schemeClr val="accent1">
+              <a:shade val="50000"/>
+            </a:schemeClr>
+          </a:lnRef>
+          <a:fillRef idx="1">
+            <a:schemeClr val="accent1"/>
+          </a:fillRef>
+          <a:effectRef idx="0">
+            <a:schemeClr val="accent1"/>
+          </a:effectRef>
+          <a:fontRef idx="minor">
+            <a:schemeClr val="lt1"/>
+          </a:fontRef>
+        </p:style>
+        <p:txBody>
+          <a:bodyPr rtlCol="0" anchor="ctr"/>
+          <a:lstStyle/>
+          <a:p>
+            <a:pPr algn="ctr"/>
+            <a:r>
+              <a:rPr lang="en-US" sz="1600" b="1" dirty="0" err="1">
+                <a:solidFill>
+                  <a:schemeClr val="tx1"/>
+                </a:solidFill>
+                <a:latin typeface="Nunito" pitchFamily="2" charset="0"/>
+              </a:rPr>
+              <a:t>Pagamentos</a:t>
+            </a:r>
+            <a:endParaRPr lang="en-US" sz="1600" b="1" dirty="0">
+              <a:solidFill>
+                <a:schemeClr val="tx1"/>
+              </a:solidFill>
+              <a:latin typeface="Nunito" pitchFamily="2" charset="0"/>
+            </a:endParaRPr>
+          </a:p>
+        </p:txBody>
+      </p:sp>
+      <p:sp>
+        <p:nvSpPr>
+          <p:cNvPr id="28" name="Fluxograma: Processo Alternativo 27">
+            <a:extLst>
+              <a:ext uri="{FF2B5EF4-FFF2-40B4-BE49-F238E27FC236}">
+                <a16:creationId xmlns:a16="http://schemas.microsoft.com/office/drawing/2014/main" id="{77063D94-9113-47A4-BE4E-A29121C8D1D9}"/>
+              </a:ext>
+            </a:extLst>
+          </p:cNvPr>
+          <p:cNvSpPr/>
+          <p:nvPr/>
+        </p:nvSpPr>
+        <p:spPr>
+          <a:xfrm>
+            <a:off x="8861068" y="5975797"/>
+            <a:ext cx="1794456" cy="633211"/>
+          </a:xfrm>
+          <a:prstGeom prst="flowChartAlternateProcess">
+            <a:avLst/>
+          </a:prstGeom>
+          <a:solidFill>
+            <a:srgbClr val="11D15E"/>
+          </a:solidFill>
+          <a:ln cap="rnd">
+            <a:noFill/>
+          </a:ln>
+        </p:spPr>
+        <p:style>
+          <a:lnRef idx="2">
+            <a:schemeClr val="accent1">
+              <a:shade val="50000"/>
+            </a:schemeClr>
+          </a:lnRef>
+          <a:fillRef idx="1">
+            <a:schemeClr val="accent1"/>
+          </a:fillRef>
+          <a:effectRef idx="0">
+            <a:schemeClr val="accent1"/>
+          </a:effectRef>
+          <a:fontRef idx="minor">
+            <a:schemeClr val="lt1"/>
+          </a:fontRef>
+        </p:style>
+        <p:txBody>
+          <a:bodyPr rtlCol="0" anchor="ctr"/>
+          <a:lstStyle/>
+          <a:p>
+            <a:pPr algn="ctr"/>
+            <a:r>
+              <a:rPr lang="en-US" sz="1600" b="1" dirty="0" err="1">
+                <a:solidFill>
+                  <a:schemeClr val="tx1"/>
+                </a:solidFill>
+                <a:latin typeface="Nunito" pitchFamily="2" charset="0"/>
+              </a:rPr>
+              <a:t>Envios</a:t>
+            </a:r>
+            <a:endParaRPr lang="en-US" sz="1600" b="1" dirty="0">
+              <a:solidFill>
+                <a:schemeClr val="tx1"/>
+              </a:solidFill>
+              <a:latin typeface="Nunito" pitchFamily="2" charset="0"/>
+            </a:endParaRPr>
+          </a:p>
+        </p:txBody>
+      </p:sp>
+      <p:sp>
+        <p:nvSpPr>
+          <p:cNvPr id="23" name="Fluxograma: Processo Alternativo 22">
+            <a:extLst>
+              <a:ext uri="{FF2B5EF4-FFF2-40B4-BE49-F238E27FC236}">
+                <a16:creationId xmlns:a16="http://schemas.microsoft.com/office/drawing/2014/main" id="{55D466EF-E46A-49AE-857C-AB88252F1476}"/>
+              </a:ext>
+            </a:extLst>
+          </p:cNvPr>
+          <p:cNvSpPr/>
+          <p:nvPr/>
+        </p:nvSpPr>
+        <p:spPr>
+          <a:xfrm rot="16200000">
+            <a:off x="2600011" y="4176218"/>
+            <a:ext cx="4232368" cy="633211"/>
+          </a:xfrm>
+          <a:prstGeom prst="flowChartAlternateProcess">
+            <a:avLst/>
+          </a:prstGeom>
+          <a:solidFill>
+            <a:srgbClr val="11D15E"/>
+          </a:solidFill>
+          <a:ln cap="rnd">
+            <a:noFill/>
+          </a:ln>
+        </p:spPr>
+        <p:style>
+          <a:lnRef idx="2">
+            <a:schemeClr val="accent1">
+              <a:shade val="50000"/>
+            </a:schemeClr>
+          </a:lnRef>
+          <a:fillRef idx="1">
+            <a:schemeClr val="accent1"/>
+          </a:fillRef>
+          <a:effectRef idx="0">
+            <a:schemeClr val="accent1"/>
+          </a:effectRef>
+          <a:fontRef idx="minor">
+            <a:schemeClr val="lt1"/>
+          </a:fontRef>
+        </p:style>
+        <p:txBody>
+          <a:bodyPr rtlCol="0" anchor="ctr"/>
+          <a:lstStyle/>
+          <a:p>
+            <a:pPr algn="ctr"/>
+            <a:r>
+              <a:rPr lang="en-US" sz="1600" b="1" dirty="0">
+                <a:solidFill>
+                  <a:schemeClr val="tx1"/>
+                </a:solidFill>
+                <a:latin typeface="Nunito" pitchFamily="2" charset="0"/>
+              </a:rPr>
+              <a:t>API Gateway</a:t>
+            </a:r>
+          </a:p>
+        </p:txBody>
+      </p:sp>
+      <p:pic>
+        <p:nvPicPr>
+          <p:cNvPr id="5" name="Gráfico 4" descr="Internet com preenchimento sólido">
+            <a:extLst>
+              <a:ext uri="{FF2B5EF4-FFF2-40B4-BE49-F238E27FC236}">
+                <a16:creationId xmlns:a16="http://schemas.microsoft.com/office/drawing/2014/main" id="{CCBC5417-436E-4979-A417-1A8E194C5D90}"/>
+              </a:ext>
+            </a:extLst>
+          </p:cNvPr>
+          <p:cNvPicPr>
+            <a:picLocks noChangeAspect="1"/>
+          </p:cNvPicPr>
+          <p:nvPr/>
+        </p:nvPicPr>
+        <p:blipFill>
+          <a:blip r:embed="rId6">
+            <a:extLst>
+              <a:ext uri="{28A0092B-C50C-407E-A947-70E740481C1C}">
+                <a14:useLocalDpi xmlns:a14="http://schemas.microsoft.com/office/drawing/2010/main" val="0"/>
+              </a:ext>
+              <a:ext uri="{96DAC541-7B7A-43D3-8B79-37D633B846F1}">
+                <asvg:svgBlip xmlns:asvg="http://schemas.microsoft.com/office/drawing/2016/SVG/main" r:embed="rId7"/>
+              </a:ext>
+            </a:extLst>
+          </a:blip>
+          <a:stretch>
+            <a:fillRect/>
+          </a:stretch>
+        </p:blipFill>
+        <p:spPr>
+          <a:xfrm>
+            <a:off x="826710" y="3477674"/>
+            <a:ext cx="1761754" cy="1761754"/>
           </a:xfrm>
           <a:prstGeom prst="rect">
             <a:avLst/>
           </a:prstGeom>
-          <a:noFill/>
         </p:spPr>
+      </p:pic>
+      <p:cxnSp>
+        <p:nvCxnSpPr>
+          <p:cNvPr id="24" name="Conector de Seta Reta 23">
+            <a:extLst>
+              <a:ext uri="{FF2B5EF4-FFF2-40B4-BE49-F238E27FC236}">
+                <a16:creationId xmlns:a16="http://schemas.microsoft.com/office/drawing/2014/main" id="{8C997080-5D13-4907-990F-736CDF40EC45}"/>
+              </a:ext>
+            </a:extLst>
+          </p:cNvPr>
+          <p:cNvCxnSpPr>
+            <a:cxnSpLocks/>
+          </p:cNvCxnSpPr>
+          <p:nvPr/>
+        </p:nvCxnSpPr>
+        <p:spPr>
+          <a:xfrm>
+            <a:off x="2807231" y="4300860"/>
+            <a:ext cx="1325498" cy="0"/>
+          </a:xfrm>
+          <a:prstGeom prst="straightConnector1">
+            <a:avLst/>
+          </a:prstGeom>
+          <a:ln w="19050" cap="flat" cmpd="sng" algn="ctr">
+            <a:solidFill>
+              <a:schemeClr val="dk1"/>
+            </a:solidFill>
+            <a:prstDash val="dash"/>
+            <a:round/>
+            <a:headEnd type="none" w="med" len="med"/>
+            <a:tailEnd type="arrow" w="med" len="med"/>
+          </a:ln>
+        </p:spPr>
+        <p:style>
+          <a:lnRef idx="0">
+            <a:scrgbClr r="0" g="0" b="0"/>
+          </a:lnRef>
+          <a:fillRef idx="0">
+            <a:scrgbClr r="0" g="0" b="0"/>
+          </a:fillRef>
+          <a:effectRef idx="0">
+            <a:scrgbClr r="0" g="0" b="0"/>
+          </a:effectRef>
+          <a:fontRef idx="minor">
+            <a:schemeClr val="tx1"/>
+          </a:fontRef>
+        </p:style>
+      </p:cxnSp>
+      <p:cxnSp>
+        <p:nvCxnSpPr>
+          <p:cNvPr id="25" name="Conector de Seta Reta 24">
+            <a:extLst>
+              <a:ext uri="{FF2B5EF4-FFF2-40B4-BE49-F238E27FC236}">
+                <a16:creationId xmlns:a16="http://schemas.microsoft.com/office/drawing/2014/main" id="{DE1F4CFC-1538-45CB-9164-5C8277C8E494}"/>
+              </a:ext>
+            </a:extLst>
+          </p:cNvPr>
+          <p:cNvCxnSpPr>
+            <a:cxnSpLocks/>
+            <a:endCxn id="19" idx="1"/>
+          </p:cNvCxnSpPr>
+          <p:nvPr/>
+        </p:nvCxnSpPr>
+        <p:spPr>
+          <a:xfrm flipV="1">
+            <a:off x="5147019" y="3641992"/>
+            <a:ext cx="948980" cy="721622"/>
+          </a:xfrm>
+          <a:prstGeom prst="straightConnector1">
+            <a:avLst/>
+          </a:prstGeom>
+          <a:ln w="19050" cap="flat" cmpd="sng" algn="ctr">
+            <a:solidFill>
+              <a:schemeClr val="dk1"/>
+            </a:solidFill>
+            <a:prstDash val="dash"/>
+            <a:round/>
+            <a:headEnd type="none" w="med" len="med"/>
+            <a:tailEnd type="arrow" w="med" len="med"/>
+          </a:ln>
+        </p:spPr>
+        <p:style>
+          <a:lnRef idx="0">
+            <a:scrgbClr r="0" g="0" b="0"/>
+          </a:lnRef>
+          <a:fillRef idx="0">
+            <a:scrgbClr r="0" g="0" b="0"/>
+          </a:fillRef>
+          <a:effectRef idx="0">
+            <a:scrgbClr r="0" g="0" b="0"/>
+          </a:effectRef>
+          <a:fontRef idx="minor">
+            <a:schemeClr val="tx1"/>
+          </a:fontRef>
+        </p:style>
+      </p:cxnSp>
+      <p:cxnSp>
+        <p:nvCxnSpPr>
+          <p:cNvPr id="29" name="Conector de Seta Reta 28">
+            <a:extLst>
+              <a:ext uri="{FF2B5EF4-FFF2-40B4-BE49-F238E27FC236}">
+                <a16:creationId xmlns:a16="http://schemas.microsoft.com/office/drawing/2014/main" id="{7D13101B-249E-4038-8C98-64A991AAF7DC}"/>
+              </a:ext>
+            </a:extLst>
+          </p:cNvPr>
+          <p:cNvCxnSpPr>
+            <a:cxnSpLocks/>
+            <a:endCxn id="26" idx="1"/>
+          </p:cNvCxnSpPr>
+          <p:nvPr/>
+        </p:nvCxnSpPr>
+        <p:spPr>
+          <a:xfrm>
+            <a:off x="5147019" y="4363614"/>
+            <a:ext cx="948980" cy="1192420"/>
+          </a:xfrm>
+          <a:prstGeom prst="straightConnector1">
+            <a:avLst/>
+          </a:prstGeom>
+          <a:ln w="19050" cap="flat" cmpd="sng" algn="ctr">
+            <a:solidFill>
+              <a:schemeClr val="dk1"/>
+            </a:solidFill>
+            <a:prstDash val="dash"/>
+            <a:round/>
+            <a:headEnd type="none" w="med" len="med"/>
+            <a:tailEnd type="arrow" w="med" len="med"/>
+          </a:ln>
+        </p:spPr>
+        <p:style>
+          <a:lnRef idx="0">
+            <a:scrgbClr r="0" g="0" b="0"/>
+          </a:lnRef>
+          <a:fillRef idx="0">
+            <a:scrgbClr r="0" g="0" b="0"/>
+          </a:fillRef>
+          <a:effectRef idx="0">
+            <a:scrgbClr r="0" g="0" b="0"/>
+          </a:effectRef>
+          <a:fontRef idx="minor">
+            <a:schemeClr val="tx1"/>
+          </a:fontRef>
+        </p:style>
+      </p:cxnSp>
+      <p:cxnSp>
+        <p:nvCxnSpPr>
+          <p:cNvPr id="30" name="Conector de Seta Reta 29">
+            <a:extLst>
+              <a:ext uri="{FF2B5EF4-FFF2-40B4-BE49-F238E27FC236}">
+                <a16:creationId xmlns:a16="http://schemas.microsoft.com/office/drawing/2014/main" id="{9F2C5E47-D4D4-463F-952B-9268BC6CA366}"/>
+              </a:ext>
+            </a:extLst>
+          </p:cNvPr>
+          <p:cNvCxnSpPr>
+            <a:cxnSpLocks/>
+            <a:stCxn id="19" idx="3"/>
+            <a:endCxn id="21" idx="1"/>
+          </p:cNvCxnSpPr>
+          <p:nvPr/>
+        </p:nvCxnSpPr>
+        <p:spPr>
+          <a:xfrm flipV="1">
+            <a:off x="7890455" y="2693246"/>
+            <a:ext cx="970613" cy="948746"/>
+          </a:xfrm>
+          <a:prstGeom prst="straightConnector1">
+            <a:avLst/>
+          </a:prstGeom>
+          <a:ln w="19050" cap="flat" cmpd="sng" algn="ctr">
+            <a:solidFill>
+              <a:schemeClr val="dk1"/>
+            </a:solidFill>
+            <a:prstDash val="dash"/>
+            <a:round/>
+            <a:headEnd type="none" w="med" len="med"/>
+            <a:tailEnd type="arrow" w="med" len="med"/>
+          </a:ln>
+        </p:spPr>
+        <p:style>
+          <a:lnRef idx="0">
+            <a:scrgbClr r="0" g="0" b="0"/>
+          </a:lnRef>
+          <a:fillRef idx="0">
+            <a:scrgbClr r="0" g="0" b="0"/>
+          </a:fillRef>
+          <a:effectRef idx="0">
+            <a:scrgbClr r="0" g="0" b="0"/>
+          </a:effectRef>
+          <a:fontRef idx="minor">
+            <a:schemeClr val="tx1"/>
+          </a:fontRef>
+        </p:style>
+      </p:cxnSp>
+      <p:cxnSp>
+        <p:nvCxnSpPr>
+          <p:cNvPr id="32" name="Conector de Seta Reta 31">
+            <a:extLst>
+              <a:ext uri="{FF2B5EF4-FFF2-40B4-BE49-F238E27FC236}">
+                <a16:creationId xmlns:a16="http://schemas.microsoft.com/office/drawing/2014/main" id="{CB2CE912-1866-4941-9537-98AAB95748A6}"/>
+              </a:ext>
+            </a:extLst>
+          </p:cNvPr>
+          <p:cNvCxnSpPr>
+            <a:cxnSpLocks/>
+            <a:endCxn id="22" idx="1"/>
+          </p:cNvCxnSpPr>
+          <p:nvPr/>
+        </p:nvCxnSpPr>
+        <p:spPr>
+          <a:xfrm>
+            <a:off x="7890455" y="3641992"/>
+            <a:ext cx="970613" cy="192693"/>
+          </a:xfrm>
+          <a:prstGeom prst="straightConnector1">
+            <a:avLst/>
+          </a:prstGeom>
+          <a:ln w="19050" cap="flat" cmpd="sng" algn="ctr">
+            <a:solidFill>
+              <a:schemeClr val="dk1"/>
+            </a:solidFill>
+            <a:prstDash val="dash"/>
+            <a:round/>
+            <a:headEnd type="none" w="med" len="med"/>
+            <a:tailEnd type="arrow" w="med" len="med"/>
+          </a:ln>
+        </p:spPr>
+        <p:style>
+          <a:lnRef idx="0">
+            <a:scrgbClr r="0" g="0" b="0"/>
+          </a:lnRef>
+          <a:fillRef idx="0">
+            <a:scrgbClr r="0" g="0" b="0"/>
+          </a:fillRef>
+          <a:effectRef idx="0">
+            <a:scrgbClr r="0" g="0" b="0"/>
+          </a:effectRef>
+          <a:fontRef idx="minor">
+            <a:schemeClr val="tx1"/>
+          </a:fontRef>
+        </p:style>
+      </p:cxnSp>
+      <p:cxnSp>
+        <p:nvCxnSpPr>
+          <p:cNvPr id="34" name="Conector de Seta Reta 33">
+            <a:extLst>
+              <a:ext uri="{FF2B5EF4-FFF2-40B4-BE49-F238E27FC236}">
+                <a16:creationId xmlns:a16="http://schemas.microsoft.com/office/drawing/2014/main" id="{F9F5F8BB-7AE8-4B13-98DC-E05389EC9AE1}"/>
+              </a:ext>
+            </a:extLst>
+          </p:cNvPr>
+          <p:cNvCxnSpPr>
+            <a:cxnSpLocks/>
+            <a:endCxn id="27" idx="1"/>
+          </p:cNvCxnSpPr>
+          <p:nvPr/>
+        </p:nvCxnSpPr>
+        <p:spPr>
+          <a:xfrm>
+            <a:off x="7890455" y="3641992"/>
+            <a:ext cx="970613" cy="1280831"/>
+          </a:xfrm>
+          <a:prstGeom prst="straightConnector1">
+            <a:avLst/>
+          </a:prstGeom>
+          <a:ln w="19050" cap="flat" cmpd="sng" algn="ctr">
+            <a:solidFill>
+              <a:schemeClr val="dk1"/>
+            </a:solidFill>
+            <a:prstDash val="dash"/>
+            <a:round/>
+            <a:headEnd type="none" w="med" len="med"/>
+            <a:tailEnd type="arrow" w="med" len="med"/>
+          </a:ln>
+        </p:spPr>
+        <p:style>
+          <a:lnRef idx="0">
+            <a:scrgbClr r="0" g="0" b="0"/>
+          </a:lnRef>
+          <a:fillRef idx="0">
+            <a:scrgbClr r="0" g="0" b="0"/>
+          </a:fillRef>
+          <a:effectRef idx="0">
+            <a:scrgbClr r="0" g="0" b="0"/>
+          </a:effectRef>
+          <a:fontRef idx="minor">
+            <a:schemeClr val="tx1"/>
+          </a:fontRef>
+        </p:style>
+      </p:cxnSp>
+      <p:cxnSp>
+        <p:nvCxnSpPr>
+          <p:cNvPr id="36" name="Conector de Seta Reta 35">
+            <a:extLst>
+              <a:ext uri="{FF2B5EF4-FFF2-40B4-BE49-F238E27FC236}">
+                <a16:creationId xmlns:a16="http://schemas.microsoft.com/office/drawing/2014/main" id="{51441A38-3406-4F1F-AFD3-54339484B81A}"/>
+              </a:ext>
+            </a:extLst>
+          </p:cNvPr>
+          <p:cNvCxnSpPr>
+            <a:cxnSpLocks/>
+            <a:endCxn id="28" idx="1"/>
+          </p:cNvCxnSpPr>
+          <p:nvPr/>
+        </p:nvCxnSpPr>
+        <p:spPr>
+          <a:xfrm>
+            <a:off x="7890455" y="5535906"/>
+            <a:ext cx="970613" cy="756497"/>
+          </a:xfrm>
+          <a:prstGeom prst="straightConnector1">
+            <a:avLst/>
+          </a:prstGeom>
+          <a:ln w="19050" cap="flat" cmpd="sng" algn="ctr">
+            <a:solidFill>
+              <a:schemeClr val="dk1"/>
+            </a:solidFill>
+            <a:prstDash val="dash"/>
+            <a:round/>
+            <a:headEnd type="none" w="med" len="med"/>
+            <a:tailEnd type="arrow" w="med" len="med"/>
+          </a:ln>
+        </p:spPr>
+        <p:style>
+          <a:lnRef idx="0">
+            <a:scrgbClr r="0" g="0" b="0"/>
+          </a:lnRef>
+          <a:fillRef idx="0">
+            <a:scrgbClr r="0" g="0" b="0"/>
+          </a:fillRef>
+          <a:effectRef idx="0">
+            <a:scrgbClr r="0" g="0" b="0"/>
+          </a:effectRef>
+          <a:fontRef idx="minor">
+            <a:schemeClr val="tx1"/>
+          </a:fontRef>
+        </p:style>
+      </p:cxnSp>
+      <p:sp>
+        <p:nvSpPr>
+          <p:cNvPr id="38" name="Fluxograma: Processo Alternativo 37">
+            <a:extLst>
+              <a:ext uri="{FF2B5EF4-FFF2-40B4-BE49-F238E27FC236}">
+                <a16:creationId xmlns:a16="http://schemas.microsoft.com/office/drawing/2014/main" id="{EF36209A-C48F-46B2-A37C-BE273CE42668}"/>
+              </a:ext>
+            </a:extLst>
+          </p:cNvPr>
+          <p:cNvSpPr/>
+          <p:nvPr/>
+        </p:nvSpPr>
+        <p:spPr>
+          <a:xfrm rot="20482265">
+            <a:off x="175595" y="3631177"/>
+            <a:ext cx="11840808" cy="1339365"/>
+          </a:xfrm>
+          <a:prstGeom prst="flowChartAlternateProcess">
+            <a:avLst/>
+          </a:prstGeom>
+          <a:solidFill>
+            <a:srgbClr val="C00000"/>
+          </a:solidFill>
+          <a:ln>
+            <a:noFill/>
+          </a:ln>
+        </p:spPr>
+        <p:style>
+          <a:lnRef idx="2">
+            <a:schemeClr val="accent1">
+              <a:shade val="50000"/>
+            </a:schemeClr>
+          </a:lnRef>
+          <a:fillRef idx="1">
+            <a:schemeClr val="accent1"/>
+          </a:fillRef>
+          <a:effectRef idx="0">
+            <a:schemeClr val="accent1"/>
+          </a:effectRef>
+          <a:fontRef idx="minor">
+            <a:schemeClr val="lt1"/>
+          </a:fontRef>
+        </p:style>
         <p:txBody>
-          <a:bodyPr wrap="square" rtlCol="0">
-            <a:spAutoFit/>
-          </a:bodyPr>
+          <a:bodyPr rtlCol="0" anchor="ctr"/>
           <a:lstStyle/>
           <a:p>
             <a:pPr algn="ctr"/>
             <a:r>
-              <a:rPr lang="pt-BR" sz="2000" dirty="0" err="1">
-                <a:solidFill>
-                  <a:schemeClr val="bg1"/>
-                </a:solidFill>
-                <a:latin typeface="Nunito" pitchFamily="2" charset="77"/>
+              <a:rPr lang="en-US" sz="3600" b="1" dirty="0">
+                <a:latin typeface="Nunito" pitchFamily="2" charset="0"/>
               </a:rPr>
-              <a:t>https</a:t>
+              <a:t>SERVICE HELL</a:t>
             </a:r>
-            <a:r>
-              <a:rPr lang="pt-BR" sz="2000" dirty="0">
-                <a:solidFill>
-                  <a:schemeClr val="bg1"/>
-                </a:solidFill>
-                <a:latin typeface="Nunito" pitchFamily="2" charset="77"/>
-              </a:rPr>
-              <a:t>://</a:t>
-            </a:r>
-            <a:r>
-              <a:rPr lang="pt-BR" sz="2000" dirty="0" err="1">
-                <a:solidFill>
-                  <a:schemeClr val="bg1"/>
-                </a:solidFill>
-                <a:latin typeface="Nunito" pitchFamily="2" charset="77"/>
-              </a:rPr>
-              <a:t>balta.io</a:t>
-            </a:r>
-            <a:r>
-              <a:rPr lang="pt-BR" sz="2000" dirty="0">
-                <a:solidFill>
-                  <a:schemeClr val="bg1"/>
-                </a:solidFill>
-                <a:latin typeface="Nunito" pitchFamily="2" charset="77"/>
-              </a:rPr>
-              <a:t>/ajuda</a:t>
-            </a:r>
+            <a:endParaRPr lang="pt-BR" sz="3600" b="1" dirty="0">
+              <a:latin typeface="Nunito" pitchFamily="2" charset="0"/>
+            </a:endParaRPr>
           </a:p>
         </p:txBody>
       </p:sp>
     </p:spTree>
     <p:extLst>
       <p:ext uri="{BB962C8B-B14F-4D97-AF65-F5344CB8AC3E}">
-        <p14:creationId xmlns:p14="http://schemas.microsoft.com/office/powerpoint/2010/main" val="797744895"/>
+        <p14:creationId xmlns:p14="http://schemas.microsoft.com/office/powerpoint/2010/main" val="1076066709"/>
       </p:ext>
     </p:extLst>
   </p:cSld>
   <p:clrMapOvr>
     <a:masterClrMapping/>
   </p:clrMapOvr>
-  <mc:AlternateContent xmlns:mc="http://schemas.openxmlformats.org/markup-compatibility/2006" xmlns:p14="http://schemas.microsoft.com/office/powerpoint/2010/main">
-    <mc:Choice Requires="p14">
-      <p:transition spd="med" p14:dur="700">
-        <p:fade/>
+  <mc:AlternateContent xmlns:mc="http://schemas.openxmlformats.org/markup-compatibility/2006">
+    <mc:Choice xmlns:p159="http://schemas.microsoft.com/office/powerpoint/2015/09/main" Requires="p159">
+      <p:transition xmlns:p14="http://schemas.microsoft.com/office/powerpoint/2010/main" spd="slow" p14:dur="2000">
+        <p159:morph option="byObject"/>
       </p:transition>
     </mc:Choice>
-    <mc:Fallback xmlns="">
-      <p:transition spd="med">
+    <mc:Fallback>
+      <p:transition spd="slow">
         <p:fade/>
       </p:transition>
     </mc:Fallback>
@@ -13282,7 +14983,7 @@
                             </p:stCondLst>
                             <p:childTnLst>
                               <p:par>
-                                <p:cTn id="5" presetID="10" presetClass="entr" presetSubtype="0" fill="hold" grpId="0" nodeType="afterEffect">
+                                <p:cTn id="5" presetID="2" presetClass="entr" presetSubtype="4" fill="hold" grpId="0" nodeType="afterEffect">
                                   <p:stCondLst>
                                     <p:cond delay="0"/>
                                   </p:stCondLst>
@@ -13295,7 +14996,581 @@
                                           </p:stCondLst>
                                         </p:cTn>
                                         <p:tgtEl>
-                                          <p:spTgt spid="6"/>
+                                          <p:spTgt spid="19"/>
+                                        </p:tgtEl>
+                                        <p:attrNameLst>
+                                          <p:attrName>style.visibility</p:attrName>
+                                        </p:attrNameLst>
+                                      </p:cBhvr>
+                                      <p:to>
+                                        <p:strVal val="visible"/>
+                                      </p:to>
+                                    </p:set>
+                                    <p:anim calcmode="lin" valueType="num">
+                                      <p:cBhvr additive="base">
+                                        <p:cTn id="7" dur="500" fill="hold"/>
+                                        <p:tgtEl>
+                                          <p:spTgt spid="19"/>
+                                        </p:tgtEl>
+                                        <p:attrNameLst>
+                                          <p:attrName>ppt_x</p:attrName>
+                                        </p:attrNameLst>
+                                      </p:cBhvr>
+                                      <p:tavLst>
+                                        <p:tav tm="0">
+                                          <p:val>
+                                            <p:strVal val="#ppt_x"/>
+                                          </p:val>
+                                        </p:tav>
+                                        <p:tav tm="100000">
+                                          <p:val>
+                                            <p:strVal val="#ppt_x"/>
+                                          </p:val>
+                                        </p:tav>
+                                      </p:tavLst>
+                                    </p:anim>
+                                    <p:anim calcmode="lin" valueType="num">
+                                      <p:cBhvr additive="base">
+                                        <p:cTn id="8" dur="500" fill="hold"/>
+                                        <p:tgtEl>
+                                          <p:spTgt spid="19"/>
+                                        </p:tgtEl>
+                                        <p:attrNameLst>
+                                          <p:attrName>ppt_y</p:attrName>
+                                        </p:attrNameLst>
+                                      </p:cBhvr>
+                                      <p:tavLst>
+                                        <p:tav tm="0">
+                                          <p:val>
+                                            <p:strVal val="1+#ppt_h/2"/>
+                                          </p:val>
+                                        </p:tav>
+                                        <p:tav tm="100000">
+                                          <p:val>
+                                            <p:strVal val="#ppt_y"/>
+                                          </p:val>
+                                        </p:tav>
+                                      </p:tavLst>
+                                    </p:anim>
+                                  </p:childTnLst>
+                                </p:cTn>
+                              </p:par>
+                            </p:childTnLst>
+                          </p:cTn>
+                        </p:par>
+                        <p:par>
+                          <p:cTn id="9" fill="hold">
+                            <p:stCondLst>
+                              <p:cond delay="500"/>
+                            </p:stCondLst>
+                            <p:childTnLst>
+                              <p:par>
+                                <p:cTn id="10" presetID="2" presetClass="entr" presetSubtype="4" fill="hold" grpId="0" nodeType="afterEffect">
+                                  <p:stCondLst>
+                                    <p:cond delay="0"/>
+                                  </p:stCondLst>
+                                  <p:childTnLst>
+                                    <p:set>
+                                      <p:cBhvr>
+                                        <p:cTn id="11" dur="1" fill="hold">
+                                          <p:stCondLst>
+                                            <p:cond delay="0"/>
+                                          </p:stCondLst>
+                                        </p:cTn>
+                                        <p:tgtEl>
+                                          <p:spTgt spid="21"/>
+                                        </p:tgtEl>
+                                        <p:attrNameLst>
+                                          <p:attrName>style.visibility</p:attrName>
+                                        </p:attrNameLst>
+                                      </p:cBhvr>
+                                      <p:to>
+                                        <p:strVal val="visible"/>
+                                      </p:to>
+                                    </p:set>
+                                    <p:anim calcmode="lin" valueType="num">
+                                      <p:cBhvr additive="base">
+                                        <p:cTn id="12" dur="500" fill="hold"/>
+                                        <p:tgtEl>
+                                          <p:spTgt spid="21"/>
+                                        </p:tgtEl>
+                                        <p:attrNameLst>
+                                          <p:attrName>ppt_x</p:attrName>
+                                        </p:attrNameLst>
+                                      </p:cBhvr>
+                                      <p:tavLst>
+                                        <p:tav tm="0">
+                                          <p:val>
+                                            <p:strVal val="#ppt_x"/>
+                                          </p:val>
+                                        </p:tav>
+                                        <p:tav tm="100000">
+                                          <p:val>
+                                            <p:strVal val="#ppt_x"/>
+                                          </p:val>
+                                        </p:tav>
+                                      </p:tavLst>
+                                    </p:anim>
+                                    <p:anim calcmode="lin" valueType="num">
+                                      <p:cBhvr additive="base">
+                                        <p:cTn id="13" dur="500" fill="hold"/>
+                                        <p:tgtEl>
+                                          <p:spTgt spid="21"/>
+                                        </p:tgtEl>
+                                        <p:attrNameLst>
+                                          <p:attrName>ppt_y</p:attrName>
+                                        </p:attrNameLst>
+                                      </p:cBhvr>
+                                      <p:tavLst>
+                                        <p:tav tm="0">
+                                          <p:val>
+                                            <p:strVal val="1+#ppt_h/2"/>
+                                          </p:val>
+                                        </p:tav>
+                                        <p:tav tm="100000">
+                                          <p:val>
+                                            <p:strVal val="#ppt_y"/>
+                                          </p:val>
+                                        </p:tav>
+                                      </p:tavLst>
+                                    </p:anim>
+                                  </p:childTnLst>
+                                </p:cTn>
+                              </p:par>
+                            </p:childTnLst>
+                          </p:cTn>
+                        </p:par>
+                        <p:par>
+                          <p:cTn id="14" fill="hold">
+                            <p:stCondLst>
+                              <p:cond delay="1000"/>
+                            </p:stCondLst>
+                            <p:childTnLst>
+                              <p:par>
+                                <p:cTn id="15" presetID="2" presetClass="entr" presetSubtype="4" fill="hold" grpId="0" nodeType="afterEffect">
+                                  <p:stCondLst>
+                                    <p:cond delay="0"/>
+                                  </p:stCondLst>
+                                  <p:childTnLst>
+                                    <p:set>
+                                      <p:cBhvr>
+                                        <p:cTn id="16" dur="1" fill="hold">
+                                          <p:stCondLst>
+                                            <p:cond delay="0"/>
+                                          </p:stCondLst>
+                                        </p:cTn>
+                                        <p:tgtEl>
+                                          <p:spTgt spid="22"/>
+                                        </p:tgtEl>
+                                        <p:attrNameLst>
+                                          <p:attrName>style.visibility</p:attrName>
+                                        </p:attrNameLst>
+                                      </p:cBhvr>
+                                      <p:to>
+                                        <p:strVal val="visible"/>
+                                      </p:to>
+                                    </p:set>
+                                    <p:anim calcmode="lin" valueType="num">
+                                      <p:cBhvr additive="base">
+                                        <p:cTn id="17" dur="500" fill="hold"/>
+                                        <p:tgtEl>
+                                          <p:spTgt spid="22"/>
+                                        </p:tgtEl>
+                                        <p:attrNameLst>
+                                          <p:attrName>ppt_x</p:attrName>
+                                        </p:attrNameLst>
+                                      </p:cBhvr>
+                                      <p:tavLst>
+                                        <p:tav tm="0">
+                                          <p:val>
+                                            <p:strVal val="#ppt_x"/>
+                                          </p:val>
+                                        </p:tav>
+                                        <p:tav tm="100000">
+                                          <p:val>
+                                            <p:strVal val="#ppt_x"/>
+                                          </p:val>
+                                        </p:tav>
+                                      </p:tavLst>
+                                    </p:anim>
+                                    <p:anim calcmode="lin" valueType="num">
+                                      <p:cBhvr additive="base">
+                                        <p:cTn id="18" dur="500" fill="hold"/>
+                                        <p:tgtEl>
+                                          <p:spTgt spid="22"/>
+                                        </p:tgtEl>
+                                        <p:attrNameLst>
+                                          <p:attrName>ppt_y</p:attrName>
+                                        </p:attrNameLst>
+                                      </p:cBhvr>
+                                      <p:tavLst>
+                                        <p:tav tm="0">
+                                          <p:val>
+                                            <p:strVal val="1+#ppt_h/2"/>
+                                          </p:val>
+                                        </p:tav>
+                                        <p:tav tm="100000">
+                                          <p:val>
+                                            <p:strVal val="#ppt_y"/>
+                                          </p:val>
+                                        </p:tav>
+                                      </p:tavLst>
+                                    </p:anim>
+                                  </p:childTnLst>
+                                </p:cTn>
+                              </p:par>
+                            </p:childTnLst>
+                          </p:cTn>
+                        </p:par>
+                        <p:par>
+                          <p:cTn id="19" fill="hold">
+                            <p:stCondLst>
+                              <p:cond delay="1500"/>
+                            </p:stCondLst>
+                            <p:childTnLst>
+                              <p:par>
+                                <p:cTn id="20" presetID="2" presetClass="entr" presetSubtype="4" fill="hold" grpId="0" nodeType="afterEffect">
+                                  <p:stCondLst>
+                                    <p:cond delay="0"/>
+                                  </p:stCondLst>
+                                  <p:childTnLst>
+                                    <p:set>
+                                      <p:cBhvr>
+                                        <p:cTn id="21" dur="1" fill="hold">
+                                          <p:stCondLst>
+                                            <p:cond delay="0"/>
+                                          </p:stCondLst>
+                                        </p:cTn>
+                                        <p:tgtEl>
+                                          <p:spTgt spid="26"/>
+                                        </p:tgtEl>
+                                        <p:attrNameLst>
+                                          <p:attrName>style.visibility</p:attrName>
+                                        </p:attrNameLst>
+                                      </p:cBhvr>
+                                      <p:to>
+                                        <p:strVal val="visible"/>
+                                      </p:to>
+                                    </p:set>
+                                    <p:anim calcmode="lin" valueType="num">
+                                      <p:cBhvr additive="base">
+                                        <p:cTn id="22" dur="500" fill="hold"/>
+                                        <p:tgtEl>
+                                          <p:spTgt spid="26"/>
+                                        </p:tgtEl>
+                                        <p:attrNameLst>
+                                          <p:attrName>ppt_x</p:attrName>
+                                        </p:attrNameLst>
+                                      </p:cBhvr>
+                                      <p:tavLst>
+                                        <p:tav tm="0">
+                                          <p:val>
+                                            <p:strVal val="#ppt_x"/>
+                                          </p:val>
+                                        </p:tav>
+                                        <p:tav tm="100000">
+                                          <p:val>
+                                            <p:strVal val="#ppt_x"/>
+                                          </p:val>
+                                        </p:tav>
+                                      </p:tavLst>
+                                    </p:anim>
+                                    <p:anim calcmode="lin" valueType="num">
+                                      <p:cBhvr additive="base">
+                                        <p:cTn id="23" dur="500" fill="hold"/>
+                                        <p:tgtEl>
+                                          <p:spTgt spid="26"/>
+                                        </p:tgtEl>
+                                        <p:attrNameLst>
+                                          <p:attrName>ppt_y</p:attrName>
+                                        </p:attrNameLst>
+                                      </p:cBhvr>
+                                      <p:tavLst>
+                                        <p:tav tm="0">
+                                          <p:val>
+                                            <p:strVal val="1+#ppt_h/2"/>
+                                          </p:val>
+                                        </p:tav>
+                                        <p:tav tm="100000">
+                                          <p:val>
+                                            <p:strVal val="#ppt_y"/>
+                                          </p:val>
+                                        </p:tav>
+                                      </p:tavLst>
+                                    </p:anim>
+                                  </p:childTnLst>
+                                </p:cTn>
+                              </p:par>
+                            </p:childTnLst>
+                          </p:cTn>
+                        </p:par>
+                        <p:par>
+                          <p:cTn id="24" fill="hold">
+                            <p:stCondLst>
+                              <p:cond delay="2000"/>
+                            </p:stCondLst>
+                            <p:childTnLst>
+                              <p:par>
+                                <p:cTn id="25" presetID="2" presetClass="entr" presetSubtype="4" fill="hold" grpId="0" nodeType="afterEffect">
+                                  <p:stCondLst>
+                                    <p:cond delay="0"/>
+                                  </p:stCondLst>
+                                  <p:childTnLst>
+                                    <p:set>
+                                      <p:cBhvr>
+                                        <p:cTn id="26" dur="1" fill="hold">
+                                          <p:stCondLst>
+                                            <p:cond delay="0"/>
+                                          </p:stCondLst>
+                                        </p:cTn>
+                                        <p:tgtEl>
+                                          <p:spTgt spid="27"/>
+                                        </p:tgtEl>
+                                        <p:attrNameLst>
+                                          <p:attrName>style.visibility</p:attrName>
+                                        </p:attrNameLst>
+                                      </p:cBhvr>
+                                      <p:to>
+                                        <p:strVal val="visible"/>
+                                      </p:to>
+                                    </p:set>
+                                    <p:anim calcmode="lin" valueType="num">
+                                      <p:cBhvr additive="base">
+                                        <p:cTn id="27" dur="500" fill="hold"/>
+                                        <p:tgtEl>
+                                          <p:spTgt spid="27"/>
+                                        </p:tgtEl>
+                                        <p:attrNameLst>
+                                          <p:attrName>ppt_x</p:attrName>
+                                        </p:attrNameLst>
+                                      </p:cBhvr>
+                                      <p:tavLst>
+                                        <p:tav tm="0">
+                                          <p:val>
+                                            <p:strVal val="#ppt_x"/>
+                                          </p:val>
+                                        </p:tav>
+                                        <p:tav tm="100000">
+                                          <p:val>
+                                            <p:strVal val="#ppt_x"/>
+                                          </p:val>
+                                        </p:tav>
+                                      </p:tavLst>
+                                    </p:anim>
+                                    <p:anim calcmode="lin" valueType="num">
+                                      <p:cBhvr additive="base">
+                                        <p:cTn id="28" dur="500" fill="hold"/>
+                                        <p:tgtEl>
+                                          <p:spTgt spid="27"/>
+                                        </p:tgtEl>
+                                        <p:attrNameLst>
+                                          <p:attrName>ppt_y</p:attrName>
+                                        </p:attrNameLst>
+                                      </p:cBhvr>
+                                      <p:tavLst>
+                                        <p:tav tm="0">
+                                          <p:val>
+                                            <p:strVal val="1+#ppt_h/2"/>
+                                          </p:val>
+                                        </p:tav>
+                                        <p:tav tm="100000">
+                                          <p:val>
+                                            <p:strVal val="#ppt_y"/>
+                                          </p:val>
+                                        </p:tav>
+                                      </p:tavLst>
+                                    </p:anim>
+                                  </p:childTnLst>
+                                </p:cTn>
+                              </p:par>
+                            </p:childTnLst>
+                          </p:cTn>
+                        </p:par>
+                        <p:par>
+                          <p:cTn id="29" fill="hold">
+                            <p:stCondLst>
+                              <p:cond delay="2500"/>
+                            </p:stCondLst>
+                            <p:childTnLst>
+                              <p:par>
+                                <p:cTn id="30" presetID="2" presetClass="entr" presetSubtype="4" fill="hold" grpId="0" nodeType="afterEffect">
+                                  <p:stCondLst>
+                                    <p:cond delay="0"/>
+                                  </p:stCondLst>
+                                  <p:childTnLst>
+                                    <p:set>
+                                      <p:cBhvr>
+                                        <p:cTn id="31" dur="1" fill="hold">
+                                          <p:stCondLst>
+                                            <p:cond delay="0"/>
+                                          </p:stCondLst>
+                                        </p:cTn>
+                                        <p:tgtEl>
+                                          <p:spTgt spid="28"/>
+                                        </p:tgtEl>
+                                        <p:attrNameLst>
+                                          <p:attrName>style.visibility</p:attrName>
+                                        </p:attrNameLst>
+                                      </p:cBhvr>
+                                      <p:to>
+                                        <p:strVal val="visible"/>
+                                      </p:to>
+                                    </p:set>
+                                    <p:anim calcmode="lin" valueType="num">
+                                      <p:cBhvr additive="base">
+                                        <p:cTn id="32" dur="500" fill="hold"/>
+                                        <p:tgtEl>
+                                          <p:spTgt spid="28"/>
+                                        </p:tgtEl>
+                                        <p:attrNameLst>
+                                          <p:attrName>ppt_x</p:attrName>
+                                        </p:attrNameLst>
+                                      </p:cBhvr>
+                                      <p:tavLst>
+                                        <p:tav tm="0">
+                                          <p:val>
+                                            <p:strVal val="#ppt_x"/>
+                                          </p:val>
+                                        </p:tav>
+                                        <p:tav tm="100000">
+                                          <p:val>
+                                            <p:strVal val="#ppt_x"/>
+                                          </p:val>
+                                        </p:tav>
+                                      </p:tavLst>
+                                    </p:anim>
+                                    <p:anim calcmode="lin" valueType="num">
+                                      <p:cBhvr additive="base">
+                                        <p:cTn id="33" dur="500" fill="hold"/>
+                                        <p:tgtEl>
+                                          <p:spTgt spid="28"/>
+                                        </p:tgtEl>
+                                        <p:attrNameLst>
+                                          <p:attrName>ppt_y</p:attrName>
+                                        </p:attrNameLst>
+                                      </p:cBhvr>
+                                      <p:tavLst>
+                                        <p:tav tm="0">
+                                          <p:val>
+                                            <p:strVal val="1+#ppt_h/2"/>
+                                          </p:val>
+                                        </p:tav>
+                                        <p:tav tm="100000">
+                                          <p:val>
+                                            <p:strVal val="#ppt_y"/>
+                                          </p:val>
+                                        </p:tav>
+                                      </p:tavLst>
+                                    </p:anim>
+                                  </p:childTnLst>
+                                </p:cTn>
+                              </p:par>
+                            </p:childTnLst>
+                          </p:cTn>
+                        </p:par>
+                        <p:par>
+                          <p:cTn id="34" fill="hold">
+                            <p:stCondLst>
+                              <p:cond delay="3000"/>
+                            </p:stCondLst>
+                            <p:childTnLst>
+                              <p:par>
+                                <p:cTn id="35" presetID="2" presetClass="entr" presetSubtype="4" fill="hold" grpId="0" nodeType="afterEffect">
+                                  <p:stCondLst>
+                                    <p:cond delay="0"/>
+                                  </p:stCondLst>
+                                  <p:childTnLst>
+                                    <p:set>
+                                      <p:cBhvr>
+                                        <p:cTn id="36" dur="1" fill="hold">
+                                          <p:stCondLst>
+                                            <p:cond delay="0"/>
+                                          </p:stCondLst>
+                                        </p:cTn>
+                                        <p:tgtEl>
+                                          <p:spTgt spid="23"/>
+                                        </p:tgtEl>
+                                        <p:attrNameLst>
+                                          <p:attrName>style.visibility</p:attrName>
+                                        </p:attrNameLst>
+                                      </p:cBhvr>
+                                      <p:to>
+                                        <p:strVal val="visible"/>
+                                      </p:to>
+                                    </p:set>
+                                    <p:anim calcmode="lin" valueType="num">
+                                      <p:cBhvr additive="base">
+                                        <p:cTn id="37" dur="500" fill="hold"/>
+                                        <p:tgtEl>
+                                          <p:spTgt spid="23"/>
+                                        </p:tgtEl>
+                                        <p:attrNameLst>
+                                          <p:attrName>ppt_x</p:attrName>
+                                        </p:attrNameLst>
+                                      </p:cBhvr>
+                                      <p:tavLst>
+                                        <p:tav tm="0">
+                                          <p:val>
+                                            <p:strVal val="#ppt_x"/>
+                                          </p:val>
+                                        </p:tav>
+                                        <p:tav tm="100000">
+                                          <p:val>
+                                            <p:strVal val="#ppt_x"/>
+                                          </p:val>
+                                        </p:tav>
+                                      </p:tavLst>
+                                    </p:anim>
+                                    <p:anim calcmode="lin" valueType="num">
+                                      <p:cBhvr additive="base">
+                                        <p:cTn id="38" dur="500" fill="hold"/>
+                                        <p:tgtEl>
+                                          <p:spTgt spid="23"/>
+                                        </p:tgtEl>
+                                        <p:attrNameLst>
+                                          <p:attrName>ppt_y</p:attrName>
+                                        </p:attrNameLst>
+                                      </p:cBhvr>
+                                      <p:tavLst>
+                                        <p:tav tm="0">
+                                          <p:val>
+                                            <p:strVal val="1+#ppt_h/2"/>
+                                          </p:val>
+                                        </p:tav>
+                                        <p:tav tm="100000">
+                                          <p:val>
+                                            <p:strVal val="#ppt_y"/>
+                                          </p:val>
+                                        </p:tav>
+                                      </p:tavLst>
+                                    </p:anim>
+                                  </p:childTnLst>
+                                </p:cTn>
+                              </p:par>
+                            </p:childTnLst>
+                          </p:cTn>
+                        </p:par>
+                        <p:par>
+                          <p:cTn id="39" fill="hold">
+                            <p:stCondLst>
+                              <p:cond delay="3500"/>
+                            </p:stCondLst>
+                            <p:childTnLst>
+                              <p:par>
+                                <p:cTn id="40" presetID="10" presetClass="entr" presetSubtype="0" fill="hold" nodeType="afterEffect">
+                                  <p:stCondLst>
+                                    <p:cond delay="0"/>
+                                  </p:stCondLst>
+                                  <p:childTnLst>
+                                    <p:set>
+                                      <p:cBhvr>
+                                        <p:cTn id="41" dur="1" fill="hold">
+                                          <p:stCondLst>
+                                            <p:cond delay="0"/>
+                                          </p:stCondLst>
+                                        </p:cTn>
+                                        <p:tgtEl>
+                                          <p:spTgt spid="24"/>
                                         </p:tgtEl>
                                         <p:attrNameLst>
                                           <p:attrName>style.visibility</p:attrName>
@@ -13307,9 +15582,9 @@
                                     </p:set>
                                     <p:animEffect transition="in" filter="fade">
                                       <p:cBhvr>
-                                        <p:cTn id="7" dur="500"/>
+                                        <p:cTn id="42" dur="500"/>
                                         <p:tgtEl>
-                                          <p:spTgt spid="6"/>
+                                          <p:spTgt spid="24"/>
                                         </p:tgtEl>
                                       </p:cBhvr>
                                     </p:animEffect>
@@ -13320,26 +15595,26 @@
                           </p:cTn>
                         </p:par>
                         <p:par>
-                          <p:cTn id="8" fill="hold">
+                          <p:cTn id="43" fill="hold">
                             <p:stCondLst>
-                              <p:cond delay="500"/>
+                              <p:cond delay="4000"/>
                             </p:stCondLst>
                             <p:childTnLst>
                               <p:par>
-                                <p:cTn id="9" presetID="10" presetClass="entr" presetSubtype="0" fill="hold" nodeType="afterEffect">
+                                <p:cTn id="44" presetID="10" presetClass="entr" presetSubtype="0" fill="hold" nodeType="afterEffect">
                                   <p:stCondLst>
                                     <p:cond delay="0"/>
                                   </p:stCondLst>
                                   <p:childTnLst>
                                     <p:set>
                                       <p:cBhvr>
-                                        <p:cTn id="10" dur="1" fill="hold">
+                                        <p:cTn id="45" dur="1" fill="hold">
                                           <p:stCondLst>
                                             <p:cond delay="0"/>
                                           </p:stCondLst>
                                         </p:cTn>
                                         <p:tgtEl>
-                                          <p:spTgt spid="4"/>
+                                          <p:spTgt spid="25"/>
                                         </p:tgtEl>
                                         <p:attrNameLst>
                                           <p:attrName>style.visibility</p:attrName>
@@ -13351,9 +15626,9 @@
                                     </p:set>
                                     <p:animEffect transition="in" filter="fade">
                                       <p:cBhvr>
-                                        <p:cTn id="11" dur="500"/>
+                                        <p:cTn id="46" dur="500"/>
                                         <p:tgtEl>
-                                          <p:spTgt spid="4"/>
+                                          <p:spTgt spid="25"/>
                                         </p:tgtEl>
                                       </p:cBhvr>
                                     </p:animEffect>
@@ -13364,30 +15639,341 @@
                           </p:cTn>
                         </p:par>
                         <p:par>
-                          <p:cTn id="12" fill="hold">
+                          <p:cTn id="47" fill="hold">
                             <p:stCondLst>
-                              <p:cond delay="1000"/>
+                              <p:cond delay="4500"/>
                             </p:stCondLst>
                             <p:childTnLst>
                               <p:par>
-                                <p:cTn id="13" presetID="42" presetClass="path" presetSubtype="0" repeatCount="indefinite" accel="50000" decel="50000" autoRev="1" fill="hold" nodeType="afterEffect">
+                                <p:cTn id="48" presetID="10" presetClass="entr" presetSubtype="0" fill="hold" nodeType="afterEffect">
                                   <p:stCondLst>
                                     <p:cond delay="0"/>
                                   </p:stCondLst>
                                   <p:childTnLst>
-                                    <p:animMotion origin="layout" path="M 2.08333E-7 2.22222E-6 L 0.00052 0.05208 " pathEditMode="relative" rAng="0" ptsTypes="AA">
+                                    <p:set>
                                       <p:cBhvr>
-                                        <p:cTn id="14" dur="2000" fill="hold"/>
+                                        <p:cTn id="49" dur="1" fill="hold">
+                                          <p:stCondLst>
+                                            <p:cond delay="0"/>
+                                          </p:stCondLst>
+                                        </p:cTn>
                                         <p:tgtEl>
-                                          <p:spTgt spid="4"/>
+                                          <p:spTgt spid="29"/>
                                         </p:tgtEl>
                                         <p:attrNameLst>
-                                          <p:attrName>ppt_x</p:attrName>
-                                          <p:attrName>ppt_y</p:attrName>
+                                          <p:attrName>style.visibility</p:attrName>
                                         </p:attrNameLst>
                                       </p:cBhvr>
-                                      <p:rCtr x="26" y="2593"/>
-                                    </p:animMotion>
+                                      <p:to>
+                                        <p:strVal val="visible"/>
+                                      </p:to>
+                                    </p:set>
+                                    <p:animEffect transition="in" filter="fade">
+                                      <p:cBhvr>
+                                        <p:cTn id="50" dur="500"/>
+                                        <p:tgtEl>
+                                          <p:spTgt spid="29"/>
+                                        </p:tgtEl>
+                                      </p:cBhvr>
+                                    </p:animEffect>
+                                  </p:childTnLst>
+                                </p:cTn>
+                              </p:par>
+                            </p:childTnLst>
+                          </p:cTn>
+                        </p:par>
+                        <p:par>
+                          <p:cTn id="51" fill="hold">
+                            <p:stCondLst>
+                              <p:cond delay="5000"/>
+                            </p:stCondLst>
+                            <p:childTnLst>
+                              <p:par>
+                                <p:cTn id="52" presetID="10" presetClass="entr" presetSubtype="0" fill="hold" nodeType="afterEffect">
+                                  <p:stCondLst>
+                                    <p:cond delay="0"/>
+                                  </p:stCondLst>
+                                  <p:childTnLst>
+                                    <p:set>
+                                      <p:cBhvr>
+                                        <p:cTn id="53" dur="1" fill="hold">
+                                          <p:stCondLst>
+                                            <p:cond delay="0"/>
+                                          </p:stCondLst>
+                                        </p:cTn>
+                                        <p:tgtEl>
+                                          <p:spTgt spid="30"/>
+                                        </p:tgtEl>
+                                        <p:attrNameLst>
+                                          <p:attrName>style.visibility</p:attrName>
+                                        </p:attrNameLst>
+                                      </p:cBhvr>
+                                      <p:to>
+                                        <p:strVal val="visible"/>
+                                      </p:to>
+                                    </p:set>
+                                    <p:animEffect transition="in" filter="fade">
+                                      <p:cBhvr>
+                                        <p:cTn id="54" dur="500"/>
+                                        <p:tgtEl>
+                                          <p:spTgt spid="30"/>
+                                        </p:tgtEl>
+                                      </p:cBhvr>
+                                    </p:animEffect>
+                                  </p:childTnLst>
+                                </p:cTn>
+                              </p:par>
+                            </p:childTnLst>
+                          </p:cTn>
+                        </p:par>
+                        <p:par>
+                          <p:cTn id="55" fill="hold">
+                            <p:stCondLst>
+                              <p:cond delay="5500"/>
+                            </p:stCondLst>
+                            <p:childTnLst>
+                              <p:par>
+                                <p:cTn id="56" presetID="10" presetClass="entr" presetSubtype="0" fill="hold" nodeType="afterEffect">
+                                  <p:stCondLst>
+                                    <p:cond delay="0"/>
+                                  </p:stCondLst>
+                                  <p:childTnLst>
+                                    <p:set>
+                                      <p:cBhvr>
+                                        <p:cTn id="57" dur="1" fill="hold">
+                                          <p:stCondLst>
+                                            <p:cond delay="0"/>
+                                          </p:stCondLst>
+                                        </p:cTn>
+                                        <p:tgtEl>
+                                          <p:spTgt spid="32"/>
+                                        </p:tgtEl>
+                                        <p:attrNameLst>
+                                          <p:attrName>style.visibility</p:attrName>
+                                        </p:attrNameLst>
+                                      </p:cBhvr>
+                                      <p:to>
+                                        <p:strVal val="visible"/>
+                                      </p:to>
+                                    </p:set>
+                                    <p:animEffect transition="in" filter="fade">
+                                      <p:cBhvr>
+                                        <p:cTn id="58" dur="500"/>
+                                        <p:tgtEl>
+                                          <p:spTgt spid="32"/>
+                                        </p:tgtEl>
+                                      </p:cBhvr>
+                                    </p:animEffect>
+                                  </p:childTnLst>
+                                </p:cTn>
+                              </p:par>
+                            </p:childTnLst>
+                          </p:cTn>
+                        </p:par>
+                        <p:par>
+                          <p:cTn id="59" fill="hold">
+                            <p:stCondLst>
+                              <p:cond delay="6000"/>
+                            </p:stCondLst>
+                            <p:childTnLst>
+                              <p:par>
+                                <p:cTn id="60" presetID="10" presetClass="entr" presetSubtype="0" fill="hold" nodeType="afterEffect">
+                                  <p:stCondLst>
+                                    <p:cond delay="0"/>
+                                  </p:stCondLst>
+                                  <p:childTnLst>
+                                    <p:set>
+                                      <p:cBhvr>
+                                        <p:cTn id="61" dur="1" fill="hold">
+                                          <p:stCondLst>
+                                            <p:cond delay="0"/>
+                                          </p:stCondLst>
+                                        </p:cTn>
+                                        <p:tgtEl>
+                                          <p:spTgt spid="34"/>
+                                        </p:tgtEl>
+                                        <p:attrNameLst>
+                                          <p:attrName>style.visibility</p:attrName>
+                                        </p:attrNameLst>
+                                      </p:cBhvr>
+                                      <p:to>
+                                        <p:strVal val="visible"/>
+                                      </p:to>
+                                    </p:set>
+                                    <p:animEffect transition="in" filter="fade">
+                                      <p:cBhvr>
+                                        <p:cTn id="62" dur="500"/>
+                                        <p:tgtEl>
+                                          <p:spTgt spid="34"/>
+                                        </p:tgtEl>
+                                      </p:cBhvr>
+                                    </p:animEffect>
+                                  </p:childTnLst>
+                                </p:cTn>
+                              </p:par>
+                            </p:childTnLst>
+                          </p:cTn>
+                        </p:par>
+                        <p:par>
+                          <p:cTn id="63" fill="hold">
+                            <p:stCondLst>
+                              <p:cond delay="6500"/>
+                            </p:stCondLst>
+                            <p:childTnLst>
+                              <p:par>
+                                <p:cTn id="64" presetID="10" presetClass="entr" presetSubtype="0" fill="hold" nodeType="afterEffect">
+                                  <p:stCondLst>
+                                    <p:cond delay="0"/>
+                                  </p:stCondLst>
+                                  <p:childTnLst>
+                                    <p:set>
+                                      <p:cBhvr>
+                                        <p:cTn id="65" dur="1" fill="hold">
+                                          <p:stCondLst>
+                                            <p:cond delay="0"/>
+                                          </p:stCondLst>
+                                        </p:cTn>
+                                        <p:tgtEl>
+                                          <p:spTgt spid="36"/>
+                                        </p:tgtEl>
+                                        <p:attrNameLst>
+                                          <p:attrName>style.visibility</p:attrName>
+                                        </p:attrNameLst>
+                                      </p:cBhvr>
+                                      <p:to>
+                                        <p:strVal val="visible"/>
+                                      </p:to>
+                                    </p:set>
+                                    <p:animEffect transition="in" filter="fade">
+                                      <p:cBhvr>
+                                        <p:cTn id="66" dur="500"/>
+                                        <p:tgtEl>
+                                          <p:spTgt spid="36"/>
+                                        </p:tgtEl>
+                                      </p:cBhvr>
+                                    </p:animEffect>
+                                  </p:childTnLst>
+                                </p:cTn>
+                              </p:par>
+                            </p:childTnLst>
+                          </p:cTn>
+                        </p:par>
+                      </p:childTnLst>
+                    </p:cTn>
+                  </p:par>
+                  <p:par>
+                    <p:cTn id="67" fill="hold">
+                      <p:stCondLst>
+                        <p:cond delay="indefinite"/>
+                      </p:stCondLst>
+                      <p:childTnLst>
+                        <p:par>
+                          <p:cTn id="68" fill="hold">
+                            <p:stCondLst>
+                              <p:cond delay="0"/>
+                            </p:stCondLst>
+                            <p:childTnLst>
+                              <p:par>
+                                <p:cTn id="69" presetID="31" presetClass="entr" presetSubtype="0" fill="hold" grpId="0" nodeType="clickEffect">
+                                  <p:stCondLst>
+                                    <p:cond delay="0"/>
+                                  </p:stCondLst>
+                                  <p:childTnLst>
+                                    <p:set>
+                                      <p:cBhvr>
+                                        <p:cTn id="70" dur="1" fill="hold">
+                                          <p:stCondLst>
+                                            <p:cond delay="0"/>
+                                          </p:stCondLst>
+                                        </p:cTn>
+                                        <p:tgtEl>
+                                          <p:spTgt spid="38"/>
+                                        </p:tgtEl>
+                                        <p:attrNameLst>
+                                          <p:attrName>style.visibility</p:attrName>
+                                        </p:attrNameLst>
+                                      </p:cBhvr>
+                                      <p:to>
+                                        <p:strVal val="visible"/>
+                                      </p:to>
+                                    </p:set>
+                                    <p:anim calcmode="lin" valueType="num">
+                                      <p:cBhvr>
+                                        <p:cTn id="71" dur="1000" fill="hold"/>
+                                        <p:tgtEl>
+                                          <p:spTgt spid="38"/>
+                                        </p:tgtEl>
+                                        <p:attrNameLst>
+                                          <p:attrName>ppt_w</p:attrName>
+                                        </p:attrNameLst>
+                                      </p:cBhvr>
+                                      <p:tavLst>
+                                        <p:tav tm="0">
+                                          <p:val>
+                                            <p:fltVal val="0"/>
+                                          </p:val>
+                                        </p:tav>
+                                        <p:tav tm="100000">
+                                          <p:val>
+                                            <p:strVal val="#ppt_w"/>
+                                          </p:val>
+                                        </p:tav>
+                                      </p:tavLst>
+                                    </p:anim>
+                                    <p:anim calcmode="lin" valueType="num">
+                                      <p:cBhvr>
+                                        <p:cTn id="72" dur="1000" fill="hold"/>
+                                        <p:tgtEl>
+                                          <p:spTgt spid="38"/>
+                                        </p:tgtEl>
+                                        <p:attrNameLst>
+                                          <p:attrName>ppt_h</p:attrName>
+                                        </p:attrNameLst>
+                                      </p:cBhvr>
+                                      <p:tavLst>
+                                        <p:tav tm="0">
+                                          <p:val>
+                                            <p:fltVal val="0"/>
+                                          </p:val>
+                                        </p:tav>
+                                        <p:tav tm="100000">
+                                          <p:val>
+                                            <p:strVal val="#ppt_h"/>
+                                          </p:val>
+                                        </p:tav>
+                                      </p:tavLst>
+                                    </p:anim>
+                                    <p:anim calcmode="lin" valueType="num">
+                                      <p:cBhvr>
+                                        <p:cTn id="73" dur="1000" fill="hold"/>
+                                        <p:tgtEl>
+                                          <p:spTgt spid="38"/>
+                                        </p:tgtEl>
+                                        <p:attrNameLst>
+                                          <p:attrName>style.rotation</p:attrName>
+                                        </p:attrNameLst>
+                                      </p:cBhvr>
+                                      <p:tavLst>
+                                        <p:tav tm="0">
+                                          <p:val>
+                                            <p:fltVal val="90"/>
+                                          </p:val>
+                                        </p:tav>
+                                        <p:tav tm="100000">
+                                          <p:val>
+                                            <p:fltVal val="0"/>
+                                          </p:val>
+                                        </p:tav>
+                                      </p:tavLst>
+                                    </p:anim>
+                                    <p:animEffect transition="in" filter="fade">
+                                      <p:cBhvr>
+                                        <p:cTn id="74" dur="1000"/>
+                                        <p:tgtEl>
+                                          <p:spTgt spid="38"/>
+                                        </p:tgtEl>
+                                      </p:cBhvr>
+                                    </p:animEffect>
                                   </p:childTnLst>
                                 </p:cTn>
                               </p:par>
@@ -13419,7 +16005,14 @@
       </p:par>
     </p:tnLst>
     <p:bldLst>
-      <p:bldP spid="6" grpId="0"/>
+      <p:bldP spid="19" grpId="0" animBg="1"/>
+      <p:bldP spid="21" grpId="0" animBg="1"/>
+      <p:bldP spid="22" grpId="0" animBg="1"/>
+      <p:bldP spid="26" grpId="0" animBg="1"/>
+      <p:bldP spid="27" grpId="0" animBg="1"/>
+      <p:bldP spid="28" grpId="0" animBg="1"/>
+      <p:bldP spid="23" grpId="0" animBg="1"/>
+      <p:bldP spid="38" grpId="0" animBg="1"/>
     </p:bldLst>
   </p:timing>
 </p:sld>

--- a/2021-08-25_event-driven-architecture.pptx
+++ b/2021-08-25_event-driven-architecture.pptx
@@ -5,7 +5,7 @@
     <p:sldMasterId id="2147483648" r:id="rId1"/>
   </p:sldMasterIdLst>
   <p:notesMasterIdLst>
-    <p:notesMasterId r:id="rId12"/>
+    <p:notesMasterId r:id="rId23"/>
   </p:notesMasterIdLst>
   <p:sldIdLst>
     <p:sldId id="260" r:id="rId2"/>
@@ -17,7 +17,18 @@
     <p:sldId id="482" r:id="rId8"/>
     <p:sldId id="483" r:id="rId9"/>
     <p:sldId id="484" r:id="rId10"/>
-    <p:sldId id="265" r:id="rId11"/>
+    <p:sldId id="485" r:id="rId11"/>
+    <p:sldId id="486" r:id="rId12"/>
+    <p:sldId id="487" r:id="rId13"/>
+    <p:sldId id="488" r:id="rId14"/>
+    <p:sldId id="489" r:id="rId15"/>
+    <p:sldId id="490" r:id="rId16"/>
+    <p:sldId id="491" r:id="rId17"/>
+    <p:sldId id="494" r:id="rId18"/>
+    <p:sldId id="492" r:id="rId19"/>
+    <p:sldId id="493" r:id="rId20"/>
+    <p:sldId id="495" r:id="rId21"/>
+    <p:sldId id="265" r:id="rId22"/>
   </p:sldIdLst>
   <p:sldSz cx="12192000" cy="6858000"/>
   <p:notesSz cx="6858000" cy="9144000"/>
@@ -3722,7 +3733,7 @@
           <a:p>
             <a:fld id="{2232590A-2ECD-4930-A16F-BAB4FCA317C7}" type="datetimeFigureOut">
               <a:rPr lang="pt-BR" smtClean="0"/>
-              <a:t>16/08/2021</a:t>
+              <a:t>17/08/2021</a:t>
             </a:fld>
             <a:endParaRPr lang="pt-BR"/>
           </a:p>
@@ -4507,6 +4518,90 @@
 </p:notes>
 </file>
 
+<file path=ppt/notesSlides/notesSlide7.xml><?xml version="1.0" encoding="utf-8"?>
+<p:notes xmlns:a="http://schemas.openxmlformats.org/drawingml/2006/main" xmlns:r="http://schemas.openxmlformats.org/officeDocument/2006/relationships" xmlns:p="http://schemas.openxmlformats.org/presentationml/2006/main">
+  <p:cSld>
+    <p:spTree>
+      <p:nvGrpSpPr>
+        <p:cNvPr id="1" name=""/>
+        <p:cNvGrpSpPr/>
+        <p:nvPr/>
+      </p:nvGrpSpPr>
+      <p:grpSpPr>
+        <a:xfrm>
+          <a:off x="0" y="0"/>
+          <a:ext cx="0" cy="0"/>
+          <a:chOff x="0" y="0"/>
+          <a:chExt cx="0" cy="0"/>
+        </a:xfrm>
+      </p:grpSpPr>
+      <p:sp>
+        <p:nvSpPr>
+          <p:cNvPr id="2" name="Espaço Reservado para Imagem de Slide 1"/>
+          <p:cNvSpPr>
+            <a:spLocks noGrp="1" noRot="1" noChangeAspect="1"/>
+          </p:cNvSpPr>
+          <p:nvPr>
+            <p:ph type="sldImg"/>
+          </p:nvPr>
+        </p:nvSpPr>
+        <p:spPr/>
+      </p:sp>
+      <p:sp>
+        <p:nvSpPr>
+          <p:cNvPr id="3" name="Espaço Reservado para Anotações 2"/>
+          <p:cNvSpPr>
+            <a:spLocks noGrp="1"/>
+          </p:cNvSpPr>
+          <p:nvPr>
+            <p:ph type="body" idx="1"/>
+          </p:nvPr>
+        </p:nvSpPr>
+        <p:spPr/>
+        <p:txBody>
+          <a:bodyPr/>
+          <a:lstStyle/>
+          <a:p>
+            <a:endParaRPr lang="en-US" dirty="0"/>
+          </a:p>
+        </p:txBody>
+      </p:sp>
+      <p:sp>
+        <p:nvSpPr>
+          <p:cNvPr id="4" name="Espaço Reservado para Número de Slide 3"/>
+          <p:cNvSpPr>
+            <a:spLocks noGrp="1"/>
+          </p:cNvSpPr>
+          <p:nvPr>
+            <p:ph type="sldNum" sz="quarter" idx="5"/>
+          </p:nvPr>
+        </p:nvSpPr>
+        <p:spPr/>
+        <p:txBody>
+          <a:bodyPr/>
+          <a:lstStyle/>
+          <a:p>
+            <a:fld id="{1BFBF4EA-A19C-4108-A664-D5EED1568F94}" type="slidenum">
+              <a:rPr lang="pt-BR" smtClean="0"/>
+              <a:t>11</a:t>
+            </a:fld>
+            <a:endParaRPr lang="pt-BR"/>
+          </a:p>
+        </p:txBody>
+      </p:sp>
+    </p:spTree>
+    <p:extLst>
+      <p:ext uri="{BB962C8B-B14F-4D97-AF65-F5344CB8AC3E}">
+        <p14:creationId xmlns:p14="http://schemas.microsoft.com/office/powerpoint/2010/main" val="597099866"/>
+      </p:ext>
+    </p:extLst>
+  </p:cSld>
+  <p:clrMapOvr>
+    <a:masterClrMapping/>
+  </p:clrMapOvr>
+</p:notes>
+</file>
+
 <file path=ppt/slideLayouts/slideLayout1.xml><?xml version="1.0" encoding="utf-8"?>
 <p:sldLayout xmlns:a="http://schemas.openxmlformats.org/drawingml/2006/main" xmlns:r="http://schemas.openxmlformats.org/officeDocument/2006/relationships" xmlns:p="http://schemas.openxmlformats.org/presentationml/2006/main" type="title" preserve="1">
   <p:cSld name="Slide de Título">
@@ -4654,7 +4749,7 @@
           <a:p>
             <a:fld id="{358D75C1-F3B0-4D81-A190-EFDBB1D1AFEE}" type="datetimeFigureOut">
               <a:rPr lang="pt-BR" smtClean="0"/>
-              <a:t>16/08/2021</a:t>
+              <a:t>17/08/2021</a:t>
             </a:fld>
             <a:endParaRPr lang="pt-BR"/>
           </a:p>
@@ -4852,7 +4947,7 @@
           <a:p>
             <a:fld id="{358D75C1-F3B0-4D81-A190-EFDBB1D1AFEE}" type="datetimeFigureOut">
               <a:rPr lang="pt-BR" smtClean="0"/>
-              <a:t>16/08/2021</a:t>
+              <a:t>17/08/2021</a:t>
             </a:fld>
             <a:endParaRPr lang="pt-BR"/>
           </a:p>
@@ -5060,7 +5155,7 @@
           <a:p>
             <a:fld id="{358D75C1-F3B0-4D81-A190-EFDBB1D1AFEE}" type="datetimeFigureOut">
               <a:rPr lang="pt-BR" smtClean="0"/>
-              <a:t>16/08/2021</a:t>
+              <a:t>17/08/2021</a:t>
             </a:fld>
             <a:endParaRPr lang="pt-BR"/>
           </a:p>
@@ -5258,7 +5353,7 @@
           <a:p>
             <a:fld id="{358D75C1-F3B0-4D81-A190-EFDBB1D1AFEE}" type="datetimeFigureOut">
               <a:rPr lang="pt-BR" smtClean="0"/>
-              <a:t>16/08/2021</a:t>
+              <a:t>17/08/2021</a:t>
             </a:fld>
             <a:endParaRPr lang="pt-BR"/>
           </a:p>
@@ -5533,7 +5628,7 @@
           <a:p>
             <a:fld id="{358D75C1-F3B0-4D81-A190-EFDBB1D1AFEE}" type="datetimeFigureOut">
               <a:rPr lang="pt-BR" smtClean="0"/>
-              <a:t>16/08/2021</a:t>
+              <a:t>17/08/2021</a:t>
             </a:fld>
             <a:endParaRPr lang="pt-BR"/>
           </a:p>
@@ -5798,7 +5893,7 @@
           <a:p>
             <a:fld id="{358D75C1-F3B0-4D81-A190-EFDBB1D1AFEE}" type="datetimeFigureOut">
               <a:rPr lang="pt-BR" smtClean="0"/>
-              <a:t>16/08/2021</a:t>
+              <a:t>17/08/2021</a:t>
             </a:fld>
             <a:endParaRPr lang="pt-BR"/>
           </a:p>
@@ -6210,7 +6305,7 @@
           <a:p>
             <a:fld id="{358D75C1-F3B0-4D81-A190-EFDBB1D1AFEE}" type="datetimeFigureOut">
               <a:rPr lang="pt-BR" smtClean="0"/>
-              <a:t>16/08/2021</a:t>
+              <a:t>17/08/2021</a:t>
             </a:fld>
             <a:endParaRPr lang="pt-BR"/>
           </a:p>
@@ -6351,7 +6446,7 @@
           <a:p>
             <a:fld id="{358D75C1-F3B0-4D81-A190-EFDBB1D1AFEE}" type="datetimeFigureOut">
               <a:rPr lang="pt-BR" smtClean="0"/>
-              <a:t>16/08/2021</a:t>
+              <a:t>17/08/2021</a:t>
             </a:fld>
             <a:endParaRPr lang="pt-BR"/>
           </a:p>
@@ -6464,7 +6559,7 @@
           <a:p>
             <a:fld id="{358D75C1-F3B0-4D81-A190-EFDBB1D1AFEE}" type="datetimeFigureOut">
               <a:rPr lang="pt-BR" smtClean="0"/>
-              <a:t>16/08/2021</a:t>
+              <a:t>17/08/2021</a:t>
             </a:fld>
             <a:endParaRPr lang="pt-BR"/>
           </a:p>
@@ -6775,7 +6870,7 @@
           <a:p>
             <a:fld id="{358D75C1-F3B0-4D81-A190-EFDBB1D1AFEE}" type="datetimeFigureOut">
               <a:rPr lang="pt-BR" smtClean="0"/>
-              <a:t>16/08/2021</a:t>
+              <a:t>17/08/2021</a:t>
             </a:fld>
             <a:endParaRPr lang="pt-BR"/>
           </a:p>
@@ -7063,7 +7158,7 @@
           <a:p>
             <a:fld id="{358D75C1-F3B0-4D81-A190-EFDBB1D1AFEE}" type="datetimeFigureOut">
               <a:rPr lang="pt-BR" smtClean="0"/>
-              <a:t>16/08/2021</a:t>
+              <a:t>17/08/2021</a:t>
             </a:fld>
             <a:endParaRPr lang="pt-BR"/>
           </a:p>
@@ -7304,7 +7399,7 @@
           <a:p>
             <a:fld id="{358D75C1-F3B0-4D81-A190-EFDBB1D1AFEE}" type="datetimeFigureOut">
               <a:rPr lang="pt-BR" smtClean="0"/>
-              <a:t>16/08/2021</a:t>
+              <a:t>17/08/2021</a:t>
             </a:fld>
             <a:endParaRPr lang="pt-BR"/>
           </a:p>
@@ -8468,6 +8563,6193 @@
       </p:grpSpPr>
       <p:pic>
         <p:nvPicPr>
+          <p:cNvPr id="7" name="Imagem 6">
+            <a:extLst>
+              <a:ext uri="{FF2B5EF4-FFF2-40B4-BE49-F238E27FC236}">
+                <a16:creationId xmlns:a16="http://schemas.microsoft.com/office/drawing/2014/main" id="{15EF5E79-A320-604B-B8D0-BB7CC7F3BD24}"/>
+              </a:ext>
+            </a:extLst>
+          </p:cNvPr>
+          <p:cNvPicPr>
+            <a:picLocks noChangeAspect="1"/>
+          </p:cNvPicPr>
+          <p:nvPr/>
+        </p:nvPicPr>
+        <p:blipFill>
+          <a:blip r:embed="rId2">
+            <a:extLst>
+              <a:ext uri="{28A0092B-C50C-407E-A947-70E740481C1C}">
+                <a14:useLocalDpi xmlns:a14="http://schemas.microsoft.com/office/drawing/2010/main" val="0"/>
+              </a:ext>
+            </a:extLst>
+          </a:blip>
+          <a:stretch>
+            <a:fillRect/>
+          </a:stretch>
+        </p:blipFill>
+        <p:spPr>
+          <a:xfrm>
+            <a:off x="-1" y="-1590"/>
+            <a:ext cx="12192001" cy="2021978"/>
+          </a:xfrm>
+          <a:prstGeom prst="rect">
+            <a:avLst/>
+          </a:prstGeom>
+        </p:spPr>
+      </p:pic>
+      <p:sp>
+        <p:nvSpPr>
+          <p:cNvPr id="13" name="Título 1">
+            <a:extLst>
+              <a:ext uri="{FF2B5EF4-FFF2-40B4-BE49-F238E27FC236}">
+                <a16:creationId xmlns:a16="http://schemas.microsoft.com/office/drawing/2014/main" id="{94E1A0D2-D048-46FE-90D3-722FBF740CC7}"/>
+              </a:ext>
+            </a:extLst>
+          </p:cNvPr>
+          <p:cNvSpPr>
+            <a:spLocks noGrp="1"/>
+          </p:cNvSpPr>
+          <p:nvPr>
+            <p:ph type="title"/>
+          </p:nvPr>
+        </p:nvSpPr>
+        <p:spPr>
+          <a:xfrm>
+            <a:off x="2159726" y="0"/>
+            <a:ext cx="9292046" cy="2021978"/>
+          </a:xfrm>
+        </p:spPr>
+        <p:txBody>
+          <a:bodyPr>
+            <a:normAutofit/>
+          </a:bodyPr>
+          <a:lstStyle/>
+          <a:p>
+            <a:r>
+              <a:rPr lang="pt-BR" dirty="0">
+                <a:solidFill>
+                  <a:schemeClr val="bg1"/>
+                </a:solidFill>
+                <a:latin typeface="Nunito" pitchFamily="2" charset="77"/>
+              </a:rPr>
+              <a:t>EDA</a:t>
+            </a:r>
+          </a:p>
+        </p:txBody>
+      </p:sp>
+      <p:pic>
+        <p:nvPicPr>
+          <p:cNvPr id="14" name="Gráfico 13">
+            <a:extLst>
+              <a:ext uri="{FF2B5EF4-FFF2-40B4-BE49-F238E27FC236}">
+                <a16:creationId xmlns:a16="http://schemas.microsoft.com/office/drawing/2014/main" id="{2B5477E9-00BA-4494-BA1B-5466AC45994D}"/>
+              </a:ext>
+            </a:extLst>
+          </p:cNvPr>
+          <p:cNvPicPr>
+            <a:picLocks noChangeAspect="1"/>
+          </p:cNvPicPr>
+          <p:nvPr/>
+        </p:nvPicPr>
+        <p:blipFill>
+          <a:blip r:embed="rId3">
+            <a:extLst>
+              <a:ext uri="{96DAC541-7B7A-43D3-8B79-37D633B846F1}">
+                <asvg:svgBlip xmlns:asvg="http://schemas.microsoft.com/office/drawing/2016/SVG/main" r:embed="rId4"/>
+              </a:ext>
+            </a:extLst>
+          </a:blip>
+          <a:stretch>
+            <a:fillRect/>
+          </a:stretch>
+        </p:blipFill>
+        <p:spPr>
+          <a:xfrm>
+            <a:off x="1097280" y="636835"/>
+            <a:ext cx="610307" cy="705667"/>
+          </a:xfrm>
+          <a:prstGeom prst="rect">
+            <a:avLst/>
+          </a:prstGeom>
+        </p:spPr>
+      </p:pic>
+      <p:sp>
+        <p:nvSpPr>
+          <p:cNvPr id="8" name="CaixaDeTexto 7">
+            <a:extLst>
+              <a:ext uri="{FF2B5EF4-FFF2-40B4-BE49-F238E27FC236}">
+                <a16:creationId xmlns:a16="http://schemas.microsoft.com/office/drawing/2014/main" id="{29557DB5-A419-464F-8DE1-FE557705DF73}"/>
+              </a:ext>
+            </a:extLst>
+          </p:cNvPr>
+          <p:cNvSpPr txBox="1"/>
+          <p:nvPr/>
+        </p:nvSpPr>
+        <p:spPr>
+          <a:xfrm>
+            <a:off x="1097280" y="2719343"/>
+            <a:ext cx="6400800" cy="3693319"/>
+          </a:xfrm>
+          <a:prstGeom prst="rect">
+            <a:avLst/>
+          </a:prstGeom>
+          <a:noFill/>
+        </p:spPr>
+        <p:txBody>
+          <a:bodyPr wrap="square" rtlCol="0">
+            <a:spAutoFit/>
+          </a:bodyPr>
+          <a:lstStyle/>
+          <a:p>
+            <a:r>
+              <a:rPr lang="pt-BR" b="1" dirty="0" err="1">
+                <a:latin typeface="Nunito" pitchFamily="2" charset="77"/>
+              </a:rPr>
+              <a:t>Event-Driven</a:t>
+            </a:r>
+            <a:r>
+              <a:rPr lang="pt-BR" b="1" dirty="0">
+                <a:latin typeface="Nunito" pitchFamily="2" charset="77"/>
+              </a:rPr>
+              <a:t> </a:t>
+            </a:r>
+            <a:r>
+              <a:rPr lang="pt-BR" b="1" dirty="0" err="1">
+                <a:latin typeface="Nunito" pitchFamily="2" charset="77"/>
+              </a:rPr>
+              <a:t>Architecture</a:t>
+            </a:r>
+            <a:endParaRPr lang="pt-BR" b="1" dirty="0">
+              <a:latin typeface="Nunito" pitchFamily="2" charset="77"/>
+            </a:endParaRPr>
+          </a:p>
+          <a:p>
+            <a:pPr marL="285750" indent="-285750">
+              <a:buFontTx/>
+              <a:buChar char="-"/>
+            </a:pPr>
+            <a:r>
+              <a:rPr lang="en-US" dirty="0" err="1">
+                <a:latin typeface="Nunito" pitchFamily="2" charset="77"/>
+              </a:rPr>
+              <a:t>Arquitetura</a:t>
+            </a:r>
+            <a:r>
+              <a:rPr lang="en-US" dirty="0">
+                <a:latin typeface="Nunito" pitchFamily="2" charset="77"/>
+              </a:rPr>
+              <a:t> </a:t>
+            </a:r>
+            <a:r>
+              <a:rPr lang="en-US" dirty="0" err="1">
+                <a:latin typeface="Nunito" pitchFamily="2" charset="77"/>
+              </a:rPr>
+              <a:t>orientada</a:t>
+            </a:r>
+            <a:r>
+              <a:rPr lang="en-US" dirty="0">
+                <a:latin typeface="Nunito" pitchFamily="2" charset="77"/>
+              </a:rPr>
+              <a:t> a </a:t>
+            </a:r>
+            <a:r>
+              <a:rPr lang="en-US" dirty="0" err="1">
+                <a:latin typeface="Nunito" pitchFamily="2" charset="77"/>
+              </a:rPr>
+              <a:t>eventos</a:t>
+            </a:r>
+            <a:endParaRPr lang="en-US" dirty="0">
+              <a:latin typeface="Nunito" pitchFamily="2" charset="77"/>
+            </a:endParaRPr>
+          </a:p>
+          <a:p>
+            <a:pPr marL="285750" indent="-285750">
+              <a:buFontTx/>
+              <a:buChar char="-"/>
+            </a:pPr>
+            <a:r>
+              <a:rPr lang="en-US" dirty="0" err="1">
+                <a:latin typeface="Nunito" pitchFamily="2" charset="77"/>
+              </a:rPr>
+              <a:t>Padrão</a:t>
+            </a:r>
+            <a:r>
+              <a:rPr lang="en-US" dirty="0">
+                <a:latin typeface="Nunito" pitchFamily="2" charset="77"/>
+              </a:rPr>
+              <a:t> de </a:t>
+            </a:r>
+            <a:r>
+              <a:rPr lang="en-US" dirty="0" err="1">
+                <a:latin typeface="Nunito" pitchFamily="2" charset="77"/>
+              </a:rPr>
+              <a:t>arquitetura</a:t>
+            </a:r>
+            <a:endParaRPr lang="en-US" dirty="0">
+              <a:latin typeface="Nunito" pitchFamily="2" charset="77"/>
+            </a:endParaRPr>
+          </a:p>
+          <a:p>
+            <a:pPr marL="285750" indent="-285750">
+              <a:buFontTx/>
+              <a:buChar char="-"/>
+            </a:pPr>
+            <a:r>
+              <a:rPr lang="en-US" dirty="0" err="1">
+                <a:latin typeface="Nunito" pitchFamily="2" charset="77"/>
+              </a:rPr>
+              <a:t>Promove</a:t>
+            </a:r>
+            <a:r>
+              <a:rPr lang="en-US" dirty="0">
+                <a:latin typeface="Nunito" pitchFamily="2" charset="77"/>
+              </a:rPr>
+              <a:t>:</a:t>
+            </a:r>
+          </a:p>
+          <a:p>
+            <a:pPr marL="742950" lvl="1" indent="-285750">
+              <a:buFontTx/>
+              <a:buChar char="-"/>
+            </a:pPr>
+            <a:r>
+              <a:rPr lang="en-US" dirty="0" err="1">
+                <a:latin typeface="Nunito" pitchFamily="2" charset="77"/>
+              </a:rPr>
+              <a:t>Produção</a:t>
+            </a:r>
+            <a:endParaRPr lang="en-US" dirty="0">
+              <a:latin typeface="Nunito" pitchFamily="2" charset="77"/>
+            </a:endParaRPr>
+          </a:p>
+          <a:p>
+            <a:pPr marL="742950" lvl="1" indent="-285750">
+              <a:buFontTx/>
+              <a:buChar char="-"/>
+            </a:pPr>
+            <a:r>
+              <a:rPr lang="en-US" dirty="0" err="1">
+                <a:latin typeface="Nunito" pitchFamily="2" charset="77"/>
+              </a:rPr>
+              <a:t>Detecção</a:t>
+            </a:r>
+            <a:endParaRPr lang="en-US" dirty="0">
+              <a:latin typeface="Nunito" pitchFamily="2" charset="77"/>
+            </a:endParaRPr>
+          </a:p>
+          <a:p>
+            <a:pPr marL="742950" lvl="1" indent="-285750">
+              <a:buFontTx/>
+              <a:buChar char="-"/>
+            </a:pPr>
+            <a:r>
+              <a:rPr lang="en-US" dirty="0" err="1">
+                <a:latin typeface="Nunito" pitchFamily="2" charset="77"/>
+              </a:rPr>
+              <a:t>Consumo</a:t>
+            </a:r>
+            <a:endParaRPr lang="en-US" dirty="0">
+              <a:latin typeface="Nunito" pitchFamily="2" charset="77"/>
+            </a:endParaRPr>
+          </a:p>
+          <a:p>
+            <a:pPr marL="742950" lvl="1" indent="-285750">
+              <a:buFontTx/>
+              <a:buChar char="-"/>
+            </a:pPr>
+            <a:r>
+              <a:rPr lang="en-US" dirty="0" err="1">
+                <a:latin typeface="Nunito" pitchFamily="2" charset="77"/>
+              </a:rPr>
+              <a:t>Reação</a:t>
+            </a:r>
+            <a:endParaRPr lang="en-US" dirty="0">
+              <a:latin typeface="Nunito" pitchFamily="2" charset="77"/>
+            </a:endParaRPr>
+          </a:p>
+          <a:p>
+            <a:pPr marL="285750" indent="-285750">
+              <a:buFontTx/>
+              <a:buChar char="-"/>
+            </a:pPr>
+            <a:r>
+              <a:rPr lang="en-US" dirty="0" err="1">
+                <a:latin typeface="Nunito" pitchFamily="2" charset="77"/>
+              </a:rPr>
+              <a:t>Tudo</a:t>
+            </a:r>
+            <a:r>
+              <a:rPr lang="en-US" dirty="0">
+                <a:latin typeface="Nunito" pitchFamily="2" charset="77"/>
+              </a:rPr>
+              <a:t> </a:t>
+            </a:r>
+            <a:r>
+              <a:rPr lang="en-US" dirty="0" err="1">
+                <a:latin typeface="Nunito" pitchFamily="2" charset="77"/>
+              </a:rPr>
+              <a:t>gira</a:t>
+            </a:r>
+            <a:r>
+              <a:rPr lang="en-US" dirty="0">
+                <a:latin typeface="Nunito" pitchFamily="2" charset="77"/>
+              </a:rPr>
+              <a:t> </a:t>
+            </a:r>
+            <a:r>
+              <a:rPr lang="en-US" dirty="0" err="1">
+                <a:latin typeface="Nunito" pitchFamily="2" charset="77"/>
+              </a:rPr>
+              <a:t>em</a:t>
+            </a:r>
+            <a:r>
+              <a:rPr lang="en-US" dirty="0">
+                <a:latin typeface="Nunito" pitchFamily="2" charset="77"/>
+              </a:rPr>
+              <a:t> </a:t>
+            </a:r>
+            <a:r>
+              <a:rPr lang="en-US" dirty="0" err="1">
+                <a:latin typeface="Nunito" pitchFamily="2" charset="77"/>
+              </a:rPr>
+              <a:t>torno</a:t>
+            </a:r>
+            <a:r>
+              <a:rPr lang="en-US" dirty="0">
+                <a:latin typeface="Nunito" pitchFamily="2" charset="77"/>
+              </a:rPr>
+              <a:t> de </a:t>
+            </a:r>
+            <a:r>
+              <a:rPr lang="en-US" dirty="0" err="1">
+                <a:latin typeface="Nunito" pitchFamily="2" charset="77"/>
+              </a:rPr>
+              <a:t>eventos</a:t>
+            </a:r>
+            <a:r>
+              <a:rPr lang="en-US" dirty="0">
+                <a:latin typeface="Nunito" pitchFamily="2" charset="77"/>
+              </a:rPr>
+              <a:t>, </a:t>
+            </a:r>
+            <a:r>
+              <a:rPr lang="en-US" dirty="0" err="1">
+                <a:latin typeface="Nunito" pitchFamily="2" charset="77"/>
+              </a:rPr>
+              <a:t>não</a:t>
+            </a:r>
+            <a:r>
+              <a:rPr lang="en-US" dirty="0">
+                <a:latin typeface="Nunito" pitchFamily="2" charset="77"/>
+              </a:rPr>
+              <a:t> de dados</a:t>
+            </a:r>
+          </a:p>
+          <a:p>
+            <a:pPr marL="285750" indent="-285750">
+              <a:buFontTx/>
+              <a:buChar char="-"/>
+            </a:pPr>
+            <a:endParaRPr lang="en-US" dirty="0">
+              <a:latin typeface="Montserrat Light" panose="00000400000000000000" pitchFamily="2" charset="0"/>
+            </a:endParaRPr>
+          </a:p>
+          <a:p>
+            <a:pPr marL="285750" indent="-285750">
+              <a:buFontTx/>
+              <a:buChar char="-"/>
+            </a:pPr>
+            <a:endParaRPr lang="en-US" dirty="0">
+              <a:latin typeface="Montserrat Light" panose="00000400000000000000" pitchFamily="2" charset="0"/>
+            </a:endParaRPr>
+          </a:p>
+          <a:p>
+            <a:pPr marL="285750" indent="-285750">
+              <a:buFontTx/>
+              <a:buChar char="-"/>
+            </a:pPr>
+            <a:endParaRPr lang="pt-BR" dirty="0">
+              <a:latin typeface="Montserrat Light" panose="00000400000000000000" pitchFamily="2" charset="0"/>
+            </a:endParaRPr>
+          </a:p>
+          <a:p>
+            <a:pPr marL="285750" indent="-285750">
+              <a:buFontTx/>
+              <a:buChar char="-"/>
+            </a:pPr>
+            <a:endParaRPr lang="pt-BR" dirty="0">
+              <a:latin typeface="Montserrat Light" panose="00000400000000000000" pitchFamily="2" charset="0"/>
+            </a:endParaRPr>
+          </a:p>
+        </p:txBody>
+      </p:sp>
+      <p:pic>
+        <p:nvPicPr>
+          <p:cNvPr id="12" name="Graphic 11">
+            <a:extLst>
+              <a:ext uri="{FF2B5EF4-FFF2-40B4-BE49-F238E27FC236}">
+                <a16:creationId xmlns:a16="http://schemas.microsoft.com/office/drawing/2014/main" id="{08C5FB60-1BF5-BE4F-8104-A54858793712}"/>
+              </a:ext>
+            </a:extLst>
+          </p:cNvPr>
+          <p:cNvPicPr>
+            <a:picLocks noChangeAspect="1"/>
+          </p:cNvPicPr>
+          <p:nvPr/>
+        </p:nvPicPr>
+        <p:blipFill>
+          <a:blip r:embed="rId5">
+            <a:extLst>
+              <a:ext uri="{28A0092B-C50C-407E-A947-70E740481C1C}">
+                <a14:useLocalDpi xmlns:a14="http://schemas.microsoft.com/office/drawing/2010/main" val="0"/>
+              </a:ext>
+              <a:ext uri="{96DAC541-7B7A-43D3-8B79-37D633B846F1}">
+                <asvg:svgBlip xmlns:asvg="http://schemas.microsoft.com/office/drawing/2016/SVG/main" r:embed="rId6"/>
+              </a:ext>
+            </a:extLst>
+          </a:blip>
+          <a:stretch>
+            <a:fillRect/>
+          </a:stretch>
+        </p:blipFill>
+        <p:spPr>
+          <a:xfrm>
+            <a:off x="7236405" y="2630609"/>
+            <a:ext cx="4053004" cy="3615580"/>
+          </a:xfrm>
+          <a:prstGeom prst="rect">
+            <a:avLst/>
+          </a:prstGeom>
+        </p:spPr>
+      </p:pic>
+    </p:spTree>
+    <p:extLst>
+      <p:ext uri="{BB962C8B-B14F-4D97-AF65-F5344CB8AC3E}">
+        <p14:creationId xmlns:p14="http://schemas.microsoft.com/office/powerpoint/2010/main" val="1035677161"/>
+      </p:ext>
+    </p:extLst>
+  </p:cSld>
+  <p:clrMapOvr>
+    <a:masterClrMapping/>
+  </p:clrMapOvr>
+  <mc:AlternateContent xmlns:mc="http://schemas.openxmlformats.org/markup-compatibility/2006" xmlns:p159="http://schemas.microsoft.com/office/powerpoint/2015/09/main">
+    <mc:Choice Requires="p159">
+      <p:transition xmlns:p14="http://schemas.microsoft.com/office/powerpoint/2010/main" spd="slow" p14:dur="2000">
+        <p159:morph option="byObject"/>
+      </p:transition>
+    </mc:Choice>
+    <mc:Fallback xmlns="">
+      <p:transition spd="slow">
+        <p:fade/>
+      </p:transition>
+    </mc:Fallback>
+  </mc:AlternateContent>
+  <p:timing>
+    <p:tnLst>
+      <p:par>
+        <p:cTn id="1" dur="indefinite" restart="never" nodeType="tmRoot">
+          <p:childTnLst>
+            <p:seq concurrent="1" nextAc="seek">
+              <p:cTn id="2" dur="indefinite" nodeType="mainSeq">
+                <p:childTnLst>
+                  <p:par>
+                    <p:cTn id="3" fill="hold">
+                      <p:stCondLst>
+                        <p:cond delay="indefinite"/>
+                      </p:stCondLst>
+                      <p:childTnLst>
+                        <p:par>
+                          <p:cTn id="4" fill="hold">
+                            <p:stCondLst>
+                              <p:cond delay="0"/>
+                            </p:stCondLst>
+                            <p:childTnLst>
+                              <p:par>
+                                <p:cTn id="5" presetID="1" presetClass="entr" presetSubtype="0" fill="hold" grpId="0" nodeType="clickEffect">
+                                  <p:stCondLst>
+                                    <p:cond delay="0"/>
+                                  </p:stCondLst>
+                                  <p:childTnLst>
+                                    <p:set>
+                                      <p:cBhvr>
+                                        <p:cTn id="6" dur="1" fill="hold">
+                                          <p:stCondLst>
+                                            <p:cond delay="0"/>
+                                          </p:stCondLst>
+                                        </p:cTn>
+                                        <p:tgtEl>
+                                          <p:spTgt spid="8"/>
+                                        </p:tgtEl>
+                                        <p:attrNameLst>
+                                          <p:attrName>style.visibility</p:attrName>
+                                        </p:attrNameLst>
+                                      </p:cBhvr>
+                                      <p:to>
+                                        <p:strVal val="visible"/>
+                                      </p:to>
+                                    </p:set>
+                                  </p:childTnLst>
+                                </p:cTn>
+                              </p:par>
+                            </p:childTnLst>
+                          </p:cTn>
+                        </p:par>
+                      </p:childTnLst>
+                    </p:cTn>
+                  </p:par>
+                  <p:par>
+                    <p:cTn id="7" fill="hold">
+                      <p:stCondLst>
+                        <p:cond delay="indefinite"/>
+                      </p:stCondLst>
+                      <p:childTnLst>
+                        <p:par>
+                          <p:cTn id="8" fill="hold">
+                            <p:stCondLst>
+                              <p:cond delay="0"/>
+                            </p:stCondLst>
+                            <p:childTnLst>
+                              <p:par>
+                                <p:cTn id="9" presetID="1" presetClass="entr" presetSubtype="0" fill="hold" nodeType="clickEffect">
+                                  <p:stCondLst>
+                                    <p:cond delay="0"/>
+                                  </p:stCondLst>
+                                  <p:childTnLst>
+                                    <p:set>
+                                      <p:cBhvr>
+                                        <p:cTn id="10" dur="1" fill="hold">
+                                          <p:stCondLst>
+                                            <p:cond delay="0"/>
+                                          </p:stCondLst>
+                                        </p:cTn>
+                                        <p:tgtEl>
+                                          <p:spTgt spid="12"/>
+                                        </p:tgtEl>
+                                        <p:attrNameLst>
+                                          <p:attrName>style.visibility</p:attrName>
+                                        </p:attrNameLst>
+                                      </p:cBhvr>
+                                      <p:to>
+                                        <p:strVal val="visible"/>
+                                      </p:to>
+                                    </p:set>
+                                  </p:childTnLst>
+                                </p:cTn>
+                              </p:par>
+                            </p:childTnLst>
+                          </p:cTn>
+                        </p:par>
+                      </p:childTnLst>
+                    </p:cTn>
+                  </p:par>
+                </p:childTnLst>
+              </p:cTn>
+              <p:prevCondLst>
+                <p:cond evt="onPrev" delay="0">
+                  <p:tgtEl>
+                    <p:sldTgt/>
+                  </p:tgtEl>
+                </p:cond>
+              </p:prevCondLst>
+              <p:nextCondLst>
+                <p:cond evt="onNext" delay="0">
+                  <p:tgtEl>
+                    <p:sldTgt/>
+                  </p:tgtEl>
+                </p:cond>
+              </p:nextCondLst>
+            </p:seq>
+          </p:childTnLst>
+        </p:cTn>
+      </p:par>
+    </p:tnLst>
+    <p:bldLst>
+      <p:bldP spid="8" grpId="0"/>
+    </p:bldLst>
+  </p:timing>
+</p:sld>
+</file>
+
+<file path=ppt/slides/slide11.xml><?xml version="1.0" encoding="utf-8"?>
+<p:sld xmlns:a="http://schemas.openxmlformats.org/drawingml/2006/main" xmlns:r="http://schemas.openxmlformats.org/officeDocument/2006/relationships" xmlns:p="http://schemas.openxmlformats.org/presentationml/2006/main">
+  <p:cSld>
+    <p:spTree>
+      <p:nvGrpSpPr>
+        <p:cNvPr id="1" name=""/>
+        <p:cNvGrpSpPr/>
+        <p:nvPr/>
+      </p:nvGrpSpPr>
+      <p:grpSpPr>
+        <a:xfrm>
+          <a:off x="0" y="0"/>
+          <a:ext cx="0" cy="0"/>
+          <a:chOff x="0" y="0"/>
+          <a:chExt cx="0" cy="0"/>
+        </a:xfrm>
+      </p:grpSpPr>
+      <p:pic>
+        <p:nvPicPr>
+          <p:cNvPr id="7" name="Imagem 6">
+            <a:extLst>
+              <a:ext uri="{FF2B5EF4-FFF2-40B4-BE49-F238E27FC236}">
+                <a16:creationId xmlns:a16="http://schemas.microsoft.com/office/drawing/2014/main" id="{15EF5E79-A320-604B-B8D0-BB7CC7F3BD24}"/>
+              </a:ext>
+            </a:extLst>
+          </p:cNvPr>
+          <p:cNvPicPr>
+            <a:picLocks noChangeAspect="1"/>
+          </p:cNvPicPr>
+          <p:nvPr/>
+        </p:nvPicPr>
+        <p:blipFill>
+          <a:blip r:embed="rId3">
+            <a:extLst>
+              <a:ext uri="{28A0092B-C50C-407E-A947-70E740481C1C}">
+                <a14:useLocalDpi xmlns:a14="http://schemas.microsoft.com/office/drawing/2010/main" val="0"/>
+              </a:ext>
+            </a:extLst>
+          </a:blip>
+          <a:stretch>
+            <a:fillRect/>
+          </a:stretch>
+        </p:blipFill>
+        <p:spPr>
+          <a:xfrm>
+            <a:off x="-1" y="-1590"/>
+            <a:ext cx="12192001" cy="2021978"/>
+          </a:xfrm>
+          <a:prstGeom prst="rect">
+            <a:avLst/>
+          </a:prstGeom>
+        </p:spPr>
+      </p:pic>
+      <p:sp>
+        <p:nvSpPr>
+          <p:cNvPr id="13" name="Título 1">
+            <a:extLst>
+              <a:ext uri="{FF2B5EF4-FFF2-40B4-BE49-F238E27FC236}">
+                <a16:creationId xmlns:a16="http://schemas.microsoft.com/office/drawing/2014/main" id="{94E1A0D2-D048-46FE-90D3-722FBF740CC7}"/>
+              </a:ext>
+            </a:extLst>
+          </p:cNvPr>
+          <p:cNvSpPr>
+            <a:spLocks noGrp="1"/>
+          </p:cNvSpPr>
+          <p:nvPr>
+            <p:ph type="title"/>
+          </p:nvPr>
+        </p:nvSpPr>
+        <p:spPr>
+          <a:xfrm>
+            <a:off x="2159726" y="0"/>
+            <a:ext cx="9292046" cy="2021978"/>
+          </a:xfrm>
+        </p:spPr>
+        <p:txBody>
+          <a:bodyPr>
+            <a:normAutofit/>
+          </a:bodyPr>
+          <a:lstStyle/>
+          <a:p>
+            <a:r>
+              <a:rPr lang="pt-BR" dirty="0">
+                <a:solidFill>
+                  <a:schemeClr val="bg1"/>
+                </a:solidFill>
+                <a:latin typeface="Nunito" pitchFamily="2" charset="77"/>
+              </a:rPr>
+              <a:t>EDA – Implementações</a:t>
+            </a:r>
+          </a:p>
+        </p:txBody>
+      </p:sp>
+      <p:pic>
+        <p:nvPicPr>
+          <p:cNvPr id="14" name="Gráfico 13">
+            <a:extLst>
+              <a:ext uri="{FF2B5EF4-FFF2-40B4-BE49-F238E27FC236}">
+                <a16:creationId xmlns:a16="http://schemas.microsoft.com/office/drawing/2014/main" id="{2B5477E9-00BA-4494-BA1B-5466AC45994D}"/>
+              </a:ext>
+            </a:extLst>
+          </p:cNvPr>
+          <p:cNvPicPr>
+            <a:picLocks noChangeAspect="1"/>
+          </p:cNvPicPr>
+          <p:nvPr/>
+        </p:nvPicPr>
+        <p:blipFill>
+          <a:blip r:embed="rId4">
+            <a:extLst>
+              <a:ext uri="{96DAC541-7B7A-43D3-8B79-37D633B846F1}">
+                <asvg:svgBlip xmlns:asvg="http://schemas.microsoft.com/office/drawing/2016/SVG/main" r:embed="rId5"/>
+              </a:ext>
+            </a:extLst>
+          </a:blip>
+          <a:stretch>
+            <a:fillRect/>
+          </a:stretch>
+        </p:blipFill>
+        <p:spPr>
+          <a:xfrm>
+            <a:off x="1097280" y="636835"/>
+            <a:ext cx="610307" cy="705667"/>
+          </a:xfrm>
+          <a:prstGeom prst="rect">
+            <a:avLst/>
+          </a:prstGeom>
+        </p:spPr>
+      </p:pic>
+      <p:sp>
+        <p:nvSpPr>
+          <p:cNvPr id="4" name="Retângulo: Cantos Arredondados 3">
+            <a:extLst>
+              <a:ext uri="{FF2B5EF4-FFF2-40B4-BE49-F238E27FC236}">
+                <a16:creationId xmlns:a16="http://schemas.microsoft.com/office/drawing/2014/main" id="{66C86333-15BC-4571-B12E-0DDAC412C2BC}"/>
+              </a:ext>
+            </a:extLst>
+          </p:cNvPr>
+          <p:cNvSpPr/>
+          <p:nvPr/>
+        </p:nvSpPr>
+        <p:spPr>
+          <a:xfrm>
+            <a:off x="4209535" y="3237470"/>
+            <a:ext cx="2075935" cy="1540476"/>
+          </a:xfrm>
+          <a:prstGeom prst="roundRect">
+            <a:avLst/>
+          </a:prstGeom>
+        </p:spPr>
+        <p:style>
+          <a:lnRef idx="2">
+            <a:schemeClr val="accent1">
+              <a:shade val="50000"/>
+            </a:schemeClr>
+          </a:lnRef>
+          <a:fillRef idx="1">
+            <a:schemeClr val="accent1"/>
+          </a:fillRef>
+          <a:effectRef idx="0">
+            <a:schemeClr val="accent1"/>
+          </a:effectRef>
+          <a:fontRef idx="minor">
+            <a:schemeClr val="lt1"/>
+          </a:fontRef>
+        </p:style>
+        <p:txBody>
+          <a:bodyPr rtlCol="0" anchor="ctr"/>
+          <a:lstStyle/>
+          <a:p>
+            <a:pPr algn="ctr"/>
+            <a:r>
+              <a:rPr lang="en-US" dirty="0"/>
+              <a:t>EDA</a:t>
+            </a:r>
+            <a:endParaRPr lang="pt-BR" dirty="0"/>
+          </a:p>
+        </p:txBody>
+      </p:sp>
+      <p:sp>
+        <p:nvSpPr>
+          <p:cNvPr id="20" name="Retângulo: Cantos Arredondados 19">
+            <a:extLst>
+              <a:ext uri="{FF2B5EF4-FFF2-40B4-BE49-F238E27FC236}">
+                <a16:creationId xmlns:a16="http://schemas.microsoft.com/office/drawing/2014/main" id="{38CF33BA-15CE-45F7-BB22-D14F350170C1}"/>
+              </a:ext>
+            </a:extLst>
+          </p:cNvPr>
+          <p:cNvSpPr/>
+          <p:nvPr/>
+        </p:nvSpPr>
+        <p:spPr>
+          <a:xfrm>
+            <a:off x="4285735" y="1934096"/>
+            <a:ext cx="2075935" cy="1540476"/>
+          </a:xfrm>
+          <a:prstGeom prst="roundRect">
+            <a:avLst/>
+          </a:prstGeom>
+        </p:spPr>
+        <p:style>
+          <a:lnRef idx="2">
+            <a:schemeClr val="accent1">
+              <a:shade val="50000"/>
+            </a:schemeClr>
+          </a:lnRef>
+          <a:fillRef idx="1">
+            <a:schemeClr val="accent1"/>
+          </a:fillRef>
+          <a:effectRef idx="0">
+            <a:schemeClr val="accent1"/>
+          </a:effectRef>
+          <a:fontRef idx="minor">
+            <a:schemeClr val="lt1"/>
+          </a:fontRef>
+        </p:style>
+        <p:txBody>
+          <a:bodyPr rtlCol="0" anchor="ctr"/>
+          <a:lstStyle/>
+          <a:p>
+            <a:pPr algn="ctr"/>
+            <a:r>
+              <a:rPr lang="en-US" dirty="0"/>
+              <a:t>MS</a:t>
+            </a:r>
+            <a:endParaRPr lang="pt-BR" dirty="0"/>
+          </a:p>
+        </p:txBody>
+      </p:sp>
+      <p:sp>
+        <p:nvSpPr>
+          <p:cNvPr id="23" name="Retângulo: Cantos Arredondados 22">
+            <a:extLst>
+              <a:ext uri="{FF2B5EF4-FFF2-40B4-BE49-F238E27FC236}">
+                <a16:creationId xmlns:a16="http://schemas.microsoft.com/office/drawing/2014/main" id="{CA9A48BF-B786-4A15-958B-4EB1E40E6283}"/>
+              </a:ext>
+            </a:extLst>
+          </p:cNvPr>
+          <p:cNvSpPr/>
+          <p:nvPr/>
+        </p:nvSpPr>
+        <p:spPr>
+          <a:xfrm>
+            <a:off x="5708379" y="3295547"/>
+            <a:ext cx="2075935" cy="1540476"/>
+          </a:xfrm>
+          <a:prstGeom prst="roundRect">
+            <a:avLst/>
+          </a:prstGeom>
+        </p:spPr>
+        <p:style>
+          <a:lnRef idx="2">
+            <a:schemeClr val="accent1">
+              <a:shade val="50000"/>
+            </a:schemeClr>
+          </a:lnRef>
+          <a:fillRef idx="1">
+            <a:schemeClr val="accent1"/>
+          </a:fillRef>
+          <a:effectRef idx="0">
+            <a:schemeClr val="accent1"/>
+          </a:effectRef>
+          <a:fontRef idx="minor">
+            <a:schemeClr val="lt1"/>
+          </a:fontRef>
+        </p:style>
+        <p:txBody>
+          <a:bodyPr rtlCol="0" anchor="ctr"/>
+          <a:lstStyle/>
+          <a:p>
+            <a:pPr algn="ctr"/>
+            <a:r>
+              <a:rPr lang="en-US" dirty="0"/>
+              <a:t>Serverless</a:t>
+            </a:r>
+            <a:endParaRPr lang="pt-BR" dirty="0"/>
+          </a:p>
+        </p:txBody>
+      </p:sp>
+      <p:sp>
+        <p:nvSpPr>
+          <p:cNvPr id="24" name="Retângulo: Cantos Arredondados 23">
+            <a:extLst>
+              <a:ext uri="{FF2B5EF4-FFF2-40B4-BE49-F238E27FC236}">
+                <a16:creationId xmlns:a16="http://schemas.microsoft.com/office/drawing/2014/main" id="{8ABD1121-C9FF-4183-B283-1CA4E3C095C9}"/>
+              </a:ext>
+            </a:extLst>
+          </p:cNvPr>
+          <p:cNvSpPr/>
+          <p:nvPr/>
+        </p:nvSpPr>
+        <p:spPr>
+          <a:xfrm>
+            <a:off x="5767781" y="4894100"/>
+            <a:ext cx="2075935" cy="1540476"/>
+          </a:xfrm>
+          <a:prstGeom prst="roundRect">
+            <a:avLst/>
+          </a:prstGeom>
+        </p:spPr>
+        <p:style>
+          <a:lnRef idx="2">
+            <a:schemeClr val="accent1">
+              <a:shade val="50000"/>
+            </a:schemeClr>
+          </a:lnRef>
+          <a:fillRef idx="1">
+            <a:schemeClr val="accent1"/>
+          </a:fillRef>
+          <a:effectRef idx="0">
+            <a:schemeClr val="accent1"/>
+          </a:effectRef>
+          <a:fontRef idx="minor">
+            <a:schemeClr val="lt1"/>
+          </a:fontRef>
+        </p:style>
+        <p:txBody>
+          <a:bodyPr rtlCol="0" anchor="ctr"/>
+          <a:lstStyle/>
+          <a:p>
+            <a:pPr algn="ctr"/>
+            <a:r>
+              <a:rPr lang="en-US" dirty="0" err="1"/>
+              <a:t>FaaS</a:t>
+            </a:r>
+            <a:endParaRPr lang="pt-BR" dirty="0"/>
+          </a:p>
+        </p:txBody>
+      </p:sp>
+      <p:sp>
+        <p:nvSpPr>
+          <p:cNvPr id="25" name="Retângulo: Cantos Arredondados 24">
+            <a:extLst>
+              <a:ext uri="{FF2B5EF4-FFF2-40B4-BE49-F238E27FC236}">
+                <a16:creationId xmlns:a16="http://schemas.microsoft.com/office/drawing/2014/main" id="{64AE6D33-4A10-485C-9CB7-EC79476F2610}"/>
+              </a:ext>
+            </a:extLst>
+          </p:cNvPr>
+          <p:cNvSpPr/>
+          <p:nvPr/>
+        </p:nvSpPr>
+        <p:spPr>
+          <a:xfrm>
+            <a:off x="3819533" y="5576456"/>
+            <a:ext cx="2075935" cy="1540476"/>
+          </a:xfrm>
+          <a:prstGeom prst="roundRect">
+            <a:avLst/>
+          </a:prstGeom>
+        </p:spPr>
+        <p:style>
+          <a:lnRef idx="2">
+            <a:schemeClr val="accent1">
+              <a:shade val="50000"/>
+            </a:schemeClr>
+          </a:lnRef>
+          <a:fillRef idx="1">
+            <a:schemeClr val="accent1"/>
+          </a:fillRef>
+          <a:effectRef idx="0">
+            <a:schemeClr val="accent1"/>
+          </a:effectRef>
+          <a:fontRef idx="minor">
+            <a:schemeClr val="lt1"/>
+          </a:fontRef>
+        </p:style>
+        <p:txBody>
+          <a:bodyPr rtlCol="0" anchor="ctr"/>
+          <a:lstStyle/>
+          <a:p>
+            <a:pPr algn="ctr"/>
+            <a:r>
+              <a:rPr lang="en-US" dirty="0"/>
+              <a:t>Streaming</a:t>
+            </a:r>
+            <a:endParaRPr lang="pt-BR" dirty="0"/>
+          </a:p>
+        </p:txBody>
+      </p:sp>
+      <p:sp>
+        <p:nvSpPr>
+          <p:cNvPr id="29" name="Retângulo: Cantos Arredondados 28">
+            <a:extLst>
+              <a:ext uri="{FF2B5EF4-FFF2-40B4-BE49-F238E27FC236}">
+                <a16:creationId xmlns:a16="http://schemas.microsoft.com/office/drawing/2014/main" id="{348566CF-6A6D-4035-8304-D6EEB37F0ADC}"/>
+              </a:ext>
+            </a:extLst>
+          </p:cNvPr>
+          <p:cNvSpPr/>
+          <p:nvPr/>
+        </p:nvSpPr>
+        <p:spPr>
+          <a:xfrm>
+            <a:off x="2133600" y="4593419"/>
+            <a:ext cx="2075935" cy="1540476"/>
+          </a:xfrm>
+          <a:prstGeom prst="roundRect">
+            <a:avLst/>
+          </a:prstGeom>
+        </p:spPr>
+        <p:style>
+          <a:lnRef idx="2">
+            <a:schemeClr val="accent1">
+              <a:shade val="50000"/>
+            </a:schemeClr>
+          </a:lnRef>
+          <a:fillRef idx="1">
+            <a:schemeClr val="accent1"/>
+          </a:fillRef>
+          <a:effectRef idx="0">
+            <a:schemeClr val="accent1"/>
+          </a:effectRef>
+          <a:fontRef idx="minor">
+            <a:schemeClr val="lt1"/>
+          </a:fontRef>
+        </p:style>
+        <p:txBody>
+          <a:bodyPr rtlCol="0" anchor="ctr"/>
+          <a:lstStyle/>
+          <a:p>
+            <a:pPr algn="ctr"/>
+            <a:r>
+              <a:rPr lang="en-US" dirty="0"/>
+              <a:t>Event Sourcing</a:t>
+            </a:r>
+            <a:endParaRPr lang="pt-BR" dirty="0"/>
+          </a:p>
+        </p:txBody>
+      </p:sp>
+      <p:sp>
+        <p:nvSpPr>
+          <p:cNvPr id="30" name="Retângulo: Cantos Arredondados 29">
+            <a:extLst>
+              <a:ext uri="{FF2B5EF4-FFF2-40B4-BE49-F238E27FC236}">
+                <a16:creationId xmlns:a16="http://schemas.microsoft.com/office/drawing/2014/main" id="{D4DD2845-9FD9-406F-8DFF-CABFA672A34F}"/>
+              </a:ext>
+            </a:extLst>
+          </p:cNvPr>
+          <p:cNvSpPr/>
+          <p:nvPr/>
+        </p:nvSpPr>
+        <p:spPr>
+          <a:xfrm>
+            <a:off x="2303770" y="3003425"/>
+            <a:ext cx="2075935" cy="1540476"/>
+          </a:xfrm>
+          <a:prstGeom prst="roundRect">
+            <a:avLst/>
+          </a:prstGeom>
+        </p:spPr>
+        <p:style>
+          <a:lnRef idx="2">
+            <a:schemeClr val="accent1">
+              <a:shade val="50000"/>
+            </a:schemeClr>
+          </a:lnRef>
+          <a:fillRef idx="1">
+            <a:schemeClr val="accent1"/>
+          </a:fillRef>
+          <a:effectRef idx="0">
+            <a:schemeClr val="accent1"/>
+          </a:effectRef>
+          <a:fontRef idx="minor">
+            <a:schemeClr val="lt1"/>
+          </a:fontRef>
+        </p:style>
+        <p:txBody>
+          <a:bodyPr rtlCol="0" anchor="ctr"/>
+          <a:lstStyle/>
+          <a:p>
+            <a:pPr algn="ctr"/>
+            <a:r>
+              <a:rPr lang="en-US" dirty="0"/>
+              <a:t>CQRS</a:t>
+            </a:r>
+            <a:endParaRPr lang="pt-BR" dirty="0"/>
+          </a:p>
+        </p:txBody>
+      </p:sp>
+    </p:spTree>
+    <p:extLst>
+      <p:ext uri="{BB962C8B-B14F-4D97-AF65-F5344CB8AC3E}">
+        <p14:creationId xmlns:p14="http://schemas.microsoft.com/office/powerpoint/2010/main" val="4093365861"/>
+      </p:ext>
+    </p:extLst>
+  </p:cSld>
+  <p:clrMapOvr>
+    <a:masterClrMapping/>
+  </p:clrMapOvr>
+  <mc:AlternateContent xmlns:mc="http://schemas.openxmlformats.org/markup-compatibility/2006" xmlns:p159="http://schemas.microsoft.com/office/powerpoint/2015/09/main">
+    <mc:Choice Requires="p159">
+      <p:transition xmlns:p14="http://schemas.microsoft.com/office/powerpoint/2010/main" spd="slow" p14:dur="2000">
+        <p159:morph option="byObject"/>
+      </p:transition>
+    </mc:Choice>
+    <mc:Fallback xmlns="">
+      <p:transition spd="slow">
+        <p:fade/>
+      </p:transition>
+    </mc:Fallback>
+  </mc:AlternateContent>
+</p:sld>
+</file>
+
+<file path=ppt/slides/slide12.xml><?xml version="1.0" encoding="utf-8"?>
+<p:sld xmlns:a="http://schemas.openxmlformats.org/drawingml/2006/main" xmlns:r="http://schemas.openxmlformats.org/officeDocument/2006/relationships" xmlns:p="http://schemas.openxmlformats.org/presentationml/2006/main">
+  <p:cSld>
+    <p:spTree>
+      <p:nvGrpSpPr>
+        <p:cNvPr id="1" name=""/>
+        <p:cNvGrpSpPr/>
+        <p:nvPr/>
+      </p:nvGrpSpPr>
+      <p:grpSpPr>
+        <a:xfrm>
+          <a:off x="0" y="0"/>
+          <a:ext cx="0" cy="0"/>
+          <a:chOff x="0" y="0"/>
+          <a:chExt cx="0" cy="0"/>
+        </a:xfrm>
+      </p:grpSpPr>
+      <p:pic>
+        <p:nvPicPr>
+          <p:cNvPr id="7" name="Imagem 6">
+            <a:extLst>
+              <a:ext uri="{FF2B5EF4-FFF2-40B4-BE49-F238E27FC236}">
+                <a16:creationId xmlns:a16="http://schemas.microsoft.com/office/drawing/2014/main" id="{15EF5E79-A320-604B-B8D0-BB7CC7F3BD24}"/>
+              </a:ext>
+            </a:extLst>
+          </p:cNvPr>
+          <p:cNvPicPr>
+            <a:picLocks noChangeAspect="1"/>
+          </p:cNvPicPr>
+          <p:nvPr/>
+        </p:nvPicPr>
+        <p:blipFill>
+          <a:blip r:embed="rId2">
+            <a:extLst>
+              <a:ext uri="{28A0092B-C50C-407E-A947-70E740481C1C}">
+                <a14:useLocalDpi xmlns:a14="http://schemas.microsoft.com/office/drawing/2010/main" val="0"/>
+              </a:ext>
+            </a:extLst>
+          </a:blip>
+          <a:stretch>
+            <a:fillRect/>
+          </a:stretch>
+        </p:blipFill>
+        <p:spPr>
+          <a:xfrm>
+            <a:off x="-1" y="-1590"/>
+            <a:ext cx="12192001" cy="2021978"/>
+          </a:xfrm>
+          <a:prstGeom prst="rect">
+            <a:avLst/>
+          </a:prstGeom>
+        </p:spPr>
+      </p:pic>
+      <p:sp>
+        <p:nvSpPr>
+          <p:cNvPr id="13" name="Título 1">
+            <a:extLst>
+              <a:ext uri="{FF2B5EF4-FFF2-40B4-BE49-F238E27FC236}">
+                <a16:creationId xmlns:a16="http://schemas.microsoft.com/office/drawing/2014/main" id="{94E1A0D2-D048-46FE-90D3-722FBF740CC7}"/>
+              </a:ext>
+            </a:extLst>
+          </p:cNvPr>
+          <p:cNvSpPr>
+            <a:spLocks noGrp="1"/>
+          </p:cNvSpPr>
+          <p:nvPr>
+            <p:ph type="title"/>
+          </p:nvPr>
+        </p:nvSpPr>
+        <p:spPr>
+          <a:xfrm>
+            <a:off x="2159726" y="0"/>
+            <a:ext cx="9292046" cy="2021978"/>
+          </a:xfrm>
+        </p:spPr>
+        <p:txBody>
+          <a:bodyPr>
+            <a:normAutofit/>
+          </a:bodyPr>
+          <a:lstStyle/>
+          <a:p>
+            <a:r>
+              <a:rPr lang="pt-BR" dirty="0">
+                <a:solidFill>
+                  <a:schemeClr val="bg1"/>
+                </a:solidFill>
+                <a:latin typeface="Nunito" pitchFamily="2" charset="77"/>
+              </a:rPr>
+              <a:t>EDA e </a:t>
+            </a:r>
+            <a:r>
+              <a:rPr lang="pt-BR" dirty="0" err="1">
+                <a:solidFill>
+                  <a:schemeClr val="bg1"/>
+                </a:solidFill>
+                <a:latin typeface="Nunito" pitchFamily="2" charset="77"/>
+              </a:rPr>
+              <a:t>Microsserviços</a:t>
+            </a:r>
+            <a:endParaRPr lang="pt-BR" dirty="0">
+              <a:solidFill>
+                <a:schemeClr val="bg1"/>
+              </a:solidFill>
+              <a:latin typeface="Nunito" pitchFamily="2" charset="77"/>
+            </a:endParaRPr>
+          </a:p>
+        </p:txBody>
+      </p:sp>
+      <p:pic>
+        <p:nvPicPr>
+          <p:cNvPr id="14" name="Gráfico 13">
+            <a:extLst>
+              <a:ext uri="{FF2B5EF4-FFF2-40B4-BE49-F238E27FC236}">
+                <a16:creationId xmlns:a16="http://schemas.microsoft.com/office/drawing/2014/main" id="{2B5477E9-00BA-4494-BA1B-5466AC45994D}"/>
+              </a:ext>
+            </a:extLst>
+          </p:cNvPr>
+          <p:cNvPicPr>
+            <a:picLocks noChangeAspect="1"/>
+          </p:cNvPicPr>
+          <p:nvPr/>
+        </p:nvPicPr>
+        <p:blipFill>
+          <a:blip r:embed="rId3">
+            <a:extLst>
+              <a:ext uri="{96DAC541-7B7A-43D3-8B79-37D633B846F1}">
+                <asvg:svgBlip xmlns:asvg="http://schemas.microsoft.com/office/drawing/2016/SVG/main" r:embed="rId4"/>
+              </a:ext>
+            </a:extLst>
+          </a:blip>
+          <a:stretch>
+            <a:fillRect/>
+          </a:stretch>
+        </p:blipFill>
+        <p:spPr>
+          <a:xfrm>
+            <a:off x="1097280" y="636835"/>
+            <a:ext cx="610307" cy="705667"/>
+          </a:xfrm>
+          <a:prstGeom prst="rect">
+            <a:avLst/>
+          </a:prstGeom>
+        </p:spPr>
+      </p:pic>
+      <p:sp>
+        <p:nvSpPr>
+          <p:cNvPr id="8" name="CaixaDeTexto 7">
+            <a:extLst>
+              <a:ext uri="{FF2B5EF4-FFF2-40B4-BE49-F238E27FC236}">
+                <a16:creationId xmlns:a16="http://schemas.microsoft.com/office/drawing/2014/main" id="{29557DB5-A419-464F-8DE1-FE557705DF73}"/>
+              </a:ext>
+            </a:extLst>
+          </p:cNvPr>
+          <p:cNvSpPr txBox="1"/>
+          <p:nvPr/>
+        </p:nvSpPr>
+        <p:spPr>
+          <a:xfrm>
+            <a:off x="1097280" y="2719343"/>
+            <a:ext cx="6400800" cy="1754326"/>
+          </a:xfrm>
+          <a:prstGeom prst="rect">
+            <a:avLst/>
+          </a:prstGeom>
+          <a:noFill/>
+        </p:spPr>
+        <p:txBody>
+          <a:bodyPr wrap="square" rtlCol="0">
+            <a:spAutoFit/>
+          </a:bodyPr>
+          <a:lstStyle/>
+          <a:p>
+            <a:r>
+              <a:rPr lang="pt-BR" b="1" dirty="0">
+                <a:latin typeface="Nunito" pitchFamily="2" charset="77"/>
+              </a:rPr>
+              <a:t>O que nossa empresa faz?</a:t>
+            </a:r>
+          </a:p>
+          <a:p>
+            <a:pPr marL="285750" indent="-285750">
+              <a:buFontTx/>
+              <a:buChar char="-"/>
+            </a:pPr>
+            <a:r>
+              <a:rPr lang="en-US" dirty="0" err="1">
+                <a:latin typeface="Nunito" pitchFamily="2" charset="77"/>
+              </a:rPr>
+              <a:t>Cada</a:t>
+            </a:r>
+            <a:r>
+              <a:rPr lang="en-US" dirty="0">
+                <a:latin typeface="Nunito" pitchFamily="2" charset="77"/>
+              </a:rPr>
+              <a:t> MS </a:t>
+            </a:r>
+            <a:r>
+              <a:rPr lang="en-US" dirty="0" err="1">
+                <a:latin typeface="Nunito" pitchFamily="2" charset="77"/>
+              </a:rPr>
+              <a:t>responde</a:t>
+            </a:r>
+            <a:r>
+              <a:rPr lang="en-US" dirty="0">
+                <a:latin typeface="Nunito" pitchFamily="2" charset="77"/>
+              </a:rPr>
+              <a:t> por um pipe de </a:t>
+            </a:r>
+            <a:r>
+              <a:rPr lang="en-US" dirty="0" err="1">
+                <a:latin typeface="Nunito" pitchFamily="2" charset="77"/>
+              </a:rPr>
+              <a:t>eventos</a:t>
+            </a:r>
+            <a:endParaRPr lang="en-US" dirty="0">
+              <a:latin typeface="Nunito" pitchFamily="2" charset="77"/>
+            </a:endParaRPr>
+          </a:p>
+          <a:p>
+            <a:pPr marL="285750" indent="-285750">
+              <a:buFontTx/>
+              <a:buChar char="-"/>
+            </a:pPr>
+            <a:r>
+              <a:rPr lang="en-US" dirty="0" err="1">
+                <a:latin typeface="Nunito" pitchFamily="2" charset="77"/>
+              </a:rPr>
+              <a:t>Desacoplados</a:t>
+            </a:r>
+            <a:endParaRPr lang="en-US" dirty="0">
+              <a:latin typeface="Nunito" pitchFamily="2" charset="77"/>
+            </a:endParaRPr>
+          </a:p>
+          <a:p>
+            <a:pPr marL="285750" indent="-285750">
+              <a:buFontTx/>
+              <a:buChar char="-"/>
+            </a:pPr>
+            <a:r>
+              <a:rPr lang="en-US" dirty="0" err="1">
+                <a:latin typeface="Nunito" pitchFamily="2" charset="77"/>
+              </a:rPr>
+              <a:t>Utilizando</a:t>
+            </a:r>
+            <a:r>
+              <a:rPr lang="en-US" dirty="0">
+                <a:latin typeface="Nunito" pitchFamily="2" charset="77"/>
+              </a:rPr>
+              <a:t> Brokers</a:t>
+            </a:r>
+            <a:endParaRPr lang="en-US" dirty="0">
+              <a:latin typeface="Montserrat Light" panose="00000400000000000000" pitchFamily="2" charset="0"/>
+            </a:endParaRPr>
+          </a:p>
+          <a:p>
+            <a:pPr marL="285750" indent="-285750">
+              <a:buFontTx/>
+              <a:buChar char="-"/>
+            </a:pPr>
+            <a:endParaRPr lang="pt-BR" dirty="0">
+              <a:latin typeface="Montserrat Light" panose="00000400000000000000" pitchFamily="2" charset="0"/>
+            </a:endParaRPr>
+          </a:p>
+          <a:p>
+            <a:pPr marL="285750" indent="-285750">
+              <a:buFontTx/>
+              <a:buChar char="-"/>
+            </a:pPr>
+            <a:endParaRPr lang="pt-BR" dirty="0">
+              <a:latin typeface="Montserrat Light" panose="00000400000000000000" pitchFamily="2" charset="0"/>
+            </a:endParaRPr>
+          </a:p>
+        </p:txBody>
+      </p:sp>
+      <p:pic>
+        <p:nvPicPr>
+          <p:cNvPr id="12" name="Graphic 11">
+            <a:extLst>
+              <a:ext uri="{FF2B5EF4-FFF2-40B4-BE49-F238E27FC236}">
+                <a16:creationId xmlns:a16="http://schemas.microsoft.com/office/drawing/2014/main" id="{08C5FB60-1BF5-BE4F-8104-A54858793712}"/>
+              </a:ext>
+            </a:extLst>
+          </p:cNvPr>
+          <p:cNvPicPr>
+            <a:picLocks noChangeAspect="1"/>
+          </p:cNvPicPr>
+          <p:nvPr/>
+        </p:nvPicPr>
+        <p:blipFill>
+          <a:blip r:embed="rId5">
+            <a:extLst>
+              <a:ext uri="{28A0092B-C50C-407E-A947-70E740481C1C}">
+                <a14:useLocalDpi xmlns:a14="http://schemas.microsoft.com/office/drawing/2010/main" val="0"/>
+              </a:ext>
+              <a:ext uri="{96DAC541-7B7A-43D3-8B79-37D633B846F1}">
+                <asvg:svgBlip xmlns:asvg="http://schemas.microsoft.com/office/drawing/2016/SVG/main" r:embed="rId6"/>
+              </a:ext>
+            </a:extLst>
+          </a:blip>
+          <a:stretch>
+            <a:fillRect/>
+          </a:stretch>
+        </p:blipFill>
+        <p:spPr>
+          <a:xfrm>
+            <a:off x="7236405" y="2630609"/>
+            <a:ext cx="4053004" cy="3615580"/>
+          </a:xfrm>
+          <a:prstGeom prst="rect">
+            <a:avLst/>
+          </a:prstGeom>
+        </p:spPr>
+      </p:pic>
+    </p:spTree>
+    <p:extLst>
+      <p:ext uri="{BB962C8B-B14F-4D97-AF65-F5344CB8AC3E}">
+        <p14:creationId xmlns:p14="http://schemas.microsoft.com/office/powerpoint/2010/main" val="3836303319"/>
+      </p:ext>
+    </p:extLst>
+  </p:cSld>
+  <p:clrMapOvr>
+    <a:masterClrMapping/>
+  </p:clrMapOvr>
+  <mc:AlternateContent xmlns:mc="http://schemas.openxmlformats.org/markup-compatibility/2006" xmlns:p159="http://schemas.microsoft.com/office/powerpoint/2015/09/main">
+    <mc:Choice Requires="p159">
+      <p:transition xmlns:p14="http://schemas.microsoft.com/office/powerpoint/2010/main" spd="slow" p14:dur="2000">
+        <p159:morph option="byObject"/>
+      </p:transition>
+    </mc:Choice>
+    <mc:Fallback xmlns="">
+      <p:transition spd="slow">
+        <p:fade/>
+      </p:transition>
+    </mc:Fallback>
+  </mc:AlternateContent>
+  <p:timing>
+    <p:tnLst>
+      <p:par>
+        <p:cTn id="1" dur="indefinite" restart="never" nodeType="tmRoot">
+          <p:childTnLst>
+            <p:seq concurrent="1" nextAc="seek">
+              <p:cTn id="2" dur="indefinite" nodeType="mainSeq">
+                <p:childTnLst>
+                  <p:par>
+                    <p:cTn id="3" fill="hold">
+                      <p:stCondLst>
+                        <p:cond delay="indefinite"/>
+                      </p:stCondLst>
+                      <p:childTnLst>
+                        <p:par>
+                          <p:cTn id="4" fill="hold">
+                            <p:stCondLst>
+                              <p:cond delay="0"/>
+                            </p:stCondLst>
+                            <p:childTnLst>
+                              <p:par>
+                                <p:cTn id="5" presetID="1" presetClass="entr" presetSubtype="0" fill="hold" grpId="0" nodeType="clickEffect">
+                                  <p:stCondLst>
+                                    <p:cond delay="0"/>
+                                  </p:stCondLst>
+                                  <p:childTnLst>
+                                    <p:set>
+                                      <p:cBhvr>
+                                        <p:cTn id="6" dur="1" fill="hold">
+                                          <p:stCondLst>
+                                            <p:cond delay="0"/>
+                                          </p:stCondLst>
+                                        </p:cTn>
+                                        <p:tgtEl>
+                                          <p:spTgt spid="8"/>
+                                        </p:tgtEl>
+                                        <p:attrNameLst>
+                                          <p:attrName>style.visibility</p:attrName>
+                                        </p:attrNameLst>
+                                      </p:cBhvr>
+                                      <p:to>
+                                        <p:strVal val="visible"/>
+                                      </p:to>
+                                    </p:set>
+                                  </p:childTnLst>
+                                </p:cTn>
+                              </p:par>
+                            </p:childTnLst>
+                          </p:cTn>
+                        </p:par>
+                      </p:childTnLst>
+                    </p:cTn>
+                  </p:par>
+                  <p:par>
+                    <p:cTn id="7" fill="hold">
+                      <p:stCondLst>
+                        <p:cond delay="indefinite"/>
+                      </p:stCondLst>
+                      <p:childTnLst>
+                        <p:par>
+                          <p:cTn id="8" fill="hold">
+                            <p:stCondLst>
+                              <p:cond delay="0"/>
+                            </p:stCondLst>
+                            <p:childTnLst>
+                              <p:par>
+                                <p:cTn id="9" presetID="1" presetClass="entr" presetSubtype="0" fill="hold" nodeType="clickEffect">
+                                  <p:stCondLst>
+                                    <p:cond delay="0"/>
+                                  </p:stCondLst>
+                                  <p:childTnLst>
+                                    <p:set>
+                                      <p:cBhvr>
+                                        <p:cTn id="10" dur="1" fill="hold">
+                                          <p:stCondLst>
+                                            <p:cond delay="0"/>
+                                          </p:stCondLst>
+                                        </p:cTn>
+                                        <p:tgtEl>
+                                          <p:spTgt spid="12"/>
+                                        </p:tgtEl>
+                                        <p:attrNameLst>
+                                          <p:attrName>style.visibility</p:attrName>
+                                        </p:attrNameLst>
+                                      </p:cBhvr>
+                                      <p:to>
+                                        <p:strVal val="visible"/>
+                                      </p:to>
+                                    </p:set>
+                                  </p:childTnLst>
+                                </p:cTn>
+                              </p:par>
+                            </p:childTnLst>
+                          </p:cTn>
+                        </p:par>
+                      </p:childTnLst>
+                    </p:cTn>
+                  </p:par>
+                </p:childTnLst>
+              </p:cTn>
+              <p:prevCondLst>
+                <p:cond evt="onPrev" delay="0">
+                  <p:tgtEl>
+                    <p:sldTgt/>
+                  </p:tgtEl>
+                </p:cond>
+              </p:prevCondLst>
+              <p:nextCondLst>
+                <p:cond evt="onNext" delay="0">
+                  <p:tgtEl>
+                    <p:sldTgt/>
+                  </p:tgtEl>
+                </p:cond>
+              </p:nextCondLst>
+            </p:seq>
+          </p:childTnLst>
+        </p:cTn>
+      </p:par>
+    </p:tnLst>
+    <p:bldLst>
+      <p:bldP spid="8" grpId="0"/>
+    </p:bldLst>
+  </p:timing>
+</p:sld>
+</file>
+
+<file path=ppt/slides/slide13.xml><?xml version="1.0" encoding="utf-8"?>
+<p:sld xmlns:a="http://schemas.openxmlformats.org/drawingml/2006/main" xmlns:r="http://schemas.openxmlformats.org/officeDocument/2006/relationships" xmlns:p="http://schemas.openxmlformats.org/presentationml/2006/main">
+  <p:cSld>
+    <p:spTree>
+      <p:nvGrpSpPr>
+        <p:cNvPr id="1" name=""/>
+        <p:cNvGrpSpPr/>
+        <p:nvPr/>
+      </p:nvGrpSpPr>
+      <p:grpSpPr>
+        <a:xfrm>
+          <a:off x="0" y="0"/>
+          <a:ext cx="0" cy="0"/>
+          <a:chOff x="0" y="0"/>
+          <a:chExt cx="0" cy="0"/>
+        </a:xfrm>
+      </p:grpSpPr>
+      <p:pic>
+        <p:nvPicPr>
+          <p:cNvPr id="5" name="Espaço Reservado para Conteúdo 4">
+            <a:extLst>
+              <a:ext uri="{FF2B5EF4-FFF2-40B4-BE49-F238E27FC236}">
+                <a16:creationId xmlns:a16="http://schemas.microsoft.com/office/drawing/2014/main" id="{DEBCF998-65B9-41B2-A535-E5741DD64BE5}"/>
+              </a:ext>
+            </a:extLst>
+          </p:cNvPr>
+          <p:cNvPicPr>
+            <a:picLocks noGrp="1" noChangeAspect="1"/>
+          </p:cNvPicPr>
+          <p:nvPr>
+            <p:ph idx="1"/>
+          </p:nvPr>
+        </p:nvPicPr>
+        <p:blipFill>
+          <a:blip r:embed="rId2">
+            <a:extLst>
+              <a:ext uri="{28A0092B-C50C-407E-A947-70E740481C1C}">
+                <a14:useLocalDpi xmlns:a14="http://schemas.microsoft.com/office/drawing/2010/main" val="0"/>
+              </a:ext>
+            </a:extLst>
+          </a:blip>
+          <a:stretch>
+            <a:fillRect/>
+          </a:stretch>
+        </p:blipFill>
+        <p:spPr>
+          <a:xfrm>
+            <a:off x="-11088" y="1"/>
+            <a:ext cx="12203088" cy="6881654"/>
+          </a:xfrm>
+        </p:spPr>
+      </p:pic>
+      <p:pic>
+        <p:nvPicPr>
+          <p:cNvPr id="9" name="Gráfico 8">
+            <a:extLst>
+              <a:ext uri="{FF2B5EF4-FFF2-40B4-BE49-F238E27FC236}">
+                <a16:creationId xmlns:a16="http://schemas.microsoft.com/office/drawing/2014/main" id="{8951ED2D-02AB-4784-A820-1B65DE4713F5}"/>
+              </a:ext>
+            </a:extLst>
+          </p:cNvPr>
+          <p:cNvPicPr>
+            <a:picLocks noChangeAspect="1"/>
+          </p:cNvPicPr>
+          <p:nvPr/>
+        </p:nvPicPr>
+        <p:blipFill>
+          <a:blip r:embed="rId3">
+            <a:extLst>
+              <a:ext uri="{96DAC541-7B7A-43D3-8B79-37D633B846F1}">
+                <asvg:svgBlip xmlns:asvg="http://schemas.microsoft.com/office/drawing/2016/SVG/main" r:embed="rId4"/>
+              </a:ext>
+            </a:extLst>
+          </a:blip>
+          <a:stretch>
+            <a:fillRect/>
+          </a:stretch>
+        </p:blipFill>
+        <p:spPr>
+          <a:xfrm>
+            <a:off x="5497357" y="2473134"/>
+            <a:ext cx="185616" cy="219365"/>
+          </a:xfrm>
+          <a:prstGeom prst="rect">
+            <a:avLst/>
+          </a:prstGeom>
+        </p:spPr>
+      </p:pic>
+      <p:pic>
+        <p:nvPicPr>
+          <p:cNvPr id="10" name="Gráfico 9">
+            <a:extLst>
+              <a:ext uri="{FF2B5EF4-FFF2-40B4-BE49-F238E27FC236}">
+                <a16:creationId xmlns:a16="http://schemas.microsoft.com/office/drawing/2014/main" id="{FDE0F12D-8D89-4BEF-85B4-ADA531FBBE17}"/>
+              </a:ext>
+            </a:extLst>
+          </p:cNvPr>
+          <p:cNvPicPr>
+            <a:picLocks noChangeAspect="1"/>
+          </p:cNvPicPr>
+          <p:nvPr/>
+        </p:nvPicPr>
+        <p:blipFill>
+          <a:blip r:embed="rId3">
+            <a:extLst>
+              <a:ext uri="{96DAC541-7B7A-43D3-8B79-37D633B846F1}">
+                <asvg:svgBlip xmlns:asvg="http://schemas.microsoft.com/office/drawing/2016/SVG/main" r:embed="rId4"/>
+              </a:ext>
+            </a:extLst>
+          </a:blip>
+          <a:stretch>
+            <a:fillRect/>
+          </a:stretch>
+        </p:blipFill>
+        <p:spPr>
+          <a:xfrm>
+            <a:off x="6565133" y="3554365"/>
+            <a:ext cx="107465" cy="127002"/>
+          </a:xfrm>
+          <a:prstGeom prst="rect">
+            <a:avLst/>
+          </a:prstGeom>
+        </p:spPr>
+      </p:pic>
+      <p:sp>
+        <p:nvSpPr>
+          <p:cNvPr id="6" name="Título 1">
+            <a:extLst>
+              <a:ext uri="{FF2B5EF4-FFF2-40B4-BE49-F238E27FC236}">
+                <a16:creationId xmlns:a16="http://schemas.microsoft.com/office/drawing/2014/main" id="{EC993F68-2ABC-472C-9DAA-F49885B6553A}"/>
+              </a:ext>
+            </a:extLst>
+          </p:cNvPr>
+          <p:cNvSpPr>
+            <a:spLocks noGrp="1"/>
+          </p:cNvSpPr>
+          <p:nvPr>
+            <p:ph type="title"/>
+          </p:nvPr>
+        </p:nvSpPr>
+        <p:spPr>
+          <a:xfrm>
+            <a:off x="29290" y="2418011"/>
+            <a:ext cx="12162710" cy="2021978"/>
+          </a:xfrm>
+        </p:spPr>
+        <p:txBody>
+          <a:bodyPr>
+            <a:normAutofit fontScale="90000"/>
+          </a:bodyPr>
+          <a:lstStyle/>
+          <a:p>
+            <a:pPr algn="ctr"/>
+            <a:r>
+              <a:rPr lang="pt-BR" sz="7300" dirty="0" err="1">
+                <a:solidFill>
+                  <a:schemeClr val="bg1"/>
+                </a:solidFill>
+                <a:latin typeface="Nunito" pitchFamily="2" charset="77"/>
+              </a:rPr>
+              <a:t>Messages</a:t>
+            </a:r>
+            <a:r>
+              <a:rPr lang="pt-BR" sz="7300" dirty="0">
+                <a:solidFill>
+                  <a:schemeClr val="bg1"/>
+                </a:solidFill>
+                <a:latin typeface="Nunito" pitchFamily="2" charset="77"/>
+              </a:rPr>
+              <a:t>, </a:t>
+            </a:r>
+            <a:r>
+              <a:rPr lang="pt-BR" sz="7300" dirty="0" err="1">
+                <a:solidFill>
+                  <a:schemeClr val="bg1"/>
+                </a:solidFill>
+                <a:latin typeface="Nunito" pitchFamily="2" charset="77"/>
+              </a:rPr>
+              <a:t>Events</a:t>
+            </a:r>
+            <a:r>
+              <a:rPr lang="pt-BR" sz="7300" dirty="0">
+                <a:solidFill>
+                  <a:schemeClr val="bg1"/>
+                </a:solidFill>
+                <a:latin typeface="Nunito" pitchFamily="2" charset="77"/>
+              </a:rPr>
+              <a:t>, </a:t>
+            </a:r>
+            <a:r>
+              <a:rPr lang="pt-BR" sz="7300" dirty="0" err="1">
+                <a:solidFill>
+                  <a:schemeClr val="bg1"/>
+                </a:solidFill>
+                <a:latin typeface="Nunito" pitchFamily="2" charset="77"/>
+              </a:rPr>
+              <a:t>Commands</a:t>
+            </a:r>
+            <a:endParaRPr lang="pt-BR" sz="5400" dirty="0">
+              <a:solidFill>
+                <a:schemeClr val="bg1"/>
+              </a:solidFill>
+              <a:latin typeface="Nunito" pitchFamily="2" charset="77"/>
+            </a:endParaRPr>
+          </a:p>
+        </p:txBody>
+      </p:sp>
+    </p:spTree>
+    <p:extLst>
+      <p:ext uri="{BB962C8B-B14F-4D97-AF65-F5344CB8AC3E}">
+        <p14:creationId xmlns:p14="http://schemas.microsoft.com/office/powerpoint/2010/main" val="24995718"/>
+      </p:ext>
+    </p:extLst>
+  </p:cSld>
+  <p:clrMapOvr>
+    <a:masterClrMapping/>
+  </p:clrMapOvr>
+  <mc:AlternateContent xmlns:mc="http://schemas.openxmlformats.org/markup-compatibility/2006" xmlns:p14="http://schemas.microsoft.com/office/powerpoint/2010/main">
+    <mc:Choice Requires="p14">
+      <p:transition spd="med" p14:dur="700">
+        <p:fade/>
+      </p:transition>
+    </mc:Choice>
+    <mc:Fallback xmlns="">
+      <p:transition spd="med">
+        <p:fade/>
+      </p:transition>
+    </mc:Fallback>
+  </mc:AlternateContent>
+  <p:timing>
+    <p:tnLst>
+      <p:par>
+        <p:cTn id="1" dur="indefinite" restart="never" nodeType="tmRoot">
+          <p:childTnLst>
+            <p:seq concurrent="1" nextAc="seek">
+              <p:cTn id="2" dur="indefinite" nodeType="mainSeq">
+                <p:childTnLst>
+                  <p:par>
+                    <p:cTn id="3" fill="hold">
+                      <p:stCondLst>
+                        <p:cond delay="indefinite"/>
+                        <p:cond evt="onBegin" delay="0">
+                          <p:tn val="2"/>
+                        </p:cond>
+                      </p:stCondLst>
+                      <p:childTnLst>
+                        <p:par>
+                          <p:cTn id="4" fill="hold">
+                            <p:stCondLst>
+                              <p:cond delay="0"/>
+                            </p:stCondLst>
+                            <p:childTnLst>
+                              <p:par>
+                                <p:cTn id="5" presetID="10" presetClass="entr" presetSubtype="0" fill="hold" grpId="0" nodeType="afterEffect">
+                                  <p:stCondLst>
+                                    <p:cond delay="0"/>
+                                  </p:stCondLst>
+                                  <p:childTnLst>
+                                    <p:set>
+                                      <p:cBhvr>
+                                        <p:cTn id="6" dur="1" fill="hold">
+                                          <p:stCondLst>
+                                            <p:cond delay="0"/>
+                                          </p:stCondLst>
+                                        </p:cTn>
+                                        <p:tgtEl>
+                                          <p:spTgt spid="6"/>
+                                        </p:tgtEl>
+                                        <p:attrNameLst>
+                                          <p:attrName>style.visibility</p:attrName>
+                                        </p:attrNameLst>
+                                      </p:cBhvr>
+                                      <p:to>
+                                        <p:strVal val="visible"/>
+                                      </p:to>
+                                    </p:set>
+                                    <p:animEffect transition="in" filter="fade">
+                                      <p:cBhvr>
+                                        <p:cTn id="7" dur="500"/>
+                                        <p:tgtEl>
+                                          <p:spTgt spid="6"/>
+                                        </p:tgtEl>
+                                      </p:cBhvr>
+                                    </p:animEffect>
+                                  </p:childTnLst>
+                                </p:cTn>
+                              </p:par>
+                              <p:par>
+                                <p:cTn id="8" presetID="10" presetClass="entr" presetSubtype="0" fill="hold" nodeType="withEffect">
+                                  <p:stCondLst>
+                                    <p:cond delay="0"/>
+                                  </p:stCondLst>
+                                  <p:childTnLst>
+                                    <p:set>
+                                      <p:cBhvr>
+                                        <p:cTn id="9" dur="1" fill="hold">
+                                          <p:stCondLst>
+                                            <p:cond delay="0"/>
+                                          </p:stCondLst>
+                                        </p:cTn>
+                                        <p:tgtEl>
+                                          <p:spTgt spid="9"/>
+                                        </p:tgtEl>
+                                        <p:attrNameLst>
+                                          <p:attrName>style.visibility</p:attrName>
+                                        </p:attrNameLst>
+                                      </p:cBhvr>
+                                      <p:to>
+                                        <p:strVal val="visible"/>
+                                      </p:to>
+                                    </p:set>
+                                    <p:animEffect transition="in" filter="fade">
+                                      <p:cBhvr>
+                                        <p:cTn id="10" dur="500"/>
+                                        <p:tgtEl>
+                                          <p:spTgt spid="9"/>
+                                        </p:tgtEl>
+                                      </p:cBhvr>
+                                    </p:animEffect>
+                                  </p:childTnLst>
+                                </p:cTn>
+                              </p:par>
+                              <p:par>
+                                <p:cTn id="11" presetID="51" presetClass="path" presetSubtype="0" repeatCount="indefinite" accel="50000" decel="50000" autoRev="1" fill="hold" nodeType="withEffect">
+                                  <p:stCondLst>
+                                    <p:cond delay="0"/>
+                                  </p:stCondLst>
+                                  <p:childTnLst>
+                                    <p:animMotion origin="layout" path="M -3.54167E-6 -3.7037E-7 L -0.03997 0.0669 C -0.04895 0.08102 -0.05403 0.10208 -0.05403 0.12407 C -0.05403 0.14907 -0.04895 0.16898 -0.03997 0.1831 L -3.54167E-6 0.25 " pathEditMode="relative" rAng="0" ptsTypes="AAAAA">
+                                      <p:cBhvr>
+                                        <p:cTn id="12" dur="2000" fill="hold"/>
+                                        <p:tgtEl>
+                                          <p:spTgt spid="9"/>
+                                        </p:tgtEl>
+                                        <p:attrNameLst>
+                                          <p:attrName>ppt_x</p:attrName>
+                                          <p:attrName>ppt_y</p:attrName>
+                                        </p:attrNameLst>
+                                      </p:cBhvr>
+                                      <p:rCtr x="-2708" y="12500"/>
+                                    </p:animMotion>
+                                  </p:childTnLst>
+                                </p:cTn>
+                              </p:par>
+                              <p:par>
+                                <p:cTn id="13" presetID="10" presetClass="entr" presetSubtype="0" fill="hold" nodeType="withEffect">
+                                  <p:stCondLst>
+                                    <p:cond delay="0"/>
+                                  </p:stCondLst>
+                                  <p:childTnLst>
+                                    <p:set>
+                                      <p:cBhvr>
+                                        <p:cTn id="14" dur="1" fill="hold">
+                                          <p:stCondLst>
+                                            <p:cond delay="0"/>
+                                          </p:stCondLst>
+                                        </p:cTn>
+                                        <p:tgtEl>
+                                          <p:spTgt spid="10"/>
+                                        </p:tgtEl>
+                                        <p:attrNameLst>
+                                          <p:attrName>style.visibility</p:attrName>
+                                        </p:attrNameLst>
+                                      </p:cBhvr>
+                                      <p:to>
+                                        <p:strVal val="visible"/>
+                                      </p:to>
+                                    </p:set>
+                                    <p:animEffect transition="in" filter="fade">
+                                      <p:cBhvr>
+                                        <p:cTn id="15" dur="500"/>
+                                        <p:tgtEl>
+                                          <p:spTgt spid="10"/>
+                                        </p:tgtEl>
+                                      </p:cBhvr>
+                                    </p:animEffect>
+                                  </p:childTnLst>
+                                </p:cTn>
+                              </p:par>
+                              <p:par>
+                                <p:cTn id="16" presetID="1" presetClass="path" presetSubtype="0" repeatCount="indefinite" accel="50000" decel="50000" autoRev="1" fill="hold" nodeType="withEffect">
+                                  <p:stCondLst>
+                                    <p:cond delay="0"/>
+                                  </p:stCondLst>
+                                  <p:childTnLst>
+                                    <p:animMotion origin="layout" path="M -0.04909 -0.08658 C -0.00925 -0.08658 0.02305 -0.03056 0.02305 0.03842 C 0.02305 0.1074 -0.00925 0.16342 -0.04909 0.16342 C -0.08893 0.16342 -0.1211 0.1074 -0.1211 0.03842 C -0.1211 -0.03056 -0.08893 -0.08658 -0.04909 -0.08658 Z " pathEditMode="relative" rAng="0" ptsTypes="AAAAA">
+                                      <p:cBhvr>
+                                        <p:cTn id="17" dur="4000" fill="hold"/>
+                                        <p:tgtEl>
+                                          <p:spTgt spid="10"/>
+                                        </p:tgtEl>
+                                        <p:attrNameLst>
+                                          <p:attrName>ppt_x</p:attrName>
+                                          <p:attrName>ppt_y</p:attrName>
+                                        </p:attrNameLst>
+                                      </p:cBhvr>
+                                      <p:rCtr x="0" y="12500"/>
+                                    </p:animMotion>
+                                  </p:childTnLst>
+                                </p:cTn>
+                              </p:par>
+                            </p:childTnLst>
+                          </p:cTn>
+                        </p:par>
+                      </p:childTnLst>
+                    </p:cTn>
+                  </p:par>
+                </p:childTnLst>
+              </p:cTn>
+              <p:prevCondLst>
+                <p:cond evt="onPrev" delay="0">
+                  <p:tgtEl>
+                    <p:sldTgt/>
+                  </p:tgtEl>
+                </p:cond>
+              </p:prevCondLst>
+              <p:nextCondLst>
+                <p:cond evt="onNext" delay="0">
+                  <p:tgtEl>
+                    <p:sldTgt/>
+                  </p:tgtEl>
+                </p:cond>
+              </p:nextCondLst>
+            </p:seq>
+          </p:childTnLst>
+        </p:cTn>
+      </p:par>
+    </p:tnLst>
+    <p:bldLst>
+      <p:bldP spid="6" grpId="0"/>
+    </p:bldLst>
+  </p:timing>
+</p:sld>
+</file>
+
+<file path=ppt/slides/slide14.xml><?xml version="1.0" encoding="utf-8"?>
+<p:sld xmlns:a="http://schemas.openxmlformats.org/drawingml/2006/main" xmlns:r="http://schemas.openxmlformats.org/officeDocument/2006/relationships" xmlns:p="http://schemas.openxmlformats.org/presentationml/2006/main">
+  <p:cSld>
+    <p:spTree>
+      <p:nvGrpSpPr>
+        <p:cNvPr id="1" name=""/>
+        <p:cNvGrpSpPr/>
+        <p:nvPr/>
+      </p:nvGrpSpPr>
+      <p:grpSpPr>
+        <a:xfrm>
+          <a:off x="0" y="0"/>
+          <a:ext cx="0" cy="0"/>
+          <a:chOff x="0" y="0"/>
+          <a:chExt cx="0" cy="0"/>
+        </a:xfrm>
+      </p:grpSpPr>
+      <p:pic>
+        <p:nvPicPr>
+          <p:cNvPr id="7" name="Imagem 6">
+            <a:extLst>
+              <a:ext uri="{FF2B5EF4-FFF2-40B4-BE49-F238E27FC236}">
+                <a16:creationId xmlns:a16="http://schemas.microsoft.com/office/drawing/2014/main" id="{15EF5E79-A320-604B-B8D0-BB7CC7F3BD24}"/>
+              </a:ext>
+            </a:extLst>
+          </p:cNvPr>
+          <p:cNvPicPr>
+            <a:picLocks noChangeAspect="1"/>
+          </p:cNvPicPr>
+          <p:nvPr/>
+        </p:nvPicPr>
+        <p:blipFill>
+          <a:blip r:embed="rId2">
+            <a:extLst>
+              <a:ext uri="{28A0092B-C50C-407E-A947-70E740481C1C}">
+                <a14:useLocalDpi xmlns:a14="http://schemas.microsoft.com/office/drawing/2010/main" val="0"/>
+              </a:ext>
+            </a:extLst>
+          </a:blip>
+          <a:stretch>
+            <a:fillRect/>
+          </a:stretch>
+        </p:blipFill>
+        <p:spPr>
+          <a:xfrm>
+            <a:off x="-1" y="-1590"/>
+            <a:ext cx="12192001" cy="2021978"/>
+          </a:xfrm>
+          <a:prstGeom prst="rect">
+            <a:avLst/>
+          </a:prstGeom>
+        </p:spPr>
+      </p:pic>
+      <p:sp>
+        <p:nvSpPr>
+          <p:cNvPr id="13" name="Título 1">
+            <a:extLst>
+              <a:ext uri="{FF2B5EF4-FFF2-40B4-BE49-F238E27FC236}">
+                <a16:creationId xmlns:a16="http://schemas.microsoft.com/office/drawing/2014/main" id="{94E1A0D2-D048-46FE-90D3-722FBF740CC7}"/>
+              </a:ext>
+            </a:extLst>
+          </p:cNvPr>
+          <p:cNvSpPr>
+            <a:spLocks noGrp="1"/>
+          </p:cNvSpPr>
+          <p:nvPr>
+            <p:ph type="title"/>
+          </p:nvPr>
+        </p:nvSpPr>
+        <p:spPr>
+          <a:xfrm>
+            <a:off x="2159726" y="0"/>
+            <a:ext cx="9292046" cy="2021978"/>
+          </a:xfrm>
+        </p:spPr>
+        <p:txBody>
+          <a:bodyPr>
+            <a:normAutofit/>
+          </a:bodyPr>
+          <a:lstStyle/>
+          <a:p>
+            <a:r>
+              <a:rPr lang="pt-BR" dirty="0" err="1">
+                <a:solidFill>
+                  <a:schemeClr val="bg1"/>
+                </a:solidFill>
+                <a:latin typeface="Nunito" pitchFamily="2" charset="77"/>
+              </a:rPr>
+              <a:t>Message</a:t>
+            </a:r>
+            <a:endParaRPr lang="pt-BR" dirty="0">
+              <a:solidFill>
+                <a:schemeClr val="bg1"/>
+              </a:solidFill>
+              <a:latin typeface="Nunito" pitchFamily="2" charset="77"/>
+            </a:endParaRPr>
+          </a:p>
+        </p:txBody>
+      </p:sp>
+      <p:pic>
+        <p:nvPicPr>
+          <p:cNvPr id="14" name="Gráfico 13">
+            <a:extLst>
+              <a:ext uri="{FF2B5EF4-FFF2-40B4-BE49-F238E27FC236}">
+                <a16:creationId xmlns:a16="http://schemas.microsoft.com/office/drawing/2014/main" id="{2B5477E9-00BA-4494-BA1B-5466AC45994D}"/>
+              </a:ext>
+            </a:extLst>
+          </p:cNvPr>
+          <p:cNvPicPr>
+            <a:picLocks noChangeAspect="1"/>
+          </p:cNvPicPr>
+          <p:nvPr/>
+        </p:nvPicPr>
+        <p:blipFill>
+          <a:blip r:embed="rId3">
+            <a:extLst>
+              <a:ext uri="{96DAC541-7B7A-43D3-8B79-37D633B846F1}">
+                <asvg:svgBlip xmlns:asvg="http://schemas.microsoft.com/office/drawing/2016/SVG/main" r:embed="rId4"/>
+              </a:ext>
+            </a:extLst>
+          </a:blip>
+          <a:stretch>
+            <a:fillRect/>
+          </a:stretch>
+        </p:blipFill>
+        <p:spPr>
+          <a:xfrm>
+            <a:off x="1097280" y="636835"/>
+            <a:ext cx="610307" cy="705667"/>
+          </a:xfrm>
+          <a:prstGeom prst="rect">
+            <a:avLst/>
+          </a:prstGeom>
+        </p:spPr>
+      </p:pic>
+      <p:sp>
+        <p:nvSpPr>
+          <p:cNvPr id="8" name="CaixaDeTexto 7">
+            <a:extLst>
+              <a:ext uri="{FF2B5EF4-FFF2-40B4-BE49-F238E27FC236}">
+                <a16:creationId xmlns:a16="http://schemas.microsoft.com/office/drawing/2014/main" id="{29557DB5-A419-464F-8DE1-FE557705DF73}"/>
+              </a:ext>
+            </a:extLst>
+          </p:cNvPr>
+          <p:cNvSpPr txBox="1"/>
+          <p:nvPr/>
+        </p:nvSpPr>
+        <p:spPr>
+          <a:xfrm>
+            <a:off x="1097280" y="2719343"/>
+            <a:ext cx="6400800" cy="2031325"/>
+          </a:xfrm>
+          <a:prstGeom prst="rect">
+            <a:avLst/>
+          </a:prstGeom>
+          <a:noFill/>
+        </p:spPr>
+        <p:txBody>
+          <a:bodyPr wrap="square" rtlCol="0">
+            <a:spAutoFit/>
+          </a:bodyPr>
+          <a:lstStyle/>
+          <a:p>
+            <a:r>
+              <a:rPr lang="pt-BR" b="1" dirty="0">
+                <a:latin typeface="Nunito" pitchFamily="2" charset="77"/>
+              </a:rPr>
+              <a:t>Mensagem</a:t>
+            </a:r>
+          </a:p>
+          <a:p>
+            <a:pPr marL="285750" indent="-285750">
+              <a:buFontTx/>
+              <a:buChar char="-"/>
+            </a:pPr>
+            <a:r>
+              <a:rPr lang="en-US" dirty="0" err="1">
+                <a:latin typeface="Nunito" pitchFamily="2" charset="77"/>
+              </a:rPr>
+              <a:t>Unidade</a:t>
+            </a:r>
+            <a:r>
+              <a:rPr lang="en-US" dirty="0">
+                <a:latin typeface="Nunito" pitchFamily="2" charset="77"/>
+              </a:rPr>
+              <a:t> </a:t>
+            </a:r>
+            <a:r>
+              <a:rPr lang="en-US" dirty="0" err="1">
+                <a:latin typeface="Nunito" pitchFamily="2" charset="77"/>
+              </a:rPr>
+              <a:t>básica</a:t>
+            </a:r>
+            <a:r>
+              <a:rPr lang="en-US" dirty="0">
+                <a:latin typeface="Nunito" pitchFamily="2" charset="77"/>
+              </a:rPr>
+              <a:t> de </a:t>
+            </a:r>
+            <a:r>
+              <a:rPr lang="en-US" dirty="0" err="1">
+                <a:latin typeface="Nunito" pitchFamily="2" charset="77"/>
+              </a:rPr>
+              <a:t>comunicação</a:t>
+            </a:r>
+            <a:endParaRPr lang="en-US" dirty="0">
+              <a:latin typeface="Nunito" pitchFamily="2" charset="77"/>
+            </a:endParaRPr>
+          </a:p>
+          <a:p>
+            <a:pPr marL="285750" indent="-285750">
+              <a:buFontTx/>
+              <a:buChar char="-"/>
+            </a:pPr>
+            <a:r>
+              <a:rPr lang="en-US" dirty="0" err="1">
+                <a:latin typeface="Nunito" pitchFamily="2" charset="77"/>
+              </a:rPr>
+              <a:t>Pode</a:t>
+            </a:r>
+            <a:r>
+              <a:rPr lang="en-US" dirty="0">
+                <a:latin typeface="Nunito" pitchFamily="2" charset="77"/>
+              </a:rPr>
+              <a:t> ser </a:t>
+            </a:r>
+            <a:r>
+              <a:rPr lang="en-US" dirty="0" err="1">
+                <a:latin typeface="Nunito" pitchFamily="2" charset="77"/>
+              </a:rPr>
+              <a:t>literalmente</a:t>
+            </a:r>
+            <a:r>
+              <a:rPr lang="en-US" dirty="0">
+                <a:latin typeface="Nunito" pitchFamily="2" charset="77"/>
+              </a:rPr>
+              <a:t> </a:t>
+            </a:r>
+            <a:r>
+              <a:rPr lang="en-US" dirty="0" err="1">
+                <a:latin typeface="Nunito" pitchFamily="2" charset="77"/>
+              </a:rPr>
+              <a:t>qualquer</a:t>
+            </a:r>
+            <a:r>
+              <a:rPr lang="en-US" dirty="0">
+                <a:latin typeface="Nunito" pitchFamily="2" charset="77"/>
+              </a:rPr>
+              <a:t> </a:t>
+            </a:r>
+            <a:r>
+              <a:rPr lang="en-US" dirty="0" err="1">
+                <a:latin typeface="Nunito" pitchFamily="2" charset="77"/>
+              </a:rPr>
+              <a:t>coisa</a:t>
+            </a:r>
+            <a:endParaRPr lang="en-US" dirty="0">
+              <a:latin typeface="Nunito" pitchFamily="2" charset="77"/>
+            </a:endParaRPr>
+          </a:p>
+          <a:p>
+            <a:pPr marL="742950" lvl="1" indent="-285750">
+              <a:buFontTx/>
+              <a:buChar char="-"/>
+            </a:pPr>
+            <a:r>
+              <a:rPr lang="en-US" dirty="0">
+                <a:latin typeface="Nunito" pitchFamily="2" charset="77"/>
+              </a:rPr>
+              <a:t>String, int, </a:t>
+            </a:r>
+            <a:r>
+              <a:rPr lang="en-US" dirty="0" err="1">
+                <a:latin typeface="Nunito" pitchFamily="2" charset="77"/>
+              </a:rPr>
+              <a:t>objeto</a:t>
+            </a:r>
+            <a:endParaRPr lang="en-US" dirty="0">
+              <a:latin typeface="Nunito" pitchFamily="2" charset="77"/>
+            </a:endParaRPr>
+          </a:p>
+          <a:p>
+            <a:pPr marL="285750" indent="-285750">
+              <a:buFontTx/>
+              <a:buChar char="-"/>
+            </a:pPr>
+            <a:endParaRPr lang="en-US" dirty="0">
+              <a:latin typeface="Montserrat Light" panose="00000400000000000000" pitchFamily="2" charset="0"/>
+            </a:endParaRPr>
+          </a:p>
+          <a:p>
+            <a:pPr marL="285750" indent="-285750">
+              <a:buFontTx/>
+              <a:buChar char="-"/>
+            </a:pPr>
+            <a:endParaRPr lang="pt-BR" dirty="0">
+              <a:latin typeface="Montserrat Light" panose="00000400000000000000" pitchFamily="2" charset="0"/>
+            </a:endParaRPr>
+          </a:p>
+          <a:p>
+            <a:pPr marL="285750" indent="-285750">
+              <a:buFontTx/>
+              <a:buChar char="-"/>
+            </a:pPr>
+            <a:endParaRPr lang="pt-BR" dirty="0">
+              <a:latin typeface="Montserrat Light" panose="00000400000000000000" pitchFamily="2" charset="0"/>
+            </a:endParaRPr>
+          </a:p>
+        </p:txBody>
+      </p:sp>
+      <p:pic>
+        <p:nvPicPr>
+          <p:cNvPr id="12" name="Graphic 11">
+            <a:extLst>
+              <a:ext uri="{FF2B5EF4-FFF2-40B4-BE49-F238E27FC236}">
+                <a16:creationId xmlns:a16="http://schemas.microsoft.com/office/drawing/2014/main" id="{08C5FB60-1BF5-BE4F-8104-A54858793712}"/>
+              </a:ext>
+            </a:extLst>
+          </p:cNvPr>
+          <p:cNvPicPr>
+            <a:picLocks noChangeAspect="1"/>
+          </p:cNvPicPr>
+          <p:nvPr/>
+        </p:nvPicPr>
+        <p:blipFill>
+          <a:blip r:embed="rId5">
+            <a:extLst>
+              <a:ext uri="{28A0092B-C50C-407E-A947-70E740481C1C}">
+                <a14:useLocalDpi xmlns:a14="http://schemas.microsoft.com/office/drawing/2010/main" val="0"/>
+              </a:ext>
+              <a:ext uri="{96DAC541-7B7A-43D3-8B79-37D633B846F1}">
+                <asvg:svgBlip xmlns:asvg="http://schemas.microsoft.com/office/drawing/2016/SVG/main" r:embed="rId6"/>
+              </a:ext>
+            </a:extLst>
+          </a:blip>
+          <a:stretch>
+            <a:fillRect/>
+          </a:stretch>
+        </p:blipFill>
+        <p:spPr>
+          <a:xfrm>
+            <a:off x="7236405" y="2630609"/>
+            <a:ext cx="4053004" cy="3615580"/>
+          </a:xfrm>
+          <a:prstGeom prst="rect">
+            <a:avLst/>
+          </a:prstGeom>
+        </p:spPr>
+      </p:pic>
+    </p:spTree>
+    <p:extLst>
+      <p:ext uri="{BB962C8B-B14F-4D97-AF65-F5344CB8AC3E}">
+        <p14:creationId xmlns:p14="http://schemas.microsoft.com/office/powerpoint/2010/main" val="2897241905"/>
+      </p:ext>
+    </p:extLst>
+  </p:cSld>
+  <p:clrMapOvr>
+    <a:masterClrMapping/>
+  </p:clrMapOvr>
+  <mc:AlternateContent xmlns:mc="http://schemas.openxmlformats.org/markup-compatibility/2006" xmlns:p159="http://schemas.microsoft.com/office/powerpoint/2015/09/main">
+    <mc:Choice Requires="p159">
+      <p:transition xmlns:p14="http://schemas.microsoft.com/office/powerpoint/2010/main" spd="slow" p14:dur="2000">
+        <p159:morph option="byObject"/>
+      </p:transition>
+    </mc:Choice>
+    <mc:Fallback xmlns="">
+      <p:transition spd="slow">
+        <p:fade/>
+      </p:transition>
+    </mc:Fallback>
+  </mc:AlternateContent>
+  <p:timing>
+    <p:tnLst>
+      <p:par>
+        <p:cTn id="1" dur="indefinite" restart="never" nodeType="tmRoot">
+          <p:childTnLst>
+            <p:seq concurrent="1" nextAc="seek">
+              <p:cTn id="2" dur="indefinite" nodeType="mainSeq">
+                <p:childTnLst>
+                  <p:par>
+                    <p:cTn id="3" fill="hold">
+                      <p:stCondLst>
+                        <p:cond delay="indefinite"/>
+                      </p:stCondLst>
+                      <p:childTnLst>
+                        <p:par>
+                          <p:cTn id="4" fill="hold">
+                            <p:stCondLst>
+                              <p:cond delay="0"/>
+                            </p:stCondLst>
+                            <p:childTnLst>
+                              <p:par>
+                                <p:cTn id="5" presetID="1" presetClass="entr" presetSubtype="0" fill="hold" grpId="0" nodeType="clickEffect">
+                                  <p:stCondLst>
+                                    <p:cond delay="0"/>
+                                  </p:stCondLst>
+                                  <p:childTnLst>
+                                    <p:set>
+                                      <p:cBhvr>
+                                        <p:cTn id="6" dur="1" fill="hold">
+                                          <p:stCondLst>
+                                            <p:cond delay="0"/>
+                                          </p:stCondLst>
+                                        </p:cTn>
+                                        <p:tgtEl>
+                                          <p:spTgt spid="8"/>
+                                        </p:tgtEl>
+                                        <p:attrNameLst>
+                                          <p:attrName>style.visibility</p:attrName>
+                                        </p:attrNameLst>
+                                      </p:cBhvr>
+                                      <p:to>
+                                        <p:strVal val="visible"/>
+                                      </p:to>
+                                    </p:set>
+                                  </p:childTnLst>
+                                </p:cTn>
+                              </p:par>
+                            </p:childTnLst>
+                          </p:cTn>
+                        </p:par>
+                      </p:childTnLst>
+                    </p:cTn>
+                  </p:par>
+                  <p:par>
+                    <p:cTn id="7" fill="hold">
+                      <p:stCondLst>
+                        <p:cond delay="indefinite"/>
+                      </p:stCondLst>
+                      <p:childTnLst>
+                        <p:par>
+                          <p:cTn id="8" fill="hold">
+                            <p:stCondLst>
+                              <p:cond delay="0"/>
+                            </p:stCondLst>
+                            <p:childTnLst>
+                              <p:par>
+                                <p:cTn id="9" presetID="1" presetClass="entr" presetSubtype="0" fill="hold" nodeType="clickEffect">
+                                  <p:stCondLst>
+                                    <p:cond delay="0"/>
+                                  </p:stCondLst>
+                                  <p:childTnLst>
+                                    <p:set>
+                                      <p:cBhvr>
+                                        <p:cTn id="10" dur="1" fill="hold">
+                                          <p:stCondLst>
+                                            <p:cond delay="0"/>
+                                          </p:stCondLst>
+                                        </p:cTn>
+                                        <p:tgtEl>
+                                          <p:spTgt spid="12"/>
+                                        </p:tgtEl>
+                                        <p:attrNameLst>
+                                          <p:attrName>style.visibility</p:attrName>
+                                        </p:attrNameLst>
+                                      </p:cBhvr>
+                                      <p:to>
+                                        <p:strVal val="visible"/>
+                                      </p:to>
+                                    </p:set>
+                                  </p:childTnLst>
+                                </p:cTn>
+                              </p:par>
+                            </p:childTnLst>
+                          </p:cTn>
+                        </p:par>
+                      </p:childTnLst>
+                    </p:cTn>
+                  </p:par>
+                </p:childTnLst>
+              </p:cTn>
+              <p:prevCondLst>
+                <p:cond evt="onPrev" delay="0">
+                  <p:tgtEl>
+                    <p:sldTgt/>
+                  </p:tgtEl>
+                </p:cond>
+              </p:prevCondLst>
+              <p:nextCondLst>
+                <p:cond evt="onNext" delay="0">
+                  <p:tgtEl>
+                    <p:sldTgt/>
+                  </p:tgtEl>
+                </p:cond>
+              </p:nextCondLst>
+            </p:seq>
+          </p:childTnLst>
+        </p:cTn>
+      </p:par>
+    </p:tnLst>
+    <p:bldLst>
+      <p:bldP spid="8" grpId="0"/>
+    </p:bldLst>
+  </p:timing>
+</p:sld>
+</file>
+
+<file path=ppt/slides/slide15.xml><?xml version="1.0" encoding="utf-8"?>
+<p:sld xmlns:a="http://schemas.openxmlformats.org/drawingml/2006/main" xmlns:r="http://schemas.openxmlformats.org/officeDocument/2006/relationships" xmlns:p="http://schemas.openxmlformats.org/presentationml/2006/main">
+  <p:cSld>
+    <p:spTree>
+      <p:nvGrpSpPr>
+        <p:cNvPr id="1" name=""/>
+        <p:cNvGrpSpPr/>
+        <p:nvPr/>
+      </p:nvGrpSpPr>
+      <p:grpSpPr>
+        <a:xfrm>
+          <a:off x="0" y="0"/>
+          <a:ext cx="0" cy="0"/>
+          <a:chOff x="0" y="0"/>
+          <a:chExt cx="0" cy="0"/>
+        </a:xfrm>
+      </p:grpSpPr>
+      <p:pic>
+        <p:nvPicPr>
+          <p:cNvPr id="7" name="Imagem 6">
+            <a:extLst>
+              <a:ext uri="{FF2B5EF4-FFF2-40B4-BE49-F238E27FC236}">
+                <a16:creationId xmlns:a16="http://schemas.microsoft.com/office/drawing/2014/main" id="{15EF5E79-A320-604B-B8D0-BB7CC7F3BD24}"/>
+              </a:ext>
+            </a:extLst>
+          </p:cNvPr>
+          <p:cNvPicPr>
+            <a:picLocks noChangeAspect="1"/>
+          </p:cNvPicPr>
+          <p:nvPr/>
+        </p:nvPicPr>
+        <p:blipFill>
+          <a:blip r:embed="rId2">
+            <a:extLst>
+              <a:ext uri="{28A0092B-C50C-407E-A947-70E740481C1C}">
+                <a14:useLocalDpi xmlns:a14="http://schemas.microsoft.com/office/drawing/2010/main" val="0"/>
+              </a:ext>
+            </a:extLst>
+          </a:blip>
+          <a:stretch>
+            <a:fillRect/>
+          </a:stretch>
+        </p:blipFill>
+        <p:spPr>
+          <a:xfrm>
+            <a:off x="-1" y="-1590"/>
+            <a:ext cx="12192001" cy="2021978"/>
+          </a:xfrm>
+          <a:prstGeom prst="rect">
+            <a:avLst/>
+          </a:prstGeom>
+        </p:spPr>
+      </p:pic>
+      <p:sp>
+        <p:nvSpPr>
+          <p:cNvPr id="13" name="Título 1">
+            <a:extLst>
+              <a:ext uri="{FF2B5EF4-FFF2-40B4-BE49-F238E27FC236}">
+                <a16:creationId xmlns:a16="http://schemas.microsoft.com/office/drawing/2014/main" id="{94E1A0D2-D048-46FE-90D3-722FBF740CC7}"/>
+              </a:ext>
+            </a:extLst>
+          </p:cNvPr>
+          <p:cNvSpPr>
+            <a:spLocks noGrp="1"/>
+          </p:cNvSpPr>
+          <p:nvPr>
+            <p:ph type="title"/>
+          </p:nvPr>
+        </p:nvSpPr>
+        <p:spPr>
+          <a:xfrm>
+            <a:off x="2159726" y="0"/>
+            <a:ext cx="9292046" cy="2021978"/>
+          </a:xfrm>
+        </p:spPr>
+        <p:txBody>
+          <a:bodyPr>
+            <a:normAutofit/>
+          </a:bodyPr>
+          <a:lstStyle/>
+          <a:p>
+            <a:r>
+              <a:rPr lang="pt-BR" dirty="0" err="1">
+                <a:solidFill>
+                  <a:schemeClr val="bg1"/>
+                </a:solidFill>
+                <a:latin typeface="Nunito" pitchFamily="2" charset="77"/>
+              </a:rPr>
+              <a:t>Event</a:t>
+            </a:r>
+            <a:endParaRPr lang="pt-BR" dirty="0">
+              <a:solidFill>
+                <a:schemeClr val="bg1"/>
+              </a:solidFill>
+              <a:latin typeface="Nunito" pitchFamily="2" charset="77"/>
+            </a:endParaRPr>
+          </a:p>
+        </p:txBody>
+      </p:sp>
+      <p:pic>
+        <p:nvPicPr>
+          <p:cNvPr id="14" name="Gráfico 13">
+            <a:extLst>
+              <a:ext uri="{FF2B5EF4-FFF2-40B4-BE49-F238E27FC236}">
+                <a16:creationId xmlns:a16="http://schemas.microsoft.com/office/drawing/2014/main" id="{2B5477E9-00BA-4494-BA1B-5466AC45994D}"/>
+              </a:ext>
+            </a:extLst>
+          </p:cNvPr>
+          <p:cNvPicPr>
+            <a:picLocks noChangeAspect="1"/>
+          </p:cNvPicPr>
+          <p:nvPr/>
+        </p:nvPicPr>
+        <p:blipFill>
+          <a:blip r:embed="rId3">
+            <a:extLst>
+              <a:ext uri="{96DAC541-7B7A-43D3-8B79-37D633B846F1}">
+                <asvg:svgBlip xmlns:asvg="http://schemas.microsoft.com/office/drawing/2016/SVG/main" r:embed="rId4"/>
+              </a:ext>
+            </a:extLst>
+          </a:blip>
+          <a:stretch>
+            <a:fillRect/>
+          </a:stretch>
+        </p:blipFill>
+        <p:spPr>
+          <a:xfrm>
+            <a:off x="1097280" y="636835"/>
+            <a:ext cx="610307" cy="705667"/>
+          </a:xfrm>
+          <a:prstGeom prst="rect">
+            <a:avLst/>
+          </a:prstGeom>
+        </p:spPr>
+      </p:pic>
+      <p:sp>
+        <p:nvSpPr>
+          <p:cNvPr id="8" name="CaixaDeTexto 7">
+            <a:extLst>
+              <a:ext uri="{FF2B5EF4-FFF2-40B4-BE49-F238E27FC236}">
+                <a16:creationId xmlns:a16="http://schemas.microsoft.com/office/drawing/2014/main" id="{29557DB5-A419-464F-8DE1-FE557705DF73}"/>
+              </a:ext>
+            </a:extLst>
+          </p:cNvPr>
+          <p:cNvSpPr txBox="1"/>
+          <p:nvPr/>
+        </p:nvSpPr>
+        <p:spPr>
+          <a:xfrm>
+            <a:off x="1097280" y="2719343"/>
+            <a:ext cx="6400800" cy="3416320"/>
+          </a:xfrm>
+          <a:prstGeom prst="rect">
+            <a:avLst/>
+          </a:prstGeom>
+          <a:noFill/>
+        </p:spPr>
+        <p:txBody>
+          <a:bodyPr wrap="square" rtlCol="0">
+            <a:spAutoFit/>
+          </a:bodyPr>
+          <a:lstStyle/>
+          <a:p>
+            <a:r>
+              <a:rPr lang="pt-BR" b="1" dirty="0">
+                <a:latin typeface="Nunito" pitchFamily="2" charset="77"/>
+              </a:rPr>
+              <a:t>Evento</a:t>
+            </a:r>
+          </a:p>
+          <a:p>
+            <a:pPr marL="285750" indent="-285750">
+              <a:buFontTx/>
+              <a:buChar char="-"/>
+            </a:pPr>
+            <a:r>
+              <a:rPr lang="en-US" dirty="0">
+                <a:latin typeface="Nunito" pitchFamily="2" charset="77"/>
+              </a:rPr>
+              <a:t>Uma </a:t>
+            </a:r>
+            <a:r>
+              <a:rPr lang="en-US" dirty="0" err="1">
+                <a:latin typeface="Nunito" pitchFamily="2" charset="77"/>
+              </a:rPr>
+              <a:t>mensagem</a:t>
+            </a:r>
+            <a:r>
+              <a:rPr lang="en-US" dirty="0">
+                <a:latin typeface="Nunito" pitchFamily="2" charset="77"/>
+              </a:rPr>
+              <a:t> que </a:t>
+            </a:r>
+            <a:r>
+              <a:rPr lang="en-US" dirty="0" err="1">
+                <a:latin typeface="Nunito" pitchFamily="2" charset="77"/>
+              </a:rPr>
+              <a:t>informa</a:t>
+            </a:r>
+            <a:r>
+              <a:rPr lang="en-US" dirty="0">
+                <a:latin typeface="Nunito" pitchFamily="2" charset="77"/>
+              </a:rPr>
+              <a:t> </a:t>
+            </a:r>
+            <a:r>
+              <a:rPr lang="en-US" dirty="0" err="1">
+                <a:latin typeface="Nunito" pitchFamily="2" charset="77"/>
+              </a:rPr>
+              <a:t>diversos</a:t>
+            </a:r>
+            <a:r>
+              <a:rPr lang="en-US" dirty="0">
+                <a:latin typeface="Nunito" pitchFamily="2" charset="77"/>
+              </a:rPr>
+              <a:t> “listeners” que algo </a:t>
+            </a:r>
+            <a:r>
+              <a:rPr lang="en-US" dirty="0" err="1">
+                <a:latin typeface="Nunito" pitchFamily="2" charset="77"/>
+              </a:rPr>
+              <a:t>aconteceu</a:t>
+            </a:r>
+            <a:endParaRPr lang="en-US" dirty="0">
+              <a:latin typeface="Nunito" pitchFamily="2" charset="77"/>
+            </a:endParaRPr>
+          </a:p>
+          <a:p>
+            <a:pPr marL="285750" indent="-285750">
+              <a:buFontTx/>
+              <a:buChar char="-"/>
+            </a:pPr>
+            <a:r>
+              <a:rPr lang="en-US" dirty="0" err="1">
+                <a:latin typeface="Nunito" pitchFamily="2" charset="77"/>
+              </a:rPr>
+              <a:t>Quem</a:t>
+            </a:r>
+            <a:r>
+              <a:rPr lang="en-US" dirty="0">
+                <a:latin typeface="Nunito" pitchFamily="2" charset="77"/>
+              </a:rPr>
+              <a:t> publica o </a:t>
+            </a:r>
+            <a:r>
+              <a:rPr lang="en-US" dirty="0" err="1">
+                <a:latin typeface="Nunito" pitchFamily="2" charset="77"/>
+              </a:rPr>
+              <a:t>evento</a:t>
+            </a:r>
+            <a:r>
+              <a:rPr lang="en-US" dirty="0">
+                <a:latin typeface="Nunito" pitchFamily="2" charset="77"/>
+              </a:rPr>
+              <a:t> é </a:t>
+            </a:r>
+            <a:r>
+              <a:rPr lang="en-US" dirty="0" err="1">
+                <a:latin typeface="Nunito" pitchFamily="2" charset="77"/>
+              </a:rPr>
+              <a:t>chamado</a:t>
+            </a:r>
+            <a:r>
+              <a:rPr lang="en-US" dirty="0">
+                <a:latin typeface="Nunito" pitchFamily="2" charset="77"/>
+              </a:rPr>
+              <a:t> de “Producer”</a:t>
+            </a:r>
+          </a:p>
+          <a:p>
+            <a:pPr marL="285750" indent="-285750">
+              <a:buFontTx/>
+              <a:buChar char="-"/>
+            </a:pPr>
+            <a:r>
+              <a:rPr lang="en-US" dirty="0" err="1">
+                <a:latin typeface="Nunito" pitchFamily="2" charset="77"/>
+              </a:rPr>
+              <a:t>Quem</a:t>
+            </a:r>
+            <a:r>
+              <a:rPr lang="en-US" dirty="0">
+                <a:latin typeface="Nunito" pitchFamily="2" charset="77"/>
+              </a:rPr>
+              <a:t> </a:t>
+            </a:r>
+            <a:r>
+              <a:rPr lang="en-US" dirty="0" err="1">
+                <a:latin typeface="Nunito" pitchFamily="2" charset="77"/>
+              </a:rPr>
+              <a:t>ouve</a:t>
+            </a:r>
+            <a:r>
+              <a:rPr lang="en-US" dirty="0">
+                <a:latin typeface="Nunito" pitchFamily="2" charset="77"/>
+              </a:rPr>
+              <a:t> o </a:t>
+            </a:r>
+            <a:r>
+              <a:rPr lang="en-US" dirty="0" err="1">
+                <a:latin typeface="Nunito" pitchFamily="2" charset="77"/>
+              </a:rPr>
+              <a:t>evento</a:t>
+            </a:r>
+            <a:r>
+              <a:rPr lang="en-US" dirty="0">
+                <a:latin typeface="Nunito" pitchFamily="2" charset="77"/>
+              </a:rPr>
+              <a:t> é </a:t>
+            </a:r>
+            <a:r>
+              <a:rPr lang="en-US" dirty="0" err="1">
+                <a:latin typeface="Nunito" pitchFamily="2" charset="77"/>
+              </a:rPr>
+              <a:t>chamado</a:t>
+            </a:r>
+            <a:r>
+              <a:rPr lang="en-US" dirty="0">
+                <a:latin typeface="Nunito" pitchFamily="2" charset="77"/>
+              </a:rPr>
+              <a:t> de “Consumer”</a:t>
+            </a:r>
+          </a:p>
+          <a:p>
+            <a:pPr marL="742950" lvl="1" indent="-285750">
+              <a:buFontTx/>
+              <a:buChar char="-"/>
+            </a:pPr>
+            <a:r>
+              <a:rPr lang="en-US" dirty="0" err="1">
+                <a:latin typeface="Nunito" pitchFamily="2" charset="77"/>
+              </a:rPr>
+              <a:t>Reagem</a:t>
+            </a:r>
+            <a:r>
+              <a:rPr lang="en-US" dirty="0">
+                <a:latin typeface="Nunito" pitchFamily="2" charset="77"/>
+              </a:rPr>
+              <a:t> </a:t>
+            </a:r>
+            <a:r>
+              <a:rPr lang="en-US" dirty="0" err="1">
+                <a:latin typeface="Nunito" pitchFamily="2" charset="77"/>
+              </a:rPr>
+              <a:t>ao</a:t>
+            </a:r>
+            <a:r>
+              <a:rPr lang="en-US" dirty="0">
+                <a:latin typeface="Nunito" pitchFamily="2" charset="77"/>
+              </a:rPr>
+              <a:t> </a:t>
+            </a:r>
+            <a:r>
+              <a:rPr lang="en-US" dirty="0" err="1">
+                <a:latin typeface="Nunito" pitchFamily="2" charset="77"/>
+              </a:rPr>
+              <a:t>evento</a:t>
+            </a:r>
+            <a:endParaRPr lang="en-US" dirty="0">
+              <a:latin typeface="Nunito" pitchFamily="2" charset="77"/>
+            </a:endParaRPr>
+          </a:p>
+          <a:p>
+            <a:pPr marL="285750" indent="-285750">
+              <a:buFontTx/>
+              <a:buChar char="-"/>
+            </a:pPr>
+            <a:r>
+              <a:rPr lang="en-US" dirty="0" err="1">
+                <a:latin typeface="Nunito" pitchFamily="2" charset="77"/>
+              </a:rPr>
+              <a:t>Criamos</a:t>
+            </a:r>
+            <a:r>
+              <a:rPr lang="en-US" dirty="0">
+                <a:latin typeface="Nunito" pitchFamily="2" charset="77"/>
+              </a:rPr>
+              <a:t> </a:t>
+            </a:r>
+            <a:r>
+              <a:rPr lang="en-US" dirty="0" err="1">
+                <a:latin typeface="Nunito" pitchFamily="2" charset="77"/>
+              </a:rPr>
+              <a:t>evento</a:t>
+            </a:r>
+            <a:r>
+              <a:rPr lang="en-US" dirty="0">
+                <a:latin typeface="Nunito" pitchFamily="2" charset="77"/>
+              </a:rPr>
+              <a:t> sempre no </a:t>
+            </a:r>
+            <a:r>
+              <a:rPr lang="en-US" dirty="0" err="1">
+                <a:latin typeface="Nunito" pitchFamily="2" charset="77"/>
+              </a:rPr>
+              <a:t>passado</a:t>
+            </a:r>
+            <a:endParaRPr lang="en-US" dirty="0">
+              <a:latin typeface="Nunito" pitchFamily="2" charset="77"/>
+            </a:endParaRPr>
+          </a:p>
+          <a:p>
+            <a:pPr marL="742950" lvl="1" indent="-285750">
+              <a:buFontTx/>
+              <a:buChar char="-"/>
+            </a:pPr>
+            <a:r>
+              <a:rPr lang="en-US" dirty="0" err="1">
+                <a:latin typeface="Nunito" pitchFamily="2" charset="77"/>
+              </a:rPr>
+              <a:t>Order_created</a:t>
+            </a:r>
+            <a:endParaRPr lang="en-US" dirty="0">
+              <a:latin typeface="Nunito" pitchFamily="2" charset="77"/>
+            </a:endParaRPr>
+          </a:p>
+          <a:p>
+            <a:pPr marL="742950" lvl="1" indent="-285750">
+              <a:buFontTx/>
+              <a:buChar char="-"/>
+            </a:pPr>
+            <a:r>
+              <a:rPr lang="en-US" dirty="0" err="1">
+                <a:latin typeface="Nunito" pitchFamily="2" charset="77"/>
+              </a:rPr>
+              <a:t>Account_Updated</a:t>
+            </a:r>
+            <a:endParaRPr lang="en-US" dirty="0">
+              <a:latin typeface="Nunito" pitchFamily="2" charset="77"/>
+            </a:endParaRPr>
+          </a:p>
+          <a:p>
+            <a:pPr marL="285750" indent="-285750">
+              <a:buFontTx/>
+              <a:buChar char="-"/>
+            </a:pPr>
+            <a:r>
+              <a:rPr lang="en-US" dirty="0" err="1">
+                <a:latin typeface="Nunito" pitchFamily="2" charset="77"/>
+              </a:rPr>
+              <a:t>Já</a:t>
+            </a:r>
+            <a:r>
+              <a:rPr lang="en-US" dirty="0">
+                <a:latin typeface="Nunito" pitchFamily="2" charset="77"/>
+              </a:rPr>
+              <a:t> </a:t>
+            </a:r>
+            <a:r>
+              <a:rPr lang="en-US" dirty="0" err="1">
+                <a:latin typeface="Nunito" pitchFamily="2" charset="77"/>
+              </a:rPr>
+              <a:t>aconteceu</a:t>
+            </a:r>
+            <a:r>
+              <a:rPr lang="en-US" dirty="0">
+                <a:latin typeface="Nunito" pitchFamily="2" charset="77"/>
+              </a:rPr>
+              <a:t>, </a:t>
+            </a:r>
+            <a:r>
+              <a:rPr lang="en-US" dirty="0" err="1">
+                <a:latin typeface="Nunito" pitchFamily="2" charset="77"/>
+              </a:rPr>
+              <a:t>já</a:t>
+            </a:r>
+            <a:r>
+              <a:rPr lang="en-US" dirty="0">
+                <a:latin typeface="Nunito" pitchFamily="2" charset="77"/>
+              </a:rPr>
+              <a:t> </a:t>
+            </a:r>
+            <a:r>
+              <a:rPr lang="en-US" dirty="0" err="1">
+                <a:latin typeface="Nunito" pitchFamily="2" charset="77"/>
+              </a:rPr>
+              <a:t>foi</a:t>
+            </a:r>
+            <a:r>
+              <a:rPr lang="en-US" dirty="0">
+                <a:latin typeface="Nunito" pitchFamily="2" charset="77"/>
+              </a:rPr>
+              <a:t> </a:t>
+            </a:r>
+            <a:r>
+              <a:rPr lang="en-US" dirty="0" err="1">
+                <a:latin typeface="Nunito" pitchFamily="2" charset="77"/>
+              </a:rPr>
+              <a:t>disparado</a:t>
+            </a:r>
+            <a:endParaRPr lang="en-US" dirty="0">
+              <a:latin typeface="Montserrat Light" panose="00000400000000000000" pitchFamily="2" charset="0"/>
+            </a:endParaRPr>
+          </a:p>
+          <a:p>
+            <a:pPr marL="285750" indent="-285750">
+              <a:buFontTx/>
+              <a:buChar char="-"/>
+            </a:pPr>
+            <a:endParaRPr lang="pt-BR" dirty="0">
+              <a:latin typeface="Montserrat Light" panose="00000400000000000000" pitchFamily="2" charset="0"/>
+            </a:endParaRPr>
+          </a:p>
+          <a:p>
+            <a:pPr marL="285750" indent="-285750">
+              <a:buFontTx/>
+              <a:buChar char="-"/>
+            </a:pPr>
+            <a:endParaRPr lang="pt-BR" dirty="0">
+              <a:latin typeface="Montserrat Light" panose="00000400000000000000" pitchFamily="2" charset="0"/>
+            </a:endParaRPr>
+          </a:p>
+        </p:txBody>
+      </p:sp>
+      <p:pic>
+        <p:nvPicPr>
+          <p:cNvPr id="12" name="Graphic 11">
+            <a:extLst>
+              <a:ext uri="{FF2B5EF4-FFF2-40B4-BE49-F238E27FC236}">
+                <a16:creationId xmlns:a16="http://schemas.microsoft.com/office/drawing/2014/main" id="{08C5FB60-1BF5-BE4F-8104-A54858793712}"/>
+              </a:ext>
+            </a:extLst>
+          </p:cNvPr>
+          <p:cNvPicPr>
+            <a:picLocks noChangeAspect="1"/>
+          </p:cNvPicPr>
+          <p:nvPr/>
+        </p:nvPicPr>
+        <p:blipFill>
+          <a:blip r:embed="rId5">
+            <a:extLst>
+              <a:ext uri="{28A0092B-C50C-407E-A947-70E740481C1C}">
+                <a14:useLocalDpi xmlns:a14="http://schemas.microsoft.com/office/drawing/2010/main" val="0"/>
+              </a:ext>
+              <a:ext uri="{96DAC541-7B7A-43D3-8B79-37D633B846F1}">
+                <asvg:svgBlip xmlns:asvg="http://schemas.microsoft.com/office/drawing/2016/SVG/main" r:embed="rId6"/>
+              </a:ext>
+            </a:extLst>
+          </a:blip>
+          <a:stretch>
+            <a:fillRect/>
+          </a:stretch>
+        </p:blipFill>
+        <p:spPr>
+          <a:xfrm>
+            <a:off x="7236405" y="2630609"/>
+            <a:ext cx="4053004" cy="3615580"/>
+          </a:xfrm>
+          <a:prstGeom prst="rect">
+            <a:avLst/>
+          </a:prstGeom>
+        </p:spPr>
+      </p:pic>
+    </p:spTree>
+    <p:extLst>
+      <p:ext uri="{BB962C8B-B14F-4D97-AF65-F5344CB8AC3E}">
+        <p14:creationId xmlns:p14="http://schemas.microsoft.com/office/powerpoint/2010/main" val="2475006696"/>
+      </p:ext>
+    </p:extLst>
+  </p:cSld>
+  <p:clrMapOvr>
+    <a:masterClrMapping/>
+  </p:clrMapOvr>
+  <mc:AlternateContent xmlns:mc="http://schemas.openxmlformats.org/markup-compatibility/2006" xmlns:p159="http://schemas.microsoft.com/office/powerpoint/2015/09/main">
+    <mc:Choice Requires="p159">
+      <p:transition xmlns:p14="http://schemas.microsoft.com/office/powerpoint/2010/main" spd="slow" p14:dur="2000">
+        <p159:morph option="byObject"/>
+      </p:transition>
+    </mc:Choice>
+    <mc:Fallback xmlns="">
+      <p:transition spd="slow">
+        <p:fade/>
+      </p:transition>
+    </mc:Fallback>
+  </mc:AlternateContent>
+  <p:timing>
+    <p:tnLst>
+      <p:par>
+        <p:cTn id="1" dur="indefinite" restart="never" nodeType="tmRoot">
+          <p:childTnLst>
+            <p:seq concurrent="1" nextAc="seek">
+              <p:cTn id="2" dur="indefinite" nodeType="mainSeq">
+                <p:childTnLst>
+                  <p:par>
+                    <p:cTn id="3" fill="hold">
+                      <p:stCondLst>
+                        <p:cond delay="indefinite"/>
+                      </p:stCondLst>
+                      <p:childTnLst>
+                        <p:par>
+                          <p:cTn id="4" fill="hold">
+                            <p:stCondLst>
+                              <p:cond delay="0"/>
+                            </p:stCondLst>
+                            <p:childTnLst>
+                              <p:par>
+                                <p:cTn id="5" presetID="1" presetClass="entr" presetSubtype="0" fill="hold" grpId="0" nodeType="clickEffect">
+                                  <p:stCondLst>
+                                    <p:cond delay="0"/>
+                                  </p:stCondLst>
+                                  <p:childTnLst>
+                                    <p:set>
+                                      <p:cBhvr>
+                                        <p:cTn id="6" dur="1" fill="hold">
+                                          <p:stCondLst>
+                                            <p:cond delay="0"/>
+                                          </p:stCondLst>
+                                        </p:cTn>
+                                        <p:tgtEl>
+                                          <p:spTgt spid="8"/>
+                                        </p:tgtEl>
+                                        <p:attrNameLst>
+                                          <p:attrName>style.visibility</p:attrName>
+                                        </p:attrNameLst>
+                                      </p:cBhvr>
+                                      <p:to>
+                                        <p:strVal val="visible"/>
+                                      </p:to>
+                                    </p:set>
+                                  </p:childTnLst>
+                                </p:cTn>
+                              </p:par>
+                            </p:childTnLst>
+                          </p:cTn>
+                        </p:par>
+                      </p:childTnLst>
+                    </p:cTn>
+                  </p:par>
+                  <p:par>
+                    <p:cTn id="7" fill="hold">
+                      <p:stCondLst>
+                        <p:cond delay="indefinite"/>
+                      </p:stCondLst>
+                      <p:childTnLst>
+                        <p:par>
+                          <p:cTn id="8" fill="hold">
+                            <p:stCondLst>
+                              <p:cond delay="0"/>
+                            </p:stCondLst>
+                            <p:childTnLst>
+                              <p:par>
+                                <p:cTn id="9" presetID="1" presetClass="entr" presetSubtype="0" fill="hold" nodeType="clickEffect">
+                                  <p:stCondLst>
+                                    <p:cond delay="0"/>
+                                  </p:stCondLst>
+                                  <p:childTnLst>
+                                    <p:set>
+                                      <p:cBhvr>
+                                        <p:cTn id="10" dur="1" fill="hold">
+                                          <p:stCondLst>
+                                            <p:cond delay="0"/>
+                                          </p:stCondLst>
+                                        </p:cTn>
+                                        <p:tgtEl>
+                                          <p:spTgt spid="12"/>
+                                        </p:tgtEl>
+                                        <p:attrNameLst>
+                                          <p:attrName>style.visibility</p:attrName>
+                                        </p:attrNameLst>
+                                      </p:cBhvr>
+                                      <p:to>
+                                        <p:strVal val="visible"/>
+                                      </p:to>
+                                    </p:set>
+                                  </p:childTnLst>
+                                </p:cTn>
+                              </p:par>
+                            </p:childTnLst>
+                          </p:cTn>
+                        </p:par>
+                      </p:childTnLst>
+                    </p:cTn>
+                  </p:par>
+                </p:childTnLst>
+              </p:cTn>
+              <p:prevCondLst>
+                <p:cond evt="onPrev" delay="0">
+                  <p:tgtEl>
+                    <p:sldTgt/>
+                  </p:tgtEl>
+                </p:cond>
+              </p:prevCondLst>
+              <p:nextCondLst>
+                <p:cond evt="onNext" delay="0">
+                  <p:tgtEl>
+                    <p:sldTgt/>
+                  </p:tgtEl>
+                </p:cond>
+              </p:nextCondLst>
+            </p:seq>
+          </p:childTnLst>
+        </p:cTn>
+      </p:par>
+    </p:tnLst>
+    <p:bldLst>
+      <p:bldP spid="8" grpId="0"/>
+    </p:bldLst>
+  </p:timing>
+</p:sld>
+</file>
+
+<file path=ppt/slides/slide16.xml><?xml version="1.0" encoding="utf-8"?>
+<p:sld xmlns:a="http://schemas.openxmlformats.org/drawingml/2006/main" xmlns:r="http://schemas.openxmlformats.org/officeDocument/2006/relationships" xmlns:p="http://schemas.openxmlformats.org/presentationml/2006/main">
+  <p:cSld>
+    <p:spTree>
+      <p:nvGrpSpPr>
+        <p:cNvPr id="1" name=""/>
+        <p:cNvGrpSpPr/>
+        <p:nvPr/>
+      </p:nvGrpSpPr>
+      <p:grpSpPr>
+        <a:xfrm>
+          <a:off x="0" y="0"/>
+          <a:ext cx="0" cy="0"/>
+          <a:chOff x="0" y="0"/>
+          <a:chExt cx="0" cy="0"/>
+        </a:xfrm>
+      </p:grpSpPr>
+      <p:pic>
+        <p:nvPicPr>
+          <p:cNvPr id="7" name="Imagem 6">
+            <a:extLst>
+              <a:ext uri="{FF2B5EF4-FFF2-40B4-BE49-F238E27FC236}">
+                <a16:creationId xmlns:a16="http://schemas.microsoft.com/office/drawing/2014/main" id="{15EF5E79-A320-604B-B8D0-BB7CC7F3BD24}"/>
+              </a:ext>
+            </a:extLst>
+          </p:cNvPr>
+          <p:cNvPicPr>
+            <a:picLocks noChangeAspect="1"/>
+          </p:cNvPicPr>
+          <p:nvPr/>
+        </p:nvPicPr>
+        <p:blipFill>
+          <a:blip r:embed="rId2">
+            <a:extLst>
+              <a:ext uri="{28A0092B-C50C-407E-A947-70E740481C1C}">
+                <a14:useLocalDpi xmlns:a14="http://schemas.microsoft.com/office/drawing/2010/main" val="0"/>
+              </a:ext>
+            </a:extLst>
+          </a:blip>
+          <a:stretch>
+            <a:fillRect/>
+          </a:stretch>
+        </p:blipFill>
+        <p:spPr>
+          <a:xfrm>
+            <a:off x="-1" y="-1590"/>
+            <a:ext cx="12192001" cy="2021978"/>
+          </a:xfrm>
+          <a:prstGeom prst="rect">
+            <a:avLst/>
+          </a:prstGeom>
+        </p:spPr>
+      </p:pic>
+      <p:sp>
+        <p:nvSpPr>
+          <p:cNvPr id="13" name="Título 1">
+            <a:extLst>
+              <a:ext uri="{FF2B5EF4-FFF2-40B4-BE49-F238E27FC236}">
+                <a16:creationId xmlns:a16="http://schemas.microsoft.com/office/drawing/2014/main" id="{94E1A0D2-D048-46FE-90D3-722FBF740CC7}"/>
+              </a:ext>
+            </a:extLst>
+          </p:cNvPr>
+          <p:cNvSpPr>
+            <a:spLocks noGrp="1"/>
+          </p:cNvSpPr>
+          <p:nvPr>
+            <p:ph type="title"/>
+          </p:nvPr>
+        </p:nvSpPr>
+        <p:spPr>
+          <a:xfrm>
+            <a:off x="2159726" y="0"/>
+            <a:ext cx="9292046" cy="2021978"/>
+          </a:xfrm>
+        </p:spPr>
+        <p:txBody>
+          <a:bodyPr>
+            <a:normAutofit/>
+          </a:bodyPr>
+          <a:lstStyle/>
+          <a:p>
+            <a:r>
+              <a:rPr lang="pt-BR" dirty="0">
+                <a:solidFill>
+                  <a:schemeClr val="bg1"/>
+                </a:solidFill>
+                <a:latin typeface="Nunito" pitchFamily="2" charset="77"/>
+              </a:rPr>
+              <a:t>Command</a:t>
+            </a:r>
+          </a:p>
+        </p:txBody>
+      </p:sp>
+      <p:pic>
+        <p:nvPicPr>
+          <p:cNvPr id="14" name="Gráfico 13">
+            <a:extLst>
+              <a:ext uri="{FF2B5EF4-FFF2-40B4-BE49-F238E27FC236}">
+                <a16:creationId xmlns:a16="http://schemas.microsoft.com/office/drawing/2014/main" id="{2B5477E9-00BA-4494-BA1B-5466AC45994D}"/>
+              </a:ext>
+            </a:extLst>
+          </p:cNvPr>
+          <p:cNvPicPr>
+            <a:picLocks noChangeAspect="1"/>
+          </p:cNvPicPr>
+          <p:nvPr/>
+        </p:nvPicPr>
+        <p:blipFill>
+          <a:blip r:embed="rId3">
+            <a:extLst>
+              <a:ext uri="{96DAC541-7B7A-43D3-8B79-37D633B846F1}">
+                <asvg:svgBlip xmlns:asvg="http://schemas.microsoft.com/office/drawing/2016/SVG/main" r:embed="rId4"/>
+              </a:ext>
+            </a:extLst>
+          </a:blip>
+          <a:stretch>
+            <a:fillRect/>
+          </a:stretch>
+        </p:blipFill>
+        <p:spPr>
+          <a:xfrm>
+            <a:off x="1097280" y="636835"/>
+            <a:ext cx="610307" cy="705667"/>
+          </a:xfrm>
+          <a:prstGeom prst="rect">
+            <a:avLst/>
+          </a:prstGeom>
+        </p:spPr>
+      </p:pic>
+      <p:sp>
+        <p:nvSpPr>
+          <p:cNvPr id="8" name="CaixaDeTexto 7">
+            <a:extLst>
+              <a:ext uri="{FF2B5EF4-FFF2-40B4-BE49-F238E27FC236}">
+                <a16:creationId xmlns:a16="http://schemas.microsoft.com/office/drawing/2014/main" id="{29557DB5-A419-464F-8DE1-FE557705DF73}"/>
+              </a:ext>
+            </a:extLst>
+          </p:cNvPr>
+          <p:cNvSpPr txBox="1"/>
+          <p:nvPr/>
+        </p:nvSpPr>
+        <p:spPr>
+          <a:xfrm>
+            <a:off x="1097280" y="2719343"/>
+            <a:ext cx="6400800" cy="2308324"/>
+          </a:xfrm>
+          <a:prstGeom prst="rect">
+            <a:avLst/>
+          </a:prstGeom>
+          <a:noFill/>
+        </p:spPr>
+        <p:txBody>
+          <a:bodyPr wrap="square" rtlCol="0">
+            <a:spAutoFit/>
+          </a:bodyPr>
+          <a:lstStyle/>
+          <a:p>
+            <a:r>
+              <a:rPr lang="pt-BR" b="1" dirty="0">
+                <a:latin typeface="Nunito" pitchFamily="2" charset="77"/>
+              </a:rPr>
+              <a:t>Comando</a:t>
+            </a:r>
+          </a:p>
+          <a:p>
+            <a:pPr marL="285750" indent="-285750">
+              <a:buFontTx/>
+              <a:buChar char="-"/>
+            </a:pPr>
+            <a:r>
+              <a:rPr lang="en-US" dirty="0" err="1">
+                <a:latin typeface="Nunito" pitchFamily="2" charset="77"/>
+              </a:rPr>
+              <a:t>Representa</a:t>
+            </a:r>
+            <a:r>
+              <a:rPr lang="en-US" dirty="0">
+                <a:latin typeface="Nunito" pitchFamily="2" charset="77"/>
+              </a:rPr>
+              <a:t> um </a:t>
+            </a:r>
+            <a:r>
+              <a:rPr lang="en-US" dirty="0" err="1">
+                <a:latin typeface="Nunito" pitchFamily="2" charset="77"/>
+              </a:rPr>
+              <a:t>ação</a:t>
+            </a:r>
+            <a:r>
+              <a:rPr lang="en-US" dirty="0">
+                <a:latin typeface="Nunito" pitchFamily="2" charset="77"/>
+              </a:rPr>
+              <a:t> </a:t>
+            </a:r>
+            <a:r>
+              <a:rPr lang="en-US" dirty="0" err="1">
+                <a:latin typeface="Nunito" pitchFamily="2" charset="77"/>
+              </a:rPr>
+              <a:t>direcionada</a:t>
+            </a:r>
+            <a:endParaRPr lang="en-US" dirty="0">
+              <a:latin typeface="Nunito" pitchFamily="2" charset="77"/>
+            </a:endParaRPr>
+          </a:p>
+          <a:p>
+            <a:pPr marL="285750" indent="-285750">
+              <a:buFontTx/>
+              <a:buChar char="-"/>
+            </a:pPr>
+            <a:r>
+              <a:rPr lang="en-US" dirty="0" err="1">
+                <a:latin typeface="Nunito" pitchFamily="2" charset="77"/>
+              </a:rPr>
+              <a:t>Possui</a:t>
+            </a:r>
+            <a:r>
+              <a:rPr lang="en-US" dirty="0">
+                <a:latin typeface="Nunito" pitchFamily="2" charset="77"/>
+              </a:rPr>
+              <a:t> </a:t>
+            </a:r>
+            <a:r>
+              <a:rPr lang="en-US" dirty="0" err="1">
+                <a:latin typeface="Nunito" pitchFamily="2" charset="77"/>
+              </a:rPr>
+              <a:t>uma</a:t>
+            </a:r>
+            <a:r>
+              <a:rPr lang="en-US" dirty="0">
+                <a:latin typeface="Nunito" pitchFamily="2" charset="77"/>
+              </a:rPr>
+              <a:t> </a:t>
+            </a:r>
+            <a:r>
+              <a:rPr lang="en-US" dirty="0" err="1">
+                <a:latin typeface="Nunito" pitchFamily="2" charset="77"/>
+              </a:rPr>
+              <a:t>conexão</a:t>
+            </a:r>
+            <a:r>
+              <a:rPr lang="en-US" dirty="0">
+                <a:latin typeface="Nunito" pitchFamily="2" charset="77"/>
+              </a:rPr>
+              <a:t> 1x1</a:t>
+            </a:r>
+          </a:p>
+          <a:p>
+            <a:pPr marL="742950" lvl="1" indent="-285750">
+              <a:buFontTx/>
+              <a:buChar char="-"/>
+            </a:pPr>
+            <a:r>
+              <a:rPr lang="en-US" dirty="0">
+                <a:latin typeface="Nunito" pitchFamily="2" charset="77"/>
+              </a:rPr>
+              <a:t>Entre producer e consumer</a:t>
+            </a:r>
+          </a:p>
+          <a:p>
+            <a:pPr marL="285750" indent="-285750">
+              <a:buFontTx/>
+              <a:buChar char="-"/>
+            </a:pPr>
+            <a:r>
+              <a:rPr lang="en-US" dirty="0" err="1">
+                <a:latin typeface="Nunito" pitchFamily="2" charset="77"/>
+              </a:rPr>
+              <a:t>CriarConta</a:t>
+            </a:r>
+            <a:r>
+              <a:rPr lang="en-US" dirty="0">
+                <a:latin typeface="Nunito" pitchFamily="2" charset="77"/>
+              </a:rPr>
+              <a:t>, </a:t>
+            </a:r>
+            <a:r>
+              <a:rPr lang="en-US" dirty="0" err="1">
+                <a:latin typeface="Nunito" pitchFamily="2" charset="77"/>
+              </a:rPr>
+              <a:t>RealizarPedido</a:t>
+            </a:r>
+            <a:endParaRPr lang="en-US" dirty="0">
+              <a:latin typeface="Nunito" pitchFamily="2" charset="77"/>
+            </a:endParaRPr>
+          </a:p>
+          <a:p>
+            <a:pPr marL="285750" indent="-285750">
+              <a:buFontTx/>
+              <a:buChar char="-"/>
+            </a:pPr>
+            <a:endParaRPr lang="en-US" dirty="0">
+              <a:latin typeface="Montserrat Light" panose="00000400000000000000" pitchFamily="2" charset="0"/>
+            </a:endParaRPr>
+          </a:p>
+          <a:p>
+            <a:pPr marL="285750" indent="-285750">
+              <a:buFontTx/>
+              <a:buChar char="-"/>
+            </a:pPr>
+            <a:endParaRPr lang="pt-BR" dirty="0">
+              <a:latin typeface="Montserrat Light" panose="00000400000000000000" pitchFamily="2" charset="0"/>
+            </a:endParaRPr>
+          </a:p>
+          <a:p>
+            <a:pPr marL="285750" indent="-285750">
+              <a:buFontTx/>
+              <a:buChar char="-"/>
+            </a:pPr>
+            <a:endParaRPr lang="pt-BR" dirty="0">
+              <a:latin typeface="Montserrat Light" panose="00000400000000000000" pitchFamily="2" charset="0"/>
+            </a:endParaRPr>
+          </a:p>
+        </p:txBody>
+      </p:sp>
+      <p:pic>
+        <p:nvPicPr>
+          <p:cNvPr id="12" name="Graphic 11">
+            <a:extLst>
+              <a:ext uri="{FF2B5EF4-FFF2-40B4-BE49-F238E27FC236}">
+                <a16:creationId xmlns:a16="http://schemas.microsoft.com/office/drawing/2014/main" id="{08C5FB60-1BF5-BE4F-8104-A54858793712}"/>
+              </a:ext>
+            </a:extLst>
+          </p:cNvPr>
+          <p:cNvPicPr>
+            <a:picLocks noChangeAspect="1"/>
+          </p:cNvPicPr>
+          <p:nvPr/>
+        </p:nvPicPr>
+        <p:blipFill>
+          <a:blip r:embed="rId5">
+            <a:extLst>
+              <a:ext uri="{28A0092B-C50C-407E-A947-70E740481C1C}">
+                <a14:useLocalDpi xmlns:a14="http://schemas.microsoft.com/office/drawing/2010/main" val="0"/>
+              </a:ext>
+              <a:ext uri="{96DAC541-7B7A-43D3-8B79-37D633B846F1}">
+                <asvg:svgBlip xmlns:asvg="http://schemas.microsoft.com/office/drawing/2016/SVG/main" r:embed="rId6"/>
+              </a:ext>
+            </a:extLst>
+          </a:blip>
+          <a:stretch>
+            <a:fillRect/>
+          </a:stretch>
+        </p:blipFill>
+        <p:spPr>
+          <a:xfrm>
+            <a:off x="7236405" y="2630609"/>
+            <a:ext cx="4053004" cy="3615580"/>
+          </a:xfrm>
+          <a:prstGeom prst="rect">
+            <a:avLst/>
+          </a:prstGeom>
+        </p:spPr>
+      </p:pic>
+    </p:spTree>
+    <p:extLst>
+      <p:ext uri="{BB962C8B-B14F-4D97-AF65-F5344CB8AC3E}">
+        <p14:creationId xmlns:p14="http://schemas.microsoft.com/office/powerpoint/2010/main" val="532135020"/>
+      </p:ext>
+    </p:extLst>
+  </p:cSld>
+  <p:clrMapOvr>
+    <a:masterClrMapping/>
+  </p:clrMapOvr>
+  <mc:AlternateContent xmlns:mc="http://schemas.openxmlformats.org/markup-compatibility/2006" xmlns:p159="http://schemas.microsoft.com/office/powerpoint/2015/09/main">
+    <mc:Choice Requires="p159">
+      <p:transition xmlns:p14="http://schemas.microsoft.com/office/powerpoint/2010/main" spd="slow" p14:dur="2000">
+        <p159:morph option="byObject"/>
+      </p:transition>
+    </mc:Choice>
+    <mc:Fallback xmlns="">
+      <p:transition spd="slow">
+        <p:fade/>
+      </p:transition>
+    </mc:Fallback>
+  </mc:AlternateContent>
+  <p:timing>
+    <p:tnLst>
+      <p:par>
+        <p:cTn id="1" dur="indefinite" restart="never" nodeType="tmRoot">
+          <p:childTnLst>
+            <p:seq concurrent="1" nextAc="seek">
+              <p:cTn id="2" dur="indefinite" nodeType="mainSeq">
+                <p:childTnLst>
+                  <p:par>
+                    <p:cTn id="3" fill="hold">
+                      <p:stCondLst>
+                        <p:cond delay="indefinite"/>
+                      </p:stCondLst>
+                      <p:childTnLst>
+                        <p:par>
+                          <p:cTn id="4" fill="hold">
+                            <p:stCondLst>
+                              <p:cond delay="0"/>
+                            </p:stCondLst>
+                            <p:childTnLst>
+                              <p:par>
+                                <p:cTn id="5" presetID="1" presetClass="entr" presetSubtype="0" fill="hold" grpId="0" nodeType="clickEffect">
+                                  <p:stCondLst>
+                                    <p:cond delay="0"/>
+                                  </p:stCondLst>
+                                  <p:childTnLst>
+                                    <p:set>
+                                      <p:cBhvr>
+                                        <p:cTn id="6" dur="1" fill="hold">
+                                          <p:stCondLst>
+                                            <p:cond delay="0"/>
+                                          </p:stCondLst>
+                                        </p:cTn>
+                                        <p:tgtEl>
+                                          <p:spTgt spid="8"/>
+                                        </p:tgtEl>
+                                        <p:attrNameLst>
+                                          <p:attrName>style.visibility</p:attrName>
+                                        </p:attrNameLst>
+                                      </p:cBhvr>
+                                      <p:to>
+                                        <p:strVal val="visible"/>
+                                      </p:to>
+                                    </p:set>
+                                  </p:childTnLst>
+                                </p:cTn>
+                              </p:par>
+                            </p:childTnLst>
+                          </p:cTn>
+                        </p:par>
+                      </p:childTnLst>
+                    </p:cTn>
+                  </p:par>
+                  <p:par>
+                    <p:cTn id="7" fill="hold">
+                      <p:stCondLst>
+                        <p:cond delay="indefinite"/>
+                      </p:stCondLst>
+                      <p:childTnLst>
+                        <p:par>
+                          <p:cTn id="8" fill="hold">
+                            <p:stCondLst>
+                              <p:cond delay="0"/>
+                            </p:stCondLst>
+                            <p:childTnLst>
+                              <p:par>
+                                <p:cTn id="9" presetID="1" presetClass="entr" presetSubtype="0" fill="hold" nodeType="clickEffect">
+                                  <p:stCondLst>
+                                    <p:cond delay="0"/>
+                                  </p:stCondLst>
+                                  <p:childTnLst>
+                                    <p:set>
+                                      <p:cBhvr>
+                                        <p:cTn id="10" dur="1" fill="hold">
+                                          <p:stCondLst>
+                                            <p:cond delay="0"/>
+                                          </p:stCondLst>
+                                        </p:cTn>
+                                        <p:tgtEl>
+                                          <p:spTgt spid="12"/>
+                                        </p:tgtEl>
+                                        <p:attrNameLst>
+                                          <p:attrName>style.visibility</p:attrName>
+                                        </p:attrNameLst>
+                                      </p:cBhvr>
+                                      <p:to>
+                                        <p:strVal val="visible"/>
+                                      </p:to>
+                                    </p:set>
+                                  </p:childTnLst>
+                                </p:cTn>
+                              </p:par>
+                            </p:childTnLst>
+                          </p:cTn>
+                        </p:par>
+                      </p:childTnLst>
+                    </p:cTn>
+                  </p:par>
+                </p:childTnLst>
+              </p:cTn>
+              <p:prevCondLst>
+                <p:cond evt="onPrev" delay="0">
+                  <p:tgtEl>
+                    <p:sldTgt/>
+                  </p:tgtEl>
+                </p:cond>
+              </p:prevCondLst>
+              <p:nextCondLst>
+                <p:cond evt="onNext" delay="0">
+                  <p:tgtEl>
+                    <p:sldTgt/>
+                  </p:tgtEl>
+                </p:cond>
+              </p:nextCondLst>
+            </p:seq>
+          </p:childTnLst>
+        </p:cTn>
+      </p:par>
+    </p:tnLst>
+    <p:bldLst>
+      <p:bldP spid="8" grpId="0"/>
+    </p:bldLst>
+  </p:timing>
+</p:sld>
+</file>
+
+<file path=ppt/slides/slide17.xml><?xml version="1.0" encoding="utf-8"?>
+<p:sld xmlns:a="http://schemas.openxmlformats.org/drawingml/2006/main" xmlns:r="http://schemas.openxmlformats.org/officeDocument/2006/relationships" xmlns:p="http://schemas.openxmlformats.org/presentationml/2006/main">
+  <p:cSld>
+    <p:spTree>
+      <p:nvGrpSpPr>
+        <p:cNvPr id="1" name=""/>
+        <p:cNvGrpSpPr/>
+        <p:nvPr/>
+      </p:nvGrpSpPr>
+      <p:grpSpPr>
+        <a:xfrm>
+          <a:off x="0" y="0"/>
+          <a:ext cx="0" cy="0"/>
+          <a:chOff x="0" y="0"/>
+          <a:chExt cx="0" cy="0"/>
+        </a:xfrm>
+      </p:grpSpPr>
+      <p:pic>
+        <p:nvPicPr>
+          <p:cNvPr id="5" name="Espaço Reservado para Conteúdo 4">
+            <a:extLst>
+              <a:ext uri="{FF2B5EF4-FFF2-40B4-BE49-F238E27FC236}">
+                <a16:creationId xmlns:a16="http://schemas.microsoft.com/office/drawing/2014/main" id="{DEBCF998-65B9-41B2-A535-E5741DD64BE5}"/>
+              </a:ext>
+            </a:extLst>
+          </p:cNvPr>
+          <p:cNvPicPr>
+            <a:picLocks noGrp="1" noChangeAspect="1"/>
+          </p:cNvPicPr>
+          <p:nvPr>
+            <p:ph idx="1"/>
+          </p:nvPr>
+        </p:nvPicPr>
+        <p:blipFill>
+          <a:blip r:embed="rId2">
+            <a:extLst>
+              <a:ext uri="{28A0092B-C50C-407E-A947-70E740481C1C}">
+                <a14:useLocalDpi xmlns:a14="http://schemas.microsoft.com/office/drawing/2010/main" val="0"/>
+              </a:ext>
+            </a:extLst>
+          </a:blip>
+          <a:stretch>
+            <a:fillRect/>
+          </a:stretch>
+        </p:blipFill>
+        <p:spPr>
+          <a:xfrm>
+            <a:off x="-11088" y="1"/>
+            <a:ext cx="12203088" cy="6881654"/>
+          </a:xfrm>
+        </p:spPr>
+      </p:pic>
+      <p:pic>
+        <p:nvPicPr>
+          <p:cNvPr id="9" name="Gráfico 8">
+            <a:extLst>
+              <a:ext uri="{FF2B5EF4-FFF2-40B4-BE49-F238E27FC236}">
+                <a16:creationId xmlns:a16="http://schemas.microsoft.com/office/drawing/2014/main" id="{8951ED2D-02AB-4784-A820-1B65DE4713F5}"/>
+              </a:ext>
+            </a:extLst>
+          </p:cNvPr>
+          <p:cNvPicPr>
+            <a:picLocks noChangeAspect="1"/>
+          </p:cNvPicPr>
+          <p:nvPr/>
+        </p:nvPicPr>
+        <p:blipFill>
+          <a:blip r:embed="rId3">
+            <a:extLst>
+              <a:ext uri="{96DAC541-7B7A-43D3-8B79-37D633B846F1}">
+                <asvg:svgBlip xmlns:asvg="http://schemas.microsoft.com/office/drawing/2016/SVG/main" r:embed="rId4"/>
+              </a:ext>
+            </a:extLst>
+          </a:blip>
+          <a:stretch>
+            <a:fillRect/>
+          </a:stretch>
+        </p:blipFill>
+        <p:spPr>
+          <a:xfrm>
+            <a:off x="5497357" y="2473134"/>
+            <a:ext cx="185616" cy="219365"/>
+          </a:xfrm>
+          <a:prstGeom prst="rect">
+            <a:avLst/>
+          </a:prstGeom>
+        </p:spPr>
+      </p:pic>
+      <p:pic>
+        <p:nvPicPr>
+          <p:cNvPr id="10" name="Gráfico 9">
+            <a:extLst>
+              <a:ext uri="{FF2B5EF4-FFF2-40B4-BE49-F238E27FC236}">
+                <a16:creationId xmlns:a16="http://schemas.microsoft.com/office/drawing/2014/main" id="{FDE0F12D-8D89-4BEF-85B4-ADA531FBBE17}"/>
+              </a:ext>
+            </a:extLst>
+          </p:cNvPr>
+          <p:cNvPicPr>
+            <a:picLocks noChangeAspect="1"/>
+          </p:cNvPicPr>
+          <p:nvPr/>
+        </p:nvPicPr>
+        <p:blipFill>
+          <a:blip r:embed="rId3">
+            <a:extLst>
+              <a:ext uri="{96DAC541-7B7A-43D3-8B79-37D633B846F1}">
+                <asvg:svgBlip xmlns:asvg="http://schemas.microsoft.com/office/drawing/2016/SVG/main" r:embed="rId4"/>
+              </a:ext>
+            </a:extLst>
+          </a:blip>
+          <a:stretch>
+            <a:fillRect/>
+          </a:stretch>
+        </p:blipFill>
+        <p:spPr>
+          <a:xfrm>
+            <a:off x="6565133" y="3554365"/>
+            <a:ext cx="107465" cy="127002"/>
+          </a:xfrm>
+          <a:prstGeom prst="rect">
+            <a:avLst/>
+          </a:prstGeom>
+        </p:spPr>
+      </p:pic>
+      <p:sp>
+        <p:nvSpPr>
+          <p:cNvPr id="6" name="Título 1">
+            <a:extLst>
+              <a:ext uri="{FF2B5EF4-FFF2-40B4-BE49-F238E27FC236}">
+                <a16:creationId xmlns:a16="http://schemas.microsoft.com/office/drawing/2014/main" id="{EC993F68-2ABC-472C-9DAA-F49885B6553A}"/>
+              </a:ext>
+            </a:extLst>
+          </p:cNvPr>
+          <p:cNvSpPr>
+            <a:spLocks noGrp="1"/>
+          </p:cNvSpPr>
+          <p:nvPr>
+            <p:ph type="title"/>
+          </p:nvPr>
+        </p:nvSpPr>
+        <p:spPr>
+          <a:xfrm>
+            <a:off x="29290" y="2418011"/>
+            <a:ext cx="12162710" cy="2021978"/>
+          </a:xfrm>
+        </p:spPr>
+        <p:txBody>
+          <a:bodyPr>
+            <a:normAutofit/>
+          </a:bodyPr>
+          <a:lstStyle/>
+          <a:p>
+            <a:pPr algn="ctr"/>
+            <a:r>
+              <a:rPr lang="pt-BR" sz="7300" dirty="0">
+                <a:solidFill>
+                  <a:schemeClr val="bg1"/>
+                </a:solidFill>
+                <a:latin typeface="Nunito" pitchFamily="2" charset="77"/>
+              </a:rPr>
+              <a:t>Prós e Contras</a:t>
+            </a:r>
+            <a:endParaRPr lang="pt-BR" sz="5400" dirty="0">
+              <a:solidFill>
+                <a:schemeClr val="bg1"/>
+              </a:solidFill>
+              <a:latin typeface="Nunito" pitchFamily="2" charset="77"/>
+            </a:endParaRPr>
+          </a:p>
+        </p:txBody>
+      </p:sp>
+    </p:spTree>
+    <p:extLst>
+      <p:ext uri="{BB962C8B-B14F-4D97-AF65-F5344CB8AC3E}">
+        <p14:creationId xmlns:p14="http://schemas.microsoft.com/office/powerpoint/2010/main" val="3243609608"/>
+      </p:ext>
+    </p:extLst>
+  </p:cSld>
+  <p:clrMapOvr>
+    <a:masterClrMapping/>
+  </p:clrMapOvr>
+  <mc:AlternateContent xmlns:mc="http://schemas.openxmlformats.org/markup-compatibility/2006" xmlns:p14="http://schemas.microsoft.com/office/powerpoint/2010/main">
+    <mc:Choice Requires="p14">
+      <p:transition spd="med" p14:dur="700">
+        <p:fade/>
+      </p:transition>
+    </mc:Choice>
+    <mc:Fallback xmlns="">
+      <p:transition spd="med">
+        <p:fade/>
+      </p:transition>
+    </mc:Fallback>
+  </mc:AlternateContent>
+  <p:timing>
+    <p:tnLst>
+      <p:par>
+        <p:cTn id="1" dur="indefinite" restart="never" nodeType="tmRoot">
+          <p:childTnLst>
+            <p:seq concurrent="1" nextAc="seek">
+              <p:cTn id="2" dur="indefinite" nodeType="mainSeq">
+                <p:childTnLst>
+                  <p:par>
+                    <p:cTn id="3" fill="hold">
+                      <p:stCondLst>
+                        <p:cond delay="indefinite"/>
+                        <p:cond evt="onBegin" delay="0">
+                          <p:tn val="2"/>
+                        </p:cond>
+                      </p:stCondLst>
+                      <p:childTnLst>
+                        <p:par>
+                          <p:cTn id="4" fill="hold">
+                            <p:stCondLst>
+                              <p:cond delay="0"/>
+                            </p:stCondLst>
+                            <p:childTnLst>
+                              <p:par>
+                                <p:cTn id="5" presetID="10" presetClass="entr" presetSubtype="0" fill="hold" grpId="0" nodeType="afterEffect">
+                                  <p:stCondLst>
+                                    <p:cond delay="0"/>
+                                  </p:stCondLst>
+                                  <p:childTnLst>
+                                    <p:set>
+                                      <p:cBhvr>
+                                        <p:cTn id="6" dur="1" fill="hold">
+                                          <p:stCondLst>
+                                            <p:cond delay="0"/>
+                                          </p:stCondLst>
+                                        </p:cTn>
+                                        <p:tgtEl>
+                                          <p:spTgt spid="6"/>
+                                        </p:tgtEl>
+                                        <p:attrNameLst>
+                                          <p:attrName>style.visibility</p:attrName>
+                                        </p:attrNameLst>
+                                      </p:cBhvr>
+                                      <p:to>
+                                        <p:strVal val="visible"/>
+                                      </p:to>
+                                    </p:set>
+                                    <p:animEffect transition="in" filter="fade">
+                                      <p:cBhvr>
+                                        <p:cTn id="7" dur="500"/>
+                                        <p:tgtEl>
+                                          <p:spTgt spid="6"/>
+                                        </p:tgtEl>
+                                      </p:cBhvr>
+                                    </p:animEffect>
+                                  </p:childTnLst>
+                                </p:cTn>
+                              </p:par>
+                              <p:par>
+                                <p:cTn id="8" presetID="10" presetClass="entr" presetSubtype="0" fill="hold" nodeType="withEffect">
+                                  <p:stCondLst>
+                                    <p:cond delay="0"/>
+                                  </p:stCondLst>
+                                  <p:childTnLst>
+                                    <p:set>
+                                      <p:cBhvr>
+                                        <p:cTn id="9" dur="1" fill="hold">
+                                          <p:stCondLst>
+                                            <p:cond delay="0"/>
+                                          </p:stCondLst>
+                                        </p:cTn>
+                                        <p:tgtEl>
+                                          <p:spTgt spid="9"/>
+                                        </p:tgtEl>
+                                        <p:attrNameLst>
+                                          <p:attrName>style.visibility</p:attrName>
+                                        </p:attrNameLst>
+                                      </p:cBhvr>
+                                      <p:to>
+                                        <p:strVal val="visible"/>
+                                      </p:to>
+                                    </p:set>
+                                    <p:animEffect transition="in" filter="fade">
+                                      <p:cBhvr>
+                                        <p:cTn id="10" dur="500"/>
+                                        <p:tgtEl>
+                                          <p:spTgt spid="9"/>
+                                        </p:tgtEl>
+                                      </p:cBhvr>
+                                    </p:animEffect>
+                                  </p:childTnLst>
+                                </p:cTn>
+                              </p:par>
+                              <p:par>
+                                <p:cTn id="11" presetID="51" presetClass="path" presetSubtype="0" repeatCount="indefinite" accel="50000" decel="50000" autoRev="1" fill="hold" nodeType="withEffect">
+                                  <p:stCondLst>
+                                    <p:cond delay="0"/>
+                                  </p:stCondLst>
+                                  <p:childTnLst>
+                                    <p:animMotion origin="layout" path="M -3.54167E-6 -3.7037E-7 L -0.03997 0.0669 C -0.04895 0.08102 -0.05403 0.10208 -0.05403 0.12407 C -0.05403 0.14907 -0.04895 0.16898 -0.03997 0.1831 L -3.54167E-6 0.25 " pathEditMode="relative" rAng="0" ptsTypes="AAAAA">
+                                      <p:cBhvr>
+                                        <p:cTn id="12" dur="2000" fill="hold"/>
+                                        <p:tgtEl>
+                                          <p:spTgt spid="9"/>
+                                        </p:tgtEl>
+                                        <p:attrNameLst>
+                                          <p:attrName>ppt_x</p:attrName>
+                                          <p:attrName>ppt_y</p:attrName>
+                                        </p:attrNameLst>
+                                      </p:cBhvr>
+                                      <p:rCtr x="-2708" y="12500"/>
+                                    </p:animMotion>
+                                  </p:childTnLst>
+                                </p:cTn>
+                              </p:par>
+                              <p:par>
+                                <p:cTn id="13" presetID="10" presetClass="entr" presetSubtype="0" fill="hold" nodeType="withEffect">
+                                  <p:stCondLst>
+                                    <p:cond delay="0"/>
+                                  </p:stCondLst>
+                                  <p:childTnLst>
+                                    <p:set>
+                                      <p:cBhvr>
+                                        <p:cTn id="14" dur="1" fill="hold">
+                                          <p:stCondLst>
+                                            <p:cond delay="0"/>
+                                          </p:stCondLst>
+                                        </p:cTn>
+                                        <p:tgtEl>
+                                          <p:spTgt spid="10"/>
+                                        </p:tgtEl>
+                                        <p:attrNameLst>
+                                          <p:attrName>style.visibility</p:attrName>
+                                        </p:attrNameLst>
+                                      </p:cBhvr>
+                                      <p:to>
+                                        <p:strVal val="visible"/>
+                                      </p:to>
+                                    </p:set>
+                                    <p:animEffect transition="in" filter="fade">
+                                      <p:cBhvr>
+                                        <p:cTn id="15" dur="500"/>
+                                        <p:tgtEl>
+                                          <p:spTgt spid="10"/>
+                                        </p:tgtEl>
+                                      </p:cBhvr>
+                                    </p:animEffect>
+                                  </p:childTnLst>
+                                </p:cTn>
+                              </p:par>
+                              <p:par>
+                                <p:cTn id="16" presetID="1" presetClass="path" presetSubtype="0" repeatCount="indefinite" accel="50000" decel="50000" autoRev="1" fill="hold" nodeType="withEffect">
+                                  <p:stCondLst>
+                                    <p:cond delay="0"/>
+                                  </p:stCondLst>
+                                  <p:childTnLst>
+                                    <p:animMotion origin="layout" path="M -0.04909 -0.08658 C -0.00925 -0.08658 0.02305 -0.03056 0.02305 0.03842 C 0.02305 0.1074 -0.00925 0.16342 -0.04909 0.16342 C -0.08893 0.16342 -0.1211 0.1074 -0.1211 0.03842 C -0.1211 -0.03056 -0.08893 -0.08658 -0.04909 -0.08658 Z " pathEditMode="relative" rAng="0" ptsTypes="AAAAA">
+                                      <p:cBhvr>
+                                        <p:cTn id="17" dur="4000" fill="hold"/>
+                                        <p:tgtEl>
+                                          <p:spTgt spid="10"/>
+                                        </p:tgtEl>
+                                        <p:attrNameLst>
+                                          <p:attrName>ppt_x</p:attrName>
+                                          <p:attrName>ppt_y</p:attrName>
+                                        </p:attrNameLst>
+                                      </p:cBhvr>
+                                      <p:rCtr x="0" y="12500"/>
+                                    </p:animMotion>
+                                  </p:childTnLst>
+                                </p:cTn>
+                              </p:par>
+                            </p:childTnLst>
+                          </p:cTn>
+                        </p:par>
+                      </p:childTnLst>
+                    </p:cTn>
+                  </p:par>
+                </p:childTnLst>
+              </p:cTn>
+              <p:prevCondLst>
+                <p:cond evt="onPrev" delay="0">
+                  <p:tgtEl>
+                    <p:sldTgt/>
+                  </p:tgtEl>
+                </p:cond>
+              </p:prevCondLst>
+              <p:nextCondLst>
+                <p:cond evt="onNext" delay="0">
+                  <p:tgtEl>
+                    <p:sldTgt/>
+                  </p:tgtEl>
+                </p:cond>
+              </p:nextCondLst>
+            </p:seq>
+          </p:childTnLst>
+        </p:cTn>
+      </p:par>
+    </p:tnLst>
+    <p:bldLst>
+      <p:bldP spid="6" grpId="0"/>
+    </p:bldLst>
+  </p:timing>
+</p:sld>
+</file>
+
+<file path=ppt/slides/slide18.xml><?xml version="1.0" encoding="utf-8"?>
+<p:sld xmlns:a="http://schemas.openxmlformats.org/drawingml/2006/main" xmlns:r="http://schemas.openxmlformats.org/officeDocument/2006/relationships" xmlns:p="http://schemas.openxmlformats.org/presentationml/2006/main">
+  <p:cSld>
+    <p:spTree>
+      <p:nvGrpSpPr>
+        <p:cNvPr id="1" name=""/>
+        <p:cNvGrpSpPr/>
+        <p:nvPr/>
+      </p:nvGrpSpPr>
+      <p:grpSpPr>
+        <a:xfrm>
+          <a:off x="0" y="0"/>
+          <a:ext cx="0" cy="0"/>
+          <a:chOff x="0" y="0"/>
+          <a:chExt cx="0" cy="0"/>
+        </a:xfrm>
+      </p:grpSpPr>
+      <p:pic>
+        <p:nvPicPr>
+          <p:cNvPr id="7" name="Imagem 6">
+            <a:extLst>
+              <a:ext uri="{FF2B5EF4-FFF2-40B4-BE49-F238E27FC236}">
+                <a16:creationId xmlns:a16="http://schemas.microsoft.com/office/drawing/2014/main" id="{15EF5E79-A320-604B-B8D0-BB7CC7F3BD24}"/>
+              </a:ext>
+            </a:extLst>
+          </p:cNvPr>
+          <p:cNvPicPr>
+            <a:picLocks noChangeAspect="1"/>
+          </p:cNvPicPr>
+          <p:nvPr/>
+        </p:nvPicPr>
+        <p:blipFill>
+          <a:blip r:embed="rId2">
+            <a:extLst>
+              <a:ext uri="{28A0092B-C50C-407E-A947-70E740481C1C}">
+                <a14:useLocalDpi xmlns:a14="http://schemas.microsoft.com/office/drawing/2010/main" val="0"/>
+              </a:ext>
+            </a:extLst>
+          </a:blip>
+          <a:stretch>
+            <a:fillRect/>
+          </a:stretch>
+        </p:blipFill>
+        <p:spPr>
+          <a:xfrm>
+            <a:off x="-1" y="-1590"/>
+            <a:ext cx="12192001" cy="2021978"/>
+          </a:xfrm>
+          <a:prstGeom prst="rect">
+            <a:avLst/>
+          </a:prstGeom>
+        </p:spPr>
+      </p:pic>
+      <p:sp>
+        <p:nvSpPr>
+          <p:cNvPr id="13" name="Título 1">
+            <a:extLst>
+              <a:ext uri="{FF2B5EF4-FFF2-40B4-BE49-F238E27FC236}">
+                <a16:creationId xmlns:a16="http://schemas.microsoft.com/office/drawing/2014/main" id="{94E1A0D2-D048-46FE-90D3-722FBF740CC7}"/>
+              </a:ext>
+            </a:extLst>
+          </p:cNvPr>
+          <p:cNvSpPr>
+            <a:spLocks noGrp="1"/>
+          </p:cNvSpPr>
+          <p:nvPr>
+            <p:ph type="title"/>
+          </p:nvPr>
+        </p:nvSpPr>
+        <p:spPr>
+          <a:xfrm>
+            <a:off x="2159726" y="0"/>
+            <a:ext cx="9292046" cy="2021978"/>
+          </a:xfrm>
+        </p:spPr>
+        <p:txBody>
+          <a:bodyPr>
+            <a:normAutofit/>
+          </a:bodyPr>
+          <a:lstStyle/>
+          <a:p>
+            <a:r>
+              <a:rPr lang="pt-BR" dirty="0">
+                <a:solidFill>
+                  <a:schemeClr val="bg1"/>
+                </a:solidFill>
+                <a:latin typeface="Nunito" pitchFamily="2" charset="77"/>
+              </a:rPr>
+              <a:t>Prós</a:t>
+            </a:r>
+          </a:p>
+        </p:txBody>
+      </p:sp>
+      <p:pic>
+        <p:nvPicPr>
+          <p:cNvPr id="14" name="Gráfico 13">
+            <a:extLst>
+              <a:ext uri="{FF2B5EF4-FFF2-40B4-BE49-F238E27FC236}">
+                <a16:creationId xmlns:a16="http://schemas.microsoft.com/office/drawing/2014/main" id="{2B5477E9-00BA-4494-BA1B-5466AC45994D}"/>
+              </a:ext>
+            </a:extLst>
+          </p:cNvPr>
+          <p:cNvPicPr>
+            <a:picLocks noChangeAspect="1"/>
+          </p:cNvPicPr>
+          <p:nvPr/>
+        </p:nvPicPr>
+        <p:blipFill>
+          <a:blip r:embed="rId3">
+            <a:extLst>
+              <a:ext uri="{96DAC541-7B7A-43D3-8B79-37D633B846F1}">
+                <asvg:svgBlip xmlns:asvg="http://schemas.microsoft.com/office/drawing/2016/SVG/main" r:embed="rId4"/>
+              </a:ext>
+            </a:extLst>
+          </a:blip>
+          <a:stretch>
+            <a:fillRect/>
+          </a:stretch>
+        </p:blipFill>
+        <p:spPr>
+          <a:xfrm>
+            <a:off x="1097280" y="636835"/>
+            <a:ext cx="610307" cy="705667"/>
+          </a:xfrm>
+          <a:prstGeom prst="rect">
+            <a:avLst/>
+          </a:prstGeom>
+        </p:spPr>
+      </p:pic>
+      <p:sp>
+        <p:nvSpPr>
+          <p:cNvPr id="8" name="CaixaDeTexto 7">
+            <a:extLst>
+              <a:ext uri="{FF2B5EF4-FFF2-40B4-BE49-F238E27FC236}">
+                <a16:creationId xmlns:a16="http://schemas.microsoft.com/office/drawing/2014/main" id="{29557DB5-A419-464F-8DE1-FE557705DF73}"/>
+              </a:ext>
+            </a:extLst>
+          </p:cNvPr>
+          <p:cNvSpPr txBox="1"/>
+          <p:nvPr/>
+        </p:nvSpPr>
+        <p:spPr>
+          <a:xfrm>
+            <a:off x="1097280" y="2719343"/>
+            <a:ext cx="6400800" cy="4247317"/>
+          </a:xfrm>
+          <a:prstGeom prst="rect">
+            <a:avLst/>
+          </a:prstGeom>
+          <a:noFill/>
+        </p:spPr>
+        <p:txBody>
+          <a:bodyPr wrap="square" rtlCol="0">
+            <a:spAutoFit/>
+          </a:bodyPr>
+          <a:lstStyle/>
+          <a:p>
+            <a:r>
+              <a:rPr lang="pt-BR" b="1" dirty="0">
+                <a:latin typeface="Nunito" pitchFamily="2" charset="77"/>
+              </a:rPr>
+              <a:t>Mensagem</a:t>
+            </a:r>
+          </a:p>
+          <a:p>
+            <a:pPr marL="285750" indent="-285750">
+              <a:buFontTx/>
+              <a:buChar char="-"/>
+            </a:pPr>
+            <a:r>
+              <a:rPr lang="en-US" dirty="0" err="1">
+                <a:latin typeface="Nunito" pitchFamily="2" charset="77"/>
+              </a:rPr>
+              <a:t>Desacoplamento</a:t>
+            </a:r>
+            <a:endParaRPr lang="en-US" dirty="0">
+              <a:latin typeface="Nunito" pitchFamily="2" charset="77"/>
+            </a:endParaRPr>
+          </a:p>
+          <a:p>
+            <a:pPr marL="742950" lvl="1" indent="-285750">
+              <a:buFontTx/>
+              <a:buChar char="-"/>
+            </a:pPr>
+            <a:r>
+              <a:rPr lang="en-US" dirty="0" err="1">
+                <a:latin typeface="Nunito" pitchFamily="2" charset="77"/>
+              </a:rPr>
+              <a:t>Utilizam</a:t>
+            </a:r>
+            <a:r>
+              <a:rPr lang="en-US" dirty="0">
+                <a:latin typeface="Nunito" pitchFamily="2" charset="77"/>
+              </a:rPr>
+              <a:t> um Broker para se </a:t>
+            </a:r>
+            <a:r>
+              <a:rPr lang="en-US" dirty="0" err="1">
+                <a:latin typeface="Nunito" pitchFamily="2" charset="77"/>
+              </a:rPr>
+              <a:t>comunicar</a:t>
+            </a:r>
+            <a:endParaRPr lang="en-US" dirty="0">
+              <a:latin typeface="Nunito" pitchFamily="2" charset="77"/>
+            </a:endParaRPr>
+          </a:p>
+          <a:p>
+            <a:pPr marL="1200150" lvl="2" indent="-285750">
+              <a:buFontTx/>
+              <a:buChar char="-"/>
+            </a:pPr>
+            <a:r>
+              <a:rPr lang="en-US" dirty="0">
+                <a:latin typeface="Nunito" pitchFamily="2" charset="77"/>
+              </a:rPr>
+              <a:t>Broker é um middleware que </a:t>
+            </a:r>
+            <a:r>
+              <a:rPr lang="en-US" dirty="0" err="1">
+                <a:latin typeface="Nunito" pitchFamily="2" charset="77"/>
+              </a:rPr>
+              <a:t>abstrai</a:t>
+            </a:r>
+            <a:r>
+              <a:rPr lang="en-US" dirty="0">
+                <a:latin typeface="Nunito" pitchFamily="2" charset="77"/>
+              </a:rPr>
+              <a:t> a </a:t>
+            </a:r>
+            <a:r>
+              <a:rPr lang="en-US" dirty="0" err="1">
+                <a:latin typeface="Nunito" pitchFamily="2" charset="77"/>
+              </a:rPr>
+              <a:t>comunicação</a:t>
+            </a:r>
+            <a:r>
+              <a:rPr lang="en-US" dirty="0">
+                <a:latin typeface="Nunito" pitchFamily="2" charset="77"/>
+              </a:rPr>
+              <a:t> entre </a:t>
+            </a:r>
+            <a:r>
+              <a:rPr lang="en-US" dirty="0" err="1">
+                <a:latin typeface="Nunito" pitchFamily="2" charset="77"/>
+              </a:rPr>
+              <a:t>os</a:t>
+            </a:r>
+            <a:r>
+              <a:rPr lang="en-US" dirty="0">
+                <a:latin typeface="Nunito" pitchFamily="2" charset="77"/>
+              </a:rPr>
+              <a:t> </a:t>
+            </a:r>
+            <a:r>
+              <a:rPr lang="en-US" dirty="0" err="1">
+                <a:latin typeface="Nunito" pitchFamily="2" charset="77"/>
+              </a:rPr>
+              <a:t>serviços</a:t>
+            </a:r>
+            <a:r>
+              <a:rPr lang="en-US" dirty="0">
+                <a:latin typeface="Nunito" pitchFamily="2" charset="77"/>
+              </a:rPr>
+              <a:t>.</a:t>
+            </a:r>
+          </a:p>
+          <a:p>
+            <a:pPr marL="285750" indent="-285750">
+              <a:buFontTx/>
+              <a:buChar char="-"/>
+            </a:pPr>
+            <a:r>
+              <a:rPr lang="en-US" dirty="0" err="1">
+                <a:latin typeface="Nunito" pitchFamily="2" charset="77"/>
+              </a:rPr>
+              <a:t>Encapsulamento</a:t>
+            </a:r>
+            <a:endParaRPr lang="en-US" dirty="0">
+              <a:latin typeface="Nunito" pitchFamily="2" charset="77"/>
+            </a:endParaRPr>
+          </a:p>
+          <a:p>
+            <a:pPr marL="742950" lvl="1" indent="-285750">
+              <a:buFontTx/>
+              <a:buChar char="-"/>
+            </a:pPr>
+            <a:r>
+              <a:rPr lang="en-US" dirty="0">
+                <a:latin typeface="Nunito" pitchFamily="2" charset="77"/>
+              </a:rPr>
+              <a:t>Podemos </a:t>
+            </a:r>
+            <a:r>
+              <a:rPr lang="en-US" dirty="0" err="1">
+                <a:latin typeface="Nunito" pitchFamily="2" charset="77"/>
+              </a:rPr>
+              <a:t>trabalhar</a:t>
+            </a:r>
+            <a:r>
+              <a:rPr lang="en-US" dirty="0">
+                <a:latin typeface="Nunito" pitchFamily="2" charset="77"/>
+              </a:rPr>
+              <a:t> de forma </a:t>
+            </a:r>
+            <a:r>
+              <a:rPr lang="en-US" dirty="0" err="1">
+                <a:latin typeface="Nunito" pitchFamily="2" charset="77"/>
+              </a:rPr>
+              <a:t>independente</a:t>
+            </a:r>
+            <a:r>
+              <a:rPr lang="en-US" dirty="0">
+                <a:latin typeface="Nunito" pitchFamily="2" charset="77"/>
+              </a:rPr>
+              <a:t> </a:t>
+            </a:r>
+            <a:r>
+              <a:rPr lang="en-US" dirty="0" err="1">
+                <a:latin typeface="Nunito" pitchFamily="2" charset="77"/>
+              </a:rPr>
+              <a:t>atuando</a:t>
+            </a:r>
+            <a:r>
+              <a:rPr lang="en-US" dirty="0">
+                <a:latin typeface="Nunito" pitchFamily="2" charset="77"/>
+              </a:rPr>
+              <a:t> no context </a:t>
+            </a:r>
+            <a:r>
+              <a:rPr lang="en-US" dirty="0" err="1">
+                <a:latin typeface="Nunito" pitchFamily="2" charset="77"/>
+              </a:rPr>
+              <a:t>correto</a:t>
+            </a:r>
+            <a:endParaRPr lang="en-US" dirty="0">
+              <a:latin typeface="Nunito" pitchFamily="2" charset="77"/>
+            </a:endParaRPr>
+          </a:p>
+          <a:p>
+            <a:pPr marL="285750" indent="-285750">
+              <a:buFontTx/>
+              <a:buChar char="-"/>
+            </a:pPr>
+            <a:r>
+              <a:rPr lang="en-US" dirty="0">
+                <a:latin typeface="Nunito" pitchFamily="2" charset="77"/>
+              </a:rPr>
+              <a:t>Performance</a:t>
+            </a:r>
+          </a:p>
+          <a:p>
+            <a:pPr marL="742950" lvl="1" indent="-285750">
+              <a:buFontTx/>
+              <a:buChar char="-"/>
+            </a:pPr>
+            <a:r>
+              <a:rPr lang="en-US" dirty="0" err="1">
+                <a:latin typeface="Nunito" pitchFamily="2" charset="77"/>
+              </a:rPr>
+              <a:t>Quase</a:t>
+            </a:r>
+            <a:r>
+              <a:rPr lang="en-US" dirty="0">
+                <a:latin typeface="Nunito" pitchFamily="2" charset="77"/>
+              </a:rPr>
+              <a:t> </a:t>
+            </a:r>
+            <a:r>
+              <a:rPr lang="en-US" dirty="0" err="1">
+                <a:latin typeface="Nunito" pitchFamily="2" charset="77"/>
+              </a:rPr>
+              <a:t>em</a:t>
+            </a:r>
+            <a:r>
+              <a:rPr lang="en-US" dirty="0">
+                <a:latin typeface="Nunito" pitchFamily="2" charset="77"/>
+              </a:rPr>
+              <a:t> real-time</a:t>
+            </a:r>
+          </a:p>
+          <a:p>
+            <a:pPr marL="742950" lvl="1" indent="-285750">
+              <a:buFontTx/>
+              <a:buChar char="-"/>
+            </a:pPr>
+            <a:r>
+              <a:rPr lang="en-US" dirty="0" err="1">
+                <a:latin typeface="Nunito" pitchFamily="2" charset="77"/>
+              </a:rPr>
+              <a:t>Escalável</a:t>
+            </a:r>
+            <a:endParaRPr lang="en-US" dirty="0">
+              <a:latin typeface="Nunito" pitchFamily="2" charset="77"/>
+            </a:endParaRPr>
+          </a:p>
+          <a:p>
+            <a:pPr marL="742950" lvl="1" indent="-285750">
+              <a:buFontTx/>
+              <a:buChar char="-"/>
+            </a:pPr>
+            <a:endParaRPr lang="en-US" dirty="0">
+              <a:latin typeface="Nunito" pitchFamily="2" charset="77"/>
+            </a:endParaRPr>
+          </a:p>
+          <a:p>
+            <a:pPr marL="285750" indent="-285750">
+              <a:buFontTx/>
+              <a:buChar char="-"/>
+            </a:pPr>
+            <a:endParaRPr lang="en-US" dirty="0">
+              <a:latin typeface="Montserrat Light" panose="00000400000000000000" pitchFamily="2" charset="0"/>
+            </a:endParaRPr>
+          </a:p>
+          <a:p>
+            <a:pPr marL="285750" indent="-285750">
+              <a:buFontTx/>
+              <a:buChar char="-"/>
+            </a:pPr>
+            <a:endParaRPr lang="pt-BR" dirty="0">
+              <a:latin typeface="Montserrat Light" panose="00000400000000000000" pitchFamily="2" charset="0"/>
+            </a:endParaRPr>
+          </a:p>
+          <a:p>
+            <a:pPr marL="285750" indent="-285750">
+              <a:buFontTx/>
+              <a:buChar char="-"/>
+            </a:pPr>
+            <a:endParaRPr lang="pt-BR" dirty="0">
+              <a:latin typeface="Montserrat Light" panose="00000400000000000000" pitchFamily="2" charset="0"/>
+            </a:endParaRPr>
+          </a:p>
+        </p:txBody>
+      </p:sp>
+      <p:pic>
+        <p:nvPicPr>
+          <p:cNvPr id="12" name="Graphic 11">
+            <a:extLst>
+              <a:ext uri="{FF2B5EF4-FFF2-40B4-BE49-F238E27FC236}">
+                <a16:creationId xmlns:a16="http://schemas.microsoft.com/office/drawing/2014/main" id="{08C5FB60-1BF5-BE4F-8104-A54858793712}"/>
+              </a:ext>
+            </a:extLst>
+          </p:cNvPr>
+          <p:cNvPicPr>
+            <a:picLocks noChangeAspect="1"/>
+          </p:cNvPicPr>
+          <p:nvPr/>
+        </p:nvPicPr>
+        <p:blipFill>
+          <a:blip r:embed="rId5">
+            <a:extLst>
+              <a:ext uri="{28A0092B-C50C-407E-A947-70E740481C1C}">
+                <a14:useLocalDpi xmlns:a14="http://schemas.microsoft.com/office/drawing/2010/main" val="0"/>
+              </a:ext>
+              <a:ext uri="{96DAC541-7B7A-43D3-8B79-37D633B846F1}">
+                <asvg:svgBlip xmlns:asvg="http://schemas.microsoft.com/office/drawing/2016/SVG/main" r:embed="rId6"/>
+              </a:ext>
+            </a:extLst>
+          </a:blip>
+          <a:stretch>
+            <a:fillRect/>
+          </a:stretch>
+        </p:blipFill>
+        <p:spPr>
+          <a:xfrm>
+            <a:off x="7236405" y="2630609"/>
+            <a:ext cx="4053004" cy="3615580"/>
+          </a:xfrm>
+          <a:prstGeom prst="rect">
+            <a:avLst/>
+          </a:prstGeom>
+        </p:spPr>
+      </p:pic>
+    </p:spTree>
+    <p:extLst>
+      <p:ext uri="{BB962C8B-B14F-4D97-AF65-F5344CB8AC3E}">
+        <p14:creationId xmlns:p14="http://schemas.microsoft.com/office/powerpoint/2010/main" val="60574422"/>
+      </p:ext>
+    </p:extLst>
+  </p:cSld>
+  <p:clrMapOvr>
+    <a:masterClrMapping/>
+  </p:clrMapOvr>
+  <mc:AlternateContent xmlns:mc="http://schemas.openxmlformats.org/markup-compatibility/2006" xmlns:p159="http://schemas.microsoft.com/office/powerpoint/2015/09/main">
+    <mc:Choice Requires="p159">
+      <p:transition xmlns:p14="http://schemas.microsoft.com/office/powerpoint/2010/main" spd="slow" p14:dur="2000">
+        <p159:morph option="byObject"/>
+      </p:transition>
+    </mc:Choice>
+    <mc:Fallback xmlns="">
+      <p:transition spd="slow">
+        <p:fade/>
+      </p:transition>
+    </mc:Fallback>
+  </mc:AlternateContent>
+  <p:timing>
+    <p:tnLst>
+      <p:par>
+        <p:cTn id="1" dur="indefinite" restart="never" nodeType="tmRoot">
+          <p:childTnLst>
+            <p:seq concurrent="1" nextAc="seek">
+              <p:cTn id="2" dur="indefinite" nodeType="mainSeq">
+                <p:childTnLst>
+                  <p:par>
+                    <p:cTn id="3" fill="hold">
+                      <p:stCondLst>
+                        <p:cond delay="indefinite"/>
+                      </p:stCondLst>
+                      <p:childTnLst>
+                        <p:par>
+                          <p:cTn id="4" fill="hold">
+                            <p:stCondLst>
+                              <p:cond delay="0"/>
+                            </p:stCondLst>
+                            <p:childTnLst>
+                              <p:par>
+                                <p:cTn id="5" presetID="1" presetClass="entr" presetSubtype="0" fill="hold" grpId="0" nodeType="clickEffect">
+                                  <p:stCondLst>
+                                    <p:cond delay="0"/>
+                                  </p:stCondLst>
+                                  <p:childTnLst>
+                                    <p:set>
+                                      <p:cBhvr>
+                                        <p:cTn id="6" dur="1" fill="hold">
+                                          <p:stCondLst>
+                                            <p:cond delay="0"/>
+                                          </p:stCondLst>
+                                        </p:cTn>
+                                        <p:tgtEl>
+                                          <p:spTgt spid="8"/>
+                                        </p:tgtEl>
+                                        <p:attrNameLst>
+                                          <p:attrName>style.visibility</p:attrName>
+                                        </p:attrNameLst>
+                                      </p:cBhvr>
+                                      <p:to>
+                                        <p:strVal val="visible"/>
+                                      </p:to>
+                                    </p:set>
+                                  </p:childTnLst>
+                                </p:cTn>
+                              </p:par>
+                            </p:childTnLst>
+                          </p:cTn>
+                        </p:par>
+                      </p:childTnLst>
+                    </p:cTn>
+                  </p:par>
+                  <p:par>
+                    <p:cTn id="7" fill="hold">
+                      <p:stCondLst>
+                        <p:cond delay="indefinite"/>
+                      </p:stCondLst>
+                      <p:childTnLst>
+                        <p:par>
+                          <p:cTn id="8" fill="hold">
+                            <p:stCondLst>
+                              <p:cond delay="0"/>
+                            </p:stCondLst>
+                            <p:childTnLst>
+                              <p:par>
+                                <p:cTn id="9" presetID="1" presetClass="entr" presetSubtype="0" fill="hold" nodeType="clickEffect">
+                                  <p:stCondLst>
+                                    <p:cond delay="0"/>
+                                  </p:stCondLst>
+                                  <p:childTnLst>
+                                    <p:set>
+                                      <p:cBhvr>
+                                        <p:cTn id="10" dur="1" fill="hold">
+                                          <p:stCondLst>
+                                            <p:cond delay="0"/>
+                                          </p:stCondLst>
+                                        </p:cTn>
+                                        <p:tgtEl>
+                                          <p:spTgt spid="12"/>
+                                        </p:tgtEl>
+                                        <p:attrNameLst>
+                                          <p:attrName>style.visibility</p:attrName>
+                                        </p:attrNameLst>
+                                      </p:cBhvr>
+                                      <p:to>
+                                        <p:strVal val="visible"/>
+                                      </p:to>
+                                    </p:set>
+                                  </p:childTnLst>
+                                </p:cTn>
+                              </p:par>
+                            </p:childTnLst>
+                          </p:cTn>
+                        </p:par>
+                      </p:childTnLst>
+                    </p:cTn>
+                  </p:par>
+                </p:childTnLst>
+              </p:cTn>
+              <p:prevCondLst>
+                <p:cond evt="onPrev" delay="0">
+                  <p:tgtEl>
+                    <p:sldTgt/>
+                  </p:tgtEl>
+                </p:cond>
+              </p:prevCondLst>
+              <p:nextCondLst>
+                <p:cond evt="onNext" delay="0">
+                  <p:tgtEl>
+                    <p:sldTgt/>
+                  </p:tgtEl>
+                </p:cond>
+              </p:nextCondLst>
+            </p:seq>
+          </p:childTnLst>
+        </p:cTn>
+      </p:par>
+    </p:tnLst>
+    <p:bldLst>
+      <p:bldP spid="8" grpId="0"/>
+    </p:bldLst>
+  </p:timing>
+</p:sld>
+</file>
+
+<file path=ppt/slides/slide19.xml><?xml version="1.0" encoding="utf-8"?>
+<p:sld xmlns:a="http://schemas.openxmlformats.org/drawingml/2006/main" xmlns:r="http://schemas.openxmlformats.org/officeDocument/2006/relationships" xmlns:p="http://schemas.openxmlformats.org/presentationml/2006/main">
+  <p:cSld>
+    <p:spTree>
+      <p:nvGrpSpPr>
+        <p:cNvPr id="1" name=""/>
+        <p:cNvGrpSpPr/>
+        <p:nvPr/>
+      </p:nvGrpSpPr>
+      <p:grpSpPr>
+        <a:xfrm>
+          <a:off x="0" y="0"/>
+          <a:ext cx="0" cy="0"/>
+          <a:chOff x="0" y="0"/>
+          <a:chExt cx="0" cy="0"/>
+        </a:xfrm>
+      </p:grpSpPr>
+      <p:pic>
+        <p:nvPicPr>
+          <p:cNvPr id="7" name="Imagem 6">
+            <a:extLst>
+              <a:ext uri="{FF2B5EF4-FFF2-40B4-BE49-F238E27FC236}">
+                <a16:creationId xmlns:a16="http://schemas.microsoft.com/office/drawing/2014/main" id="{15EF5E79-A320-604B-B8D0-BB7CC7F3BD24}"/>
+              </a:ext>
+            </a:extLst>
+          </p:cNvPr>
+          <p:cNvPicPr>
+            <a:picLocks noChangeAspect="1"/>
+          </p:cNvPicPr>
+          <p:nvPr/>
+        </p:nvPicPr>
+        <p:blipFill>
+          <a:blip r:embed="rId2">
+            <a:extLst>
+              <a:ext uri="{28A0092B-C50C-407E-A947-70E740481C1C}">
+                <a14:useLocalDpi xmlns:a14="http://schemas.microsoft.com/office/drawing/2010/main" val="0"/>
+              </a:ext>
+            </a:extLst>
+          </a:blip>
+          <a:stretch>
+            <a:fillRect/>
+          </a:stretch>
+        </p:blipFill>
+        <p:spPr>
+          <a:xfrm>
+            <a:off x="-1" y="-1590"/>
+            <a:ext cx="12192001" cy="2021978"/>
+          </a:xfrm>
+          <a:prstGeom prst="rect">
+            <a:avLst/>
+          </a:prstGeom>
+        </p:spPr>
+      </p:pic>
+      <p:sp>
+        <p:nvSpPr>
+          <p:cNvPr id="13" name="Título 1">
+            <a:extLst>
+              <a:ext uri="{FF2B5EF4-FFF2-40B4-BE49-F238E27FC236}">
+                <a16:creationId xmlns:a16="http://schemas.microsoft.com/office/drawing/2014/main" id="{94E1A0D2-D048-46FE-90D3-722FBF740CC7}"/>
+              </a:ext>
+            </a:extLst>
+          </p:cNvPr>
+          <p:cNvSpPr>
+            <a:spLocks noGrp="1"/>
+          </p:cNvSpPr>
+          <p:nvPr>
+            <p:ph type="title"/>
+          </p:nvPr>
+        </p:nvSpPr>
+        <p:spPr>
+          <a:xfrm>
+            <a:off x="2159726" y="0"/>
+            <a:ext cx="9292046" cy="2021978"/>
+          </a:xfrm>
+        </p:spPr>
+        <p:txBody>
+          <a:bodyPr>
+            <a:normAutofit/>
+          </a:bodyPr>
+          <a:lstStyle/>
+          <a:p>
+            <a:r>
+              <a:rPr lang="pt-BR" dirty="0">
+                <a:solidFill>
+                  <a:schemeClr val="bg1"/>
+                </a:solidFill>
+                <a:latin typeface="Nunito" pitchFamily="2" charset="77"/>
+              </a:rPr>
+              <a:t>Contras</a:t>
+            </a:r>
+          </a:p>
+        </p:txBody>
+      </p:sp>
+      <p:pic>
+        <p:nvPicPr>
+          <p:cNvPr id="14" name="Gráfico 13">
+            <a:extLst>
+              <a:ext uri="{FF2B5EF4-FFF2-40B4-BE49-F238E27FC236}">
+                <a16:creationId xmlns:a16="http://schemas.microsoft.com/office/drawing/2014/main" id="{2B5477E9-00BA-4494-BA1B-5466AC45994D}"/>
+              </a:ext>
+            </a:extLst>
+          </p:cNvPr>
+          <p:cNvPicPr>
+            <a:picLocks noChangeAspect="1"/>
+          </p:cNvPicPr>
+          <p:nvPr/>
+        </p:nvPicPr>
+        <p:blipFill>
+          <a:blip r:embed="rId3">
+            <a:extLst>
+              <a:ext uri="{96DAC541-7B7A-43D3-8B79-37D633B846F1}">
+                <asvg:svgBlip xmlns:asvg="http://schemas.microsoft.com/office/drawing/2016/SVG/main" r:embed="rId4"/>
+              </a:ext>
+            </a:extLst>
+          </a:blip>
+          <a:stretch>
+            <a:fillRect/>
+          </a:stretch>
+        </p:blipFill>
+        <p:spPr>
+          <a:xfrm>
+            <a:off x="1097280" y="636835"/>
+            <a:ext cx="610307" cy="705667"/>
+          </a:xfrm>
+          <a:prstGeom prst="rect">
+            <a:avLst/>
+          </a:prstGeom>
+        </p:spPr>
+      </p:pic>
+      <p:sp>
+        <p:nvSpPr>
+          <p:cNvPr id="8" name="CaixaDeTexto 7">
+            <a:extLst>
+              <a:ext uri="{FF2B5EF4-FFF2-40B4-BE49-F238E27FC236}">
+                <a16:creationId xmlns:a16="http://schemas.microsoft.com/office/drawing/2014/main" id="{29557DB5-A419-464F-8DE1-FE557705DF73}"/>
+              </a:ext>
+            </a:extLst>
+          </p:cNvPr>
+          <p:cNvSpPr txBox="1"/>
+          <p:nvPr/>
+        </p:nvSpPr>
+        <p:spPr>
+          <a:xfrm>
+            <a:off x="1097280" y="2719343"/>
+            <a:ext cx="6400800" cy="4247317"/>
+          </a:xfrm>
+          <a:prstGeom prst="rect">
+            <a:avLst/>
+          </a:prstGeom>
+          <a:noFill/>
+        </p:spPr>
+        <p:txBody>
+          <a:bodyPr wrap="square" rtlCol="0">
+            <a:spAutoFit/>
+          </a:bodyPr>
+          <a:lstStyle/>
+          <a:p>
+            <a:r>
+              <a:rPr lang="pt-BR" b="1" dirty="0">
+                <a:latin typeface="Nunito" pitchFamily="2" charset="77"/>
+              </a:rPr>
+              <a:t>Mensagem</a:t>
+            </a:r>
+          </a:p>
+          <a:p>
+            <a:pPr marL="285750" indent="-285750">
+              <a:buFontTx/>
+              <a:buChar char="-"/>
+            </a:pPr>
+            <a:r>
+              <a:rPr lang="en-US" dirty="0" err="1">
+                <a:latin typeface="Nunito" pitchFamily="2" charset="77"/>
+              </a:rPr>
+              <a:t>Curva</a:t>
+            </a:r>
+            <a:r>
+              <a:rPr lang="en-US" dirty="0">
+                <a:latin typeface="Nunito" pitchFamily="2" charset="77"/>
+              </a:rPr>
+              <a:t> de </a:t>
+            </a:r>
+            <a:r>
+              <a:rPr lang="en-US" dirty="0" err="1">
+                <a:latin typeface="Nunito" pitchFamily="2" charset="77"/>
+              </a:rPr>
+              <a:t>aprendizado</a:t>
+            </a:r>
+            <a:endParaRPr lang="en-US" dirty="0">
+              <a:latin typeface="Nunito" pitchFamily="2" charset="77"/>
+            </a:endParaRPr>
+          </a:p>
+          <a:p>
+            <a:pPr marL="742950" lvl="1" indent="-285750">
+              <a:buFontTx/>
+              <a:buChar char="-"/>
+            </a:pPr>
+            <a:r>
+              <a:rPr lang="en-US" dirty="0">
+                <a:latin typeface="Nunito" pitchFamily="2" charset="77"/>
+              </a:rPr>
+              <a:t>Como definer o SOT</a:t>
+            </a:r>
+          </a:p>
+          <a:p>
+            <a:pPr marL="742950" lvl="1" indent="-285750">
+              <a:buFontTx/>
+              <a:buChar char="-"/>
+            </a:pPr>
+            <a:r>
+              <a:rPr lang="en-US" dirty="0">
+                <a:latin typeface="Nunito" pitchFamily="2" charset="77"/>
+              </a:rPr>
+              <a:t>E </a:t>
+            </a:r>
+            <a:r>
+              <a:rPr lang="en-US" dirty="0" err="1">
+                <a:latin typeface="Nunito" pitchFamily="2" charset="77"/>
+              </a:rPr>
+              <a:t>quando</a:t>
+            </a:r>
+            <a:r>
+              <a:rPr lang="en-US" dirty="0">
+                <a:latin typeface="Nunito" pitchFamily="2" charset="77"/>
+              </a:rPr>
+              <a:t> </a:t>
+            </a:r>
+            <a:r>
+              <a:rPr lang="en-US" dirty="0" err="1">
+                <a:latin typeface="Nunito" pitchFamily="2" charset="77"/>
+              </a:rPr>
+              <a:t>dá</a:t>
+            </a:r>
+            <a:r>
+              <a:rPr lang="en-US" dirty="0">
+                <a:latin typeface="Nunito" pitchFamily="2" charset="77"/>
+              </a:rPr>
+              <a:t> </a:t>
+            </a:r>
+            <a:r>
+              <a:rPr lang="en-US" dirty="0" err="1">
+                <a:latin typeface="Nunito" pitchFamily="2" charset="77"/>
+              </a:rPr>
+              <a:t>errado</a:t>
+            </a:r>
+            <a:r>
+              <a:rPr lang="en-US" dirty="0">
+                <a:latin typeface="Nunito" pitchFamily="2" charset="77"/>
+              </a:rPr>
+              <a:t>?</a:t>
+            </a:r>
+          </a:p>
+          <a:p>
+            <a:pPr marL="742950" lvl="1" indent="-285750">
+              <a:buFontTx/>
+              <a:buChar char="-"/>
+            </a:pPr>
+            <a:r>
+              <a:rPr lang="en-US" dirty="0">
+                <a:latin typeface="Nunito" pitchFamily="2" charset="77"/>
+              </a:rPr>
+              <a:t>SAGAS</a:t>
+            </a:r>
+          </a:p>
+          <a:p>
+            <a:pPr marL="285750" indent="-285750">
+              <a:buFontTx/>
+              <a:buChar char="-"/>
+            </a:pPr>
+            <a:r>
+              <a:rPr lang="en-US" dirty="0" err="1">
+                <a:latin typeface="Nunito" pitchFamily="2" charset="77"/>
+              </a:rPr>
+              <a:t>Complexo</a:t>
+            </a:r>
+            <a:endParaRPr lang="en-US" dirty="0">
+              <a:latin typeface="Nunito" pitchFamily="2" charset="77"/>
+            </a:endParaRPr>
+          </a:p>
+          <a:p>
+            <a:pPr marL="742950" lvl="1" indent="-285750">
+              <a:buFontTx/>
+              <a:buChar char="-"/>
+            </a:pPr>
+            <a:r>
+              <a:rPr lang="en-US" dirty="0" err="1">
+                <a:latin typeface="Nunito" pitchFamily="2" charset="77"/>
+              </a:rPr>
+              <a:t>Fluxos</a:t>
+            </a:r>
+            <a:r>
+              <a:rPr lang="en-US" dirty="0">
+                <a:latin typeface="Nunito" pitchFamily="2" charset="77"/>
+              </a:rPr>
+              <a:t> </a:t>
+            </a:r>
+            <a:r>
+              <a:rPr lang="en-US" dirty="0" err="1">
+                <a:latin typeface="Nunito" pitchFamily="2" charset="77"/>
+              </a:rPr>
+              <a:t>ficam</a:t>
+            </a:r>
+            <a:r>
+              <a:rPr lang="en-US" dirty="0">
+                <a:latin typeface="Nunito" pitchFamily="2" charset="77"/>
+              </a:rPr>
+              <a:t> </a:t>
+            </a:r>
+            <a:r>
+              <a:rPr lang="en-US" dirty="0" err="1">
+                <a:latin typeface="Nunito" pitchFamily="2" charset="77"/>
+              </a:rPr>
+              <a:t>complexos</a:t>
+            </a:r>
+            <a:endParaRPr lang="en-US" dirty="0">
+              <a:latin typeface="Nunito" pitchFamily="2" charset="77"/>
+            </a:endParaRPr>
+          </a:p>
+          <a:p>
+            <a:pPr marL="742950" lvl="1" indent="-285750">
+              <a:buFontTx/>
+              <a:buChar char="-"/>
+            </a:pPr>
+            <a:r>
+              <a:rPr lang="en-US" dirty="0" err="1">
+                <a:latin typeface="Nunito" pitchFamily="2" charset="77"/>
+              </a:rPr>
+              <a:t>Recortes</a:t>
+            </a:r>
+            <a:r>
+              <a:rPr lang="en-US" dirty="0">
+                <a:latin typeface="Nunito" pitchFamily="2" charset="77"/>
+              </a:rPr>
+              <a:t> </a:t>
+            </a:r>
+            <a:r>
+              <a:rPr lang="en-US" dirty="0" err="1">
+                <a:latin typeface="Nunito" pitchFamily="2" charset="77"/>
+              </a:rPr>
+              <a:t>nunca</a:t>
+            </a:r>
+            <a:r>
+              <a:rPr lang="en-US" dirty="0">
+                <a:latin typeface="Nunito" pitchFamily="2" charset="77"/>
+              </a:rPr>
+              <a:t> </a:t>
+            </a:r>
+            <a:r>
+              <a:rPr lang="en-US" dirty="0" err="1">
+                <a:latin typeface="Nunito" pitchFamily="2" charset="77"/>
+              </a:rPr>
+              <a:t>ficam</a:t>
+            </a:r>
+            <a:r>
+              <a:rPr lang="en-US" dirty="0">
+                <a:latin typeface="Nunito" pitchFamily="2" charset="77"/>
+              </a:rPr>
+              <a:t> </a:t>
+            </a:r>
+            <a:r>
+              <a:rPr lang="en-US" dirty="0" err="1">
+                <a:latin typeface="Nunito" pitchFamily="2" charset="77"/>
+              </a:rPr>
+              <a:t>corretos</a:t>
+            </a:r>
+            <a:endParaRPr lang="en-US" dirty="0">
+              <a:latin typeface="Nunito" pitchFamily="2" charset="77"/>
+            </a:endParaRPr>
+          </a:p>
+          <a:p>
+            <a:pPr marL="285750" indent="-285750">
+              <a:buFontTx/>
+              <a:buChar char="-"/>
+            </a:pPr>
+            <a:r>
+              <a:rPr lang="en-US" dirty="0" err="1">
+                <a:latin typeface="Nunito" pitchFamily="2" charset="77"/>
+              </a:rPr>
+              <a:t>Não</a:t>
+            </a:r>
+            <a:r>
+              <a:rPr lang="en-US" dirty="0">
+                <a:latin typeface="Nunito" pitchFamily="2" charset="77"/>
+              </a:rPr>
+              <a:t> </a:t>
+            </a:r>
+            <a:r>
+              <a:rPr lang="en-US" dirty="0" err="1">
+                <a:latin typeface="Nunito" pitchFamily="2" charset="77"/>
+              </a:rPr>
+              <a:t>tem</a:t>
+            </a:r>
+            <a:r>
+              <a:rPr lang="en-US" dirty="0">
+                <a:latin typeface="Nunito" pitchFamily="2" charset="77"/>
+              </a:rPr>
+              <a:t> </a:t>
+            </a:r>
+            <a:r>
+              <a:rPr lang="en-US" dirty="0" err="1">
+                <a:latin typeface="Nunito" pitchFamily="2" charset="77"/>
+              </a:rPr>
+              <a:t>transação</a:t>
+            </a:r>
+            <a:endParaRPr lang="en-US" dirty="0">
+              <a:latin typeface="Nunito" pitchFamily="2" charset="77"/>
+            </a:endParaRPr>
+          </a:p>
+          <a:p>
+            <a:pPr marL="285750" indent="-285750">
+              <a:buFontTx/>
+              <a:buChar char="-"/>
+            </a:pPr>
+            <a:r>
+              <a:rPr lang="en-US" dirty="0" err="1">
+                <a:latin typeface="Nunito" pitchFamily="2" charset="77"/>
+              </a:rPr>
+              <a:t>Versionamento</a:t>
+            </a:r>
+            <a:endParaRPr lang="en-US" dirty="0">
+              <a:latin typeface="Nunito" pitchFamily="2" charset="77"/>
+            </a:endParaRPr>
+          </a:p>
+          <a:p>
+            <a:pPr marL="742950" lvl="1" indent="-285750">
+              <a:buFontTx/>
+              <a:buChar char="-"/>
+            </a:pPr>
+            <a:r>
+              <a:rPr lang="en-US" dirty="0" err="1">
+                <a:latin typeface="Nunito" pitchFamily="2" charset="77"/>
+              </a:rPr>
+              <a:t>Mudanças</a:t>
+            </a:r>
+            <a:r>
+              <a:rPr lang="en-US" dirty="0">
+                <a:latin typeface="Nunito" pitchFamily="2" charset="77"/>
+              </a:rPr>
+              <a:t> </a:t>
+            </a:r>
+            <a:r>
+              <a:rPr lang="en-US" dirty="0" err="1">
+                <a:latin typeface="Nunito" pitchFamily="2" charset="77"/>
+              </a:rPr>
+              <a:t>nos</a:t>
+            </a:r>
+            <a:r>
+              <a:rPr lang="en-US" dirty="0">
+                <a:latin typeface="Nunito" pitchFamily="2" charset="77"/>
+              </a:rPr>
+              <a:t> </a:t>
+            </a:r>
+            <a:r>
+              <a:rPr lang="en-US" dirty="0" err="1">
+                <a:latin typeface="Nunito" pitchFamily="2" charset="77"/>
+              </a:rPr>
+              <a:t>objetos</a:t>
+            </a:r>
+            <a:r>
+              <a:rPr lang="en-US" dirty="0">
+                <a:latin typeface="Nunito" pitchFamily="2" charset="77"/>
+              </a:rPr>
+              <a:t> dos </a:t>
+            </a:r>
+            <a:r>
+              <a:rPr lang="en-US" dirty="0" err="1">
+                <a:latin typeface="Nunito" pitchFamily="2" charset="77"/>
+              </a:rPr>
+              <a:t>eventos</a:t>
+            </a:r>
+            <a:endParaRPr lang="en-US" dirty="0">
+              <a:latin typeface="Nunito" pitchFamily="2" charset="77"/>
+            </a:endParaRPr>
+          </a:p>
+          <a:p>
+            <a:pPr marL="742950" lvl="1" indent="-285750">
+              <a:buFontTx/>
+              <a:buChar char="-"/>
+            </a:pPr>
+            <a:endParaRPr lang="en-US" dirty="0">
+              <a:latin typeface="Nunito" pitchFamily="2" charset="77"/>
+            </a:endParaRPr>
+          </a:p>
+          <a:p>
+            <a:pPr marL="285750" indent="-285750">
+              <a:buFontTx/>
+              <a:buChar char="-"/>
+            </a:pPr>
+            <a:endParaRPr lang="en-US" dirty="0">
+              <a:latin typeface="Montserrat Light" panose="00000400000000000000" pitchFamily="2" charset="0"/>
+            </a:endParaRPr>
+          </a:p>
+          <a:p>
+            <a:pPr marL="285750" indent="-285750">
+              <a:buFontTx/>
+              <a:buChar char="-"/>
+            </a:pPr>
+            <a:endParaRPr lang="pt-BR" dirty="0">
+              <a:latin typeface="Montserrat Light" panose="00000400000000000000" pitchFamily="2" charset="0"/>
+            </a:endParaRPr>
+          </a:p>
+          <a:p>
+            <a:pPr marL="285750" indent="-285750">
+              <a:buFontTx/>
+              <a:buChar char="-"/>
+            </a:pPr>
+            <a:endParaRPr lang="pt-BR" dirty="0">
+              <a:latin typeface="Montserrat Light" panose="00000400000000000000" pitchFamily="2" charset="0"/>
+            </a:endParaRPr>
+          </a:p>
+        </p:txBody>
+      </p:sp>
+      <p:pic>
+        <p:nvPicPr>
+          <p:cNvPr id="12" name="Graphic 11">
+            <a:extLst>
+              <a:ext uri="{FF2B5EF4-FFF2-40B4-BE49-F238E27FC236}">
+                <a16:creationId xmlns:a16="http://schemas.microsoft.com/office/drawing/2014/main" id="{08C5FB60-1BF5-BE4F-8104-A54858793712}"/>
+              </a:ext>
+            </a:extLst>
+          </p:cNvPr>
+          <p:cNvPicPr>
+            <a:picLocks noChangeAspect="1"/>
+          </p:cNvPicPr>
+          <p:nvPr/>
+        </p:nvPicPr>
+        <p:blipFill>
+          <a:blip r:embed="rId5">
+            <a:extLst>
+              <a:ext uri="{28A0092B-C50C-407E-A947-70E740481C1C}">
+                <a14:useLocalDpi xmlns:a14="http://schemas.microsoft.com/office/drawing/2010/main" val="0"/>
+              </a:ext>
+              <a:ext uri="{96DAC541-7B7A-43D3-8B79-37D633B846F1}">
+                <asvg:svgBlip xmlns:asvg="http://schemas.microsoft.com/office/drawing/2016/SVG/main" r:embed="rId6"/>
+              </a:ext>
+            </a:extLst>
+          </a:blip>
+          <a:stretch>
+            <a:fillRect/>
+          </a:stretch>
+        </p:blipFill>
+        <p:spPr>
+          <a:xfrm>
+            <a:off x="7236405" y="2630609"/>
+            <a:ext cx="4053004" cy="3615580"/>
+          </a:xfrm>
+          <a:prstGeom prst="rect">
+            <a:avLst/>
+          </a:prstGeom>
+        </p:spPr>
+      </p:pic>
+    </p:spTree>
+    <p:extLst>
+      <p:ext uri="{BB962C8B-B14F-4D97-AF65-F5344CB8AC3E}">
+        <p14:creationId xmlns:p14="http://schemas.microsoft.com/office/powerpoint/2010/main" val="1997918066"/>
+      </p:ext>
+    </p:extLst>
+  </p:cSld>
+  <p:clrMapOvr>
+    <a:masterClrMapping/>
+  </p:clrMapOvr>
+  <mc:AlternateContent xmlns:mc="http://schemas.openxmlformats.org/markup-compatibility/2006" xmlns:p159="http://schemas.microsoft.com/office/powerpoint/2015/09/main">
+    <mc:Choice Requires="p159">
+      <p:transition xmlns:p14="http://schemas.microsoft.com/office/powerpoint/2010/main" spd="slow" p14:dur="2000">
+        <p159:morph option="byObject"/>
+      </p:transition>
+    </mc:Choice>
+    <mc:Fallback xmlns="">
+      <p:transition spd="slow">
+        <p:fade/>
+      </p:transition>
+    </mc:Fallback>
+  </mc:AlternateContent>
+  <p:timing>
+    <p:tnLst>
+      <p:par>
+        <p:cTn id="1" dur="indefinite" restart="never" nodeType="tmRoot">
+          <p:childTnLst>
+            <p:seq concurrent="1" nextAc="seek">
+              <p:cTn id="2" dur="indefinite" nodeType="mainSeq">
+                <p:childTnLst>
+                  <p:par>
+                    <p:cTn id="3" fill="hold">
+                      <p:stCondLst>
+                        <p:cond delay="indefinite"/>
+                      </p:stCondLst>
+                      <p:childTnLst>
+                        <p:par>
+                          <p:cTn id="4" fill="hold">
+                            <p:stCondLst>
+                              <p:cond delay="0"/>
+                            </p:stCondLst>
+                            <p:childTnLst>
+                              <p:par>
+                                <p:cTn id="5" presetID="1" presetClass="entr" presetSubtype="0" fill="hold" grpId="0" nodeType="clickEffect">
+                                  <p:stCondLst>
+                                    <p:cond delay="0"/>
+                                  </p:stCondLst>
+                                  <p:childTnLst>
+                                    <p:set>
+                                      <p:cBhvr>
+                                        <p:cTn id="6" dur="1" fill="hold">
+                                          <p:stCondLst>
+                                            <p:cond delay="0"/>
+                                          </p:stCondLst>
+                                        </p:cTn>
+                                        <p:tgtEl>
+                                          <p:spTgt spid="8"/>
+                                        </p:tgtEl>
+                                        <p:attrNameLst>
+                                          <p:attrName>style.visibility</p:attrName>
+                                        </p:attrNameLst>
+                                      </p:cBhvr>
+                                      <p:to>
+                                        <p:strVal val="visible"/>
+                                      </p:to>
+                                    </p:set>
+                                  </p:childTnLst>
+                                </p:cTn>
+                              </p:par>
+                            </p:childTnLst>
+                          </p:cTn>
+                        </p:par>
+                      </p:childTnLst>
+                    </p:cTn>
+                  </p:par>
+                  <p:par>
+                    <p:cTn id="7" fill="hold">
+                      <p:stCondLst>
+                        <p:cond delay="indefinite"/>
+                      </p:stCondLst>
+                      <p:childTnLst>
+                        <p:par>
+                          <p:cTn id="8" fill="hold">
+                            <p:stCondLst>
+                              <p:cond delay="0"/>
+                            </p:stCondLst>
+                            <p:childTnLst>
+                              <p:par>
+                                <p:cTn id="9" presetID="1" presetClass="entr" presetSubtype="0" fill="hold" nodeType="clickEffect">
+                                  <p:stCondLst>
+                                    <p:cond delay="0"/>
+                                  </p:stCondLst>
+                                  <p:childTnLst>
+                                    <p:set>
+                                      <p:cBhvr>
+                                        <p:cTn id="10" dur="1" fill="hold">
+                                          <p:stCondLst>
+                                            <p:cond delay="0"/>
+                                          </p:stCondLst>
+                                        </p:cTn>
+                                        <p:tgtEl>
+                                          <p:spTgt spid="12"/>
+                                        </p:tgtEl>
+                                        <p:attrNameLst>
+                                          <p:attrName>style.visibility</p:attrName>
+                                        </p:attrNameLst>
+                                      </p:cBhvr>
+                                      <p:to>
+                                        <p:strVal val="visible"/>
+                                      </p:to>
+                                    </p:set>
+                                  </p:childTnLst>
+                                </p:cTn>
+                              </p:par>
+                            </p:childTnLst>
+                          </p:cTn>
+                        </p:par>
+                      </p:childTnLst>
+                    </p:cTn>
+                  </p:par>
+                </p:childTnLst>
+              </p:cTn>
+              <p:prevCondLst>
+                <p:cond evt="onPrev" delay="0">
+                  <p:tgtEl>
+                    <p:sldTgt/>
+                  </p:tgtEl>
+                </p:cond>
+              </p:prevCondLst>
+              <p:nextCondLst>
+                <p:cond evt="onNext" delay="0">
+                  <p:tgtEl>
+                    <p:sldTgt/>
+                  </p:tgtEl>
+                </p:cond>
+              </p:nextCondLst>
+            </p:seq>
+          </p:childTnLst>
+        </p:cTn>
+      </p:par>
+    </p:tnLst>
+    <p:bldLst>
+      <p:bldP spid="8" grpId="0"/>
+    </p:bldLst>
+  </p:timing>
+</p:sld>
+</file>
+
+<file path=ppt/slides/slide2.xml><?xml version="1.0" encoding="utf-8"?>
+<p:sld xmlns:a="http://schemas.openxmlformats.org/drawingml/2006/main" xmlns:r="http://schemas.openxmlformats.org/officeDocument/2006/relationships" xmlns:p="http://schemas.openxmlformats.org/presentationml/2006/main">
+  <p:cSld>
+    <p:spTree>
+      <p:nvGrpSpPr>
+        <p:cNvPr id="1" name=""/>
+        <p:cNvGrpSpPr/>
+        <p:nvPr/>
+      </p:nvGrpSpPr>
+      <p:grpSpPr>
+        <a:xfrm>
+          <a:off x="0" y="0"/>
+          <a:ext cx="0" cy="0"/>
+          <a:chOff x="0" y="0"/>
+          <a:chExt cx="0" cy="0"/>
+        </a:xfrm>
+      </p:grpSpPr>
+      <p:pic>
+        <p:nvPicPr>
+          <p:cNvPr id="10" name="Imagem 9">
+            <a:extLst>
+              <a:ext uri="{FF2B5EF4-FFF2-40B4-BE49-F238E27FC236}">
+                <a16:creationId xmlns:a16="http://schemas.microsoft.com/office/drawing/2014/main" id="{46184E28-27E5-4314-AD76-56F418F7DA48}"/>
+              </a:ext>
+            </a:extLst>
+          </p:cNvPr>
+          <p:cNvPicPr>
+            <a:picLocks noChangeAspect="1"/>
+          </p:cNvPicPr>
+          <p:nvPr/>
+        </p:nvPicPr>
+        <p:blipFill>
+          <a:blip r:embed="rId3">
+            <a:extLst>
+              <a:ext uri="{28A0092B-C50C-407E-A947-70E740481C1C}">
+                <a14:useLocalDpi xmlns:a14="http://schemas.microsoft.com/office/drawing/2010/main" val="0"/>
+              </a:ext>
+            </a:extLst>
+          </a:blip>
+          <a:stretch>
+            <a:fillRect/>
+          </a:stretch>
+        </p:blipFill>
+        <p:spPr>
+          <a:xfrm>
+            <a:off x="0" y="0"/>
+            <a:ext cx="12192000" cy="6858000"/>
+          </a:xfrm>
+          <a:prstGeom prst="rect">
+            <a:avLst/>
+          </a:prstGeom>
+        </p:spPr>
+      </p:pic>
+      <p:pic>
+        <p:nvPicPr>
+          <p:cNvPr id="4" name="Gráfico 3">
+            <a:extLst>
+              <a:ext uri="{FF2B5EF4-FFF2-40B4-BE49-F238E27FC236}">
+                <a16:creationId xmlns:a16="http://schemas.microsoft.com/office/drawing/2014/main" id="{96F7567A-FDE9-4813-8166-14D83A14BBA2}"/>
+              </a:ext>
+            </a:extLst>
+          </p:cNvPr>
+          <p:cNvPicPr>
+            <a:picLocks noChangeAspect="1"/>
+          </p:cNvPicPr>
+          <p:nvPr/>
+        </p:nvPicPr>
+        <p:blipFill>
+          <a:blip r:embed="rId4">
+            <a:extLst>
+              <a:ext uri="{96DAC541-7B7A-43D3-8B79-37D633B846F1}">
+                <asvg:svgBlip xmlns:asvg="http://schemas.microsoft.com/office/drawing/2016/SVG/main" r:embed="rId5"/>
+              </a:ext>
+            </a:extLst>
+          </a:blip>
+          <a:stretch>
+            <a:fillRect/>
+          </a:stretch>
+        </p:blipFill>
+        <p:spPr>
+          <a:xfrm>
+            <a:off x="7288821" y="5586161"/>
+            <a:ext cx="2600014" cy="884308"/>
+          </a:xfrm>
+          <a:prstGeom prst="rect">
+            <a:avLst/>
+          </a:prstGeom>
+        </p:spPr>
+      </p:pic>
+      <p:sp>
+        <p:nvSpPr>
+          <p:cNvPr id="6" name="CaixaDeTexto 5">
+            <a:extLst>
+              <a:ext uri="{FF2B5EF4-FFF2-40B4-BE49-F238E27FC236}">
+                <a16:creationId xmlns:a16="http://schemas.microsoft.com/office/drawing/2014/main" id="{AD1A4932-B317-47BD-B405-DBB6794776A1}"/>
+              </a:ext>
+            </a:extLst>
+          </p:cNvPr>
+          <p:cNvSpPr txBox="1"/>
+          <p:nvPr/>
+        </p:nvSpPr>
+        <p:spPr>
+          <a:xfrm>
+            <a:off x="961900" y="2729011"/>
+            <a:ext cx="10353800" cy="1938992"/>
+          </a:xfrm>
+          <a:prstGeom prst="rect">
+            <a:avLst/>
+          </a:prstGeom>
+          <a:noFill/>
+        </p:spPr>
+        <p:txBody>
+          <a:bodyPr wrap="square" rtlCol="0">
+            <a:spAutoFit/>
+          </a:bodyPr>
+          <a:lstStyle/>
+          <a:p>
+            <a:r>
+              <a:rPr lang="en-US" sz="6000" dirty="0" err="1">
+                <a:solidFill>
+                  <a:schemeClr val="bg1"/>
+                </a:solidFill>
+                <a:latin typeface="Nunito" pitchFamily="2" charset="77"/>
+              </a:rPr>
+              <a:t>Arquitetura</a:t>
+            </a:r>
+            <a:r>
+              <a:rPr lang="en-US" sz="6000" dirty="0">
+                <a:solidFill>
+                  <a:schemeClr val="bg1"/>
+                </a:solidFill>
+                <a:latin typeface="Nunito" pitchFamily="2" charset="77"/>
+              </a:rPr>
+              <a:t> </a:t>
+            </a:r>
+            <a:r>
+              <a:rPr lang="en-US" sz="6000" dirty="0" err="1">
+                <a:solidFill>
+                  <a:schemeClr val="bg1"/>
+                </a:solidFill>
+                <a:latin typeface="Nunito" pitchFamily="2" charset="77"/>
+              </a:rPr>
+              <a:t>Orientada</a:t>
+            </a:r>
+            <a:r>
+              <a:rPr lang="en-US" sz="6000" dirty="0">
+                <a:solidFill>
+                  <a:schemeClr val="bg1"/>
+                </a:solidFill>
+                <a:latin typeface="Nunito" pitchFamily="2" charset="77"/>
+              </a:rPr>
+              <a:t> a </a:t>
+            </a:r>
+            <a:r>
+              <a:rPr lang="en-US" sz="6000" dirty="0" err="1">
+                <a:solidFill>
+                  <a:schemeClr val="bg1"/>
+                </a:solidFill>
+                <a:latin typeface="Nunito" pitchFamily="2" charset="77"/>
+              </a:rPr>
+              <a:t>eventos</a:t>
+            </a:r>
+            <a:endParaRPr lang="pt-BR" sz="6000" dirty="0">
+              <a:solidFill>
+                <a:schemeClr val="bg1"/>
+              </a:solidFill>
+              <a:latin typeface="Nunito" pitchFamily="2" charset="77"/>
+            </a:endParaRPr>
+          </a:p>
+        </p:txBody>
+      </p:sp>
+    </p:spTree>
+    <p:extLst>
+      <p:ext uri="{BB962C8B-B14F-4D97-AF65-F5344CB8AC3E}">
+        <p14:creationId xmlns:p14="http://schemas.microsoft.com/office/powerpoint/2010/main" val="3061177710"/>
+      </p:ext>
+    </p:extLst>
+  </p:cSld>
+  <p:clrMapOvr>
+    <a:masterClrMapping/>
+  </p:clrMapOvr>
+  <mc:AlternateContent xmlns:mc="http://schemas.openxmlformats.org/markup-compatibility/2006" xmlns:p14="http://schemas.microsoft.com/office/powerpoint/2010/main">
+    <mc:Choice Requires="p14">
+      <p:transition spd="med" p14:dur="700">
+        <p:fade/>
+      </p:transition>
+    </mc:Choice>
+    <mc:Fallback xmlns="">
+      <p:transition spd="med">
+        <p:fade/>
+      </p:transition>
+    </mc:Fallback>
+  </mc:AlternateContent>
+  <p:timing>
+    <p:tnLst>
+      <p:par>
+        <p:cTn id="1" dur="indefinite" restart="never" nodeType="tmRoot">
+          <p:childTnLst>
+            <p:seq concurrent="1" nextAc="seek">
+              <p:cTn id="2" dur="indefinite" nodeType="mainSeq">
+                <p:childTnLst>
+                  <p:par>
+                    <p:cTn id="3" fill="hold">
+                      <p:stCondLst>
+                        <p:cond delay="indefinite"/>
+                        <p:cond evt="onBegin" delay="0">
+                          <p:tn val="2"/>
+                        </p:cond>
+                      </p:stCondLst>
+                      <p:childTnLst>
+                        <p:par>
+                          <p:cTn id="4" fill="hold">
+                            <p:stCondLst>
+                              <p:cond delay="0"/>
+                            </p:stCondLst>
+                            <p:childTnLst>
+                              <p:par>
+                                <p:cTn id="5" presetID="10" presetClass="entr" presetSubtype="0" fill="hold" nodeType="afterEffect">
+                                  <p:stCondLst>
+                                    <p:cond delay="0"/>
+                                  </p:stCondLst>
+                                  <p:childTnLst>
+                                    <p:set>
+                                      <p:cBhvr>
+                                        <p:cTn id="6" dur="1" fill="hold">
+                                          <p:stCondLst>
+                                            <p:cond delay="0"/>
+                                          </p:stCondLst>
+                                        </p:cTn>
+                                        <p:tgtEl>
+                                          <p:spTgt spid="4"/>
+                                        </p:tgtEl>
+                                        <p:attrNameLst>
+                                          <p:attrName>style.visibility</p:attrName>
+                                        </p:attrNameLst>
+                                      </p:cBhvr>
+                                      <p:to>
+                                        <p:strVal val="visible"/>
+                                      </p:to>
+                                    </p:set>
+                                    <p:animEffect transition="in" filter="fade">
+                                      <p:cBhvr>
+                                        <p:cTn id="7" dur="500"/>
+                                        <p:tgtEl>
+                                          <p:spTgt spid="4"/>
+                                        </p:tgtEl>
+                                      </p:cBhvr>
+                                    </p:animEffect>
+                                  </p:childTnLst>
+                                </p:cTn>
+                              </p:par>
+                            </p:childTnLst>
+                          </p:cTn>
+                        </p:par>
+                        <p:par>
+                          <p:cTn id="8" fill="hold">
+                            <p:stCondLst>
+                              <p:cond delay="500"/>
+                            </p:stCondLst>
+                            <p:childTnLst>
+                              <p:par>
+                                <p:cTn id="9" presetID="10" presetClass="entr" presetSubtype="0" fill="hold" grpId="0" nodeType="afterEffect">
+                                  <p:stCondLst>
+                                    <p:cond delay="0"/>
+                                  </p:stCondLst>
+                                  <p:childTnLst>
+                                    <p:set>
+                                      <p:cBhvr>
+                                        <p:cTn id="10" dur="1" fill="hold">
+                                          <p:stCondLst>
+                                            <p:cond delay="0"/>
+                                          </p:stCondLst>
+                                        </p:cTn>
+                                        <p:tgtEl>
+                                          <p:spTgt spid="6"/>
+                                        </p:tgtEl>
+                                        <p:attrNameLst>
+                                          <p:attrName>style.visibility</p:attrName>
+                                        </p:attrNameLst>
+                                      </p:cBhvr>
+                                      <p:to>
+                                        <p:strVal val="visible"/>
+                                      </p:to>
+                                    </p:set>
+                                    <p:animEffect transition="in" filter="fade">
+                                      <p:cBhvr>
+                                        <p:cTn id="11" dur="500"/>
+                                        <p:tgtEl>
+                                          <p:spTgt spid="6"/>
+                                        </p:tgtEl>
+                                      </p:cBhvr>
+                                    </p:animEffect>
+                                  </p:childTnLst>
+                                </p:cTn>
+                              </p:par>
+                            </p:childTnLst>
+                          </p:cTn>
+                        </p:par>
+                      </p:childTnLst>
+                    </p:cTn>
+                  </p:par>
+                </p:childTnLst>
+              </p:cTn>
+              <p:prevCondLst>
+                <p:cond evt="onPrev" delay="0">
+                  <p:tgtEl>
+                    <p:sldTgt/>
+                  </p:tgtEl>
+                </p:cond>
+              </p:prevCondLst>
+              <p:nextCondLst>
+                <p:cond evt="onNext" delay="0">
+                  <p:tgtEl>
+                    <p:sldTgt/>
+                  </p:tgtEl>
+                </p:cond>
+              </p:nextCondLst>
+            </p:seq>
+          </p:childTnLst>
+        </p:cTn>
+      </p:par>
+    </p:tnLst>
+    <p:bldLst>
+      <p:bldP spid="6" grpId="0"/>
+    </p:bldLst>
+  </p:timing>
+</p:sld>
+</file>
+
+<file path=ppt/slides/slide20.xml><?xml version="1.0" encoding="utf-8"?>
+<p:sld xmlns:a="http://schemas.openxmlformats.org/drawingml/2006/main" xmlns:r="http://schemas.openxmlformats.org/officeDocument/2006/relationships" xmlns:p="http://schemas.openxmlformats.org/presentationml/2006/main">
+  <p:cSld>
+    <p:spTree>
+      <p:nvGrpSpPr>
+        <p:cNvPr id="1" name=""/>
+        <p:cNvGrpSpPr/>
+        <p:nvPr/>
+      </p:nvGrpSpPr>
+      <p:grpSpPr>
+        <a:xfrm>
+          <a:off x="0" y="0"/>
+          <a:ext cx="0" cy="0"/>
+          <a:chOff x="0" y="0"/>
+          <a:chExt cx="0" cy="0"/>
+        </a:xfrm>
+      </p:grpSpPr>
+      <p:pic>
+        <p:nvPicPr>
+          <p:cNvPr id="5" name="Espaço Reservado para Conteúdo 4">
+            <a:extLst>
+              <a:ext uri="{FF2B5EF4-FFF2-40B4-BE49-F238E27FC236}">
+                <a16:creationId xmlns:a16="http://schemas.microsoft.com/office/drawing/2014/main" id="{DEBCF998-65B9-41B2-A535-E5741DD64BE5}"/>
+              </a:ext>
+            </a:extLst>
+          </p:cNvPr>
+          <p:cNvPicPr>
+            <a:picLocks noGrp="1" noChangeAspect="1"/>
+          </p:cNvPicPr>
+          <p:nvPr>
+            <p:ph idx="1"/>
+          </p:nvPr>
+        </p:nvPicPr>
+        <p:blipFill>
+          <a:blip r:embed="rId2">
+            <a:extLst>
+              <a:ext uri="{28A0092B-C50C-407E-A947-70E740481C1C}">
+                <a14:useLocalDpi xmlns:a14="http://schemas.microsoft.com/office/drawing/2010/main" val="0"/>
+              </a:ext>
+            </a:extLst>
+          </a:blip>
+          <a:stretch>
+            <a:fillRect/>
+          </a:stretch>
+        </p:blipFill>
+        <p:spPr>
+          <a:xfrm>
+            <a:off x="-11088" y="1"/>
+            <a:ext cx="12203088" cy="6881654"/>
+          </a:xfrm>
+        </p:spPr>
+      </p:pic>
+      <p:pic>
+        <p:nvPicPr>
+          <p:cNvPr id="9" name="Gráfico 8">
+            <a:extLst>
+              <a:ext uri="{FF2B5EF4-FFF2-40B4-BE49-F238E27FC236}">
+                <a16:creationId xmlns:a16="http://schemas.microsoft.com/office/drawing/2014/main" id="{8951ED2D-02AB-4784-A820-1B65DE4713F5}"/>
+              </a:ext>
+            </a:extLst>
+          </p:cNvPr>
+          <p:cNvPicPr>
+            <a:picLocks noChangeAspect="1"/>
+          </p:cNvPicPr>
+          <p:nvPr/>
+        </p:nvPicPr>
+        <p:blipFill>
+          <a:blip r:embed="rId3">
+            <a:extLst>
+              <a:ext uri="{96DAC541-7B7A-43D3-8B79-37D633B846F1}">
+                <asvg:svgBlip xmlns:asvg="http://schemas.microsoft.com/office/drawing/2016/SVG/main" r:embed="rId4"/>
+              </a:ext>
+            </a:extLst>
+          </a:blip>
+          <a:stretch>
+            <a:fillRect/>
+          </a:stretch>
+        </p:blipFill>
+        <p:spPr>
+          <a:xfrm>
+            <a:off x="5497357" y="2473134"/>
+            <a:ext cx="185616" cy="219365"/>
+          </a:xfrm>
+          <a:prstGeom prst="rect">
+            <a:avLst/>
+          </a:prstGeom>
+        </p:spPr>
+      </p:pic>
+      <p:pic>
+        <p:nvPicPr>
+          <p:cNvPr id="10" name="Gráfico 9">
+            <a:extLst>
+              <a:ext uri="{FF2B5EF4-FFF2-40B4-BE49-F238E27FC236}">
+                <a16:creationId xmlns:a16="http://schemas.microsoft.com/office/drawing/2014/main" id="{FDE0F12D-8D89-4BEF-85B4-ADA531FBBE17}"/>
+              </a:ext>
+            </a:extLst>
+          </p:cNvPr>
+          <p:cNvPicPr>
+            <a:picLocks noChangeAspect="1"/>
+          </p:cNvPicPr>
+          <p:nvPr/>
+        </p:nvPicPr>
+        <p:blipFill>
+          <a:blip r:embed="rId3">
+            <a:extLst>
+              <a:ext uri="{96DAC541-7B7A-43D3-8B79-37D633B846F1}">
+                <asvg:svgBlip xmlns:asvg="http://schemas.microsoft.com/office/drawing/2016/SVG/main" r:embed="rId4"/>
+              </a:ext>
+            </a:extLst>
+          </a:blip>
+          <a:stretch>
+            <a:fillRect/>
+          </a:stretch>
+        </p:blipFill>
+        <p:spPr>
+          <a:xfrm>
+            <a:off x="6565133" y="3554365"/>
+            <a:ext cx="107465" cy="127002"/>
+          </a:xfrm>
+          <a:prstGeom prst="rect">
+            <a:avLst/>
+          </a:prstGeom>
+        </p:spPr>
+      </p:pic>
+      <p:sp>
+        <p:nvSpPr>
+          <p:cNvPr id="6" name="Título 1">
+            <a:extLst>
+              <a:ext uri="{FF2B5EF4-FFF2-40B4-BE49-F238E27FC236}">
+                <a16:creationId xmlns:a16="http://schemas.microsoft.com/office/drawing/2014/main" id="{EC993F68-2ABC-472C-9DAA-F49885B6553A}"/>
+              </a:ext>
+            </a:extLst>
+          </p:cNvPr>
+          <p:cNvSpPr>
+            <a:spLocks noGrp="1"/>
+          </p:cNvSpPr>
+          <p:nvPr>
+            <p:ph type="title"/>
+          </p:nvPr>
+        </p:nvSpPr>
+        <p:spPr>
+          <a:xfrm>
+            <a:off x="29290" y="2418011"/>
+            <a:ext cx="12162710" cy="2021978"/>
+          </a:xfrm>
+        </p:spPr>
+        <p:txBody>
+          <a:bodyPr>
+            <a:normAutofit/>
+          </a:bodyPr>
+          <a:lstStyle/>
+          <a:p>
+            <a:pPr algn="ctr"/>
+            <a:r>
+              <a:rPr lang="pt-BR" sz="7300" dirty="0" err="1">
+                <a:solidFill>
+                  <a:schemeClr val="bg1"/>
+                </a:solidFill>
+                <a:latin typeface="Nunito" pitchFamily="2" charset="77"/>
+              </a:rPr>
+              <a:t>Event</a:t>
+            </a:r>
+            <a:r>
+              <a:rPr lang="pt-BR" sz="7300" dirty="0">
+                <a:solidFill>
+                  <a:schemeClr val="bg1"/>
+                </a:solidFill>
+                <a:latin typeface="Nunito" pitchFamily="2" charset="77"/>
+              </a:rPr>
+              <a:t> </a:t>
+            </a:r>
+            <a:r>
+              <a:rPr lang="pt-BR" sz="7300" dirty="0" err="1">
+                <a:solidFill>
+                  <a:schemeClr val="bg1"/>
+                </a:solidFill>
+                <a:latin typeface="Nunito" pitchFamily="2" charset="77"/>
+              </a:rPr>
+              <a:t>Storming</a:t>
+            </a:r>
+            <a:endParaRPr lang="pt-BR" sz="5400" dirty="0">
+              <a:solidFill>
+                <a:schemeClr val="bg1"/>
+              </a:solidFill>
+              <a:latin typeface="Nunito" pitchFamily="2" charset="77"/>
+            </a:endParaRPr>
+          </a:p>
+        </p:txBody>
+      </p:sp>
+    </p:spTree>
+    <p:extLst>
+      <p:ext uri="{BB962C8B-B14F-4D97-AF65-F5344CB8AC3E}">
+        <p14:creationId xmlns:p14="http://schemas.microsoft.com/office/powerpoint/2010/main" val="1806389549"/>
+      </p:ext>
+    </p:extLst>
+  </p:cSld>
+  <p:clrMapOvr>
+    <a:masterClrMapping/>
+  </p:clrMapOvr>
+  <mc:AlternateContent xmlns:mc="http://schemas.openxmlformats.org/markup-compatibility/2006" xmlns:p14="http://schemas.microsoft.com/office/powerpoint/2010/main">
+    <mc:Choice Requires="p14">
+      <p:transition spd="med" p14:dur="700">
+        <p:fade/>
+      </p:transition>
+    </mc:Choice>
+    <mc:Fallback xmlns="">
+      <p:transition spd="med">
+        <p:fade/>
+      </p:transition>
+    </mc:Fallback>
+  </mc:AlternateContent>
+  <p:timing>
+    <p:tnLst>
+      <p:par>
+        <p:cTn id="1" dur="indefinite" restart="never" nodeType="tmRoot">
+          <p:childTnLst>
+            <p:seq concurrent="1" nextAc="seek">
+              <p:cTn id="2" dur="indefinite" nodeType="mainSeq">
+                <p:childTnLst>
+                  <p:par>
+                    <p:cTn id="3" fill="hold">
+                      <p:stCondLst>
+                        <p:cond delay="indefinite"/>
+                        <p:cond evt="onBegin" delay="0">
+                          <p:tn val="2"/>
+                        </p:cond>
+                      </p:stCondLst>
+                      <p:childTnLst>
+                        <p:par>
+                          <p:cTn id="4" fill="hold">
+                            <p:stCondLst>
+                              <p:cond delay="0"/>
+                            </p:stCondLst>
+                            <p:childTnLst>
+                              <p:par>
+                                <p:cTn id="5" presetID="10" presetClass="entr" presetSubtype="0" fill="hold" grpId="0" nodeType="afterEffect">
+                                  <p:stCondLst>
+                                    <p:cond delay="0"/>
+                                  </p:stCondLst>
+                                  <p:childTnLst>
+                                    <p:set>
+                                      <p:cBhvr>
+                                        <p:cTn id="6" dur="1" fill="hold">
+                                          <p:stCondLst>
+                                            <p:cond delay="0"/>
+                                          </p:stCondLst>
+                                        </p:cTn>
+                                        <p:tgtEl>
+                                          <p:spTgt spid="6"/>
+                                        </p:tgtEl>
+                                        <p:attrNameLst>
+                                          <p:attrName>style.visibility</p:attrName>
+                                        </p:attrNameLst>
+                                      </p:cBhvr>
+                                      <p:to>
+                                        <p:strVal val="visible"/>
+                                      </p:to>
+                                    </p:set>
+                                    <p:animEffect transition="in" filter="fade">
+                                      <p:cBhvr>
+                                        <p:cTn id="7" dur="500"/>
+                                        <p:tgtEl>
+                                          <p:spTgt spid="6"/>
+                                        </p:tgtEl>
+                                      </p:cBhvr>
+                                    </p:animEffect>
+                                  </p:childTnLst>
+                                </p:cTn>
+                              </p:par>
+                              <p:par>
+                                <p:cTn id="8" presetID="10" presetClass="entr" presetSubtype="0" fill="hold" nodeType="withEffect">
+                                  <p:stCondLst>
+                                    <p:cond delay="0"/>
+                                  </p:stCondLst>
+                                  <p:childTnLst>
+                                    <p:set>
+                                      <p:cBhvr>
+                                        <p:cTn id="9" dur="1" fill="hold">
+                                          <p:stCondLst>
+                                            <p:cond delay="0"/>
+                                          </p:stCondLst>
+                                        </p:cTn>
+                                        <p:tgtEl>
+                                          <p:spTgt spid="9"/>
+                                        </p:tgtEl>
+                                        <p:attrNameLst>
+                                          <p:attrName>style.visibility</p:attrName>
+                                        </p:attrNameLst>
+                                      </p:cBhvr>
+                                      <p:to>
+                                        <p:strVal val="visible"/>
+                                      </p:to>
+                                    </p:set>
+                                    <p:animEffect transition="in" filter="fade">
+                                      <p:cBhvr>
+                                        <p:cTn id="10" dur="500"/>
+                                        <p:tgtEl>
+                                          <p:spTgt spid="9"/>
+                                        </p:tgtEl>
+                                      </p:cBhvr>
+                                    </p:animEffect>
+                                  </p:childTnLst>
+                                </p:cTn>
+                              </p:par>
+                              <p:par>
+                                <p:cTn id="11" presetID="51" presetClass="path" presetSubtype="0" repeatCount="indefinite" accel="50000" decel="50000" autoRev="1" fill="hold" nodeType="withEffect">
+                                  <p:stCondLst>
+                                    <p:cond delay="0"/>
+                                  </p:stCondLst>
+                                  <p:childTnLst>
+                                    <p:animMotion origin="layout" path="M -3.54167E-6 -3.7037E-7 L -0.03997 0.0669 C -0.04895 0.08102 -0.05403 0.10208 -0.05403 0.12407 C -0.05403 0.14907 -0.04895 0.16898 -0.03997 0.1831 L -3.54167E-6 0.25 " pathEditMode="relative" rAng="0" ptsTypes="AAAAA">
+                                      <p:cBhvr>
+                                        <p:cTn id="12" dur="2000" fill="hold"/>
+                                        <p:tgtEl>
+                                          <p:spTgt spid="9"/>
+                                        </p:tgtEl>
+                                        <p:attrNameLst>
+                                          <p:attrName>ppt_x</p:attrName>
+                                          <p:attrName>ppt_y</p:attrName>
+                                        </p:attrNameLst>
+                                      </p:cBhvr>
+                                      <p:rCtr x="-2708" y="12500"/>
+                                    </p:animMotion>
+                                  </p:childTnLst>
+                                </p:cTn>
+                              </p:par>
+                              <p:par>
+                                <p:cTn id="13" presetID="10" presetClass="entr" presetSubtype="0" fill="hold" nodeType="withEffect">
+                                  <p:stCondLst>
+                                    <p:cond delay="0"/>
+                                  </p:stCondLst>
+                                  <p:childTnLst>
+                                    <p:set>
+                                      <p:cBhvr>
+                                        <p:cTn id="14" dur="1" fill="hold">
+                                          <p:stCondLst>
+                                            <p:cond delay="0"/>
+                                          </p:stCondLst>
+                                        </p:cTn>
+                                        <p:tgtEl>
+                                          <p:spTgt spid="10"/>
+                                        </p:tgtEl>
+                                        <p:attrNameLst>
+                                          <p:attrName>style.visibility</p:attrName>
+                                        </p:attrNameLst>
+                                      </p:cBhvr>
+                                      <p:to>
+                                        <p:strVal val="visible"/>
+                                      </p:to>
+                                    </p:set>
+                                    <p:animEffect transition="in" filter="fade">
+                                      <p:cBhvr>
+                                        <p:cTn id="15" dur="500"/>
+                                        <p:tgtEl>
+                                          <p:spTgt spid="10"/>
+                                        </p:tgtEl>
+                                      </p:cBhvr>
+                                    </p:animEffect>
+                                  </p:childTnLst>
+                                </p:cTn>
+                              </p:par>
+                              <p:par>
+                                <p:cTn id="16" presetID="1" presetClass="path" presetSubtype="0" repeatCount="indefinite" accel="50000" decel="50000" autoRev="1" fill="hold" nodeType="withEffect">
+                                  <p:stCondLst>
+                                    <p:cond delay="0"/>
+                                  </p:stCondLst>
+                                  <p:childTnLst>
+                                    <p:animMotion origin="layout" path="M -0.04909 -0.08658 C -0.00925 -0.08658 0.02305 -0.03056 0.02305 0.03842 C 0.02305 0.1074 -0.00925 0.16342 -0.04909 0.16342 C -0.08893 0.16342 -0.1211 0.1074 -0.1211 0.03842 C -0.1211 -0.03056 -0.08893 -0.08658 -0.04909 -0.08658 Z " pathEditMode="relative" rAng="0" ptsTypes="AAAAA">
+                                      <p:cBhvr>
+                                        <p:cTn id="17" dur="4000" fill="hold"/>
+                                        <p:tgtEl>
+                                          <p:spTgt spid="10"/>
+                                        </p:tgtEl>
+                                        <p:attrNameLst>
+                                          <p:attrName>ppt_x</p:attrName>
+                                          <p:attrName>ppt_y</p:attrName>
+                                        </p:attrNameLst>
+                                      </p:cBhvr>
+                                      <p:rCtr x="0" y="12500"/>
+                                    </p:animMotion>
+                                  </p:childTnLst>
+                                </p:cTn>
+                              </p:par>
+                            </p:childTnLst>
+                          </p:cTn>
+                        </p:par>
+                      </p:childTnLst>
+                    </p:cTn>
+                  </p:par>
+                </p:childTnLst>
+              </p:cTn>
+              <p:prevCondLst>
+                <p:cond evt="onPrev" delay="0">
+                  <p:tgtEl>
+                    <p:sldTgt/>
+                  </p:tgtEl>
+                </p:cond>
+              </p:prevCondLst>
+              <p:nextCondLst>
+                <p:cond evt="onNext" delay="0">
+                  <p:tgtEl>
+                    <p:sldTgt/>
+                  </p:tgtEl>
+                </p:cond>
+              </p:nextCondLst>
+            </p:seq>
+          </p:childTnLst>
+        </p:cTn>
+      </p:par>
+    </p:tnLst>
+    <p:bldLst>
+      <p:bldP spid="6" grpId="0"/>
+    </p:bldLst>
+  </p:timing>
+</p:sld>
+</file>
+
+<file path=ppt/slides/slide21.xml><?xml version="1.0" encoding="utf-8"?>
+<p:sld xmlns:a="http://schemas.openxmlformats.org/drawingml/2006/main" xmlns:r="http://schemas.openxmlformats.org/officeDocument/2006/relationships" xmlns:p="http://schemas.openxmlformats.org/presentationml/2006/main">
+  <p:cSld>
+    <p:spTree>
+      <p:nvGrpSpPr>
+        <p:cNvPr id="1" name=""/>
+        <p:cNvGrpSpPr/>
+        <p:nvPr/>
+      </p:nvGrpSpPr>
+      <p:grpSpPr>
+        <a:xfrm>
+          <a:off x="0" y="0"/>
+          <a:ext cx="0" cy="0"/>
+          <a:chOff x="0" y="0"/>
+          <a:chExt cx="0" cy="0"/>
+        </a:xfrm>
+      </p:grpSpPr>
+      <p:pic>
+        <p:nvPicPr>
           <p:cNvPr id="5" name="Espaço Reservado para Conteúdo 4">
             <a:extLst>
               <a:ext uri="{FF2B5EF4-FFF2-40B4-BE49-F238E27FC236}">
@@ -8807,335 +15089,6 @@
                                       </p:cBhvr>
                                       <p:rCtr x="26" y="2593"/>
                                     </p:animMotion>
-                                  </p:childTnLst>
-                                </p:cTn>
-                              </p:par>
-                            </p:childTnLst>
-                          </p:cTn>
-                        </p:par>
-                      </p:childTnLst>
-                    </p:cTn>
-                  </p:par>
-                </p:childTnLst>
-              </p:cTn>
-              <p:prevCondLst>
-                <p:cond evt="onPrev" delay="0">
-                  <p:tgtEl>
-                    <p:sldTgt/>
-                  </p:tgtEl>
-                </p:cond>
-              </p:prevCondLst>
-              <p:nextCondLst>
-                <p:cond evt="onNext" delay="0">
-                  <p:tgtEl>
-                    <p:sldTgt/>
-                  </p:tgtEl>
-                </p:cond>
-              </p:nextCondLst>
-            </p:seq>
-          </p:childTnLst>
-        </p:cTn>
-      </p:par>
-    </p:tnLst>
-    <p:bldLst>
-      <p:bldP spid="6" grpId="0"/>
-    </p:bldLst>
-  </p:timing>
-</p:sld>
-</file>
-
-<file path=ppt/slides/slide2.xml><?xml version="1.0" encoding="utf-8"?>
-<p:sld xmlns:a="http://schemas.openxmlformats.org/drawingml/2006/main" xmlns:r="http://schemas.openxmlformats.org/officeDocument/2006/relationships" xmlns:p="http://schemas.openxmlformats.org/presentationml/2006/main">
-  <p:cSld>
-    <p:spTree>
-      <p:nvGrpSpPr>
-        <p:cNvPr id="1" name=""/>
-        <p:cNvGrpSpPr/>
-        <p:nvPr/>
-      </p:nvGrpSpPr>
-      <p:grpSpPr>
-        <a:xfrm>
-          <a:off x="0" y="0"/>
-          <a:ext cx="0" cy="0"/>
-          <a:chOff x="0" y="0"/>
-          <a:chExt cx="0" cy="0"/>
-        </a:xfrm>
-      </p:grpSpPr>
-      <p:pic>
-        <p:nvPicPr>
-          <p:cNvPr id="10" name="Imagem 9">
-            <a:extLst>
-              <a:ext uri="{FF2B5EF4-FFF2-40B4-BE49-F238E27FC236}">
-                <a16:creationId xmlns:a16="http://schemas.microsoft.com/office/drawing/2014/main" id="{46184E28-27E5-4314-AD76-56F418F7DA48}"/>
-              </a:ext>
-            </a:extLst>
-          </p:cNvPr>
-          <p:cNvPicPr>
-            <a:picLocks noChangeAspect="1"/>
-          </p:cNvPicPr>
-          <p:nvPr/>
-        </p:nvPicPr>
-        <p:blipFill>
-          <a:blip r:embed="rId3">
-            <a:extLst>
-              <a:ext uri="{28A0092B-C50C-407E-A947-70E740481C1C}">
-                <a14:useLocalDpi xmlns:a14="http://schemas.microsoft.com/office/drawing/2010/main" val="0"/>
-              </a:ext>
-            </a:extLst>
-          </a:blip>
-          <a:stretch>
-            <a:fillRect/>
-          </a:stretch>
-        </p:blipFill>
-        <p:spPr>
-          <a:xfrm>
-            <a:off x="0" y="0"/>
-            <a:ext cx="12192000" cy="6858000"/>
-          </a:xfrm>
-          <a:prstGeom prst="rect">
-            <a:avLst/>
-          </a:prstGeom>
-        </p:spPr>
-      </p:pic>
-      <p:pic>
-        <p:nvPicPr>
-          <p:cNvPr id="4" name="Gráfico 3">
-            <a:extLst>
-              <a:ext uri="{FF2B5EF4-FFF2-40B4-BE49-F238E27FC236}">
-                <a16:creationId xmlns:a16="http://schemas.microsoft.com/office/drawing/2014/main" id="{96F7567A-FDE9-4813-8166-14D83A14BBA2}"/>
-              </a:ext>
-            </a:extLst>
-          </p:cNvPr>
-          <p:cNvPicPr>
-            <a:picLocks noChangeAspect="1"/>
-          </p:cNvPicPr>
-          <p:nvPr/>
-        </p:nvPicPr>
-        <p:blipFill>
-          <a:blip r:embed="rId4">
-            <a:extLst>
-              <a:ext uri="{96DAC541-7B7A-43D3-8B79-37D633B846F1}">
-                <asvg:svgBlip xmlns:asvg="http://schemas.microsoft.com/office/drawing/2016/SVG/main" r:embed="rId5"/>
-              </a:ext>
-            </a:extLst>
-          </a:blip>
-          <a:stretch>
-            <a:fillRect/>
-          </a:stretch>
-        </p:blipFill>
-        <p:spPr>
-          <a:xfrm>
-            <a:off x="7288821" y="5586161"/>
-            <a:ext cx="2600014" cy="884308"/>
-          </a:xfrm>
-          <a:prstGeom prst="rect">
-            <a:avLst/>
-          </a:prstGeom>
-        </p:spPr>
-      </p:pic>
-      <p:sp>
-        <p:nvSpPr>
-          <p:cNvPr id="6" name="CaixaDeTexto 5">
-            <a:extLst>
-              <a:ext uri="{FF2B5EF4-FFF2-40B4-BE49-F238E27FC236}">
-                <a16:creationId xmlns:a16="http://schemas.microsoft.com/office/drawing/2014/main" id="{AD1A4932-B317-47BD-B405-DBB6794776A1}"/>
-              </a:ext>
-            </a:extLst>
-          </p:cNvPr>
-          <p:cNvSpPr txBox="1"/>
-          <p:nvPr/>
-        </p:nvSpPr>
-        <p:spPr>
-          <a:xfrm>
-            <a:off x="961900" y="2729011"/>
-            <a:ext cx="10353800" cy="1938992"/>
-          </a:xfrm>
-          <a:prstGeom prst="rect">
-            <a:avLst/>
-          </a:prstGeom>
-          <a:noFill/>
-        </p:spPr>
-        <p:txBody>
-          <a:bodyPr wrap="square" rtlCol="0">
-            <a:spAutoFit/>
-          </a:bodyPr>
-          <a:lstStyle/>
-          <a:p>
-            <a:r>
-              <a:rPr lang="en-US" sz="6000" dirty="0" err="1">
-                <a:solidFill>
-                  <a:schemeClr val="bg1"/>
-                </a:solidFill>
-                <a:latin typeface="Nunito" pitchFamily="2" charset="77"/>
-              </a:rPr>
-              <a:t>Arquitetura</a:t>
-            </a:r>
-            <a:r>
-              <a:rPr lang="en-US" sz="6000" dirty="0">
-                <a:solidFill>
-                  <a:schemeClr val="bg1"/>
-                </a:solidFill>
-                <a:latin typeface="Nunito" pitchFamily="2" charset="77"/>
-              </a:rPr>
-              <a:t> </a:t>
-            </a:r>
-            <a:r>
-              <a:rPr lang="en-US" sz="6000" dirty="0" err="1">
-                <a:solidFill>
-                  <a:schemeClr val="bg1"/>
-                </a:solidFill>
-                <a:latin typeface="Nunito" pitchFamily="2" charset="77"/>
-              </a:rPr>
-              <a:t>Orientada</a:t>
-            </a:r>
-            <a:r>
-              <a:rPr lang="en-US" sz="6000" dirty="0">
-                <a:solidFill>
-                  <a:schemeClr val="bg1"/>
-                </a:solidFill>
-                <a:latin typeface="Nunito" pitchFamily="2" charset="77"/>
-              </a:rPr>
-              <a:t> a </a:t>
-            </a:r>
-            <a:r>
-              <a:rPr lang="en-US" sz="6000" dirty="0" err="1">
-                <a:solidFill>
-                  <a:schemeClr val="bg1"/>
-                </a:solidFill>
-                <a:latin typeface="Nunito" pitchFamily="2" charset="77"/>
-              </a:rPr>
-              <a:t>eventos</a:t>
-            </a:r>
-            <a:endParaRPr lang="pt-BR" sz="6000" dirty="0">
-              <a:solidFill>
-                <a:schemeClr val="bg1"/>
-              </a:solidFill>
-              <a:latin typeface="Nunito" pitchFamily="2" charset="77"/>
-            </a:endParaRPr>
-          </a:p>
-        </p:txBody>
-      </p:sp>
-    </p:spTree>
-    <p:extLst>
-      <p:ext uri="{BB962C8B-B14F-4D97-AF65-F5344CB8AC3E}">
-        <p14:creationId xmlns:p14="http://schemas.microsoft.com/office/powerpoint/2010/main" val="3061177710"/>
-      </p:ext>
-    </p:extLst>
-  </p:cSld>
-  <p:clrMapOvr>
-    <a:masterClrMapping/>
-  </p:clrMapOvr>
-  <mc:AlternateContent xmlns:mc="http://schemas.openxmlformats.org/markup-compatibility/2006" xmlns:p14="http://schemas.microsoft.com/office/powerpoint/2010/main">
-    <mc:Choice Requires="p14">
-      <p:transition spd="med" p14:dur="700">
-        <p:fade/>
-      </p:transition>
-    </mc:Choice>
-    <mc:Fallback xmlns="">
-      <p:transition spd="med">
-        <p:fade/>
-      </p:transition>
-    </mc:Fallback>
-  </mc:AlternateContent>
-  <p:timing>
-    <p:tnLst>
-      <p:par>
-        <p:cTn id="1" dur="indefinite" restart="never" nodeType="tmRoot">
-          <p:childTnLst>
-            <p:seq concurrent="1" nextAc="seek">
-              <p:cTn id="2" dur="indefinite" nodeType="mainSeq">
-                <p:childTnLst>
-                  <p:par>
-                    <p:cTn id="3" fill="hold">
-                      <p:stCondLst>
-                        <p:cond delay="indefinite"/>
-                        <p:cond evt="onBegin" delay="0">
-                          <p:tn val="2"/>
-                        </p:cond>
-                      </p:stCondLst>
-                      <p:childTnLst>
-                        <p:par>
-                          <p:cTn id="4" fill="hold">
-                            <p:stCondLst>
-                              <p:cond delay="0"/>
-                            </p:stCondLst>
-                            <p:childTnLst>
-                              <p:par>
-                                <p:cTn id="5" presetID="10" presetClass="entr" presetSubtype="0" fill="hold" nodeType="afterEffect">
-                                  <p:stCondLst>
-                                    <p:cond delay="0"/>
-                                  </p:stCondLst>
-                                  <p:childTnLst>
-                                    <p:set>
-                                      <p:cBhvr>
-                                        <p:cTn id="6" dur="1" fill="hold">
-                                          <p:stCondLst>
-                                            <p:cond delay="0"/>
-                                          </p:stCondLst>
-                                        </p:cTn>
-                                        <p:tgtEl>
-                                          <p:spTgt spid="4"/>
-                                        </p:tgtEl>
-                                        <p:attrNameLst>
-                                          <p:attrName>style.visibility</p:attrName>
-                                        </p:attrNameLst>
-                                      </p:cBhvr>
-                                      <p:to>
-                                        <p:strVal val="visible"/>
-                                      </p:to>
-                                    </p:set>
-                                    <p:animEffect transition="in" filter="fade">
-                                      <p:cBhvr>
-                                        <p:cTn id="7" dur="500"/>
-                                        <p:tgtEl>
-                                          <p:spTgt spid="4"/>
-                                        </p:tgtEl>
-                                      </p:cBhvr>
-                                    </p:animEffect>
-                                  </p:childTnLst>
-                                </p:cTn>
-                              </p:par>
-                            </p:childTnLst>
-                          </p:cTn>
-                        </p:par>
-                        <p:par>
-                          <p:cTn id="8" fill="hold">
-                            <p:stCondLst>
-                              <p:cond delay="500"/>
-                            </p:stCondLst>
-                            <p:childTnLst>
-                              <p:par>
-                                <p:cTn id="9" presetID="10" presetClass="entr" presetSubtype="0" fill="hold" grpId="0" nodeType="afterEffect">
-                                  <p:stCondLst>
-                                    <p:cond delay="0"/>
-                                  </p:stCondLst>
-                                  <p:childTnLst>
-                                    <p:set>
-                                      <p:cBhvr>
-                                        <p:cTn id="10" dur="1" fill="hold">
-                                          <p:stCondLst>
-                                            <p:cond delay="0"/>
-                                          </p:stCondLst>
-                                        </p:cTn>
-                                        <p:tgtEl>
-                                          <p:spTgt spid="6"/>
-                                        </p:tgtEl>
-                                        <p:attrNameLst>
-                                          <p:attrName>style.visibility</p:attrName>
-                                        </p:attrNameLst>
-                                      </p:cBhvr>
-                                      <p:to>
-                                        <p:strVal val="visible"/>
-                                      </p:to>
-                                    </p:set>
-                                    <p:animEffect transition="in" filter="fade">
-                                      <p:cBhvr>
-                                        <p:cTn id="11" dur="500"/>
-                                        <p:tgtEl>
-                                          <p:spTgt spid="6"/>
-                                        </p:tgtEl>
-                                      </p:cBhvr>
-                                    </p:animEffect>
                                   </p:childTnLst>
                                 </p:cTn>
                               </p:par>
@@ -14947,13 +20900,13 @@
   <p:clrMapOvr>
     <a:masterClrMapping/>
   </p:clrMapOvr>
-  <mc:AlternateContent xmlns:mc="http://schemas.openxmlformats.org/markup-compatibility/2006">
-    <mc:Choice xmlns:p159="http://schemas.microsoft.com/office/powerpoint/2015/09/main" Requires="p159">
+  <mc:AlternateContent xmlns:mc="http://schemas.openxmlformats.org/markup-compatibility/2006" xmlns:p159="http://schemas.microsoft.com/office/powerpoint/2015/09/main">
+    <mc:Choice Requires="p159">
       <p:transition xmlns:p14="http://schemas.microsoft.com/office/powerpoint/2010/main" spd="slow" p14:dur="2000">
         <p159:morph option="byObject"/>
       </p:transition>
     </mc:Choice>
-    <mc:Fallback>
+    <mc:Fallback xmlns="">
       <p:transition spd="slow">
         <p:fade/>
       </p:transition>

--- a/2021-08-25_event-driven-architecture.pptx
+++ b/2021-08-25_event-driven-architecture.pptx
@@ -5,7 +5,7 @@
     <p:sldMasterId id="2147483648" r:id="rId1"/>
   </p:sldMasterIdLst>
   <p:notesMasterIdLst>
-    <p:notesMasterId r:id="rId23"/>
+    <p:notesMasterId r:id="rId24"/>
   </p:notesMasterIdLst>
   <p:sldIdLst>
     <p:sldId id="260" r:id="rId2"/>
@@ -28,7 +28,8 @@
     <p:sldId id="492" r:id="rId19"/>
     <p:sldId id="493" r:id="rId20"/>
     <p:sldId id="495" r:id="rId21"/>
-    <p:sldId id="265" r:id="rId22"/>
+    <p:sldId id="496" r:id="rId22"/>
+    <p:sldId id="265" r:id="rId23"/>
   </p:sldIdLst>
   <p:sldSz cx="12192000" cy="6858000"/>
   <p:notesSz cx="6858000" cy="9144000"/>
@@ -3733,7 +3734,7 @@
           <a:p>
             <a:fld id="{2232590A-2ECD-4930-A16F-BAB4FCA317C7}" type="datetimeFigureOut">
               <a:rPr lang="pt-BR" smtClean="0"/>
-              <a:t>17/08/2021</a:t>
+              <a:t>18/08/2021</a:t>
             </a:fld>
             <a:endParaRPr lang="pt-BR"/>
           </a:p>
@@ -4749,7 +4750,7 @@
           <a:p>
             <a:fld id="{358D75C1-F3B0-4D81-A190-EFDBB1D1AFEE}" type="datetimeFigureOut">
               <a:rPr lang="pt-BR" smtClean="0"/>
-              <a:t>17/08/2021</a:t>
+              <a:t>18/08/2021</a:t>
             </a:fld>
             <a:endParaRPr lang="pt-BR"/>
           </a:p>
@@ -4947,7 +4948,7 @@
           <a:p>
             <a:fld id="{358D75C1-F3B0-4D81-A190-EFDBB1D1AFEE}" type="datetimeFigureOut">
               <a:rPr lang="pt-BR" smtClean="0"/>
-              <a:t>17/08/2021</a:t>
+              <a:t>18/08/2021</a:t>
             </a:fld>
             <a:endParaRPr lang="pt-BR"/>
           </a:p>
@@ -5155,7 +5156,7 @@
           <a:p>
             <a:fld id="{358D75C1-F3B0-4D81-A190-EFDBB1D1AFEE}" type="datetimeFigureOut">
               <a:rPr lang="pt-BR" smtClean="0"/>
-              <a:t>17/08/2021</a:t>
+              <a:t>18/08/2021</a:t>
             </a:fld>
             <a:endParaRPr lang="pt-BR"/>
           </a:p>
@@ -5353,7 +5354,7 @@
           <a:p>
             <a:fld id="{358D75C1-F3B0-4D81-A190-EFDBB1D1AFEE}" type="datetimeFigureOut">
               <a:rPr lang="pt-BR" smtClean="0"/>
-              <a:t>17/08/2021</a:t>
+              <a:t>18/08/2021</a:t>
             </a:fld>
             <a:endParaRPr lang="pt-BR"/>
           </a:p>
@@ -5628,7 +5629,7 @@
           <a:p>
             <a:fld id="{358D75C1-F3B0-4D81-A190-EFDBB1D1AFEE}" type="datetimeFigureOut">
               <a:rPr lang="pt-BR" smtClean="0"/>
-              <a:t>17/08/2021</a:t>
+              <a:t>18/08/2021</a:t>
             </a:fld>
             <a:endParaRPr lang="pt-BR"/>
           </a:p>
@@ -5893,7 +5894,7 @@
           <a:p>
             <a:fld id="{358D75C1-F3B0-4D81-A190-EFDBB1D1AFEE}" type="datetimeFigureOut">
               <a:rPr lang="pt-BR" smtClean="0"/>
-              <a:t>17/08/2021</a:t>
+              <a:t>18/08/2021</a:t>
             </a:fld>
             <a:endParaRPr lang="pt-BR"/>
           </a:p>
@@ -6305,7 +6306,7 @@
           <a:p>
             <a:fld id="{358D75C1-F3B0-4D81-A190-EFDBB1D1AFEE}" type="datetimeFigureOut">
               <a:rPr lang="pt-BR" smtClean="0"/>
-              <a:t>17/08/2021</a:t>
+              <a:t>18/08/2021</a:t>
             </a:fld>
             <a:endParaRPr lang="pt-BR"/>
           </a:p>
@@ -6446,7 +6447,7 @@
           <a:p>
             <a:fld id="{358D75C1-F3B0-4D81-A190-EFDBB1D1AFEE}" type="datetimeFigureOut">
               <a:rPr lang="pt-BR" smtClean="0"/>
-              <a:t>17/08/2021</a:t>
+              <a:t>18/08/2021</a:t>
             </a:fld>
             <a:endParaRPr lang="pt-BR"/>
           </a:p>
@@ -6559,7 +6560,7 @@
           <a:p>
             <a:fld id="{358D75C1-F3B0-4D81-A190-EFDBB1D1AFEE}" type="datetimeFigureOut">
               <a:rPr lang="pt-BR" smtClean="0"/>
-              <a:t>17/08/2021</a:t>
+              <a:t>18/08/2021</a:t>
             </a:fld>
             <a:endParaRPr lang="pt-BR"/>
           </a:p>
@@ -6870,7 +6871,7 @@
           <a:p>
             <a:fld id="{358D75C1-F3B0-4D81-A190-EFDBB1D1AFEE}" type="datetimeFigureOut">
               <a:rPr lang="pt-BR" smtClean="0"/>
-              <a:t>17/08/2021</a:t>
+              <a:t>18/08/2021</a:t>
             </a:fld>
             <a:endParaRPr lang="pt-BR"/>
           </a:p>
@@ -7158,7 +7159,7 @@
           <a:p>
             <a:fld id="{358D75C1-F3B0-4D81-A190-EFDBB1D1AFEE}" type="datetimeFigureOut">
               <a:rPr lang="pt-BR" smtClean="0"/>
-              <a:t>17/08/2021</a:t>
+              <a:t>18/08/2021</a:t>
             </a:fld>
             <a:endParaRPr lang="pt-BR"/>
           </a:p>
@@ -7399,7 +7400,7 @@
           <a:p>
             <a:fld id="{358D75C1-F3B0-4D81-A190-EFDBB1D1AFEE}" type="datetimeFigureOut">
               <a:rPr lang="pt-BR" smtClean="0"/>
-              <a:t>17/08/2021</a:t>
+              <a:t>18/08/2021</a:t>
             </a:fld>
             <a:endParaRPr lang="pt-BR"/>
           </a:p>
@@ -14732,6 +14733,606 @@
 </file>
 
 <file path=ppt/slides/slide21.xml><?xml version="1.0" encoding="utf-8"?>
+<p:sld xmlns:a="http://schemas.openxmlformats.org/drawingml/2006/main" xmlns:r="http://schemas.openxmlformats.org/officeDocument/2006/relationships" xmlns:p="http://schemas.openxmlformats.org/presentationml/2006/main">
+  <p:cSld>
+    <p:spTree>
+      <p:nvGrpSpPr>
+        <p:cNvPr id="1" name=""/>
+        <p:cNvGrpSpPr/>
+        <p:nvPr/>
+      </p:nvGrpSpPr>
+      <p:grpSpPr>
+        <a:xfrm>
+          <a:off x="0" y="0"/>
+          <a:ext cx="0" cy="0"/>
+          <a:chOff x="0" y="0"/>
+          <a:chExt cx="0" cy="0"/>
+        </a:xfrm>
+      </p:grpSpPr>
+      <p:pic>
+        <p:nvPicPr>
+          <p:cNvPr id="7" name="Imagem 6">
+            <a:extLst>
+              <a:ext uri="{FF2B5EF4-FFF2-40B4-BE49-F238E27FC236}">
+                <a16:creationId xmlns:a16="http://schemas.microsoft.com/office/drawing/2014/main" id="{15EF5E79-A320-604B-B8D0-BB7CC7F3BD24}"/>
+              </a:ext>
+            </a:extLst>
+          </p:cNvPr>
+          <p:cNvPicPr>
+            <a:picLocks noChangeAspect="1"/>
+          </p:cNvPicPr>
+          <p:nvPr/>
+        </p:nvPicPr>
+        <p:blipFill>
+          <a:blip r:embed="rId2">
+            <a:extLst>
+              <a:ext uri="{28A0092B-C50C-407E-A947-70E740481C1C}">
+                <a14:useLocalDpi xmlns:a14="http://schemas.microsoft.com/office/drawing/2010/main" val="0"/>
+              </a:ext>
+            </a:extLst>
+          </a:blip>
+          <a:stretch>
+            <a:fillRect/>
+          </a:stretch>
+        </p:blipFill>
+        <p:spPr>
+          <a:xfrm>
+            <a:off x="-1" y="-1590"/>
+            <a:ext cx="12192001" cy="2021978"/>
+          </a:xfrm>
+          <a:prstGeom prst="rect">
+            <a:avLst/>
+          </a:prstGeom>
+        </p:spPr>
+      </p:pic>
+      <p:sp>
+        <p:nvSpPr>
+          <p:cNvPr id="13" name="Título 1">
+            <a:extLst>
+              <a:ext uri="{FF2B5EF4-FFF2-40B4-BE49-F238E27FC236}">
+                <a16:creationId xmlns:a16="http://schemas.microsoft.com/office/drawing/2014/main" id="{94E1A0D2-D048-46FE-90D3-722FBF740CC7}"/>
+              </a:ext>
+            </a:extLst>
+          </p:cNvPr>
+          <p:cNvSpPr>
+            <a:spLocks noGrp="1"/>
+          </p:cNvSpPr>
+          <p:nvPr>
+            <p:ph type="title"/>
+          </p:nvPr>
+        </p:nvSpPr>
+        <p:spPr>
+          <a:xfrm>
+            <a:off x="2159726" y="0"/>
+            <a:ext cx="9292046" cy="2021978"/>
+          </a:xfrm>
+        </p:spPr>
+        <p:txBody>
+          <a:bodyPr>
+            <a:normAutofit/>
+          </a:bodyPr>
+          <a:lstStyle/>
+          <a:p>
+            <a:r>
+              <a:rPr lang="pt-BR" dirty="0">
+                <a:solidFill>
+                  <a:schemeClr val="bg1"/>
+                </a:solidFill>
+                <a:latin typeface="Nunito" pitchFamily="2" charset="77"/>
+              </a:rPr>
+              <a:t>DDD e </a:t>
+            </a:r>
+            <a:r>
+              <a:rPr lang="pt-BR" dirty="0" err="1">
+                <a:solidFill>
+                  <a:schemeClr val="bg1"/>
+                </a:solidFill>
+                <a:latin typeface="Nunito" pitchFamily="2" charset="77"/>
+              </a:rPr>
+              <a:t>Event</a:t>
+            </a:r>
+            <a:r>
+              <a:rPr lang="pt-BR" dirty="0">
+                <a:solidFill>
+                  <a:schemeClr val="bg1"/>
+                </a:solidFill>
+                <a:latin typeface="Nunito" pitchFamily="2" charset="77"/>
+              </a:rPr>
+              <a:t> </a:t>
+            </a:r>
+            <a:r>
+              <a:rPr lang="pt-BR" dirty="0" err="1">
+                <a:solidFill>
+                  <a:schemeClr val="bg1"/>
+                </a:solidFill>
+                <a:latin typeface="Nunito" pitchFamily="2" charset="77"/>
+              </a:rPr>
+              <a:t>Storming</a:t>
+            </a:r>
+            <a:endParaRPr lang="pt-BR" dirty="0">
+              <a:solidFill>
+                <a:schemeClr val="bg1"/>
+              </a:solidFill>
+              <a:latin typeface="Nunito" pitchFamily="2" charset="77"/>
+            </a:endParaRPr>
+          </a:p>
+        </p:txBody>
+      </p:sp>
+      <p:pic>
+        <p:nvPicPr>
+          <p:cNvPr id="14" name="Gráfico 13">
+            <a:extLst>
+              <a:ext uri="{FF2B5EF4-FFF2-40B4-BE49-F238E27FC236}">
+                <a16:creationId xmlns:a16="http://schemas.microsoft.com/office/drawing/2014/main" id="{2B5477E9-00BA-4494-BA1B-5466AC45994D}"/>
+              </a:ext>
+            </a:extLst>
+          </p:cNvPr>
+          <p:cNvPicPr>
+            <a:picLocks noChangeAspect="1"/>
+          </p:cNvPicPr>
+          <p:nvPr/>
+        </p:nvPicPr>
+        <p:blipFill>
+          <a:blip r:embed="rId3">
+            <a:extLst>
+              <a:ext uri="{96DAC541-7B7A-43D3-8B79-37D633B846F1}">
+                <asvg:svgBlip xmlns:asvg="http://schemas.microsoft.com/office/drawing/2016/SVG/main" r:embed="rId4"/>
+              </a:ext>
+            </a:extLst>
+          </a:blip>
+          <a:stretch>
+            <a:fillRect/>
+          </a:stretch>
+        </p:blipFill>
+        <p:spPr>
+          <a:xfrm>
+            <a:off x="1097280" y="636835"/>
+            <a:ext cx="610307" cy="705667"/>
+          </a:xfrm>
+          <a:prstGeom prst="rect">
+            <a:avLst/>
+          </a:prstGeom>
+        </p:spPr>
+      </p:pic>
+      <p:sp>
+        <p:nvSpPr>
+          <p:cNvPr id="8" name="CaixaDeTexto 7">
+            <a:extLst>
+              <a:ext uri="{FF2B5EF4-FFF2-40B4-BE49-F238E27FC236}">
+                <a16:creationId xmlns:a16="http://schemas.microsoft.com/office/drawing/2014/main" id="{29557DB5-A419-464F-8DE1-FE557705DF73}"/>
+              </a:ext>
+            </a:extLst>
+          </p:cNvPr>
+          <p:cNvSpPr txBox="1"/>
+          <p:nvPr/>
+        </p:nvSpPr>
+        <p:spPr>
+          <a:xfrm>
+            <a:off x="1097280" y="2719343"/>
+            <a:ext cx="6400800" cy="2862322"/>
+          </a:xfrm>
+          <a:prstGeom prst="rect">
+            <a:avLst/>
+          </a:prstGeom>
+          <a:noFill/>
+        </p:spPr>
+        <p:txBody>
+          <a:bodyPr wrap="square" rtlCol="0">
+            <a:spAutoFit/>
+          </a:bodyPr>
+          <a:lstStyle/>
+          <a:p>
+            <a:r>
+              <a:rPr lang="pt-BR" b="1" dirty="0">
+                <a:latin typeface="Nunito" pitchFamily="2" charset="77"/>
+              </a:rPr>
+              <a:t>Modelo Tradicional</a:t>
+            </a:r>
+          </a:p>
+          <a:p>
+            <a:pPr marL="285750" indent="-285750">
+              <a:buFontTx/>
+              <a:buChar char="-"/>
+            </a:pPr>
+            <a:r>
+              <a:rPr lang="en-US" dirty="0" err="1">
+                <a:latin typeface="Nunito" pitchFamily="2" charset="77"/>
+              </a:rPr>
+              <a:t>Centralizado</a:t>
+            </a:r>
+            <a:r>
+              <a:rPr lang="en-US" dirty="0">
+                <a:latin typeface="Nunito" pitchFamily="2" charset="77"/>
+              </a:rPr>
+              <a:t> </a:t>
+            </a:r>
+            <a:r>
+              <a:rPr lang="en-US" dirty="0" err="1">
+                <a:latin typeface="Nunito" pitchFamily="2" charset="77"/>
+              </a:rPr>
+              <a:t>em</a:t>
+            </a:r>
+            <a:r>
+              <a:rPr lang="en-US" dirty="0">
+                <a:latin typeface="Nunito" pitchFamily="2" charset="77"/>
+              </a:rPr>
+              <a:t> Dados</a:t>
+            </a:r>
+          </a:p>
+          <a:p>
+            <a:pPr marL="285750" indent="-285750">
+              <a:buFontTx/>
+              <a:buChar char="-"/>
+            </a:pPr>
+            <a:r>
+              <a:rPr lang="en-US" dirty="0" err="1">
+                <a:latin typeface="Nunito" pitchFamily="2" charset="77"/>
+              </a:rPr>
+              <a:t>Normalmente</a:t>
+            </a:r>
+            <a:r>
+              <a:rPr lang="en-US" dirty="0">
+                <a:latin typeface="Nunito" pitchFamily="2" charset="77"/>
+              </a:rPr>
+              <a:t> </a:t>
+            </a:r>
+            <a:r>
+              <a:rPr lang="en-US" dirty="0" err="1">
+                <a:latin typeface="Nunito" pitchFamily="2" charset="77"/>
+              </a:rPr>
+              <a:t>feito</a:t>
+            </a:r>
+            <a:r>
+              <a:rPr lang="en-US" dirty="0">
+                <a:latin typeface="Nunito" pitchFamily="2" charset="77"/>
+              </a:rPr>
+              <a:t> por um DBA**</a:t>
+            </a:r>
+          </a:p>
+          <a:p>
+            <a:pPr marL="285750" indent="-285750">
+              <a:buFontTx/>
+              <a:buChar char="-"/>
+            </a:pPr>
+            <a:endParaRPr lang="en-US" dirty="0">
+              <a:latin typeface="Nunito" pitchFamily="2" charset="77"/>
+            </a:endParaRPr>
+          </a:p>
+          <a:p>
+            <a:r>
+              <a:rPr lang="pt-BR" b="1" dirty="0">
+                <a:latin typeface="Nunito" pitchFamily="2" charset="77"/>
+              </a:rPr>
+              <a:t>EDA</a:t>
+            </a:r>
+          </a:p>
+          <a:p>
+            <a:pPr marL="285750" indent="-285750">
+              <a:buFontTx/>
+              <a:buChar char="-"/>
+            </a:pPr>
+            <a:r>
+              <a:rPr lang="en-US" dirty="0" err="1">
+                <a:latin typeface="Nunito" pitchFamily="2" charset="77"/>
+              </a:rPr>
+              <a:t>Centralizado</a:t>
+            </a:r>
+            <a:r>
+              <a:rPr lang="en-US" dirty="0">
+                <a:latin typeface="Nunito" pitchFamily="2" charset="77"/>
+              </a:rPr>
+              <a:t> </a:t>
+            </a:r>
+            <a:r>
+              <a:rPr lang="en-US" dirty="0" err="1">
+                <a:latin typeface="Nunito" pitchFamily="2" charset="77"/>
+              </a:rPr>
+              <a:t>em</a:t>
+            </a:r>
+            <a:r>
+              <a:rPr lang="en-US" dirty="0">
+                <a:latin typeface="Nunito" pitchFamily="2" charset="77"/>
+              </a:rPr>
+              <a:t> </a:t>
+            </a:r>
+            <a:r>
+              <a:rPr lang="en-US" dirty="0" err="1">
+                <a:latin typeface="Nunito" pitchFamily="2" charset="77"/>
+              </a:rPr>
+              <a:t>Eventos</a:t>
+            </a:r>
+            <a:endParaRPr lang="en-US" dirty="0">
+              <a:latin typeface="Nunito" pitchFamily="2" charset="77"/>
+            </a:endParaRPr>
+          </a:p>
+          <a:p>
+            <a:pPr marL="285750" indent="-285750">
+              <a:buFontTx/>
+              <a:buChar char="-"/>
+            </a:pPr>
+            <a:r>
+              <a:rPr lang="en-US" dirty="0" err="1">
+                <a:latin typeface="Nunito" pitchFamily="2" charset="77"/>
+              </a:rPr>
+              <a:t>Combina</a:t>
+            </a:r>
+            <a:r>
+              <a:rPr lang="en-US" dirty="0">
+                <a:latin typeface="Nunito" pitchFamily="2" charset="77"/>
+              </a:rPr>
+              <a:t> </a:t>
+            </a:r>
+            <a:r>
+              <a:rPr lang="en-US" dirty="0" err="1">
+                <a:latin typeface="Nunito" pitchFamily="2" charset="77"/>
+              </a:rPr>
+              <a:t>bem</a:t>
+            </a:r>
+            <a:r>
+              <a:rPr lang="en-US" dirty="0">
+                <a:latin typeface="Nunito" pitchFamily="2" charset="77"/>
+              </a:rPr>
+              <a:t> com DDD</a:t>
+            </a:r>
+          </a:p>
+          <a:p>
+            <a:pPr marL="285750" indent="-285750">
+              <a:buFontTx/>
+              <a:buChar char="-"/>
+            </a:pPr>
+            <a:r>
+              <a:rPr lang="en-US" dirty="0" err="1">
+                <a:latin typeface="Nunito" pitchFamily="2" charset="77"/>
+              </a:rPr>
+              <a:t>Feito</a:t>
+            </a:r>
+            <a:r>
+              <a:rPr lang="en-US" dirty="0">
+                <a:latin typeface="Nunito" pitchFamily="2" charset="77"/>
+              </a:rPr>
+              <a:t> </a:t>
+            </a:r>
+            <a:r>
+              <a:rPr lang="en-US" dirty="0" err="1">
+                <a:latin typeface="Nunito" pitchFamily="2" charset="77"/>
+              </a:rPr>
+              <a:t>através</a:t>
+            </a:r>
+            <a:r>
+              <a:rPr lang="en-US" dirty="0">
+                <a:latin typeface="Nunito" pitchFamily="2" charset="77"/>
+              </a:rPr>
+              <a:t> de um time</a:t>
+            </a:r>
+          </a:p>
+          <a:p>
+            <a:pPr marL="742950" lvl="1" indent="-285750">
+              <a:buFontTx/>
+              <a:buChar char="-"/>
+            </a:pPr>
+            <a:r>
+              <a:rPr lang="en-US" dirty="0" err="1">
+                <a:latin typeface="Nunito" pitchFamily="2" charset="77"/>
+              </a:rPr>
+              <a:t>Evento</a:t>
+            </a:r>
+            <a:r>
+              <a:rPr lang="en-US" dirty="0">
+                <a:latin typeface="Nunito" pitchFamily="2" charset="77"/>
+              </a:rPr>
+              <a:t> </a:t>
+            </a:r>
+            <a:r>
+              <a:rPr lang="en-US" dirty="0" err="1">
+                <a:latin typeface="Nunito" pitchFamily="2" charset="77"/>
+              </a:rPr>
+              <a:t>chamado</a:t>
+            </a:r>
+            <a:r>
+              <a:rPr lang="en-US" dirty="0">
+                <a:latin typeface="Nunito" pitchFamily="2" charset="77"/>
+              </a:rPr>
+              <a:t> Event Storming</a:t>
+            </a:r>
+            <a:endParaRPr lang="pt-BR" dirty="0">
+              <a:latin typeface="Montserrat Light" panose="00000400000000000000" pitchFamily="2" charset="0"/>
+            </a:endParaRPr>
+          </a:p>
+          <a:p>
+            <a:endParaRPr lang="pt-BR" dirty="0">
+              <a:latin typeface="Montserrat Light" panose="00000400000000000000" pitchFamily="2" charset="0"/>
+            </a:endParaRPr>
+          </a:p>
+        </p:txBody>
+      </p:sp>
+      <p:pic>
+        <p:nvPicPr>
+          <p:cNvPr id="12" name="Graphic 11">
+            <a:extLst>
+              <a:ext uri="{FF2B5EF4-FFF2-40B4-BE49-F238E27FC236}">
+                <a16:creationId xmlns:a16="http://schemas.microsoft.com/office/drawing/2014/main" id="{08C5FB60-1BF5-BE4F-8104-A54858793712}"/>
+              </a:ext>
+            </a:extLst>
+          </p:cNvPr>
+          <p:cNvPicPr>
+            <a:picLocks noChangeAspect="1"/>
+          </p:cNvPicPr>
+          <p:nvPr/>
+        </p:nvPicPr>
+        <p:blipFill>
+          <a:blip r:embed="rId5">
+            <a:extLst>
+              <a:ext uri="{28A0092B-C50C-407E-A947-70E740481C1C}">
+                <a14:useLocalDpi xmlns:a14="http://schemas.microsoft.com/office/drawing/2010/main" val="0"/>
+              </a:ext>
+              <a:ext uri="{96DAC541-7B7A-43D3-8B79-37D633B846F1}">
+                <asvg:svgBlip xmlns:asvg="http://schemas.microsoft.com/office/drawing/2016/SVG/main" r:embed="rId6"/>
+              </a:ext>
+            </a:extLst>
+          </a:blip>
+          <a:stretch>
+            <a:fillRect/>
+          </a:stretch>
+        </p:blipFill>
+        <p:spPr>
+          <a:xfrm>
+            <a:off x="7236405" y="2630609"/>
+            <a:ext cx="4053004" cy="3615580"/>
+          </a:xfrm>
+          <a:prstGeom prst="rect">
+            <a:avLst/>
+          </a:prstGeom>
+        </p:spPr>
+      </p:pic>
+    </p:spTree>
+    <p:extLst>
+      <p:ext uri="{BB962C8B-B14F-4D97-AF65-F5344CB8AC3E}">
+        <p14:creationId xmlns:p14="http://schemas.microsoft.com/office/powerpoint/2010/main" val="2774785987"/>
+      </p:ext>
+    </p:extLst>
+  </p:cSld>
+  <p:clrMapOvr>
+    <a:masterClrMapping/>
+  </p:clrMapOvr>
+  <mc:AlternateContent xmlns:mc="http://schemas.openxmlformats.org/markup-compatibility/2006" xmlns:p159="http://schemas.microsoft.com/office/powerpoint/2015/09/main">
+    <mc:Choice Requires="p159">
+      <p:transition xmlns:p14="http://schemas.microsoft.com/office/powerpoint/2010/main" spd="slow" p14:dur="2000">
+        <p159:morph option="byObject"/>
+      </p:transition>
+    </mc:Choice>
+    <mc:Fallback xmlns="">
+      <p:transition spd="slow">
+        <p:fade/>
+      </p:transition>
+    </mc:Fallback>
+  </mc:AlternateContent>
+  <p:timing>
+    <p:tnLst>
+      <p:par>
+        <p:cTn id="1" dur="indefinite" restart="never" nodeType="tmRoot">
+          <p:childTnLst>
+            <p:seq concurrent="1" nextAc="seek">
+              <p:cTn id="2" dur="indefinite" nodeType="mainSeq">
+                <p:childTnLst>
+                  <p:par>
+                    <p:cTn id="3" fill="hold">
+                      <p:stCondLst>
+                        <p:cond delay="indefinite"/>
+                      </p:stCondLst>
+                      <p:childTnLst>
+                        <p:par>
+                          <p:cTn id="4" fill="hold">
+                            <p:stCondLst>
+                              <p:cond delay="0"/>
+                            </p:stCondLst>
+                            <p:childTnLst>
+                              <p:par>
+                                <p:cTn id="5" presetID="1" presetClass="entr" presetSubtype="0" fill="hold" grpId="0" nodeType="clickEffect">
+                                  <p:stCondLst>
+                                    <p:cond delay="0"/>
+                                  </p:stCondLst>
+                                  <p:childTnLst>
+                                    <p:set>
+                                      <p:cBhvr>
+                                        <p:cTn id="6" dur="1" fill="hold">
+                                          <p:stCondLst>
+                                            <p:cond delay="0"/>
+                                          </p:stCondLst>
+                                        </p:cTn>
+                                        <p:tgtEl>
+                                          <p:spTgt spid="8"/>
+                                        </p:tgtEl>
+                                        <p:attrNameLst>
+                                          <p:attrName>style.visibility</p:attrName>
+                                        </p:attrNameLst>
+                                      </p:cBhvr>
+                                      <p:to>
+                                        <p:strVal val="visible"/>
+                                      </p:to>
+                                    </p:set>
+                                  </p:childTnLst>
+                                </p:cTn>
+                              </p:par>
+                            </p:childTnLst>
+                          </p:cTn>
+                        </p:par>
+                      </p:childTnLst>
+                    </p:cTn>
+                  </p:par>
+                  <p:par>
+                    <p:cTn id="7" fill="hold">
+                      <p:stCondLst>
+                        <p:cond delay="indefinite"/>
+                      </p:stCondLst>
+                      <p:childTnLst>
+                        <p:par>
+                          <p:cTn id="8" fill="hold">
+                            <p:stCondLst>
+                              <p:cond delay="0"/>
+                            </p:stCondLst>
+                            <p:childTnLst>
+                              <p:par>
+                                <p:cTn id="9" presetID="1" presetClass="entr" presetSubtype="0" fill="hold" nodeType="clickEffect">
+                                  <p:stCondLst>
+                                    <p:cond delay="0"/>
+                                  </p:stCondLst>
+                                  <p:childTnLst>
+                                    <p:set>
+                                      <p:cBhvr>
+                                        <p:cTn id="10" dur="1" fill="hold">
+                                          <p:stCondLst>
+                                            <p:cond delay="0"/>
+                                          </p:stCondLst>
+                                        </p:cTn>
+                                        <p:tgtEl>
+                                          <p:spTgt spid="12"/>
+                                        </p:tgtEl>
+                                        <p:attrNameLst>
+                                          <p:attrName>style.visibility</p:attrName>
+                                        </p:attrNameLst>
+                                      </p:cBhvr>
+                                      <p:to>
+                                        <p:strVal val="visible"/>
+                                      </p:to>
+                                    </p:set>
+                                  </p:childTnLst>
+                                </p:cTn>
+                              </p:par>
+                            </p:childTnLst>
+                          </p:cTn>
+                        </p:par>
+                      </p:childTnLst>
+                    </p:cTn>
+                  </p:par>
+                </p:childTnLst>
+              </p:cTn>
+              <p:prevCondLst>
+                <p:cond evt="onPrev" delay="0">
+                  <p:tgtEl>
+                    <p:sldTgt/>
+                  </p:tgtEl>
+                </p:cond>
+              </p:prevCondLst>
+              <p:nextCondLst>
+                <p:cond evt="onNext" delay="0">
+                  <p:tgtEl>
+                    <p:sldTgt/>
+                  </p:tgtEl>
+                </p:cond>
+              </p:nextCondLst>
+            </p:seq>
+          </p:childTnLst>
+        </p:cTn>
+      </p:par>
+    </p:tnLst>
+    <p:bldLst>
+      <p:bldP spid="8" grpId="0"/>
+    </p:bldLst>
+  </p:timing>
+</p:sld>
+</file>
+
+<file path=ppt/slides/slide22.xml><?xml version="1.0" encoding="utf-8"?>
 <p:sld xmlns:a="http://schemas.openxmlformats.org/drawingml/2006/main" xmlns:r="http://schemas.openxmlformats.org/officeDocument/2006/relationships" xmlns:p="http://schemas.openxmlformats.org/presentationml/2006/main">
   <p:cSld>
     <p:spTree>

--- a/2021-08-25_event-driven-architecture.pptx
+++ b/2021-08-25_event-driven-architecture.pptx
@@ -5,7 +5,7 @@
     <p:sldMasterId id="2147483648" r:id="rId1"/>
   </p:sldMasterIdLst>
   <p:notesMasterIdLst>
-    <p:notesMasterId r:id="rId24"/>
+    <p:notesMasterId r:id="rId28"/>
   </p:notesMasterIdLst>
   <p:sldIdLst>
     <p:sldId id="260" r:id="rId2"/>
@@ -29,7 +29,11 @@
     <p:sldId id="493" r:id="rId20"/>
     <p:sldId id="495" r:id="rId21"/>
     <p:sldId id="496" r:id="rId22"/>
-    <p:sldId id="265" r:id="rId23"/>
+    <p:sldId id="497" r:id="rId23"/>
+    <p:sldId id="498" r:id="rId24"/>
+    <p:sldId id="499" r:id="rId25"/>
+    <p:sldId id="500" r:id="rId26"/>
+    <p:sldId id="265" r:id="rId27"/>
   </p:sldIdLst>
   <p:sldSz cx="12192000" cy="6858000"/>
   <p:notesSz cx="6858000" cy="9144000"/>
@@ -3734,7 +3738,7 @@
           <a:p>
             <a:fld id="{2232590A-2ECD-4930-A16F-BAB4FCA317C7}" type="datetimeFigureOut">
               <a:rPr lang="pt-BR" smtClean="0"/>
-              <a:t>18/08/2021</a:t>
+              <a:t>19/08/2021</a:t>
             </a:fld>
             <a:endParaRPr lang="pt-BR"/>
           </a:p>
@@ -3892,7 +3896,7 @@
           <a:p>
             <a:fld id="{1BFBF4EA-A19C-4108-A664-D5EED1568F94}" type="slidenum">
               <a:rPr lang="pt-BR" smtClean="0"/>
-              <a:t>‹nº›</a:t>
+              <a:t>‹#›</a:t>
             </a:fld>
             <a:endParaRPr lang="pt-BR"/>
           </a:p>
@@ -4750,7 +4754,7 @@
           <a:p>
             <a:fld id="{358D75C1-F3B0-4D81-A190-EFDBB1D1AFEE}" type="datetimeFigureOut">
               <a:rPr lang="pt-BR" smtClean="0"/>
-              <a:t>18/08/2021</a:t>
+              <a:t>19/08/2021</a:t>
             </a:fld>
             <a:endParaRPr lang="pt-BR"/>
           </a:p>
@@ -4804,7 +4808,7 @@
           <a:p>
             <a:fld id="{F6DAF70D-9E8B-4ED6-9311-5F4D3EA89BB5}" type="slidenum">
               <a:rPr lang="pt-BR" smtClean="0"/>
-              <a:t>‹nº›</a:t>
+              <a:t>‹#›</a:t>
             </a:fld>
             <a:endParaRPr lang="pt-BR"/>
           </a:p>
@@ -4948,7 +4952,7 @@
           <a:p>
             <a:fld id="{358D75C1-F3B0-4D81-A190-EFDBB1D1AFEE}" type="datetimeFigureOut">
               <a:rPr lang="pt-BR" smtClean="0"/>
-              <a:t>18/08/2021</a:t>
+              <a:t>19/08/2021</a:t>
             </a:fld>
             <a:endParaRPr lang="pt-BR"/>
           </a:p>
@@ -5002,7 +5006,7 @@
           <a:p>
             <a:fld id="{F6DAF70D-9E8B-4ED6-9311-5F4D3EA89BB5}" type="slidenum">
               <a:rPr lang="pt-BR" smtClean="0"/>
-              <a:t>‹nº›</a:t>
+              <a:t>‹#›</a:t>
             </a:fld>
             <a:endParaRPr lang="pt-BR"/>
           </a:p>
@@ -5156,7 +5160,7 @@
           <a:p>
             <a:fld id="{358D75C1-F3B0-4D81-A190-EFDBB1D1AFEE}" type="datetimeFigureOut">
               <a:rPr lang="pt-BR" smtClean="0"/>
-              <a:t>18/08/2021</a:t>
+              <a:t>19/08/2021</a:t>
             </a:fld>
             <a:endParaRPr lang="pt-BR"/>
           </a:p>
@@ -5210,7 +5214,7 @@
           <a:p>
             <a:fld id="{F6DAF70D-9E8B-4ED6-9311-5F4D3EA89BB5}" type="slidenum">
               <a:rPr lang="pt-BR" smtClean="0"/>
-              <a:t>‹nº›</a:t>
+              <a:t>‹#›</a:t>
             </a:fld>
             <a:endParaRPr lang="pt-BR"/>
           </a:p>
@@ -5354,7 +5358,7 @@
           <a:p>
             <a:fld id="{358D75C1-F3B0-4D81-A190-EFDBB1D1AFEE}" type="datetimeFigureOut">
               <a:rPr lang="pt-BR" smtClean="0"/>
-              <a:t>18/08/2021</a:t>
+              <a:t>19/08/2021</a:t>
             </a:fld>
             <a:endParaRPr lang="pt-BR"/>
           </a:p>
@@ -5408,7 +5412,7 @@
           <a:p>
             <a:fld id="{F6DAF70D-9E8B-4ED6-9311-5F4D3EA89BB5}" type="slidenum">
               <a:rPr lang="pt-BR" smtClean="0"/>
-              <a:t>‹nº›</a:t>
+              <a:t>‹#›</a:t>
             </a:fld>
             <a:endParaRPr lang="pt-BR"/>
           </a:p>
@@ -5629,7 +5633,7 @@
           <a:p>
             <a:fld id="{358D75C1-F3B0-4D81-A190-EFDBB1D1AFEE}" type="datetimeFigureOut">
               <a:rPr lang="pt-BR" smtClean="0"/>
-              <a:t>18/08/2021</a:t>
+              <a:t>19/08/2021</a:t>
             </a:fld>
             <a:endParaRPr lang="pt-BR"/>
           </a:p>
@@ -5683,7 +5687,7 @@
           <a:p>
             <a:fld id="{F6DAF70D-9E8B-4ED6-9311-5F4D3EA89BB5}" type="slidenum">
               <a:rPr lang="pt-BR" smtClean="0"/>
-              <a:t>‹nº›</a:t>
+              <a:t>‹#›</a:t>
             </a:fld>
             <a:endParaRPr lang="pt-BR"/>
           </a:p>
@@ -5894,7 +5898,7 @@
           <a:p>
             <a:fld id="{358D75C1-F3B0-4D81-A190-EFDBB1D1AFEE}" type="datetimeFigureOut">
               <a:rPr lang="pt-BR" smtClean="0"/>
-              <a:t>18/08/2021</a:t>
+              <a:t>19/08/2021</a:t>
             </a:fld>
             <a:endParaRPr lang="pt-BR"/>
           </a:p>
@@ -5948,7 +5952,7 @@
           <a:p>
             <a:fld id="{F6DAF70D-9E8B-4ED6-9311-5F4D3EA89BB5}" type="slidenum">
               <a:rPr lang="pt-BR" smtClean="0"/>
-              <a:t>‹nº›</a:t>
+              <a:t>‹#›</a:t>
             </a:fld>
             <a:endParaRPr lang="pt-BR"/>
           </a:p>
@@ -6306,7 +6310,7 @@
           <a:p>
             <a:fld id="{358D75C1-F3B0-4D81-A190-EFDBB1D1AFEE}" type="datetimeFigureOut">
               <a:rPr lang="pt-BR" smtClean="0"/>
-              <a:t>18/08/2021</a:t>
+              <a:t>19/08/2021</a:t>
             </a:fld>
             <a:endParaRPr lang="pt-BR"/>
           </a:p>
@@ -6360,7 +6364,7 @@
           <a:p>
             <a:fld id="{F6DAF70D-9E8B-4ED6-9311-5F4D3EA89BB5}" type="slidenum">
               <a:rPr lang="pt-BR" smtClean="0"/>
-              <a:t>‹nº›</a:t>
+              <a:t>‹#›</a:t>
             </a:fld>
             <a:endParaRPr lang="pt-BR"/>
           </a:p>
@@ -6447,7 +6451,7 @@
           <a:p>
             <a:fld id="{358D75C1-F3B0-4D81-A190-EFDBB1D1AFEE}" type="datetimeFigureOut">
               <a:rPr lang="pt-BR" smtClean="0"/>
-              <a:t>18/08/2021</a:t>
+              <a:t>19/08/2021</a:t>
             </a:fld>
             <a:endParaRPr lang="pt-BR"/>
           </a:p>
@@ -6501,7 +6505,7 @@
           <a:p>
             <a:fld id="{F6DAF70D-9E8B-4ED6-9311-5F4D3EA89BB5}" type="slidenum">
               <a:rPr lang="pt-BR" smtClean="0"/>
-              <a:t>‹nº›</a:t>
+              <a:t>‹#›</a:t>
             </a:fld>
             <a:endParaRPr lang="pt-BR"/>
           </a:p>
@@ -6560,7 +6564,7 @@
           <a:p>
             <a:fld id="{358D75C1-F3B0-4D81-A190-EFDBB1D1AFEE}" type="datetimeFigureOut">
               <a:rPr lang="pt-BR" smtClean="0"/>
-              <a:t>18/08/2021</a:t>
+              <a:t>19/08/2021</a:t>
             </a:fld>
             <a:endParaRPr lang="pt-BR"/>
           </a:p>
@@ -6614,7 +6618,7 @@
           <a:p>
             <a:fld id="{F6DAF70D-9E8B-4ED6-9311-5F4D3EA89BB5}" type="slidenum">
               <a:rPr lang="pt-BR" smtClean="0"/>
-              <a:t>‹nº›</a:t>
+              <a:t>‹#›</a:t>
             </a:fld>
             <a:endParaRPr lang="pt-BR"/>
           </a:p>
@@ -6871,7 +6875,7 @@
           <a:p>
             <a:fld id="{358D75C1-F3B0-4D81-A190-EFDBB1D1AFEE}" type="datetimeFigureOut">
               <a:rPr lang="pt-BR" smtClean="0"/>
-              <a:t>18/08/2021</a:t>
+              <a:t>19/08/2021</a:t>
             </a:fld>
             <a:endParaRPr lang="pt-BR"/>
           </a:p>
@@ -6925,7 +6929,7 @@
           <a:p>
             <a:fld id="{F6DAF70D-9E8B-4ED6-9311-5F4D3EA89BB5}" type="slidenum">
               <a:rPr lang="pt-BR" smtClean="0"/>
-              <a:t>‹nº›</a:t>
+              <a:t>‹#›</a:t>
             </a:fld>
             <a:endParaRPr lang="pt-BR"/>
           </a:p>
@@ -7159,7 +7163,7 @@
           <a:p>
             <a:fld id="{358D75C1-F3B0-4D81-A190-EFDBB1D1AFEE}" type="datetimeFigureOut">
               <a:rPr lang="pt-BR" smtClean="0"/>
-              <a:t>18/08/2021</a:t>
+              <a:t>19/08/2021</a:t>
             </a:fld>
             <a:endParaRPr lang="pt-BR"/>
           </a:p>
@@ -7213,7 +7217,7 @@
           <a:p>
             <a:fld id="{F6DAF70D-9E8B-4ED6-9311-5F4D3EA89BB5}" type="slidenum">
               <a:rPr lang="pt-BR" smtClean="0"/>
-              <a:t>‹nº›</a:t>
+              <a:t>‹#›</a:t>
             </a:fld>
             <a:endParaRPr lang="pt-BR"/>
           </a:p>
@@ -7400,7 +7404,7 @@
           <a:p>
             <a:fld id="{358D75C1-F3B0-4D81-A190-EFDBB1D1AFEE}" type="datetimeFigureOut">
               <a:rPr lang="pt-BR" smtClean="0"/>
-              <a:t>18/08/2021</a:t>
+              <a:t>19/08/2021</a:t>
             </a:fld>
             <a:endParaRPr lang="pt-BR"/>
           </a:p>
@@ -7490,7 +7494,7 @@
           <a:p>
             <a:fld id="{F6DAF70D-9E8B-4ED6-9311-5F4D3EA89BB5}" type="slidenum">
               <a:rPr lang="pt-BR" smtClean="0"/>
-              <a:t>‹nº›</a:t>
+              <a:t>‹#›</a:t>
             </a:fld>
             <a:endParaRPr lang="pt-BR"/>
           </a:p>
@@ -15333,6 +15337,2373 @@
 </file>
 
 <file path=ppt/slides/slide22.xml><?xml version="1.0" encoding="utf-8"?>
+<p:sld xmlns:a="http://schemas.openxmlformats.org/drawingml/2006/main" xmlns:r="http://schemas.openxmlformats.org/officeDocument/2006/relationships" xmlns:p="http://schemas.openxmlformats.org/presentationml/2006/main">
+  <p:cSld>
+    <p:spTree>
+      <p:nvGrpSpPr>
+        <p:cNvPr id="1" name=""/>
+        <p:cNvGrpSpPr/>
+        <p:nvPr/>
+      </p:nvGrpSpPr>
+      <p:grpSpPr>
+        <a:xfrm>
+          <a:off x="0" y="0"/>
+          <a:ext cx="0" cy="0"/>
+          <a:chOff x="0" y="0"/>
+          <a:chExt cx="0" cy="0"/>
+        </a:xfrm>
+      </p:grpSpPr>
+      <p:pic>
+        <p:nvPicPr>
+          <p:cNvPr id="7" name="Imagem 6">
+            <a:extLst>
+              <a:ext uri="{FF2B5EF4-FFF2-40B4-BE49-F238E27FC236}">
+                <a16:creationId xmlns:a16="http://schemas.microsoft.com/office/drawing/2014/main" id="{15EF5E79-A320-604B-B8D0-BB7CC7F3BD24}"/>
+              </a:ext>
+            </a:extLst>
+          </p:cNvPr>
+          <p:cNvPicPr>
+            <a:picLocks noChangeAspect="1"/>
+          </p:cNvPicPr>
+          <p:nvPr/>
+        </p:nvPicPr>
+        <p:blipFill>
+          <a:blip r:embed="rId2">
+            <a:extLst>
+              <a:ext uri="{28A0092B-C50C-407E-A947-70E740481C1C}">
+                <a14:useLocalDpi xmlns:a14="http://schemas.microsoft.com/office/drawing/2010/main" val="0"/>
+              </a:ext>
+            </a:extLst>
+          </a:blip>
+          <a:stretch>
+            <a:fillRect/>
+          </a:stretch>
+        </p:blipFill>
+        <p:spPr>
+          <a:xfrm>
+            <a:off x="-1" y="-1590"/>
+            <a:ext cx="12192001" cy="2021978"/>
+          </a:xfrm>
+          <a:prstGeom prst="rect">
+            <a:avLst/>
+          </a:prstGeom>
+        </p:spPr>
+      </p:pic>
+      <p:sp>
+        <p:nvSpPr>
+          <p:cNvPr id="13" name="Título 1">
+            <a:extLst>
+              <a:ext uri="{FF2B5EF4-FFF2-40B4-BE49-F238E27FC236}">
+                <a16:creationId xmlns:a16="http://schemas.microsoft.com/office/drawing/2014/main" id="{94E1A0D2-D048-46FE-90D3-722FBF740CC7}"/>
+              </a:ext>
+            </a:extLst>
+          </p:cNvPr>
+          <p:cNvSpPr>
+            <a:spLocks noGrp="1"/>
+          </p:cNvSpPr>
+          <p:nvPr>
+            <p:ph type="title"/>
+          </p:nvPr>
+        </p:nvSpPr>
+        <p:spPr>
+          <a:xfrm>
+            <a:off x="2159726" y="0"/>
+            <a:ext cx="9292046" cy="2021978"/>
+          </a:xfrm>
+        </p:spPr>
+        <p:txBody>
+          <a:bodyPr>
+            <a:normAutofit/>
+          </a:bodyPr>
+          <a:lstStyle/>
+          <a:p>
+            <a:r>
+              <a:rPr lang="pt-BR" dirty="0" err="1">
+                <a:solidFill>
+                  <a:schemeClr val="bg1"/>
+                </a:solidFill>
+                <a:latin typeface="Nunito" pitchFamily="2" charset="77"/>
+              </a:rPr>
+              <a:t>Event</a:t>
+            </a:r>
+            <a:r>
+              <a:rPr lang="pt-BR" dirty="0">
+                <a:solidFill>
+                  <a:schemeClr val="bg1"/>
+                </a:solidFill>
+                <a:latin typeface="Nunito" pitchFamily="2" charset="77"/>
+              </a:rPr>
+              <a:t> </a:t>
+            </a:r>
+            <a:r>
+              <a:rPr lang="pt-BR" dirty="0" err="1">
+                <a:solidFill>
+                  <a:schemeClr val="bg1"/>
+                </a:solidFill>
+                <a:latin typeface="Nunito" pitchFamily="2" charset="77"/>
+              </a:rPr>
+              <a:t>Storming</a:t>
+            </a:r>
+            <a:endParaRPr lang="pt-BR" dirty="0">
+              <a:solidFill>
+                <a:schemeClr val="bg1"/>
+              </a:solidFill>
+              <a:latin typeface="Nunito" pitchFamily="2" charset="77"/>
+            </a:endParaRPr>
+          </a:p>
+        </p:txBody>
+      </p:sp>
+      <p:pic>
+        <p:nvPicPr>
+          <p:cNvPr id="14" name="Gráfico 13">
+            <a:extLst>
+              <a:ext uri="{FF2B5EF4-FFF2-40B4-BE49-F238E27FC236}">
+                <a16:creationId xmlns:a16="http://schemas.microsoft.com/office/drawing/2014/main" id="{2B5477E9-00BA-4494-BA1B-5466AC45994D}"/>
+              </a:ext>
+            </a:extLst>
+          </p:cNvPr>
+          <p:cNvPicPr>
+            <a:picLocks noChangeAspect="1"/>
+          </p:cNvPicPr>
+          <p:nvPr/>
+        </p:nvPicPr>
+        <p:blipFill>
+          <a:blip r:embed="rId3">
+            <a:extLst>
+              <a:ext uri="{96DAC541-7B7A-43D3-8B79-37D633B846F1}">
+                <asvg:svgBlip xmlns:asvg="http://schemas.microsoft.com/office/drawing/2016/SVG/main" r:embed="rId4"/>
+              </a:ext>
+            </a:extLst>
+          </a:blip>
+          <a:stretch>
+            <a:fillRect/>
+          </a:stretch>
+        </p:blipFill>
+        <p:spPr>
+          <a:xfrm>
+            <a:off x="1097280" y="636835"/>
+            <a:ext cx="610307" cy="705667"/>
+          </a:xfrm>
+          <a:prstGeom prst="rect">
+            <a:avLst/>
+          </a:prstGeom>
+        </p:spPr>
+      </p:pic>
+      <p:sp>
+        <p:nvSpPr>
+          <p:cNvPr id="8" name="CaixaDeTexto 7">
+            <a:extLst>
+              <a:ext uri="{FF2B5EF4-FFF2-40B4-BE49-F238E27FC236}">
+                <a16:creationId xmlns:a16="http://schemas.microsoft.com/office/drawing/2014/main" id="{29557DB5-A419-464F-8DE1-FE557705DF73}"/>
+              </a:ext>
+            </a:extLst>
+          </p:cNvPr>
+          <p:cNvSpPr txBox="1"/>
+          <p:nvPr/>
+        </p:nvSpPr>
+        <p:spPr>
+          <a:xfrm>
+            <a:off x="1097280" y="2719343"/>
+            <a:ext cx="6400800" cy="2585323"/>
+          </a:xfrm>
+          <a:prstGeom prst="rect">
+            <a:avLst/>
+          </a:prstGeom>
+          <a:noFill/>
+        </p:spPr>
+        <p:txBody>
+          <a:bodyPr wrap="square" rtlCol="0">
+            <a:spAutoFit/>
+          </a:bodyPr>
+          <a:lstStyle/>
+          <a:p>
+            <a:r>
+              <a:rPr lang="pt-BR" b="1" dirty="0">
+                <a:latin typeface="Nunito" pitchFamily="2" charset="77"/>
+              </a:rPr>
+              <a:t>Finalidade</a:t>
+            </a:r>
+          </a:p>
+          <a:p>
+            <a:pPr marL="285750" indent="-285750">
+              <a:buFontTx/>
+              <a:buChar char="-"/>
+            </a:pPr>
+            <a:r>
+              <a:rPr lang="en-US" dirty="0" err="1">
+                <a:latin typeface="Nunito" pitchFamily="2" charset="77"/>
+              </a:rPr>
+              <a:t>Modelar</a:t>
+            </a:r>
+            <a:r>
+              <a:rPr lang="en-US" dirty="0">
+                <a:latin typeface="Nunito" pitchFamily="2" charset="77"/>
+              </a:rPr>
+              <a:t> o </a:t>
+            </a:r>
+            <a:r>
+              <a:rPr lang="en-US" dirty="0" err="1">
+                <a:latin typeface="Nunito" pitchFamily="2" charset="77"/>
+              </a:rPr>
+              <a:t>domínio</a:t>
+            </a:r>
+            <a:r>
+              <a:rPr lang="en-US" dirty="0">
+                <a:latin typeface="Nunito" pitchFamily="2" charset="77"/>
+              </a:rPr>
+              <a:t> com base </a:t>
+            </a:r>
+            <a:r>
+              <a:rPr lang="en-US" dirty="0" err="1">
+                <a:latin typeface="Nunito" pitchFamily="2" charset="77"/>
+              </a:rPr>
+              <a:t>em</a:t>
+            </a:r>
+            <a:r>
+              <a:rPr lang="en-US" dirty="0">
+                <a:latin typeface="Nunito" pitchFamily="2" charset="77"/>
+              </a:rPr>
+              <a:t> </a:t>
+            </a:r>
+            <a:r>
+              <a:rPr lang="en-US" dirty="0" err="1">
+                <a:latin typeface="Nunito" pitchFamily="2" charset="77"/>
+              </a:rPr>
+              <a:t>eventos</a:t>
+            </a:r>
+            <a:endParaRPr lang="en-US" dirty="0">
+              <a:latin typeface="Nunito" pitchFamily="2" charset="77"/>
+            </a:endParaRPr>
+          </a:p>
+          <a:p>
+            <a:pPr marL="285750" indent="-285750">
+              <a:buFontTx/>
+              <a:buChar char="-"/>
+            </a:pPr>
+            <a:r>
+              <a:rPr lang="en-US" dirty="0" err="1">
+                <a:latin typeface="Nunito" pitchFamily="2" charset="77"/>
+              </a:rPr>
+              <a:t>Resultado</a:t>
+            </a:r>
+            <a:r>
+              <a:rPr lang="en-US" dirty="0">
+                <a:latin typeface="Nunito" pitchFamily="2" charset="77"/>
+              </a:rPr>
+              <a:t> da </a:t>
+            </a:r>
+            <a:r>
+              <a:rPr lang="en-US" dirty="0" err="1">
+                <a:latin typeface="Nunito" pitchFamily="2" charset="77"/>
+              </a:rPr>
+              <a:t>colaboração</a:t>
+            </a:r>
+            <a:r>
+              <a:rPr lang="en-US" dirty="0">
+                <a:latin typeface="Nunito" pitchFamily="2" charset="77"/>
+              </a:rPr>
+              <a:t> de </a:t>
+            </a:r>
+            <a:r>
+              <a:rPr lang="en-US" dirty="0" err="1">
+                <a:latin typeface="Nunito" pitchFamily="2" charset="77"/>
+              </a:rPr>
+              <a:t>diversos</a:t>
+            </a:r>
+            <a:r>
+              <a:rPr lang="en-US" dirty="0">
+                <a:latin typeface="Nunito" pitchFamily="2" charset="77"/>
+              </a:rPr>
+              <a:t> </a:t>
+            </a:r>
+            <a:r>
+              <a:rPr lang="en-US" dirty="0" err="1">
+                <a:latin typeface="Nunito" pitchFamily="2" charset="77"/>
+              </a:rPr>
+              <a:t>membros</a:t>
+            </a:r>
+            <a:endParaRPr lang="en-US" dirty="0">
+              <a:latin typeface="Nunito" pitchFamily="2" charset="77"/>
+            </a:endParaRPr>
+          </a:p>
+          <a:p>
+            <a:pPr marL="285750" indent="-285750">
+              <a:buFontTx/>
+              <a:buChar char="-"/>
+            </a:pPr>
+            <a:endParaRPr lang="en-US" dirty="0">
+              <a:latin typeface="Nunito" pitchFamily="2" charset="77"/>
+            </a:endParaRPr>
+          </a:p>
+          <a:p>
+            <a:r>
+              <a:rPr lang="pt-BR" b="1" dirty="0">
+                <a:latin typeface="Nunito" pitchFamily="2" charset="77"/>
+              </a:rPr>
+              <a:t>Boas práticas</a:t>
+            </a:r>
+          </a:p>
+          <a:p>
+            <a:pPr marL="285750" indent="-285750">
+              <a:buFontTx/>
+              <a:buChar char="-"/>
+            </a:pPr>
+            <a:r>
+              <a:rPr lang="en-US" dirty="0" err="1">
+                <a:latin typeface="Nunito" pitchFamily="2" charset="77"/>
+              </a:rPr>
+              <a:t>Convide</a:t>
+            </a:r>
+            <a:r>
+              <a:rPr lang="en-US" dirty="0">
+                <a:latin typeface="Nunito" pitchFamily="2" charset="77"/>
+              </a:rPr>
+              <a:t> as </a:t>
+            </a:r>
+            <a:r>
+              <a:rPr lang="en-US" dirty="0" err="1">
+                <a:latin typeface="Nunito" pitchFamily="2" charset="77"/>
+              </a:rPr>
+              <a:t>pessoas</a:t>
+            </a:r>
+            <a:r>
+              <a:rPr lang="en-US" dirty="0">
+                <a:latin typeface="Nunito" pitchFamily="2" charset="77"/>
+              </a:rPr>
+              <a:t> </a:t>
+            </a:r>
+            <a:r>
+              <a:rPr lang="en-US" dirty="0" err="1">
+                <a:latin typeface="Nunito" pitchFamily="2" charset="77"/>
+              </a:rPr>
+              <a:t>certas</a:t>
+            </a:r>
+            <a:endParaRPr lang="en-US" dirty="0">
+              <a:latin typeface="Nunito" pitchFamily="2" charset="77"/>
+            </a:endParaRPr>
+          </a:p>
+          <a:p>
+            <a:pPr marL="742950" lvl="1" indent="-285750">
+              <a:buFontTx/>
+              <a:buChar char="-"/>
+            </a:pPr>
+            <a:r>
+              <a:rPr lang="en-US" dirty="0">
+                <a:latin typeface="Nunito" pitchFamily="2" charset="77"/>
+              </a:rPr>
+              <a:t>Facilitator, </a:t>
+            </a:r>
+            <a:r>
+              <a:rPr lang="en-US" dirty="0" err="1">
+                <a:latin typeface="Nunito" pitchFamily="2" charset="77"/>
+              </a:rPr>
+              <a:t>técnicos</a:t>
+            </a:r>
+            <a:r>
+              <a:rPr lang="en-US" dirty="0">
+                <a:latin typeface="Nunito" pitchFamily="2" charset="77"/>
+              </a:rPr>
+              <a:t>, </a:t>
+            </a:r>
+            <a:r>
+              <a:rPr lang="en-US" dirty="0" err="1">
+                <a:latin typeface="Nunito" pitchFamily="2" charset="77"/>
+              </a:rPr>
+              <a:t>arquitetos</a:t>
+            </a:r>
+            <a:r>
+              <a:rPr lang="en-US" dirty="0">
+                <a:latin typeface="Nunito" pitchFamily="2" charset="77"/>
+              </a:rPr>
+              <a:t>, </a:t>
+            </a:r>
+            <a:r>
+              <a:rPr lang="en-US" dirty="0" err="1">
+                <a:latin typeface="Nunito" pitchFamily="2" charset="77"/>
+              </a:rPr>
+              <a:t>negócio</a:t>
+            </a:r>
+            <a:endParaRPr lang="en-US" dirty="0">
+              <a:latin typeface="Nunito" pitchFamily="2" charset="77"/>
+            </a:endParaRPr>
+          </a:p>
+          <a:p>
+            <a:pPr marL="285750" indent="-285750">
+              <a:buFontTx/>
+              <a:buChar char="-"/>
+            </a:pPr>
+            <a:r>
+              <a:rPr lang="en-US" dirty="0" err="1">
+                <a:latin typeface="Nunito" pitchFamily="2" charset="77"/>
+              </a:rPr>
+              <a:t>Tenha</a:t>
+            </a:r>
+            <a:r>
+              <a:rPr lang="en-US" dirty="0">
+                <a:latin typeface="Nunito" pitchFamily="2" charset="77"/>
+              </a:rPr>
+              <a:t> um board com post-its </a:t>
+            </a:r>
+            <a:endParaRPr lang="pt-BR" dirty="0">
+              <a:latin typeface="Montserrat Light" panose="00000400000000000000" pitchFamily="2" charset="0"/>
+            </a:endParaRPr>
+          </a:p>
+          <a:p>
+            <a:endParaRPr lang="pt-BR" dirty="0">
+              <a:latin typeface="Montserrat Light" panose="00000400000000000000" pitchFamily="2" charset="0"/>
+            </a:endParaRPr>
+          </a:p>
+        </p:txBody>
+      </p:sp>
+      <p:pic>
+        <p:nvPicPr>
+          <p:cNvPr id="12" name="Graphic 11">
+            <a:extLst>
+              <a:ext uri="{FF2B5EF4-FFF2-40B4-BE49-F238E27FC236}">
+                <a16:creationId xmlns:a16="http://schemas.microsoft.com/office/drawing/2014/main" id="{08C5FB60-1BF5-BE4F-8104-A54858793712}"/>
+              </a:ext>
+            </a:extLst>
+          </p:cNvPr>
+          <p:cNvPicPr>
+            <a:picLocks noChangeAspect="1"/>
+          </p:cNvPicPr>
+          <p:nvPr/>
+        </p:nvPicPr>
+        <p:blipFill>
+          <a:blip r:embed="rId5">
+            <a:extLst>
+              <a:ext uri="{28A0092B-C50C-407E-A947-70E740481C1C}">
+                <a14:useLocalDpi xmlns:a14="http://schemas.microsoft.com/office/drawing/2010/main" val="0"/>
+              </a:ext>
+              <a:ext uri="{96DAC541-7B7A-43D3-8B79-37D633B846F1}">
+                <asvg:svgBlip xmlns:asvg="http://schemas.microsoft.com/office/drawing/2016/SVG/main" r:embed="rId6"/>
+              </a:ext>
+            </a:extLst>
+          </a:blip>
+          <a:stretch>
+            <a:fillRect/>
+          </a:stretch>
+        </p:blipFill>
+        <p:spPr>
+          <a:xfrm>
+            <a:off x="7236405" y="2630609"/>
+            <a:ext cx="4053004" cy="3615580"/>
+          </a:xfrm>
+          <a:prstGeom prst="rect">
+            <a:avLst/>
+          </a:prstGeom>
+        </p:spPr>
+      </p:pic>
+    </p:spTree>
+    <p:extLst>
+      <p:ext uri="{BB962C8B-B14F-4D97-AF65-F5344CB8AC3E}">
+        <p14:creationId xmlns:p14="http://schemas.microsoft.com/office/powerpoint/2010/main" val="3830786421"/>
+      </p:ext>
+    </p:extLst>
+  </p:cSld>
+  <p:clrMapOvr>
+    <a:masterClrMapping/>
+  </p:clrMapOvr>
+  <mc:AlternateContent xmlns:mc="http://schemas.openxmlformats.org/markup-compatibility/2006" xmlns:p159="http://schemas.microsoft.com/office/powerpoint/2015/09/main">
+    <mc:Choice Requires="p159">
+      <p:transition xmlns:p14="http://schemas.microsoft.com/office/powerpoint/2010/main" spd="slow" p14:dur="2000">
+        <p159:morph option="byObject"/>
+      </p:transition>
+    </mc:Choice>
+    <mc:Fallback xmlns="">
+      <p:transition spd="slow">
+        <p:fade/>
+      </p:transition>
+    </mc:Fallback>
+  </mc:AlternateContent>
+  <p:timing>
+    <p:tnLst>
+      <p:par>
+        <p:cTn id="1" dur="indefinite" restart="never" nodeType="tmRoot">
+          <p:childTnLst>
+            <p:seq concurrent="1" nextAc="seek">
+              <p:cTn id="2" dur="indefinite" nodeType="mainSeq">
+                <p:childTnLst>
+                  <p:par>
+                    <p:cTn id="3" fill="hold">
+                      <p:stCondLst>
+                        <p:cond delay="indefinite"/>
+                      </p:stCondLst>
+                      <p:childTnLst>
+                        <p:par>
+                          <p:cTn id="4" fill="hold">
+                            <p:stCondLst>
+                              <p:cond delay="0"/>
+                            </p:stCondLst>
+                            <p:childTnLst>
+                              <p:par>
+                                <p:cTn id="5" presetID="1" presetClass="entr" presetSubtype="0" fill="hold" grpId="0" nodeType="clickEffect">
+                                  <p:stCondLst>
+                                    <p:cond delay="0"/>
+                                  </p:stCondLst>
+                                  <p:childTnLst>
+                                    <p:set>
+                                      <p:cBhvr>
+                                        <p:cTn id="6" dur="1" fill="hold">
+                                          <p:stCondLst>
+                                            <p:cond delay="0"/>
+                                          </p:stCondLst>
+                                        </p:cTn>
+                                        <p:tgtEl>
+                                          <p:spTgt spid="8"/>
+                                        </p:tgtEl>
+                                        <p:attrNameLst>
+                                          <p:attrName>style.visibility</p:attrName>
+                                        </p:attrNameLst>
+                                      </p:cBhvr>
+                                      <p:to>
+                                        <p:strVal val="visible"/>
+                                      </p:to>
+                                    </p:set>
+                                  </p:childTnLst>
+                                </p:cTn>
+                              </p:par>
+                            </p:childTnLst>
+                          </p:cTn>
+                        </p:par>
+                      </p:childTnLst>
+                    </p:cTn>
+                  </p:par>
+                  <p:par>
+                    <p:cTn id="7" fill="hold">
+                      <p:stCondLst>
+                        <p:cond delay="indefinite"/>
+                      </p:stCondLst>
+                      <p:childTnLst>
+                        <p:par>
+                          <p:cTn id="8" fill="hold">
+                            <p:stCondLst>
+                              <p:cond delay="0"/>
+                            </p:stCondLst>
+                            <p:childTnLst>
+                              <p:par>
+                                <p:cTn id="9" presetID="1" presetClass="entr" presetSubtype="0" fill="hold" nodeType="clickEffect">
+                                  <p:stCondLst>
+                                    <p:cond delay="0"/>
+                                  </p:stCondLst>
+                                  <p:childTnLst>
+                                    <p:set>
+                                      <p:cBhvr>
+                                        <p:cTn id="10" dur="1" fill="hold">
+                                          <p:stCondLst>
+                                            <p:cond delay="0"/>
+                                          </p:stCondLst>
+                                        </p:cTn>
+                                        <p:tgtEl>
+                                          <p:spTgt spid="12"/>
+                                        </p:tgtEl>
+                                        <p:attrNameLst>
+                                          <p:attrName>style.visibility</p:attrName>
+                                        </p:attrNameLst>
+                                      </p:cBhvr>
+                                      <p:to>
+                                        <p:strVal val="visible"/>
+                                      </p:to>
+                                    </p:set>
+                                  </p:childTnLst>
+                                </p:cTn>
+                              </p:par>
+                            </p:childTnLst>
+                          </p:cTn>
+                        </p:par>
+                      </p:childTnLst>
+                    </p:cTn>
+                  </p:par>
+                </p:childTnLst>
+              </p:cTn>
+              <p:prevCondLst>
+                <p:cond evt="onPrev" delay="0">
+                  <p:tgtEl>
+                    <p:sldTgt/>
+                  </p:tgtEl>
+                </p:cond>
+              </p:prevCondLst>
+              <p:nextCondLst>
+                <p:cond evt="onNext" delay="0">
+                  <p:tgtEl>
+                    <p:sldTgt/>
+                  </p:tgtEl>
+                </p:cond>
+              </p:nextCondLst>
+            </p:seq>
+          </p:childTnLst>
+        </p:cTn>
+      </p:par>
+    </p:tnLst>
+    <p:bldLst>
+      <p:bldP spid="8" grpId="0"/>
+    </p:bldLst>
+  </p:timing>
+</p:sld>
+</file>
+
+<file path=ppt/slides/slide23.xml><?xml version="1.0" encoding="utf-8"?>
+<p:sld xmlns:a="http://schemas.openxmlformats.org/drawingml/2006/main" xmlns:r="http://schemas.openxmlformats.org/officeDocument/2006/relationships" xmlns:p="http://schemas.openxmlformats.org/presentationml/2006/main">
+  <p:cSld>
+    <p:spTree>
+      <p:nvGrpSpPr>
+        <p:cNvPr id="1" name=""/>
+        <p:cNvGrpSpPr/>
+        <p:nvPr/>
+      </p:nvGrpSpPr>
+      <p:grpSpPr>
+        <a:xfrm>
+          <a:off x="0" y="0"/>
+          <a:ext cx="0" cy="0"/>
+          <a:chOff x="0" y="0"/>
+          <a:chExt cx="0" cy="0"/>
+        </a:xfrm>
+      </p:grpSpPr>
+      <p:pic>
+        <p:nvPicPr>
+          <p:cNvPr id="7" name="Imagem 6">
+            <a:extLst>
+              <a:ext uri="{FF2B5EF4-FFF2-40B4-BE49-F238E27FC236}">
+                <a16:creationId xmlns:a16="http://schemas.microsoft.com/office/drawing/2014/main" id="{15EF5E79-A320-604B-B8D0-BB7CC7F3BD24}"/>
+              </a:ext>
+            </a:extLst>
+          </p:cNvPr>
+          <p:cNvPicPr>
+            <a:picLocks noChangeAspect="1"/>
+          </p:cNvPicPr>
+          <p:nvPr/>
+        </p:nvPicPr>
+        <p:blipFill>
+          <a:blip r:embed="rId2">
+            <a:extLst>
+              <a:ext uri="{28A0092B-C50C-407E-A947-70E740481C1C}">
+                <a14:useLocalDpi xmlns:a14="http://schemas.microsoft.com/office/drawing/2010/main" val="0"/>
+              </a:ext>
+            </a:extLst>
+          </a:blip>
+          <a:stretch>
+            <a:fillRect/>
+          </a:stretch>
+        </p:blipFill>
+        <p:spPr>
+          <a:xfrm>
+            <a:off x="-1" y="-1590"/>
+            <a:ext cx="12192001" cy="2021978"/>
+          </a:xfrm>
+          <a:prstGeom prst="rect">
+            <a:avLst/>
+          </a:prstGeom>
+        </p:spPr>
+      </p:pic>
+      <p:sp>
+        <p:nvSpPr>
+          <p:cNvPr id="13" name="Título 1">
+            <a:extLst>
+              <a:ext uri="{FF2B5EF4-FFF2-40B4-BE49-F238E27FC236}">
+                <a16:creationId xmlns:a16="http://schemas.microsoft.com/office/drawing/2014/main" id="{94E1A0D2-D048-46FE-90D3-722FBF740CC7}"/>
+              </a:ext>
+            </a:extLst>
+          </p:cNvPr>
+          <p:cNvSpPr>
+            <a:spLocks noGrp="1"/>
+          </p:cNvSpPr>
+          <p:nvPr>
+            <p:ph type="title"/>
+          </p:nvPr>
+        </p:nvSpPr>
+        <p:spPr>
+          <a:xfrm>
+            <a:off x="2159726" y="0"/>
+            <a:ext cx="9292046" cy="2021978"/>
+          </a:xfrm>
+        </p:spPr>
+        <p:txBody>
+          <a:bodyPr>
+            <a:normAutofit/>
+          </a:bodyPr>
+          <a:lstStyle/>
+          <a:p>
+            <a:r>
+              <a:rPr lang="pt-BR" dirty="0">
+                <a:solidFill>
+                  <a:schemeClr val="bg1"/>
+                </a:solidFill>
+                <a:latin typeface="Nunito" pitchFamily="2" charset="77"/>
+              </a:rPr>
+              <a:t>Como funciona?</a:t>
+            </a:r>
+          </a:p>
+        </p:txBody>
+      </p:sp>
+      <p:pic>
+        <p:nvPicPr>
+          <p:cNvPr id="14" name="Gráfico 13">
+            <a:extLst>
+              <a:ext uri="{FF2B5EF4-FFF2-40B4-BE49-F238E27FC236}">
+                <a16:creationId xmlns:a16="http://schemas.microsoft.com/office/drawing/2014/main" id="{2B5477E9-00BA-4494-BA1B-5466AC45994D}"/>
+              </a:ext>
+            </a:extLst>
+          </p:cNvPr>
+          <p:cNvPicPr>
+            <a:picLocks noChangeAspect="1"/>
+          </p:cNvPicPr>
+          <p:nvPr/>
+        </p:nvPicPr>
+        <p:blipFill>
+          <a:blip r:embed="rId3">
+            <a:extLst>
+              <a:ext uri="{96DAC541-7B7A-43D3-8B79-37D633B846F1}">
+                <asvg:svgBlip xmlns:asvg="http://schemas.microsoft.com/office/drawing/2016/SVG/main" r:embed="rId4"/>
+              </a:ext>
+            </a:extLst>
+          </a:blip>
+          <a:stretch>
+            <a:fillRect/>
+          </a:stretch>
+        </p:blipFill>
+        <p:spPr>
+          <a:xfrm>
+            <a:off x="1097280" y="636835"/>
+            <a:ext cx="610307" cy="705667"/>
+          </a:xfrm>
+          <a:prstGeom prst="rect">
+            <a:avLst/>
+          </a:prstGeom>
+        </p:spPr>
+      </p:pic>
+      <p:sp>
+        <p:nvSpPr>
+          <p:cNvPr id="8" name="CaixaDeTexto 7">
+            <a:extLst>
+              <a:ext uri="{FF2B5EF4-FFF2-40B4-BE49-F238E27FC236}">
+                <a16:creationId xmlns:a16="http://schemas.microsoft.com/office/drawing/2014/main" id="{29557DB5-A419-464F-8DE1-FE557705DF73}"/>
+              </a:ext>
+            </a:extLst>
+          </p:cNvPr>
+          <p:cNvSpPr txBox="1"/>
+          <p:nvPr/>
+        </p:nvSpPr>
+        <p:spPr>
+          <a:xfrm>
+            <a:off x="1097280" y="2719343"/>
+            <a:ext cx="6400800" cy="3416320"/>
+          </a:xfrm>
+          <a:prstGeom prst="rect">
+            <a:avLst/>
+          </a:prstGeom>
+          <a:noFill/>
+        </p:spPr>
+        <p:txBody>
+          <a:bodyPr wrap="square" rtlCol="0">
+            <a:spAutoFit/>
+          </a:bodyPr>
+          <a:lstStyle/>
+          <a:p>
+            <a:r>
+              <a:rPr lang="pt-BR" b="1" dirty="0">
+                <a:latin typeface="Nunito" pitchFamily="2" charset="77"/>
+              </a:rPr>
+              <a:t>Domain </a:t>
+            </a:r>
+            <a:r>
+              <a:rPr lang="pt-BR" b="1" dirty="0" err="1">
+                <a:latin typeface="Nunito" pitchFamily="2" charset="77"/>
+              </a:rPr>
+              <a:t>Event</a:t>
+            </a:r>
+            <a:endParaRPr lang="pt-BR" b="1" dirty="0">
+              <a:latin typeface="Nunito" pitchFamily="2" charset="77"/>
+            </a:endParaRPr>
+          </a:p>
+          <a:p>
+            <a:pPr marL="285750" indent="-285750">
+              <a:buFontTx/>
+              <a:buChar char="-"/>
+            </a:pPr>
+            <a:r>
+              <a:rPr lang="en-US" dirty="0">
+                <a:latin typeface="Nunito" pitchFamily="2" charset="77"/>
+              </a:rPr>
+              <a:t>Algo que </a:t>
+            </a:r>
+            <a:r>
+              <a:rPr lang="en-US" dirty="0" err="1">
+                <a:latin typeface="Nunito" pitchFamily="2" charset="77"/>
+              </a:rPr>
+              <a:t>acontece</a:t>
+            </a:r>
+            <a:r>
+              <a:rPr lang="en-US" dirty="0">
+                <a:latin typeface="Nunito" pitchFamily="2" charset="77"/>
+              </a:rPr>
+              <a:t> no </a:t>
+            </a:r>
+            <a:r>
+              <a:rPr lang="en-US" dirty="0" err="1">
+                <a:latin typeface="Nunito" pitchFamily="2" charset="77"/>
+              </a:rPr>
+              <a:t>sistema</a:t>
+            </a:r>
+            <a:r>
+              <a:rPr lang="en-US" dirty="0">
+                <a:latin typeface="Nunito" pitchFamily="2" charset="77"/>
+              </a:rPr>
+              <a:t> e </a:t>
+            </a:r>
+            <a:r>
+              <a:rPr lang="en-US" dirty="0" err="1">
+                <a:latin typeface="Nunito" pitchFamily="2" charset="77"/>
+              </a:rPr>
+              <a:t>é</a:t>
+            </a:r>
+            <a:r>
+              <a:rPr lang="en-US" dirty="0">
+                <a:latin typeface="Nunito" pitchFamily="2" charset="77"/>
+              </a:rPr>
+              <a:t> </a:t>
+            </a:r>
+            <a:r>
+              <a:rPr lang="en-US" dirty="0" err="1">
+                <a:latin typeface="Nunito" pitchFamily="2" charset="77"/>
+              </a:rPr>
+              <a:t>relevante</a:t>
+            </a:r>
+            <a:r>
+              <a:rPr lang="en-US" dirty="0">
+                <a:latin typeface="Nunito" pitchFamily="2" charset="77"/>
+              </a:rPr>
+              <a:t> para o </a:t>
+            </a:r>
+            <a:r>
+              <a:rPr lang="en-US" dirty="0" err="1">
+                <a:latin typeface="Nunito" pitchFamily="2" charset="77"/>
+              </a:rPr>
+              <a:t>negócio</a:t>
+            </a:r>
+            <a:endParaRPr lang="en-US" dirty="0">
+              <a:latin typeface="Nunito" pitchFamily="2" charset="77"/>
+            </a:endParaRPr>
+          </a:p>
+          <a:p>
+            <a:pPr marL="285750" indent="-285750">
+              <a:buFontTx/>
+              <a:buChar char="-"/>
+            </a:pPr>
+            <a:r>
+              <a:rPr lang="en-US" dirty="0" err="1">
+                <a:latin typeface="Nunito" pitchFamily="2" charset="77"/>
+              </a:rPr>
+              <a:t>Provoca</a:t>
+            </a:r>
+            <a:r>
+              <a:rPr lang="en-US" dirty="0">
+                <a:latin typeface="Nunito" pitchFamily="2" charset="77"/>
+              </a:rPr>
+              <a:t> </a:t>
+            </a:r>
+            <a:r>
+              <a:rPr lang="en-US" dirty="0" err="1">
+                <a:latin typeface="Nunito" pitchFamily="2" charset="77"/>
+              </a:rPr>
+              <a:t>reações</a:t>
+            </a:r>
+            <a:endParaRPr lang="en-US" dirty="0">
+              <a:latin typeface="Nunito" pitchFamily="2" charset="77"/>
+            </a:endParaRPr>
+          </a:p>
+          <a:p>
+            <a:pPr marL="285750" indent="-285750">
+              <a:buFontTx/>
+              <a:buChar char="-"/>
+            </a:pPr>
+            <a:r>
+              <a:rPr lang="en-US" dirty="0">
+                <a:latin typeface="Nunito" pitchFamily="2" charset="77"/>
+              </a:rPr>
+              <a:t>Outros </a:t>
+            </a:r>
+            <a:r>
+              <a:rPr lang="en-US" dirty="0" err="1">
+                <a:latin typeface="Nunito" pitchFamily="2" charset="77"/>
+              </a:rPr>
+              <a:t>eventos</a:t>
+            </a:r>
+            <a:r>
+              <a:rPr lang="en-US" dirty="0">
+                <a:latin typeface="Nunito" pitchFamily="2" charset="77"/>
+              </a:rPr>
+              <a:t> </a:t>
+            </a:r>
+            <a:r>
+              <a:rPr lang="en-US" dirty="0" err="1">
+                <a:latin typeface="Nunito" pitchFamily="2" charset="77"/>
+              </a:rPr>
+              <a:t>respondem</a:t>
+            </a:r>
+            <a:r>
+              <a:rPr lang="en-US" dirty="0">
+                <a:latin typeface="Nunito" pitchFamily="2" charset="77"/>
+              </a:rPr>
+              <a:t> a </a:t>
+            </a:r>
+            <a:r>
+              <a:rPr lang="en-US" dirty="0" err="1">
+                <a:latin typeface="Nunito" pitchFamily="2" charset="77"/>
+              </a:rPr>
+              <a:t>eles</a:t>
+            </a:r>
+            <a:endParaRPr lang="en-US" dirty="0">
+              <a:latin typeface="Nunito" pitchFamily="2" charset="77"/>
+            </a:endParaRPr>
+          </a:p>
+          <a:p>
+            <a:pPr marL="285750" indent="-285750">
+              <a:buFontTx/>
+              <a:buChar char="-"/>
+            </a:pPr>
+            <a:endParaRPr lang="en-US" dirty="0">
+              <a:latin typeface="Nunito" pitchFamily="2" charset="77"/>
+            </a:endParaRPr>
+          </a:p>
+          <a:p>
+            <a:r>
+              <a:rPr lang="pt-BR" b="1" dirty="0">
+                <a:latin typeface="Nunito" pitchFamily="2" charset="77"/>
+              </a:rPr>
+              <a:t>Policies</a:t>
+            </a:r>
+          </a:p>
+          <a:p>
+            <a:pPr marL="285750" indent="-285750">
+              <a:buFontTx/>
+              <a:buChar char="-"/>
+            </a:pPr>
+            <a:r>
+              <a:rPr lang="en-US" dirty="0" err="1">
+                <a:latin typeface="Nunito" pitchFamily="2" charset="77"/>
+              </a:rPr>
+              <a:t>Ocorre</a:t>
+            </a:r>
+            <a:r>
+              <a:rPr lang="en-US" dirty="0">
+                <a:latin typeface="Nunito" pitchFamily="2" charset="77"/>
+              </a:rPr>
+              <a:t> </a:t>
+            </a:r>
+            <a:r>
+              <a:rPr lang="en-US" dirty="0" err="1">
+                <a:latin typeface="Nunito" pitchFamily="2" charset="77"/>
+              </a:rPr>
+              <a:t>após</a:t>
+            </a:r>
+            <a:r>
+              <a:rPr lang="en-US" dirty="0">
+                <a:latin typeface="Nunito" pitchFamily="2" charset="77"/>
+              </a:rPr>
+              <a:t> um </a:t>
+            </a:r>
+            <a:r>
+              <a:rPr lang="en-US" dirty="0" err="1">
+                <a:latin typeface="Nunito" pitchFamily="2" charset="77"/>
+              </a:rPr>
+              <a:t>evento</a:t>
+            </a:r>
+            <a:r>
+              <a:rPr lang="en-US" dirty="0">
+                <a:latin typeface="Nunito" pitchFamily="2" charset="77"/>
+              </a:rPr>
+              <a:t> ser </a:t>
+            </a:r>
+            <a:r>
+              <a:rPr lang="en-US" dirty="0" err="1">
+                <a:latin typeface="Nunito" pitchFamily="2" charset="77"/>
+              </a:rPr>
+              <a:t>disparado</a:t>
+            </a:r>
+            <a:endParaRPr lang="en-US" dirty="0">
+              <a:latin typeface="Nunito" pitchFamily="2" charset="77"/>
+            </a:endParaRPr>
+          </a:p>
+          <a:p>
+            <a:pPr marL="285750" indent="-285750">
+              <a:buFontTx/>
+              <a:buChar char="-"/>
+            </a:pPr>
+            <a:r>
+              <a:rPr lang="en-US" dirty="0">
+                <a:latin typeface="Nunito" pitchFamily="2" charset="77"/>
+              </a:rPr>
+              <a:t>“Sempre que”</a:t>
+            </a:r>
+          </a:p>
+          <a:p>
+            <a:pPr marL="742950" lvl="1" indent="-285750">
+              <a:buFontTx/>
+              <a:buChar char="-"/>
+            </a:pPr>
+            <a:r>
+              <a:rPr lang="en-US" dirty="0">
+                <a:latin typeface="Nunito" pitchFamily="2" charset="77"/>
+              </a:rPr>
+              <a:t>Sempre que </a:t>
+            </a:r>
+            <a:r>
+              <a:rPr lang="en-US" dirty="0" err="1">
+                <a:latin typeface="Nunito" pitchFamily="2" charset="77"/>
+              </a:rPr>
+              <a:t>uma</a:t>
+            </a:r>
+            <a:r>
+              <a:rPr lang="en-US" dirty="0">
+                <a:latin typeface="Nunito" pitchFamily="2" charset="77"/>
+              </a:rPr>
+              <a:t> </a:t>
+            </a:r>
+            <a:r>
+              <a:rPr lang="en-US" dirty="0" err="1">
+                <a:latin typeface="Nunito" pitchFamily="2" charset="77"/>
+              </a:rPr>
+              <a:t>conta</a:t>
+            </a:r>
+            <a:r>
+              <a:rPr lang="en-US" dirty="0">
+                <a:latin typeface="Nunito" pitchFamily="2" charset="77"/>
+              </a:rPr>
+              <a:t> for </a:t>
+            </a:r>
+            <a:r>
+              <a:rPr lang="en-US" dirty="0" err="1">
+                <a:latin typeface="Nunito" pitchFamily="2" charset="77"/>
+              </a:rPr>
+              <a:t>criada</a:t>
+            </a:r>
+            <a:r>
+              <a:rPr lang="en-US" dirty="0">
+                <a:latin typeface="Nunito" pitchFamily="2" charset="77"/>
+              </a:rPr>
+              <a:t>, </a:t>
+            </a:r>
+            <a:r>
+              <a:rPr lang="en-US" dirty="0" err="1">
+                <a:latin typeface="Nunito" pitchFamily="2" charset="77"/>
+              </a:rPr>
+              <a:t>nós</a:t>
+            </a:r>
+            <a:r>
+              <a:rPr lang="en-US" dirty="0">
+                <a:latin typeface="Nunito" pitchFamily="2" charset="77"/>
+              </a:rPr>
+              <a:t> </a:t>
+            </a:r>
+            <a:r>
+              <a:rPr lang="en-US" dirty="0" err="1">
+                <a:latin typeface="Nunito" pitchFamily="2" charset="77"/>
+              </a:rPr>
+              <a:t>enviamos</a:t>
+            </a:r>
+            <a:r>
+              <a:rPr lang="en-US" dirty="0">
+                <a:latin typeface="Nunito" pitchFamily="2" charset="77"/>
+              </a:rPr>
+              <a:t> um E-mail</a:t>
+            </a:r>
+            <a:endParaRPr lang="pt-BR" dirty="0">
+              <a:latin typeface="Montserrat Light" panose="00000400000000000000" pitchFamily="2" charset="0"/>
+            </a:endParaRPr>
+          </a:p>
+          <a:p>
+            <a:endParaRPr lang="pt-BR" dirty="0">
+              <a:latin typeface="Montserrat Light" panose="00000400000000000000" pitchFamily="2" charset="0"/>
+            </a:endParaRPr>
+          </a:p>
+        </p:txBody>
+      </p:sp>
+      <p:pic>
+        <p:nvPicPr>
+          <p:cNvPr id="12" name="Graphic 11">
+            <a:extLst>
+              <a:ext uri="{FF2B5EF4-FFF2-40B4-BE49-F238E27FC236}">
+                <a16:creationId xmlns:a16="http://schemas.microsoft.com/office/drawing/2014/main" id="{08C5FB60-1BF5-BE4F-8104-A54858793712}"/>
+              </a:ext>
+            </a:extLst>
+          </p:cNvPr>
+          <p:cNvPicPr>
+            <a:picLocks noChangeAspect="1"/>
+          </p:cNvPicPr>
+          <p:nvPr/>
+        </p:nvPicPr>
+        <p:blipFill>
+          <a:blip r:embed="rId5">
+            <a:extLst>
+              <a:ext uri="{28A0092B-C50C-407E-A947-70E740481C1C}">
+                <a14:useLocalDpi xmlns:a14="http://schemas.microsoft.com/office/drawing/2010/main" val="0"/>
+              </a:ext>
+              <a:ext uri="{96DAC541-7B7A-43D3-8B79-37D633B846F1}">
+                <asvg:svgBlip xmlns:asvg="http://schemas.microsoft.com/office/drawing/2016/SVG/main" r:embed="rId6"/>
+              </a:ext>
+            </a:extLst>
+          </a:blip>
+          <a:stretch>
+            <a:fillRect/>
+          </a:stretch>
+        </p:blipFill>
+        <p:spPr>
+          <a:xfrm>
+            <a:off x="7236405" y="2630609"/>
+            <a:ext cx="4053004" cy="3615580"/>
+          </a:xfrm>
+          <a:prstGeom prst="rect">
+            <a:avLst/>
+          </a:prstGeom>
+        </p:spPr>
+      </p:pic>
+    </p:spTree>
+    <p:extLst>
+      <p:ext uri="{BB962C8B-B14F-4D97-AF65-F5344CB8AC3E}">
+        <p14:creationId xmlns:p14="http://schemas.microsoft.com/office/powerpoint/2010/main" val="3055645800"/>
+      </p:ext>
+    </p:extLst>
+  </p:cSld>
+  <p:clrMapOvr>
+    <a:masterClrMapping/>
+  </p:clrMapOvr>
+  <mc:AlternateContent xmlns:mc="http://schemas.openxmlformats.org/markup-compatibility/2006" xmlns:p159="http://schemas.microsoft.com/office/powerpoint/2015/09/main">
+    <mc:Choice Requires="p159">
+      <p:transition xmlns:p14="http://schemas.microsoft.com/office/powerpoint/2010/main" spd="slow" p14:dur="2000">
+        <p159:morph option="byObject"/>
+      </p:transition>
+    </mc:Choice>
+    <mc:Fallback xmlns="">
+      <p:transition spd="slow">
+        <p:fade/>
+      </p:transition>
+    </mc:Fallback>
+  </mc:AlternateContent>
+  <p:timing>
+    <p:tnLst>
+      <p:par>
+        <p:cTn id="1" dur="indefinite" restart="never" nodeType="tmRoot">
+          <p:childTnLst>
+            <p:seq concurrent="1" nextAc="seek">
+              <p:cTn id="2" dur="indefinite" nodeType="mainSeq">
+                <p:childTnLst>
+                  <p:par>
+                    <p:cTn id="3" fill="hold">
+                      <p:stCondLst>
+                        <p:cond delay="indefinite"/>
+                      </p:stCondLst>
+                      <p:childTnLst>
+                        <p:par>
+                          <p:cTn id="4" fill="hold">
+                            <p:stCondLst>
+                              <p:cond delay="0"/>
+                            </p:stCondLst>
+                            <p:childTnLst>
+                              <p:par>
+                                <p:cTn id="5" presetID="1" presetClass="entr" presetSubtype="0" fill="hold" grpId="0" nodeType="clickEffect">
+                                  <p:stCondLst>
+                                    <p:cond delay="0"/>
+                                  </p:stCondLst>
+                                  <p:childTnLst>
+                                    <p:set>
+                                      <p:cBhvr>
+                                        <p:cTn id="6" dur="1" fill="hold">
+                                          <p:stCondLst>
+                                            <p:cond delay="0"/>
+                                          </p:stCondLst>
+                                        </p:cTn>
+                                        <p:tgtEl>
+                                          <p:spTgt spid="8"/>
+                                        </p:tgtEl>
+                                        <p:attrNameLst>
+                                          <p:attrName>style.visibility</p:attrName>
+                                        </p:attrNameLst>
+                                      </p:cBhvr>
+                                      <p:to>
+                                        <p:strVal val="visible"/>
+                                      </p:to>
+                                    </p:set>
+                                  </p:childTnLst>
+                                </p:cTn>
+                              </p:par>
+                            </p:childTnLst>
+                          </p:cTn>
+                        </p:par>
+                      </p:childTnLst>
+                    </p:cTn>
+                  </p:par>
+                  <p:par>
+                    <p:cTn id="7" fill="hold">
+                      <p:stCondLst>
+                        <p:cond delay="indefinite"/>
+                      </p:stCondLst>
+                      <p:childTnLst>
+                        <p:par>
+                          <p:cTn id="8" fill="hold">
+                            <p:stCondLst>
+                              <p:cond delay="0"/>
+                            </p:stCondLst>
+                            <p:childTnLst>
+                              <p:par>
+                                <p:cTn id="9" presetID="1" presetClass="entr" presetSubtype="0" fill="hold" nodeType="clickEffect">
+                                  <p:stCondLst>
+                                    <p:cond delay="0"/>
+                                  </p:stCondLst>
+                                  <p:childTnLst>
+                                    <p:set>
+                                      <p:cBhvr>
+                                        <p:cTn id="10" dur="1" fill="hold">
+                                          <p:stCondLst>
+                                            <p:cond delay="0"/>
+                                          </p:stCondLst>
+                                        </p:cTn>
+                                        <p:tgtEl>
+                                          <p:spTgt spid="12"/>
+                                        </p:tgtEl>
+                                        <p:attrNameLst>
+                                          <p:attrName>style.visibility</p:attrName>
+                                        </p:attrNameLst>
+                                      </p:cBhvr>
+                                      <p:to>
+                                        <p:strVal val="visible"/>
+                                      </p:to>
+                                    </p:set>
+                                  </p:childTnLst>
+                                </p:cTn>
+                              </p:par>
+                            </p:childTnLst>
+                          </p:cTn>
+                        </p:par>
+                      </p:childTnLst>
+                    </p:cTn>
+                  </p:par>
+                </p:childTnLst>
+              </p:cTn>
+              <p:prevCondLst>
+                <p:cond evt="onPrev" delay="0">
+                  <p:tgtEl>
+                    <p:sldTgt/>
+                  </p:tgtEl>
+                </p:cond>
+              </p:prevCondLst>
+              <p:nextCondLst>
+                <p:cond evt="onNext" delay="0">
+                  <p:tgtEl>
+                    <p:sldTgt/>
+                  </p:tgtEl>
+                </p:cond>
+              </p:nextCondLst>
+            </p:seq>
+          </p:childTnLst>
+        </p:cTn>
+      </p:par>
+    </p:tnLst>
+    <p:bldLst>
+      <p:bldP spid="8" grpId="0"/>
+    </p:bldLst>
+  </p:timing>
+</p:sld>
+</file>
+
+<file path=ppt/slides/slide24.xml><?xml version="1.0" encoding="utf-8"?>
+<p:sld xmlns:a="http://schemas.openxmlformats.org/drawingml/2006/main" xmlns:r="http://schemas.openxmlformats.org/officeDocument/2006/relationships" xmlns:p="http://schemas.openxmlformats.org/presentationml/2006/main">
+  <p:cSld>
+    <p:spTree>
+      <p:nvGrpSpPr>
+        <p:cNvPr id="1" name=""/>
+        <p:cNvGrpSpPr/>
+        <p:nvPr/>
+      </p:nvGrpSpPr>
+      <p:grpSpPr>
+        <a:xfrm>
+          <a:off x="0" y="0"/>
+          <a:ext cx="0" cy="0"/>
+          <a:chOff x="0" y="0"/>
+          <a:chExt cx="0" cy="0"/>
+        </a:xfrm>
+      </p:grpSpPr>
+      <p:pic>
+        <p:nvPicPr>
+          <p:cNvPr id="7" name="Imagem 6">
+            <a:extLst>
+              <a:ext uri="{FF2B5EF4-FFF2-40B4-BE49-F238E27FC236}">
+                <a16:creationId xmlns:a16="http://schemas.microsoft.com/office/drawing/2014/main" id="{15EF5E79-A320-604B-B8D0-BB7CC7F3BD24}"/>
+              </a:ext>
+            </a:extLst>
+          </p:cNvPr>
+          <p:cNvPicPr>
+            <a:picLocks noChangeAspect="1"/>
+          </p:cNvPicPr>
+          <p:nvPr/>
+        </p:nvPicPr>
+        <p:blipFill>
+          <a:blip r:embed="rId2">
+            <a:extLst>
+              <a:ext uri="{28A0092B-C50C-407E-A947-70E740481C1C}">
+                <a14:useLocalDpi xmlns:a14="http://schemas.microsoft.com/office/drawing/2010/main" val="0"/>
+              </a:ext>
+            </a:extLst>
+          </a:blip>
+          <a:stretch>
+            <a:fillRect/>
+          </a:stretch>
+        </p:blipFill>
+        <p:spPr>
+          <a:xfrm>
+            <a:off x="-1" y="-1590"/>
+            <a:ext cx="12192001" cy="2021978"/>
+          </a:xfrm>
+          <a:prstGeom prst="rect">
+            <a:avLst/>
+          </a:prstGeom>
+        </p:spPr>
+      </p:pic>
+      <p:sp>
+        <p:nvSpPr>
+          <p:cNvPr id="13" name="Título 1">
+            <a:extLst>
+              <a:ext uri="{FF2B5EF4-FFF2-40B4-BE49-F238E27FC236}">
+                <a16:creationId xmlns:a16="http://schemas.microsoft.com/office/drawing/2014/main" id="{94E1A0D2-D048-46FE-90D3-722FBF740CC7}"/>
+              </a:ext>
+            </a:extLst>
+          </p:cNvPr>
+          <p:cNvSpPr>
+            <a:spLocks noGrp="1"/>
+          </p:cNvSpPr>
+          <p:nvPr>
+            <p:ph type="title"/>
+          </p:nvPr>
+        </p:nvSpPr>
+        <p:spPr>
+          <a:xfrm>
+            <a:off x="2159726" y="0"/>
+            <a:ext cx="9292046" cy="2021978"/>
+          </a:xfrm>
+        </p:spPr>
+        <p:txBody>
+          <a:bodyPr>
+            <a:normAutofit/>
+          </a:bodyPr>
+          <a:lstStyle/>
+          <a:p>
+            <a:r>
+              <a:rPr lang="pt-BR" dirty="0">
+                <a:solidFill>
+                  <a:schemeClr val="bg1"/>
+                </a:solidFill>
+                <a:latin typeface="Nunito" pitchFamily="2" charset="77"/>
+              </a:rPr>
+              <a:t>Como funciona?</a:t>
+            </a:r>
+          </a:p>
+        </p:txBody>
+      </p:sp>
+      <p:pic>
+        <p:nvPicPr>
+          <p:cNvPr id="14" name="Gráfico 13">
+            <a:extLst>
+              <a:ext uri="{FF2B5EF4-FFF2-40B4-BE49-F238E27FC236}">
+                <a16:creationId xmlns:a16="http://schemas.microsoft.com/office/drawing/2014/main" id="{2B5477E9-00BA-4494-BA1B-5466AC45994D}"/>
+              </a:ext>
+            </a:extLst>
+          </p:cNvPr>
+          <p:cNvPicPr>
+            <a:picLocks noChangeAspect="1"/>
+          </p:cNvPicPr>
+          <p:nvPr/>
+        </p:nvPicPr>
+        <p:blipFill>
+          <a:blip r:embed="rId3">
+            <a:extLst>
+              <a:ext uri="{96DAC541-7B7A-43D3-8B79-37D633B846F1}">
+                <asvg:svgBlip xmlns:asvg="http://schemas.microsoft.com/office/drawing/2016/SVG/main" r:embed="rId4"/>
+              </a:ext>
+            </a:extLst>
+          </a:blip>
+          <a:stretch>
+            <a:fillRect/>
+          </a:stretch>
+        </p:blipFill>
+        <p:spPr>
+          <a:xfrm>
+            <a:off x="1097280" y="636835"/>
+            <a:ext cx="610307" cy="705667"/>
+          </a:xfrm>
+          <a:prstGeom prst="rect">
+            <a:avLst/>
+          </a:prstGeom>
+        </p:spPr>
+      </p:pic>
+      <p:sp>
+        <p:nvSpPr>
+          <p:cNvPr id="8" name="CaixaDeTexto 7">
+            <a:extLst>
+              <a:ext uri="{FF2B5EF4-FFF2-40B4-BE49-F238E27FC236}">
+                <a16:creationId xmlns:a16="http://schemas.microsoft.com/office/drawing/2014/main" id="{29557DB5-A419-464F-8DE1-FE557705DF73}"/>
+              </a:ext>
+            </a:extLst>
+          </p:cNvPr>
+          <p:cNvSpPr txBox="1"/>
+          <p:nvPr/>
+        </p:nvSpPr>
+        <p:spPr>
+          <a:xfrm>
+            <a:off x="1097280" y="2719343"/>
+            <a:ext cx="6400800" cy="2308324"/>
+          </a:xfrm>
+          <a:prstGeom prst="rect">
+            <a:avLst/>
+          </a:prstGeom>
+          <a:noFill/>
+        </p:spPr>
+        <p:txBody>
+          <a:bodyPr wrap="square" rtlCol="0">
+            <a:spAutoFit/>
+          </a:bodyPr>
+          <a:lstStyle/>
+          <a:p>
+            <a:r>
+              <a:rPr lang="pt-BR" b="1" dirty="0">
+                <a:latin typeface="Nunito" pitchFamily="2" charset="77"/>
+              </a:rPr>
+              <a:t>Externo (</a:t>
+            </a:r>
+            <a:r>
+              <a:rPr lang="pt-BR" b="1" dirty="0" err="1">
+                <a:latin typeface="Nunito" pitchFamily="2" charset="77"/>
+              </a:rPr>
+              <a:t>External</a:t>
+            </a:r>
+            <a:r>
+              <a:rPr lang="pt-BR" b="1" dirty="0">
+                <a:latin typeface="Nunito" pitchFamily="2" charset="77"/>
+              </a:rPr>
+              <a:t> Systems)</a:t>
+            </a:r>
+          </a:p>
+          <a:p>
+            <a:pPr marL="285750" indent="-285750">
+              <a:buFontTx/>
+              <a:buChar char="-"/>
+            </a:pPr>
+            <a:r>
+              <a:rPr lang="en-US" dirty="0">
+                <a:latin typeface="Nunito" pitchFamily="2" charset="77"/>
+              </a:rPr>
+              <a:t>Algo que </a:t>
+            </a:r>
+            <a:r>
+              <a:rPr lang="en-US" dirty="0" err="1">
+                <a:latin typeface="Nunito" pitchFamily="2" charset="77"/>
+              </a:rPr>
+              <a:t>acontece</a:t>
+            </a:r>
+            <a:r>
+              <a:rPr lang="en-US" dirty="0">
+                <a:latin typeface="Nunito" pitchFamily="2" charset="77"/>
+              </a:rPr>
+              <a:t> </a:t>
+            </a:r>
+            <a:r>
+              <a:rPr lang="en-US" dirty="0" err="1">
+                <a:latin typeface="Nunito" pitchFamily="2" charset="77"/>
+              </a:rPr>
+              <a:t>externo</a:t>
+            </a:r>
+            <a:r>
+              <a:rPr lang="en-US" dirty="0">
+                <a:latin typeface="Nunito" pitchFamily="2" charset="77"/>
+              </a:rPr>
+              <a:t> </a:t>
+            </a:r>
+            <a:r>
+              <a:rPr lang="en-US" dirty="0" err="1">
+                <a:latin typeface="Nunito" pitchFamily="2" charset="77"/>
+              </a:rPr>
+              <a:t>ao</a:t>
+            </a:r>
+            <a:r>
+              <a:rPr lang="en-US" dirty="0">
+                <a:latin typeface="Nunito" pitchFamily="2" charset="77"/>
+              </a:rPr>
+              <a:t> </a:t>
+            </a:r>
+            <a:r>
+              <a:rPr lang="en-US" dirty="0" err="1">
+                <a:latin typeface="Nunito" pitchFamily="2" charset="77"/>
+              </a:rPr>
+              <a:t>sistema</a:t>
+            </a:r>
+            <a:endParaRPr lang="en-US" dirty="0">
+              <a:latin typeface="Nunito" pitchFamily="2" charset="77"/>
+            </a:endParaRPr>
+          </a:p>
+          <a:p>
+            <a:pPr marL="285750" indent="-285750">
+              <a:buFontTx/>
+              <a:buChar char="-"/>
+            </a:pPr>
+            <a:r>
+              <a:rPr lang="en-US" dirty="0" err="1">
+                <a:latin typeface="Nunito" pitchFamily="2" charset="77"/>
+              </a:rPr>
+              <a:t>Não</a:t>
+            </a:r>
+            <a:r>
+              <a:rPr lang="en-US" dirty="0">
+                <a:latin typeface="Nunito" pitchFamily="2" charset="77"/>
+              </a:rPr>
+              <a:t> </a:t>
+            </a:r>
+            <a:r>
+              <a:rPr lang="en-US" dirty="0" err="1">
+                <a:latin typeface="Nunito" pitchFamily="2" charset="77"/>
+              </a:rPr>
+              <a:t>temos</a:t>
+            </a:r>
+            <a:r>
+              <a:rPr lang="en-US" dirty="0">
+                <a:latin typeface="Nunito" pitchFamily="2" charset="77"/>
+              </a:rPr>
+              <a:t> </a:t>
+            </a:r>
+            <a:r>
+              <a:rPr lang="en-US" dirty="0" err="1">
+                <a:latin typeface="Nunito" pitchFamily="2" charset="77"/>
+              </a:rPr>
+              <a:t>controle</a:t>
+            </a:r>
+            <a:r>
+              <a:rPr lang="en-US" dirty="0">
+                <a:latin typeface="Nunito" pitchFamily="2" charset="77"/>
+              </a:rPr>
+              <a:t> </a:t>
+            </a:r>
+            <a:r>
+              <a:rPr lang="en-US" dirty="0" err="1">
+                <a:latin typeface="Nunito" pitchFamily="2" charset="77"/>
+              </a:rPr>
+              <a:t>sobre</a:t>
+            </a:r>
+            <a:endParaRPr lang="en-US" dirty="0">
+              <a:latin typeface="Nunito" pitchFamily="2" charset="77"/>
+            </a:endParaRPr>
+          </a:p>
+          <a:p>
+            <a:pPr marL="742950" lvl="1" indent="-285750">
+              <a:buFontTx/>
+              <a:buChar char="-"/>
+            </a:pPr>
+            <a:r>
+              <a:rPr lang="en-US" dirty="0" err="1">
+                <a:latin typeface="Nunito" pitchFamily="2" charset="77"/>
+              </a:rPr>
+              <a:t>Pagamentos</a:t>
+            </a:r>
+            <a:r>
+              <a:rPr lang="en-US" dirty="0">
+                <a:latin typeface="Nunito" pitchFamily="2" charset="77"/>
+              </a:rPr>
+              <a:t>, </a:t>
+            </a:r>
+            <a:r>
+              <a:rPr lang="en-US" dirty="0" err="1">
+                <a:latin typeface="Nunito" pitchFamily="2" charset="77"/>
+              </a:rPr>
+              <a:t>envio</a:t>
+            </a:r>
+            <a:r>
+              <a:rPr lang="en-US" dirty="0">
+                <a:latin typeface="Nunito" pitchFamily="2" charset="77"/>
+              </a:rPr>
+              <a:t> de E-mails</a:t>
+            </a:r>
+          </a:p>
+          <a:p>
+            <a:pPr marL="285750" indent="-285750">
+              <a:buFontTx/>
+              <a:buChar char="-"/>
+            </a:pPr>
+            <a:endParaRPr lang="en-US" dirty="0">
+              <a:latin typeface="Nunito" pitchFamily="2" charset="77"/>
+            </a:endParaRPr>
+          </a:p>
+          <a:p>
+            <a:r>
+              <a:rPr lang="pt-BR" b="1" dirty="0" err="1">
+                <a:latin typeface="Nunito" pitchFamily="2" charset="77"/>
+              </a:rPr>
+              <a:t>Commands</a:t>
+            </a:r>
+            <a:r>
+              <a:rPr lang="pt-BR" b="1" dirty="0">
+                <a:latin typeface="Nunito" pitchFamily="2" charset="77"/>
+              </a:rPr>
+              <a:t> (Comandos)</a:t>
+            </a:r>
+          </a:p>
+          <a:p>
+            <a:pPr marL="285750" indent="-285750">
+              <a:buFontTx/>
+              <a:buChar char="-"/>
+            </a:pPr>
+            <a:r>
+              <a:rPr lang="en-US" dirty="0" err="1">
+                <a:latin typeface="Nunito" pitchFamily="2" charset="77"/>
+              </a:rPr>
+              <a:t>Iniciados</a:t>
+            </a:r>
+            <a:r>
+              <a:rPr lang="en-US" dirty="0">
+                <a:latin typeface="Nunito" pitchFamily="2" charset="77"/>
+              </a:rPr>
+              <a:t> </a:t>
+            </a:r>
+            <a:r>
+              <a:rPr lang="en-US" dirty="0" err="1">
+                <a:latin typeface="Nunito" pitchFamily="2" charset="77"/>
+              </a:rPr>
+              <a:t>pelo</a:t>
+            </a:r>
+            <a:r>
+              <a:rPr lang="en-US" dirty="0">
+                <a:latin typeface="Nunito" pitchFamily="2" charset="77"/>
+              </a:rPr>
+              <a:t> </a:t>
+            </a:r>
+            <a:r>
+              <a:rPr lang="en-US" dirty="0" err="1">
+                <a:latin typeface="Nunito" pitchFamily="2" charset="77"/>
+              </a:rPr>
+              <a:t>usuário</a:t>
+            </a:r>
+            <a:r>
+              <a:rPr lang="en-US" dirty="0">
+                <a:latin typeface="Nunito" pitchFamily="2" charset="77"/>
+              </a:rPr>
+              <a:t> </a:t>
+            </a:r>
+            <a:r>
+              <a:rPr lang="en-US" dirty="0" err="1">
+                <a:latin typeface="Nunito" pitchFamily="2" charset="77"/>
+              </a:rPr>
+              <a:t>ou</a:t>
+            </a:r>
+            <a:r>
+              <a:rPr lang="en-US" dirty="0">
+                <a:latin typeface="Nunito" pitchFamily="2" charset="77"/>
+              </a:rPr>
+              <a:t> outro </a:t>
+            </a:r>
+            <a:r>
+              <a:rPr lang="en-US" dirty="0" err="1">
+                <a:latin typeface="Nunito" pitchFamily="2" charset="77"/>
+              </a:rPr>
+              <a:t>sistema</a:t>
+            </a:r>
+            <a:r>
+              <a:rPr lang="en-US" dirty="0">
+                <a:latin typeface="Nunito" pitchFamily="2" charset="77"/>
+              </a:rPr>
+              <a:t> (job)</a:t>
+            </a:r>
+            <a:endParaRPr lang="pt-BR" dirty="0">
+              <a:latin typeface="Montserrat Light" panose="00000400000000000000" pitchFamily="2" charset="0"/>
+            </a:endParaRPr>
+          </a:p>
+          <a:p>
+            <a:endParaRPr lang="pt-BR" dirty="0">
+              <a:latin typeface="Montserrat Light" panose="00000400000000000000" pitchFamily="2" charset="0"/>
+            </a:endParaRPr>
+          </a:p>
+        </p:txBody>
+      </p:sp>
+      <p:pic>
+        <p:nvPicPr>
+          <p:cNvPr id="12" name="Graphic 11">
+            <a:extLst>
+              <a:ext uri="{FF2B5EF4-FFF2-40B4-BE49-F238E27FC236}">
+                <a16:creationId xmlns:a16="http://schemas.microsoft.com/office/drawing/2014/main" id="{08C5FB60-1BF5-BE4F-8104-A54858793712}"/>
+              </a:ext>
+            </a:extLst>
+          </p:cNvPr>
+          <p:cNvPicPr>
+            <a:picLocks noChangeAspect="1"/>
+          </p:cNvPicPr>
+          <p:nvPr/>
+        </p:nvPicPr>
+        <p:blipFill>
+          <a:blip r:embed="rId5">
+            <a:extLst>
+              <a:ext uri="{28A0092B-C50C-407E-A947-70E740481C1C}">
+                <a14:useLocalDpi xmlns:a14="http://schemas.microsoft.com/office/drawing/2010/main" val="0"/>
+              </a:ext>
+              <a:ext uri="{96DAC541-7B7A-43D3-8B79-37D633B846F1}">
+                <asvg:svgBlip xmlns:asvg="http://schemas.microsoft.com/office/drawing/2016/SVG/main" r:embed="rId6"/>
+              </a:ext>
+            </a:extLst>
+          </a:blip>
+          <a:stretch>
+            <a:fillRect/>
+          </a:stretch>
+        </p:blipFill>
+        <p:spPr>
+          <a:xfrm>
+            <a:off x="7236405" y="2630609"/>
+            <a:ext cx="4053004" cy="3615580"/>
+          </a:xfrm>
+          <a:prstGeom prst="rect">
+            <a:avLst/>
+          </a:prstGeom>
+        </p:spPr>
+      </p:pic>
+    </p:spTree>
+    <p:extLst>
+      <p:ext uri="{BB962C8B-B14F-4D97-AF65-F5344CB8AC3E}">
+        <p14:creationId xmlns:p14="http://schemas.microsoft.com/office/powerpoint/2010/main" val="3563269693"/>
+      </p:ext>
+    </p:extLst>
+  </p:cSld>
+  <p:clrMapOvr>
+    <a:masterClrMapping/>
+  </p:clrMapOvr>
+  <mc:AlternateContent xmlns:mc="http://schemas.openxmlformats.org/markup-compatibility/2006" xmlns:p159="http://schemas.microsoft.com/office/powerpoint/2015/09/main">
+    <mc:Choice Requires="p159">
+      <p:transition xmlns:p14="http://schemas.microsoft.com/office/powerpoint/2010/main" spd="slow" p14:dur="2000">
+        <p159:morph option="byObject"/>
+      </p:transition>
+    </mc:Choice>
+    <mc:Fallback xmlns="">
+      <p:transition spd="slow">
+        <p:fade/>
+      </p:transition>
+    </mc:Fallback>
+  </mc:AlternateContent>
+  <p:timing>
+    <p:tnLst>
+      <p:par>
+        <p:cTn id="1" dur="indefinite" restart="never" nodeType="tmRoot">
+          <p:childTnLst>
+            <p:seq concurrent="1" nextAc="seek">
+              <p:cTn id="2" dur="indefinite" nodeType="mainSeq">
+                <p:childTnLst>
+                  <p:par>
+                    <p:cTn id="3" fill="hold">
+                      <p:stCondLst>
+                        <p:cond delay="indefinite"/>
+                      </p:stCondLst>
+                      <p:childTnLst>
+                        <p:par>
+                          <p:cTn id="4" fill="hold">
+                            <p:stCondLst>
+                              <p:cond delay="0"/>
+                            </p:stCondLst>
+                            <p:childTnLst>
+                              <p:par>
+                                <p:cTn id="5" presetID="1" presetClass="entr" presetSubtype="0" fill="hold" grpId="0" nodeType="clickEffect">
+                                  <p:stCondLst>
+                                    <p:cond delay="0"/>
+                                  </p:stCondLst>
+                                  <p:childTnLst>
+                                    <p:set>
+                                      <p:cBhvr>
+                                        <p:cTn id="6" dur="1" fill="hold">
+                                          <p:stCondLst>
+                                            <p:cond delay="0"/>
+                                          </p:stCondLst>
+                                        </p:cTn>
+                                        <p:tgtEl>
+                                          <p:spTgt spid="8"/>
+                                        </p:tgtEl>
+                                        <p:attrNameLst>
+                                          <p:attrName>style.visibility</p:attrName>
+                                        </p:attrNameLst>
+                                      </p:cBhvr>
+                                      <p:to>
+                                        <p:strVal val="visible"/>
+                                      </p:to>
+                                    </p:set>
+                                  </p:childTnLst>
+                                </p:cTn>
+                              </p:par>
+                            </p:childTnLst>
+                          </p:cTn>
+                        </p:par>
+                      </p:childTnLst>
+                    </p:cTn>
+                  </p:par>
+                  <p:par>
+                    <p:cTn id="7" fill="hold">
+                      <p:stCondLst>
+                        <p:cond delay="indefinite"/>
+                      </p:stCondLst>
+                      <p:childTnLst>
+                        <p:par>
+                          <p:cTn id="8" fill="hold">
+                            <p:stCondLst>
+                              <p:cond delay="0"/>
+                            </p:stCondLst>
+                            <p:childTnLst>
+                              <p:par>
+                                <p:cTn id="9" presetID="1" presetClass="entr" presetSubtype="0" fill="hold" nodeType="clickEffect">
+                                  <p:stCondLst>
+                                    <p:cond delay="0"/>
+                                  </p:stCondLst>
+                                  <p:childTnLst>
+                                    <p:set>
+                                      <p:cBhvr>
+                                        <p:cTn id="10" dur="1" fill="hold">
+                                          <p:stCondLst>
+                                            <p:cond delay="0"/>
+                                          </p:stCondLst>
+                                        </p:cTn>
+                                        <p:tgtEl>
+                                          <p:spTgt spid="12"/>
+                                        </p:tgtEl>
+                                        <p:attrNameLst>
+                                          <p:attrName>style.visibility</p:attrName>
+                                        </p:attrNameLst>
+                                      </p:cBhvr>
+                                      <p:to>
+                                        <p:strVal val="visible"/>
+                                      </p:to>
+                                    </p:set>
+                                  </p:childTnLst>
+                                </p:cTn>
+                              </p:par>
+                            </p:childTnLst>
+                          </p:cTn>
+                        </p:par>
+                      </p:childTnLst>
+                    </p:cTn>
+                  </p:par>
+                </p:childTnLst>
+              </p:cTn>
+              <p:prevCondLst>
+                <p:cond evt="onPrev" delay="0">
+                  <p:tgtEl>
+                    <p:sldTgt/>
+                  </p:tgtEl>
+                </p:cond>
+              </p:prevCondLst>
+              <p:nextCondLst>
+                <p:cond evt="onNext" delay="0">
+                  <p:tgtEl>
+                    <p:sldTgt/>
+                  </p:tgtEl>
+                </p:cond>
+              </p:nextCondLst>
+            </p:seq>
+          </p:childTnLst>
+        </p:cTn>
+      </p:par>
+    </p:tnLst>
+    <p:bldLst>
+      <p:bldP spid="8" grpId="0"/>
+    </p:bldLst>
+  </p:timing>
+</p:sld>
+</file>
+
+<file path=ppt/slides/slide25.xml><?xml version="1.0" encoding="utf-8"?>
+<p:sld xmlns:a="http://schemas.openxmlformats.org/drawingml/2006/main" xmlns:r="http://schemas.openxmlformats.org/officeDocument/2006/relationships" xmlns:p="http://schemas.openxmlformats.org/presentationml/2006/main">
+  <p:cSld>
+    <p:spTree>
+      <p:nvGrpSpPr>
+        <p:cNvPr id="1" name=""/>
+        <p:cNvGrpSpPr/>
+        <p:nvPr/>
+      </p:nvGrpSpPr>
+      <p:grpSpPr>
+        <a:xfrm>
+          <a:off x="0" y="0"/>
+          <a:ext cx="0" cy="0"/>
+          <a:chOff x="0" y="0"/>
+          <a:chExt cx="0" cy="0"/>
+        </a:xfrm>
+      </p:grpSpPr>
+      <p:pic>
+        <p:nvPicPr>
+          <p:cNvPr id="7" name="Imagem 6">
+            <a:extLst>
+              <a:ext uri="{FF2B5EF4-FFF2-40B4-BE49-F238E27FC236}">
+                <a16:creationId xmlns:a16="http://schemas.microsoft.com/office/drawing/2014/main" id="{15EF5E79-A320-604B-B8D0-BB7CC7F3BD24}"/>
+              </a:ext>
+            </a:extLst>
+          </p:cNvPr>
+          <p:cNvPicPr>
+            <a:picLocks noChangeAspect="1"/>
+          </p:cNvPicPr>
+          <p:nvPr/>
+        </p:nvPicPr>
+        <p:blipFill>
+          <a:blip r:embed="rId2">
+            <a:extLst>
+              <a:ext uri="{28A0092B-C50C-407E-A947-70E740481C1C}">
+                <a14:useLocalDpi xmlns:a14="http://schemas.microsoft.com/office/drawing/2010/main" val="0"/>
+              </a:ext>
+            </a:extLst>
+          </a:blip>
+          <a:stretch>
+            <a:fillRect/>
+          </a:stretch>
+        </p:blipFill>
+        <p:spPr>
+          <a:xfrm>
+            <a:off x="-1" y="-1590"/>
+            <a:ext cx="12192001" cy="2021978"/>
+          </a:xfrm>
+          <a:prstGeom prst="rect">
+            <a:avLst/>
+          </a:prstGeom>
+        </p:spPr>
+      </p:pic>
+      <p:sp>
+        <p:nvSpPr>
+          <p:cNvPr id="13" name="Título 1">
+            <a:extLst>
+              <a:ext uri="{FF2B5EF4-FFF2-40B4-BE49-F238E27FC236}">
+                <a16:creationId xmlns:a16="http://schemas.microsoft.com/office/drawing/2014/main" id="{94E1A0D2-D048-46FE-90D3-722FBF740CC7}"/>
+              </a:ext>
+            </a:extLst>
+          </p:cNvPr>
+          <p:cNvSpPr>
+            <a:spLocks noGrp="1"/>
+          </p:cNvSpPr>
+          <p:nvPr>
+            <p:ph type="title"/>
+          </p:nvPr>
+        </p:nvSpPr>
+        <p:spPr>
+          <a:xfrm>
+            <a:off x="2159726" y="0"/>
+            <a:ext cx="9292046" cy="2021978"/>
+          </a:xfrm>
+        </p:spPr>
+        <p:txBody>
+          <a:bodyPr>
+            <a:normAutofit/>
+          </a:bodyPr>
+          <a:lstStyle/>
+          <a:p>
+            <a:r>
+              <a:rPr lang="pt-BR" dirty="0">
+                <a:solidFill>
+                  <a:schemeClr val="bg1"/>
+                </a:solidFill>
+                <a:latin typeface="Nunito" pitchFamily="2" charset="77"/>
+              </a:rPr>
+              <a:t>Como funciona?</a:t>
+            </a:r>
+          </a:p>
+        </p:txBody>
+      </p:sp>
+      <p:pic>
+        <p:nvPicPr>
+          <p:cNvPr id="14" name="Gráfico 13">
+            <a:extLst>
+              <a:ext uri="{FF2B5EF4-FFF2-40B4-BE49-F238E27FC236}">
+                <a16:creationId xmlns:a16="http://schemas.microsoft.com/office/drawing/2014/main" id="{2B5477E9-00BA-4494-BA1B-5466AC45994D}"/>
+              </a:ext>
+            </a:extLst>
+          </p:cNvPr>
+          <p:cNvPicPr>
+            <a:picLocks noChangeAspect="1"/>
+          </p:cNvPicPr>
+          <p:nvPr/>
+        </p:nvPicPr>
+        <p:blipFill>
+          <a:blip r:embed="rId3">
+            <a:extLst>
+              <a:ext uri="{96DAC541-7B7A-43D3-8B79-37D633B846F1}">
+                <asvg:svgBlip xmlns:asvg="http://schemas.microsoft.com/office/drawing/2016/SVG/main" r:embed="rId4"/>
+              </a:ext>
+            </a:extLst>
+          </a:blip>
+          <a:stretch>
+            <a:fillRect/>
+          </a:stretch>
+        </p:blipFill>
+        <p:spPr>
+          <a:xfrm>
+            <a:off x="1097280" y="636835"/>
+            <a:ext cx="610307" cy="705667"/>
+          </a:xfrm>
+          <a:prstGeom prst="rect">
+            <a:avLst/>
+          </a:prstGeom>
+        </p:spPr>
+      </p:pic>
+      <p:sp>
+        <p:nvSpPr>
+          <p:cNvPr id="8" name="CaixaDeTexto 7">
+            <a:extLst>
+              <a:ext uri="{FF2B5EF4-FFF2-40B4-BE49-F238E27FC236}">
+                <a16:creationId xmlns:a16="http://schemas.microsoft.com/office/drawing/2014/main" id="{29557DB5-A419-464F-8DE1-FE557705DF73}"/>
+              </a:ext>
+            </a:extLst>
+          </p:cNvPr>
+          <p:cNvSpPr txBox="1"/>
+          <p:nvPr/>
+        </p:nvSpPr>
+        <p:spPr>
+          <a:xfrm>
+            <a:off x="1097280" y="2719343"/>
+            <a:ext cx="6400800" cy="1754326"/>
+          </a:xfrm>
+          <a:prstGeom prst="rect">
+            <a:avLst/>
+          </a:prstGeom>
+          <a:noFill/>
+        </p:spPr>
+        <p:txBody>
+          <a:bodyPr wrap="square" rtlCol="0">
+            <a:spAutoFit/>
+          </a:bodyPr>
+          <a:lstStyle/>
+          <a:p>
+            <a:r>
+              <a:rPr lang="pt-BR" b="1" dirty="0" err="1">
+                <a:latin typeface="Nunito" pitchFamily="2" charset="77"/>
+              </a:rPr>
+              <a:t>Aggregate</a:t>
+            </a:r>
+            <a:r>
+              <a:rPr lang="pt-BR" b="1" dirty="0">
+                <a:latin typeface="Nunito" pitchFamily="2" charset="77"/>
+              </a:rPr>
+              <a:t> (Agregados)</a:t>
+            </a:r>
+          </a:p>
+          <a:p>
+            <a:pPr marL="285750" indent="-285750">
+              <a:buFontTx/>
+              <a:buChar char="-"/>
+            </a:pPr>
+            <a:r>
+              <a:rPr lang="en-US" dirty="0" err="1">
+                <a:latin typeface="Nunito" pitchFamily="2" charset="77"/>
+              </a:rPr>
+              <a:t>Agrupam</a:t>
+            </a:r>
+            <a:r>
+              <a:rPr lang="en-US" dirty="0">
+                <a:latin typeface="Nunito" pitchFamily="2" charset="77"/>
+              </a:rPr>
+              <a:t> </a:t>
+            </a:r>
+            <a:r>
+              <a:rPr lang="en-US" dirty="0" err="1">
+                <a:latin typeface="Nunito" pitchFamily="2" charset="77"/>
+              </a:rPr>
+              <a:t>comportamentos</a:t>
+            </a:r>
+            <a:r>
+              <a:rPr lang="en-US" dirty="0">
+                <a:latin typeface="Nunito" pitchFamily="2" charset="77"/>
+              </a:rPr>
+              <a:t> </a:t>
+            </a:r>
+            <a:r>
+              <a:rPr lang="en-US" dirty="0" err="1">
+                <a:latin typeface="Nunito" pitchFamily="2" charset="77"/>
+              </a:rPr>
+              <a:t>em</a:t>
+            </a:r>
+            <a:r>
+              <a:rPr lang="en-US" dirty="0">
+                <a:latin typeface="Nunito" pitchFamily="2" charset="77"/>
+              </a:rPr>
+              <a:t> </a:t>
+            </a:r>
+            <a:r>
+              <a:rPr lang="en-US" dirty="0" err="1">
+                <a:latin typeface="Nunito" pitchFamily="2" charset="77"/>
+              </a:rPr>
+              <a:t>comum</a:t>
+            </a:r>
+            <a:endParaRPr lang="en-US" dirty="0">
+              <a:latin typeface="Nunito" pitchFamily="2" charset="77"/>
+            </a:endParaRPr>
+          </a:p>
+          <a:p>
+            <a:pPr marL="285750" indent="-285750">
+              <a:buFontTx/>
+              <a:buChar char="-"/>
+            </a:pPr>
+            <a:endParaRPr lang="en-US" dirty="0">
+              <a:latin typeface="Nunito" pitchFamily="2" charset="77"/>
+            </a:endParaRPr>
+          </a:p>
+          <a:p>
+            <a:r>
+              <a:rPr lang="pt-BR" b="1" dirty="0" err="1">
+                <a:latin typeface="Nunito" pitchFamily="2" charset="77"/>
+              </a:rPr>
+              <a:t>Bounded</a:t>
+            </a:r>
+            <a:r>
+              <a:rPr lang="pt-BR" b="1" dirty="0">
+                <a:latin typeface="Nunito" pitchFamily="2" charset="77"/>
+              </a:rPr>
+              <a:t> </a:t>
+            </a:r>
+            <a:r>
+              <a:rPr lang="pt-BR" b="1" dirty="0" err="1">
+                <a:latin typeface="Nunito" pitchFamily="2" charset="77"/>
+              </a:rPr>
+              <a:t>Context</a:t>
+            </a:r>
+            <a:endParaRPr lang="pt-BR" b="1" dirty="0">
+              <a:latin typeface="Nunito" pitchFamily="2" charset="77"/>
+            </a:endParaRPr>
+          </a:p>
+          <a:p>
+            <a:pPr marL="285750" indent="-285750">
+              <a:buFontTx/>
+              <a:buChar char="-"/>
+            </a:pPr>
+            <a:r>
+              <a:rPr lang="en-US" dirty="0" err="1">
+                <a:latin typeface="Nunito" pitchFamily="2" charset="77"/>
+              </a:rPr>
+              <a:t>Agrupam</a:t>
+            </a:r>
+            <a:r>
+              <a:rPr lang="en-US" dirty="0">
+                <a:latin typeface="Nunito" pitchFamily="2" charset="77"/>
+              </a:rPr>
+              <a:t> </a:t>
+            </a:r>
+            <a:r>
+              <a:rPr lang="en-US" dirty="0" err="1">
+                <a:latin typeface="Nunito" pitchFamily="2" charset="77"/>
+              </a:rPr>
+              <a:t>significados</a:t>
+            </a:r>
+            <a:r>
+              <a:rPr lang="en-US" dirty="0">
+                <a:latin typeface="Nunito" pitchFamily="2" charset="77"/>
+              </a:rPr>
+              <a:t> </a:t>
+            </a:r>
+            <a:r>
+              <a:rPr lang="en-US" dirty="0" err="1">
+                <a:latin typeface="Nunito" pitchFamily="2" charset="77"/>
+              </a:rPr>
+              <a:t>em</a:t>
+            </a:r>
+            <a:r>
+              <a:rPr lang="en-US" dirty="0">
+                <a:latin typeface="Nunito" pitchFamily="2" charset="77"/>
+              </a:rPr>
+              <a:t> </a:t>
+            </a:r>
+            <a:r>
+              <a:rPr lang="en-US" dirty="0" err="1">
+                <a:latin typeface="Nunito" pitchFamily="2" charset="77"/>
+              </a:rPr>
+              <a:t>comum</a:t>
+            </a:r>
+            <a:endParaRPr lang="pt-BR" dirty="0">
+              <a:latin typeface="Montserrat Light" panose="00000400000000000000" pitchFamily="2" charset="0"/>
+            </a:endParaRPr>
+          </a:p>
+          <a:p>
+            <a:endParaRPr lang="pt-BR" dirty="0">
+              <a:latin typeface="Montserrat Light" panose="00000400000000000000" pitchFamily="2" charset="0"/>
+            </a:endParaRPr>
+          </a:p>
+        </p:txBody>
+      </p:sp>
+      <p:pic>
+        <p:nvPicPr>
+          <p:cNvPr id="12" name="Graphic 11">
+            <a:extLst>
+              <a:ext uri="{FF2B5EF4-FFF2-40B4-BE49-F238E27FC236}">
+                <a16:creationId xmlns:a16="http://schemas.microsoft.com/office/drawing/2014/main" id="{08C5FB60-1BF5-BE4F-8104-A54858793712}"/>
+              </a:ext>
+            </a:extLst>
+          </p:cNvPr>
+          <p:cNvPicPr>
+            <a:picLocks noChangeAspect="1"/>
+          </p:cNvPicPr>
+          <p:nvPr/>
+        </p:nvPicPr>
+        <p:blipFill>
+          <a:blip r:embed="rId5">
+            <a:extLst>
+              <a:ext uri="{28A0092B-C50C-407E-A947-70E740481C1C}">
+                <a14:useLocalDpi xmlns:a14="http://schemas.microsoft.com/office/drawing/2010/main" val="0"/>
+              </a:ext>
+              <a:ext uri="{96DAC541-7B7A-43D3-8B79-37D633B846F1}">
+                <asvg:svgBlip xmlns:asvg="http://schemas.microsoft.com/office/drawing/2016/SVG/main" r:embed="rId6"/>
+              </a:ext>
+            </a:extLst>
+          </a:blip>
+          <a:stretch>
+            <a:fillRect/>
+          </a:stretch>
+        </p:blipFill>
+        <p:spPr>
+          <a:xfrm>
+            <a:off x="7236405" y="2630609"/>
+            <a:ext cx="4053004" cy="3615580"/>
+          </a:xfrm>
+          <a:prstGeom prst="rect">
+            <a:avLst/>
+          </a:prstGeom>
+        </p:spPr>
+      </p:pic>
+    </p:spTree>
+    <p:extLst>
+      <p:ext uri="{BB962C8B-B14F-4D97-AF65-F5344CB8AC3E}">
+        <p14:creationId xmlns:p14="http://schemas.microsoft.com/office/powerpoint/2010/main" val="3154745741"/>
+      </p:ext>
+    </p:extLst>
+  </p:cSld>
+  <p:clrMapOvr>
+    <a:masterClrMapping/>
+  </p:clrMapOvr>
+  <mc:AlternateContent xmlns:mc="http://schemas.openxmlformats.org/markup-compatibility/2006" xmlns:p159="http://schemas.microsoft.com/office/powerpoint/2015/09/main">
+    <mc:Choice Requires="p159">
+      <p:transition xmlns:p14="http://schemas.microsoft.com/office/powerpoint/2010/main" spd="slow" p14:dur="2000">
+        <p159:morph option="byObject"/>
+      </p:transition>
+    </mc:Choice>
+    <mc:Fallback xmlns="">
+      <p:transition spd="slow">
+        <p:fade/>
+      </p:transition>
+    </mc:Fallback>
+  </mc:AlternateContent>
+  <p:timing>
+    <p:tnLst>
+      <p:par>
+        <p:cTn id="1" dur="indefinite" restart="never" nodeType="tmRoot">
+          <p:childTnLst>
+            <p:seq concurrent="1" nextAc="seek">
+              <p:cTn id="2" dur="indefinite" nodeType="mainSeq">
+                <p:childTnLst>
+                  <p:par>
+                    <p:cTn id="3" fill="hold">
+                      <p:stCondLst>
+                        <p:cond delay="indefinite"/>
+                      </p:stCondLst>
+                      <p:childTnLst>
+                        <p:par>
+                          <p:cTn id="4" fill="hold">
+                            <p:stCondLst>
+                              <p:cond delay="0"/>
+                            </p:stCondLst>
+                            <p:childTnLst>
+                              <p:par>
+                                <p:cTn id="5" presetID="1" presetClass="entr" presetSubtype="0" fill="hold" grpId="0" nodeType="clickEffect">
+                                  <p:stCondLst>
+                                    <p:cond delay="0"/>
+                                  </p:stCondLst>
+                                  <p:childTnLst>
+                                    <p:set>
+                                      <p:cBhvr>
+                                        <p:cTn id="6" dur="1" fill="hold">
+                                          <p:stCondLst>
+                                            <p:cond delay="0"/>
+                                          </p:stCondLst>
+                                        </p:cTn>
+                                        <p:tgtEl>
+                                          <p:spTgt spid="8"/>
+                                        </p:tgtEl>
+                                        <p:attrNameLst>
+                                          <p:attrName>style.visibility</p:attrName>
+                                        </p:attrNameLst>
+                                      </p:cBhvr>
+                                      <p:to>
+                                        <p:strVal val="visible"/>
+                                      </p:to>
+                                    </p:set>
+                                  </p:childTnLst>
+                                </p:cTn>
+                              </p:par>
+                            </p:childTnLst>
+                          </p:cTn>
+                        </p:par>
+                      </p:childTnLst>
+                    </p:cTn>
+                  </p:par>
+                  <p:par>
+                    <p:cTn id="7" fill="hold">
+                      <p:stCondLst>
+                        <p:cond delay="indefinite"/>
+                      </p:stCondLst>
+                      <p:childTnLst>
+                        <p:par>
+                          <p:cTn id="8" fill="hold">
+                            <p:stCondLst>
+                              <p:cond delay="0"/>
+                            </p:stCondLst>
+                            <p:childTnLst>
+                              <p:par>
+                                <p:cTn id="9" presetID="1" presetClass="entr" presetSubtype="0" fill="hold" nodeType="clickEffect">
+                                  <p:stCondLst>
+                                    <p:cond delay="0"/>
+                                  </p:stCondLst>
+                                  <p:childTnLst>
+                                    <p:set>
+                                      <p:cBhvr>
+                                        <p:cTn id="10" dur="1" fill="hold">
+                                          <p:stCondLst>
+                                            <p:cond delay="0"/>
+                                          </p:stCondLst>
+                                        </p:cTn>
+                                        <p:tgtEl>
+                                          <p:spTgt spid="12"/>
+                                        </p:tgtEl>
+                                        <p:attrNameLst>
+                                          <p:attrName>style.visibility</p:attrName>
+                                        </p:attrNameLst>
+                                      </p:cBhvr>
+                                      <p:to>
+                                        <p:strVal val="visible"/>
+                                      </p:to>
+                                    </p:set>
+                                  </p:childTnLst>
+                                </p:cTn>
+                              </p:par>
+                            </p:childTnLst>
+                          </p:cTn>
+                        </p:par>
+                      </p:childTnLst>
+                    </p:cTn>
+                  </p:par>
+                </p:childTnLst>
+              </p:cTn>
+              <p:prevCondLst>
+                <p:cond evt="onPrev" delay="0">
+                  <p:tgtEl>
+                    <p:sldTgt/>
+                  </p:tgtEl>
+                </p:cond>
+              </p:prevCondLst>
+              <p:nextCondLst>
+                <p:cond evt="onNext" delay="0">
+                  <p:tgtEl>
+                    <p:sldTgt/>
+                  </p:tgtEl>
+                </p:cond>
+              </p:nextCondLst>
+            </p:seq>
+          </p:childTnLst>
+        </p:cTn>
+      </p:par>
+    </p:tnLst>
+    <p:bldLst>
+      <p:bldP spid="8" grpId="0"/>
+    </p:bldLst>
+  </p:timing>
+</p:sld>
+</file>
+
+<file path=ppt/slides/slide26.xml><?xml version="1.0" encoding="utf-8"?>
 <p:sld xmlns:a="http://schemas.openxmlformats.org/drawingml/2006/main" xmlns:r="http://schemas.openxmlformats.org/officeDocument/2006/relationships" xmlns:p="http://schemas.openxmlformats.org/presentationml/2006/main">
   <p:cSld>
     <p:spTree>

--- a/2021-08-25_event-driven-architecture.pptx
+++ b/2021-08-25_event-driven-architecture.pptx
@@ -5,7 +5,7 @@
     <p:sldMasterId id="2147483648" r:id="rId1"/>
   </p:sldMasterIdLst>
   <p:notesMasterIdLst>
-    <p:notesMasterId r:id="rId28"/>
+    <p:notesMasterId r:id="rId31"/>
   </p:notesMasterIdLst>
   <p:sldIdLst>
     <p:sldId id="260" r:id="rId2"/>
@@ -33,7 +33,10 @@
     <p:sldId id="498" r:id="rId24"/>
     <p:sldId id="499" r:id="rId25"/>
     <p:sldId id="500" r:id="rId26"/>
-    <p:sldId id="265" r:id="rId27"/>
+    <p:sldId id="501" r:id="rId27"/>
+    <p:sldId id="503" r:id="rId28"/>
+    <p:sldId id="502" r:id="rId29"/>
+    <p:sldId id="265" r:id="rId30"/>
   </p:sldIdLst>
   <p:sldSz cx="12192000" cy="6858000"/>
   <p:notesSz cx="6858000" cy="9144000"/>
@@ -3738,7 +3741,7 @@
           <a:p>
             <a:fld id="{2232590A-2ECD-4930-A16F-BAB4FCA317C7}" type="datetimeFigureOut">
               <a:rPr lang="pt-BR" smtClean="0"/>
-              <a:t>19/08/2021</a:t>
+              <a:t>23/08/2021</a:t>
             </a:fld>
             <a:endParaRPr lang="pt-BR"/>
           </a:p>
@@ -3896,7 +3899,7 @@
           <a:p>
             <a:fld id="{1BFBF4EA-A19C-4108-A664-D5EED1568F94}" type="slidenum">
               <a:rPr lang="pt-BR" smtClean="0"/>
-              <a:t>‹#›</a:t>
+              <a:t>‹nº›</a:t>
             </a:fld>
             <a:endParaRPr lang="pt-BR"/>
           </a:p>
@@ -4607,6 +4610,174 @@
 </p:notes>
 </file>
 
+<file path=ppt/notesSlides/notesSlide8.xml><?xml version="1.0" encoding="utf-8"?>
+<p:notes xmlns:a="http://schemas.openxmlformats.org/drawingml/2006/main" xmlns:r="http://schemas.openxmlformats.org/officeDocument/2006/relationships" xmlns:p="http://schemas.openxmlformats.org/presentationml/2006/main">
+  <p:cSld>
+    <p:spTree>
+      <p:nvGrpSpPr>
+        <p:cNvPr id="1" name=""/>
+        <p:cNvGrpSpPr/>
+        <p:nvPr/>
+      </p:nvGrpSpPr>
+      <p:grpSpPr>
+        <a:xfrm>
+          <a:off x="0" y="0"/>
+          <a:ext cx="0" cy="0"/>
+          <a:chOff x="0" y="0"/>
+          <a:chExt cx="0" cy="0"/>
+        </a:xfrm>
+      </p:grpSpPr>
+      <p:sp>
+        <p:nvSpPr>
+          <p:cNvPr id="2" name="Espaço Reservado para Imagem de Slide 1"/>
+          <p:cNvSpPr>
+            <a:spLocks noGrp="1" noRot="1" noChangeAspect="1"/>
+          </p:cNvSpPr>
+          <p:nvPr>
+            <p:ph type="sldImg"/>
+          </p:nvPr>
+        </p:nvSpPr>
+        <p:spPr/>
+      </p:sp>
+      <p:sp>
+        <p:nvSpPr>
+          <p:cNvPr id="3" name="Espaço Reservado para Anotações 2"/>
+          <p:cNvSpPr>
+            <a:spLocks noGrp="1"/>
+          </p:cNvSpPr>
+          <p:nvPr>
+            <p:ph type="body" idx="1"/>
+          </p:nvPr>
+        </p:nvSpPr>
+        <p:spPr/>
+        <p:txBody>
+          <a:bodyPr/>
+          <a:lstStyle/>
+          <a:p>
+            <a:r>
+              <a:rPr lang="en-US" dirty="0" err="1"/>
+              <a:t>Eventos</a:t>
+            </a:r>
+            <a:r>
+              <a:rPr lang="en-US" dirty="0"/>
+              <a:t> sempre no </a:t>
+            </a:r>
+            <a:r>
+              <a:rPr lang="en-US" dirty="0" err="1"/>
+              <a:t>passado</a:t>
+            </a:r>
+            <a:endParaRPr lang="en-US" dirty="0"/>
+          </a:p>
+          <a:p>
+            <a:r>
+              <a:rPr lang="en-US" dirty="0" err="1"/>
+              <a:t>Mapear</a:t>
+            </a:r>
+            <a:r>
+              <a:rPr lang="en-US" dirty="0"/>
+              <a:t> </a:t>
+            </a:r>
+            <a:r>
+              <a:rPr lang="en-US" dirty="0" err="1"/>
+              <a:t>caminho</a:t>
+            </a:r>
+            <a:r>
+              <a:rPr lang="en-US" dirty="0"/>
+              <a:t> </a:t>
+            </a:r>
+            <a:r>
+              <a:rPr lang="en-US" dirty="0" err="1"/>
+              <a:t>feliz</a:t>
+            </a:r>
+            <a:r>
+              <a:rPr lang="en-US" dirty="0"/>
+              <a:t> e </a:t>
+            </a:r>
+            <a:r>
+              <a:rPr lang="en-US" dirty="0" err="1"/>
+              <a:t>caminho</a:t>
+            </a:r>
+            <a:r>
+              <a:rPr lang="en-US" dirty="0"/>
+              <a:t> triste</a:t>
+            </a:r>
+            <a:br>
+              <a:rPr lang="en-US" dirty="0"/>
+            </a:br>
+            <a:r>
+              <a:rPr lang="en-US" dirty="0" err="1"/>
+              <a:t>Comandos</a:t>
+            </a:r>
+            <a:r>
+              <a:rPr lang="en-US" dirty="0"/>
+              <a:t> sempre no imperative</a:t>
+            </a:r>
+            <a:br>
+              <a:rPr lang="en-US" dirty="0"/>
+            </a:br>
+            <a:r>
+              <a:rPr lang="en-US" dirty="0" err="1"/>
+              <a:t>Linha</a:t>
+            </a:r>
+            <a:r>
+              <a:rPr lang="en-US" dirty="0"/>
+              <a:t> do tempo da </a:t>
+            </a:r>
+            <a:r>
+              <a:rPr lang="en-US" dirty="0" err="1"/>
+              <a:t>esquerda</a:t>
+            </a:r>
+            <a:r>
+              <a:rPr lang="en-US" dirty="0"/>
+              <a:t> para </a:t>
+            </a:r>
+            <a:r>
+              <a:rPr lang="en-US" dirty="0" err="1"/>
+              <a:t>direita</a:t>
+            </a:r>
+            <a:endParaRPr lang="en-US" dirty="0"/>
+          </a:p>
+          <a:p>
+            <a:endParaRPr lang="pt-BR" dirty="0"/>
+          </a:p>
+        </p:txBody>
+      </p:sp>
+      <p:sp>
+        <p:nvSpPr>
+          <p:cNvPr id="4" name="Espaço Reservado para Número de Slide 3"/>
+          <p:cNvSpPr>
+            <a:spLocks noGrp="1"/>
+          </p:cNvSpPr>
+          <p:nvPr>
+            <p:ph type="sldNum" sz="quarter" idx="5"/>
+          </p:nvPr>
+        </p:nvSpPr>
+        <p:spPr/>
+        <p:txBody>
+          <a:bodyPr/>
+          <a:lstStyle/>
+          <a:p>
+            <a:fld id="{1BFBF4EA-A19C-4108-A664-D5EED1568F94}" type="slidenum">
+              <a:rPr lang="pt-BR" smtClean="0"/>
+              <a:t>27</a:t>
+            </a:fld>
+            <a:endParaRPr lang="pt-BR"/>
+          </a:p>
+        </p:txBody>
+      </p:sp>
+    </p:spTree>
+    <p:extLst>
+      <p:ext uri="{BB962C8B-B14F-4D97-AF65-F5344CB8AC3E}">
+        <p14:creationId xmlns:p14="http://schemas.microsoft.com/office/powerpoint/2010/main" val="1956150160"/>
+      </p:ext>
+    </p:extLst>
+  </p:cSld>
+  <p:clrMapOvr>
+    <a:masterClrMapping/>
+  </p:clrMapOvr>
+</p:notes>
+</file>
+
 <file path=ppt/slideLayouts/slideLayout1.xml><?xml version="1.0" encoding="utf-8"?>
 <p:sldLayout xmlns:a="http://schemas.openxmlformats.org/drawingml/2006/main" xmlns:r="http://schemas.openxmlformats.org/officeDocument/2006/relationships" xmlns:p="http://schemas.openxmlformats.org/presentationml/2006/main" type="title" preserve="1">
   <p:cSld name="Slide de Título">
@@ -4754,7 +4925,7 @@
           <a:p>
             <a:fld id="{358D75C1-F3B0-4D81-A190-EFDBB1D1AFEE}" type="datetimeFigureOut">
               <a:rPr lang="pt-BR" smtClean="0"/>
-              <a:t>19/08/2021</a:t>
+              <a:t>23/08/2021</a:t>
             </a:fld>
             <a:endParaRPr lang="pt-BR"/>
           </a:p>
@@ -4808,7 +4979,7 @@
           <a:p>
             <a:fld id="{F6DAF70D-9E8B-4ED6-9311-5F4D3EA89BB5}" type="slidenum">
               <a:rPr lang="pt-BR" smtClean="0"/>
-              <a:t>‹#›</a:t>
+              <a:t>‹nº›</a:t>
             </a:fld>
             <a:endParaRPr lang="pt-BR"/>
           </a:p>
@@ -4952,7 +5123,7 @@
           <a:p>
             <a:fld id="{358D75C1-F3B0-4D81-A190-EFDBB1D1AFEE}" type="datetimeFigureOut">
               <a:rPr lang="pt-BR" smtClean="0"/>
-              <a:t>19/08/2021</a:t>
+              <a:t>23/08/2021</a:t>
             </a:fld>
             <a:endParaRPr lang="pt-BR"/>
           </a:p>
@@ -5006,7 +5177,7 @@
           <a:p>
             <a:fld id="{F6DAF70D-9E8B-4ED6-9311-5F4D3EA89BB5}" type="slidenum">
               <a:rPr lang="pt-BR" smtClean="0"/>
-              <a:t>‹#›</a:t>
+              <a:t>‹nº›</a:t>
             </a:fld>
             <a:endParaRPr lang="pt-BR"/>
           </a:p>
@@ -5160,7 +5331,7 @@
           <a:p>
             <a:fld id="{358D75C1-F3B0-4D81-A190-EFDBB1D1AFEE}" type="datetimeFigureOut">
               <a:rPr lang="pt-BR" smtClean="0"/>
-              <a:t>19/08/2021</a:t>
+              <a:t>23/08/2021</a:t>
             </a:fld>
             <a:endParaRPr lang="pt-BR"/>
           </a:p>
@@ -5214,7 +5385,7 @@
           <a:p>
             <a:fld id="{F6DAF70D-9E8B-4ED6-9311-5F4D3EA89BB5}" type="slidenum">
               <a:rPr lang="pt-BR" smtClean="0"/>
-              <a:t>‹#›</a:t>
+              <a:t>‹nº›</a:t>
             </a:fld>
             <a:endParaRPr lang="pt-BR"/>
           </a:p>
@@ -5358,7 +5529,7 @@
           <a:p>
             <a:fld id="{358D75C1-F3B0-4D81-A190-EFDBB1D1AFEE}" type="datetimeFigureOut">
               <a:rPr lang="pt-BR" smtClean="0"/>
-              <a:t>19/08/2021</a:t>
+              <a:t>23/08/2021</a:t>
             </a:fld>
             <a:endParaRPr lang="pt-BR"/>
           </a:p>
@@ -5412,7 +5583,7 @@
           <a:p>
             <a:fld id="{F6DAF70D-9E8B-4ED6-9311-5F4D3EA89BB5}" type="slidenum">
               <a:rPr lang="pt-BR" smtClean="0"/>
-              <a:t>‹#›</a:t>
+              <a:t>‹nº›</a:t>
             </a:fld>
             <a:endParaRPr lang="pt-BR"/>
           </a:p>
@@ -5633,7 +5804,7 @@
           <a:p>
             <a:fld id="{358D75C1-F3B0-4D81-A190-EFDBB1D1AFEE}" type="datetimeFigureOut">
               <a:rPr lang="pt-BR" smtClean="0"/>
-              <a:t>19/08/2021</a:t>
+              <a:t>23/08/2021</a:t>
             </a:fld>
             <a:endParaRPr lang="pt-BR"/>
           </a:p>
@@ -5687,7 +5858,7 @@
           <a:p>
             <a:fld id="{F6DAF70D-9E8B-4ED6-9311-5F4D3EA89BB5}" type="slidenum">
               <a:rPr lang="pt-BR" smtClean="0"/>
-              <a:t>‹#›</a:t>
+              <a:t>‹nº›</a:t>
             </a:fld>
             <a:endParaRPr lang="pt-BR"/>
           </a:p>
@@ -5898,7 +6069,7 @@
           <a:p>
             <a:fld id="{358D75C1-F3B0-4D81-A190-EFDBB1D1AFEE}" type="datetimeFigureOut">
               <a:rPr lang="pt-BR" smtClean="0"/>
-              <a:t>19/08/2021</a:t>
+              <a:t>23/08/2021</a:t>
             </a:fld>
             <a:endParaRPr lang="pt-BR"/>
           </a:p>
@@ -5952,7 +6123,7 @@
           <a:p>
             <a:fld id="{F6DAF70D-9E8B-4ED6-9311-5F4D3EA89BB5}" type="slidenum">
               <a:rPr lang="pt-BR" smtClean="0"/>
-              <a:t>‹#›</a:t>
+              <a:t>‹nº›</a:t>
             </a:fld>
             <a:endParaRPr lang="pt-BR"/>
           </a:p>
@@ -6310,7 +6481,7 @@
           <a:p>
             <a:fld id="{358D75C1-F3B0-4D81-A190-EFDBB1D1AFEE}" type="datetimeFigureOut">
               <a:rPr lang="pt-BR" smtClean="0"/>
-              <a:t>19/08/2021</a:t>
+              <a:t>23/08/2021</a:t>
             </a:fld>
             <a:endParaRPr lang="pt-BR"/>
           </a:p>
@@ -6364,7 +6535,7 @@
           <a:p>
             <a:fld id="{F6DAF70D-9E8B-4ED6-9311-5F4D3EA89BB5}" type="slidenum">
               <a:rPr lang="pt-BR" smtClean="0"/>
-              <a:t>‹#›</a:t>
+              <a:t>‹nº›</a:t>
             </a:fld>
             <a:endParaRPr lang="pt-BR"/>
           </a:p>
@@ -6451,7 +6622,7 @@
           <a:p>
             <a:fld id="{358D75C1-F3B0-4D81-A190-EFDBB1D1AFEE}" type="datetimeFigureOut">
               <a:rPr lang="pt-BR" smtClean="0"/>
-              <a:t>19/08/2021</a:t>
+              <a:t>23/08/2021</a:t>
             </a:fld>
             <a:endParaRPr lang="pt-BR"/>
           </a:p>
@@ -6505,7 +6676,7 @@
           <a:p>
             <a:fld id="{F6DAF70D-9E8B-4ED6-9311-5F4D3EA89BB5}" type="slidenum">
               <a:rPr lang="pt-BR" smtClean="0"/>
-              <a:t>‹#›</a:t>
+              <a:t>‹nº›</a:t>
             </a:fld>
             <a:endParaRPr lang="pt-BR"/>
           </a:p>
@@ -6564,7 +6735,7 @@
           <a:p>
             <a:fld id="{358D75C1-F3B0-4D81-A190-EFDBB1D1AFEE}" type="datetimeFigureOut">
               <a:rPr lang="pt-BR" smtClean="0"/>
-              <a:t>19/08/2021</a:t>
+              <a:t>23/08/2021</a:t>
             </a:fld>
             <a:endParaRPr lang="pt-BR"/>
           </a:p>
@@ -6618,7 +6789,7 @@
           <a:p>
             <a:fld id="{F6DAF70D-9E8B-4ED6-9311-5F4D3EA89BB5}" type="slidenum">
               <a:rPr lang="pt-BR" smtClean="0"/>
-              <a:t>‹#›</a:t>
+              <a:t>‹nº›</a:t>
             </a:fld>
             <a:endParaRPr lang="pt-BR"/>
           </a:p>
@@ -6875,7 +7046,7 @@
           <a:p>
             <a:fld id="{358D75C1-F3B0-4D81-A190-EFDBB1D1AFEE}" type="datetimeFigureOut">
               <a:rPr lang="pt-BR" smtClean="0"/>
-              <a:t>19/08/2021</a:t>
+              <a:t>23/08/2021</a:t>
             </a:fld>
             <a:endParaRPr lang="pt-BR"/>
           </a:p>
@@ -6929,7 +7100,7 @@
           <a:p>
             <a:fld id="{F6DAF70D-9E8B-4ED6-9311-5F4D3EA89BB5}" type="slidenum">
               <a:rPr lang="pt-BR" smtClean="0"/>
-              <a:t>‹#›</a:t>
+              <a:t>‹nº›</a:t>
             </a:fld>
             <a:endParaRPr lang="pt-BR"/>
           </a:p>
@@ -7163,7 +7334,7 @@
           <a:p>
             <a:fld id="{358D75C1-F3B0-4D81-A190-EFDBB1D1AFEE}" type="datetimeFigureOut">
               <a:rPr lang="pt-BR" smtClean="0"/>
-              <a:t>19/08/2021</a:t>
+              <a:t>23/08/2021</a:t>
             </a:fld>
             <a:endParaRPr lang="pt-BR"/>
           </a:p>
@@ -7217,7 +7388,7 @@
           <a:p>
             <a:fld id="{F6DAF70D-9E8B-4ED6-9311-5F4D3EA89BB5}" type="slidenum">
               <a:rPr lang="pt-BR" smtClean="0"/>
-              <a:t>‹#›</a:t>
+              <a:t>‹nº›</a:t>
             </a:fld>
             <a:endParaRPr lang="pt-BR"/>
           </a:p>
@@ -7404,7 +7575,7 @@
           <a:p>
             <a:fld id="{358D75C1-F3B0-4D81-A190-EFDBB1D1AFEE}" type="datetimeFigureOut">
               <a:rPr lang="pt-BR" smtClean="0"/>
-              <a:t>19/08/2021</a:t>
+              <a:t>23/08/2021</a:t>
             </a:fld>
             <a:endParaRPr lang="pt-BR"/>
           </a:p>
@@ -7494,7 +7665,7 @@
           <a:p>
             <a:fld id="{F6DAF70D-9E8B-4ED6-9311-5F4D3EA89BB5}" type="slidenum">
               <a:rPr lang="pt-BR" smtClean="0"/>
-              <a:t>‹#›</a:t>
+              <a:t>‹nº›</a:t>
             </a:fld>
             <a:endParaRPr lang="pt-BR"/>
           </a:p>
@@ -8990,10 +9161,10 @@
       </p:sp>
       <p:pic>
         <p:nvPicPr>
-          <p:cNvPr id="12" name="Graphic 11">
+          <p:cNvPr id="3" name="Gráfico 2">
             <a:extLst>
               <a:ext uri="{FF2B5EF4-FFF2-40B4-BE49-F238E27FC236}">
-                <a16:creationId xmlns:a16="http://schemas.microsoft.com/office/drawing/2014/main" id="{08C5FB60-1BF5-BE4F-8104-A54858793712}"/>
+                <a16:creationId xmlns:a16="http://schemas.microsoft.com/office/drawing/2014/main" id="{BCFF7F63-1384-4090-B417-90B3659CABCA}"/>
               </a:ext>
             </a:extLst>
           </p:cNvPr>
@@ -9019,8 +9190,8 @@
         </p:blipFill>
         <p:spPr>
           <a:xfrm>
-            <a:off x="7236405" y="2630609"/>
-            <a:ext cx="4053004" cy="3615580"/>
+            <a:off x="6972300" y="2382592"/>
+            <a:ext cx="4691398" cy="4080791"/>
           </a:xfrm>
           <a:prstGeom prst="rect">
             <a:avLst/>
@@ -9102,51 +9273,6 @@
                       </p:childTnLst>
                     </p:cTn>
                   </p:par>
-                  <p:par>
-                    <p:cTn id="7" fill="hold">
-                      <p:stCondLst>
-                        <p:cond delay="indefinite"/>
-                      </p:stCondLst>
-                      <p:childTnLst>
-                        <p:par>
-                          <p:cTn id="8" fill="hold">
-                            <p:stCondLst>
-                              <p:cond delay="0"/>
-                            </p:stCondLst>
-                            <p:childTnLst>
-                              <p:par>
-                                <p:cTn id="9" presetID="1" presetClass="entr" presetSubtype="0" fill="hold" nodeType="clickEffect">
-                                  <p:stCondLst>
-                                    <p:cond delay="0"/>
-                                  </p:stCondLst>
-                                  <p:childTnLst>
-                                    <p:set>
-                                      <p:cBhvr>
-                                        <p:cTn id="10" dur="1" fill="hold">
-                                          <p:stCondLst>
-                                            <p:cond delay="0"/>
-                                          </p:stCondLst>
-                                        </p:cTn>
-                                        <p:tgtEl>
-                                          <p:spTgt spid="12"/>
-                                        </p:tgtEl>
-                                        <p:attrNameLst>
-                                          <p:attrName>style.visibility</p:attrName>
-                                        </p:attrNameLst>
-                                      </p:cBhvr>
-                                      <p:to>
-                                        <p:strVal val="visible"/>
-                                      </p:to>
-                                    </p:set>
-                                  </p:childTnLst>
-                                </p:cTn>
-                              </p:par>
-                            </p:childTnLst>
-                          </p:cTn>
-                        </p:par>
-                      </p:childTnLst>
-                    </p:cTn>
-                  </p:par>
                 </p:childTnLst>
               </p:cTn>
               <p:prevCondLst>
@@ -9318,12 +9444,18 @@
         </p:nvSpPr>
         <p:spPr>
           <a:xfrm>
-            <a:off x="4209535" y="3237470"/>
-            <a:ext cx="2075935" cy="1540476"/>
+            <a:off x="5439781" y="3675815"/>
+            <a:ext cx="1241667" cy="1540476"/>
           </a:xfrm>
           <a:prstGeom prst="roundRect">
             <a:avLst/>
           </a:prstGeom>
+          <a:solidFill>
+            <a:srgbClr val="5133B7"/>
+          </a:solidFill>
+          <a:ln>
+            <a:noFill/>
+          </a:ln>
         </p:spPr>
         <p:style>
           <a:lnRef idx="2">
@@ -9356,10 +9488,10 @@
       </p:sp>
       <p:sp>
         <p:nvSpPr>
-          <p:cNvPr id="20" name="Retângulo: Cantos Arredondados 19">
+          <p:cNvPr id="2" name="Elipse 1">
             <a:extLst>
               <a:ext uri="{FF2B5EF4-FFF2-40B4-BE49-F238E27FC236}">
-                <a16:creationId xmlns:a16="http://schemas.microsoft.com/office/drawing/2014/main" id="{38CF33BA-15CE-45F7-BB22-D14F350170C1}"/>
+                <a16:creationId xmlns:a16="http://schemas.microsoft.com/office/drawing/2014/main" id="{AC4C6273-9FD2-495F-9D74-F07B1913CCFD}"/>
               </a:ext>
             </a:extLst>
           </p:cNvPr>
@@ -9368,12 +9500,18 @@
         </p:nvSpPr>
         <p:spPr>
           <a:xfrm>
-            <a:off x="4285735" y="1934096"/>
-            <a:ext cx="2075935" cy="1540476"/>
+            <a:off x="5306332" y="2134119"/>
+            <a:ext cx="1416676" cy="1416676"/>
           </a:xfrm>
-          <a:prstGeom prst="roundRect">
+          <a:prstGeom prst="ellipse">
             <a:avLst/>
           </a:prstGeom>
+          <a:solidFill>
+            <a:srgbClr val="C36BD6"/>
+          </a:solidFill>
+          <a:ln>
+            <a:noFill/>
+          </a:ln>
         </p:spPr>
         <p:style>
           <a:lnRef idx="2">
@@ -9397,19 +9535,23 @@
           <a:p>
             <a:pPr algn="ctr"/>
             <a:r>
-              <a:rPr lang="en-US" dirty="0"/>
-              <a:t>MS</a:t>
-            </a:r>
-            <a:endParaRPr lang="pt-BR" dirty="0"/>
+              <a:rPr lang="en-US" sz="900" dirty="0" err="1">
+                <a:latin typeface="Nunito" pitchFamily="2" charset="0"/>
+              </a:rPr>
+              <a:t>Microsserviços</a:t>
+            </a:r>
+            <a:endParaRPr lang="en-US" sz="900" dirty="0">
+              <a:latin typeface="Nunito" pitchFamily="2" charset="0"/>
+            </a:endParaRPr>
           </a:p>
         </p:txBody>
       </p:sp>
       <p:sp>
         <p:nvSpPr>
-          <p:cNvPr id="23" name="Retângulo: Cantos Arredondados 22">
+          <p:cNvPr id="15" name="Elipse 14">
             <a:extLst>
               <a:ext uri="{FF2B5EF4-FFF2-40B4-BE49-F238E27FC236}">
-                <a16:creationId xmlns:a16="http://schemas.microsoft.com/office/drawing/2014/main" id="{CA9A48BF-B786-4A15-958B-4EB1E40E6283}"/>
+                <a16:creationId xmlns:a16="http://schemas.microsoft.com/office/drawing/2014/main" id="{19F3BEFD-FC73-4A18-8FD9-E62932C4CA86}"/>
               </a:ext>
             </a:extLst>
           </p:cNvPr>
@@ -9418,12 +9560,18 @@
         </p:nvSpPr>
         <p:spPr>
           <a:xfrm>
-            <a:off x="5708379" y="3295547"/>
-            <a:ext cx="2075935" cy="1540476"/>
+            <a:off x="6805749" y="2967477"/>
+            <a:ext cx="1416676" cy="1416676"/>
           </a:xfrm>
-          <a:prstGeom prst="roundRect">
+          <a:prstGeom prst="ellipse">
             <a:avLst/>
           </a:prstGeom>
+          <a:solidFill>
+            <a:srgbClr val="C36BD6"/>
+          </a:solidFill>
+          <a:ln>
+            <a:noFill/>
+          </a:ln>
         </p:spPr>
         <p:style>
           <a:lnRef idx="2">
@@ -9447,19 +9595,20 @@
           <a:p>
             <a:pPr algn="ctr"/>
             <a:r>
-              <a:rPr lang="en-US" dirty="0"/>
+              <a:rPr lang="en-US" sz="1200" dirty="0">
+                <a:latin typeface="Nunito" pitchFamily="2" charset="0"/>
+              </a:rPr>
               <a:t>Serverless</a:t>
             </a:r>
-            <a:endParaRPr lang="pt-BR" dirty="0"/>
           </a:p>
         </p:txBody>
       </p:sp>
       <p:sp>
         <p:nvSpPr>
-          <p:cNvPr id="24" name="Retângulo: Cantos Arredondados 23">
+          <p:cNvPr id="16" name="Elipse 15">
             <a:extLst>
               <a:ext uri="{FF2B5EF4-FFF2-40B4-BE49-F238E27FC236}">
-                <a16:creationId xmlns:a16="http://schemas.microsoft.com/office/drawing/2014/main" id="{8ABD1121-C9FF-4183-B283-1CA4E3C095C9}"/>
+                <a16:creationId xmlns:a16="http://schemas.microsoft.com/office/drawing/2014/main" id="{0D6A9C21-8993-476A-84E6-F87B17DE3A76}"/>
               </a:ext>
             </a:extLst>
           </p:cNvPr>
@@ -9468,12 +9617,18 @@
         </p:nvSpPr>
         <p:spPr>
           <a:xfrm>
-            <a:off x="5767781" y="4894100"/>
-            <a:ext cx="2075935" cy="1540476"/>
+            <a:off x="6806127" y="4509173"/>
+            <a:ext cx="1416676" cy="1416676"/>
           </a:xfrm>
-          <a:prstGeom prst="roundRect">
+          <a:prstGeom prst="ellipse">
             <a:avLst/>
           </a:prstGeom>
+          <a:solidFill>
+            <a:srgbClr val="C36BD6"/>
+          </a:solidFill>
+          <a:ln>
+            <a:noFill/>
+          </a:ln>
         </p:spPr>
         <p:style>
           <a:lnRef idx="2">
@@ -9497,19 +9652,23 @@
           <a:p>
             <a:pPr algn="ctr"/>
             <a:r>
-              <a:rPr lang="en-US" dirty="0" err="1"/>
+              <a:rPr lang="en-US" dirty="0" err="1">
+                <a:latin typeface="Nunito" pitchFamily="2" charset="0"/>
+              </a:rPr>
               <a:t>FaaS</a:t>
             </a:r>
-            <a:endParaRPr lang="pt-BR" dirty="0"/>
+            <a:endParaRPr lang="en-US" dirty="0">
+              <a:latin typeface="Nunito" pitchFamily="2" charset="0"/>
+            </a:endParaRPr>
           </a:p>
         </p:txBody>
       </p:sp>
       <p:sp>
         <p:nvSpPr>
-          <p:cNvPr id="25" name="Retângulo: Cantos Arredondados 24">
+          <p:cNvPr id="17" name="Elipse 16">
             <a:extLst>
               <a:ext uri="{FF2B5EF4-FFF2-40B4-BE49-F238E27FC236}">
-                <a16:creationId xmlns:a16="http://schemas.microsoft.com/office/drawing/2014/main" id="{64AE6D33-4A10-485C-9CB7-EC79476F2610}"/>
+                <a16:creationId xmlns:a16="http://schemas.microsoft.com/office/drawing/2014/main" id="{DE1E9E42-6FE6-4ED0-8599-ED2DAE8D5800}"/>
               </a:ext>
             </a:extLst>
           </p:cNvPr>
@@ -9518,12 +9677,18 @@
         </p:nvSpPr>
         <p:spPr>
           <a:xfrm>
-            <a:off x="3819533" y="5576456"/>
-            <a:ext cx="2075935" cy="1540476"/>
+            <a:off x="5306332" y="5342531"/>
+            <a:ext cx="1416676" cy="1416676"/>
           </a:xfrm>
-          <a:prstGeom prst="roundRect">
+          <a:prstGeom prst="ellipse">
             <a:avLst/>
           </a:prstGeom>
+          <a:solidFill>
+            <a:srgbClr val="C36BD6"/>
+          </a:solidFill>
+          <a:ln>
+            <a:noFill/>
+          </a:ln>
         </p:spPr>
         <p:style>
           <a:lnRef idx="2">
@@ -9547,19 +9712,20 @@
           <a:p>
             <a:pPr algn="ctr"/>
             <a:r>
-              <a:rPr lang="en-US" dirty="0"/>
+              <a:rPr lang="en-US" sz="1200" dirty="0">
+                <a:latin typeface="Nunito" pitchFamily="2" charset="0"/>
+              </a:rPr>
               <a:t>Streaming</a:t>
             </a:r>
-            <a:endParaRPr lang="pt-BR" dirty="0"/>
           </a:p>
         </p:txBody>
       </p:sp>
       <p:sp>
         <p:nvSpPr>
-          <p:cNvPr id="29" name="Retângulo: Cantos Arredondados 28">
+          <p:cNvPr id="18" name="Elipse 17">
             <a:extLst>
               <a:ext uri="{FF2B5EF4-FFF2-40B4-BE49-F238E27FC236}">
-                <a16:creationId xmlns:a16="http://schemas.microsoft.com/office/drawing/2014/main" id="{348566CF-6A6D-4035-8304-D6EEB37F0ADC}"/>
+                <a16:creationId xmlns:a16="http://schemas.microsoft.com/office/drawing/2014/main" id="{603300C5-B6FC-4D54-806E-29778F24F9E0}"/>
               </a:ext>
             </a:extLst>
           </p:cNvPr>
@@ -9568,12 +9734,18 @@
         </p:nvSpPr>
         <p:spPr>
           <a:xfrm>
-            <a:off x="2133600" y="4593419"/>
-            <a:ext cx="2075935" cy="1540476"/>
+            <a:off x="3783845" y="4509173"/>
+            <a:ext cx="1416676" cy="1416676"/>
           </a:xfrm>
-          <a:prstGeom prst="roundRect">
+          <a:prstGeom prst="ellipse">
             <a:avLst/>
           </a:prstGeom>
+          <a:solidFill>
+            <a:srgbClr val="C36BD6"/>
+          </a:solidFill>
+          <a:ln>
+            <a:noFill/>
+          </a:ln>
         </p:spPr>
         <p:style>
           <a:lnRef idx="2">
@@ -9597,19 +9769,20 @@
           <a:p>
             <a:pPr algn="ctr"/>
             <a:r>
-              <a:rPr lang="en-US" dirty="0"/>
+              <a:rPr lang="en-US" sz="1600" dirty="0">
+                <a:latin typeface="Nunito" pitchFamily="2" charset="0"/>
+              </a:rPr>
               <a:t>Event Sourcing</a:t>
             </a:r>
-            <a:endParaRPr lang="pt-BR" dirty="0"/>
           </a:p>
         </p:txBody>
       </p:sp>
       <p:sp>
         <p:nvSpPr>
-          <p:cNvPr id="30" name="Retângulo: Cantos Arredondados 29">
+          <p:cNvPr id="19" name="Elipse 18">
             <a:extLst>
               <a:ext uri="{FF2B5EF4-FFF2-40B4-BE49-F238E27FC236}">
-                <a16:creationId xmlns:a16="http://schemas.microsoft.com/office/drawing/2014/main" id="{D4DD2845-9FD9-406F-8DFF-CABFA672A34F}"/>
+                <a16:creationId xmlns:a16="http://schemas.microsoft.com/office/drawing/2014/main" id="{94FDAC25-CD68-488D-913D-B0BC19FC2566}"/>
               </a:ext>
             </a:extLst>
           </p:cNvPr>
@@ -9618,12 +9791,18 @@
         </p:nvSpPr>
         <p:spPr>
           <a:xfrm>
-            <a:off x="2303770" y="3003425"/>
-            <a:ext cx="2075935" cy="1540476"/>
+            <a:off x="3784504" y="2967477"/>
+            <a:ext cx="1416676" cy="1416676"/>
           </a:xfrm>
-          <a:prstGeom prst="roundRect">
+          <a:prstGeom prst="ellipse">
             <a:avLst/>
           </a:prstGeom>
+          <a:solidFill>
+            <a:srgbClr val="C36BD6"/>
+          </a:solidFill>
+          <a:ln>
+            <a:noFill/>
+          </a:ln>
         </p:spPr>
         <p:style>
           <a:lnRef idx="2">
@@ -9647,10 +9826,11 @@
           <a:p>
             <a:pPr algn="ctr"/>
             <a:r>
-              <a:rPr lang="en-US" dirty="0"/>
+              <a:rPr lang="en-US" dirty="0">
+                <a:latin typeface="Nunito" pitchFamily="2" charset="0"/>
+              </a:rPr>
               <a:t>CQRS</a:t>
             </a:r>
-            <a:endParaRPr lang="pt-BR" dirty="0"/>
           </a:p>
         </p:txBody>
       </p:sp>
@@ -9855,8 +10035,17 @@
               <a:rPr lang="pt-BR" b="1" dirty="0">
                 <a:latin typeface="Nunito" pitchFamily="2" charset="77"/>
               </a:rPr>
-              <a:t>O que nossa empresa faz?</a:t>
-            </a:r>
+              <a:t>Cenário de </a:t>
+            </a:r>
+            <a:r>
+              <a:rPr lang="pt-BR" b="1" dirty="0" err="1">
+                <a:latin typeface="Nunito" pitchFamily="2" charset="77"/>
+              </a:rPr>
+              <a:t>microsserviços</a:t>
+            </a:r>
+            <a:endParaRPr lang="pt-BR" b="1" dirty="0">
+              <a:latin typeface="Nunito" pitchFamily="2" charset="77"/>
+            </a:endParaRPr>
           </a:p>
           <a:p>
             <a:pPr marL="285750" indent="-285750">
@@ -9955,10 +10144,10 @@
       </p:sp>
       <p:pic>
         <p:nvPicPr>
-          <p:cNvPr id="12" name="Graphic 11">
+          <p:cNvPr id="3" name="Gráfico 2">
             <a:extLst>
               <a:ext uri="{FF2B5EF4-FFF2-40B4-BE49-F238E27FC236}">
-                <a16:creationId xmlns:a16="http://schemas.microsoft.com/office/drawing/2014/main" id="{08C5FB60-1BF5-BE4F-8104-A54858793712}"/>
+                <a16:creationId xmlns:a16="http://schemas.microsoft.com/office/drawing/2014/main" id="{AA7CA6FC-9335-4D82-A4B5-F2ACD6154784}"/>
               </a:ext>
             </a:extLst>
           </p:cNvPr>
@@ -9984,8 +10173,8 @@
         </p:blipFill>
         <p:spPr>
           <a:xfrm>
-            <a:off x="7236405" y="2630609"/>
-            <a:ext cx="4053004" cy="3615580"/>
+            <a:off x="5744983" y="2606803"/>
+            <a:ext cx="5901705" cy="3733732"/>
           </a:xfrm>
           <a:prstGeom prst="rect">
             <a:avLst/>
@@ -10049,51 +10238,6 @@
                                         </p:cTn>
                                         <p:tgtEl>
                                           <p:spTgt spid="8"/>
-                                        </p:tgtEl>
-                                        <p:attrNameLst>
-                                          <p:attrName>style.visibility</p:attrName>
-                                        </p:attrNameLst>
-                                      </p:cBhvr>
-                                      <p:to>
-                                        <p:strVal val="visible"/>
-                                      </p:to>
-                                    </p:set>
-                                  </p:childTnLst>
-                                </p:cTn>
-                              </p:par>
-                            </p:childTnLst>
-                          </p:cTn>
-                        </p:par>
-                      </p:childTnLst>
-                    </p:cTn>
-                  </p:par>
-                  <p:par>
-                    <p:cTn id="7" fill="hold">
-                      <p:stCondLst>
-                        <p:cond delay="indefinite"/>
-                      </p:stCondLst>
-                      <p:childTnLst>
-                        <p:par>
-                          <p:cTn id="8" fill="hold">
-                            <p:stCondLst>
-                              <p:cond delay="0"/>
-                            </p:stCondLst>
-                            <p:childTnLst>
-                              <p:par>
-                                <p:cTn id="9" presetID="1" presetClass="entr" presetSubtype="0" fill="hold" nodeType="clickEffect">
-                                  <p:stCondLst>
-                                    <p:cond delay="0"/>
-                                  </p:stCondLst>
-                                  <p:childTnLst>
-                                    <p:set>
-                                      <p:cBhvr>
-                                        <p:cTn id="10" dur="1" fill="hold">
-                                          <p:stCondLst>
-                                            <p:cond delay="0"/>
-                                          </p:stCondLst>
-                                        </p:cTn>
-                                        <p:tgtEl>
-                                          <p:spTgt spid="12"/>
                                         </p:tgtEl>
                                         <p:attrNameLst>
                                           <p:attrName>style.visibility</p:attrName>
@@ -10887,10 +11031,10 @@
       </p:sp>
       <p:pic>
         <p:nvPicPr>
-          <p:cNvPr id="12" name="Graphic 11">
+          <p:cNvPr id="3" name="Gráfico 2">
             <a:extLst>
               <a:ext uri="{FF2B5EF4-FFF2-40B4-BE49-F238E27FC236}">
-                <a16:creationId xmlns:a16="http://schemas.microsoft.com/office/drawing/2014/main" id="{08C5FB60-1BF5-BE4F-8104-A54858793712}"/>
+                <a16:creationId xmlns:a16="http://schemas.microsoft.com/office/drawing/2014/main" id="{CBA04222-E9A5-46A3-809E-82ED64A96098}"/>
               </a:ext>
             </a:extLst>
           </p:cNvPr>
@@ -10916,8 +11060,8 @@
         </p:blipFill>
         <p:spPr>
           <a:xfrm>
-            <a:off x="7236405" y="2630609"/>
-            <a:ext cx="4053004" cy="3615580"/>
+            <a:off x="6012472" y="2719343"/>
+            <a:ext cx="5439300" cy="3275393"/>
           </a:xfrm>
           <a:prstGeom prst="rect">
             <a:avLst/>
@@ -10999,51 +11143,6 @@
                       </p:childTnLst>
                     </p:cTn>
                   </p:par>
-                  <p:par>
-                    <p:cTn id="7" fill="hold">
-                      <p:stCondLst>
-                        <p:cond delay="indefinite"/>
-                      </p:stCondLst>
-                      <p:childTnLst>
-                        <p:par>
-                          <p:cTn id="8" fill="hold">
-                            <p:stCondLst>
-                              <p:cond delay="0"/>
-                            </p:stCondLst>
-                            <p:childTnLst>
-                              <p:par>
-                                <p:cTn id="9" presetID="1" presetClass="entr" presetSubtype="0" fill="hold" nodeType="clickEffect">
-                                  <p:stCondLst>
-                                    <p:cond delay="0"/>
-                                  </p:stCondLst>
-                                  <p:childTnLst>
-                                    <p:set>
-                                      <p:cBhvr>
-                                        <p:cTn id="10" dur="1" fill="hold">
-                                          <p:stCondLst>
-                                            <p:cond delay="0"/>
-                                          </p:stCondLst>
-                                        </p:cTn>
-                                        <p:tgtEl>
-                                          <p:spTgt spid="12"/>
-                                        </p:tgtEl>
-                                        <p:attrNameLst>
-                                          <p:attrName>style.visibility</p:attrName>
-                                        </p:attrNameLst>
-                                      </p:cBhvr>
-                                      <p:to>
-                                        <p:strVal val="visible"/>
-                                      </p:to>
-                                    </p:set>
-                                  </p:childTnLst>
-                                </p:cTn>
-                              </p:par>
-                            </p:childTnLst>
-                          </p:cTn>
-                        </p:par>
-                      </p:childTnLst>
-                    </p:cTn>
-                  </p:par>
                 </p:childTnLst>
               </p:cTn>
               <p:prevCondLst>
@@ -11588,10 +11687,10 @@
       </p:sp>
       <p:pic>
         <p:nvPicPr>
-          <p:cNvPr id="12" name="Graphic 11">
+          <p:cNvPr id="3" name="Gráfico 2">
             <a:extLst>
               <a:ext uri="{FF2B5EF4-FFF2-40B4-BE49-F238E27FC236}">
-                <a16:creationId xmlns:a16="http://schemas.microsoft.com/office/drawing/2014/main" id="{08C5FB60-1BF5-BE4F-8104-A54858793712}"/>
+                <a16:creationId xmlns:a16="http://schemas.microsoft.com/office/drawing/2014/main" id="{A47D6E45-10DA-4E98-B616-2AFFCB8E9BE0}"/>
               </a:ext>
             </a:extLst>
           </p:cNvPr>
@@ -11617,8 +11716,8 @@
         </p:blipFill>
         <p:spPr>
           <a:xfrm>
-            <a:off x="7236405" y="2630609"/>
-            <a:ext cx="4053004" cy="3615580"/>
+            <a:off x="7277771" y="2857635"/>
+            <a:ext cx="4486817" cy="3139736"/>
           </a:xfrm>
           <a:prstGeom prst="rect">
             <a:avLst/>
@@ -11700,51 +11799,6 @@
                       </p:childTnLst>
                     </p:cTn>
                   </p:par>
-                  <p:par>
-                    <p:cTn id="7" fill="hold">
-                      <p:stCondLst>
-                        <p:cond delay="indefinite"/>
-                      </p:stCondLst>
-                      <p:childTnLst>
-                        <p:par>
-                          <p:cTn id="8" fill="hold">
-                            <p:stCondLst>
-                              <p:cond delay="0"/>
-                            </p:stCondLst>
-                            <p:childTnLst>
-                              <p:par>
-                                <p:cTn id="9" presetID="1" presetClass="entr" presetSubtype="0" fill="hold" nodeType="clickEffect">
-                                  <p:stCondLst>
-                                    <p:cond delay="0"/>
-                                  </p:stCondLst>
-                                  <p:childTnLst>
-                                    <p:set>
-                                      <p:cBhvr>
-                                        <p:cTn id="10" dur="1" fill="hold">
-                                          <p:stCondLst>
-                                            <p:cond delay="0"/>
-                                          </p:stCondLst>
-                                        </p:cTn>
-                                        <p:tgtEl>
-                                          <p:spTgt spid="12"/>
-                                        </p:tgtEl>
-                                        <p:attrNameLst>
-                                          <p:attrName>style.visibility</p:attrName>
-                                        </p:attrNameLst>
-                                      </p:cBhvr>
-                                      <p:to>
-                                        <p:strVal val="visible"/>
-                                      </p:to>
-                                    </p:set>
-                                  </p:childTnLst>
-                                </p:cTn>
-                              </p:par>
-                            </p:childTnLst>
-                          </p:cTn>
-                        </p:par>
-                      </p:childTnLst>
-                    </p:cTn>
-                  </p:par>
                 </p:childTnLst>
               </p:cTn>
               <p:prevCondLst>
@@ -12088,10 +12142,10 @@
       </p:sp>
       <p:pic>
         <p:nvPicPr>
-          <p:cNvPr id="12" name="Graphic 11">
+          <p:cNvPr id="3" name="Gráfico 2">
             <a:extLst>
               <a:ext uri="{FF2B5EF4-FFF2-40B4-BE49-F238E27FC236}">
-                <a16:creationId xmlns:a16="http://schemas.microsoft.com/office/drawing/2014/main" id="{08C5FB60-1BF5-BE4F-8104-A54858793712}"/>
+                <a16:creationId xmlns:a16="http://schemas.microsoft.com/office/drawing/2014/main" id="{D4944081-8A12-40B9-B8F2-B520D75FD0D7}"/>
               </a:ext>
             </a:extLst>
           </p:cNvPr>
@@ -12117,8 +12171,8 @@
         </p:blipFill>
         <p:spPr>
           <a:xfrm>
-            <a:off x="7236405" y="2630609"/>
-            <a:ext cx="4053004" cy="3615580"/>
+            <a:off x="5817628" y="2719343"/>
+            <a:ext cx="5910618" cy="3190204"/>
           </a:xfrm>
           <a:prstGeom prst="rect">
             <a:avLst/>
@@ -12182,51 +12236,6 @@
                                         </p:cTn>
                                         <p:tgtEl>
                                           <p:spTgt spid="8"/>
-                                        </p:tgtEl>
-                                        <p:attrNameLst>
-                                          <p:attrName>style.visibility</p:attrName>
-                                        </p:attrNameLst>
-                                      </p:cBhvr>
-                                      <p:to>
-                                        <p:strVal val="visible"/>
-                                      </p:to>
-                                    </p:set>
-                                  </p:childTnLst>
-                                </p:cTn>
-                              </p:par>
-                            </p:childTnLst>
-                          </p:cTn>
-                        </p:par>
-                      </p:childTnLst>
-                    </p:cTn>
-                  </p:par>
-                  <p:par>
-                    <p:cTn id="7" fill="hold">
-                      <p:stCondLst>
-                        <p:cond delay="indefinite"/>
-                      </p:stCondLst>
-                      <p:childTnLst>
-                        <p:par>
-                          <p:cTn id="8" fill="hold">
-                            <p:stCondLst>
-                              <p:cond delay="0"/>
-                            </p:stCondLst>
-                            <p:childTnLst>
-                              <p:par>
-                                <p:cTn id="9" presetID="1" presetClass="entr" presetSubtype="0" fill="hold" nodeType="clickEffect">
-                                  <p:stCondLst>
-                                    <p:cond delay="0"/>
-                                  </p:stCondLst>
-                                  <p:childTnLst>
-                                    <p:set>
-                                      <p:cBhvr>
-                                        <p:cTn id="10" dur="1" fill="hold">
-                                          <p:stCondLst>
-                                            <p:cond delay="0"/>
-                                          </p:stCondLst>
-                                        </p:cTn>
-                                        <p:tgtEl>
-                                          <p:spTgt spid="12"/>
                                         </p:tgtEl>
                                         <p:attrNameLst>
                                           <p:attrName>style.visibility</p:attrName>
@@ -12833,7 +12842,7 @@
               <a:rPr lang="pt-BR" b="1" dirty="0">
                 <a:latin typeface="Nunito" pitchFamily="2" charset="77"/>
               </a:rPr>
-              <a:t>Mensagem</a:t>
+              <a:t>Pontos positivos</a:t>
             </a:r>
           </a:p>
           <a:p>
@@ -13107,10 +13116,10 @@
       </p:sp>
       <p:pic>
         <p:nvPicPr>
-          <p:cNvPr id="12" name="Graphic 11">
+          <p:cNvPr id="3" name="Gráfico 2">
             <a:extLst>
               <a:ext uri="{FF2B5EF4-FFF2-40B4-BE49-F238E27FC236}">
-                <a16:creationId xmlns:a16="http://schemas.microsoft.com/office/drawing/2014/main" id="{08C5FB60-1BF5-BE4F-8104-A54858793712}"/>
+                <a16:creationId xmlns:a16="http://schemas.microsoft.com/office/drawing/2014/main" id="{3B03D818-BDEC-4411-8D79-088A6D7DA46B}"/>
               </a:ext>
             </a:extLst>
           </p:cNvPr>
@@ -13136,8 +13145,8 @@
         </p:blipFill>
         <p:spPr>
           <a:xfrm>
-            <a:off x="7236405" y="2630609"/>
-            <a:ext cx="4053004" cy="3615580"/>
+            <a:off x="7200133" y="2511380"/>
+            <a:ext cx="4198788" cy="3638282"/>
           </a:xfrm>
           <a:prstGeom prst="rect">
             <a:avLst/>
@@ -13219,51 +13228,6 @@
                       </p:childTnLst>
                     </p:cTn>
                   </p:par>
-                  <p:par>
-                    <p:cTn id="7" fill="hold">
-                      <p:stCondLst>
-                        <p:cond delay="indefinite"/>
-                      </p:stCondLst>
-                      <p:childTnLst>
-                        <p:par>
-                          <p:cTn id="8" fill="hold">
-                            <p:stCondLst>
-                              <p:cond delay="0"/>
-                            </p:stCondLst>
-                            <p:childTnLst>
-                              <p:par>
-                                <p:cTn id="9" presetID="1" presetClass="entr" presetSubtype="0" fill="hold" nodeType="clickEffect">
-                                  <p:stCondLst>
-                                    <p:cond delay="0"/>
-                                  </p:stCondLst>
-                                  <p:childTnLst>
-                                    <p:set>
-                                      <p:cBhvr>
-                                        <p:cTn id="10" dur="1" fill="hold">
-                                          <p:stCondLst>
-                                            <p:cond delay="0"/>
-                                          </p:stCondLst>
-                                        </p:cTn>
-                                        <p:tgtEl>
-                                          <p:spTgt spid="12"/>
-                                        </p:tgtEl>
-                                        <p:attrNameLst>
-                                          <p:attrName>style.visibility</p:attrName>
-                                        </p:attrNameLst>
-                                      </p:cBhvr>
-                                      <p:to>
-                                        <p:strVal val="visible"/>
-                                      </p:to>
-                                    </p:set>
-                                  </p:childTnLst>
-                                </p:cTn>
-                              </p:par>
-                            </p:childTnLst>
-                          </p:cTn>
-                        </p:par>
-                      </p:childTnLst>
-                    </p:cTn>
-                  </p:par>
                 </p:childTnLst>
               </p:cTn>
               <p:prevCondLst>
@@ -13453,7 +13417,7 @@
               <a:rPr lang="pt-BR" b="1" dirty="0">
                 <a:latin typeface="Nunito" pitchFamily="2" charset="77"/>
               </a:rPr>
-              <a:t>Mensagem</a:t>
+              <a:t>Pontos negativos</a:t>
             </a:r>
           </a:p>
           <a:p>
@@ -13805,10 +13769,10 @@
       </p:sp>
       <p:pic>
         <p:nvPicPr>
-          <p:cNvPr id="12" name="Graphic 11">
+          <p:cNvPr id="3" name="Gráfico 2">
             <a:extLst>
               <a:ext uri="{FF2B5EF4-FFF2-40B4-BE49-F238E27FC236}">
-                <a16:creationId xmlns:a16="http://schemas.microsoft.com/office/drawing/2014/main" id="{08C5FB60-1BF5-BE4F-8104-A54858793712}"/>
+                <a16:creationId xmlns:a16="http://schemas.microsoft.com/office/drawing/2014/main" id="{A9C6D3A1-3E07-4F33-A579-FC4585ED6474}"/>
               </a:ext>
             </a:extLst>
           </p:cNvPr>
@@ -13834,8 +13798,8 @@
         </p:blipFill>
         <p:spPr>
           <a:xfrm>
-            <a:off x="7236405" y="2630609"/>
-            <a:ext cx="4053004" cy="3615580"/>
+            <a:off x="6298634" y="2401910"/>
+            <a:ext cx="5153138" cy="3799268"/>
           </a:xfrm>
           <a:prstGeom prst="rect">
             <a:avLst/>
@@ -13899,51 +13863,6 @@
                                         </p:cTn>
                                         <p:tgtEl>
                                           <p:spTgt spid="8"/>
-                                        </p:tgtEl>
-                                        <p:attrNameLst>
-                                          <p:attrName>style.visibility</p:attrName>
-                                        </p:attrNameLst>
-                                      </p:cBhvr>
-                                      <p:to>
-                                        <p:strVal val="visible"/>
-                                      </p:to>
-                                    </p:set>
-                                  </p:childTnLst>
-                                </p:cTn>
-                              </p:par>
-                            </p:childTnLst>
-                          </p:cTn>
-                        </p:par>
-                      </p:childTnLst>
-                    </p:cTn>
-                  </p:par>
-                  <p:par>
-                    <p:cTn id="7" fill="hold">
-                      <p:stCondLst>
-                        <p:cond delay="indefinite"/>
-                      </p:stCondLst>
-                      <p:childTnLst>
-                        <p:par>
-                          <p:cTn id="8" fill="hold">
-                            <p:stCondLst>
-                              <p:cond delay="0"/>
-                            </p:stCondLst>
-                            <p:childTnLst>
-                              <p:par>
-                                <p:cTn id="9" presetID="1" presetClass="entr" presetSubtype="0" fill="hold" nodeType="clickEffect">
-                                  <p:stCondLst>
-                                    <p:cond delay="0"/>
-                                  </p:stCondLst>
-                                  <p:childTnLst>
-                                    <p:set>
-                                      <p:cBhvr>
-                                        <p:cTn id="10" dur="1" fill="hold">
-                                          <p:stCondLst>
-                                            <p:cond delay="0"/>
-                                          </p:stCondLst>
-                                        </p:cTn>
-                                        <p:tgtEl>
-                                          <p:spTgt spid="12"/>
                                         </p:tgtEl>
                                         <p:attrNameLst>
                                           <p:attrName>style.visibility</p:attrName>
@@ -15151,10 +15070,10 @@
       </p:sp>
       <p:pic>
         <p:nvPicPr>
-          <p:cNvPr id="12" name="Graphic 11">
+          <p:cNvPr id="3" name="Gráfico 2">
             <a:extLst>
               <a:ext uri="{FF2B5EF4-FFF2-40B4-BE49-F238E27FC236}">
-                <a16:creationId xmlns:a16="http://schemas.microsoft.com/office/drawing/2014/main" id="{08C5FB60-1BF5-BE4F-8104-A54858793712}"/>
+                <a16:creationId xmlns:a16="http://schemas.microsoft.com/office/drawing/2014/main" id="{921FC8D3-427D-42E7-8BC3-3D16FC148F55}"/>
               </a:ext>
             </a:extLst>
           </p:cNvPr>
@@ -15180,8 +15099,8 @@
         </p:blipFill>
         <p:spPr>
           <a:xfrm>
-            <a:off x="7236405" y="2630609"/>
-            <a:ext cx="4053004" cy="3615580"/>
+            <a:off x="6569874" y="3083636"/>
+            <a:ext cx="4881898" cy="2435967"/>
           </a:xfrm>
           <a:prstGeom prst="rect">
             <a:avLst/>
@@ -15263,51 +15182,6 @@
                       </p:childTnLst>
                     </p:cTn>
                   </p:par>
-                  <p:par>
-                    <p:cTn id="7" fill="hold">
-                      <p:stCondLst>
-                        <p:cond delay="indefinite"/>
-                      </p:stCondLst>
-                      <p:childTnLst>
-                        <p:par>
-                          <p:cTn id="8" fill="hold">
-                            <p:stCondLst>
-                              <p:cond delay="0"/>
-                            </p:stCondLst>
-                            <p:childTnLst>
-                              <p:par>
-                                <p:cTn id="9" presetID="1" presetClass="entr" presetSubtype="0" fill="hold" nodeType="clickEffect">
-                                  <p:stCondLst>
-                                    <p:cond delay="0"/>
-                                  </p:stCondLst>
-                                  <p:childTnLst>
-                                    <p:set>
-                                      <p:cBhvr>
-                                        <p:cTn id="10" dur="1" fill="hold">
-                                          <p:stCondLst>
-                                            <p:cond delay="0"/>
-                                          </p:stCondLst>
-                                        </p:cTn>
-                                        <p:tgtEl>
-                                          <p:spTgt spid="12"/>
-                                        </p:tgtEl>
-                                        <p:attrNameLst>
-                                          <p:attrName>style.visibility</p:attrName>
-                                        </p:attrNameLst>
-                                      </p:cBhvr>
-                                      <p:to>
-                                        <p:strVal val="visible"/>
-                                      </p:to>
-                                    </p:set>
-                                  </p:childTnLst>
-                                </p:cTn>
-                              </p:par>
-                            </p:childTnLst>
-                          </p:cTn>
-                        </p:par>
-                      </p:childTnLst>
-                    </p:cTn>
-                  </p:par>
                 </p:childTnLst>
               </p:cTn>
               <p:prevCondLst>
@@ -15757,10 +15631,10 @@
       </p:sp>
       <p:pic>
         <p:nvPicPr>
-          <p:cNvPr id="12" name="Graphic 11">
+          <p:cNvPr id="3" name="Gráfico 2">
             <a:extLst>
               <a:ext uri="{FF2B5EF4-FFF2-40B4-BE49-F238E27FC236}">
-                <a16:creationId xmlns:a16="http://schemas.microsoft.com/office/drawing/2014/main" id="{08C5FB60-1BF5-BE4F-8104-A54858793712}"/>
+                <a16:creationId xmlns:a16="http://schemas.microsoft.com/office/drawing/2014/main" id="{B5CD4B1D-8FC0-4802-A80A-8806E1CB0BF9}"/>
               </a:ext>
             </a:extLst>
           </p:cNvPr>
@@ -15786,8 +15660,8 @@
         </p:blipFill>
         <p:spPr>
           <a:xfrm>
-            <a:off x="7236405" y="2630609"/>
-            <a:ext cx="4053004" cy="3615580"/>
+            <a:off x="6805749" y="2582215"/>
+            <a:ext cx="4902643" cy="3758081"/>
           </a:xfrm>
           <a:prstGeom prst="rect">
             <a:avLst/>
@@ -15869,51 +15743,6 @@
                       </p:childTnLst>
                     </p:cTn>
                   </p:par>
-                  <p:par>
-                    <p:cTn id="7" fill="hold">
-                      <p:stCondLst>
-                        <p:cond delay="indefinite"/>
-                      </p:stCondLst>
-                      <p:childTnLst>
-                        <p:par>
-                          <p:cTn id="8" fill="hold">
-                            <p:stCondLst>
-                              <p:cond delay="0"/>
-                            </p:stCondLst>
-                            <p:childTnLst>
-                              <p:par>
-                                <p:cTn id="9" presetID="1" presetClass="entr" presetSubtype="0" fill="hold" nodeType="clickEffect">
-                                  <p:stCondLst>
-                                    <p:cond delay="0"/>
-                                  </p:stCondLst>
-                                  <p:childTnLst>
-                                    <p:set>
-                                      <p:cBhvr>
-                                        <p:cTn id="10" dur="1" fill="hold">
-                                          <p:stCondLst>
-                                            <p:cond delay="0"/>
-                                          </p:stCondLst>
-                                        </p:cTn>
-                                        <p:tgtEl>
-                                          <p:spTgt spid="12"/>
-                                        </p:tgtEl>
-                                        <p:attrNameLst>
-                                          <p:attrName>style.visibility</p:attrName>
-                                        </p:attrNameLst>
-                                      </p:cBhvr>
-                                      <p:to>
-                                        <p:strVal val="visible"/>
-                                      </p:to>
-                                    </p:set>
-                                  </p:childTnLst>
-                                </p:cTn>
-                              </p:par>
-                            </p:childTnLst>
-                          </p:cTn>
-                        </p:par>
-                      </p:childTnLst>
-                    </p:cTn>
-                  </p:par>
                 </p:childTnLst>
               </p:cTn>
               <p:prevCondLst>
@@ -16420,10 +16249,10 @@
       </p:sp>
       <p:pic>
         <p:nvPicPr>
-          <p:cNvPr id="12" name="Graphic 11">
+          <p:cNvPr id="9" name="Gráfico 8">
             <a:extLst>
               <a:ext uri="{FF2B5EF4-FFF2-40B4-BE49-F238E27FC236}">
-                <a16:creationId xmlns:a16="http://schemas.microsoft.com/office/drawing/2014/main" id="{08C5FB60-1BF5-BE4F-8104-A54858793712}"/>
+                <a16:creationId xmlns:a16="http://schemas.microsoft.com/office/drawing/2014/main" id="{9AA7B628-10EE-4C5A-BD19-3E15E8754CD8}"/>
               </a:ext>
             </a:extLst>
           </p:cNvPr>
@@ -16449,8 +16278,8 @@
         </p:blipFill>
         <p:spPr>
           <a:xfrm>
-            <a:off x="7236405" y="2630609"/>
-            <a:ext cx="4053004" cy="3615580"/>
+            <a:off x="6805749" y="2582215"/>
+            <a:ext cx="4902643" cy="3758081"/>
           </a:xfrm>
           <a:prstGeom prst="rect">
             <a:avLst/>
@@ -16532,51 +16361,6 @@
                       </p:childTnLst>
                     </p:cTn>
                   </p:par>
-                  <p:par>
-                    <p:cTn id="7" fill="hold">
-                      <p:stCondLst>
-                        <p:cond delay="indefinite"/>
-                      </p:stCondLst>
-                      <p:childTnLst>
-                        <p:par>
-                          <p:cTn id="8" fill="hold">
-                            <p:stCondLst>
-                              <p:cond delay="0"/>
-                            </p:stCondLst>
-                            <p:childTnLst>
-                              <p:par>
-                                <p:cTn id="9" presetID="1" presetClass="entr" presetSubtype="0" fill="hold" nodeType="clickEffect">
-                                  <p:stCondLst>
-                                    <p:cond delay="0"/>
-                                  </p:stCondLst>
-                                  <p:childTnLst>
-                                    <p:set>
-                                      <p:cBhvr>
-                                        <p:cTn id="10" dur="1" fill="hold">
-                                          <p:stCondLst>
-                                            <p:cond delay="0"/>
-                                          </p:stCondLst>
-                                        </p:cTn>
-                                        <p:tgtEl>
-                                          <p:spTgt spid="12"/>
-                                        </p:tgtEl>
-                                        <p:attrNameLst>
-                                          <p:attrName>style.visibility</p:attrName>
-                                        </p:attrNameLst>
-                                      </p:cBhvr>
-                                      <p:to>
-                                        <p:strVal val="visible"/>
-                                      </p:to>
-                                    </p:set>
-                                  </p:childTnLst>
-                                </p:cTn>
-                              </p:par>
-                            </p:childTnLst>
-                          </p:cTn>
-                        </p:par>
-                      </p:childTnLst>
-                    </p:cTn>
-                  </p:par>
                 </p:childTnLst>
               </p:cTn>
               <p:prevCondLst>
@@ -17020,10 +16804,10 @@
       </p:sp>
       <p:pic>
         <p:nvPicPr>
-          <p:cNvPr id="12" name="Graphic 11">
+          <p:cNvPr id="9" name="Gráfico 8">
             <a:extLst>
               <a:ext uri="{FF2B5EF4-FFF2-40B4-BE49-F238E27FC236}">
-                <a16:creationId xmlns:a16="http://schemas.microsoft.com/office/drawing/2014/main" id="{08C5FB60-1BF5-BE4F-8104-A54858793712}"/>
+                <a16:creationId xmlns:a16="http://schemas.microsoft.com/office/drawing/2014/main" id="{346D53F0-8057-440E-BD6D-75F1217DEF35}"/>
               </a:ext>
             </a:extLst>
           </p:cNvPr>
@@ -17049,8 +16833,8 @@
         </p:blipFill>
         <p:spPr>
           <a:xfrm>
-            <a:off x="7236405" y="2630609"/>
-            <a:ext cx="4053004" cy="3615580"/>
+            <a:off x="6805749" y="2582215"/>
+            <a:ext cx="4902643" cy="3758081"/>
           </a:xfrm>
           <a:prstGeom prst="rect">
             <a:avLst/>
@@ -17132,51 +16916,6 @@
                       </p:childTnLst>
                     </p:cTn>
                   </p:par>
-                  <p:par>
-                    <p:cTn id="7" fill="hold">
-                      <p:stCondLst>
-                        <p:cond delay="indefinite"/>
-                      </p:stCondLst>
-                      <p:childTnLst>
-                        <p:par>
-                          <p:cTn id="8" fill="hold">
-                            <p:stCondLst>
-                              <p:cond delay="0"/>
-                            </p:stCondLst>
-                            <p:childTnLst>
-                              <p:par>
-                                <p:cTn id="9" presetID="1" presetClass="entr" presetSubtype="0" fill="hold" nodeType="clickEffect">
-                                  <p:stCondLst>
-                                    <p:cond delay="0"/>
-                                  </p:stCondLst>
-                                  <p:childTnLst>
-                                    <p:set>
-                                      <p:cBhvr>
-                                        <p:cTn id="10" dur="1" fill="hold">
-                                          <p:stCondLst>
-                                            <p:cond delay="0"/>
-                                          </p:stCondLst>
-                                        </p:cTn>
-                                        <p:tgtEl>
-                                          <p:spTgt spid="12"/>
-                                        </p:tgtEl>
-                                        <p:attrNameLst>
-                                          <p:attrName>style.visibility</p:attrName>
-                                        </p:attrNameLst>
-                                      </p:cBhvr>
-                                      <p:to>
-                                        <p:strVal val="visible"/>
-                                      </p:to>
-                                    </p:set>
-                                  </p:childTnLst>
-                                </p:cTn>
-                              </p:par>
-                            </p:childTnLst>
-                          </p:cTn>
-                        </p:par>
-                      </p:childTnLst>
-                    </p:cTn>
-                  </p:par>
                 </p:childTnLst>
               </p:cTn>
               <p:prevCondLst>
@@ -17518,10 +17257,10 @@
       </p:sp>
       <p:pic>
         <p:nvPicPr>
-          <p:cNvPr id="12" name="Graphic 11">
+          <p:cNvPr id="9" name="Gráfico 8">
             <a:extLst>
               <a:ext uri="{FF2B5EF4-FFF2-40B4-BE49-F238E27FC236}">
-                <a16:creationId xmlns:a16="http://schemas.microsoft.com/office/drawing/2014/main" id="{08C5FB60-1BF5-BE4F-8104-A54858793712}"/>
+                <a16:creationId xmlns:a16="http://schemas.microsoft.com/office/drawing/2014/main" id="{30C579FA-0034-4A53-AE21-B528CB201687}"/>
               </a:ext>
             </a:extLst>
           </p:cNvPr>
@@ -17547,8 +17286,8 @@
         </p:blipFill>
         <p:spPr>
           <a:xfrm>
-            <a:off x="7236405" y="2630609"/>
-            <a:ext cx="4053004" cy="3615580"/>
+            <a:off x="6805749" y="2582215"/>
+            <a:ext cx="4902643" cy="3758081"/>
           </a:xfrm>
           <a:prstGeom prst="rect">
             <a:avLst/>
@@ -17630,33 +17369,300 @@
                       </p:childTnLst>
                     </p:cTn>
                   </p:par>
+                </p:childTnLst>
+              </p:cTn>
+              <p:prevCondLst>
+                <p:cond evt="onPrev" delay="0">
+                  <p:tgtEl>
+                    <p:sldTgt/>
+                  </p:tgtEl>
+                </p:cond>
+              </p:prevCondLst>
+              <p:nextCondLst>
+                <p:cond evt="onNext" delay="0">
+                  <p:tgtEl>
+                    <p:sldTgt/>
+                  </p:tgtEl>
+                </p:cond>
+              </p:nextCondLst>
+            </p:seq>
+          </p:childTnLst>
+        </p:cTn>
+      </p:par>
+    </p:tnLst>
+    <p:bldLst>
+      <p:bldP spid="8" grpId="0"/>
+    </p:bldLst>
+  </p:timing>
+</p:sld>
+</file>
+
+<file path=ppt/slides/slide26.xml><?xml version="1.0" encoding="utf-8"?>
+<p:sld xmlns:a="http://schemas.openxmlformats.org/drawingml/2006/main" xmlns:r="http://schemas.openxmlformats.org/officeDocument/2006/relationships" xmlns:p="http://schemas.openxmlformats.org/presentationml/2006/main">
+  <p:cSld>
+    <p:spTree>
+      <p:nvGrpSpPr>
+        <p:cNvPr id="1" name=""/>
+        <p:cNvGrpSpPr/>
+        <p:nvPr/>
+      </p:nvGrpSpPr>
+      <p:grpSpPr>
+        <a:xfrm>
+          <a:off x="0" y="0"/>
+          <a:ext cx="0" cy="0"/>
+          <a:chOff x="0" y="0"/>
+          <a:chExt cx="0" cy="0"/>
+        </a:xfrm>
+      </p:grpSpPr>
+      <p:pic>
+        <p:nvPicPr>
+          <p:cNvPr id="5" name="Espaço Reservado para Conteúdo 4">
+            <a:extLst>
+              <a:ext uri="{FF2B5EF4-FFF2-40B4-BE49-F238E27FC236}">
+                <a16:creationId xmlns:a16="http://schemas.microsoft.com/office/drawing/2014/main" id="{DEBCF998-65B9-41B2-A535-E5741DD64BE5}"/>
+              </a:ext>
+            </a:extLst>
+          </p:cNvPr>
+          <p:cNvPicPr>
+            <a:picLocks noGrp="1" noChangeAspect="1"/>
+          </p:cNvPicPr>
+          <p:nvPr>
+            <p:ph idx="1"/>
+          </p:nvPr>
+        </p:nvPicPr>
+        <p:blipFill>
+          <a:blip r:embed="rId2">
+            <a:extLst>
+              <a:ext uri="{28A0092B-C50C-407E-A947-70E740481C1C}">
+                <a14:useLocalDpi xmlns:a14="http://schemas.microsoft.com/office/drawing/2010/main" val="0"/>
+              </a:ext>
+            </a:extLst>
+          </a:blip>
+          <a:stretch>
+            <a:fillRect/>
+          </a:stretch>
+        </p:blipFill>
+        <p:spPr>
+          <a:xfrm>
+            <a:off x="-11088" y="1"/>
+            <a:ext cx="12203088" cy="6881654"/>
+          </a:xfrm>
+        </p:spPr>
+      </p:pic>
+      <p:pic>
+        <p:nvPicPr>
+          <p:cNvPr id="9" name="Gráfico 8">
+            <a:extLst>
+              <a:ext uri="{FF2B5EF4-FFF2-40B4-BE49-F238E27FC236}">
+                <a16:creationId xmlns:a16="http://schemas.microsoft.com/office/drawing/2014/main" id="{8951ED2D-02AB-4784-A820-1B65DE4713F5}"/>
+              </a:ext>
+            </a:extLst>
+          </p:cNvPr>
+          <p:cNvPicPr>
+            <a:picLocks noChangeAspect="1"/>
+          </p:cNvPicPr>
+          <p:nvPr/>
+        </p:nvPicPr>
+        <p:blipFill>
+          <a:blip r:embed="rId3">
+            <a:extLst>
+              <a:ext uri="{96DAC541-7B7A-43D3-8B79-37D633B846F1}">
+                <asvg:svgBlip xmlns:asvg="http://schemas.microsoft.com/office/drawing/2016/SVG/main" r:embed="rId4"/>
+              </a:ext>
+            </a:extLst>
+          </a:blip>
+          <a:stretch>
+            <a:fillRect/>
+          </a:stretch>
+        </p:blipFill>
+        <p:spPr>
+          <a:xfrm>
+            <a:off x="5497357" y="2473134"/>
+            <a:ext cx="185616" cy="219365"/>
+          </a:xfrm>
+          <a:prstGeom prst="rect">
+            <a:avLst/>
+          </a:prstGeom>
+        </p:spPr>
+      </p:pic>
+      <p:pic>
+        <p:nvPicPr>
+          <p:cNvPr id="10" name="Gráfico 9">
+            <a:extLst>
+              <a:ext uri="{FF2B5EF4-FFF2-40B4-BE49-F238E27FC236}">
+                <a16:creationId xmlns:a16="http://schemas.microsoft.com/office/drawing/2014/main" id="{FDE0F12D-8D89-4BEF-85B4-ADA531FBBE17}"/>
+              </a:ext>
+            </a:extLst>
+          </p:cNvPr>
+          <p:cNvPicPr>
+            <a:picLocks noChangeAspect="1"/>
+          </p:cNvPicPr>
+          <p:nvPr/>
+        </p:nvPicPr>
+        <p:blipFill>
+          <a:blip r:embed="rId3">
+            <a:extLst>
+              <a:ext uri="{96DAC541-7B7A-43D3-8B79-37D633B846F1}">
+                <asvg:svgBlip xmlns:asvg="http://schemas.microsoft.com/office/drawing/2016/SVG/main" r:embed="rId4"/>
+              </a:ext>
+            </a:extLst>
+          </a:blip>
+          <a:stretch>
+            <a:fillRect/>
+          </a:stretch>
+        </p:blipFill>
+        <p:spPr>
+          <a:xfrm>
+            <a:off x="6565133" y="3554365"/>
+            <a:ext cx="107465" cy="127002"/>
+          </a:xfrm>
+          <a:prstGeom prst="rect">
+            <a:avLst/>
+          </a:prstGeom>
+        </p:spPr>
+      </p:pic>
+      <p:sp>
+        <p:nvSpPr>
+          <p:cNvPr id="6" name="Título 1">
+            <a:extLst>
+              <a:ext uri="{FF2B5EF4-FFF2-40B4-BE49-F238E27FC236}">
+                <a16:creationId xmlns:a16="http://schemas.microsoft.com/office/drawing/2014/main" id="{EC993F68-2ABC-472C-9DAA-F49885B6553A}"/>
+              </a:ext>
+            </a:extLst>
+          </p:cNvPr>
+          <p:cNvSpPr>
+            <a:spLocks noGrp="1"/>
+          </p:cNvSpPr>
+          <p:nvPr>
+            <p:ph type="title"/>
+          </p:nvPr>
+        </p:nvSpPr>
+        <p:spPr>
+          <a:xfrm>
+            <a:off x="29290" y="2418011"/>
+            <a:ext cx="12162710" cy="2021978"/>
+          </a:xfrm>
+        </p:spPr>
+        <p:txBody>
+          <a:bodyPr>
+            <a:normAutofit/>
+          </a:bodyPr>
+          <a:lstStyle/>
+          <a:p>
+            <a:pPr algn="ctr"/>
+            <a:r>
+              <a:rPr lang="pt-BR" sz="3200" dirty="0">
+                <a:solidFill>
+                  <a:schemeClr val="bg1"/>
+                </a:solidFill>
+                <a:latin typeface="Nunito" pitchFamily="2" charset="77"/>
+              </a:rPr>
+              <a:t>DEMO</a:t>
+            </a:r>
+            <a:br>
+              <a:rPr lang="pt-BR" sz="7300" dirty="0">
+                <a:solidFill>
+                  <a:schemeClr val="bg1"/>
+                </a:solidFill>
+                <a:latin typeface="Nunito" pitchFamily="2" charset="77"/>
+              </a:rPr>
+            </a:br>
+            <a:r>
+              <a:rPr lang="pt-BR" sz="7300" dirty="0" err="1">
+                <a:solidFill>
+                  <a:schemeClr val="bg1"/>
+                </a:solidFill>
+                <a:latin typeface="Nunito" pitchFamily="2" charset="77"/>
+              </a:rPr>
+              <a:t>Event</a:t>
+            </a:r>
+            <a:r>
+              <a:rPr lang="pt-BR" sz="7300" dirty="0">
+                <a:solidFill>
+                  <a:schemeClr val="bg1"/>
+                </a:solidFill>
+                <a:latin typeface="Nunito" pitchFamily="2" charset="77"/>
+              </a:rPr>
+              <a:t> </a:t>
+            </a:r>
+            <a:r>
+              <a:rPr lang="pt-BR" sz="7300" dirty="0" err="1">
+                <a:solidFill>
+                  <a:schemeClr val="bg1"/>
+                </a:solidFill>
+                <a:latin typeface="Nunito" pitchFamily="2" charset="77"/>
+              </a:rPr>
+              <a:t>Storming</a:t>
+            </a:r>
+            <a:endParaRPr lang="pt-BR" sz="5400" dirty="0">
+              <a:solidFill>
+                <a:schemeClr val="bg1"/>
+              </a:solidFill>
+              <a:latin typeface="Nunito" pitchFamily="2" charset="77"/>
+            </a:endParaRPr>
+          </a:p>
+        </p:txBody>
+      </p:sp>
+    </p:spTree>
+    <p:extLst>
+      <p:ext uri="{BB962C8B-B14F-4D97-AF65-F5344CB8AC3E}">
+        <p14:creationId xmlns:p14="http://schemas.microsoft.com/office/powerpoint/2010/main" val="1287609536"/>
+      </p:ext>
+    </p:extLst>
+  </p:cSld>
+  <p:clrMapOvr>
+    <a:masterClrMapping/>
+  </p:clrMapOvr>
+  <mc:AlternateContent xmlns:mc="http://schemas.openxmlformats.org/markup-compatibility/2006" xmlns:p14="http://schemas.microsoft.com/office/powerpoint/2010/main">
+    <mc:Choice Requires="p14">
+      <p:transition spd="med" p14:dur="700">
+        <p:fade/>
+      </p:transition>
+    </mc:Choice>
+    <mc:Fallback xmlns="">
+      <p:transition spd="med">
+        <p:fade/>
+      </p:transition>
+    </mc:Fallback>
+  </mc:AlternateContent>
+  <p:timing>
+    <p:tnLst>
+      <p:par>
+        <p:cTn id="1" dur="indefinite" restart="never" nodeType="tmRoot">
+          <p:childTnLst>
+            <p:seq concurrent="1" nextAc="seek">
+              <p:cTn id="2" dur="indefinite" nodeType="mainSeq">
+                <p:childTnLst>
                   <p:par>
-                    <p:cTn id="7" fill="hold">
+                    <p:cTn id="3" fill="hold">
                       <p:stCondLst>
                         <p:cond delay="indefinite"/>
+                        <p:cond evt="onBegin" delay="0">
+                          <p:tn val="2"/>
+                        </p:cond>
                       </p:stCondLst>
                       <p:childTnLst>
                         <p:par>
-                          <p:cTn id="8" fill="hold">
+                          <p:cTn id="4" fill="hold">
                             <p:stCondLst>
                               <p:cond delay="0"/>
                             </p:stCondLst>
                             <p:childTnLst>
                               <p:par>
-                                <p:cTn id="9" presetID="1" presetClass="entr" presetSubtype="0" fill="hold" nodeType="clickEffect">
+                                <p:cTn id="5" presetID="10" presetClass="entr" presetSubtype="0" fill="hold" grpId="0" nodeType="afterEffect">
                                   <p:stCondLst>
                                     <p:cond delay="0"/>
                                   </p:stCondLst>
                                   <p:childTnLst>
                                     <p:set>
                                       <p:cBhvr>
-                                        <p:cTn id="10" dur="1" fill="hold">
+                                        <p:cTn id="6" dur="1" fill="hold">
                                           <p:stCondLst>
                                             <p:cond delay="0"/>
                                           </p:stCondLst>
                                         </p:cTn>
                                         <p:tgtEl>
-                                          <p:spTgt spid="12"/>
+                                          <p:spTgt spid="6"/>
                                         </p:tgtEl>
                                         <p:attrNameLst>
                                           <p:attrName>style.visibility</p:attrName>
@@ -17666,6 +17672,128 @@
                                         <p:strVal val="visible"/>
                                       </p:to>
                                     </p:set>
+                                    <p:animEffect transition="in" filter="fade">
+                                      <p:cBhvr>
+                                        <p:cTn id="7" dur="500"/>
+                                        <p:tgtEl>
+                                          <p:spTgt spid="6"/>
+                                        </p:tgtEl>
+                                      </p:cBhvr>
+                                    </p:animEffect>
+                                  </p:childTnLst>
+                                </p:cTn>
+                              </p:par>
+                              <p:par>
+                                <p:cTn id="8" presetID="10" presetClass="entr" presetSubtype="0" fill="hold" nodeType="withEffect">
+                                  <p:stCondLst>
+                                    <p:cond delay="0"/>
+                                  </p:stCondLst>
+                                  <p:childTnLst>
+                                    <p:set>
+                                      <p:cBhvr>
+                                        <p:cTn id="9" dur="1" fill="hold">
+                                          <p:stCondLst>
+                                            <p:cond delay="0"/>
+                                          </p:stCondLst>
+                                        </p:cTn>
+                                        <p:tgtEl>
+                                          <p:spTgt spid="9"/>
+                                        </p:tgtEl>
+                                        <p:attrNameLst>
+                                          <p:attrName>style.visibility</p:attrName>
+                                        </p:attrNameLst>
+                                      </p:cBhvr>
+                                      <p:to>
+                                        <p:strVal val="visible"/>
+                                      </p:to>
+                                    </p:set>
+                                    <p:animEffect transition="in" filter="fade">
+                                      <p:cBhvr>
+                                        <p:cTn id="10" dur="500"/>
+                                        <p:tgtEl>
+                                          <p:spTgt spid="9"/>
+                                        </p:tgtEl>
+                                      </p:cBhvr>
+                                    </p:animEffect>
+                                  </p:childTnLst>
+                                </p:cTn>
+                              </p:par>
+                              <p:par>
+                                <p:cTn id="11" presetID="51" presetClass="path" presetSubtype="0" repeatCount="indefinite" accel="50000" decel="50000" autoRev="1" fill="hold" nodeType="withEffect">
+                                  <p:stCondLst>
+                                    <p:cond delay="0"/>
+                                  </p:stCondLst>
+                                  <p:childTnLst>
+                                    <p:animMotion origin="layout" path="M -3.54167E-6 -3.7037E-7 L -0.03997 0.0669 C -0.04895 0.08102 -0.05403 0.10208 -0.05403 0.12407 C -0.05403 0.14907 -0.04895 0.16898 -0.03997 0.1831 L -3.54167E-6 0.25 " pathEditMode="relative" rAng="0" ptsTypes="AAAAA">
+                                      <p:cBhvr>
+                                        <p:cTn id="12" dur="2000" fill="hold"/>
+                                        <p:tgtEl>
+                                          <p:spTgt spid="9"/>
+                                        </p:tgtEl>
+                                        <p:attrNameLst>
+                                          <p:attrName>ppt_x</p:attrName>
+                                          <p:attrName>ppt_y</p:attrName>
+                                        </p:attrNameLst>
+                                      </p:cBhvr>
+                                      <p:rCtr x="-2708" y="12500"/>
+                                    </p:animMotion>
+                                  </p:childTnLst>
+                                </p:cTn>
+                              </p:par>
+                              <p:par>
+                                <p:cTn id="13" presetID="10" presetClass="entr" presetSubtype="0" fill="hold" nodeType="withEffect">
+                                  <p:stCondLst>
+                                    <p:cond delay="0"/>
+                                  </p:stCondLst>
+                                  <p:childTnLst>
+                                    <p:set>
+                                      <p:cBhvr>
+                                        <p:cTn id="14" dur="1" fill="hold">
+                                          <p:stCondLst>
+                                            <p:cond delay="0"/>
+                                          </p:stCondLst>
+                                        </p:cTn>
+                                        <p:tgtEl>
+                                          <p:spTgt spid="10"/>
+                                        </p:tgtEl>
+                                        <p:attrNameLst>
+                                          <p:attrName>style.visibility</p:attrName>
+                                        </p:attrNameLst>
+                                      </p:cBhvr>
+                                      <p:to>
+                                        <p:strVal val="visible"/>
+                                      </p:to>
+                                    </p:set>
+                                    <p:animEffect transition="in" filter="fade">
+                                      <p:cBhvr>
+                                        <p:cTn id="15" dur="500"/>
+                                        <p:tgtEl>
+                                          <p:spTgt spid="10"/>
+                                        </p:tgtEl>
+                                      </p:cBhvr>
+                                    </p:animEffect>
+                                  </p:childTnLst>
+                                </p:cTn>
+                              </p:par>
+                              <p:par>
+                                <p:cTn id="16" presetID="1" presetClass="path" presetSubtype="0" repeatCount="indefinite" accel="50000" decel="50000" autoRev="1" fill="hold" nodeType="withEffect">
+                                  <p:stCondLst>
+                                    <p:cond delay="0"/>
+                                  </p:stCondLst>
+                                  <p:childTnLst>
+                                    <p:animMotion origin="layout" path="M -0.04909 -0.08658 C -0.00925 -0.08658 0.02305 -0.03056 0.02305 0.03842 C 0.02305 0.1074 -0.00925 0.16342 -0.04909 0.16342 C -0.08893 0.16342 -0.1211 0.1074 -0.1211 0.03842 C -0.1211 -0.03056 -0.08893 -0.08658 -0.04909 -0.08658 Z " pathEditMode="relative" rAng="0" ptsTypes="AAAAA">
+                                      <p:cBhvr>
+                                        <p:cTn id="17" dur="4000" fill="hold"/>
+                                        <p:tgtEl>
+                                          <p:spTgt spid="10"/>
+                                        </p:tgtEl>
+                                        <p:attrNameLst>
+                                          <p:attrName>ppt_x</p:attrName>
+                                          <p:attrName>ppt_y</p:attrName>
+                                        </p:attrNameLst>
+                                      </p:cBhvr>
+                                      <p:rCtr x="0" y="12500"/>
+                                    </p:animMotion>
                                   </p:childTnLst>
                                 </p:cTn>
                               </p:par>
@@ -17697,13 +17825,2166 @@
       </p:par>
     </p:tnLst>
     <p:bldLst>
-      <p:bldP spid="8" grpId="0"/>
+      <p:bldP spid="6" grpId="0"/>
     </p:bldLst>
   </p:timing>
 </p:sld>
 </file>
 
-<file path=ppt/slides/slide26.xml><?xml version="1.0" encoding="utf-8"?>
+<file path=ppt/slides/slide27.xml><?xml version="1.0" encoding="utf-8"?>
+<p:sld xmlns:a="http://schemas.openxmlformats.org/drawingml/2006/main" xmlns:r="http://schemas.openxmlformats.org/officeDocument/2006/relationships" xmlns:p="http://schemas.openxmlformats.org/presentationml/2006/main">
+  <p:cSld>
+    <p:spTree>
+      <p:nvGrpSpPr>
+        <p:cNvPr id="1" name=""/>
+        <p:cNvGrpSpPr/>
+        <p:nvPr/>
+      </p:nvGrpSpPr>
+      <p:grpSpPr>
+        <a:xfrm>
+          <a:off x="0" y="0"/>
+          <a:ext cx="0" cy="0"/>
+          <a:chOff x="0" y="0"/>
+          <a:chExt cx="0" cy="0"/>
+        </a:xfrm>
+      </p:grpSpPr>
+      <p:pic>
+        <p:nvPicPr>
+          <p:cNvPr id="7" name="Imagem 6">
+            <a:extLst>
+              <a:ext uri="{FF2B5EF4-FFF2-40B4-BE49-F238E27FC236}">
+                <a16:creationId xmlns:a16="http://schemas.microsoft.com/office/drawing/2014/main" id="{15EF5E79-A320-604B-B8D0-BB7CC7F3BD24}"/>
+              </a:ext>
+            </a:extLst>
+          </p:cNvPr>
+          <p:cNvPicPr>
+            <a:picLocks noChangeAspect="1"/>
+          </p:cNvPicPr>
+          <p:nvPr/>
+        </p:nvPicPr>
+        <p:blipFill>
+          <a:blip r:embed="rId3">
+            <a:extLst>
+              <a:ext uri="{28A0092B-C50C-407E-A947-70E740481C1C}">
+                <a14:useLocalDpi xmlns:a14="http://schemas.microsoft.com/office/drawing/2010/main" val="0"/>
+              </a:ext>
+            </a:extLst>
+          </a:blip>
+          <a:stretch>
+            <a:fillRect/>
+          </a:stretch>
+        </p:blipFill>
+        <p:spPr>
+          <a:xfrm>
+            <a:off x="-1" y="-1590"/>
+            <a:ext cx="12192001" cy="2021978"/>
+          </a:xfrm>
+          <a:prstGeom prst="rect">
+            <a:avLst/>
+          </a:prstGeom>
+        </p:spPr>
+      </p:pic>
+      <p:sp>
+        <p:nvSpPr>
+          <p:cNvPr id="13" name="Título 1">
+            <a:extLst>
+              <a:ext uri="{FF2B5EF4-FFF2-40B4-BE49-F238E27FC236}">
+                <a16:creationId xmlns:a16="http://schemas.microsoft.com/office/drawing/2014/main" id="{94E1A0D2-D048-46FE-90D3-722FBF740CC7}"/>
+              </a:ext>
+            </a:extLst>
+          </p:cNvPr>
+          <p:cNvSpPr>
+            <a:spLocks noGrp="1"/>
+          </p:cNvSpPr>
+          <p:nvPr>
+            <p:ph type="title"/>
+          </p:nvPr>
+        </p:nvSpPr>
+        <p:spPr>
+          <a:xfrm>
+            <a:off x="2159726" y="0"/>
+            <a:ext cx="9292046" cy="2021978"/>
+          </a:xfrm>
+        </p:spPr>
+        <p:txBody>
+          <a:bodyPr>
+            <a:normAutofit/>
+          </a:bodyPr>
+          <a:lstStyle/>
+          <a:p>
+            <a:r>
+              <a:rPr lang="pt-BR" dirty="0">
+                <a:solidFill>
+                  <a:schemeClr val="bg1"/>
+                </a:solidFill>
+                <a:latin typeface="Nunito" pitchFamily="2" charset="77"/>
+              </a:rPr>
+              <a:t>Mapeando eventos</a:t>
+            </a:r>
+          </a:p>
+        </p:txBody>
+      </p:sp>
+      <p:pic>
+        <p:nvPicPr>
+          <p:cNvPr id="14" name="Gráfico 13">
+            <a:extLst>
+              <a:ext uri="{FF2B5EF4-FFF2-40B4-BE49-F238E27FC236}">
+                <a16:creationId xmlns:a16="http://schemas.microsoft.com/office/drawing/2014/main" id="{2B5477E9-00BA-4494-BA1B-5466AC45994D}"/>
+              </a:ext>
+            </a:extLst>
+          </p:cNvPr>
+          <p:cNvPicPr>
+            <a:picLocks noChangeAspect="1"/>
+          </p:cNvPicPr>
+          <p:nvPr/>
+        </p:nvPicPr>
+        <p:blipFill>
+          <a:blip r:embed="rId4">
+            <a:extLst>
+              <a:ext uri="{96DAC541-7B7A-43D3-8B79-37D633B846F1}">
+                <asvg:svgBlip xmlns:asvg="http://schemas.microsoft.com/office/drawing/2016/SVG/main" r:embed="rId5"/>
+              </a:ext>
+            </a:extLst>
+          </a:blip>
+          <a:stretch>
+            <a:fillRect/>
+          </a:stretch>
+        </p:blipFill>
+        <p:spPr>
+          <a:xfrm>
+            <a:off x="1097280" y="636835"/>
+            <a:ext cx="610307" cy="705667"/>
+          </a:xfrm>
+          <a:prstGeom prst="rect">
+            <a:avLst/>
+          </a:prstGeom>
+        </p:spPr>
+      </p:pic>
+      <p:sp>
+        <p:nvSpPr>
+          <p:cNvPr id="2" name="Retângulo 1">
+            <a:extLst>
+              <a:ext uri="{FF2B5EF4-FFF2-40B4-BE49-F238E27FC236}">
+                <a16:creationId xmlns:a16="http://schemas.microsoft.com/office/drawing/2014/main" id="{6CED3EF9-94F5-4A3B-B0D3-49D7DA1AC22D}"/>
+              </a:ext>
+            </a:extLst>
+          </p:cNvPr>
+          <p:cNvSpPr/>
+          <p:nvPr/>
+        </p:nvSpPr>
+        <p:spPr>
+          <a:xfrm>
+            <a:off x="2114619" y="3676917"/>
+            <a:ext cx="1513268" cy="985234"/>
+          </a:xfrm>
+          <a:prstGeom prst="rect">
+            <a:avLst/>
+          </a:prstGeom>
+          <a:solidFill>
+            <a:srgbClr val="5133B7"/>
+          </a:solidFill>
+          <a:ln>
+            <a:noFill/>
+          </a:ln>
+        </p:spPr>
+        <p:style>
+          <a:lnRef idx="2">
+            <a:schemeClr val="accent1">
+              <a:shade val="50000"/>
+            </a:schemeClr>
+          </a:lnRef>
+          <a:fillRef idx="1">
+            <a:schemeClr val="accent1"/>
+          </a:fillRef>
+          <a:effectRef idx="0">
+            <a:schemeClr val="accent1"/>
+          </a:effectRef>
+          <a:fontRef idx="minor">
+            <a:schemeClr val="lt1"/>
+          </a:fontRef>
+        </p:style>
+        <p:txBody>
+          <a:bodyPr rtlCol="0" anchor="ctr"/>
+          <a:lstStyle/>
+          <a:p>
+            <a:pPr algn="ctr"/>
+            <a:r>
+              <a:rPr lang="en-US" sz="1400" dirty="0">
+                <a:latin typeface="Nunito" pitchFamily="2" charset="0"/>
+              </a:rPr>
+              <a:t>Item </a:t>
+            </a:r>
+            <a:r>
+              <a:rPr lang="en-US" sz="1400" dirty="0" err="1">
+                <a:latin typeface="Nunito" pitchFamily="2" charset="0"/>
+              </a:rPr>
+              <a:t>adicionado</a:t>
+            </a:r>
+            <a:r>
+              <a:rPr lang="en-US" sz="1400" dirty="0">
+                <a:latin typeface="Nunito" pitchFamily="2" charset="0"/>
+              </a:rPr>
+              <a:t> </a:t>
+            </a:r>
+            <a:r>
+              <a:rPr lang="en-US" sz="1400" dirty="0" err="1">
+                <a:latin typeface="Nunito" pitchFamily="2" charset="0"/>
+              </a:rPr>
+              <a:t>ao</a:t>
+            </a:r>
+            <a:r>
+              <a:rPr lang="en-US" sz="1400" dirty="0">
+                <a:latin typeface="Nunito" pitchFamily="2" charset="0"/>
+              </a:rPr>
+              <a:t> </a:t>
+            </a:r>
+            <a:r>
+              <a:rPr lang="en-US" sz="1400" dirty="0" err="1">
+                <a:latin typeface="Nunito" pitchFamily="2" charset="0"/>
+              </a:rPr>
+              <a:t>carrinho</a:t>
+            </a:r>
+            <a:endParaRPr lang="pt-BR" sz="1400" dirty="0">
+              <a:latin typeface="Nunito" pitchFamily="2" charset="0"/>
+            </a:endParaRPr>
+          </a:p>
+        </p:txBody>
+      </p:sp>
+      <p:sp>
+        <p:nvSpPr>
+          <p:cNvPr id="10" name="Retângulo 9">
+            <a:extLst>
+              <a:ext uri="{FF2B5EF4-FFF2-40B4-BE49-F238E27FC236}">
+                <a16:creationId xmlns:a16="http://schemas.microsoft.com/office/drawing/2014/main" id="{FE9964B8-A66D-493F-A222-5A6246B392B0}"/>
+              </a:ext>
+            </a:extLst>
+          </p:cNvPr>
+          <p:cNvSpPr/>
+          <p:nvPr/>
+        </p:nvSpPr>
+        <p:spPr>
+          <a:xfrm>
+            <a:off x="6249287" y="2755022"/>
+            <a:ext cx="1513268" cy="985234"/>
+          </a:xfrm>
+          <a:prstGeom prst="rect">
+            <a:avLst/>
+          </a:prstGeom>
+          <a:solidFill>
+            <a:srgbClr val="5133B7"/>
+          </a:solidFill>
+          <a:ln>
+            <a:noFill/>
+          </a:ln>
+        </p:spPr>
+        <p:style>
+          <a:lnRef idx="2">
+            <a:schemeClr val="accent1">
+              <a:shade val="50000"/>
+            </a:schemeClr>
+          </a:lnRef>
+          <a:fillRef idx="1">
+            <a:schemeClr val="accent1"/>
+          </a:fillRef>
+          <a:effectRef idx="0">
+            <a:schemeClr val="accent1"/>
+          </a:effectRef>
+          <a:fontRef idx="minor">
+            <a:schemeClr val="lt1"/>
+          </a:fontRef>
+        </p:style>
+        <p:txBody>
+          <a:bodyPr rtlCol="0" anchor="ctr"/>
+          <a:lstStyle/>
+          <a:p>
+            <a:pPr algn="ctr"/>
+            <a:r>
+              <a:rPr lang="en-US" sz="1400" dirty="0" err="1">
+                <a:latin typeface="Nunito" pitchFamily="2" charset="0"/>
+              </a:rPr>
+              <a:t>Carrinho</a:t>
+            </a:r>
+            <a:r>
+              <a:rPr lang="en-US" sz="1400" dirty="0">
+                <a:latin typeface="Nunito" pitchFamily="2" charset="0"/>
+              </a:rPr>
+              <a:t> </a:t>
+            </a:r>
+            <a:r>
+              <a:rPr lang="en-US" sz="1400" dirty="0" err="1">
+                <a:latin typeface="Nunito" pitchFamily="2" charset="0"/>
+              </a:rPr>
+              <a:t>atualizado</a:t>
+            </a:r>
+            <a:endParaRPr lang="pt-BR" sz="1400" dirty="0">
+              <a:latin typeface="Nunito" pitchFamily="2" charset="0"/>
+            </a:endParaRPr>
+          </a:p>
+        </p:txBody>
+      </p:sp>
+      <p:sp>
+        <p:nvSpPr>
+          <p:cNvPr id="11" name="Retângulo 10">
+            <a:extLst>
+              <a:ext uri="{FF2B5EF4-FFF2-40B4-BE49-F238E27FC236}">
+                <a16:creationId xmlns:a16="http://schemas.microsoft.com/office/drawing/2014/main" id="{1AE3B5AA-583D-484A-8E40-2FE5CE1C7F01}"/>
+              </a:ext>
+            </a:extLst>
+          </p:cNvPr>
+          <p:cNvSpPr/>
+          <p:nvPr/>
+        </p:nvSpPr>
+        <p:spPr>
+          <a:xfrm>
+            <a:off x="6281211" y="4639614"/>
+            <a:ext cx="1513268" cy="985234"/>
+          </a:xfrm>
+          <a:prstGeom prst="rect">
+            <a:avLst/>
+          </a:prstGeom>
+          <a:solidFill>
+            <a:srgbClr val="5133B7"/>
+          </a:solidFill>
+          <a:ln>
+            <a:noFill/>
+          </a:ln>
+        </p:spPr>
+        <p:style>
+          <a:lnRef idx="2">
+            <a:schemeClr val="accent1">
+              <a:shade val="50000"/>
+            </a:schemeClr>
+          </a:lnRef>
+          <a:fillRef idx="1">
+            <a:schemeClr val="accent1"/>
+          </a:fillRef>
+          <a:effectRef idx="0">
+            <a:schemeClr val="accent1"/>
+          </a:effectRef>
+          <a:fontRef idx="minor">
+            <a:schemeClr val="lt1"/>
+          </a:fontRef>
+        </p:style>
+        <p:txBody>
+          <a:bodyPr rtlCol="0" anchor="ctr"/>
+          <a:lstStyle/>
+          <a:p>
+            <a:pPr algn="ctr"/>
+            <a:r>
+              <a:rPr lang="en-US" sz="1400" dirty="0">
+                <a:latin typeface="Nunito" pitchFamily="2" charset="0"/>
+              </a:rPr>
+              <a:t>Item fora de estoque</a:t>
+            </a:r>
+            <a:endParaRPr lang="pt-BR" sz="1400" dirty="0">
+              <a:latin typeface="Nunito" pitchFamily="2" charset="0"/>
+            </a:endParaRPr>
+          </a:p>
+        </p:txBody>
+      </p:sp>
+      <p:sp>
+        <p:nvSpPr>
+          <p:cNvPr id="12" name="Retângulo 11">
+            <a:extLst>
+              <a:ext uri="{FF2B5EF4-FFF2-40B4-BE49-F238E27FC236}">
+                <a16:creationId xmlns:a16="http://schemas.microsoft.com/office/drawing/2014/main" id="{F76B46C5-E4E4-4A9C-A564-7C2D3B3B57BA}"/>
+              </a:ext>
+            </a:extLst>
+          </p:cNvPr>
+          <p:cNvSpPr/>
+          <p:nvPr/>
+        </p:nvSpPr>
+        <p:spPr>
+          <a:xfrm>
+            <a:off x="10460903" y="4622978"/>
+            <a:ext cx="1513268" cy="985234"/>
+          </a:xfrm>
+          <a:prstGeom prst="rect">
+            <a:avLst/>
+          </a:prstGeom>
+          <a:solidFill>
+            <a:srgbClr val="5133B7"/>
+          </a:solidFill>
+          <a:ln>
+            <a:noFill/>
+          </a:ln>
+        </p:spPr>
+        <p:style>
+          <a:lnRef idx="2">
+            <a:schemeClr val="accent1">
+              <a:shade val="50000"/>
+            </a:schemeClr>
+          </a:lnRef>
+          <a:fillRef idx="1">
+            <a:schemeClr val="accent1"/>
+          </a:fillRef>
+          <a:effectRef idx="0">
+            <a:schemeClr val="accent1"/>
+          </a:effectRef>
+          <a:fontRef idx="minor">
+            <a:schemeClr val="lt1"/>
+          </a:fontRef>
+        </p:style>
+        <p:txBody>
+          <a:bodyPr rtlCol="0" anchor="ctr"/>
+          <a:lstStyle/>
+          <a:p>
+            <a:pPr algn="ctr"/>
+            <a:r>
+              <a:rPr lang="en-US" sz="1400" dirty="0" err="1">
+                <a:latin typeface="Nunito" pitchFamily="2" charset="0"/>
+              </a:rPr>
+              <a:t>Notificação</a:t>
+            </a:r>
+            <a:r>
+              <a:rPr lang="en-US" sz="1400" dirty="0">
+                <a:latin typeface="Nunito" pitchFamily="2" charset="0"/>
+              </a:rPr>
+              <a:t> </a:t>
+            </a:r>
+            <a:r>
+              <a:rPr lang="en-US" sz="1400" dirty="0" err="1">
+                <a:latin typeface="Nunito" pitchFamily="2" charset="0"/>
+              </a:rPr>
+              <a:t>enviada</a:t>
+            </a:r>
+            <a:endParaRPr lang="pt-BR" sz="1400" dirty="0">
+              <a:latin typeface="Nunito" pitchFamily="2" charset="0"/>
+            </a:endParaRPr>
+          </a:p>
+        </p:txBody>
+      </p:sp>
+      <p:sp>
+        <p:nvSpPr>
+          <p:cNvPr id="15" name="Retângulo 14">
+            <a:extLst>
+              <a:ext uri="{FF2B5EF4-FFF2-40B4-BE49-F238E27FC236}">
+                <a16:creationId xmlns:a16="http://schemas.microsoft.com/office/drawing/2014/main" id="{67192533-F493-4836-AB56-AF9931D57F9C}"/>
+              </a:ext>
+            </a:extLst>
+          </p:cNvPr>
+          <p:cNvSpPr/>
+          <p:nvPr/>
+        </p:nvSpPr>
+        <p:spPr>
+          <a:xfrm>
+            <a:off x="4181953" y="3676917"/>
+            <a:ext cx="1513268" cy="985234"/>
+          </a:xfrm>
+          <a:prstGeom prst="rect">
+            <a:avLst/>
+          </a:prstGeom>
+          <a:solidFill>
+            <a:srgbClr val="C36BD6"/>
+          </a:solidFill>
+          <a:ln>
+            <a:noFill/>
+          </a:ln>
+        </p:spPr>
+        <p:style>
+          <a:lnRef idx="2">
+            <a:schemeClr val="accent1">
+              <a:shade val="50000"/>
+            </a:schemeClr>
+          </a:lnRef>
+          <a:fillRef idx="1">
+            <a:schemeClr val="accent1"/>
+          </a:fillRef>
+          <a:effectRef idx="0">
+            <a:schemeClr val="accent1"/>
+          </a:effectRef>
+          <a:fontRef idx="minor">
+            <a:schemeClr val="lt1"/>
+          </a:fontRef>
+        </p:style>
+        <p:txBody>
+          <a:bodyPr rtlCol="0" anchor="ctr"/>
+          <a:lstStyle/>
+          <a:p>
+            <a:pPr algn="ctr"/>
+            <a:r>
+              <a:rPr lang="en-US" sz="1400" dirty="0">
+                <a:latin typeface="Nunito" pitchFamily="2" charset="0"/>
+              </a:rPr>
+              <a:t>Política de </a:t>
+            </a:r>
+            <a:r>
+              <a:rPr lang="en-US" sz="1400" dirty="0" err="1">
+                <a:latin typeface="Nunito" pitchFamily="2" charset="0"/>
+              </a:rPr>
+              <a:t>validação</a:t>
+            </a:r>
+            <a:r>
+              <a:rPr lang="en-US" sz="1400" dirty="0">
+                <a:latin typeface="Nunito" pitchFamily="2" charset="0"/>
+              </a:rPr>
+              <a:t> de estoque</a:t>
+            </a:r>
+            <a:endParaRPr lang="pt-BR" sz="1400" dirty="0">
+              <a:latin typeface="Nunito" pitchFamily="2" charset="0"/>
+            </a:endParaRPr>
+          </a:p>
+        </p:txBody>
+      </p:sp>
+      <p:sp>
+        <p:nvSpPr>
+          <p:cNvPr id="16" name="Retângulo 15">
+            <a:extLst>
+              <a:ext uri="{FF2B5EF4-FFF2-40B4-BE49-F238E27FC236}">
+                <a16:creationId xmlns:a16="http://schemas.microsoft.com/office/drawing/2014/main" id="{D6758377-5AD4-41B7-AFC5-C0F2ECC64FE7}"/>
+              </a:ext>
+            </a:extLst>
+          </p:cNvPr>
+          <p:cNvSpPr/>
+          <p:nvPr/>
+        </p:nvSpPr>
+        <p:spPr>
+          <a:xfrm>
+            <a:off x="8371057" y="4632636"/>
+            <a:ext cx="1513268" cy="985234"/>
+          </a:xfrm>
+          <a:prstGeom prst="rect">
+            <a:avLst/>
+          </a:prstGeom>
+          <a:solidFill>
+            <a:srgbClr val="C36BD6"/>
+          </a:solidFill>
+          <a:ln>
+            <a:noFill/>
+          </a:ln>
+        </p:spPr>
+        <p:style>
+          <a:lnRef idx="2">
+            <a:schemeClr val="accent1">
+              <a:shade val="50000"/>
+            </a:schemeClr>
+          </a:lnRef>
+          <a:fillRef idx="1">
+            <a:schemeClr val="accent1"/>
+          </a:fillRef>
+          <a:effectRef idx="0">
+            <a:schemeClr val="accent1"/>
+          </a:effectRef>
+          <a:fontRef idx="minor">
+            <a:schemeClr val="lt1"/>
+          </a:fontRef>
+        </p:style>
+        <p:txBody>
+          <a:bodyPr rtlCol="0" anchor="ctr"/>
+          <a:lstStyle/>
+          <a:p>
+            <a:pPr algn="ctr"/>
+            <a:r>
+              <a:rPr lang="en-US" sz="1400" dirty="0">
+                <a:latin typeface="Nunito" pitchFamily="2" charset="0"/>
+              </a:rPr>
+              <a:t>Política de </a:t>
+            </a:r>
+            <a:r>
+              <a:rPr lang="en-US" sz="1400" dirty="0" err="1">
+                <a:latin typeface="Nunito" pitchFamily="2" charset="0"/>
+              </a:rPr>
+              <a:t>notificação</a:t>
+            </a:r>
+            <a:endParaRPr lang="pt-BR" sz="1400" dirty="0">
+              <a:latin typeface="Nunito" pitchFamily="2" charset="0"/>
+            </a:endParaRPr>
+          </a:p>
+        </p:txBody>
+      </p:sp>
+      <p:sp>
+        <p:nvSpPr>
+          <p:cNvPr id="17" name="Retângulo 16">
+            <a:extLst>
+              <a:ext uri="{FF2B5EF4-FFF2-40B4-BE49-F238E27FC236}">
+                <a16:creationId xmlns:a16="http://schemas.microsoft.com/office/drawing/2014/main" id="{77D89DD0-69CC-4ABE-9C9C-CD6AF5D0019C}"/>
+              </a:ext>
+            </a:extLst>
+          </p:cNvPr>
+          <p:cNvSpPr/>
+          <p:nvPr/>
+        </p:nvSpPr>
+        <p:spPr>
+          <a:xfrm>
+            <a:off x="47285" y="3676917"/>
+            <a:ext cx="1513268" cy="985234"/>
+          </a:xfrm>
+          <a:prstGeom prst="rect">
+            <a:avLst/>
+          </a:prstGeom>
+          <a:solidFill>
+            <a:srgbClr val="00B0F0"/>
+          </a:solidFill>
+          <a:ln>
+            <a:noFill/>
+          </a:ln>
+        </p:spPr>
+        <p:style>
+          <a:lnRef idx="2">
+            <a:schemeClr val="accent1">
+              <a:shade val="50000"/>
+            </a:schemeClr>
+          </a:lnRef>
+          <a:fillRef idx="1">
+            <a:schemeClr val="accent1"/>
+          </a:fillRef>
+          <a:effectRef idx="0">
+            <a:schemeClr val="accent1"/>
+          </a:effectRef>
+          <a:fontRef idx="minor">
+            <a:schemeClr val="lt1"/>
+          </a:fontRef>
+        </p:style>
+        <p:txBody>
+          <a:bodyPr rtlCol="0" anchor="ctr"/>
+          <a:lstStyle/>
+          <a:p>
+            <a:pPr algn="ctr"/>
+            <a:r>
+              <a:rPr lang="en-US" sz="1400" dirty="0" err="1">
+                <a:latin typeface="Nunito" pitchFamily="2" charset="0"/>
+              </a:rPr>
+              <a:t>Adicionar</a:t>
+            </a:r>
+            <a:r>
+              <a:rPr lang="en-US" sz="1400" dirty="0">
+                <a:latin typeface="Nunito" pitchFamily="2" charset="0"/>
+              </a:rPr>
+              <a:t> item </a:t>
+            </a:r>
+            <a:r>
+              <a:rPr lang="en-US" sz="1400" dirty="0" err="1">
+                <a:latin typeface="Nunito" pitchFamily="2" charset="0"/>
+              </a:rPr>
+              <a:t>ao</a:t>
+            </a:r>
+            <a:r>
+              <a:rPr lang="en-US" sz="1400" dirty="0">
+                <a:latin typeface="Nunito" pitchFamily="2" charset="0"/>
+              </a:rPr>
+              <a:t> </a:t>
+            </a:r>
+            <a:r>
+              <a:rPr lang="en-US" sz="1400" dirty="0" err="1">
+                <a:latin typeface="Nunito" pitchFamily="2" charset="0"/>
+              </a:rPr>
+              <a:t>carrinho</a:t>
+            </a:r>
+            <a:endParaRPr lang="pt-BR" sz="1400" dirty="0">
+              <a:latin typeface="Nunito" pitchFamily="2" charset="0"/>
+            </a:endParaRPr>
+          </a:p>
+        </p:txBody>
+      </p:sp>
+      <p:cxnSp>
+        <p:nvCxnSpPr>
+          <p:cNvPr id="4" name="Conector de Seta Reta 3">
+            <a:extLst>
+              <a:ext uri="{FF2B5EF4-FFF2-40B4-BE49-F238E27FC236}">
+                <a16:creationId xmlns:a16="http://schemas.microsoft.com/office/drawing/2014/main" id="{B4761E46-6B72-4380-BB87-47208795D65D}"/>
+              </a:ext>
+            </a:extLst>
+          </p:cNvPr>
+          <p:cNvCxnSpPr/>
+          <p:nvPr/>
+        </p:nvCxnSpPr>
+        <p:spPr>
+          <a:xfrm>
+            <a:off x="283335" y="6587544"/>
+            <a:ext cx="11468637" cy="0"/>
+          </a:xfrm>
+          <a:prstGeom prst="straightConnector1">
+            <a:avLst/>
+          </a:prstGeom>
+          <a:ln w="57150">
+            <a:solidFill>
+              <a:srgbClr val="5133B7"/>
+            </a:solidFill>
+            <a:tailEnd type="triangle"/>
+          </a:ln>
+        </p:spPr>
+        <p:style>
+          <a:lnRef idx="1">
+            <a:schemeClr val="accent1"/>
+          </a:lnRef>
+          <a:fillRef idx="0">
+            <a:schemeClr val="accent1"/>
+          </a:fillRef>
+          <a:effectRef idx="0">
+            <a:schemeClr val="accent1"/>
+          </a:effectRef>
+          <a:fontRef idx="minor">
+            <a:schemeClr val="tx1"/>
+          </a:fontRef>
+        </p:style>
+      </p:cxnSp>
+      <p:sp>
+        <p:nvSpPr>
+          <p:cNvPr id="5" name="CaixaDeTexto 4">
+            <a:extLst>
+              <a:ext uri="{FF2B5EF4-FFF2-40B4-BE49-F238E27FC236}">
+                <a16:creationId xmlns:a16="http://schemas.microsoft.com/office/drawing/2014/main" id="{455AB755-9C3D-491D-9F7B-65F772E11E49}"/>
+              </a:ext>
+            </a:extLst>
+          </p:cNvPr>
+          <p:cNvSpPr txBox="1"/>
+          <p:nvPr/>
+        </p:nvSpPr>
+        <p:spPr>
+          <a:xfrm>
+            <a:off x="197616" y="6125879"/>
+            <a:ext cx="2409634" cy="461665"/>
+          </a:xfrm>
+          <a:prstGeom prst="rect">
+            <a:avLst/>
+          </a:prstGeom>
+          <a:noFill/>
+        </p:spPr>
+        <p:txBody>
+          <a:bodyPr wrap="none" rtlCol="0">
+            <a:spAutoFit/>
+          </a:bodyPr>
+          <a:lstStyle/>
+          <a:p>
+            <a:r>
+              <a:rPr lang="en-US" sz="2400" b="1" dirty="0" err="1">
+                <a:solidFill>
+                  <a:srgbClr val="5133B7"/>
+                </a:solidFill>
+                <a:latin typeface="Nunito" pitchFamily="2" charset="0"/>
+              </a:rPr>
+              <a:t>Linha</a:t>
+            </a:r>
+            <a:r>
+              <a:rPr lang="en-US" sz="2400" b="1" dirty="0">
+                <a:solidFill>
+                  <a:srgbClr val="5133B7"/>
+                </a:solidFill>
+                <a:latin typeface="Nunito" pitchFamily="2" charset="0"/>
+              </a:rPr>
+              <a:t> do tempo</a:t>
+            </a:r>
+            <a:endParaRPr lang="pt-BR" sz="2400" b="1" dirty="0">
+              <a:solidFill>
+                <a:srgbClr val="5133B7"/>
+              </a:solidFill>
+              <a:latin typeface="Nunito" pitchFamily="2" charset="0"/>
+            </a:endParaRPr>
+          </a:p>
+        </p:txBody>
+      </p:sp>
+      <p:cxnSp>
+        <p:nvCxnSpPr>
+          <p:cNvPr id="18" name="Conector de Seta Reta 17">
+            <a:extLst>
+              <a:ext uri="{FF2B5EF4-FFF2-40B4-BE49-F238E27FC236}">
+                <a16:creationId xmlns:a16="http://schemas.microsoft.com/office/drawing/2014/main" id="{F11FAAE4-7868-48EF-BB87-94687F029AF6}"/>
+              </a:ext>
+            </a:extLst>
+          </p:cNvPr>
+          <p:cNvCxnSpPr>
+            <a:stCxn id="17" idx="3"/>
+            <a:endCxn id="2" idx="1"/>
+          </p:cNvCxnSpPr>
+          <p:nvPr/>
+        </p:nvCxnSpPr>
+        <p:spPr>
+          <a:xfrm>
+            <a:off x="1560553" y="4169534"/>
+            <a:ext cx="554066" cy="0"/>
+          </a:xfrm>
+          <a:prstGeom prst="straightConnector1">
+            <a:avLst/>
+          </a:prstGeom>
+          <a:ln w="19050">
+            <a:solidFill>
+              <a:srgbClr val="5133B7"/>
+            </a:solidFill>
+            <a:tailEnd type="triangle"/>
+          </a:ln>
+        </p:spPr>
+        <p:style>
+          <a:lnRef idx="1">
+            <a:schemeClr val="accent1"/>
+          </a:lnRef>
+          <a:fillRef idx="0">
+            <a:schemeClr val="accent1"/>
+          </a:fillRef>
+          <a:effectRef idx="0">
+            <a:schemeClr val="accent1"/>
+          </a:effectRef>
+          <a:fontRef idx="minor">
+            <a:schemeClr val="tx1"/>
+          </a:fontRef>
+        </p:style>
+      </p:cxnSp>
+      <p:cxnSp>
+        <p:nvCxnSpPr>
+          <p:cNvPr id="19" name="Conector de Seta Reta 18">
+            <a:extLst>
+              <a:ext uri="{FF2B5EF4-FFF2-40B4-BE49-F238E27FC236}">
+                <a16:creationId xmlns:a16="http://schemas.microsoft.com/office/drawing/2014/main" id="{C7EAD682-E2E4-4F74-A57C-2E0C27C7F127}"/>
+              </a:ext>
+            </a:extLst>
+          </p:cNvPr>
+          <p:cNvCxnSpPr/>
+          <p:nvPr/>
+        </p:nvCxnSpPr>
+        <p:spPr>
+          <a:xfrm>
+            <a:off x="3627887" y="4144848"/>
+            <a:ext cx="554066" cy="0"/>
+          </a:xfrm>
+          <a:prstGeom prst="straightConnector1">
+            <a:avLst/>
+          </a:prstGeom>
+          <a:ln w="19050">
+            <a:solidFill>
+              <a:srgbClr val="5133B7"/>
+            </a:solidFill>
+            <a:tailEnd type="triangle"/>
+          </a:ln>
+        </p:spPr>
+        <p:style>
+          <a:lnRef idx="1">
+            <a:schemeClr val="accent1"/>
+          </a:lnRef>
+          <a:fillRef idx="0">
+            <a:schemeClr val="accent1"/>
+          </a:fillRef>
+          <a:effectRef idx="0">
+            <a:schemeClr val="accent1"/>
+          </a:effectRef>
+          <a:fontRef idx="minor">
+            <a:schemeClr val="tx1"/>
+          </a:fontRef>
+        </p:style>
+      </p:cxnSp>
+      <p:cxnSp>
+        <p:nvCxnSpPr>
+          <p:cNvPr id="20" name="Conector de Seta Reta 19">
+            <a:extLst>
+              <a:ext uri="{FF2B5EF4-FFF2-40B4-BE49-F238E27FC236}">
+                <a16:creationId xmlns:a16="http://schemas.microsoft.com/office/drawing/2014/main" id="{089BB0B7-5219-4EBF-A39B-048D2B6A63E1}"/>
+              </a:ext>
+            </a:extLst>
+          </p:cNvPr>
+          <p:cNvCxnSpPr>
+            <a:cxnSpLocks/>
+            <a:endCxn id="10" idx="1"/>
+          </p:cNvCxnSpPr>
+          <p:nvPr/>
+        </p:nvCxnSpPr>
+        <p:spPr>
+          <a:xfrm flipV="1">
+            <a:off x="5695221" y="3247639"/>
+            <a:ext cx="554066" cy="885402"/>
+          </a:xfrm>
+          <a:prstGeom prst="straightConnector1">
+            <a:avLst/>
+          </a:prstGeom>
+          <a:ln w="19050">
+            <a:solidFill>
+              <a:srgbClr val="5133B7"/>
+            </a:solidFill>
+            <a:tailEnd type="triangle"/>
+          </a:ln>
+        </p:spPr>
+        <p:style>
+          <a:lnRef idx="1">
+            <a:schemeClr val="accent1"/>
+          </a:lnRef>
+          <a:fillRef idx="0">
+            <a:schemeClr val="accent1"/>
+          </a:fillRef>
+          <a:effectRef idx="0">
+            <a:schemeClr val="accent1"/>
+          </a:effectRef>
+          <a:fontRef idx="minor">
+            <a:schemeClr val="tx1"/>
+          </a:fontRef>
+        </p:style>
+      </p:cxnSp>
+      <p:cxnSp>
+        <p:nvCxnSpPr>
+          <p:cNvPr id="22" name="Conector de Seta Reta 21">
+            <a:extLst>
+              <a:ext uri="{FF2B5EF4-FFF2-40B4-BE49-F238E27FC236}">
+                <a16:creationId xmlns:a16="http://schemas.microsoft.com/office/drawing/2014/main" id="{FCA2A79B-41AA-4905-B745-138E38EB5048}"/>
+              </a:ext>
+            </a:extLst>
+          </p:cNvPr>
+          <p:cNvCxnSpPr>
+            <a:cxnSpLocks/>
+            <a:endCxn id="11" idx="1"/>
+          </p:cNvCxnSpPr>
+          <p:nvPr/>
+        </p:nvCxnSpPr>
+        <p:spPr>
+          <a:xfrm>
+            <a:off x="5695221" y="4133041"/>
+            <a:ext cx="585990" cy="999190"/>
+          </a:xfrm>
+          <a:prstGeom prst="straightConnector1">
+            <a:avLst/>
+          </a:prstGeom>
+          <a:ln w="19050">
+            <a:solidFill>
+              <a:srgbClr val="5133B7"/>
+            </a:solidFill>
+            <a:tailEnd type="triangle"/>
+          </a:ln>
+        </p:spPr>
+        <p:style>
+          <a:lnRef idx="1">
+            <a:schemeClr val="accent1"/>
+          </a:lnRef>
+          <a:fillRef idx="0">
+            <a:schemeClr val="accent1"/>
+          </a:fillRef>
+          <a:effectRef idx="0">
+            <a:schemeClr val="accent1"/>
+          </a:effectRef>
+          <a:fontRef idx="minor">
+            <a:schemeClr val="tx1"/>
+          </a:fontRef>
+        </p:style>
+      </p:cxnSp>
+      <p:cxnSp>
+        <p:nvCxnSpPr>
+          <p:cNvPr id="24" name="Conector de Seta Reta 23">
+            <a:extLst>
+              <a:ext uri="{FF2B5EF4-FFF2-40B4-BE49-F238E27FC236}">
+                <a16:creationId xmlns:a16="http://schemas.microsoft.com/office/drawing/2014/main" id="{46FC036A-00B9-4F32-8C1E-A9D25277DAD7}"/>
+              </a:ext>
+            </a:extLst>
+          </p:cNvPr>
+          <p:cNvCxnSpPr/>
+          <p:nvPr/>
+        </p:nvCxnSpPr>
+        <p:spPr>
+          <a:xfrm>
+            <a:off x="7794479" y="5115595"/>
+            <a:ext cx="554066" cy="0"/>
+          </a:xfrm>
+          <a:prstGeom prst="straightConnector1">
+            <a:avLst/>
+          </a:prstGeom>
+          <a:ln w="19050">
+            <a:solidFill>
+              <a:srgbClr val="5133B7"/>
+            </a:solidFill>
+            <a:tailEnd type="triangle"/>
+          </a:ln>
+        </p:spPr>
+        <p:style>
+          <a:lnRef idx="1">
+            <a:schemeClr val="accent1"/>
+          </a:lnRef>
+          <a:fillRef idx="0">
+            <a:schemeClr val="accent1"/>
+          </a:fillRef>
+          <a:effectRef idx="0">
+            <a:schemeClr val="accent1"/>
+          </a:effectRef>
+          <a:fontRef idx="minor">
+            <a:schemeClr val="tx1"/>
+          </a:fontRef>
+        </p:style>
+      </p:cxnSp>
+      <p:cxnSp>
+        <p:nvCxnSpPr>
+          <p:cNvPr id="25" name="Conector de Seta Reta 24">
+            <a:extLst>
+              <a:ext uri="{FF2B5EF4-FFF2-40B4-BE49-F238E27FC236}">
+                <a16:creationId xmlns:a16="http://schemas.microsoft.com/office/drawing/2014/main" id="{1D41A395-9260-44A9-9EC2-E838B006074D}"/>
+              </a:ext>
+            </a:extLst>
+          </p:cNvPr>
+          <p:cNvCxnSpPr/>
+          <p:nvPr/>
+        </p:nvCxnSpPr>
+        <p:spPr>
+          <a:xfrm>
+            <a:off x="9884325" y="5115595"/>
+            <a:ext cx="554066" cy="0"/>
+          </a:xfrm>
+          <a:prstGeom prst="straightConnector1">
+            <a:avLst/>
+          </a:prstGeom>
+          <a:ln w="19050">
+            <a:solidFill>
+              <a:srgbClr val="5133B7"/>
+            </a:solidFill>
+            <a:tailEnd type="triangle"/>
+          </a:ln>
+        </p:spPr>
+        <p:style>
+          <a:lnRef idx="1">
+            <a:schemeClr val="accent1"/>
+          </a:lnRef>
+          <a:fillRef idx="0">
+            <a:schemeClr val="accent1"/>
+          </a:fillRef>
+          <a:effectRef idx="0">
+            <a:schemeClr val="accent1"/>
+          </a:effectRef>
+          <a:fontRef idx="minor">
+            <a:schemeClr val="tx1"/>
+          </a:fontRef>
+        </p:style>
+      </p:cxnSp>
+    </p:spTree>
+    <p:extLst>
+      <p:ext uri="{BB962C8B-B14F-4D97-AF65-F5344CB8AC3E}">
+        <p14:creationId xmlns:p14="http://schemas.microsoft.com/office/powerpoint/2010/main" val="3904223910"/>
+      </p:ext>
+    </p:extLst>
+  </p:cSld>
+  <p:clrMapOvr>
+    <a:masterClrMapping/>
+  </p:clrMapOvr>
+  <mc:AlternateContent xmlns:mc="http://schemas.openxmlformats.org/markup-compatibility/2006" xmlns:p159="http://schemas.microsoft.com/office/powerpoint/2015/09/main">
+    <mc:Choice Requires="p159">
+      <p:transition xmlns:p14="http://schemas.microsoft.com/office/powerpoint/2010/main" spd="slow" p14:dur="2000">
+        <p159:morph option="byObject"/>
+      </p:transition>
+    </mc:Choice>
+    <mc:Fallback xmlns="">
+      <p:transition spd="slow">
+        <p:fade/>
+      </p:transition>
+    </mc:Fallback>
+  </mc:AlternateContent>
+  <p:timing>
+    <p:tnLst>
+      <p:par>
+        <p:cTn id="1" dur="indefinite" restart="never" nodeType="tmRoot">
+          <p:childTnLst>
+            <p:seq concurrent="1" nextAc="seek">
+              <p:cTn id="2" dur="indefinite" nodeType="mainSeq">
+                <p:childTnLst>
+                  <p:par>
+                    <p:cTn id="3" fill="hold">
+                      <p:stCondLst>
+                        <p:cond delay="indefinite"/>
+                      </p:stCondLst>
+                      <p:childTnLst>
+                        <p:par>
+                          <p:cTn id="4" fill="hold">
+                            <p:stCondLst>
+                              <p:cond delay="0"/>
+                            </p:stCondLst>
+                            <p:childTnLst>
+                              <p:par>
+                                <p:cTn id="5" presetID="10" presetClass="entr" presetSubtype="0" fill="hold" grpId="0" nodeType="clickEffect">
+                                  <p:stCondLst>
+                                    <p:cond delay="0"/>
+                                  </p:stCondLst>
+                                  <p:childTnLst>
+                                    <p:set>
+                                      <p:cBhvr>
+                                        <p:cTn id="6" dur="1" fill="hold">
+                                          <p:stCondLst>
+                                            <p:cond delay="0"/>
+                                          </p:stCondLst>
+                                        </p:cTn>
+                                        <p:tgtEl>
+                                          <p:spTgt spid="2"/>
+                                        </p:tgtEl>
+                                        <p:attrNameLst>
+                                          <p:attrName>style.visibility</p:attrName>
+                                        </p:attrNameLst>
+                                      </p:cBhvr>
+                                      <p:to>
+                                        <p:strVal val="visible"/>
+                                      </p:to>
+                                    </p:set>
+                                    <p:animEffect transition="in" filter="fade">
+                                      <p:cBhvr>
+                                        <p:cTn id="7" dur="500"/>
+                                        <p:tgtEl>
+                                          <p:spTgt spid="2"/>
+                                        </p:tgtEl>
+                                      </p:cBhvr>
+                                    </p:animEffect>
+                                  </p:childTnLst>
+                                </p:cTn>
+                              </p:par>
+                            </p:childTnLst>
+                          </p:cTn>
+                        </p:par>
+                      </p:childTnLst>
+                    </p:cTn>
+                  </p:par>
+                  <p:par>
+                    <p:cTn id="8" fill="hold">
+                      <p:stCondLst>
+                        <p:cond delay="indefinite"/>
+                      </p:stCondLst>
+                      <p:childTnLst>
+                        <p:par>
+                          <p:cTn id="9" fill="hold">
+                            <p:stCondLst>
+                              <p:cond delay="0"/>
+                            </p:stCondLst>
+                            <p:childTnLst>
+                              <p:par>
+                                <p:cTn id="10" presetID="10" presetClass="entr" presetSubtype="0" fill="hold" grpId="0" nodeType="clickEffect">
+                                  <p:stCondLst>
+                                    <p:cond delay="0"/>
+                                  </p:stCondLst>
+                                  <p:childTnLst>
+                                    <p:set>
+                                      <p:cBhvr>
+                                        <p:cTn id="11" dur="1" fill="hold">
+                                          <p:stCondLst>
+                                            <p:cond delay="0"/>
+                                          </p:stCondLst>
+                                        </p:cTn>
+                                        <p:tgtEl>
+                                          <p:spTgt spid="10"/>
+                                        </p:tgtEl>
+                                        <p:attrNameLst>
+                                          <p:attrName>style.visibility</p:attrName>
+                                        </p:attrNameLst>
+                                      </p:cBhvr>
+                                      <p:to>
+                                        <p:strVal val="visible"/>
+                                      </p:to>
+                                    </p:set>
+                                    <p:animEffect transition="in" filter="fade">
+                                      <p:cBhvr>
+                                        <p:cTn id="12" dur="500"/>
+                                        <p:tgtEl>
+                                          <p:spTgt spid="10"/>
+                                        </p:tgtEl>
+                                      </p:cBhvr>
+                                    </p:animEffect>
+                                  </p:childTnLst>
+                                </p:cTn>
+                              </p:par>
+                            </p:childTnLst>
+                          </p:cTn>
+                        </p:par>
+                      </p:childTnLst>
+                    </p:cTn>
+                  </p:par>
+                  <p:par>
+                    <p:cTn id="13" fill="hold">
+                      <p:stCondLst>
+                        <p:cond delay="indefinite"/>
+                      </p:stCondLst>
+                      <p:childTnLst>
+                        <p:par>
+                          <p:cTn id="14" fill="hold">
+                            <p:stCondLst>
+                              <p:cond delay="0"/>
+                            </p:stCondLst>
+                            <p:childTnLst>
+                              <p:par>
+                                <p:cTn id="15" presetID="10" presetClass="entr" presetSubtype="0" fill="hold" grpId="0" nodeType="clickEffect">
+                                  <p:stCondLst>
+                                    <p:cond delay="0"/>
+                                  </p:stCondLst>
+                                  <p:childTnLst>
+                                    <p:set>
+                                      <p:cBhvr>
+                                        <p:cTn id="16" dur="1" fill="hold">
+                                          <p:stCondLst>
+                                            <p:cond delay="0"/>
+                                          </p:stCondLst>
+                                        </p:cTn>
+                                        <p:tgtEl>
+                                          <p:spTgt spid="11"/>
+                                        </p:tgtEl>
+                                        <p:attrNameLst>
+                                          <p:attrName>style.visibility</p:attrName>
+                                        </p:attrNameLst>
+                                      </p:cBhvr>
+                                      <p:to>
+                                        <p:strVal val="visible"/>
+                                      </p:to>
+                                    </p:set>
+                                    <p:animEffect transition="in" filter="fade">
+                                      <p:cBhvr>
+                                        <p:cTn id="17" dur="500"/>
+                                        <p:tgtEl>
+                                          <p:spTgt spid="11"/>
+                                        </p:tgtEl>
+                                      </p:cBhvr>
+                                    </p:animEffect>
+                                  </p:childTnLst>
+                                </p:cTn>
+                              </p:par>
+                            </p:childTnLst>
+                          </p:cTn>
+                        </p:par>
+                      </p:childTnLst>
+                    </p:cTn>
+                  </p:par>
+                  <p:par>
+                    <p:cTn id="18" fill="hold">
+                      <p:stCondLst>
+                        <p:cond delay="indefinite"/>
+                      </p:stCondLst>
+                      <p:childTnLst>
+                        <p:par>
+                          <p:cTn id="19" fill="hold">
+                            <p:stCondLst>
+                              <p:cond delay="0"/>
+                            </p:stCondLst>
+                            <p:childTnLst>
+                              <p:par>
+                                <p:cTn id="20" presetID="10" presetClass="entr" presetSubtype="0" fill="hold" grpId="0" nodeType="clickEffect">
+                                  <p:stCondLst>
+                                    <p:cond delay="0"/>
+                                  </p:stCondLst>
+                                  <p:childTnLst>
+                                    <p:set>
+                                      <p:cBhvr>
+                                        <p:cTn id="21" dur="1" fill="hold">
+                                          <p:stCondLst>
+                                            <p:cond delay="0"/>
+                                          </p:stCondLst>
+                                        </p:cTn>
+                                        <p:tgtEl>
+                                          <p:spTgt spid="12"/>
+                                        </p:tgtEl>
+                                        <p:attrNameLst>
+                                          <p:attrName>style.visibility</p:attrName>
+                                        </p:attrNameLst>
+                                      </p:cBhvr>
+                                      <p:to>
+                                        <p:strVal val="visible"/>
+                                      </p:to>
+                                    </p:set>
+                                    <p:animEffect transition="in" filter="fade">
+                                      <p:cBhvr>
+                                        <p:cTn id="22" dur="500"/>
+                                        <p:tgtEl>
+                                          <p:spTgt spid="12"/>
+                                        </p:tgtEl>
+                                      </p:cBhvr>
+                                    </p:animEffect>
+                                  </p:childTnLst>
+                                </p:cTn>
+                              </p:par>
+                            </p:childTnLst>
+                          </p:cTn>
+                        </p:par>
+                      </p:childTnLst>
+                    </p:cTn>
+                  </p:par>
+                  <p:par>
+                    <p:cTn id="23" fill="hold">
+                      <p:stCondLst>
+                        <p:cond delay="indefinite"/>
+                      </p:stCondLst>
+                      <p:childTnLst>
+                        <p:par>
+                          <p:cTn id="24" fill="hold">
+                            <p:stCondLst>
+                              <p:cond delay="0"/>
+                            </p:stCondLst>
+                            <p:childTnLst>
+                              <p:par>
+                                <p:cTn id="25" presetID="10" presetClass="entr" presetSubtype="0" fill="hold" grpId="0" nodeType="clickEffect">
+                                  <p:stCondLst>
+                                    <p:cond delay="0"/>
+                                  </p:stCondLst>
+                                  <p:childTnLst>
+                                    <p:set>
+                                      <p:cBhvr>
+                                        <p:cTn id="26" dur="1" fill="hold">
+                                          <p:stCondLst>
+                                            <p:cond delay="0"/>
+                                          </p:stCondLst>
+                                        </p:cTn>
+                                        <p:tgtEl>
+                                          <p:spTgt spid="15"/>
+                                        </p:tgtEl>
+                                        <p:attrNameLst>
+                                          <p:attrName>style.visibility</p:attrName>
+                                        </p:attrNameLst>
+                                      </p:cBhvr>
+                                      <p:to>
+                                        <p:strVal val="visible"/>
+                                      </p:to>
+                                    </p:set>
+                                    <p:animEffect transition="in" filter="fade">
+                                      <p:cBhvr>
+                                        <p:cTn id="27" dur="500"/>
+                                        <p:tgtEl>
+                                          <p:spTgt spid="15"/>
+                                        </p:tgtEl>
+                                      </p:cBhvr>
+                                    </p:animEffect>
+                                  </p:childTnLst>
+                                </p:cTn>
+                              </p:par>
+                            </p:childTnLst>
+                          </p:cTn>
+                        </p:par>
+                      </p:childTnLst>
+                    </p:cTn>
+                  </p:par>
+                  <p:par>
+                    <p:cTn id="28" fill="hold">
+                      <p:stCondLst>
+                        <p:cond delay="indefinite"/>
+                      </p:stCondLst>
+                      <p:childTnLst>
+                        <p:par>
+                          <p:cTn id="29" fill="hold">
+                            <p:stCondLst>
+                              <p:cond delay="0"/>
+                            </p:stCondLst>
+                            <p:childTnLst>
+                              <p:par>
+                                <p:cTn id="30" presetID="10" presetClass="entr" presetSubtype="0" fill="hold" grpId="0" nodeType="clickEffect">
+                                  <p:stCondLst>
+                                    <p:cond delay="0"/>
+                                  </p:stCondLst>
+                                  <p:childTnLst>
+                                    <p:set>
+                                      <p:cBhvr>
+                                        <p:cTn id="31" dur="1" fill="hold">
+                                          <p:stCondLst>
+                                            <p:cond delay="0"/>
+                                          </p:stCondLst>
+                                        </p:cTn>
+                                        <p:tgtEl>
+                                          <p:spTgt spid="16"/>
+                                        </p:tgtEl>
+                                        <p:attrNameLst>
+                                          <p:attrName>style.visibility</p:attrName>
+                                        </p:attrNameLst>
+                                      </p:cBhvr>
+                                      <p:to>
+                                        <p:strVal val="visible"/>
+                                      </p:to>
+                                    </p:set>
+                                    <p:animEffect transition="in" filter="fade">
+                                      <p:cBhvr>
+                                        <p:cTn id="32" dur="500"/>
+                                        <p:tgtEl>
+                                          <p:spTgt spid="16"/>
+                                        </p:tgtEl>
+                                      </p:cBhvr>
+                                    </p:animEffect>
+                                  </p:childTnLst>
+                                </p:cTn>
+                              </p:par>
+                            </p:childTnLst>
+                          </p:cTn>
+                        </p:par>
+                      </p:childTnLst>
+                    </p:cTn>
+                  </p:par>
+                  <p:par>
+                    <p:cTn id="33" fill="hold">
+                      <p:stCondLst>
+                        <p:cond delay="indefinite"/>
+                      </p:stCondLst>
+                      <p:childTnLst>
+                        <p:par>
+                          <p:cTn id="34" fill="hold">
+                            <p:stCondLst>
+                              <p:cond delay="0"/>
+                            </p:stCondLst>
+                            <p:childTnLst>
+                              <p:par>
+                                <p:cTn id="35" presetID="10" presetClass="entr" presetSubtype="0" fill="hold" grpId="0" nodeType="clickEffect">
+                                  <p:stCondLst>
+                                    <p:cond delay="0"/>
+                                  </p:stCondLst>
+                                  <p:childTnLst>
+                                    <p:set>
+                                      <p:cBhvr>
+                                        <p:cTn id="36" dur="1" fill="hold">
+                                          <p:stCondLst>
+                                            <p:cond delay="0"/>
+                                          </p:stCondLst>
+                                        </p:cTn>
+                                        <p:tgtEl>
+                                          <p:spTgt spid="17"/>
+                                        </p:tgtEl>
+                                        <p:attrNameLst>
+                                          <p:attrName>style.visibility</p:attrName>
+                                        </p:attrNameLst>
+                                      </p:cBhvr>
+                                      <p:to>
+                                        <p:strVal val="visible"/>
+                                      </p:to>
+                                    </p:set>
+                                    <p:animEffect transition="in" filter="fade">
+                                      <p:cBhvr>
+                                        <p:cTn id="37" dur="500"/>
+                                        <p:tgtEl>
+                                          <p:spTgt spid="17"/>
+                                        </p:tgtEl>
+                                      </p:cBhvr>
+                                    </p:animEffect>
+                                  </p:childTnLst>
+                                </p:cTn>
+                              </p:par>
+                            </p:childTnLst>
+                          </p:cTn>
+                        </p:par>
+                      </p:childTnLst>
+                    </p:cTn>
+                  </p:par>
+                  <p:par>
+                    <p:cTn id="38" fill="hold">
+                      <p:stCondLst>
+                        <p:cond delay="indefinite"/>
+                      </p:stCondLst>
+                      <p:childTnLst>
+                        <p:par>
+                          <p:cTn id="39" fill="hold">
+                            <p:stCondLst>
+                              <p:cond delay="0"/>
+                            </p:stCondLst>
+                            <p:childTnLst>
+                              <p:par>
+                                <p:cTn id="40" presetID="10" presetClass="entr" presetSubtype="0" fill="hold" nodeType="clickEffect">
+                                  <p:stCondLst>
+                                    <p:cond delay="0"/>
+                                  </p:stCondLst>
+                                  <p:childTnLst>
+                                    <p:set>
+                                      <p:cBhvr>
+                                        <p:cTn id="41" dur="1" fill="hold">
+                                          <p:stCondLst>
+                                            <p:cond delay="0"/>
+                                          </p:stCondLst>
+                                        </p:cTn>
+                                        <p:tgtEl>
+                                          <p:spTgt spid="25"/>
+                                        </p:tgtEl>
+                                        <p:attrNameLst>
+                                          <p:attrName>style.visibility</p:attrName>
+                                        </p:attrNameLst>
+                                      </p:cBhvr>
+                                      <p:to>
+                                        <p:strVal val="visible"/>
+                                      </p:to>
+                                    </p:set>
+                                    <p:animEffect transition="in" filter="fade">
+                                      <p:cBhvr>
+                                        <p:cTn id="42" dur="500"/>
+                                        <p:tgtEl>
+                                          <p:spTgt spid="25"/>
+                                        </p:tgtEl>
+                                      </p:cBhvr>
+                                    </p:animEffect>
+                                  </p:childTnLst>
+                                </p:cTn>
+                              </p:par>
+                              <p:par>
+                                <p:cTn id="43" presetID="10" presetClass="entr" presetSubtype="0" fill="hold" nodeType="withEffect">
+                                  <p:stCondLst>
+                                    <p:cond delay="0"/>
+                                  </p:stCondLst>
+                                  <p:childTnLst>
+                                    <p:set>
+                                      <p:cBhvr>
+                                        <p:cTn id="44" dur="1" fill="hold">
+                                          <p:stCondLst>
+                                            <p:cond delay="0"/>
+                                          </p:stCondLst>
+                                        </p:cTn>
+                                        <p:tgtEl>
+                                          <p:spTgt spid="24"/>
+                                        </p:tgtEl>
+                                        <p:attrNameLst>
+                                          <p:attrName>style.visibility</p:attrName>
+                                        </p:attrNameLst>
+                                      </p:cBhvr>
+                                      <p:to>
+                                        <p:strVal val="visible"/>
+                                      </p:to>
+                                    </p:set>
+                                    <p:animEffect transition="in" filter="fade">
+                                      <p:cBhvr>
+                                        <p:cTn id="45" dur="500"/>
+                                        <p:tgtEl>
+                                          <p:spTgt spid="24"/>
+                                        </p:tgtEl>
+                                      </p:cBhvr>
+                                    </p:animEffect>
+                                  </p:childTnLst>
+                                </p:cTn>
+                              </p:par>
+                              <p:par>
+                                <p:cTn id="46" presetID="10" presetClass="entr" presetSubtype="0" fill="hold" nodeType="withEffect">
+                                  <p:stCondLst>
+                                    <p:cond delay="0"/>
+                                  </p:stCondLst>
+                                  <p:childTnLst>
+                                    <p:set>
+                                      <p:cBhvr>
+                                        <p:cTn id="47" dur="1" fill="hold">
+                                          <p:stCondLst>
+                                            <p:cond delay="0"/>
+                                          </p:stCondLst>
+                                        </p:cTn>
+                                        <p:tgtEl>
+                                          <p:spTgt spid="22"/>
+                                        </p:tgtEl>
+                                        <p:attrNameLst>
+                                          <p:attrName>style.visibility</p:attrName>
+                                        </p:attrNameLst>
+                                      </p:cBhvr>
+                                      <p:to>
+                                        <p:strVal val="visible"/>
+                                      </p:to>
+                                    </p:set>
+                                    <p:animEffect transition="in" filter="fade">
+                                      <p:cBhvr>
+                                        <p:cTn id="48" dur="500"/>
+                                        <p:tgtEl>
+                                          <p:spTgt spid="22"/>
+                                        </p:tgtEl>
+                                      </p:cBhvr>
+                                    </p:animEffect>
+                                  </p:childTnLst>
+                                </p:cTn>
+                              </p:par>
+                              <p:par>
+                                <p:cTn id="49" presetID="10" presetClass="entr" presetSubtype="0" fill="hold" nodeType="withEffect">
+                                  <p:stCondLst>
+                                    <p:cond delay="0"/>
+                                  </p:stCondLst>
+                                  <p:childTnLst>
+                                    <p:set>
+                                      <p:cBhvr>
+                                        <p:cTn id="50" dur="1" fill="hold">
+                                          <p:stCondLst>
+                                            <p:cond delay="0"/>
+                                          </p:stCondLst>
+                                        </p:cTn>
+                                        <p:tgtEl>
+                                          <p:spTgt spid="20"/>
+                                        </p:tgtEl>
+                                        <p:attrNameLst>
+                                          <p:attrName>style.visibility</p:attrName>
+                                        </p:attrNameLst>
+                                      </p:cBhvr>
+                                      <p:to>
+                                        <p:strVal val="visible"/>
+                                      </p:to>
+                                    </p:set>
+                                    <p:animEffect transition="in" filter="fade">
+                                      <p:cBhvr>
+                                        <p:cTn id="51" dur="500"/>
+                                        <p:tgtEl>
+                                          <p:spTgt spid="20"/>
+                                        </p:tgtEl>
+                                      </p:cBhvr>
+                                    </p:animEffect>
+                                  </p:childTnLst>
+                                </p:cTn>
+                              </p:par>
+                              <p:par>
+                                <p:cTn id="52" presetID="10" presetClass="entr" presetSubtype="0" fill="hold" nodeType="withEffect">
+                                  <p:stCondLst>
+                                    <p:cond delay="0"/>
+                                  </p:stCondLst>
+                                  <p:childTnLst>
+                                    <p:set>
+                                      <p:cBhvr>
+                                        <p:cTn id="53" dur="1" fill="hold">
+                                          <p:stCondLst>
+                                            <p:cond delay="0"/>
+                                          </p:stCondLst>
+                                        </p:cTn>
+                                        <p:tgtEl>
+                                          <p:spTgt spid="19"/>
+                                        </p:tgtEl>
+                                        <p:attrNameLst>
+                                          <p:attrName>style.visibility</p:attrName>
+                                        </p:attrNameLst>
+                                      </p:cBhvr>
+                                      <p:to>
+                                        <p:strVal val="visible"/>
+                                      </p:to>
+                                    </p:set>
+                                    <p:animEffect transition="in" filter="fade">
+                                      <p:cBhvr>
+                                        <p:cTn id="54" dur="500"/>
+                                        <p:tgtEl>
+                                          <p:spTgt spid="19"/>
+                                        </p:tgtEl>
+                                      </p:cBhvr>
+                                    </p:animEffect>
+                                  </p:childTnLst>
+                                </p:cTn>
+                              </p:par>
+                              <p:par>
+                                <p:cTn id="55" presetID="10" presetClass="entr" presetSubtype="0" fill="hold" nodeType="withEffect">
+                                  <p:stCondLst>
+                                    <p:cond delay="0"/>
+                                  </p:stCondLst>
+                                  <p:childTnLst>
+                                    <p:set>
+                                      <p:cBhvr>
+                                        <p:cTn id="56" dur="1" fill="hold">
+                                          <p:stCondLst>
+                                            <p:cond delay="0"/>
+                                          </p:stCondLst>
+                                        </p:cTn>
+                                        <p:tgtEl>
+                                          <p:spTgt spid="18"/>
+                                        </p:tgtEl>
+                                        <p:attrNameLst>
+                                          <p:attrName>style.visibility</p:attrName>
+                                        </p:attrNameLst>
+                                      </p:cBhvr>
+                                      <p:to>
+                                        <p:strVal val="visible"/>
+                                      </p:to>
+                                    </p:set>
+                                    <p:animEffect transition="in" filter="fade">
+                                      <p:cBhvr>
+                                        <p:cTn id="57" dur="500"/>
+                                        <p:tgtEl>
+                                          <p:spTgt spid="18"/>
+                                        </p:tgtEl>
+                                      </p:cBhvr>
+                                    </p:animEffect>
+                                  </p:childTnLst>
+                                </p:cTn>
+                              </p:par>
+                              <p:par>
+                                <p:cTn id="58" presetID="10" presetClass="entr" presetSubtype="0" fill="hold" nodeType="withEffect">
+                                  <p:stCondLst>
+                                    <p:cond delay="0"/>
+                                  </p:stCondLst>
+                                  <p:childTnLst>
+                                    <p:set>
+                                      <p:cBhvr>
+                                        <p:cTn id="59" dur="1" fill="hold">
+                                          <p:stCondLst>
+                                            <p:cond delay="0"/>
+                                          </p:stCondLst>
+                                        </p:cTn>
+                                        <p:tgtEl>
+                                          <p:spTgt spid="4"/>
+                                        </p:tgtEl>
+                                        <p:attrNameLst>
+                                          <p:attrName>style.visibility</p:attrName>
+                                        </p:attrNameLst>
+                                      </p:cBhvr>
+                                      <p:to>
+                                        <p:strVal val="visible"/>
+                                      </p:to>
+                                    </p:set>
+                                    <p:animEffect transition="in" filter="fade">
+                                      <p:cBhvr>
+                                        <p:cTn id="60" dur="500"/>
+                                        <p:tgtEl>
+                                          <p:spTgt spid="4"/>
+                                        </p:tgtEl>
+                                      </p:cBhvr>
+                                    </p:animEffect>
+                                  </p:childTnLst>
+                                </p:cTn>
+                              </p:par>
+                              <p:par>
+                                <p:cTn id="61" presetID="10" presetClass="entr" presetSubtype="0" fill="hold" grpId="0" nodeType="withEffect">
+                                  <p:stCondLst>
+                                    <p:cond delay="0"/>
+                                  </p:stCondLst>
+                                  <p:childTnLst>
+                                    <p:set>
+                                      <p:cBhvr>
+                                        <p:cTn id="62" dur="1" fill="hold">
+                                          <p:stCondLst>
+                                            <p:cond delay="0"/>
+                                          </p:stCondLst>
+                                        </p:cTn>
+                                        <p:tgtEl>
+                                          <p:spTgt spid="5"/>
+                                        </p:tgtEl>
+                                        <p:attrNameLst>
+                                          <p:attrName>style.visibility</p:attrName>
+                                        </p:attrNameLst>
+                                      </p:cBhvr>
+                                      <p:to>
+                                        <p:strVal val="visible"/>
+                                      </p:to>
+                                    </p:set>
+                                    <p:animEffect transition="in" filter="fade">
+                                      <p:cBhvr>
+                                        <p:cTn id="63" dur="500"/>
+                                        <p:tgtEl>
+                                          <p:spTgt spid="5"/>
+                                        </p:tgtEl>
+                                      </p:cBhvr>
+                                    </p:animEffect>
+                                  </p:childTnLst>
+                                </p:cTn>
+                              </p:par>
+                            </p:childTnLst>
+                          </p:cTn>
+                        </p:par>
+                      </p:childTnLst>
+                    </p:cTn>
+                  </p:par>
+                </p:childTnLst>
+              </p:cTn>
+              <p:prevCondLst>
+                <p:cond evt="onPrev" delay="0">
+                  <p:tgtEl>
+                    <p:sldTgt/>
+                  </p:tgtEl>
+                </p:cond>
+              </p:prevCondLst>
+              <p:nextCondLst>
+                <p:cond evt="onNext" delay="0">
+                  <p:tgtEl>
+                    <p:sldTgt/>
+                  </p:tgtEl>
+                </p:cond>
+              </p:nextCondLst>
+            </p:seq>
+          </p:childTnLst>
+        </p:cTn>
+      </p:par>
+    </p:tnLst>
+    <p:bldLst>
+      <p:bldP spid="2" grpId="0" animBg="1"/>
+      <p:bldP spid="10" grpId="0" animBg="1"/>
+      <p:bldP spid="11" grpId="0" animBg="1"/>
+      <p:bldP spid="12" grpId="0" animBg="1"/>
+      <p:bldP spid="15" grpId="0" animBg="1"/>
+      <p:bldP spid="16" grpId="0" animBg="1"/>
+      <p:bldP spid="17" grpId="0" animBg="1"/>
+      <p:bldP spid="5" grpId="0"/>
+    </p:bldLst>
+  </p:timing>
+</p:sld>
+</file>
+
+<file path=ppt/slides/slide28.xml><?xml version="1.0" encoding="utf-8"?>
+<p:sld xmlns:a="http://schemas.openxmlformats.org/drawingml/2006/main" xmlns:r="http://schemas.openxmlformats.org/officeDocument/2006/relationships" xmlns:p="http://schemas.openxmlformats.org/presentationml/2006/main">
+  <p:cSld>
+    <p:spTree>
+      <p:nvGrpSpPr>
+        <p:cNvPr id="1" name=""/>
+        <p:cNvGrpSpPr/>
+        <p:nvPr/>
+      </p:nvGrpSpPr>
+      <p:grpSpPr>
+        <a:xfrm>
+          <a:off x="0" y="0"/>
+          <a:ext cx="0" cy="0"/>
+          <a:chOff x="0" y="0"/>
+          <a:chExt cx="0" cy="0"/>
+        </a:xfrm>
+      </p:grpSpPr>
+      <p:pic>
+        <p:nvPicPr>
+          <p:cNvPr id="5" name="Espaço Reservado para Conteúdo 4">
+            <a:extLst>
+              <a:ext uri="{FF2B5EF4-FFF2-40B4-BE49-F238E27FC236}">
+                <a16:creationId xmlns:a16="http://schemas.microsoft.com/office/drawing/2014/main" id="{DEBCF998-65B9-41B2-A535-E5741DD64BE5}"/>
+              </a:ext>
+            </a:extLst>
+          </p:cNvPr>
+          <p:cNvPicPr>
+            <a:picLocks noGrp="1" noChangeAspect="1"/>
+          </p:cNvPicPr>
+          <p:nvPr>
+            <p:ph idx="1"/>
+          </p:nvPr>
+        </p:nvPicPr>
+        <p:blipFill>
+          <a:blip r:embed="rId2">
+            <a:extLst>
+              <a:ext uri="{28A0092B-C50C-407E-A947-70E740481C1C}">
+                <a14:useLocalDpi xmlns:a14="http://schemas.microsoft.com/office/drawing/2010/main" val="0"/>
+              </a:ext>
+            </a:extLst>
+          </a:blip>
+          <a:stretch>
+            <a:fillRect/>
+          </a:stretch>
+        </p:blipFill>
+        <p:spPr>
+          <a:xfrm>
+            <a:off x="-11088" y="1"/>
+            <a:ext cx="12203088" cy="6881654"/>
+          </a:xfrm>
+        </p:spPr>
+      </p:pic>
+      <p:pic>
+        <p:nvPicPr>
+          <p:cNvPr id="9" name="Gráfico 8">
+            <a:extLst>
+              <a:ext uri="{FF2B5EF4-FFF2-40B4-BE49-F238E27FC236}">
+                <a16:creationId xmlns:a16="http://schemas.microsoft.com/office/drawing/2014/main" id="{8951ED2D-02AB-4784-A820-1B65DE4713F5}"/>
+              </a:ext>
+            </a:extLst>
+          </p:cNvPr>
+          <p:cNvPicPr>
+            <a:picLocks noChangeAspect="1"/>
+          </p:cNvPicPr>
+          <p:nvPr/>
+        </p:nvPicPr>
+        <p:blipFill>
+          <a:blip r:embed="rId3">
+            <a:extLst>
+              <a:ext uri="{96DAC541-7B7A-43D3-8B79-37D633B846F1}">
+                <asvg:svgBlip xmlns:asvg="http://schemas.microsoft.com/office/drawing/2016/SVG/main" r:embed="rId4"/>
+              </a:ext>
+            </a:extLst>
+          </a:blip>
+          <a:stretch>
+            <a:fillRect/>
+          </a:stretch>
+        </p:blipFill>
+        <p:spPr>
+          <a:xfrm>
+            <a:off x="5497357" y="2473134"/>
+            <a:ext cx="185616" cy="219365"/>
+          </a:xfrm>
+          <a:prstGeom prst="rect">
+            <a:avLst/>
+          </a:prstGeom>
+        </p:spPr>
+      </p:pic>
+      <p:pic>
+        <p:nvPicPr>
+          <p:cNvPr id="10" name="Gráfico 9">
+            <a:extLst>
+              <a:ext uri="{FF2B5EF4-FFF2-40B4-BE49-F238E27FC236}">
+                <a16:creationId xmlns:a16="http://schemas.microsoft.com/office/drawing/2014/main" id="{FDE0F12D-8D89-4BEF-85B4-ADA531FBBE17}"/>
+              </a:ext>
+            </a:extLst>
+          </p:cNvPr>
+          <p:cNvPicPr>
+            <a:picLocks noChangeAspect="1"/>
+          </p:cNvPicPr>
+          <p:nvPr/>
+        </p:nvPicPr>
+        <p:blipFill>
+          <a:blip r:embed="rId3">
+            <a:extLst>
+              <a:ext uri="{96DAC541-7B7A-43D3-8B79-37D633B846F1}">
+                <asvg:svgBlip xmlns:asvg="http://schemas.microsoft.com/office/drawing/2016/SVG/main" r:embed="rId4"/>
+              </a:ext>
+            </a:extLst>
+          </a:blip>
+          <a:stretch>
+            <a:fillRect/>
+          </a:stretch>
+        </p:blipFill>
+        <p:spPr>
+          <a:xfrm>
+            <a:off x="6565133" y="3554365"/>
+            <a:ext cx="107465" cy="127002"/>
+          </a:xfrm>
+          <a:prstGeom prst="rect">
+            <a:avLst/>
+          </a:prstGeom>
+        </p:spPr>
+      </p:pic>
+      <p:sp>
+        <p:nvSpPr>
+          <p:cNvPr id="6" name="Título 1">
+            <a:extLst>
+              <a:ext uri="{FF2B5EF4-FFF2-40B4-BE49-F238E27FC236}">
+                <a16:creationId xmlns:a16="http://schemas.microsoft.com/office/drawing/2014/main" id="{EC993F68-2ABC-472C-9DAA-F49885B6553A}"/>
+              </a:ext>
+            </a:extLst>
+          </p:cNvPr>
+          <p:cNvSpPr>
+            <a:spLocks noGrp="1"/>
+          </p:cNvSpPr>
+          <p:nvPr>
+            <p:ph type="title"/>
+          </p:nvPr>
+        </p:nvSpPr>
+        <p:spPr>
+          <a:xfrm>
+            <a:off x="29290" y="2418011"/>
+            <a:ext cx="12162710" cy="2021978"/>
+          </a:xfrm>
+        </p:spPr>
+        <p:txBody>
+          <a:bodyPr>
+            <a:normAutofit/>
+          </a:bodyPr>
+          <a:lstStyle/>
+          <a:p>
+            <a:pPr algn="ctr"/>
+            <a:r>
+              <a:rPr lang="pt-BR" sz="3200" dirty="0">
+                <a:solidFill>
+                  <a:schemeClr val="bg1"/>
+                </a:solidFill>
+                <a:latin typeface="Nunito" pitchFamily="2" charset="77"/>
+              </a:rPr>
+              <a:t>DEMO</a:t>
+            </a:r>
+            <a:br>
+              <a:rPr lang="pt-BR" sz="7300" dirty="0">
+                <a:solidFill>
+                  <a:schemeClr val="bg1"/>
+                </a:solidFill>
+                <a:latin typeface="Nunito" pitchFamily="2" charset="77"/>
+              </a:rPr>
+            </a:br>
+            <a:r>
+              <a:rPr lang="pt-BR" sz="7300" dirty="0">
+                <a:solidFill>
+                  <a:schemeClr val="bg1"/>
+                </a:solidFill>
+                <a:latin typeface="Nunito" pitchFamily="2" charset="77"/>
+              </a:rPr>
+              <a:t>Implementação</a:t>
+            </a:r>
+            <a:endParaRPr lang="pt-BR" sz="5400" dirty="0">
+              <a:solidFill>
+                <a:schemeClr val="bg1"/>
+              </a:solidFill>
+              <a:latin typeface="Nunito" pitchFamily="2" charset="77"/>
+            </a:endParaRPr>
+          </a:p>
+        </p:txBody>
+      </p:sp>
+    </p:spTree>
+    <p:extLst>
+      <p:ext uri="{BB962C8B-B14F-4D97-AF65-F5344CB8AC3E}">
+        <p14:creationId xmlns:p14="http://schemas.microsoft.com/office/powerpoint/2010/main" val="3254351535"/>
+      </p:ext>
+    </p:extLst>
+  </p:cSld>
+  <p:clrMapOvr>
+    <a:masterClrMapping/>
+  </p:clrMapOvr>
+  <mc:AlternateContent xmlns:mc="http://schemas.openxmlformats.org/markup-compatibility/2006" xmlns:p14="http://schemas.microsoft.com/office/powerpoint/2010/main">
+    <mc:Choice Requires="p14">
+      <p:transition spd="med" p14:dur="700">
+        <p:fade/>
+      </p:transition>
+    </mc:Choice>
+    <mc:Fallback xmlns="">
+      <p:transition spd="med">
+        <p:fade/>
+      </p:transition>
+    </mc:Fallback>
+  </mc:AlternateContent>
+  <p:timing>
+    <p:tnLst>
+      <p:par>
+        <p:cTn id="1" dur="indefinite" restart="never" nodeType="tmRoot">
+          <p:childTnLst>
+            <p:seq concurrent="1" nextAc="seek">
+              <p:cTn id="2" dur="indefinite" nodeType="mainSeq">
+                <p:childTnLst>
+                  <p:par>
+                    <p:cTn id="3" fill="hold">
+                      <p:stCondLst>
+                        <p:cond delay="indefinite"/>
+                        <p:cond evt="onBegin" delay="0">
+                          <p:tn val="2"/>
+                        </p:cond>
+                      </p:stCondLst>
+                      <p:childTnLst>
+                        <p:par>
+                          <p:cTn id="4" fill="hold">
+                            <p:stCondLst>
+                              <p:cond delay="0"/>
+                            </p:stCondLst>
+                            <p:childTnLst>
+                              <p:par>
+                                <p:cTn id="5" presetID="10" presetClass="entr" presetSubtype="0" fill="hold" grpId="0" nodeType="afterEffect">
+                                  <p:stCondLst>
+                                    <p:cond delay="0"/>
+                                  </p:stCondLst>
+                                  <p:childTnLst>
+                                    <p:set>
+                                      <p:cBhvr>
+                                        <p:cTn id="6" dur="1" fill="hold">
+                                          <p:stCondLst>
+                                            <p:cond delay="0"/>
+                                          </p:stCondLst>
+                                        </p:cTn>
+                                        <p:tgtEl>
+                                          <p:spTgt spid="6"/>
+                                        </p:tgtEl>
+                                        <p:attrNameLst>
+                                          <p:attrName>style.visibility</p:attrName>
+                                        </p:attrNameLst>
+                                      </p:cBhvr>
+                                      <p:to>
+                                        <p:strVal val="visible"/>
+                                      </p:to>
+                                    </p:set>
+                                    <p:animEffect transition="in" filter="fade">
+                                      <p:cBhvr>
+                                        <p:cTn id="7" dur="500"/>
+                                        <p:tgtEl>
+                                          <p:spTgt spid="6"/>
+                                        </p:tgtEl>
+                                      </p:cBhvr>
+                                    </p:animEffect>
+                                  </p:childTnLst>
+                                </p:cTn>
+                              </p:par>
+                              <p:par>
+                                <p:cTn id="8" presetID="10" presetClass="entr" presetSubtype="0" fill="hold" nodeType="withEffect">
+                                  <p:stCondLst>
+                                    <p:cond delay="0"/>
+                                  </p:stCondLst>
+                                  <p:childTnLst>
+                                    <p:set>
+                                      <p:cBhvr>
+                                        <p:cTn id="9" dur="1" fill="hold">
+                                          <p:stCondLst>
+                                            <p:cond delay="0"/>
+                                          </p:stCondLst>
+                                        </p:cTn>
+                                        <p:tgtEl>
+                                          <p:spTgt spid="9"/>
+                                        </p:tgtEl>
+                                        <p:attrNameLst>
+                                          <p:attrName>style.visibility</p:attrName>
+                                        </p:attrNameLst>
+                                      </p:cBhvr>
+                                      <p:to>
+                                        <p:strVal val="visible"/>
+                                      </p:to>
+                                    </p:set>
+                                    <p:animEffect transition="in" filter="fade">
+                                      <p:cBhvr>
+                                        <p:cTn id="10" dur="500"/>
+                                        <p:tgtEl>
+                                          <p:spTgt spid="9"/>
+                                        </p:tgtEl>
+                                      </p:cBhvr>
+                                    </p:animEffect>
+                                  </p:childTnLst>
+                                </p:cTn>
+                              </p:par>
+                              <p:par>
+                                <p:cTn id="11" presetID="51" presetClass="path" presetSubtype="0" repeatCount="indefinite" accel="50000" decel="50000" autoRev="1" fill="hold" nodeType="withEffect">
+                                  <p:stCondLst>
+                                    <p:cond delay="0"/>
+                                  </p:stCondLst>
+                                  <p:childTnLst>
+                                    <p:animMotion origin="layout" path="M -3.54167E-6 -3.7037E-7 L -0.03997 0.0669 C -0.04895 0.08102 -0.05403 0.10208 -0.05403 0.12407 C -0.05403 0.14907 -0.04895 0.16898 -0.03997 0.1831 L -3.54167E-6 0.25 " pathEditMode="relative" rAng="0" ptsTypes="AAAAA">
+                                      <p:cBhvr>
+                                        <p:cTn id="12" dur="2000" fill="hold"/>
+                                        <p:tgtEl>
+                                          <p:spTgt spid="9"/>
+                                        </p:tgtEl>
+                                        <p:attrNameLst>
+                                          <p:attrName>ppt_x</p:attrName>
+                                          <p:attrName>ppt_y</p:attrName>
+                                        </p:attrNameLst>
+                                      </p:cBhvr>
+                                      <p:rCtr x="-2708" y="12500"/>
+                                    </p:animMotion>
+                                  </p:childTnLst>
+                                </p:cTn>
+                              </p:par>
+                              <p:par>
+                                <p:cTn id="13" presetID="10" presetClass="entr" presetSubtype="0" fill="hold" nodeType="withEffect">
+                                  <p:stCondLst>
+                                    <p:cond delay="0"/>
+                                  </p:stCondLst>
+                                  <p:childTnLst>
+                                    <p:set>
+                                      <p:cBhvr>
+                                        <p:cTn id="14" dur="1" fill="hold">
+                                          <p:stCondLst>
+                                            <p:cond delay="0"/>
+                                          </p:stCondLst>
+                                        </p:cTn>
+                                        <p:tgtEl>
+                                          <p:spTgt spid="10"/>
+                                        </p:tgtEl>
+                                        <p:attrNameLst>
+                                          <p:attrName>style.visibility</p:attrName>
+                                        </p:attrNameLst>
+                                      </p:cBhvr>
+                                      <p:to>
+                                        <p:strVal val="visible"/>
+                                      </p:to>
+                                    </p:set>
+                                    <p:animEffect transition="in" filter="fade">
+                                      <p:cBhvr>
+                                        <p:cTn id="15" dur="500"/>
+                                        <p:tgtEl>
+                                          <p:spTgt spid="10"/>
+                                        </p:tgtEl>
+                                      </p:cBhvr>
+                                    </p:animEffect>
+                                  </p:childTnLst>
+                                </p:cTn>
+                              </p:par>
+                              <p:par>
+                                <p:cTn id="16" presetID="1" presetClass="path" presetSubtype="0" repeatCount="indefinite" accel="50000" decel="50000" autoRev="1" fill="hold" nodeType="withEffect">
+                                  <p:stCondLst>
+                                    <p:cond delay="0"/>
+                                  </p:stCondLst>
+                                  <p:childTnLst>
+                                    <p:animMotion origin="layout" path="M -0.04909 -0.08658 C -0.00925 -0.08658 0.02305 -0.03056 0.02305 0.03842 C 0.02305 0.1074 -0.00925 0.16342 -0.04909 0.16342 C -0.08893 0.16342 -0.1211 0.1074 -0.1211 0.03842 C -0.1211 -0.03056 -0.08893 -0.08658 -0.04909 -0.08658 Z " pathEditMode="relative" rAng="0" ptsTypes="AAAAA">
+                                      <p:cBhvr>
+                                        <p:cTn id="17" dur="4000" fill="hold"/>
+                                        <p:tgtEl>
+                                          <p:spTgt spid="10"/>
+                                        </p:tgtEl>
+                                        <p:attrNameLst>
+                                          <p:attrName>ppt_x</p:attrName>
+                                          <p:attrName>ppt_y</p:attrName>
+                                        </p:attrNameLst>
+                                      </p:cBhvr>
+                                      <p:rCtr x="0" y="12500"/>
+                                    </p:animMotion>
+                                  </p:childTnLst>
+                                </p:cTn>
+                              </p:par>
+                            </p:childTnLst>
+                          </p:cTn>
+                        </p:par>
+                      </p:childTnLst>
+                    </p:cTn>
+                  </p:par>
+                </p:childTnLst>
+              </p:cTn>
+              <p:prevCondLst>
+                <p:cond evt="onPrev" delay="0">
+                  <p:tgtEl>
+                    <p:sldTgt/>
+                  </p:tgtEl>
+                </p:cond>
+              </p:prevCondLst>
+              <p:nextCondLst>
+                <p:cond evt="onNext" delay="0">
+                  <p:tgtEl>
+                    <p:sldTgt/>
+                  </p:tgtEl>
+                </p:cond>
+              </p:nextCondLst>
+            </p:seq>
+          </p:childTnLst>
+        </p:cTn>
+      </p:par>
+    </p:tnLst>
+    <p:bldLst>
+      <p:bldP spid="6" grpId="0"/>
+    </p:bldLst>
+  </p:timing>
+</p:sld>
+</file>
+
+<file path=ppt/slides/slide29.xml><?xml version="1.0" encoding="utf-8"?>
 <p:sld xmlns:a="http://schemas.openxmlformats.org/drawingml/2006/main" xmlns:r="http://schemas.openxmlformats.org/officeDocument/2006/relationships" xmlns:p="http://schemas.openxmlformats.org/presentationml/2006/main">
   <p:cSld>
     <p:spTree>
@@ -19873,10 +22154,10 @@
       </p:sp>
       <p:pic>
         <p:nvPicPr>
-          <p:cNvPr id="12" name="Graphic 11">
+          <p:cNvPr id="3" name="Gráfico 2">
             <a:extLst>
               <a:ext uri="{FF2B5EF4-FFF2-40B4-BE49-F238E27FC236}">
-                <a16:creationId xmlns:a16="http://schemas.microsoft.com/office/drawing/2014/main" id="{08C5FB60-1BF5-BE4F-8104-A54858793712}"/>
+                <a16:creationId xmlns:a16="http://schemas.microsoft.com/office/drawing/2014/main" id="{FA4F17EC-E05C-479E-A4B8-B631572045AA}"/>
               </a:ext>
             </a:extLst>
           </p:cNvPr>
@@ -19902,8 +22183,8 @@
         </p:blipFill>
         <p:spPr>
           <a:xfrm>
-            <a:off x="7236405" y="2630609"/>
-            <a:ext cx="4053004" cy="3615580"/>
+            <a:off x="5892743" y="2504941"/>
+            <a:ext cx="5911885" cy="3740172"/>
           </a:xfrm>
           <a:prstGeom prst="rect">
             <a:avLst/>
@@ -19967,51 +22248,6 @@
                                         </p:cTn>
                                         <p:tgtEl>
                                           <p:spTgt spid="8"/>
-                                        </p:tgtEl>
-                                        <p:attrNameLst>
-                                          <p:attrName>style.visibility</p:attrName>
-                                        </p:attrNameLst>
-                                      </p:cBhvr>
-                                      <p:to>
-                                        <p:strVal val="visible"/>
-                                      </p:to>
-                                    </p:set>
-                                  </p:childTnLst>
-                                </p:cTn>
-                              </p:par>
-                            </p:childTnLst>
-                          </p:cTn>
-                        </p:par>
-                      </p:childTnLst>
-                    </p:cTn>
-                  </p:par>
-                  <p:par>
-                    <p:cTn id="7" fill="hold">
-                      <p:stCondLst>
-                        <p:cond delay="indefinite"/>
-                      </p:stCondLst>
-                      <p:childTnLst>
-                        <p:par>
-                          <p:cTn id="8" fill="hold">
-                            <p:stCondLst>
-                              <p:cond delay="0"/>
-                            </p:stCondLst>
-                            <p:childTnLst>
-                              <p:par>
-                                <p:cTn id="9" presetID="1" presetClass="entr" presetSubtype="0" fill="hold" nodeType="clickEffect">
-                                  <p:stCondLst>
-                                    <p:cond delay="0"/>
-                                  </p:stCondLst>
-                                  <p:childTnLst>
-                                    <p:set>
-                                      <p:cBhvr>
-                                        <p:cTn id="10" dur="1" fill="hold">
-                                          <p:stCondLst>
-                                            <p:cond delay="0"/>
-                                          </p:stCondLst>
-                                        </p:cTn>
-                                        <p:tgtEl>
-                                          <p:spTgt spid="12"/>
                                         </p:tgtEl>
                                         <p:attrNameLst>
                                           <p:attrName>style.visibility</p:attrName>

--- a/2021-08-25_event-driven-architecture.pptx
+++ b/2021-08-25_event-driven-architecture.pptx
@@ -5,7 +5,7 @@
     <p:sldMasterId id="2147483648" r:id="rId1"/>
   </p:sldMasterIdLst>
   <p:notesMasterIdLst>
-    <p:notesMasterId r:id="rId31"/>
+    <p:notesMasterId r:id="rId34"/>
   </p:notesMasterIdLst>
   <p:sldIdLst>
     <p:sldId id="260" r:id="rId2"/>
@@ -35,8 +35,11 @@
     <p:sldId id="500" r:id="rId26"/>
     <p:sldId id="501" r:id="rId27"/>
     <p:sldId id="503" r:id="rId28"/>
-    <p:sldId id="502" r:id="rId29"/>
-    <p:sldId id="265" r:id="rId30"/>
+    <p:sldId id="505" r:id="rId29"/>
+    <p:sldId id="502" r:id="rId30"/>
+    <p:sldId id="504" r:id="rId31"/>
+    <p:sldId id="506" r:id="rId32"/>
+    <p:sldId id="265" r:id="rId33"/>
   </p:sldIdLst>
   <p:sldSz cx="12192000" cy="6858000"/>
   <p:notesSz cx="6858000" cy="9144000"/>
@@ -4778,6 +4781,174 @@
 </p:notes>
 </file>
 
+<file path=ppt/notesSlides/notesSlide9.xml><?xml version="1.0" encoding="utf-8"?>
+<p:notes xmlns:a="http://schemas.openxmlformats.org/drawingml/2006/main" xmlns:r="http://schemas.openxmlformats.org/officeDocument/2006/relationships" xmlns:p="http://schemas.openxmlformats.org/presentationml/2006/main">
+  <p:cSld>
+    <p:spTree>
+      <p:nvGrpSpPr>
+        <p:cNvPr id="1" name=""/>
+        <p:cNvGrpSpPr/>
+        <p:nvPr/>
+      </p:nvGrpSpPr>
+      <p:grpSpPr>
+        <a:xfrm>
+          <a:off x="0" y="0"/>
+          <a:ext cx="0" cy="0"/>
+          <a:chOff x="0" y="0"/>
+          <a:chExt cx="0" cy="0"/>
+        </a:xfrm>
+      </p:grpSpPr>
+      <p:sp>
+        <p:nvSpPr>
+          <p:cNvPr id="2" name="Espaço Reservado para Imagem de Slide 1"/>
+          <p:cNvSpPr>
+            <a:spLocks noGrp="1" noRot="1" noChangeAspect="1"/>
+          </p:cNvSpPr>
+          <p:nvPr>
+            <p:ph type="sldImg"/>
+          </p:nvPr>
+        </p:nvSpPr>
+        <p:spPr/>
+      </p:sp>
+      <p:sp>
+        <p:nvSpPr>
+          <p:cNvPr id="3" name="Espaço Reservado para Anotações 2"/>
+          <p:cNvSpPr>
+            <a:spLocks noGrp="1"/>
+          </p:cNvSpPr>
+          <p:nvPr>
+            <p:ph type="body" idx="1"/>
+          </p:nvPr>
+        </p:nvSpPr>
+        <p:spPr/>
+        <p:txBody>
+          <a:bodyPr/>
+          <a:lstStyle/>
+          <a:p>
+            <a:r>
+              <a:rPr lang="en-US" dirty="0" err="1"/>
+              <a:t>Eventos</a:t>
+            </a:r>
+            <a:r>
+              <a:rPr lang="en-US" dirty="0"/>
+              <a:t> sempre no </a:t>
+            </a:r>
+            <a:r>
+              <a:rPr lang="en-US" dirty="0" err="1"/>
+              <a:t>passado</a:t>
+            </a:r>
+            <a:endParaRPr lang="en-US" dirty="0"/>
+          </a:p>
+          <a:p>
+            <a:r>
+              <a:rPr lang="en-US" dirty="0" err="1"/>
+              <a:t>Mapear</a:t>
+            </a:r>
+            <a:r>
+              <a:rPr lang="en-US" dirty="0"/>
+              <a:t> </a:t>
+            </a:r>
+            <a:r>
+              <a:rPr lang="en-US" dirty="0" err="1"/>
+              <a:t>caminho</a:t>
+            </a:r>
+            <a:r>
+              <a:rPr lang="en-US" dirty="0"/>
+              <a:t> </a:t>
+            </a:r>
+            <a:r>
+              <a:rPr lang="en-US" dirty="0" err="1"/>
+              <a:t>feliz</a:t>
+            </a:r>
+            <a:r>
+              <a:rPr lang="en-US" dirty="0"/>
+              <a:t> e </a:t>
+            </a:r>
+            <a:r>
+              <a:rPr lang="en-US" dirty="0" err="1"/>
+              <a:t>caminho</a:t>
+            </a:r>
+            <a:r>
+              <a:rPr lang="en-US" dirty="0"/>
+              <a:t> triste</a:t>
+            </a:r>
+            <a:br>
+              <a:rPr lang="en-US" dirty="0"/>
+            </a:br>
+            <a:r>
+              <a:rPr lang="en-US" dirty="0" err="1"/>
+              <a:t>Comandos</a:t>
+            </a:r>
+            <a:r>
+              <a:rPr lang="en-US" dirty="0"/>
+              <a:t> sempre no imperative</a:t>
+            </a:r>
+            <a:br>
+              <a:rPr lang="en-US" dirty="0"/>
+            </a:br>
+            <a:r>
+              <a:rPr lang="en-US" dirty="0" err="1"/>
+              <a:t>Linha</a:t>
+            </a:r>
+            <a:r>
+              <a:rPr lang="en-US" dirty="0"/>
+              <a:t> do tempo da </a:t>
+            </a:r>
+            <a:r>
+              <a:rPr lang="en-US" dirty="0" err="1"/>
+              <a:t>esquerda</a:t>
+            </a:r>
+            <a:r>
+              <a:rPr lang="en-US" dirty="0"/>
+              <a:t> para </a:t>
+            </a:r>
+            <a:r>
+              <a:rPr lang="en-US" dirty="0" err="1"/>
+              <a:t>direita</a:t>
+            </a:r>
+            <a:endParaRPr lang="en-US" dirty="0"/>
+          </a:p>
+          <a:p>
+            <a:endParaRPr lang="pt-BR" dirty="0"/>
+          </a:p>
+        </p:txBody>
+      </p:sp>
+      <p:sp>
+        <p:nvSpPr>
+          <p:cNvPr id="4" name="Espaço Reservado para Número de Slide 3"/>
+          <p:cNvSpPr>
+            <a:spLocks noGrp="1"/>
+          </p:cNvSpPr>
+          <p:nvPr>
+            <p:ph type="sldNum" sz="quarter" idx="5"/>
+          </p:nvPr>
+        </p:nvSpPr>
+        <p:spPr/>
+        <p:txBody>
+          <a:bodyPr/>
+          <a:lstStyle/>
+          <a:p>
+            <a:fld id="{1BFBF4EA-A19C-4108-A664-D5EED1568F94}" type="slidenum">
+              <a:rPr lang="pt-BR" smtClean="0"/>
+              <a:t>28</a:t>
+            </a:fld>
+            <a:endParaRPr lang="pt-BR"/>
+          </a:p>
+        </p:txBody>
+      </p:sp>
+    </p:spTree>
+    <p:extLst>
+      <p:ext uri="{BB962C8B-B14F-4D97-AF65-F5344CB8AC3E}">
+        <p14:creationId xmlns:p14="http://schemas.microsoft.com/office/powerpoint/2010/main" val="2163103711"/>
+      </p:ext>
+    </p:extLst>
+  </p:cSld>
+  <p:clrMapOvr>
+    <a:masterClrMapping/>
+  </p:clrMapOvr>
+</p:notes>
+</file>
+
 <file path=ppt/slideLayouts/slideLayout1.xml><?xml version="1.0" encoding="utf-8"?>
 <p:sldLayout xmlns:a="http://schemas.openxmlformats.org/drawingml/2006/main" xmlns:r="http://schemas.openxmlformats.org/officeDocument/2006/relationships" xmlns:p="http://schemas.openxmlformats.org/presentationml/2006/main" type="title" preserve="1">
   <p:cSld name="Slide de Título">
@@ -19587,6 +19758,1522 @@
       </p:grpSpPr>
       <p:pic>
         <p:nvPicPr>
+          <p:cNvPr id="7" name="Imagem 6">
+            <a:extLst>
+              <a:ext uri="{FF2B5EF4-FFF2-40B4-BE49-F238E27FC236}">
+                <a16:creationId xmlns:a16="http://schemas.microsoft.com/office/drawing/2014/main" id="{15EF5E79-A320-604B-B8D0-BB7CC7F3BD24}"/>
+              </a:ext>
+            </a:extLst>
+          </p:cNvPr>
+          <p:cNvPicPr>
+            <a:picLocks noChangeAspect="1"/>
+          </p:cNvPicPr>
+          <p:nvPr/>
+        </p:nvPicPr>
+        <p:blipFill>
+          <a:blip r:embed="rId3">
+            <a:extLst>
+              <a:ext uri="{28A0092B-C50C-407E-A947-70E740481C1C}">
+                <a14:useLocalDpi xmlns:a14="http://schemas.microsoft.com/office/drawing/2010/main" val="0"/>
+              </a:ext>
+            </a:extLst>
+          </a:blip>
+          <a:stretch>
+            <a:fillRect/>
+          </a:stretch>
+        </p:blipFill>
+        <p:spPr>
+          <a:xfrm>
+            <a:off x="-1" y="-1590"/>
+            <a:ext cx="12192001" cy="2021978"/>
+          </a:xfrm>
+          <a:prstGeom prst="rect">
+            <a:avLst/>
+          </a:prstGeom>
+        </p:spPr>
+      </p:pic>
+      <p:sp>
+        <p:nvSpPr>
+          <p:cNvPr id="13" name="Título 1">
+            <a:extLst>
+              <a:ext uri="{FF2B5EF4-FFF2-40B4-BE49-F238E27FC236}">
+                <a16:creationId xmlns:a16="http://schemas.microsoft.com/office/drawing/2014/main" id="{94E1A0D2-D048-46FE-90D3-722FBF740CC7}"/>
+              </a:ext>
+            </a:extLst>
+          </p:cNvPr>
+          <p:cNvSpPr>
+            <a:spLocks noGrp="1"/>
+          </p:cNvSpPr>
+          <p:nvPr>
+            <p:ph type="title"/>
+          </p:nvPr>
+        </p:nvSpPr>
+        <p:spPr>
+          <a:xfrm>
+            <a:off x="2159726" y="0"/>
+            <a:ext cx="9292046" cy="2021978"/>
+          </a:xfrm>
+        </p:spPr>
+        <p:txBody>
+          <a:bodyPr>
+            <a:normAutofit/>
+          </a:bodyPr>
+          <a:lstStyle/>
+          <a:p>
+            <a:r>
+              <a:rPr lang="pt-BR" dirty="0">
+                <a:solidFill>
+                  <a:schemeClr val="bg1"/>
+                </a:solidFill>
+                <a:latin typeface="Nunito" pitchFamily="2" charset="77"/>
+              </a:rPr>
+              <a:t>Mapeando eventos</a:t>
+            </a:r>
+          </a:p>
+        </p:txBody>
+      </p:sp>
+      <p:pic>
+        <p:nvPicPr>
+          <p:cNvPr id="14" name="Gráfico 13">
+            <a:extLst>
+              <a:ext uri="{FF2B5EF4-FFF2-40B4-BE49-F238E27FC236}">
+                <a16:creationId xmlns:a16="http://schemas.microsoft.com/office/drawing/2014/main" id="{2B5477E9-00BA-4494-BA1B-5466AC45994D}"/>
+              </a:ext>
+            </a:extLst>
+          </p:cNvPr>
+          <p:cNvPicPr>
+            <a:picLocks noChangeAspect="1"/>
+          </p:cNvPicPr>
+          <p:nvPr/>
+        </p:nvPicPr>
+        <p:blipFill>
+          <a:blip r:embed="rId4">
+            <a:extLst>
+              <a:ext uri="{96DAC541-7B7A-43D3-8B79-37D633B846F1}">
+                <asvg:svgBlip xmlns:asvg="http://schemas.microsoft.com/office/drawing/2016/SVG/main" r:embed="rId5"/>
+              </a:ext>
+            </a:extLst>
+          </a:blip>
+          <a:stretch>
+            <a:fillRect/>
+          </a:stretch>
+        </p:blipFill>
+        <p:spPr>
+          <a:xfrm>
+            <a:off x="1097280" y="636835"/>
+            <a:ext cx="610307" cy="705667"/>
+          </a:xfrm>
+          <a:prstGeom prst="rect">
+            <a:avLst/>
+          </a:prstGeom>
+        </p:spPr>
+      </p:pic>
+      <p:sp>
+        <p:nvSpPr>
+          <p:cNvPr id="2" name="Retângulo 1">
+            <a:extLst>
+              <a:ext uri="{FF2B5EF4-FFF2-40B4-BE49-F238E27FC236}">
+                <a16:creationId xmlns:a16="http://schemas.microsoft.com/office/drawing/2014/main" id="{6CED3EF9-94F5-4A3B-B0D3-49D7DA1AC22D}"/>
+              </a:ext>
+            </a:extLst>
+          </p:cNvPr>
+          <p:cNvSpPr/>
+          <p:nvPr/>
+        </p:nvSpPr>
+        <p:spPr>
+          <a:xfrm>
+            <a:off x="3252539" y="3676917"/>
+            <a:ext cx="1513268" cy="985234"/>
+          </a:xfrm>
+          <a:prstGeom prst="rect">
+            <a:avLst/>
+          </a:prstGeom>
+          <a:solidFill>
+            <a:srgbClr val="5133B7"/>
+          </a:solidFill>
+          <a:ln>
+            <a:noFill/>
+          </a:ln>
+        </p:spPr>
+        <p:style>
+          <a:lnRef idx="2">
+            <a:schemeClr val="accent1">
+              <a:shade val="50000"/>
+            </a:schemeClr>
+          </a:lnRef>
+          <a:fillRef idx="1">
+            <a:schemeClr val="accent1"/>
+          </a:fillRef>
+          <a:effectRef idx="0">
+            <a:schemeClr val="accent1"/>
+          </a:effectRef>
+          <a:fontRef idx="minor">
+            <a:schemeClr val="lt1"/>
+          </a:fontRef>
+        </p:style>
+        <p:txBody>
+          <a:bodyPr rtlCol="0" anchor="ctr"/>
+          <a:lstStyle/>
+          <a:p>
+            <a:pPr algn="ctr"/>
+            <a:r>
+              <a:rPr lang="en-US" sz="1400" dirty="0" err="1">
+                <a:latin typeface="Nunito" pitchFamily="2" charset="0"/>
+              </a:rPr>
+              <a:t>Endereço</a:t>
+            </a:r>
+            <a:r>
+              <a:rPr lang="en-US" sz="1400" dirty="0">
+                <a:latin typeface="Nunito" pitchFamily="2" charset="0"/>
+              </a:rPr>
+              <a:t> </a:t>
+            </a:r>
+            <a:r>
+              <a:rPr lang="en-US" sz="1400" dirty="0" err="1">
+                <a:latin typeface="Nunito" pitchFamily="2" charset="0"/>
+              </a:rPr>
+              <a:t>enviado</a:t>
+            </a:r>
+            <a:endParaRPr lang="pt-BR" sz="1400" dirty="0">
+              <a:latin typeface="Nunito" pitchFamily="2" charset="0"/>
+            </a:endParaRPr>
+          </a:p>
+        </p:txBody>
+      </p:sp>
+      <p:sp>
+        <p:nvSpPr>
+          <p:cNvPr id="10" name="Retângulo 9">
+            <a:extLst>
+              <a:ext uri="{FF2B5EF4-FFF2-40B4-BE49-F238E27FC236}">
+                <a16:creationId xmlns:a16="http://schemas.microsoft.com/office/drawing/2014/main" id="{FE9964B8-A66D-493F-A222-5A6246B392B0}"/>
+              </a:ext>
+            </a:extLst>
+          </p:cNvPr>
+          <p:cNvSpPr/>
+          <p:nvPr/>
+        </p:nvSpPr>
+        <p:spPr>
+          <a:xfrm>
+            <a:off x="9486465" y="2709929"/>
+            <a:ext cx="1513268" cy="985234"/>
+          </a:xfrm>
+          <a:prstGeom prst="rect">
+            <a:avLst/>
+          </a:prstGeom>
+          <a:solidFill>
+            <a:srgbClr val="5133B7"/>
+          </a:solidFill>
+          <a:ln>
+            <a:noFill/>
+          </a:ln>
+        </p:spPr>
+        <p:style>
+          <a:lnRef idx="2">
+            <a:schemeClr val="accent1">
+              <a:shade val="50000"/>
+            </a:schemeClr>
+          </a:lnRef>
+          <a:fillRef idx="1">
+            <a:schemeClr val="accent1"/>
+          </a:fillRef>
+          <a:effectRef idx="0">
+            <a:schemeClr val="accent1"/>
+          </a:effectRef>
+          <a:fontRef idx="minor">
+            <a:schemeClr val="lt1"/>
+          </a:fontRef>
+        </p:style>
+        <p:txBody>
+          <a:bodyPr rtlCol="0" anchor="ctr"/>
+          <a:lstStyle/>
+          <a:p>
+            <a:pPr algn="ctr"/>
+            <a:r>
+              <a:rPr lang="en-US" sz="1400" dirty="0" err="1">
+                <a:latin typeface="Nunito" pitchFamily="2" charset="0"/>
+              </a:rPr>
+              <a:t>Endereço</a:t>
+            </a:r>
+            <a:r>
+              <a:rPr lang="en-US" sz="1400" dirty="0">
+                <a:latin typeface="Nunito" pitchFamily="2" charset="0"/>
+              </a:rPr>
+              <a:t> </a:t>
+            </a:r>
+            <a:r>
+              <a:rPr lang="en-US" sz="1400" dirty="0" err="1">
+                <a:latin typeface="Nunito" pitchFamily="2" charset="0"/>
+              </a:rPr>
+              <a:t>validado</a:t>
+            </a:r>
+            <a:endParaRPr lang="pt-BR" sz="1400" dirty="0">
+              <a:latin typeface="Nunito" pitchFamily="2" charset="0"/>
+            </a:endParaRPr>
+          </a:p>
+        </p:txBody>
+      </p:sp>
+      <p:sp>
+        <p:nvSpPr>
+          <p:cNvPr id="11" name="Retângulo 10">
+            <a:extLst>
+              <a:ext uri="{FF2B5EF4-FFF2-40B4-BE49-F238E27FC236}">
+                <a16:creationId xmlns:a16="http://schemas.microsoft.com/office/drawing/2014/main" id="{1AE3B5AA-583D-484A-8E40-2FE5CE1C7F01}"/>
+              </a:ext>
+            </a:extLst>
+          </p:cNvPr>
+          <p:cNvSpPr/>
+          <p:nvPr/>
+        </p:nvSpPr>
+        <p:spPr>
+          <a:xfrm>
+            <a:off x="9518389" y="4662151"/>
+            <a:ext cx="1513268" cy="985234"/>
+          </a:xfrm>
+          <a:prstGeom prst="rect">
+            <a:avLst/>
+          </a:prstGeom>
+          <a:solidFill>
+            <a:srgbClr val="5133B7"/>
+          </a:solidFill>
+          <a:ln>
+            <a:noFill/>
+          </a:ln>
+        </p:spPr>
+        <p:style>
+          <a:lnRef idx="2">
+            <a:schemeClr val="accent1">
+              <a:shade val="50000"/>
+            </a:schemeClr>
+          </a:lnRef>
+          <a:fillRef idx="1">
+            <a:schemeClr val="accent1"/>
+          </a:fillRef>
+          <a:effectRef idx="0">
+            <a:schemeClr val="accent1"/>
+          </a:effectRef>
+          <a:fontRef idx="minor">
+            <a:schemeClr val="lt1"/>
+          </a:fontRef>
+        </p:style>
+        <p:txBody>
+          <a:bodyPr rtlCol="0" anchor="ctr"/>
+          <a:lstStyle/>
+          <a:p>
+            <a:pPr algn="ctr"/>
+            <a:r>
+              <a:rPr lang="en-US" sz="1400" dirty="0" err="1">
+                <a:latin typeface="Nunito" pitchFamily="2" charset="0"/>
+              </a:rPr>
+              <a:t>Endereço</a:t>
+            </a:r>
+            <a:r>
+              <a:rPr lang="en-US" sz="1400" dirty="0">
+                <a:latin typeface="Nunito" pitchFamily="2" charset="0"/>
+              </a:rPr>
+              <a:t> </a:t>
+            </a:r>
+            <a:r>
+              <a:rPr lang="en-US" sz="1400" dirty="0" err="1">
+                <a:latin typeface="Nunito" pitchFamily="2" charset="0"/>
+              </a:rPr>
+              <a:t>rejeitado</a:t>
+            </a:r>
+            <a:endParaRPr lang="pt-BR" sz="1400" dirty="0">
+              <a:latin typeface="Nunito" pitchFamily="2" charset="0"/>
+            </a:endParaRPr>
+          </a:p>
+        </p:txBody>
+      </p:sp>
+      <p:sp>
+        <p:nvSpPr>
+          <p:cNvPr id="15" name="Retângulo 14">
+            <a:extLst>
+              <a:ext uri="{FF2B5EF4-FFF2-40B4-BE49-F238E27FC236}">
+                <a16:creationId xmlns:a16="http://schemas.microsoft.com/office/drawing/2014/main" id="{67192533-F493-4836-AB56-AF9931D57F9C}"/>
+              </a:ext>
+            </a:extLst>
+          </p:cNvPr>
+          <p:cNvSpPr/>
+          <p:nvPr/>
+        </p:nvSpPr>
+        <p:spPr>
+          <a:xfrm>
+            <a:off x="5319873" y="3676917"/>
+            <a:ext cx="1513268" cy="985234"/>
+          </a:xfrm>
+          <a:prstGeom prst="rect">
+            <a:avLst/>
+          </a:prstGeom>
+          <a:solidFill>
+            <a:srgbClr val="C36BD6"/>
+          </a:solidFill>
+          <a:ln>
+            <a:noFill/>
+          </a:ln>
+        </p:spPr>
+        <p:style>
+          <a:lnRef idx="2">
+            <a:schemeClr val="accent1">
+              <a:shade val="50000"/>
+            </a:schemeClr>
+          </a:lnRef>
+          <a:fillRef idx="1">
+            <a:schemeClr val="accent1"/>
+          </a:fillRef>
+          <a:effectRef idx="0">
+            <a:schemeClr val="accent1"/>
+          </a:effectRef>
+          <a:fontRef idx="minor">
+            <a:schemeClr val="lt1"/>
+          </a:fontRef>
+        </p:style>
+        <p:txBody>
+          <a:bodyPr rtlCol="0" anchor="ctr"/>
+          <a:lstStyle/>
+          <a:p>
+            <a:pPr algn="ctr"/>
+            <a:r>
+              <a:rPr lang="en-US" sz="1400" dirty="0">
+                <a:latin typeface="Nunito" pitchFamily="2" charset="0"/>
+              </a:rPr>
+              <a:t>Política de </a:t>
+            </a:r>
+            <a:r>
+              <a:rPr lang="en-US" sz="1400" dirty="0" err="1">
+                <a:latin typeface="Nunito" pitchFamily="2" charset="0"/>
+              </a:rPr>
+              <a:t>validação</a:t>
+            </a:r>
+            <a:r>
+              <a:rPr lang="en-US" sz="1400" dirty="0">
+                <a:latin typeface="Nunito" pitchFamily="2" charset="0"/>
+              </a:rPr>
+              <a:t> de </a:t>
+            </a:r>
+            <a:r>
+              <a:rPr lang="en-US" sz="1400" dirty="0" err="1">
+                <a:latin typeface="Nunito" pitchFamily="2" charset="0"/>
+              </a:rPr>
+              <a:t>endereço</a:t>
+            </a:r>
+            <a:endParaRPr lang="pt-BR" sz="1400" dirty="0">
+              <a:latin typeface="Nunito" pitchFamily="2" charset="0"/>
+            </a:endParaRPr>
+          </a:p>
+        </p:txBody>
+      </p:sp>
+      <p:sp>
+        <p:nvSpPr>
+          <p:cNvPr id="17" name="Retângulo 16">
+            <a:extLst>
+              <a:ext uri="{FF2B5EF4-FFF2-40B4-BE49-F238E27FC236}">
+                <a16:creationId xmlns:a16="http://schemas.microsoft.com/office/drawing/2014/main" id="{77D89DD0-69CC-4ABE-9C9C-CD6AF5D0019C}"/>
+              </a:ext>
+            </a:extLst>
+          </p:cNvPr>
+          <p:cNvSpPr/>
+          <p:nvPr/>
+        </p:nvSpPr>
+        <p:spPr>
+          <a:xfrm>
+            <a:off x="1185205" y="3676917"/>
+            <a:ext cx="1513268" cy="985234"/>
+          </a:xfrm>
+          <a:prstGeom prst="rect">
+            <a:avLst/>
+          </a:prstGeom>
+          <a:solidFill>
+            <a:srgbClr val="00B0F0"/>
+          </a:solidFill>
+          <a:ln>
+            <a:noFill/>
+          </a:ln>
+        </p:spPr>
+        <p:style>
+          <a:lnRef idx="2">
+            <a:schemeClr val="accent1">
+              <a:shade val="50000"/>
+            </a:schemeClr>
+          </a:lnRef>
+          <a:fillRef idx="1">
+            <a:schemeClr val="accent1"/>
+          </a:fillRef>
+          <a:effectRef idx="0">
+            <a:schemeClr val="accent1"/>
+          </a:effectRef>
+          <a:fontRef idx="minor">
+            <a:schemeClr val="lt1"/>
+          </a:fontRef>
+        </p:style>
+        <p:txBody>
+          <a:bodyPr rtlCol="0" anchor="ctr"/>
+          <a:lstStyle/>
+          <a:p>
+            <a:pPr algn="ctr"/>
+            <a:r>
+              <a:rPr lang="en-US" sz="1400" dirty="0" err="1">
+                <a:latin typeface="Nunito" pitchFamily="2" charset="0"/>
+              </a:rPr>
+              <a:t>Adicionar</a:t>
+            </a:r>
+            <a:r>
+              <a:rPr lang="en-US" sz="1400" dirty="0">
+                <a:latin typeface="Nunito" pitchFamily="2" charset="0"/>
+              </a:rPr>
+              <a:t> um </a:t>
+            </a:r>
+            <a:r>
+              <a:rPr lang="en-US" sz="1400" dirty="0" err="1">
+                <a:latin typeface="Nunito" pitchFamily="2" charset="0"/>
+              </a:rPr>
+              <a:t>endereço</a:t>
+            </a:r>
+            <a:endParaRPr lang="pt-BR" sz="1400" dirty="0">
+              <a:latin typeface="Nunito" pitchFamily="2" charset="0"/>
+            </a:endParaRPr>
+          </a:p>
+        </p:txBody>
+      </p:sp>
+      <p:cxnSp>
+        <p:nvCxnSpPr>
+          <p:cNvPr id="4" name="Conector de Seta Reta 3">
+            <a:extLst>
+              <a:ext uri="{FF2B5EF4-FFF2-40B4-BE49-F238E27FC236}">
+                <a16:creationId xmlns:a16="http://schemas.microsoft.com/office/drawing/2014/main" id="{B4761E46-6B72-4380-BB87-47208795D65D}"/>
+              </a:ext>
+            </a:extLst>
+          </p:cNvPr>
+          <p:cNvCxnSpPr/>
+          <p:nvPr/>
+        </p:nvCxnSpPr>
+        <p:spPr>
+          <a:xfrm>
+            <a:off x="283335" y="6587544"/>
+            <a:ext cx="11468637" cy="0"/>
+          </a:xfrm>
+          <a:prstGeom prst="straightConnector1">
+            <a:avLst/>
+          </a:prstGeom>
+          <a:ln w="57150">
+            <a:solidFill>
+              <a:srgbClr val="5133B7"/>
+            </a:solidFill>
+            <a:tailEnd type="triangle"/>
+          </a:ln>
+        </p:spPr>
+        <p:style>
+          <a:lnRef idx="1">
+            <a:schemeClr val="accent1"/>
+          </a:lnRef>
+          <a:fillRef idx="0">
+            <a:schemeClr val="accent1"/>
+          </a:fillRef>
+          <a:effectRef idx="0">
+            <a:schemeClr val="accent1"/>
+          </a:effectRef>
+          <a:fontRef idx="minor">
+            <a:schemeClr val="tx1"/>
+          </a:fontRef>
+        </p:style>
+      </p:cxnSp>
+      <p:sp>
+        <p:nvSpPr>
+          <p:cNvPr id="5" name="CaixaDeTexto 4">
+            <a:extLst>
+              <a:ext uri="{FF2B5EF4-FFF2-40B4-BE49-F238E27FC236}">
+                <a16:creationId xmlns:a16="http://schemas.microsoft.com/office/drawing/2014/main" id="{455AB755-9C3D-491D-9F7B-65F772E11E49}"/>
+              </a:ext>
+            </a:extLst>
+          </p:cNvPr>
+          <p:cNvSpPr txBox="1"/>
+          <p:nvPr/>
+        </p:nvSpPr>
+        <p:spPr>
+          <a:xfrm>
+            <a:off x="197616" y="6125879"/>
+            <a:ext cx="2409634" cy="461665"/>
+          </a:xfrm>
+          <a:prstGeom prst="rect">
+            <a:avLst/>
+          </a:prstGeom>
+          <a:noFill/>
+        </p:spPr>
+        <p:txBody>
+          <a:bodyPr wrap="none" rtlCol="0">
+            <a:spAutoFit/>
+          </a:bodyPr>
+          <a:lstStyle/>
+          <a:p>
+            <a:r>
+              <a:rPr lang="en-US" sz="2400" b="1" dirty="0" err="1">
+                <a:solidFill>
+                  <a:srgbClr val="5133B7"/>
+                </a:solidFill>
+                <a:latin typeface="Nunito" pitchFamily="2" charset="0"/>
+              </a:rPr>
+              <a:t>Linha</a:t>
+            </a:r>
+            <a:r>
+              <a:rPr lang="en-US" sz="2400" b="1" dirty="0">
+                <a:solidFill>
+                  <a:srgbClr val="5133B7"/>
+                </a:solidFill>
+                <a:latin typeface="Nunito" pitchFamily="2" charset="0"/>
+              </a:rPr>
+              <a:t> do tempo</a:t>
+            </a:r>
+            <a:endParaRPr lang="pt-BR" sz="2400" b="1" dirty="0">
+              <a:solidFill>
+                <a:srgbClr val="5133B7"/>
+              </a:solidFill>
+              <a:latin typeface="Nunito" pitchFamily="2" charset="0"/>
+            </a:endParaRPr>
+          </a:p>
+        </p:txBody>
+      </p:sp>
+      <p:cxnSp>
+        <p:nvCxnSpPr>
+          <p:cNvPr id="18" name="Conector de Seta Reta 17">
+            <a:extLst>
+              <a:ext uri="{FF2B5EF4-FFF2-40B4-BE49-F238E27FC236}">
+                <a16:creationId xmlns:a16="http://schemas.microsoft.com/office/drawing/2014/main" id="{F11FAAE4-7868-48EF-BB87-94687F029AF6}"/>
+              </a:ext>
+            </a:extLst>
+          </p:cNvPr>
+          <p:cNvCxnSpPr>
+            <a:stCxn id="17" idx="3"/>
+            <a:endCxn id="2" idx="1"/>
+          </p:cNvCxnSpPr>
+          <p:nvPr/>
+        </p:nvCxnSpPr>
+        <p:spPr>
+          <a:xfrm>
+            <a:off x="2698473" y="4169534"/>
+            <a:ext cx="554066" cy="0"/>
+          </a:xfrm>
+          <a:prstGeom prst="straightConnector1">
+            <a:avLst/>
+          </a:prstGeom>
+          <a:ln w="19050">
+            <a:solidFill>
+              <a:srgbClr val="5133B7"/>
+            </a:solidFill>
+            <a:tailEnd type="triangle"/>
+          </a:ln>
+        </p:spPr>
+        <p:style>
+          <a:lnRef idx="1">
+            <a:schemeClr val="accent1"/>
+          </a:lnRef>
+          <a:fillRef idx="0">
+            <a:schemeClr val="accent1"/>
+          </a:fillRef>
+          <a:effectRef idx="0">
+            <a:schemeClr val="accent1"/>
+          </a:effectRef>
+          <a:fontRef idx="minor">
+            <a:schemeClr val="tx1"/>
+          </a:fontRef>
+        </p:style>
+      </p:cxnSp>
+      <p:cxnSp>
+        <p:nvCxnSpPr>
+          <p:cNvPr id="19" name="Conector de Seta Reta 18">
+            <a:extLst>
+              <a:ext uri="{FF2B5EF4-FFF2-40B4-BE49-F238E27FC236}">
+                <a16:creationId xmlns:a16="http://schemas.microsoft.com/office/drawing/2014/main" id="{C7EAD682-E2E4-4F74-A57C-2E0C27C7F127}"/>
+              </a:ext>
+            </a:extLst>
+          </p:cNvPr>
+          <p:cNvCxnSpPr/>
+          <p:nvPr/>
+        </p:nvCxnSpPr>
+        <p:spPr>
+          <a:xfrm>
+            <a:off x="4765807" y="4144848"/>
+            <a:ext cx="554066" cy="0"/>
+          </a:xfrm>
+          <a:prstGeom prst="straightConnector1">
+            <a:avLst/>
+          </a:prstGeom>
+          <a:ln w="19050">
+            <a:solidFill>
+              <a:srgbClr val="5133B7"/>
+            </a:solidFill>
+            <a:tailEnd type="triangle"/>
+          </a:ln>
+        </p:spPr>
+        <p:style>
+          <a:lnRef idx="1">
+            <a:schemeClr val="accent1"/>
+          </a:lnRef>
+          <a:fillRef idx="0">
+            <a:schemeClr val="accent1"/>
+          </a:fillRef>
+          <a:effectRef idx="0">
+            <a:schemeClr val="accent1"/>
+          </a:effectRef>
+          <a:fontRef idx="minor">
+            <a:schemeClr val="tx1"/>
+          </a:fontRef>
+        </p:style>
+      </p:cxnSp>
+      <p:cxnSp>
+        <p:nvCxnSpPr>
+          <p:cNvPr id="20" name="Conector de Seta Reta 19">
+            <a:extLst>
+              <a:ext uri="{FF2B5EF4-FFF2-40B4-BE49-F238E27FC236}">
+                <a16:creationId xmlns:a16="http://schemas.microsoft.com/office/drawing/2014/main" id="{089BB0B7-5219-4EBF-A39B-048D2B6A63E1}"/>
+              </a:ext>
+            </a:extLst>
+          </p:cNvPr>
+          <p:cNvCxnSpPr>
+            <a:cxnSpLocks/>
+            <a:endCxn id="10" idx="1"/>
+          </p:cNvCxnSpPr>
+          <p:nvPr/>
+        </p:nvCxnSpPr>
+        <p:spPr>
+          <a:xfrm flipV="1">
+            <a:off x="8932399" y="3202546"/>
+            <a:ext cx="554066" cy="885402"/>
+          </a:xfrm>
+          <a:prstGeom prst="straightConnector1">
+            <a:avLst/>
+          </a:prstGeom>
+          <a:ln w="19050">
+            <a:solidFill>
+              <a:srgbClr val="5133B7"/>
+            </a:solidFill>
+            <a:tailEnd type="triangle"/>
+          </a:ln>
+        </p:spPr>
+        <p:style>
+          <a:lnRef idx="1">
+            <a:schemeClr val="accent1"/>
+          </a:lnRef>
+          <a:fillRef idx="0">
+            <a:schemeClr val="accent1"/>
+          </a:fillRef>
+          <a:effectRef idx="0">
+            <a:schemeClr val="accent1"/>
+          </a:effectRef>
+          <a:fontRef idx="minor">
+            <a:schemeClr val="tx1"/>
+          </a:fontRef>
+        </p:style>
+      </p:cxnSp>
+      <p:cxnSp>
+        <p:nvCxnSpPr>
+          <p:cNvPr id="22" name="Conector de Seta Reta 21">
+            <a:extLst>
+              <a:ext uri="{FF2B5EF4-FFF2-40B4-BE49-F238E27FC236}">
+                <a16:creationId xmlns:a16="http://schemas.microsoft.com/office/drawing/2014/main" id="{FCA2A79B-41AA-4905-B745-138E38EB5048}"/>
+              </a:ext>
+            </a:extLst>
+          </p:cNvPr>
+          <p:cNvCxnSpPr>
+            <a:cxnSpLocks/>
+            <a:endCxn id="11" idx="1"/>
+          </p:cNvCxnSpPr>
+          <p:nvPr/>
+        </p:nvCxnSpPr>
+        <p:spPr>
+          <a:xfrm>
+            <a:off x="8932399" y="4155578"/>
+            <a:ext cx="585990" cy="999190"/>
+          </a:xfrm>
+          <a:prstGeom prst="straightConnector1">
+            <a:avLst/>
+          </a:prstGeom>
+          <a:ln w="19050">
+            <a:solidFill>
+              <a:srgbClr val="5133B7"/>
+            </a:solidFill>
+            <a:tailEnd type="triangle"/>
+          </a:ln>
+        </p:spPr>
+        <p:style>
+          <a:lnRef idx="1">
+            <a:schemeClr val="accent1"/>
+          </a:lnRef>
+          <a:fillRef idx="0">
+            <a:schemeClr val="accent1"/>
+          </a:fillRef>
+          <a:effectRef idx="0">
+            <a:schemeClr val="accent1"/>
+          </a:effectRef>
+          <a:fontRef idx="minor">
+            <a:schemeClr val="tx1"/>
+          </a:fontRef>
+        </p:style>
+      </p:cxnSp>
+      <p:sp>
+        <p:nvSpPr>
+          <p:cNvPr id="21" name="Retângulo 20">
+            <a:extLst>
+              <a:ext uri="{FF2B5EF4-FFF2-40B4-BE49-F238E27FC236}">
+                <a16:creationId xmlns:a16="http://schemas.microsoft.com/office/drawing/2014/main" id="{EFF2D360-2446-4726-A749-F25B98E98D73}"/>
+              </a:ext>
+            </a:extLst>
+          </p:cNvPr>
+          <p:cNvSpPr/>
+          <p:nvPr/>
+        </p:nvSpPr>
+        <p:spPr>
+          <a:xfrm>
+            <a:off x="7419131" y="3676917"/>
+            <a:ext cx="1513268" cy="985234"/>
+          </a:xfrm>
+          <a:prstGeom prst="rect">
+            <a:avLst/>
+          </a:prstGeom>
+          <a:solidFill>
+            <a:srgbClr val="FE508E"/>
+          </a:solidFill>
+          <a:ln>
+            <a:noFill/>
+          </a:ln>
+        </p:spPr>
+        <p:style>
+          <a:lnRef idx="2">
+            <a:schemeClr val="accent1">
+              <a:shade val="50000"/>
+            </a:schemeClr>
+          </a:lnRef>
+          <a:fillRef idx="1">
+            <a:schemeClr val="accent1"/>
+          </a:fillRef>
+          <a:effectRef idx="0">
+            <a:schemeClr val="accent1"/>
+          </a:effectRef>
+          <a:fontRef idx="minor">
+            <a:schemeClr val="lt1"/>
+          </a:fontRef>
+        </p:style>
+        <p:txBody>
+          <a:bodyPr rtlCol="0" anchor="ctr"/>
+          <a:lstStyle/>
+          <a:p>
+            <a:pPr algn="ctr"/>
+            <a:r>
+              <a:rPr lang="en-US" sz="1400" dirty="0">
+                <a:latin typeface="Nunito" pitchFamily="2" charset="0"/>
+              </a:rPr>
+              <a:t>API de </a:t>
+            </a:r>
+            <a:r>
+              <a:rPr lang="en-US" sz="1400" dirty="0" err="1">
+                <a:latin typeface="Nunito" pitchFamily="2" charset="0"/>
+              </a:rPr>
+              <a:t>validação</a:t>
+            </a:r>
+            <a:r>
+              <a:rPr lang="en-US" sz="1400" dirty="0">
+                <a:latin typeface="Nunito" pitchFamily="2" charset="0"/>
+              </a:rPr>
+              <a:t> de </a:t>
+            </a:r>
+            <a:r>
+              <a:rPr lang="en-US" sz="1400" dirty="0" err="1">
+                <a:latin typeface="Nunito" pitchFamily="2" charset="0"/>
+              </a:rPr>
+              <a:t>endereço</a:t>
+            </a:r>
+            <a:endParaRPr lang="pt-BR" sz="1400" dirty="0">
+              <a:latin typeface="Nunito" pitchFamily="2" charset="0"/>
+            </a:endParaRPr>
+          </a:p>
+        </p:txBody>
+      </p:sp>
+      <p:cxnSp>
+        <p:nvCxnSpPr>
+          <p:cNvPr id="23" name="Conector de Seta Reta 22">
+            <a:extLst>
+              <a:ext uri="{FF2B5EF4-FFF2-40B4-BE49-F238E27FC236}">
+                <a16:creationId xmlns:a16="http://schemas.microsoft.com/office/drawing/2014/main" id="{4A731EFD-7CD0-4A2F-8C40-5D0298263360}"/>
+              </a:ext>
+            </a:extLst>
+          </p:cNvPr>
+          <p:cNvCxnSpPr/>
+          <p:nvPr/>
+        </p:nvCxnSpPr>
+        <p:spPr>
+          <a:xfrm>
+            <a:off x="6833141" y="4169534"/>
+            <a:ext cx="554066" cy="0"/>
+          </a:xfrm>
+          <a:prstGeom prst="straightConnector1">
+            <a:avLst/>
+          </a:prstGeom>
+          <a:ln w="19050">
+            <a:solidFill>
+              <a:srgbClr val="5133B7"/>
+            </a:solidFill>
+            <a:tailEnd type="triangle"/>
+          </a:ln>
+        </p:spPr>
+        <p:style>
+          <a:lnRef idx="1">
+            <a:schemeClr val="accent1"/>
+          </a:lnRef>
+          <a:fillRef idx="0">
+            <a:schemeClr val="accent1"/>
+          </a:fillRef>
+          <a:effectRef idx="0">
+            <a:schemeClr val="accent1"/>
+          </a:effectRef>
+          <a:fontRef idx="minor">
+            <a:schemeClr val="tx1"/>
+          </a:fontRef>
+        </p:style>
+      </p:cxnSp>
+    </p:spTree>
+    <p:extLst>
+      <p:ext uri="{BB962C8B-B14F-4D97-AF65-F5344CB8AC3E}">
+        <p14:creationId xmlns:p14="http://schemas.microsoft.com/office/powerpoint/2010/main" val="683697506"/>
+      </p:ext>
+    </p:extLst>
+  </p:cSld>
+  <p:clrMapOvr>
+    <a:masterClrMapping/>
+  </p:clrMapOvr>
+  <mc:AlternateContent xmlns:mc="http://schemas.openxmlformats.org/markup-compatibility/2006" xmlns:p159="http://schemas.microsoft.com/office/powerpoint/2015/09/main">
+    <mc:Choice Requires="p159">
+      <p:transition xmlns:p14="http://schemas.microsoft.com/office/powerpoint/2010/main" spd="slow" p14:dur="2000">
+        <p159:morph option="byObject"/>
+      </p:transition>
+    </mc:Choice>
+    <mc:Fallback xmlns="">
+      <p:transition spd="slow">
+        <p:fade/>
+      </p:transition>
+    </mc:Fallback>
+  </mc:AlternateContent>
+  <p:timing>
+    <p:tnLst>
+      <p:par>
+        <p:cTn id="1" dur="indefinite" restart="never" nodeType="tmRoot">
+          <p:childTnLst>
+            <p:seq concurrent="1" nextAc="seek">
+              <p:cTn id="2" dur="indefinite" nodeType="mainSeq">
+                <p:childTnLst>
+                  <p:par>
+                    <p:cTn id="3" fill="hold">
+                      <p:stCondLst>
+                        <p:cond delay="indefinite"/>
+                      </p:stCondLst>
+                      <p:childTnLst>
+                        <p:par>
+                          <p:cTn id="4" fill="hold">
+                            <p:stCondLst>
+                              <p:cond delay="0"/>
+                            </p:stCondLst>
+                            <p:childTnLst>
+                              <p:par>
+                                <p:cTn id="5" presetID="10" presetClass="entr" presetSubtype="0" fill="hold" grpId="0" nodeType="clickEffect">
+                                  <p:stCondLst>
+                                    <p:cond delay="0"/>
+                                  </p:stCondLst>
+                                  <p:childTnLst>
+                                    <p:set>
+                                      <p:cBhvr>
+                                        <p:cTn id="6" dur="1" fill="hold">
+                                          <p:stCondLst>
+                                            <p:cond delay="0"/>
+                                          </p:stCondLst>
+                                        </p:cTn>
+                                        <p:tgtEl>
+                                          <p:spTgt spid="2"/>
+                                        </p:tgtEl>
+                                        <p:attrNameLst>
+                                          <p:attrName>style.visibility</p:attrName>
+                                        </p:attrNameLst>
+                                      </p:cBhvr>
+                                      <p:to>
+                                        <p:strVal val="visible"/>
+                                      </p:to>
+                                    </p:set>
+                                    <p:animEffect transition="in" filter="fade">
+                                      <p:cBhvr>
+                                        <p:cTn id="7" dur="500"/>
+                                        <p:tgtEl>
+                                          <p:spTgt spid="2"/>
+                                        </p:tgtEl>
+                                      </p:cBhvr>
+                                    </p:animEffect>
+                                  </p:childTnLst>
+                                </p:cTn>
+                              </p:par>
+                            </p:childTnLst>
+                          </p:cTn>
+                        </p:par>
+                      </p:childTnLst>
+                    </p:cTn>
+                  </p:par>
+                  <p:par>
+                    <p:cTn id="8" fill="hold">
+                      <p:stCondLst>
+                        <p:cond delay="indefinite"/>
+                      </p:stCondLst>
+                      <p:childTnLst>
+                        <p:par>
+                          <p:cTn id="9" fill="hold">
+                            <p:stCondLst>
+                              <p:cond delay="0"/>
+                            </p:stCondLst>
+                            <p:childTnLst>
+                              <p:par>
+                                <p:cTn id="10" presetID="10" presetClass="entr" presetSubtype="0" fill="hold" grpId="0" nodeType="clickEffect">
+                                  <p:stCondLst>
+                                    <p:cond delay="0"/>
+                                  </p:stCondLst>
+                                  <p:childTnLst>
+                                    <p:set>
+                                      <p:cBhvr>
+                                        <p:cTn id="11" dur="1" fill="hold">
+                                          <p:stCondLst>
+                                            <p:cond delay="0"/>
+                                          </p:stCondLst>
+                                        </p:cTn>
+                                        <p:tgtEl>
+                                          <p:spTgt spid="10"/>
+                                        </p:tgtEl>
+                                        <p:attrNameLst>
+                                          <p:attrName>style.visibility</p:attrName>
+                                        </p:attrNameLst>
+                                      </p:cBhvr>
+                                      <p:to>
+                                        <p:strVal val="visible"/>
+                                      </p:to>
+                                    </p:set>
+                                    <p:animEffect transition="in" filter="fade">
+                                      <p:cBhvr>
+                                        <p:cTn id="12" dur="500"/>
+                                        <p:tgtEl>
+                                          <p:spTgt spid="10"/>
+                                        </p:tgtEl>
+                                      </p:cBhvr>
+                                    </p:animEffect>
+                                  </p:childTnLst>
+                                </p:cTn>
+                              </p:par>
+                            </p:childTnLst>
+                          </p:cTn>
+                        </p:par>
+                      </p:childTnLst>
+                    </p:cTn>
+                  </p:par>
+                  <p:par>
+                    <p:cTn id="13" fill="hold">
+                      <p:stCondLst>
+                        <p:cond delay="indefinite"/>
+                      </p:stCondLst>
+                      <p:childTnLst>
+                        <p:par>
+                          <p:cTn id="14" fill="hold">
+                            <p:stCondLst>
+                              <p:cond delay="0"/>
+                            </p:stCondLst>
+                            <p:childTnLst>
+                              <p:par>
+                                <p:cTn id="15" presetID="10" presetClass="entr" presetSubtype="0" fill="hold" grpId="0" nodeType="clickEffect">
+                                  <p:stCondLst>
+                                    <p:cond delay="0"/>
+                                  </p:stCondLst>
+                                  <p:childTnLst>
+                                    <p:set>
+                                      <p:cBhvr>
+                                        <p:cTn id="16" dur="1" fill="hold">
+                                          <p:stCondLst>
+                                            <p:cond delay="0"/>
+                                          </p:stCondLst>
+                                        </p:cTn>
+                                        <p:tgtEl>
+                                          <p:spTgt spid="11"/>
+                                        </p:tgtEl>
+                                        <p:attrNameLst>
+                                          <p:attrName>style.visibility</p:attrName>
+                                        </p:attrNameLst>
+                                      </p:cBhvr>
+                                      <p:to>
+                                        <p:strVal val="visible"/>
+                                      </p:to>
+                                    </p:set>
+                                    <p:animEffect transition="in" filter="fade">
+                                      <p:cBhvr>
+                                        <p:cTn id="17" dur="500"/>
+                                        <p:tgtEl>
+                                          <p:spTgt spid="11"/>
+                                        </p:tgtEl>
+                                      </p:cBhvr>
+                                    </p:animEffect>
+                                  </p:childTnLst>
+                                </p:cTn>
+                              </p:par>
+                            </p:childTnLst>
+                          </p:cTn>
+                        </p:par>
+                      </p:childTnLst>
+                    </p:cTn>
+                  </p:par>
+                  <p:par>
+                    <p:cTn id="18" fill="hold">
+                      <p:stCondLst>
+                        <p:cond delay="indefinite"/>
+                      </p:stCondLst>
+                      <p:childTnLst>
+                        <p:par>
+                          <p:cTn id="19" fill="hold">
+                            <p:stCondLst>
+                              <p:cond delay="0"/>
+                            </p:stCondLst>
+                            <p:childTnLst>
+                              <p:par>
+                                <p:cTn id="20" presetID="10" presetClass="entr" presetSubtype="0" fill="hold" grpId="0" nodeType="clickEffect">
+                                  <p:stCondLst>
+                                    <p:cond delay="0"/>
+                                  </p:stCondLst>
+                                  <p:childTnLst>
+                                    <p:set>
+                                      <p:cBhvr>
+                                        <p:cTn id="21" dur="1" fill="hold">
+                                          <p:stCondLst>
+                                            <p:cond delay="0"/>
+                                          </p:stCondLst>
+                                        </p:cTn>
+                                        <p:tgtEl>
+                                          <p:spTgt spid="15"/>
+                                        </p:tgtEl>
+                                        <p:attrNameLst>
+                                          <p:attrName>style.visibility</p:attrName>
+                                        </p:attrNameLst>
+                                      </p:cBhvr>
+                                      <p:to>
+                                        <p:strVal val="visible"/>
+                                      </p:to>
+                                    </p:set>
+                                    <p:animEffect transition="in" filter="fade">
+                                      <p:cBhvr>
+                                        <p:cTn id="22" dur="500"/>
+                                        <p:tgtEl>
+                                          <p:spTgt spid="15"/>
+                                        </p:tgtEl>
+                                      </p:cBhvr>
+                                    </p:animEffect>
+                                  </p:childTnLst>
+                                </p:cTn>
+                              </p:par>
+                            </p:childTnLst>
+                          </p:cTn>
+                        </p:par>
+                      </p:childTnLst>
+                    </p:cTn>
+                  </p:par>
+                  <p:par>
+                    <p:cTn id="23" fill="hold">
+                      <p:stCondLst>
+                        <p:cond delay="indefinite"/>
+                      </p:stCondLst>
+                      <p:childTnLst>
+                        <p:par>
+                          <p:cTn id="24" fill="hold">
+                            <p:stCondLst>
+                              <p:cond delay="0"/>
+                            </p:stCondLst>
+                            <p:childTnLst>
+                              <p:par>
+                                <p:cTn id="25" presetID="10" presetClass="entr" presetSubtype="0" fill="hold" grpId="0" nodeType="clickEffect">
+                                  <p:stCondLst>
+                                    <p:cond delay="0"/>
+                                  </p:stCondLst>
+                                  <p:childTnLst>
+                                    <p:set>
+                                      <p:cBhvr>
+                                        <p:cTn id="26" dur="1" fill="hold">
+                                          <p:stCondLst>
+                                            <p:cond delay="0"/>
+                                          </p:stCondLst>
+                                        </p:cTn>
+                                        <p:tgtEl>
+                                          <p:spTgt spid="21"/>
+                                        </p:tgtEl>
+                                        <p:attrNameLst>
+                                          <p:attrName>style.visibility</p:attrName>
+                                        </p:attrNameLst>
+                                      </p:cBhvr>
+                                      <p:to>
+                                        <p:strVal val="visible"/>
+                                      </p:to>
+                                    </p:set>
+                                    <p:animEffect transition="in" filter="fade">
+                                      <p:cBhvr>
+                                        <p:cTn id="27" dur="500"/>
+                                        <p:tgtEl>
+                                          <p:spTgt spid="21"/>
+                                        </p:tgtEl>
+                                      </p:cBhvr>
+                                    </p:animEffect>
+                                  </p:childTnLst>
+                                </p:cTn>
+                              </p:par>
+                            </p:childTnLst>
+                          </p:cTn>
+                        </p:par>
+                      </p:childTnLst>
+                    </p:cTn>
+                  </p:par>
+                  <p:par>
+                    <p:cTn id="28" fill="hold">
+                      <p:stCondLst>
+                        <p:cond delay="indefinite"/>
+                      </p:stCondLst>
+                      <p:childTnLst>
+                        <p:par>
+                          <p:cTn id="29" fill="hold">
+                            <p:stCondLst>
+                              <p:cond delay="0"/>
+                            </p:stCondLst>
+                            <p:childTnLst>
+                              <p:par>
+                                <p:cTn id="30" presetID="10" presetClass="entr" presetSubtype="0" fill="hold" grpId="0" nodeType="clickEffect">
+                                  <p:stCondLst>
+                                    <p:cond delay="0"/>
+                                  </p:stCondLst>
+                                  <p:childTnLst>
+                                    <p:set>
+                                      <p:cBhvr>
+                                        <p:cTn id="31" dur="1" fill="hold">
+                                          <p:stCondLst>
+                                            <p:cond delay="0"/>
+                                          </p:stCondLst>
+                                        </p:cTn>
+                                        <p:tgtEl>
+                                          <p:spTgt spid="17"/>
+                                        </p:tgtEl>
+                                        <p:attrNameLst>
+                                          <p:attrName>style.visibility</p:attrName>
+                                        </p:attrNameLst>
+                                      </p:cBhvr>
+                                      <p:to>
+                                        <p:strVal val="visible"/>
+                                      </p:to>
+                                    </p:set>
+                                    <p:animEffect transition="in" filter="fade">
+                                      <p:cBhvr>
+                                        <p:cTn id="32" dur="500"/>
+                                        <p:tgtEl>
+                                          <p:spTgt spid="17"/>
+                                        </p:tgtEl>
+                                      </p:cBhvr>
+                                    </p:animEffect>
+                                  </p:childTnLst>
+                                </p:cTn>
+                              </p:par>
+                              <p:par>
+                                <p:cTn id="33" presetID="10" presetClass="entr" presetSubtype="0" fill="hold" nodeType="withEffect">
+                                  <p:stCondLst>
+                                    <p:cond delay="0"/>
+                                  </p:stCondLst>
+                                  <p:childTnLst>
+                                    <p:set>
+                                      <p:cBhvr>
+                                        <p:cTn id="34" dur="1" fill="hold">
+                                          <p:stCondLst>
+                                            <p:cond delay="0"/>
+                                          </p:stCondLst>
+                                        </p:cTn>
+                                        <p:tgtEl>
+                                          <p:spTgt spid="22"/>
+                                        </p:tgtEl>
+                                        <p:attrNameLst>
+                                          <p:attrName>style.visibility</p:attrName>
+                                        </p:attrNameLst>
+                                      </p:cBhvr>
+                                      <p:to>
+                                        <p:strVal val="visible"/>
+                                      </p:to>
+                                    </p:set>
+                                    <p:animEffect transition="in" filter="fade">
+                                      <p:cBhvr>
+                                        <p:cTn id="35" dur="500"/>
+                                        <p:tgtEl>
+                                          <p:spTgt spid="22"/>
+                                        </p:tgtEl>
+                                      </p:cBhvr>
+                                    </p:animEffect>
+                                  </p:childTnLst>
+                                </p:cTn>
+                              </p:par>
+                              <p:par>
+                                <p:cTn id="36" presetID="10" presetClass="entr" presetSubtype="0" fill="hold" nodeType="withEffect">
+                                  <p:stCondLst>
+                                    <p:cond delay="0"/>
+                                  </p:stCondLst>
+                                  <p:childTnLst>
+                                    <p:set>
+                                      <p:cBhvr>
+                                        <p:cTn id="37" dur="1" fill="hold">
+                                          <p:stCondLst>
+                                            <p:cond delay="0"/>
+                                          </p:stCondLst>
+                                        </p:cTn>
+                                        <p:tgtEl>
+                                          <p:spTgt spid="20"/>
+                                        </p:tgtEl>
+                                        <p:attrNameLst>
+                                          <p:attrName>style.visibility</p:attrName>
+                                        </p:attrNameLst>
+                                      </p:cBhvr>
+                                      <p:to>
+                                        <p:strVal val="visible"/>
+                                      </p:to>
+                                    </p:set>
+                                    <p:animEffect transition="in" filter="fade">
+                                      <p:cBhvr>
+                                        <p:cTn id="38" dur="500"/>
+                                        <p:tgtEl>
+                                          <p:spTgt spid="20"/>
+                                        </p:tgtEl>
+                                      </p:cBhvr>
+                                    </p:animEffect>
+                                  </p:childTnLst>
+                                </p:cTn>
+                              </p:par>
+                              <p:par>
+                                <p:cTn id="39" presetID="10" presetClass="entr" presetSubtype="0" fill="hold" nodeType="withEffect">
+                                  <p:stCondLst>
+                                    <p:cond delay="0"/>
+                                  </p:stCondLst>
+                                  <p:childTnLst>
+                                    <p:set>
+                                      <p:cBhvr>
+                                        <p:cTn id="40" dur="1" fill="hold">
+                                          <p:stCondLst>
+                                            <p:cond delay="0"/>
+                                          </p:stCondLst>
+                                        </p:cTn>
+                                        <p:tgtEl>
+                                          <p:spTgt spid="19"/>
+                                        </p:tgtEl>
+                                        <p:attrNameLst>
+                                          <p:attrName>style.visibility</p:attrName>
+                                        </p:attrNameLst>
+                                      </p:cBhvr>
+                                      <p:to>
+                                        <p:strVal val="visible"/>
+                                      </p:to>
+                                    </p:set>
+                                    <p:animEffect transition="in" filter="fade">
+                                      <p:cBhvr>
+                                        <p:cTn id="41" dur="500"/>
+                                        <p:tgtEl>
+                                          <p:spTgt spid="19"/>
+                                        </p:tgtEl>
+                                      </p:cBhvr>
+                                    </p:animEffect>
+                                  </p:childTnLst>
+                                </p:cTn>
+                              </p:par>
+                              <p:par>
+                                <p:cTn id="42" presetID="10" presetClass="entr" presetSubtype="0" fill="hold" nodeType="withEffect">
+                                  <p:stCondLst>
+                                    <p:cond delay="0"/>
+                                  </p:stCondLst>
+                                  <p:childTnLst>
+                                    <p:set>
+                                      <p:cBhvr>
+                                        <p:cTn id="43" dur="1" fill="hold">
+                                          <p:stCondLst>
+                                            <p:cond delay="0"/>
+                                          </p:stCondLst>
+                                        </p:cTn>
+                                        <p:tgtEl>
+                                          <p:spTgt spid="18"/>
+                                        </p:tgtEl>
+                                        <p:attrNameLst>
+                                          <p:attrName>style.visibility</p:attrName>
+                                        </p:attrNameLst>
+                                      </p:cBhvr>
+                                      <p:to>
+                                        <p:strVal val="visible"/>
+                                      </p:to>
+                                    </p:set>
+                                    <p:animEffect transition="in" filter="fade">
+                                      <p:cBhvr>
+                                        <p:cTn id="44" dur="500"/>
+                                        <p:tgtEl>
+                                          <p:spTgt spid="18"/>
+                                        </p:tgtEl>
+                                      </p:cBhvr>
+                                    </p:animEffect>
+                                  </p:childTnLst>
+                                </p:cTn>
+                              </p:par>
+                              <p:par>
+                                <p:cTn id="45" presetID="10" presetClass="entr" presetSubtype="0" fill="hold" nodeType="withEffect">
+                                  <p:stCondLst>
+                                    <p:cond delay="0"/>
+                                  </p:stCondLst>
+                                  <p:childTnLst>
+                                    <p:set>
+                                      <p:cBhvr>
+                                        <p:cTn id="46" dur="1" fill="hold">
+                                          <p:stCondLst>
+                                            <p:cond delay="0"/>
+                                          </p:stCondLst>
+                                        </p:cTn>
+                                        <p:tgtEl>
+                                          <p:spTgt spid="4"/>
+                                        </p:tgtEl>
+                                        <p:attrNameLst>
+                                          <p:attrName>style.visibility</p:attrName>
+                                        </p:attrNameLst>
+                                      </p:cBhvr>
+                                      <p:to>
+                                        <p:strVal val="visible"/>
+                                      </p:to>
+                                    </p:set>
+                                    <p:animEffect transition="in" filter="fade">
+                                      <p:cBhvr>
+                                        <p:cTn id="47" dur="500"/>
+                                        <p:tgtEl>
+                                          <p:spTgt spid="4"/>
+                                        </p:tgtEl>
+                                      </p:cBhvr>
+                                    </p:animEffect>
+                                  </p:childTnLst>
+                                </p:cTn>
+                              </p:par>
+                              <p:par>
+                                <p:cTn id="48" presetID="10" presetClass="entr" presetSubtype="0" fill="hold" grpId="0" nodeType="withEffect">
+                                  <p:stCondLst>
+                                    <p:cond delay="0"/>
+                                  </p:stCondLst>
+                                  <p:childTnLst>
+                                    <p:set>
+                                      <p:cBhvr>
+                                        <p:cTn id="49" dur="1" fill="hold">
+                                          <p:stCondLst>
+                                            <p:cond delay="0"/>
+                                          </p:stCondLst>
+                                        </p:cTn>
+                                        <p:tgtEl>
+                                          <p:spTgt spid="5"/>
+                                        </p:tgtEl>
+                                        <p:attrNameLst>
+                                          <p:attrName>style.visibility</p:attrName>
+                                        </p:attrNameLst>
+                                      </p:cBhvr>
+                                      <p:to>
+                                        <p:strVal val="visible"/>
+                                      </p:to>
+                                    </p:set>
+                                    <p:animEffect transition="in" filter="fade">
+                                      <p:cBhvr>
+                                        <p:cTn id="50" dur="500"/>
+                                        <p:tgtEl>
+                                          <p:spTgt spid="5"/>
+                                        </p:tgtEl>
+                                      </p:cBhvr>
+                                    </p:animEffect>
+                                  </p:childTnLst>
+                                </p:cTn>
+                              </p:par>
+                              <p:par>
+                                <p:cTn id="51" presetID="10" presetClass="entr" presetSubtype="0" fill="hold" nodeType="withEffect">
+                                  <p:stCondLst>
+                                    <p:cond delay="0"/>
+                                  </p:stCondLst>
+                                  <p:childTnLst>
+                                    <p:set>
+                                      <p:cBhvr>
+                                        <p:cTn id="52" dur="1" fill="hold">
+                                          <p:stCondLst>
+                                            <p:cond delay="0"/>
+                                          </p:stCondLst>
+                                        </p:cTn>
+                                        <p:tgtEl>
+                                          <p:spTgt spid="23"/>
+                                        </p:tgtEl>
+                                        <p:attrNameLst>
+                                          <p:attrName>style.visibility</p:attrName>
+                                        </p:attrNameLst>
+                                      </p:cBhvr>
+                                      <p:to>
+                                        <p:strVal val="visible"/>
+                                      </p:to>
+                                    </p:set>
+                                    <p:animEffect transition="in" filter="fade">
+                                      <p:cBhvr>
+                                        <p:cTn id="53" dur="500"/>
+                                        <p:tgtEl>
+                                          <p:spTgt spid="23"/>
+                                        </p:tgtEl>
+                                      </p:cBhvr>
+                                    </p:animEffect>
+                                  </p:childTnLst>
+                                </p:cTn>
+                              </p:par>
+                            </p:childTnLst>
+                          </p:cTn>
+                        </p:par>
+                      </p:childTnLst>
+                    </p:cTn>
+                  </p:par>
+                </p:childTnLst>
+              </p:cTn>
+              <p:prevCondLst>
+                <p:cond evt="onPrev" delay="0">
+                  <p:tgtEl>
+                    <p:sldTgt/>
+                  </p:tgtEl>
+                </p:cond>
+              </p:prevCondLst>
+              <p:nextCondLst>
+                <p:cond evt="onNext" delay="0">
+                  <p:tgtEl>
+                    <p:sldTgt/>
+                  </p:tgtEl>
+                </p:cond>
+              </p:nextCondLst>
+            </p:seq>
+          </p:childTnLst>
+        </p:cTn>
+      </p:par>
+    </p:tnLst>
+    <p:bldLst>
+      <p:bldP spid="2" grpId="0" animBg="1"/>
+      <p:bldP spid="10" grpId="0" animBg="1"/>
+      <p:bldP spid="11" grpId="0" animBg="1"/>
+      <p:bldP spid="15" grpId="0" animBg="1"/>
+      <p:bldP spid="17" grpId="0" animBg="1"/>
+      <p:bldP spid="5" grpId="0"/>
+      <p:bldP spid="21" grpId="0" animBg="1"/>
+    </p:bldLst>
+  </p:timing>
+</p:sld>
+</file>
+
+<file path=ppt/slides/slide29.xml><?xml version="1.0" encoding="utf-8"?>
+<p:sld xmlns:a="http://schemas.openxmlformats.org/drawingml/2006/main" xmlns:r="http://schemas.openxmlformats.org/officeDocument/2006/relationships" xmlns:p="http://schemas.openxmlformats.org/presentationml/2006/main">
+  <p:cSld>
+    <p:spTree>
+      <p:nvGrpSpPr>
+        <p:cNvPr id="1" name=""/>
+        <p:cNvGrpSpPr/>
+        <p:nvPr/>
+      </p:nvGrpSpPr>
+      <p:grpSpPr>
+        <a:xfrm>
+          <a:off x="0" y="0"/>
+          <a:ext cx="0" cy="0"/>
+          <a:chOff x="0" y="0"/>
+          <a:chExt cx="0" cy="0"/>
+        </a:xfrm>
+      </p:grpSpPr>
+      <p:pic>
+        <p:nvPicPr>
           <p:cNvPr id="5" name="Espaço Reservado para Conteúdo 4">
             <a:extLst>
               <a:ext uri="{FF2B5EF4-FFF2-40B4-BE49-F238E27FC236}">
@@ -19984,7 +21671,1210 @@
 </p:sld>
 </file>
 
-<file path=ppt/slides/slide29.xml><?xml version="1.0" encoding="utf-8"?>
+<file path=ppt/slides/slide3.xml><?xml version="1.0" encoding="utf-8"?>
+<p:sld xmlns:a="http://schemas.openxmlformats.org/drawingml/2006/main" xmlns:r="http://schemas.openxmlformats.org/officeDocument/2006/relationships" xmlns:p="http://schemas.openxmlformats.org/presentationml/2006/main">
+  <p:cSld>
+    <p:spTree>
+      <p:nvGrpSpPr>
+        <p:cNvPr id="1" name=""/>
+        <p:cNvGrpSpPr/>
+        <p:nvPr/>
+      </p:nvGrpSpPr>
+      <p:grpSpPr>
+        <a:xfrm>
+          <a:off x="0" y="0"/>
+          <a:ext cx="0" cy="0"/>
+          <a:chOff x="0" y="0"/>
+          <a:chExt cx="0" cy="0"/>
+        </a:xfrm>
+      </p:grpSpPr>
+      <p:pic>
+        <p:nvPicPr>
+          <p:cNvPr id="5" name="Espaço Reservado para Conteúdo 4">
+            <a:extLst>
+              <a:ext uri="{FF2B5EF4-FFF2-40B4-BE49-F238E27FC236}">
+                <a16:creationId xmlns:a16="http://schemas.microsoft.com/office/drawing/2014/main" id="{DEBCF998-65B9-41B2-A535-E5741DD64BE5}"/>
+              </a:ext>
+            </a:extLst>
+          </p:cNvPr>
+          <p:cNvPicPr>
+            <a:picLocks noGrp="1" noChangeAspect="1"/>
+          </p:cNvPicPr>
+          <p:nvPr>
+            <p:ph idx="1"/>
+          </p:nvPr>
+        </p:nvPicPr>
+        <p:blipFill>
+          <a:blip r:embed="rId2">
+            <a:extLst>
+              <a:ext uri="{28A0092B-C50C-407E-A947-70E740481C1C}">
+                <a14:useLocalDpi xmlns:a14="http://schemas.microsoft.com/office/drawing/2010/main" val="0"/>
+              </a:ext>
+            </a:extLst>
+          </a:blip>
+          <a:stretch>
+            <a:fillRect/>
+          </a:stretch>
+        </p:blipFill>
+        <p:spPr>
+          <a:xfrm>
+            <a:off x="-11088" y="1"/>
+            <a:ext cx="12203088" cy="6881654"/>
+          </a:xfrm>
+        </p:spPr>
+      </p:pic>
+      <p:sp>
+        <p:nvSpPr>
+          <p:cNvPr id="6" name="Título 1">
+            <a:extLst>
+              <a:ext uri="{FF2B5EF4-FFF2-40B4-BE49-F238E27FC236}">
+                <a16:creationId xmlns:a16="http://schemas.microsoft.com/office/drawing/2014/main" id="{EC993F68-2ABC-472C-9DAA-F49885B6553A}"/>
+              </a:ext>
+            </a:extLst>
+          </p:cNvPr>
+          <p:cNvSpPr>
+            <a:spLocks noGrp="1"/>
+          </p:cNvSpPr>
+          <p:nvPr>
+            <p:ph type="title"/>
+          </p:nvPr>
+        </p:nvSpPr>
+        <p:spPr>
+          <a:xfrm>
+            <a:off x="1131581" y="1875841"/>
+            <a:ext cx="5853910" cy="3662317"/>
+          </a:xfrm>
+        </p:spPr>
+        <p:txBody>
+          <a:bodyPr>
+            <a:normAutofit/>
+          </a:bodyPr>
+          <a:lstStyle/>
+          <a:p>
+            <a:br>
+              <a:rPr lang="pt-BR" sz="2400" dirty="0">
+                <a:solidFill>
+                  <a:schemeClr val="bg1"/>
+                </a:solidFill>
+                <a:latin typeface="Montserrat Light" panose="00000400000000000000" pitchFamily="2" charset="0"/>
+              </a:rPr>
+            </a:br>
+            <a:br>
+              <a:rPr lang="pt-BR" sz="2400" dirty="0">
+                <a:solidFill>
+                  <a:schemeClr val="bg1"/>
+                </a:solidFill>
+                <a:latin typeface="Montserrat Light" panose="00000400000000000000" pitchFamily="2" charset="0"/>
+              </a:rPr>
+            </a:br>
+            <a:r>
+              <a:rPr lang="pt-BR" sz="6000" b="1" dirty="0">
+                <a:solidFill>
+                  <a:schemeClr val="bg1"/>
+                </a:solidFill>
+                <a:latin typeface="Nunito" pitchFamily="2" charset="77"/>
+              </a:rPr>
+              <a:t>André Baltieri</a:t>
+            </a:r>
+            <a:br>
+              <a:rPr lang="pt-BR" sz="7300" dirty="0">
+                <a:solidFill>
+                  <a:schemeClr val="bg1"/>
+                </a:solidFill>
+                <a:latin typeface="Nunito" pitchFamily="2" charset="77"/>
+              </a:rPr>
+            </a:br>
+            <a:r>
+              <a:rPr lang="pt-BR" sz="2400" dirty="0">
+                <a:solidFill>
+                  <a:schemeClr val="bg1"/>
+                </a:solidFill>
+                <a:latin typeface="Nunito" pitchFamily="2" charset="77"/>
+              </a:rPr>
+              <a:t>9x Microsoft MVP</a:t>
+            </a:r>
+            <a:br>
+              <a:rPr lang="pt-BR" sz="2400" dirty="0">
+                <a:solidFill>
+                  <a:schemeClr val="bg1"/>
+                </a:solidFill>
+                <a:latin typeface="Nunito" pitchFamily="2" charset="77"/>
+              </a:rPr>
+            </a:br>
+            <a:r>
+              <a:rPr lang="pt-BR" sz="2400" b="1" dirty="0">
+                <a:solidFill>
+                  <a:schemeClr val="bg1"/>
+                </a:solidFill>
+                <a:latin typeface="Nunito" pitchFamily="2" charset="77"/>
+              </a:rPr>
+              <a:t>balta.io</a:t>
+            </a:r>
+            <a:endParaRPr lang="pt-BR" sz="5400" b="1" dirty="0">
+              <a:solidFill>
+                <a:schemeClr val="bg1"/>
+              </a:solidFill>
+              <a:latin typeface="Nunito" pitchFamily="2" charset="77"/>
+            </a:endParaRPr>
+          </a:p>
+        </p:txBody>
+      </p:sp>
+      <p:pic>
+        <p:nvPicPr>
+          <p:cNvPr id="17" name="Gráfico 16">
+            <a:extLst>
+              <a:ext uri="{FF2B5EF4-FFF2-40B4-BE49-F238E27FC236}">
+                <a16:creationId xmlns:a16="http://schemas.microsoft.com/office/drawing/2014/main" id="{5475B6F3-1B09-40B6-BF70-51E8D08D2176}"/>
+              </a:ext>
+            </a:extLst>
+          </p:cNvPr>
+          <p:cNvPicPr>
+            <a:picLocks noChangeAspect="1"/>
+          </p:cNvPicPr>
+          <p:nvPr/>
+        </p:nvPicPr>
+        <p:blipFill>
+          <a:blip r:embed="rId3">
+            <a:extLst>
+              <a:ext uri="{96DAC541-7B7A-43D3-8B79-37D633B846F1}">
+                <asvg:svgBlip xmlns:asvg="http://schemas.microsoft.com/office/drawing/2016/SVG/main" r:embed="rId4"/>
+              </a:ext>
+            </a:extLst>
+          </a:blip>
+          <a:stretch>
+            <a:fillRect/>
+          </a:stretch>
+        </p:blipFill>
+        <p:spPr>
+          <a:xfrm>
+            <a:off x="1561276" y="436764"/>
+            <a:ext cx="2287912" cy="778156"/>
+          </a:xfrm>
+          <a:prstGeom prst="rect">
+            <a:avLst/>
+          </a:prstGeom>
+        </p:spPr>
+      </p:pic>
+      <p:pic>
+        <p:nvPicPr>
+          <p:cNvPr id="4" name="Picture 3" descr="A person wearing glasses&#10;&#10;Description automatically generated with medium confidence">
+            <a:extLst>
+              <a:ext uri="{FF2B5EF4-FFF2-40B4-BE49-F238E27FC236}">
+                <a16:creationId xmlns:a16="http://schemas.microsoft.com/office/drawing/2014/main" id="{88233FB1-C205-144D-B73D-CDD649858E5D}"/>
+              </a:ext>
+            </a:extLst>
+          </p:cNvPr>
+          <p:cNvPicPr>
+            <a:picLocks noChangeAspect="1"/>
+          </p:cNvPicPr>
+          <p:nvPr/>
+        </p:nvPicPr>
+        <p:blipFill>
+          <a:blip r:embed="rId5">
+            <a:extLst>
+              <a:ext uri="{28A0092B-C50C-407E-A947-70E740481C1C}">
+                <a14:useLocalDpi xmlns:a14="http://schemas.microsoft.com/office/drawing/2010/main" val="0"/>
+              </a:ext>
+            </a:extLst>
+          </a:blip>
+          <a:stretch>
+            <a:fillRect/>
+          </a:stretch>
+        </p:blipFill>
+        <p:spPr>
+          <a:xfrm>
+            <a:off x="7489886" y="2165701"/>
+            <a:ext cx="3372457" cy="3372457"/>
+          </a:xfrm>
+          <a:prstGeom prst="ellipse">
+            <a:avLst/>
+          </a:prstGeom>
+          <a:noFill/>
+          <a:ln w="63500" cap="rnd">
+            <a:solidFill>
+              <a:srgbClr val="FFFFFF">
+                <a:alpha val="23137"/>
+              </a:srgbClr>
+            </a:solidFill>
+          </a:ln>
+          <a:effectLst>
+            <a:outerShdw blurRad="381000" dist="292100" dir="5400000" sx="-80000" sy="-18000" rotWithShape="0">
+              <a:srgbClr val="000000">
+                <a:alpha val="22000"/>
+              </a:srgbClr>
+            </a:outerShdw>
+          </a:effectLst>
+          <a:scene3d>
+            <a:camera prst="orthographicFront"/>
+            <a:lightRig rig="contrasting" dir="t">
+              <a:rot lat="0" lon="0" rev="3000000"/>
+            </a:lightRig>
+          </a:scene3d>
+          <a:sp3d contourW="7620">
+            <a:bevelT w="95250" h="31750"/>
+            <a:contourClr>
+              <a:srgbClr val="333333"/>
+            </a:contourClr>
+          </a:sp3d>
+        </p:spPr>
+      </p:pic>
+    </p:spTree>
+    <p:extLst>
+      <p:ext uri="{BB962C8B-B14F-4D97-AF65-F5344CB8AC3E}">
+        <p14:creationId xmlns:p14="http://schemas.microsoft.com/office/powerpoint/2010/main" val="3214383598"/>
+      </p:ext>
+    </p:extLst>
+  </p:cSld>
+  <p:clrMapOvr>
+    <a:masterClrMapping/>
+  </p:clrMapOvr>
+  <p:transition spd="slow">
+    <p:wipe/>
+  </p:transition>
+  <p:timing>
+    <p:tnLst>
+      <p:par>
+        <p:cTn id="1" dur="indefinite" restart="never" nodeType="tmRoot">
+          <p:childTnLst>
+            <p:seq concurrent="1" nextAc="seek">
+              <p:cTn id="2" dur="indefinite" nodeType="mainSeq">
+                <p:childTnLst>
+                  <p:par>
+                    <p:cTn id="3" fill="hold">
+                      <p:stCondLst>
+                        <p:cond delay="indefinite"/>
+                        <p:cond evt="onBegin" delay="0">
+                          <p:tn val="2"/>
+                        </p:cond>
+                      </p:stCondLst>
+                      <p:childTnLst>
+                        <p:par>
+                          <p:cTn id="4" fill="hold">
+                            <p:stCondLst>
+                              <p:cond delay="0"/>
+                            </p:stCondLst>
+                            <p:childTnLst>
+                              <p:par>
+                                <p:cTn id="5" presetID="10" presetClass="entr" presetSubtype="0" fill="hold" grpId="0" nodeType="afterEffect">
+                                  <p:stCondLst>
+                                    <p:cond delay="0"/>
+                                  </p:stCondLst>
+                                  <p:childTnLst>
+                                    <p:set>
+                                      <p:cBhvr>
+                                        <p:cTn id="6" dur="1" fill="hold">
+                                          <p:stCondLst>
+                                            <p:cond delay="0"/>
+                                          </p:stCondLst>
+                                        </p:cTn>
+                                        <p:tgtEl>
+                                          <p:spTgt spid="6"/>
+                                        </p:tgtEl>
+                                        <p:attrNameLst>
+                                          <p:attrName>style.visibility</p:attrName>
+                                        </p:attrNameLst>
+                                      </p:cBhvr>
+                                      <p:to>
+                                        <p:strVal val="visible"/>
+                                      </p:to>
+                                    </p:set>
+                                    <p:animEffect transition="in" filter="fade">
+                                      <p:cBhvr>
+                                        <p:cTn id="7" dur="500"/>
+                                        <p:tgtEl>
+                                          <p:spTgt spid="6"/>
+                                        </p:tgtEl>
+                                      </p:cBhvr>
+                                    </p:animEffect>
+                                  </p:childTnLst>
+                                </p:cTn>
+                              </p:par>
+                            </p:childTnLst>
+                          </p:cTn>
+                        </p:par>
+                      </p:childTnLst>
+                    </p:cTn>
+                  </p:par>
+                </p:childTnLst>
+              </p:cTn>
+              <p:prevCondLst>
+                <p:cond evt="onPrev" delay="0">
+                  <p:tgtEl>
+                    <p:sldTgt/>
+                  </p:tgtEl>
+                </p:cond>
+              </p:prevCondLst>
+              <p:nextCondLst>
+                <p:cond evt="onNext" delay="0">
+                  <p:tgtEl>
+                    <p:sldTgt/>
+                  </p:tgtEl>
+                </p:cond>
+              </p:nextCondLst>
+            </p:seq>
+          </p:childTnLst>
+        </p:cTn>
+      </p:par>
+    </p:tnLst>
+    <p:bldLst>
+      <p:bldP spid="6" grpId="0"/>
+    </p:bldLst>
+  </p:timing>
+</p:sld>
+</file>
+
+<file path=ppt/slides/slide30.xml><?xml version="1.0" encoding="utf-8"?>
+<p:sld xmlns:a="http://schemas.openxmlformats.org/drawingml/2006/main" xmlns:r="http://schemas.openxmlformats.org/officeDocument/2006/relationships" xmlns:p="http://schemas.openxmlformats.org/presentationml/2006/main">
+  <p:cSld>
+    <p:spTree>
+      <p:nvGrpSpPr>
+        <p:cNvPr id="1" name=""/>
+        <p:cNvGrpSpPr/>
+        <p:nvPr/>
+      </p:nvGrpSpPr>
+      <p:grpSpPr>
+        <a:xfrm>
+          <a:off x="0" y="0"/>
+          <a:ext cx="0" cy="0"/>
+          <a:chOff x="0" y="0"/>
+          <a:chExt cx="0" cy="0"/>
+        </a:xfrm>
+      </p:grpSpPr>
+      <p:pic>
+        <p:nvPicPr>
+          <p:cNvPr id="5" name="Espaço Reservado para Conteúdo 4">
+            <a:extLst>
+              <a:ext uri="{FF2B5EF4-FFF2-40B4-BE49-F238E27FC236}">
+                <a16:creationId xmlns:a16="http://schemas.microsoft.com/office/drawing/2014/main" id="{DEBCF998-65B9-41B2-A535-E5741DD64BE5}"/>
+              </a:ext>
+            </a:extLst>
+          </p:cNvPr>
+          <p:cNvPicPr>
+            <a:picLocks noGrp="1" noChangeAspect="1"/>
+          </p:cNvPicPr>
+          <p:nvPr>
+            <p:ph idx="1"/>
+          </p:nvPr>
+        </p:nvPicPr>
+        <p:blipFill>
+          <a:blip r:embed="rId2">
+            <a:extLst>
+              <a:ext uri="{28A0092B-C50C-407E-A947-70E740481C1C}">
+                <a14:useLocalDpi xmlns:a14="http://schemas.microsoft.com/office/drawing/2010/main" val="0"/>
+              </a:ext>
+            </a:extLst>
+          </a:blip>
+          <a:stretch>
+            <a:fillRect/>
+          </a:stretch>
+        </p:blipFill>
+        <p:spPr>
+          <a:xfrm>
+            <a:off x="-11088" y="1"/>
+            <a:ext cx="12203088" cy="6881654"/>
+          </a:xfrm>
+        </p:spPr>
+      </p:pic>
+      <p:pic>
+        <p:nvPicPr>
+          <p:cNvPr id="9" name="Gráfico 8">
+            <a:extLst>
+              <a:ext uri="{FF2B5EF4-FFF2-40B4-BE49-F238E27FC236}">
+                <a16:creationId xmlns:a16="http://schemas.microsoft.com/office/drawing/2014/main" id="{8951ED2D-02AB-4784-A820-1B65DE4713F5}"/>
+              </a:ext>
+            </a:extLst>
+          </p:cNvPr>
+          <p:cNvPicPr>
+            <a:picLocks noChangeAspect="1"/>
+          </p:cNvPicPr>
+          <p:nvPr/>
+        </p:nvPicPr>
+        <p:blipFill>
+          <a:blip r:embed="rId3">
+            <a:extLst>
+              <a:ext uri="{96DAC541-7B7A-43D3-8B79-37D633B846F1}">
+                <asvg:svgBlip xmlns:asvg="http://schemas.microsoft.com/office/drawing/2016/SVG/main" r:embed="rId4"/>
+              </a:ext>
+            </a:extLst>
+          </a:blip>
+          <a:stretch>
+            <a:fillRect/>
+          </a:stretch>
+        </p:blipFill>
+        <p:spPr>
+          <a:xfrm>
+            <a:off x="5497357" y="2473134"/>
+            <a:ext cx="185616" cy="219365"/>
+          </a:xfrm>
+          <a:prstGeom prst="rect">
+            <a:avLst/>
+          </a:prstGeom>
+        </p:spPr>
+      </p:pic>
+      <p:pic>
+        <p:nvPicPr>
+          <p:cNvPr id="10" name="Gráfico 9">
+            <a:extLst>
+              <a:ext uri="{FF2B5EF4-FFF2-40B4-BE49-F238E27FC236}">
+                <a16:creationId xmlns:a16="http://schemas.microsoft.com/office/drawing/2014/main" id="{FDE0F12D-8D89-4BEF-85B4-ADA531FBBE17}"/>
+              </a:ext>
+            </a:extLst>
+          </p:cNvPr>
+          <p:cNvPicPr>
+            <a:picLocks noChangeAspect="1"/>
+          </p:cNvPicPr>
+          <p:nvPr/>
+        </p:nvPicPr>
+        <p:blipFill>
+          <a:blip r:embed="rId3">
+            <a:extLst>
+              <a:ext uri="{96DAC541-7B7A-43D3-8B79-37D633B846F1}">
+                <asvg:svgBlip xmlns:asvg="http://schemas.microsoft.com/office/drawing/2016/SVG/main" r:embed="rId4"/>
+              </a:ext>
+            </a:extLst>
+          </a:blip>
+          <a:stretch>
+            <a:fillRect/>
+          </a:stretch>
+        </p:blipFill>
+        <p:spPr>
+          <a:xfrm>
+            <a:off x="6565133" y="3554365"/>
+            <a:ext cx="107465" cy="127002"/>
+          </a:xfrm>
+          <a:prstGeom prst="rect">
+            <a:avLst/>
+          </a:prstGeom>
+        </p:spPr>
+      </p:pic>
+      <p:sp>
+        <p:nvSpPr>
+          <p:cNvPr id="6" name="Título 1">
+            <a:extLst>
+              <a:ext uri="{FF2B5EF4-FFF2-40B4-BE49-F238E27FC236}">
+                <a16:creationId xmlns:a16="http://schemas.microsoft.com/office/drawing/2014/main" id="{EC993F68-2ABC-472C-9DAA-F49885B6553A}"/>
+              </a:ext>
+            </a:extLst>
+          </p:cNvPr>
+          <p:cNvSpPr>
+            <a:spLocks noGrp="1"/>
+          </p:cNvSpPr>
+          <p:nvPr>
+            <p:ph type="title"/>
+          </p:nvPr>
+        </p:nvSpPr>
+        <p:spPr>
+          <a:xfrm>
+            <a:off x="29290" y="2418011"/>
+            <a:ext cx="12162710" cy="2021978"/>
+          </a:xfrm>
+        </p:spPr>
+        <p:txBody>
+          <a:bodyPr>
+            <a:normAutofit/>
+          </a:bodyPr>
+          <a:lstStyle/>
+          <a:p>
+            <a:pPr algn="ctr"/>
+            <a:r>
+              <a:rPr lang="pt-BR" sz="7300" dirty="0">
+                <a:solidFill>
+                  <a:schemeClr val="bg1"/>
+                </a:solidFill>
+                <a:latin typeface="Nunito" pitchFamily="2" charset="77"/>
+              </a:rPr>
+              <a:t>Apache Kafka</a:t>
+            </a:r>
+            <a:endParaRPr lang="pt-BR" sz="5400" dirty="0">
+              <a:solidFill>
+                <a:schemeClr val="bg1"/>
+              </a:solidFill>
+              <a:latin typeface="Nunito" pitchFamily="2" charset="77"/>
+            </a:endParaRPr>
+          </a:p>
+        </p:txBody>
+      </p:sp>
+    </p:spTree>
+    <p:extLst>
+      <p:ext uri="{BB962C8B-B14F-4D97-AF65-F5344CB8AC3E}">
+        <p14:creationId xmlns:p14="http://schemas.microsoft.com/office/powerpoint/2010/main" val="221255378"/>
+      </p:ext>
+    </p:extLst>
+  </p:cSld>
+  <p:clrMapOvr>
+    <a:masterClrMapping/>
+  </p:clrMapOvr>
+  <mc:AlternateContent xmlns:mc="http://schemas.openxmlformats.org/markup-compatibility/2006" xmlns:p14="http://schemas.microsoft.com/office/powerpoint/2010/main">
+    <mc:Choice Requires="p14">
+      <p:transition spd="med" p14:dur="700">
+        <p:fade/>
+      </p:transition>
+    </mc:Choice>
+    <mc:Fallback xmlns="">
+      <p:transition spd="med">
+        <p:fade/>
+      </p:transition>
+    </mc:Fallback>
+  </mc:AlternateContent>
+  <p:timing>
+    <p:tnLst>
+      <p:par>
+        <p:cTn id="1" dur="indefinite" restart="never" nodeType="tmRoot">
+          <p:childTnLst>
+            <p:seq concurrent="1" nextAc="seek">
+              <p:cTn id="2" dur="indefinite" nodeType="mainSeq">
+                <p:childTnLst>
+                  <p:par>
+                    <p:cTn id="3" fill="hold">
+                      <p:stCondLst>
+                        <p:cond delay="indefinite"/>
+                        <p:cond evt="onBegin" delay="0">
+                          <p:tn val="2"/>
+                        </p:cond>
+                      </p:stCondLst>
+                      <p:childTnLst>
+                        <p:par>
+                          <p:cTn id="4" fill="hold">
+                            <p:stCondLst>
+                              <p:cond delay="0"/>
+                            </p:stCondLst>
+                            <p:childTnLst>
+                              <p:par>
+                                <p:cTn id="5" presetID="10" presetClass="entr" presetSubtype="0" fill="hold" grpId="0" nodeType="afterEffect">
+                                  <p:stCondLst>
+                                    <p:cond delay="0"/>
+                                  </p:stCondLst>
+                                  <p:childTnLst>
+                                    <p:set>
+                                      <p:cBhvr>
+                                        <p:cTn id="6" dur="1" fill="hold">
+                                          <p:stCondLst>
+                                            <p:cond delay="0"/>
+                                          </p:stCondLst>
+                                        </p:cTn>
+                                        <p:tgtEl>
+                                          <p:spTgt spid="6"/>
+                                        </p:tgtEl>
+                                        <p:attrNameLst>
+                                          <p:attrName>style.visibility</p:attrName>
+                                        </p:attrNameLst>
+                                      </p:cBhvr>
+                                      <p:to>
+                                        <p:strVal val="visible"/>
+                                      </p:to>
+                                    </p:set>
+                                    <p:animEffect transition="in" filter="fade">
+                                      <p:cBhvr>
+                                        <p:cTn id="7" dur="500"/>
+                                        <p:tgtEl>
+                                          <p:spTgt spid="6"/>
+                                        </p:tgtEl>
+                                      </p:cBhvr>
+                                    </p:animEffect>
+                                  </p:childTnLst>
+                                </p:cTn>
+                              </p:par>
+                              <p:par>
+                                <p:cTn id="8" presetID="10" presetClass="entr" presetSubtype="0" fill="hold" nodeType="withEffect">
+                                  <p:stCondLst>
+                                    <p:cond delay="0"/>
+                                  </p:stCondLst>
+                                  <p:childTnLst>
+                                    <p:set>
+                                      <p:cBhvr>
+                                        <p:cTn id="9" dur="1" fill="hold">
+                                          <p:stCondLst>
+                                            <p:cond delay="0"/>
+                                          </p:stCondLst>
+                                        </p:cTn>
+                                        <p:tgtEl>
+                                          <p:spTgt spid="9"/>
+                                        </p:tgtEl>
+                                        <p:attrNameLst>
+                                          <p:attrName>style.visibility</p:attrName>
+                                        </p:attrNameLst>
+                                      </p:cBhvr>
+                                      <p:to>
+                                        <p:strVal val="visible"/>
+                                      </p:to>
+                                    </p:set>
+                                    <p:animEffect transition="in" filter="fade">
+                                      <p:cBhvr>
+                                        <p:cTn id="10" dur="500"/>
+                                        <p:tgtEl>
+                                          <p:spTgt spid="9"/>
+                                        </p:tgtEl>
+                                      </p:cBhvr>
+                                    </p:animEffect>
+                                  </p:childTnLst>
+                                </p:cTn>
+                              </p:par>
+                              <p:par>
+                                <p:cTn id="11" presetID="51" presetClass="path" presetSubtype="0" repeatCount="indefinite" accel="50000" decel="50000" autoRev="1" fill="hold" nodeType="withEffect">
+                                  <p:stCondLst>
+                                    <p:cond delay="0"/>
+                                  </p:stCondLst>
+                                  <p:childTnLst>
+                                    <p:animMotion origin="layout" path="M -3.54167E-6 -3.7037E-7 L -0.03997 0.0669 C -0.04895 0.08102 -0.05403 0.10208 -0.05403 0.12407 C -0.05403 0.14907 -0.04895 0.16898 -0.03997 0.1831 L -3.54167E-6 0.25 " pathEditMode="relative" rAng="0" ptsTypes="AAAAA">
+                                      <p:cBhvr>
+                                        <p:cTn id="12" dur="2000" fill="hold"/>
+                                        <p:tgtEl>
+                                          <p:spTgt spid="9"/>
+                                        </p:tgtEl>
+                                        <p:attrNameLst>
+                                          <p:attrName>ppt_x</p:attrName>
+                                          <p:attrName>ppt_y</p:attrName>
+                                        </p:attrNameLst>
+                                      </p:cBhvr>
+                                      <p:rCtr x="-2708" y="12500"/>
+                                    </p:animMotion>
+                                  </p:childTnLst>
+                                </p:cTn>
+                              </p:par>
+                              <p:par>
+                                <p:cTn id="13" presetID="10" presetClass="entr" presetSubtype="0" fill="hold" nodeType="withEffect">
+                                  <p:stCondLst>
+                                    <p:cond delay="0"/>
+                                  </p:stCondLst>
+                                  <p:childTnLst>
+                                    <p:set>
+                                      <p:cBhvr>
+                                        <p:cTn id="14" dur="1" fill="hold">
+                                          <p:stCondLst>
+                                            <p:cond delay="0"/>
+                                          </p:stCondLst>
+                                        </p:cTn>
+                                        <p:tgtEl>
+                                          <p:spTgt spid="10"/>
+                                        </p:tgtEl>
+                                        <p:attrNameLst>
+                                          <p:attrName>style.visibility</p:attrName>
+                                        </p:attrNameLst>
+                                      </p:cBhvr>
+                                      <p:to>
+                                        <p:strVal val="visible"/>
+                                      </p:to>
+                                    </p:set>
+                                    <p:animEffect transition="in" filter="fade">
+                                      <p:cBhvr>
+                                        <p:cTn id="15" dur="500"/>
+                                        <p:tgtEl>
+                                          <p:spTgt spid="10"/>
+                                        </p:tgtEl>
+                                      </p:cBhvr>
+                                    </p:animEffect>
+                                  </p:childTnLst>
+                                </p:cTn>
+                              </p:par>
+                              <p:par>
+                                <p:cTn id="16" presetID="1" presetClass="path" presetSubtype="0" repeatCount="indefinite" accel="50000" decel="50000" autoRev="1" fill="hold" nodeType="withEffect">
+                                  <p:stCondLst>
+                                    <p:cond delay="0"/>
+                                  </p:stCondLst>
+                                  <p:childTnLst>
+                                    <p:animMotion origin="layout" path="M -0.04909 -0.08658 C -0.00925 -0.08658 0.02305 -0.03056 0.02305 0.03842 C 0.02305 0.1074 -0.00925 0.16342 -0.04909 0.16342 C -0.08893 0.16342 -0.1211 0.1074 -0.1211 0.03842 C -0.1211 -0.03056 -0.08893 -0.08658 -0.04909 -0.08658 Z " pathEditMode="relative" rAng="0" ptsTypes="AAAAA">
+                                      <p:cBhvr>
+                                        <p:cTn id="17" dur="4000" fill="hold"/>
+                                        <p:tgtEl>
+                                          <p:spTgt spid="10"/>
+                                        </p:tgtEl>
+                                        <p:attrNameLst>
+                                          <p:attrName>ppt_x</p:attrName>
+                                          <p:attrName>ppt_y</p:attrName>
+                                        </p:attrNameLst>
+                                      </p:cBhvr>
+                                      <p:rCtr x="0" y="12500"/>
+                                    </p:animMotion>
+                                  </p:childTnLst>
+                                </p:cTn>
+                              </p:par>
+                            </p:childTnLst>
+                          </p:cTn>
+                        </p:par>
+                      </p:childTnLst>
+                    </p:cTn>
+                  </p:par>
+                </p:childTnLst>
+              </p:cTn>
+              <p:prevCondLst>
+                <p:cond evt="onPrev" delay="0">
+                  <p:tgtEl>
+                    <p:sldTgt/>
+                  </p:tgtEl>
+                </p:cond>
+              </p:prevCondLst>
+              <p:nextCondLst>
+                <p:cond evt="onNext" delay="0">
+                  <p:tgtEl>
+                    <p:sldTgt/>
+                  </p:tgtEl>
+                </p:cond>
+              </p:nextCondLst>
+            </p:seq>
+          </p:childTnLst>
+        </p:cTn>
+      </p:par>
+    </p:tnLst>
+    <p:bldLst>
+      <p:bldP spid="6" grpId="0"/>
+    </p:bldLst>
+  </p:timing>
+</p:sld>
+</file>
+
+<file path=ppt/slides/slide31.xml><?xml version="1.0" encoding="utf-8"?>
+<p:sld xmlns:a="http://schemas.openxmlformats.org/drawingml/2006/main" xmlns:r="http://schemas.openxmlformats.org/officeDocument/2006/relationships" xmlns:p="http://schemas.openxmlformats.org/presentationml/2006/main">
+  <p:cSld>
+    <p:spTree>
+      <p:nvGrpSpPr>
+        <p:cNvPr id="1" name=""/>
+        <p:cNvGrpSpPr/>
+        <p:nvPr/>
+      </p:nvGrpSpPr>
+      <p:grpSpPr>
+        <a:xfrm>
+          <a:off x="0" y="0"/>
+          <a:ext cx="0" cy="0"/>
+          <a:chOff x="0" y="0"/>
+          <a:chExt cx="0" cy="0"/>
+        </a:xfrm>
+      </p:grpSpPr>
+      <p:pic>
+        <p:nvPicPr>
+          <p:cNvPr id="7" name="Imagem 6">
+            <a:extLst>
+              <a:ext uri="{FF2B5EF4-FFF2-40B4-BE49-F238E27FC236}">
+                <a16:creationId xmlns:a16="http://schemas.microsoft.com/office/drawing/2014/main" id="{15EF5E79-A320-604B-B8D0-BB7CC7F3BD24}"/>
+              </a:ext>
+            </a:extLst>
+          </p:cNvPr>
+          <p:cNvPicPr>
+            <a:picLocks noChangeAspect="1"/>
+          </p:cNvPicPr>
+          <p:nvPr/>
+        </p:nvPicPr>
+        <p:blipFill>
+          <a:blip r:embed="rId2">
+            <a:extLst>
+              <a:ext uri="{28A0092B-C50C-407E-A947-70E740481C1C}">
+                <a14:useLocalDpi xmlns:a14="http://schemas.microsoft.com/office/drawing/2010/main" val="0"/>
+              </a:ext>
+            </a:extLst>
+          </a:blip>
+          <a:stretch>
+            <a:fillRect/>
+          </a:stretch>
+        </p:blipFill>
+        <p:spPr>
+          <a:xfrm>
+            <a:off x="-1" y="-1590"/>
+            <a:ext cx="12192001" cy="2021978"/>
+          </a:xfrm>
+          <a:prstGeom prst="rect">
+            <a:avLst/>
+          </a:prstGeom>
+        </p:spPr>
+      </p:pic>
+      <p:sp>
+        <p:nvSpPr>
+          <p:cNvPr id="13" name="Título 1">
+            <a:extLst>
+              <a:ext uri="{FF2B5EF4-FFF2-40B4-BE49-F238E27FC236}">
+                <a16:creationId xmlns:a16="http://schemas.microsoft.com/office/drawing/2014/main" id="{94E1A0D2-D048-46FE-90D3-722FBF740CC7}"/>
+              </a:ext>
+            </a:extLst>
+          </p:cNvPr>
+          <p:cNvSpPr>
+            <a:spLocks noGrp="1"/>
+          </p:cNvSpPr>
+          <p:nvPr>
+            <p:ph type="title"/>
+          </p:nvPr>
+        </p:nvSpPr>
+        <p:spPr>
+          <a:xfrm>
+            <a:off x="2159726" y="0"/>
+            <a:ext cx="9292046" cy="2021978"/>
+          </a:xfrm>
+        </p:spPr>
+        <p:txBody>
+          <a:bodyPr>
+            <a:normAutofit/>
+          </a:bodyPr>
+          <a:lstStyle/>
+          <a:p>
+            <a:r>
+              <a:rPr lang="pt-BR" dirty="0" err="1">
+                <a:solidFill>
+                  <a:schemeClr val="bg1"/>
+                </a:solidFill>
+                <a:latin typeface="Nunito" pitchFamily="2" charset="77"/>
+              </a:rPr>
+              <a:t>Zookeeper</a:t>
+            </a:r>
+            <a:endParaRPr lang="pt-BR" dirty="0">
+              <a:solidFill>
+                <a:schemeClr val="bg1"/>
+              </a:solidFill>
+              <a:latin typeface="Nunito" pitchFamily="2" charset="77"/>
+            </a:endParaRPr>
+          </a:p>
+        </p:txBody>
+      </p:sp>
+      <p:pic>
+        <p:nvPicPr>
+          <p:cNvPr id="14" name="Gráfico 13">
+            <a:extLst>
+              <a:ext uri="{FF2B5EF4-FFF2-40B4-BE49-F238E27FC236}">
+                <a16:creationId xmlns:a16="http://schemas.microsoft.com/office/drawing/2014/main" id="{2B5477E9-00BA-4494-BA1B-5466AC45994D}"/>
+              </a:ext>
+            </a:extLst>
+          </p:cNvPr>
+          <p:cNvPicPr>
+            <a:picLocks noChangeAspect="1"/>
+          </p:cNvPicPr>
+          <p:nvPr/>
+        </p:nvPicPr>
+        <p:blipFill>
+          <a:blip r:embed="rId3">
+            <a:extLst>
+              <a:ext uri="{96DAC541-7B7A-43D3-8B79-37D633B846F1}">
+                <asvg:svgBlip xmlns:asvg="http://schemas.microsoft.com/office/drawing/2016/SVG/main" r:embed="rId4"/>
+              </a:ext>
+            </a:extLst>
+          </a:blip>
+          <a:stretch>
+            <a:fillRect/>
+          </a:stretch>
+        </p:blipFill>
+        <p:spPr>
+          <a:xfrm>
+            <a:off x="1097280" y="636835"/>
+            <a:ext cx="610307" cy="705667"/>
+          </a:xfrm>
+          <a:prstGeom prst="rect">
+            <a:avLst/>
+          </a:prstGeom>
+        </p:spPr>
+      </p:pic>
+      <p:sp>
+        <p:nvSpPr>
+          <p:cNvPr id="8" name="CaixaDeTexto 7">
+            <a:extLst>
+              <a:ext uri="{FF2B5EF4-FFF2-40B4-BE49-F238E27FC236}">
+                <a16:creationId xmlns:a16="http://schemas.microsoft.com/office/drawing/2014/main" id="{29557DB5-A419-464F-8DE1-FE557705DF73}"/>
+              </a:ext>
+            </a:extLst>
+          </p:cNvPr>
+          <p:cNvSpPr txBox="1"/>
+          <p:nvPr/>
+        </p:nvSpPr>
+        <p:spPr>
+          <a:xfrm>
+            <a:off x="1097280" y="2719343"/>
+            <a:ext cx="6400800" cy="2031325"/>
+          </a:xfrm>
+          <a:prstGeom prst="rect">
+            <a:avLst/>
+          </a:prstGeom>
+          <a:noFill/>
+        </p:spPr>
+        <p:txBody>
+          <a:bodyPr wrap="square" rtlCol="0">
+            <a:spAutoFit/>
+          </a:bodyPr>
+          <a:lstStyle/>
+          <a:p>
+            <a:r>
+              <a:rPr lang="pt-BR" b="1" dirty="0">
+                <a:latin typeface="Nunito" pitchFamily="2" charset="77"/>
+              </a:rPr>
+              <a:t>Mensagem</a:t>
+            </a:r>
+          </a:p>
+          <a:p>
+            <a:pPr marL="285750" indent="-285750">
+              <a:buFontTx/>
+              <a:buChar char="-"/>
+            </a:pPr>
+            <a:r>
+              <a:rPr lang="en-US" dirty="0" err="1">
+                <a:latin typeface="Nunito" pitchFamily="2" charset="77"/>
+              </a:rPr>
+              <a:t>Unidade</a:t>
+            </a:r>
+            <a:r>
+              <a:rPr lang="en-US" dirty="0">
+                <a:latin typeface="Nunito" pitchFamily="2" charset="77"/>
+              </a:rPr>
+              <a:t> </a:t>
+            </a:r>
+            <a:r>
+              <a:rPr lang="en-US" dirty="0" err="1">
+                <a:latin typeface="Nunito" pitchFamily="2" charset="77"/>
+              </a:rPr>
+              <a:t>básica</a:t>
+            </a:r>
+            <a:r>
+              <a:rPr lang="en-US" dirty="0">
+                <a:latin typeface="Nunito" pitchFamily="2" charset="77"/>
+              </a:rPr>
+              <a:t> de </a:t>
+            </a:r>
+            <a:r>
+              <a:rPr lang="en-US" dirty="0" err="1">
+                <a:latin typeface="Nunito" pitchFamily="2" charset="77"/>
+              </a:rPr>
+              <a:t>comunicação</a:t>
+            </a:r>
+            <a:endParaRPr lang="en-US" dirty="0">
+              <a:latin typeface="Nunito" pitchFamily="2" charset="77"/>
+            </a:endParaRPr>
+          </a:p>
+          <a:p>
+            <a:pPr marL="285750" indent="-285750">
+              <a:buFontTx/>
+              <a:buChar char="-"/>
+            </a:pPr>
+            <a:r>
+              <a:rPr lang="en-US" dirty="0" err="1">
+                <a:latin typeface="Nunito" pitchFamily="2" charset="77"/>
+              </a:rPr>
+              <a:t>Pode</a:t>
+            </a:r>
+            <a:r>
+              <a:rPr lang="en-US" dirty="0">
+                <a:latin typeface="Nunito" pitchFamily="2" charset="77"/>
+              </a:rPr>
+              <a:t> ser </a:t>
+            </a:r>
+            <a:r>
+              <a:rPr lang="en-US" dirty="0" err="1">
+                <a:latin typeface="Nunito" pitchFamily="2" charset="77"/>
+              </a:rPr>
+              <a:t>literalmente</a:t>
+            </a:r>
+            <a:r>
+              <a:rPr lang="en-US" dirty="0">
+                <a:latin typeface="Nunito" pitchFamily="2" charset="77"/>
+              </a:rPr>
+              <a:t> </a:t>
+            </a:r>
+            <a:r>
+              <a:rPr lang="en-US" dirty="0" err="1">
+                <a:latin typeface="Nunito" pitchFamily="2" charset="77"/>
+              </a:rPr>
+              <a:t>qualquer</a:t>
+            </a:r>
+            <a:r>
+              <a:rPr lang="en-US" dirty="0">
+                <a:latin typeface="Nunito" pitchFamily="2" charset="77"/>
+              </a:rPr>
+              <a:t> </a:t>
+            </a:r>
+            <a:r>
+              <a:rPr lang="en-US" dirty="0" err="1">
+                <a:latin typeface="Nunito" pitchFamily="2" charset="77"/>
+              </a:rPr>
+              <a:t>coisa</a:t>
+            </a:r>
+            <a:endParaRPr lang="en-US" dirty="0">
+              <a:latin typeface="Nunito" pitchFamily="2" charset="77"/>
+            </a:endParaRPr>
+          </a:p>
+          <a:p>
+            <a:pPr marL="742950" lvl="1" indent="-285750">
+              <a:buFontTx/>
+              <a:buChar char="-"/>
+            </a:pPr>
+            <a:r>
+              <a:rPr lang="en-US" dirty="0">
+                <a:latin typeface="Nunito" pitchFamily="2" charset="77"/>
+              </a:rPr>
+              <a:t>String, int, </a:t>
+            </a:r>
+            <a:r>
+              <a:rPr lang="en-US" dirty="0" err="1">
+                <a:latin typeface="Nunito" pitchFamily="2" charset="77"/>
+              </a:rPr>
+              <a:t>objeto</a:t>
+            </a:r>
+            <a:endParaRPr lang="en-US" dirty="0">
+              <a:latin typeface="Nunito" pitchFamily="2" charset="77"/>
+            </a:endParaRPr>
+          </a:p>
+          <a:p>
+            <a:pPr marL="285750" indent="-285750">
+              <a:buFontTx/>
+              <a:buChar char="-"/>
+            </a:pPr>
+            <a:endParaRPr lang="en-US" dirty="0">
+              <a:latin typeface="Montserrat Light" panose="00000400000000000000" pitchFamily="2" charset="0"/>
+            </a:endParaRPr>
+          </a:p>
+          <a:p>
+            <a:pPr marL="285750" indent="-285750">
+              <a:buFontTx/>
+              <a:buChar char="-"/>
+            </a:pPr>
+            <a:endParaRPr lang="pt-BR" dirty="0">
+              <a:latin typeface="Montserrat Light" panose="00000400000000000000" pitchFamily="2" charset="0"/>
+            </a:endParaRPr>
+          </a:p>
+          <a:p>
+            <a:pPr marL="285750" indent="-285750">
+              <a:buFontTx/>
+              <a:buChar char="-"/>
+            </a:pPr>
+            <a:endParaRPr lang="pt-BR" dirty="0">
+              <a:latin typeface="Montserrat Light" panose="00000400000000000000" pitchFamily="2" charset="0"/>
+            </a:endParaRPr>
+          </a:p>
+        </p:txBody>
+      </p:sp>
+      <p:pic>
+        <p:nvPicPr>
+          <p:cNvPr id="3" name="Gráfico 2">
+            <a:extLst>
+              <a:ext uri="{FF2B5EF4-FFF2-40B4-BE49-F238E27FC236}">
+                <a16:creationId xmlns:a16="http://schemas.microsoft.com/office/drawing/2014/main" id="{CBA04222-E9A5-46A3-809E-82ED64A96098}"/>
+              </a:ext>
+            </a:extLst>
+          </p:cNvPr>
+          <p:cNvPicPr>
+            <a:picLocks noChangeAspect="1"/>
+          </p:cNvPicPr>
+          <p:nvPr/>
+        </p:nvPicPr>
+        <p:blipFill>
+          <a:blip r:embed="rId5">
+            <a:extLst>
+              <a:ext uri="{28A0092B-C50C-407E-A947-70E740481C1C}">
+                <a14:useLocalDpi xmlns:a14="http://schemas.microsoft.com/office/drawing/2010/main" val="0"/>
+              </a:ext>
+              <a:ext uri="{96DAC541-7B7A-43D3-8B79-37D633B846F1}">
+                <asvg:svgBlip xmlns:asvg="http://schemas.microsoft.com/office/drawing/2016/SVG/main" r:embed="rId6"/>
+              </a:ext>
+            </a:extLst>
+          </a:blip>
+          <a:stretch>
+            <a:fillRect/>
+          </a:stretch>
+        </p:blipFill>
+        <p:spPr>
+          <a:xfrm>
+            <a:off x="6012472" y="2719343"/>
+            <a:ext cx="5439300" cy="3275393"/>
+          </a:xfrm>
+          <a:prstGeom prst="rect">
+            <a:avLst/>
+          </a:prstGeom>
+        </p:spPr>
+      </p:pic>
+    </p:spTree>
+    <p:extLst>
+      <p:ext uri="{BB962C8B-B14F-4D97-AF65-F5344CB8AC3E}">
+        <p14:creationId xmlns:p14="http://schemas.microsoft.com/office/powerpoint/2010/main" val="2007186240"/>
+      </p:ext>
+    </p:extLst>
+  </p:cSld>
+  <p:clrMapOvr>
+    <a:masterClrMapping/>
+  </p:clrMapOvr>
+  <mc:AlternateContent xmlns:mc="http://schemas.openxmlformats.org/markup-compatibility/2006" xmlns:p159="http://schemas.microsoft.com/office/powerpoint/2015/09/main">
+    <mc:Choice Requires="p159">
+      <p:transition xmlns:p14="http://schemas.microsoft.com/office/powerpoint/2010/main" spd="slow" p14:dur="2000">
+        <p159:morph option="byObject"/>
+      </p:transition>
+    </mc:Choice>
+    <mc:Fallback xmlns="">
+      <p:transition spd="slow">
+        <p:fade/>
+      </p:transition>
+    </mc:Fallback>
+  </mc:AlternateContent>
+  <p:timing>
+    <p:tnLst>
+      <p:par>
+        <p:cTn id="1" dur="indefinite" restart="never" nodeType="tmRoot">
+          <p:childTnLst>
+            <p:seq concurrent="1" nextAc="seek">
+              <p:cTn id="2" dur="indefinite" nodeType="mainSeq">
+                <p:childTnLst>
+                  <p:par>
+                    <p:cTn id="3" fill="hold">
+                      <p:stCondLst>
+                        <p:cond delay="indefinite"/>
+                      </p:stCondLst>
+                      <p:childTnLst>
+                        <p:par>
+                          <p:cTn id="4" fill="hold">
+                            <p:stCondLst>
+                              <p:cond delay="0"/>
+                            </p:stCondLst>
+                            <p:childTnLst>
+                              <p:par>
+                                <p:cTn id="5" presetID="1" presetClass="entr" presetSubtype="0" fill="hold" grpId="0" nodeType="clickEffect">
+                                  <p:stCondLst>
+                                    <p:cond delay="0"/>
+                                  </p:stCondLst>
+                                  <p:childTnLst>
+                                    <p:set>
+                                      <p:cBhvr>
+                                        <p:cTn id="6" dur="1" fill="hold">
+                                          <p:stCondLst>
+                                            <p:cond delay="0"/>
+                                          </p:stCondLst>
+                                        </p:cTn>
+                                        <p:tgtEl>
+                                          <p:spTgt spid="8"/>
+                                        </p:tgtEl>
+                                        <p:attrNameLst>
+                                          <p:attrName>style.visibility</p:attrName>
+                                        </p:attrNameLst>
+                                      </p:cBhvr>
+                                      <p:to>
+                                        <p:strVal val="visible"/>
+                                      </p:to>
+                                    </p:set>
+                                  </p:childTnLst>
+                                </p:cTn>
+                              </p:par>
+                            </p:childTnLst>
+                          </p:cTn>
+                        </p:par>
+                      </p:childTnLst>
+                    </p:cTn>
+                  </p:par>
+                </p:childTnLst>
+              </p:cTn>
+              <p:prevCondLst>
+                <p:cond evt="onPrev" delay="0">
+                  <p:tgtEl>
+                    <p:sldTgt/>
+                  </p:tgtEl>
+                </p:cond>
+              </p:prevCondLst>
+              <p:nextCondLst>
+                <p:cond evt="onNext" delay="0">
+                  <p:tgtEl>
+                    <p:sldTgt/>
+                  </p:tgtEl>
+                </p:cond>
+              </p:nextCondLst>
+            </p:seq>
+          </p:childTnLst>
+        </p:cTn>
+      </p:par>
+    </p:tnLst>
+    <p:bldLst>
+      <p:bldP spid="8" grpId="0"/>
+    </p:bldLst>
+  </p:timing>
+</p:sld>
+</file>
+
+<file path=ppt/slides/slide32.xml><?xml version="1.0" encoding="utf-8"?>
 <p:sld xmlns:a="http://schemas.openxmlformats.org/drawingml/2006/main" xmlns:r="http://schemas.openxmlformats.org/officeDocument/2006/relationships" xmlns:p="http://schemas.openxmlformats.org/presentationml/2006/main">
   <p:cSld>
     <p:spTree>
@@ -20342,358 +23232,6 @@
                                       </p:cBhvr>
                                       <p:rCtr x="26" y="2593"/>
                                     </p:animMotion>
-                                  </p:childTnLst>
-                                </p:cTn>
-                              </p:par>
-                            </p:childTnLst>
-                          </p:cTn>
-                        </p:par>
-                      </p:childTnLst>
-                    </p:cTn>
-                  </p:par>
-                </p:childTnLst>
-              </p:cTn>
-              <p:prevCondLst>
-                <p:cond evt="onPrev" delay="0">
-                  <p:tgtEl>
-                    <p:sldTgt/>
-                  </p:tgtEl>
-                </p:cond>
-              </p:prevCondLst>
-              <p:nextCondLst>
-                <p:cond evt="onNext" delay="0">
-                  <p:tgtEl>
-                    <p:sldTgt/>
-                  </p:tgtEl>
-                </p:cond>
-              </p:nextCondLst>
-            </p:seq>
-          </p:childTnLst>
-        </p:cTn>
-      </p:par>
-    </p:tnLst>
-    <p:bldLst>
-      <p:bldP spid="6" grpId="0"/>
-    </p:bldLst>
-  </p:timing>
-</p:sld>
-</file>
-
-<file path=ppt/slides/slide3.xml><?xml version="1.0" encoding="utf-8"?>
-<p:sld xmlns:a="http://schemas.openxmlformats.org/drawingml/2006/main" xmlns:r="http://schemas.openxmlformats.org/officeDocument/2006/relationships" xmlns:p="http://schemas.openxmlformats.org/presentationml/2006/main">
-  <p:cSld>
-    <p:spTree>
-      <p:nvGrpSpPr>
-        <p:cNvPr id="1" name=""/>
-        <p:cNvGrpSpPr/>
-        <p:nvPr/>
-      </p:nvGrpSpPr>
-      <p:grpSpPr>
-        <a:xfrm>
-          <a:off x="0" y="0"/>
-          <a:ext cx="0" cy="0"/>
-          <a:chOff x="0" y="0"/>
-          <a:chExt cx="0" cy="0"/>
-        </a:xfrm>
-      </p:grpSpPr>
-      <p:pic>
-        <p:nvPicPr>
-          <p:cNvPr id="5" name="Espaço Reservado para Conteúdo 4">
-            <a:extLst>
-              <a:ext uri="{FF2B5EF4-FFF2-40B4-BE49-F238E27FC236}">
-                <a16:creationId xmlns:a16="http://schemas.microsoft.com/office/drawing/2014/main" id="{DEBCF998-65B9-41B2-A535-E5741DD64BE5}"/>
-              </a:ext>
-            </a:extLst>
-          </p:cNvPr>
-          <p:cNvPicPr>
-            <a:picLocks noGrp="1" noChangeAspect="1"/>
-          </p:cNvPicPr>
-          <p:nvPr>
-            <p:ph idx="1"/>
-          </p:nvPr>
-        </p:nvPicPr>
-        <p:blipFill>
-          <a:blip r:embed="rId2">
-            <a:extLst>
-              <a:ext uri="{28A0092B-C50C-407E-A947-70E740481C1C}">
-                <a14:useLocalDpi xmlns:a14="http://schemas.microsoft.com/office/drawing/2010/main" val="0"/>
-              </a:ext>
-            </a:extLst>
-          </a:blip>
-          <a:stretch>
-            <a:fillRect/>
-          </a:stretch>
-        </p:blipFill>
-        <p:spPr>
-          <a:xfrm>
-            <a:off x="-11088" y="1"/>
-            <a:ext cx="12203088" cy="6881654"/>
-          </a:xfrm>
-        </p:spPr>
-      </p:pic>
-      <p:sp>
-        <p:nvSpPr>
-          <p:cNvPr id="6" name="Título 1">
-            <a:extLst>
-              <a:ext uri="{FF2B5EF4-FFF2-40B4-BE49-F238E27FC236}">
-                <a16:creationId xmlns:a16="http://schemas.microsoft.com/office/drawing/2014/main" id="{EC993F68-2ABC-472C-9DAA-F49885B6553A}"/>
-              </a:ext>
-            </a:extLst>
-          </p:cNvPr>
-          <p:cNvSpPr>
-            <a:spLocks noGrp="1"/>
-          </p:cNvSpPr>
-          <p:nvPr>
-            <p:ph type="title"/>
-          </p:nvPr>
-        </p:nvSpPr>
-        <p:spPr>
-          <a:xfrm>
-            <a:off x="1131581" y="1875841"/>
-            <a:ext cx="5853910" cy="3662317"/>
-          </a:xfrm>
-        </p:spPr>
-        <p:txBody>
-          <a:bodyPr>
-            <a:normAutofit/>
-          </a:bodyPr>
-          <a:lstStyle/>
-          <a:p>
-            <a:br>
-              <a:rPr lang="pt-BR" sz="2400" dirty="0">
-                <a:solidFill>
-                  <a:schemeClr val="bg1"/>
-                </a:solidFill>
-                <a:latin typeface="Montserrat Light" panose="00000400000000000000" pitchFamily="2" charset="0"/>
-              </a:rPr>
-            </a:br>
-            <a:br>
-              <a:rPr lang="pt-BR" sz="2400" dirty="0">
-                <a:solidFill>
-                  <a:schemeClr val="bg1"/>
-                </a:solidFill>
-                <a:latin typeface="Montserrat Light" panose="00000400000000000000" pitchFamily="2" charset="0"/>
-              </a:rPr>
-            </a:br>
-            <a:r>
-              <a:rPr lang="pt-BR" sz="6000" b="1" dirty="0">
-                <a:solidFill>
-                  <a:schemeClr val="bg1"/>
-                </a:solidFill>
-                <a:latin typeface="Nunito" pitchFamily="2" charset="77"/>
-              </a:rPr>
-              <a:t>André Baltieri</a:t>
-            </a:r>
-            <a:br>
-              <a:rPr lang="pt-BR" sz="7300" dirty="0">
-                <a:solidFill>
-                  <a:schemeClr val="bg1"/>
-                </a:solidFill>
-                <a:latin typeface="Nunito" pitchFamily="2" charset="77"/>
-              </a:rPr>
-            </a:br>
-            <a:r>
-              <a:rPr lang="pt-BR" sz="2400" dirty="0">
-                <a:solidFill>
-                  <a:schemeClr val="bg1"/>
-                </a:solidFill>
-                <a:latin typeface="Nunito" pitchFamily="2" charset="77"/>
-              </a:rPr>
-              <a:t>9x Microsoft MVP</a:t>
-            </a:r>
-            <a:br>
-              <a:rPr lang="pt-BR" sz="2400" dirty="0">
-                <a:solidFill>
-                  <a:schemeClr val="bg1"/>
-                </a:solidFill>
-                <a:latin typeface="Nunito" pitchFamily="2" charset="77"/>
-              </a:rPr>
-            </a:br>
-            <a:r>
-              <a:rPr lang="pt-BR" sz="2400" b="1" dirty="0">
-                <a:solidFill>
-                  <a:schemeClr val="bg1"/>
-                </a:solidFill>
-                <a:latin typeface="Nunito" pitchFamily="2" charset="77"/>
-              </a:rPr>
-              <a:t>balta.io</a:t>
-            </a:r>
-            <a:endParaRPr lang="pt-BR" sz="5400" b="1" dirty="0">
-              <a:solidFill>
-                <a:schemeClr val="bg1"/>
-              </a:solidFill>
-              <a:latin typeface="Nunito" pitchFamily="2" charset="77"/>
-            </a:endParaRPr>
-          </a:p>
-        </p:txBody>
-      </p:sp>
-      <p:pic>
-        <p:nvPicPr>
-          <p:cNvPr id="17" name="Gráfico 16">
-            <a:extLst>
-              <a:ext uri="{FF2B5EF4-FFF2-40B4-BE49-F238E27FC236}">
-                <a16:creationId xmlns:a16="http://schemas.microsoft.com/office/drawing/2014/main" id="{5475B6F3-1B09-40B6-BF70-51E8D08D2176}"/>
-              </a:ext>
-            </a:extLst>
-          </p:cNvPr>
-          <p:cNvPicPr>
-            <a:picLocks noChangeAspect="1"/>
-          </p:cNvPicPr>
-          <p:nvPr/>
-        </p:nvPicPr>
-        <p:blipFill>
-          <a:blip r:embed="rId3">
-            <a:extLst>
-              <a:ext uri="{96DAC541-7B7A-43D3-8B79-37D633B846F1}">
-                <asvg:svgBlip xmlns:asvg="http://schemas.microsoft.com/office/drawing/2016/SVG/main" r:embed="rId4"/>
-              </a:ext>
-            </a:extLst>
-          </a:blip>
-          <a:stretch>
-            <a:fillRect/>
-          </a:stretch>
-        </p:blipFill>
-        <p:spPr>
-          <a:xfrm>
-            <a:off x="1561276" y="436764"/>
-            <a:ext cx="2287912" cy="778156"/>
-          </a:xfrm>
-          <a:prstGeom prst="rect">
-            <a:avLst/>
-          </a:prstGeom>
-        </p:spPr>
-      </p:pic>
-      <p:pic>
-        <p:nvPicPr>
-          <p:cNvPr id="4" name="Picture 3" descr="A person wearing glasses&#10;&#10;Description automatically generated with medium confidence">
-            <a:extLst>
-              <a:ext uri="{FF2B5EF4-FFF2-40B4-BE49-F238E27FC236}">
-                <a16:creationId xmlns:a16="http://schemas.microsoft.com/office/drawing/2014/main" id="{88233FB1-C205-144D-B73D-CDD649858E5D}"/>
-              </a:ext>
-            </a:extLst>
-          </p:cNvPr>
-          <p:cNvPicPr>
-            <a:picLocks noChangeAspect="1"/>
-          </p:cNvPicPr>
-          <p:nvPr/>
-        </p:nvPicPr>
-        <p:blipFill>
-          <a:blip r:embed="rId5">
-            <a:extLst>
-              <a:ext uri="{28A0092B-C50C-407E-A947-70E740481C1C}">
-                <a14:useLocalDpi xmlns:a14="http://schemas.microsoft.com/office/drawing/2010/main" val="0"/>
-              </a:ext>
-            </a:extLst>
-          </a:blip>
-          <a:stretch>
-            <a:fillRect/>
-          </a:stretch>
-        </p:blipFill>
-        <p:spPr>
-          <a:xfrm>
-            <a:off x="7489886" y="2165701"/>
-            <a:ext cx="3372457" cy="3372457"/>
-          </a:xfrm>
-          <a:prstGeom prst="ellipse">
-            <a:avLst/>
-          </a:prstGeom>
-          <a:noFill/>
-          <a:ln w="63500" cap="rnd">
-            <a:solidFill>
-              <a:srgbClr val="FFFFFF">
-                <a:alpha val="23137"/>
-              </a:srgbClr>
-            </a:solidFill>
-          </a:ln>
-          <a:effectLst>
-            <a:outerShdw blurRad="381000" dist="292100" dir="5400000" sx="-80000" sy="-18000" rotWithShape="0">
-              <a:srgbClr val="000000">
-                <a:alpha val="22000"/>
-              </a:srgbClr>
-            </a:outerShdw>
-          </a:effectLst>
-          <a:scene3d>
-            <a:camera prst="orthographicFront"/>
-            <a:lightRig rig="contrasting" dir="t">
-              <a:rot lat="0" lon="0" rev="3000000"/>
-            </a:lightRig>
-          </a:scene3d>
-          <a:sp3d contourW="7620">
-            <a:bevelT w="95250" h="31750"/>
-            <a:contourClr>
-              <a:srgbClr val="333333"/>
-            </a:contourClr>
-          </a:sp3d>
-        </p:spPr>
-      </p:pic>
-    </p:spTree>
-    <p:extLst>
-      <p:ext uri="{BB962C8B-B14F-4D97-AF65-F5344CB8AC3E}">
-        <p14:creationId xmlns:p14="http://schemas.microsoft.com/office/powerpoint/2010/main" val="3214383598"/>
-      </p:ext>
-    </p:extLst>
-  </p:cSld>
-  <p:clrMapOvr>
-    <a:masterClrMapping/>
-  </p:clrMapOvr>
-  <p:transition spd="slow">
-    <p:wipe/>
-  </p:transition>
-  <p:timing>
-    <p:tnLst>
-      <p:par>
-        <p:cTn id="1" dur="indefinite" restart="never" nodeType="tmRoot">
-          <p:childTnLst>
-            <p:seq concurrent="1" nextAc="seek">
-              <p:cTn id="2" dur="indefinite" nodeType="mainSeq">
-                <p:childTnLst>
-                  <p:par>
-                    <p:cTn id="3" fill="hold">
-                      <p:stCondLst>
-                        <p:cond delay="indefinite"/>
-                        <p:cond evt="onBegin" delay="0">
-                          <p:tn val="2"/>
-                        </p:cond>
-                      </p:stCondLst>
-                      <p:childTnLst>
-                        <p:par>
-                          <p:cTn id="4" fill="hold">
-                            <p:stCondLst>
-                              <p:cond delay="0"/>
-                            </p:stCondLst>
-                            <p:childTnLst>
-                              <p:par>
-                                <p:cTn id="5" presetID="10" presetClass="entr" presetSubtype="0" fill="hold" grpId="0" nodeType="afterEffect">
-                                  <p:stCondLst>
-                                    <p:cond delay="0"/>
-                                  </p:stCondLst>
-                                  <p:childTnLst>
-                                    <p:set>
-                                      <p:cBhvr>
-                                        <p:cTn id="6" dur="1" fill="hold">
-                                          <p:stCondLst>
-                                            <p:cond delay="0"/>
-                                          </p:stCondLst>
-                                        </p:cTn>
-                                        <p:tgtEl>
-                                          <p:spTgt spid="6"/>
-                                        </p:tgtEl>
-                                        <p:attrNameLst>
-                                          <p:attrName>style.visibility</p:attrName>
-                                        </p:attrNameLst>
-                                      </p:cBhvr>
-                                      <p:to>
-                                        <p:strVal val="visible"/>
-                                      </p:to>
-                                    </p:set>
-                                    <p:animEffect transition="in" filter="fade">
-                                      <p:cBhvr>
-                                        <p:cTn id="7" dur="500"/>
-                                        <p:tgtEl>
-                                          <p:spTgt spid="6"/>
-                                        </p:tgtEl>
-                                      </p:cBhvr>
-                                    </p:animEffect>
                                   </p:childTnLst>
                                 </p:cTn>
                               </p:par>

--- a/2021-08-25_event-driven-architecture.pptx
+++ b/2021-08-25_event-driven-architecture.pptx
@@ -5,7 +5,7 @@
     <p:sldMasterId id="2147483648" r:id="rId1"/>
   </p:sldMasterIdLst>
   <p:notesMasterIdLst>
-    <p:notesMasterId r:id="rId34"/>
+    <p:notesMasterId r:id="rId38"/>
   </p:notesMasterIdLst>
   <p:sldIdLst>
     <p:sldId id="260" r:id="rId2"/>
@@ -36,10 +36,14 @@
     <p:sldId id="501" r:id="rId27"/>
     <p:sldId id="503" r:id="rId28"/>
     <p:sldId id="505" r:id="rId29"/>
-    <p:sldId id="502" r:id="rId30"/>
-    <p:sldId id="504" r:id="rId31"/>
-    <p:sldId id="506" r:id="rId32"/>
-    <p:sldId id="265" r:id="rId33"/>
+    <p:sldId id="507" r:id="rId30"/>
+    <p:sldId id="508" r:id="rId31"/>
+    <p:sldId id="502" r:id="rId32"/>
+    <p:sldId id="504" r:id="rId33"/>
+    <p:sldId id="506" r:id="rId34"/>
+    <p:sldId id="510" r:id="rId35"/>
+    <p:sldId id="509" r:id="rId36"/>
+    <p:sldId id="265" r:id="rId37"/>
   </p:sldIdLst>
   <p:sldSz cx="12192000" cy="6858000"/>
   <p:notesSz cx="6858000" cy="9144000"/>
@@ -3744,7 +3748,7 @@
           <a:p>
             <a:fld id="{2232590A-2ECD-4930-A16F-BAB4FCA317C7}" type="datetimeFigureOut">
               <a:rPr lang="pt-BR" smtClean="0"/>
-              <a:t>23/08/2021</a:t>
+              <a:t>24/08/2021</a:t>
             </a:fld>
             <a:endParaRPr lang="pt-BR"/>
           </a:p>
@@ -4103,6 +4107,342 @@
 </p:notes>
 </file>
 
+<file path=ppt/notesSlides/notesSlide10.xml><?xml version="1.0" encoding="utf-8"?>
+<p:notes xmlns:a="http://schemas.openxmlformats.org/drawingml/2006/main" xmlns:r="http://schemas.openxmlformats.org/officeDocument/2006/relationships" xmlns:p="http://schemas.openxmlformats.org/presentationml/2006/main">
+  <p:cSld>
+    <p:spTree>
+      <p:nvGrpSpPr>
+        <p:cNvPr id="1" name=""/>
+        <p:cNvGrpSpPr/>
+        <p:nvPr/>
+      </p:nvGrpSpPr>
+      <p:grpSpPr>
+        <a:xfrm>
+          <a:off x="0" y="0"/>
+          <a:ext cx="0" cy="0"/>
+          <a:chOff x="0" y="0"/>
+          <a:chExt cx="0" cy="0"/>
+        </a:xfrm>
+      </p:grpSpPr>
+      <p:sp>
+        <p:nvSpPr>
+          <p:cNvPr id="2" name="Espaço Reservado para Imagem de Slide 1"/>
+          <p:cNvSpPr>
+            <a:spLocks noGrp="1" noRot="1" noChangeAspect="1"/>
+          </p:cNvSpPr>
+          <p:nvPr>
+            <p:ph type="sldImg"/>
+          </p:nvPr>
+        </p:nvSpPr>
+        <p:spPr/>
+      </p:sp>
+      <p:sp>
+        <p:nvSpPr>
+          <p:cNvPr id="3" name="Espaço Reservado para Anotações 2"/>
+          <p:cNvSpPr>
+            <a:spLocks noGrp="1"/>
+          </p:cNvSpPr>
+          <p:nvPr>
+            <p:ph type="body" idx="1"/>
+          </p:nvPr>
+        </p:nvSpPr>
+        <p:spPr/>
+        <p:txBody>
+          <a:bodyPr/>
+          <a:lstStyle/>
+          <a:p>
+            <a:r>
+              <a:rPr lang="en-US" dirty="0" err="1"/>
+              <a:t>Eventos</a:t>
+            </a:r>
+            <a:r>
+              <a:rPr lang="en-US" dirty="0"/>
+              <a:t> sempre no </a:t>
+            </a:r>
+            <a:r>
+              <a:rPr lang="en-US" dirty="0" err="1"/>
+              <a:t>passado</a:t>
+            </a:r>
+            <a:endParaRPr lang="en-US" dirty="0"/>
+          </a:p>
+          <a:p>
+            <a:r>
+              <a:rPr lang="en-US" dirty="0" err="1"/>
+              <a:t>Mapear</a:t>
+            </a:r>
+            <a:r>
+              <a:rPr lang="en-US" dirty="0"/>
+              <a:t> </a:t>
+            </a:r>
+            <a:r>
+              <a:rPr lang="en-US" dirty="0" err="1"/>
+              <a:t>caminho</a:t>
+            </a:r>
+            <a:r>
+              <a:rPr lang="en-US" dirty="0"/>
+              <a:t> </a:t>
+            </a:r>
+            <a:r>
+              <a:rPr lang="en-US" dirty="0" err="1"/>
+              <a:t>feliz</a:t>
+            </a:r>
+            <a:r>
+              <a:rPr lang="en-US" dirty="0"/>
+              <a:t> e </a:t>
+            </a:r>
+            <a:r>
+              <a:rPr lang="en-US" dirty="0" err="1"/>
+              <a:t>caminho</a:t>
+            </a:r>
+            <a:r>
+              <a:rPr lang="en-US" dirty="0"/>
+              <a:t> triste</a:t>
+            </a:r>
+            <a:br>
+              <a:rPr lang="en-US" dirty="0"/>
+            </a:br>
+            <a:r>
+              <a:rPr lang="en-US" dirty="0" err="1"/>
+              <a:t>Comandos</a:t>
+            </a:r>
+            <a:r>
+              <a:rPr lang="en-US" dirty="0"/>
+              <a:t> sempre no imperative</a:t>
+            </a:r>
+            <a:br>
+              <a:rPr lang="en-US" dirty="0"/>
+            </a:br>
+            <a:r>
+              <a:rPr lang="en-US" dirty="0" err="1"/>
+              <a:t>Linha</a:t>
+            </a:r>
+            <a:r>
+              <a:rPr lang="en-US" dirty="0"/>
+              <a:t> do tempo da </a:t>
+            </a:r>
+            <a:r>
+              <a:rPr lang="en-US" dirty="0" err="1"/>
+              <a:t>esquerda</a:t>
+            </a:r>
+            <a:r>
+              <a:rPr lang="en-US" dirty="0"/>
+              <a:t> para </a:t>
+            </a:r>
+            <a:r>
+              <a:rPr lang="en-US" dirty="0" err="1"/>
+              <a:t>direita</a:t>
+            </a:r>
+            <a:endParaRPr lang="en-US" dirty="0"/>
+          </a:p>
+          <a:p>
+            <a:endParaRPr lang="pt-BR" dirty="0"/>
+          </a:p>
+        </p:txBody>
+      </p:sp>
+      <p:sp>
+        <p:nvSpPr>
+          <p:cNvPr id="4" name="Espaço Reservado para Número de Slide 3"/>
+          <p:cNvSpPr>
+            <a:spLocks noGrp="1"/>
+          </p:cNvSpPr>
+          <p:nvPr>
+            <p:ph type="sldNum" sz="quarter" idx="5"/>
+          </p:nvPr>
+        </p:nvSpPr>
+        <p:spPr/>
+        <p:txBody>
+          <a:bodyPr/>
+          <a:lstStyle/>
+          <a:p>
+            <a:fld id="{1BFBF4EA-A19C-4108-A664-D5EED1568F94}" type="slidenum">
+              <a:rPr lang="pt-BR" smtClean="0"/>
+              <a:t>29</a:t>
+            </a:fld>
+            <a:endParaRPr lang="pt-BR"/>
+          </a:p>
+        </p:txBody>
+      </p:sp>
+    </p:spTree>
+    <p:extLst>
+      <p:ext uri="{BB962C8B-B14F-4D97-AF65-F5344CB8AC3E}">
+        <p14:creationId xmlns:p14="http://schemas.microsoft.com/office/powerpoint/2010/main" val="653445662"/>
+      </p:ext>
+    </p:extLst>
+  </p:cSld>
+  <p:clrMapOvr>
+    <a:masterClrMapping/>
+  </p:clrMapOvr>
+</p:notes>
+</file>
+
+<file path=ppt/notesSlides/notesSlide11.xml><?xml version="1.0" encoding="utf-8"?>
+<p:notes xmlns:a="http://schemas.openxmlformats.org/drawingml/2006/main" xmlns:r="http://schemas.openxmlformats.org/officeDocument/2006/relationships" xmlns:p="http://schemas.openxmlformats.org/presentationml/2006/main">
+  <p:cSld>
+    <p:spTree>
+      <p:nvGrpSpPr>
+        <p:cNvPr id="1" name=""/>
+        <p:cNvGrpSpPr/>
+        <p:nvPr/>
+      </p:nvGrpSpPr>
+      <p:grpSpPr>
+        <a:xfrm>
+          <a:off x="0" y="0"/>
+          <a:ext cx="0" cy="0"/>
+          <a:chOff x="0" y="0"/>
+          <a:chExt cx="0" cy="0"/>
+        </a:xfrm>
+      </p:grpSpPr>
+      <p:sp>
+        <p:nvSpPr>
+          <p:cNvPr id="2" name="Espaço Reservado para Imagem de Slide 1"/>
+          <p:cNvSpPr>
+            <a:spLocks noGrp="1" noRot="1" noChangeAspect="1"/>
+          </p:cNvSpPr>
+          <p:nvPr>
+            <p:ph type="sldImg"/>
+          </p:nvPr>
+        </p:nvSpPr>
+        <p:spPr/>
+      </p:sp>
+      <p:sp>
+        <p:nvSpPr>
+          <p:cNvPr id="3" name="Espaço Reservado para Anotações 2"/>
+          <p:cNvSpPr>
+            <a:spLocks noGrp="1"/>
+          </p:cNvSpPr>
+          <p:nvPr>
+            <p:ph type="body" idx="1"/>
+          </p:nvPr>
+        </p:nvSpPr>
+        <p:spPr/>
+        <p:txBody>
+          <a:bodyPr/>
+          <a:lstStyle/>
+          <a:p>
+            <a:r>
+              <a:rPr lang="en-US" dirty="0" err="1"/>
+              <a:t>Eventos</a:t>
+            </a:r>
+            <a:r>
+              <a:rPr lang="en-US" dirty="0"/>
+              <a:t> sempre no </a:t>
+            </a:r>
+            <a:r>
+              <a:rPr lang="en-US" dirty="0" err="1"/>
+              <a:t>passado</a:t>
+            </a:r>
+            <a:endParaRPr lang="en-US" dirty="0"/>
+          </a:p>
+          <a:p>
+            <a:r>
+              <a:rPr lang="en-US" dirty="0" err="1"/>
+              <a:t>Mapear</a:t>
+            </a:r>
+            <a:r>
+              <a:rPr lang="en-US" dirty="0"/>
+              <a:t> </a:t>
+            </a:r>
+            <a:r>
+              <a:rPr lang="en-US" dirty="0" err="1"/>
+              <a:t>caminho</a:t>
+            </a:r>
+            <a:r>
+              <a:rPr lang="en-US" dirty="0"/>
+              <a:t> </a:t>
+            </a:r>
+            <a:r>
+              <a:rPr lang="en-US" dirty="0" err="1"/>
+              <a:t>feliz</a:t>
+            </a:r>
+            <a:r>
+              <a:rPr lang="en-US" dirty="0"/>
+              <a:t> e </a:t>
+            </a:r>
+            <a:r>
+              <a:rPr lang="en-US" dirty="0" err="1"/>
+              <a:t>caminho</a:t>
+            </a:r>
+            <a:r>
+              <a:rPr lang="en-US" dirty="0"/>
+              <a:t> triste</a:t>
+            </a:r>
+            <a:br>
+              <a:rPr lang="en-US" dirty="0"/>
+            </a:br>
+            <a:r>
+              <a:rPr lang="en-US" dirty="0" err="1"/>
+              <a:t>Comandos</a:t>
+            </a:r>
+            <a:r>
+              <a:rPr lang="en-US" dirty="0"/>
+              <a:t> sempre no imperative</a:t>
+            </a:r>
+            <a:br>
+              <a:rPr lang="en-US" dirty="0"/>
+            </a:br>
+            <a:r>
+              <a:rPr lang="en-US" dirty="0" err="1"/>
+              <a:t>Linha</a:t>
+            </a:r>
+            <a:r>
+              <a:rPr lang="en-US" dirty="0"/>
+              <a:t> do tempo da </a:t>
+            </a:r>
+            <a:r>
+              <a:rPr lang="en-US" dirty="0" err="1"/>
+              <a:t>esquerda</a:t>
+            </a:r>
+            <a:r>
+              <a:rPr lang="en-US" dirty="0"/>
+              <a:t> para </a:t>
+            </a:r>
+            <a:r>
+              <a:rPr lang="en-US" dirty="0" err="1"/>
+              <a:t>direita</a:t>
+            </a:r>
+            <a:endParaRPr lang="en-US" dirty="0"/>
+          </a:p>
+          <a:p>
+            <a:endParaRPr lang="pt-BR" dirty="0"/>
+          </a:p>
+        </p:txBody>
+      </p:sp>
+      <p:sp>
+        <p:nvSpPr>
+          <p:cNvPr id="4" name="Espaço Reservado para Número de Slide 3"/>
+          <p:cNvSpPr>
+            <a:spLocks noGrp="1"/>
+          </p:cNvSpPr>
+          <p:nvPr>
+            <p:ph type="sldNum" sz="quarter" idx="5"/>
+          </p:nvPr>
+        </p:nvSpPr>
+        <p:spPr/>
+        <p:txBody>
+          <a:bodyPr/>
+          <a:lstStyle/>
+          <a:p>
+            <a:fld id="{1BFBF4EA-A19C-4108-A664-D5EED1568F94}" type="slidenum">
+              <a:rPr lang="pt-BR" smtClean="0"/>
+              <a:t>30</a:t>
+            </a:fld>
+            <a:endParaRPr lang="pt-BR"/>
+          </a:p>
+        </p:txBody>
+      </p:sp>
+    </p:spTree>
+    <p:extLst>
+      <p:ext uri="{BB962C8B-B14F-4D97-AF65-F5344CB8AC3E}">
+        <p14:creationId xmlns:p14="http://schemas.microsoft.com/office/powerpoint/2010/main" val="172433067"/>
+      </p:ext>
+    </p:extLst>
+  </p:cSld>
+  <p:clrMapOvr>
+    <a:masterClrMapping/>
+  </p:clrMapOvr>
+</p:notes>
+</file>
+
 <file path=ppt/notesSlides/notesSlide2.xml><?xml version="1.0" encoding="utf-8"?>
 <p:notes xmlns:a="http://schemas.openxmlformats.org/drawingml/2006/main" xmlns:r="http://schemas.openxmlformats.org/officeDocument/2006/relationships" xmlns:p="http://schemas.openxmlformats.org/presentationml/2006/main">
   <p:cSld>
@@ -5096,7 +5436,7 @@
           <a:p>
             <a:fld id="{358D75C1-F3B0-4D81-A190-EFDBB1D1AFEE}" type="datetimeFigureOut">
               <a:rPr lang="pt-BR" smtClean="0"/>
-              <a:t>23/08/2021</a:t>
+              <a:t>24/08/2021</a:t>
             </a:fld>
             <a:endParaRPr lang="pt-BR"/>
           </a:p>
@@ -5294,7 +5634,7 @@
           <a:p>
             <a:fld id="{358D75C1-F3B0-4D81-A190-EFDBB1D1AFEE}" type="datetimeFigureOut">
               <a:rPr lang="pt-BR" smtClean="0"/>
-              <a:t>23/08/2021</a:t>
+              <a:t>24/08/2021</a:t>
             </a:fld>
             <a:endParaRPr lang="pt-BR"/>
           </a:p>
@@ -5502,7 +5842,7 @@
           <a:p>
             <a:fld id="{358D75C1-F3B0-4D81-A190-EFDBB1D1AFEE}" type="datetimeFigureOut">
               <a:rPr lang="pt-BR" smtClean="0"/>
-              <a:t>23/08/2021</a:t>
+              <a:t>24/08/2021</a:t>
             </a:fld>
             <a:endParaRPr lang="pt-BR"/>
           </a:p>
@@ -5700,7 +6040,7 @@
           <a:p>
             <a:fld id="{358D75C1-F3B0-4D81-A190-EFDBB1D1AFEE}" type="datetimeFigureOut">
               <a:rPr lang="pt-BR" smtClean="0"/>
-              <a:t>23/08/2021</a:t>
+              <a:t>24/08/2021</a:t>
             </a:fld>
             <a:endParaRPr lang="pt-BR"/>
           </a:p>
@@ -5975,7 +6315,7 @@
           <a:p>
             <a:fld id="{358D75C1-F3B0-4D81-A190-EFDBB1D1AFEE}" type="datetimeFigureOut">
               <a:rPr lang="pt-BR" smtClean="0"/>
-              <a:t>23/08/2021</a:t>
+              <a:t>24/08/2021</a:t>
             </a:fld>
             <a:endParaRPr lang="pt-BR"/>
           </a:p>
@@ -6240,7 +6580,7 @@
           <a:p>
             <a:fld id="{358D75C1-F3B0-4D81-A190-EFDBB1D1AFEE}" type="datetimeFigureOut">
               <a:rPr lang="pt-BR" smtClean="0"/>
-              <a:t>23/08/2021</a:t>
+              <a:t>24/08/2021</a:t>
             </a:fld>
             <a:endParaRPr lang="pt-BR"/>
           </a:p>
@@ -6652,7 +6992,7 @@
           <a:p>
             <a:fld id="{358D75C1-F3B0-4D81-A190-EFDBB1D1AFEE}" type="datetimeFigureOut">
               <a:rPr lang="pt-BR" smtClean="0"/>
-              <a:t>23/08/2021</a:t>
+              <a:t>24/08/2021</a:t>
             </a:fld>
             <a:endParaRPr lang="pt-BR"/>
           </a:p>
@@ -6793,7 +7133,7 @@
           <a:p>
             <a:fld id="{358D75C1-F3B0-4D81-A190-EFDBB1D1AFEE}" type="datetimeFigureOut">
               <a:rPr lang="pt-BR" smtClean="0"/>
-              <a:t>23/08/2021</a:t>
+              <a:t>24/08/2021</a:t>
             </a:fld>
             <a:endParaRPr lang="pt-BR"/>
           </a:p>
@@ -6906,7 +7246,7 @@
           <a:p>
             <a:fld id="{358D75C1-F3B0-4D81-A190-EFDBB1D1AFEE}" type="datetimeFigureOut">
               <a:rPr lang="pt-BR" smtClean="0"/>
-              <a:t>23/08/2021</a:t>
+              <a:t>24/08/2021</a:t>
             </a:fld>
             <a:endParaRPr lang="pt-BR"/>
           </a:p>
@@ -7217,7 +7557,7 @@
           <a:p>
             <a:fld id="{358D75C1-F3B0-4D81-A190-EFDBB1D1AFEE}" type="datetimeFigureOut">
               <a:rPr lang="pt-BR" smtClean="0"/>
-              <a:t>23/08/2021</a:t>
+              <a:t>24/08/2021</a:t>
             </a:fld>
             <a:endParaRPr lang="pt-BR"/>
           </a:p>
@@ -7505,7 +7845,7 @@
           <a:p>
             <a:fld id="{358D75C1-F3B0-4D81-A190-EFDBB1D1AFEE}" type="datetimeFigureOut">
               <a:rPr lang="pt-BR" smtClean="0"/>
-              <a:t>23/08/2021</a:t>
+              <a:t>24/08/2021</a:t>
             </a:fld>
             <a:endParaRPr lang="pt-BR"/>
           </a:p>
@@ -7746,7 +8086,7 @@
           <a:p>
             <a:fld id="{358D75C1-F3B0-4D81-A190-EFDBB1D1AFEE}" type="datetimeFigureOut">
               <a:rPr lang="pt-BR" smtClean="0"/>
-              <a:t>23/08/2021</a:t>
+              <a:t>24/08/2021</a:t>
             </a:fld>
             <a:endParaRPr lang="pt-BR"/>
           </a:p>
@@ -21272,6 +21612,2206 @@
           <a:chExt cx="0" cy="0"/>
         </a:xfrm>
       </p:grpSpPr>
+      <p:sp>
+        <p:nvSpPr>
+          <p:cNvPr id="6" name="Retângulo 5">
+            <a:extLst>
+              <a:ext uri="{FF2B5EF4-FFF2-40B4-BE49-F238E27FC236}">
+                <a16:creationId xmlns:a16="http://schemas.microsoft.com/office/drawing/2014/main" id="{C2E0C31B-BC82-4147-BD1A-32C96BEF8FA3}"/>
+              </a:ext>
+            </a:extLst>
+          </p:cNvPr>
+          <p:cNvSpPr/>
+          <p:nvPr/>
+        </p:nvSpPr>
+        <p:spPr>
+          <a:xfrm>
+            <a:off x="1594338" y="2168769"/>
+            <a:ext cx="3927231" cy="4560277"/>
+          </a:xfrm>
+          <a:prstGeom prst="rect">
+            <a:avLst/>
+          </a:prstGeom>
+          <a:solidFill>
+            <a:srgbClr val="FCDB04"/>
+          </a:solidFill>
+          <a:ln>
+            <a:noFill/>
+          </a:ln>
+        </p:spPr>
+        <p:style>
+          <a:lnRef idx="2">
+            <a:schemeClr val="accent1">
+              <a:shade val="50000"/>
+            </a:schemeClr>
+          </a:lnRef>
+          <a:fillRef idx="1">
+            <a:schemeClr val="accent1"/>
+          </a:fillRef>
+          <a:effectRef idx="0">
+            <a:schemeClr val="accent1"/>
+          </a:effectRef>
+          <a:fontRef idx="minor">
+            <a:schemeClr val="lt1"/>
+          </a:fontRef>
+        </p:style>
+        <p:txBody>
+          <a:bodyPr rtlCol="0" anchor="ctr"/>
+          <a:lstStyle/>
+          <a:p>
+            <a:pPr algn="ctr"/>
+            <a:endParaRPr lang="pt-BR"/>
+          </a:p>
+        </p:txBody>
+      </p:sp>
+      <p:pic>
+        <p:nvPicPr>
+          <p:cNvPr id="7" name="Imagem 6">
+            <a:extLst>
+              <a:ext uri="{FF2B5EF4-FFF2-40B4-BE49-F238E27FC236}">
+                <a16:creationId xmlns:a16="http://schemas.microsoft.com/office/drawing/2014/main" id="{15EF5E79-A320-604B-B8D0-BB7CC7F3BD24}"/>
+              </a:ext>
+            </a:extLst>
+          </p:cNvPr>
+          <p:cNvPicPr>
+            <a:picLocks noChangeAspect="1"/>
+          </p:cNvPicPr>
+          <p:nvPr/>
+        </p:nvPicPr>
+        <p:blipFill>
+          <a:blip r:embed="rId3">
+            <a:extLst>
+              <a:ext uri="{28A0092B-C50C-407E-A947-70E740481C1C}">
+                <a14:useLocalDpi xmlns:a14="http://schemas.microsoft.com/office/drawing/2010/main" val="0"/>
+              </a:ext>
+            </a:extLst>
+          </a:blip>
+          <a:stretch>
+            <a:fillRect/>
+          </a:stretch>
+        </p:blipFill>
+        <p:spPr>
+          <a:xfrm>
+            <a:off x="-1" y="-1590"/>
+            <a:ext cx="12192001" cy="2021978"/>
+          </a:xfrm>
+          <a:prstGeom prst="rect">
+            <a:avLst/>
+          </a:prstGeom>
+        </p:spPr>
+      </p:pic>
+      <p:sp>
+        <p:nvSpPr>
+          <p:cNvPr id="13" name="Título 1">
+            <a:extLst>
+              <a:ext uri="{FF2B5EF4-FFF2-40B4-BE49-F238E27FC236}">
+                <a16:creationId xmlns:a16="http://schemas.microsoft.com/office/drawing/2014/main" id="{94E1A0D2-D048-46FE-90D3-722FBF740CC7}"/>
+              </a:ext>
+            </a:extLst>
+          </p:cNvPr>
+          <p:cNvSpPr>
+            <a:spLocks noGrp="1"/>
+          </p:cNvSpPr>
+          <p:nvPr>
+            <p:ph type="title"/>
+          </p:nvPr>
+        </p:nvSpPr>
+        <p:spPr>
+          <a:xfrm>
+            <a:off x="2159726" y="0"/>
+            <a:ext cx="9292046" cy="2021978"/>
+          </a:xfrm>
+        </p:spPr>
+        <p:txBody>
+          <a:bodyPr>
+            <a:normAutofit/>
+          </a:bodyPr>
+          <a:lstStyle/>
+          <a:p>
+            <a:r>
+              <a:rPr lang="pt-BR" dirty="0">
+                <a:solidFill>
+                  <a:schemeClr val="bg1"/>
+                </a:solidFill>
+                <a:latin typeface="Nunito" pitchFamily="2" charset="77"/>
+              </a:rPr>
+              <a:t>Mapeando agregados</a:t>
+            </a:r>
+          </a:p>
+        </p:txBody>
+      </p:sp>
+      <p:pic>
+        <p:nvPicPr>
+          <p:cNvPr id="14" name="Gráfico 13">
+            <a:extLst>
+              <a:ext uri="{FF2B5EF4-FFF2-40B4-BE49-F238E27FC236}">
+                <a16:creationId xmlns:a16="http://schemas.microsoft.com/office/drawing/2014/main" id="{2B5477E9-00BA-4494-BA1B-5466AC45994D}"/>
+              </a:ext>
+            </a:extLst>
+          </p:cNvPr>
+          <p:cNvPicPr>
+            <a:picLocks noChangeAspect="1"/>
+          </p:cNvPicPr>
+          <p:nvPr/>
+        </p:nvPicPr>
+        <p:blipFill>
+          <a:blip r:embed="rId4">
+            <a:extLst>
+              <a:ext uri="{96DAC541-7B7A-43D3-8B79-37D633B846F1}">
+                <asvg:svgBlip xmlns:asvg="http://schemas.microsoft.com/office/drawing/2016/SVG/main" r:embed="rId5"/>
+              </a:ext>
+            </a:extLst>
+          </a:blip>
+          <a:stretch>
+            <a:fillRect/>
+          </a:stretch>
+        </p:blipFill>
+        <p:spPr>
+          <a:xfrm>
+            <a:off x="1097280" y="636835"/>
+            <a:ext cx="610307" cy="705667"/>
+          </a:xfrm>
+          <a:prstGeom prst="rect">
+            <a:avLst/>
+          </a:prstGeom>
+        </p:spPr>
+      </p:pic>
+      <p:sp>
+        <p:nvSpPr>
+          <p:cNvPr id="17" name="Retângulo 16">
+            <a:extLst>
+              <a:ext uri="{FF2B5EF4-FFF2-40B4-BE49-F238E27FC236}">
+                <a16:creationId xmlns:a16="http://schemas.microsoft.com/office/drawing/2014/main" id="{77D89DD0-69CC-4ABE-9C9C-CD6AF5D0019C}"/>
+              </a:ext>
+            </a:extLst>
+          </p:cNvPr>
+          <p:cNvSpPr/>
+          <p:nvPr/>
+        </p:nvSpPr>
+        <p:spPr>
+          <a:xfrm>
+            <a:off x="1185205" y="3676917"/>
+            <a:ext cx="1513268" cy="985234"/>
+          </a:xfrm>
+          <a:prstGeom prst="rect">
+            <a:avLst/>
+          </a:prstGeom>
+          <a:solidFill>
+            <a:srgbClr val="00B0F0"/>
+          </a:solidFill>
+          <a:ln>
+            <a:noFill/>
+          </a:ln>
+        </p:spPr>
+        <p:style>
+          <a:lnRef idx="2">
+            <a:schemeClr val="accent1">
+              <a:shade val="50000"/>
+            </a:schemeClr>
+          </a:lnRef>
+          <a:fillRef idx="1">
+            <a:schemeClr val="accent1"/>
+          </a:fillRef>
+          <a:effectRef idx="0">
+            <a:schemeClr val="accent1"/>
+          </a:effectRef>
+          <a:fontRef idx="minor">
+            <a:schemeClr val="lt1"/>
+          </a:fontRef>
+        </p:style>
+        <p:txBody>
+          <a:bodyPr rtlCol="0" anchor="ctr"/>
+          <a:lstStyle/>
+          <a:p>
+            <a:pPr algn="ctr"/>
+            <a:r>
+              <a:rPr lang="en-US" sz="1400" dirty="0" err="1">
+                <a:latin typeface="Nunito" pitchFamily="2" charset="0"/>
+              </a:rPr>
+              <a:t>Adicionar</a:t>
+            </a:r>
+            <a:r>
+              <a:rPr lang="en-US" sz="1400" dirty="0">
+                <a:latin typeface="Nunito" pitchFamily="2" charset="0"/>
+              </a:rPr>
+              <a:t> um </a:t>
+            </a:r>
+            <a:r>
+              <a:rPr lang="en-US" sz="1400" dirty="0" err="1">
+                <a:latin typeface="Nunito" pitchFamily="2" charset="0"/>
+              </a:rPr>
+              <a:t>endereço</a:t>
+            </a:r>
+            <a:endParaRPr lang="pt-BR" sz="1400" dirty="0">
+              <a:latin typeface="Nunito" pitchFamily="2" charset="0"/>
+            </a:endParaRPr>
+          </a:p>
+        </p:txBody>
+      </p:sp>
+      <p:sp>
+        <p:nvSpPr>
+          <p:cNvPr id="24" name="Retângulo 23">
+            <a:extLst>
+              <a:ext uri="{FF2B5EF4-FFF2-40B4-BE49-F238E27FC236}">
+                <a16:creationId xmlns:a16="http://schemas.microsoft.com/office/drawing/2014/main" id="{BE697AAF-2EFA-4BC3-8BE1-A6D709A1A3CC}"/>
+              </a:ext>
+            </a:extLst>
+          </p:cNvPr>
+          <p:cNvSpPr/>
+          <p:nvPr/>
+        </p:nvSpPr>
+        <p:spPr>
+          <a:xfrm>
+            <a:off x="4448293" y="2443766"/>
+            <a:ext cx="1513268" cy="985234"/>
+          </a:xfrm>
+          <a:prstGeom prst="rect">
+            <a:avLst/>
+          </a:prstGeom>
+          <a:solidFill>
+            <a:srgbClr val="5133B7"/>
+          </a:solidFill>
+          <a:ln>
+            <a:noFill/>
+          </a:ln>
+        </p:spPr>
+        <p:style>
+          <a:lnRef idx="2">
+            <a:schemeClr val="accent1">
+              <a:shade val="50000"/>
+            </a:schemeClr>
+          </a:lnRef>
+          <a:fillRef idx="1">
+            <a:schemeClr val="accent1"/>
+          </a:fillRef>
+          <a:effectRef idx="0">
+            <a:schemeClr val="accent1"/>
+          </a:effectRef>
+          <a:fontRef idx="minor">
+            <a:schemeClr val="lt1"/>
+          </a:fontRef>
+        </p:style>
+        <p:txBody>
+          <a:bodyPr rtlCol="0" anchor="ctr"/>
+          <a:lstStyle/>
+          <a:p>
+            <a:pPr algn="ctr"/>
+            <a:r>
+              <a:rPr lang="en-US" sz="1400" dirty="0" err="1">
+                <a:latin typeface="Nunito" pitchFamily="2" charset="0"/>
+              </a:rPr>
+              <a:t>Endereço</a:t>
+            </a:r>
+            <a:r>
+              <a:rPr lang="en-US" sz="1400" dirty="0">
+                <a:latin typeface="Nunito" pitchFamily="2" charset="0"/>
+              </a:rPr>
+              <a:t> </a:t>
+            </a:r>
+            <a:r>
+              <a:rPr lang="en-US" sz="1400" dirty="0" err="1">
+                <a:latin typeface="Nunito" pitchFamily="2" charset="0"/>
+              </a:rPr>
+              <a:t>enviado</a:t>
+            </a:r>
+            <a:endParaRPr lang="pt-BR" sz="1400" dirty="0">
+              <a:latin typeface="Nunito" pitchFamily="2" charset="0"/>
+            </a:endParaRPr>
+          </a:p>
+        </p:txBody>
+      </p:sp>
+      <p:sp>
+        <p:nvSpPr>
+          <p:cNvPr id="25" name="Retângulo 24">
+            <a:extLst>
+              <a:ext uri="{FF2B5EF4-FFF2-40B4-BE49-F238E27FC236}">
+                <a16:creationId xmlns:a16="http://schemas.microsoft.com/office/drawing/2014/main" id="{37689046-3B8E-4AB0-949F-BD74B9A852DB}"/>
+              </a:ext>
+            </a:extLst>
+          </p:cNvPr>
+          <p:cNvSpPr/>
+          <p:nvPr/>
+        </p:nvSpPr>
+        <p:spPr>
+          <a:xfrm>
+            <a:off x="4448293" y="3921617"/>
+            <a:ext cx="1513268" cy="985234"/>
+          </a:xfrm>
+          <a:prstGeom prst="rect">
+            <a:avLst/>
+          </a:prstGeom>
+          <a:solidFill>
+            <a:srgbClr val="5133B7"/>
+          </a:solidFill>
+          <a:ln>
+            <a:noFill/>
+          </a:ln>
+        </p:spPr>
+        <p:style>
+          <a:lnRef idx="2">
+            <a:schemeClr val="accent1">
+              <a:shade val="50000"/>
+            </a:schemeClr>
+          </a:lnRef>
+          <a:fillRef idx="1">
+            <a:schemeClr val="accent1"/>
+          </a:fillRef>
+          <a:effectRef idx="0">
+            <a:schemeClr val="accent1"/>
+          </a:effectRef>
+          <a:fontRef idx="minor">
+            <a:schemeClr val="lt1"/>
+          </a:fontRef>
+        </p:style>
+        <p:txBody>
+          <a:bodyPr rtlCol="0" anchor="ctr"/>
+          <a:lstStyle/>
+          <a:p>
+            <a:pPr algn="ctr"/>
+            <a:r>
+              <a:rPr lang="en-US" sz="1400" dirty="0" err="1">
+                <a:latin typeface="Nunito" pitchFamily="2" charset="0"/>
+              </a:rPr>
+              <a:t>Endereço</a:t>
+            </a:r>
+            <a:r>
+              <a:rPr lang="en-US" sz="1400" dirty="0">
+                <a:latin typeface="Nunito" pitchFamily="2" charset="0"/>
+              </a:rPr>
+              <a:t> </a:t>
+            </a:r>
+            <a:r>
+              <a:rPr lang="en-US" sz="1400" dirty="0" err="1">
+                <a:latin typeface="Nunito" pitchFamily="2" charset="0"/>
+              </a:rPr>
+              <a:t>validado</a:t>
+            </a:r>
+            <a:endParaRPr lang="pt-BR" sz="1400" dirty="0">
+              <a:latin typeface="Nunito" pitchFamily="2" charset="0"/>
+            </a:endParaRPr>
+          </a:p>
+        </p:txBody>
+      </p:sp>
+      <p:sp>
+        <p:nvSpPr>
+          <p:cNvPr id="26" name="Retângulo 25">
+            <a:extLst>
+              <a:ext uri="{FF2B5EF4-FFF2-40B4-BE49-F238E27FC236}">
+                <a16:creationId xmlns:a16="http://schemas.microsoft.com/office/drawing/2014/main" id="{7A3C1F6E-724D-484A-B368-FDD1F5C6CF50}"/>
+              </a:ext>
+            </a:extLst>
+          </p:cNvPr>
+          <p:cNvSpPr/>
+          <p:nvPr/>
+        </p:nvSpPr>
+        <p:spPr>
+          <a:xfrm>
+            <a:off x="4448293" y="5399468"/>
+            <a:ext cx="1513268" cy="985234"/>
+          </a:xfrm>
+          <a:prstGeom prst="rect">
+            <a:avLst/>
+          </a:prstGeom>
+          <a:solidFill>
+            <a:srgbClr val="5133B7"/>
+          </a:solidFill>
+          <a:ln>
+            <a:noFill/>
+          </a:ln>
+        </p:spPr>
+        <p:style>
+          <a:lnRef idx="2">
+            <a:schemeClr val="accent1">
+              <a:shade val="50000"/>
+            </a:schemeClr>
+          </a:lnRef>
+          <a:fillRef idx="1">
+            <a:schemeClr val="accent1"/>
+          </a:fillRef>
+          <a:effectRef idx="0">
+            <a:schemeClr val="accent1"/>
+          </a:effectRef>
+          <a:fontRef idx="minor">
+            <a:schemeClr val="lt1"/>
+          </a:fontRef>
+        </p:style>
+        <p:txBody>
+          <a:bodyPr rtlCol="0" anchor="ctr"/>
+          <a:lstStyle/>
+          <a:p>
+            <a:pPr algn="ctr"/>
+            <a:r>
+              <a:rPr lang="en-US" sz="1400" dirty="0" err="1">
+                <a:latin typeface="Nunito" pitchFamily="2" charset="0"/>
+              </a:rPr>
+              <a:t>Endereço</a:t>
+            </a:r>
+            <a:r>
+              <a:rPr lang="en-US" sz="1400" dirty="0">
+                <a:latin typeface="Nunito" pitchFamily="2" charset="0"/>
+              </a:rPr>
+              <a:t> </a:t>
+            </a:r>
+            <a:r>
+              <a:rPr lang="en-US" sz="1400" dirty="0" err="1">
+                <a:latin typeface="Nunito" pitchFamily="2" charset="0"/>
+              </a:rPr>
+              <a:t>rejeitado</a:t>
+            </a:r>
+            <a:endParaRPr lang="pt-BR" sz="1400" dirty="0">
+              <a:latin typeface="Nunito" pitchFamily="2" charset="0"/>
+            </a:endParaRPr>
+          </a:p>
+        </p:txBody>
+      </p:sp>
+      <p:sp>
+        <p:nvSpPr>
+          <p:cNvPr id="8" name="CaixaDeTexto 7">
+            <a:extLst>
+              <a:ext uri="{FF2B5EF4-FFF2-40B4-BE49-F238E27FC236}">
+                <a16:creationId xmlns:a16="http://schemas.microsoft.com/office/drawing/2014/main" id="{D21A00ED-7845-4720-B248-7AFECE3BF392}"/>
+              </a:ext>
+            </a:extLst>
+          </p:cNvPr>
+          <p:cNvSpPr txBox="1"/>
+          <p:nvPr/>
+        </p:nvSpPr>
+        <p:spPr>
+          <a:xfrm>
+            <a:off x="1594338" y="2178997"/>
+            <a:ext cx="1786066" cy="523220"/>
+          </a:xfrm>
+          <a:prstGeom prst="rect">
+            <a:avLst/>
+          </a:prstGeom>
+          <a:noFill/>
+        </p:spPr>
+        <p:txBody>
+          <a:bodyPr wrap="none" rtlCol="0">
+            <a:spAutoFit/>
+          </a:bodyPr>
+          <a:lstStyle/>
+          <a:p>
+            <a:r>
+              <a:rPr lang="en-US" sz="2800" dirty="0" err="1">
+                <a:latin typeface="Nunito" pitchFamily="2" charset="0"/>
+              </a:rPr>
+              <a:t>Agregado</a:t>
+            </a:r>
+            <a:endParaRPr lang="pt-BR" sz="2800" dirty="0">
+              <a:latin typeface="Nunito" pitchFamily="2" charset="0"/>
+            </a:endParaRPr>
+          </a:p>
+        </p:txBody>
+      </p:sp>
+      <p:sp>
+        <p:nvSpPr>
+          <p:cNvPr id="27" name="Retângulo 26">
+            <a:extLst>
+              <a:ext uri="{FF2B5EF4-FFF2-40B4-BE49-F238E27FC236}">
+                <a16:creationId xmlns:a16="http://schemas.microsoft.com/office/drawing/2014/main" id="{E1A210B9-8EC8-458B-B18D-686E913370AE}"/>
+              </a:ext>
+            </a:extLst>
+          </p:cNvPr>
+          <p:cNvSpPr/>
+          <p:nvPr/>
+        </p:nvSpPr>
+        <p:spPr>
+          <a:xfrm>
+            <a:off x="7524541" y="2168769"/>
+            <a:ext cx="3927231" cy="4560277"/>
+          </a:xfrm>
+          <a:prstGeom prst="rect">
+            <a:avLst/>
+          </a:prstGeom>
+          <a:solidFill>
+            <a:srgbClr val="FCDB04"/>
+          </a:solidFill>
+          <a:ln>
+            <a:noFill/>
+          </a:ln>
+        </p:spPr>
+        <p:style>
+          <a:lnRef idx="2">
+            <a:schemeClr val="accent1">
+              <a:shade val="50000"/>
+            </a:schemeClr>
+          </a:lnRef>
+          <a:fillRef idx="1">
+            <a:schemeClr val="accent1"/>
+          </a:fillRef>
+          <a:effectRef idx="0">
+            <a:schemeClr val="accent1"/>
+          </a:effectRef>
+          <a:fontRef idx="minor">
+            <a:schemeClr val="lt1"/>
+          </a:fontRef>
+        </p:style>
+        <p:txBody>
+          <a:bodyPr rtlCol="0" anchor="ctr"/>
+          <a:lstStyle/>
+          <a:p>
+            <a:pPr algn="ctr"/>
+            <a:endParaRPr lang="pt-BR"/>
+          </a:p>
+        </p:txBody>
+      </p:sp>
+      <p:sp>
+        <p:nvSpPr>
+          <p:cNvPr id="28" name="Retângulo 27">
+            <a:extLst>
+              <a:ext uri="{FF2B5EF4-FFF2-40B4-BE49-F238E27FC236}">
+                <a16:creationId xmlns:a16="http://schemas.microsoft.com/office/drawing/2014/main" id="{E0FACFEC-677A-4668-A64B-5A3AC5A7E3B5}"/>
+              </a:ext>
+            </a:extLst>
+          </p:cNvPr>
+          <p:cNvSpPr/>
+          <p:nvPr/>
+        </p:nvSpPr>
+        <p:spPr>
+          <a:xfrm>
+            <a:off x="7115408" y="3676917"/>
+            <a:ext cx="1513268" cy="985234"/>
+          </a:xfrm>
+          <a:prstGeom prst="rect">
+            <a:avLst/>
+          </a:prstGeom>
+          <a:solidFill>
+            <a:srgbClr val="00B0F0"/>
+          </a:solidFill>
+          <a:ln>
+            <a:noFill/>
+          </a:ln>
+        </p:spPr>
+        <p:style>
+          <a:lnRef idx="2">
+            <a:schemeClr val="accent1">
+              <a:shade val="50000"/>
+            </a:schemeClr>
+          </a:lnRef>
+          <a:fillRef idx="1">
+            <a:schemeClr val="accent1"/>
+          </a:fillRef>
+          <a:effectRef idx="0">
+            <a:schemeClr val="accent1"/>
+          </a:effectRef>
+          <a:fontRef idx="minor">
+            <a:schemeClr val="lt1"/>
+          </a:fontRef>
+        </p:style>
+        <p:txBody>
+          <a:bodyPr rtlCol="0" anchor="ctr"/>
+          <a:lstStyle/>
+          <a:p>
+            <a:pPr algn="ctr"/>
+            <a:r>
+              <a:rPr lang="en-US" sz="1400" dirty="0" err="1">
+                <a:latin typeface="Nunito" pitchFamily="2" charset="0"/>
+              </a:rPr>
+              <a:t>Adicionar</a:t>
+            </a:r>
+            <a:r>
+              <a:rPr lang="en-US" sz="1400" dirty="0">
+                <a:latin typeface="Nunito" pitchFamily="2" charset="0"/>
+              </a:rPr>
+              <a:t> item </a:t>
+            </a:r>
+            <a:r>
+              <a:rPr lang="en-US" sz="1400" dirty="0" err="1">
+                <a:latin typeface="Nunito" pitchFamily="2" charset="0"/>
+              </a:rPr>
+              <a:t>ao</a:t>
+            </a:r>
+            <a:r>
+              <a:rPr lang="en-US" sz="1400" dirty="0">
+                <a:latin typeface="Nunito" pitchFamily="2" charset="0"/>
+              </a:rPr>
+              <a:t> </a:t>
+            </a:r>
+            <a:r>
+              <a:rPr lang="en-US" sz="1400" dirty="0" err="1">
+                <a:latin typeface="Nunito" pitchFamily="2" charset="0"/>
+              </a:rPr>
+              <a:t>carrinho</a:t>
+            </a:r>
+            <a:endParaRPr lang="pt-BR" sz="1400" dirty="0">
+              <a:latin typeface="Nunito" pitchFamily="2" charset="0"/>
+            </a:endParaRPr>
+          </a:p>
+        </p:txBody>
+      </p:sp>
+      <p:sp>
+        <p:nvSpPr>
+          <p:cNvPr id="29" name="Retângulo 28">
+            <a:extLst>
+              <a:ext uri="{FF2B5EF4-FFF2-40B4-BE49-F238E27FC236}">
+                <a16:creationId xmlns:a16="http://schemas.microsoft.com/office/drawing/2014/main" id="{B6EF2131-93BF-4C0B-834F-B348A18D1B6B}"/>
+              </a:ext>
+            </a:extLst>
+          </p:cNvPr>
+          <p:cNvSpPr/>
+          <p:nvPr/>
+        </p:nvSpPr>
+        <p:spPr>
+          <a:xfrm>
+            <a:off x="10378496" y="2443766"/>
+            <a:ext cx="1513268" cy="985234"/>
+          </a:xfrm>
+          <a:prstGeom prst="rect">
+            <a:avLst/>
+          </a:prstGeom>
+          <a:solidFill>
+            <a:srgbClr val="5133B7"/>
+          </a:solidFill>
+          <a:ln>
+            <a:noFill/>
+          </a:ln>
+        </p:spPr>
+        <p:style>
+          <a:lnRef idx="2">
+            <a:schemeClr val="accent1">
+              <a:shade val="50000"/>
+            </a:schemeClr>
+          </a:lnRef>
+          <a:fillRef idx="1">
+            <a:schemeClr val="accent1"/>
+          </a:fillRef>
+          <a:effectRef idx="0">
+            <a:schemeClr val="accent1"/>
+          </a:effectRef>
+          <a:fontRef idx="minor">
+            <a:schemeClr val="lt1"/>
+          </a:fontRef>
+        </p:style>
+        <p:txBody>
+          <a:bodyPr rtlCol="0" anchor="ctr"/>
+          <a:lstStyle/>
+          <a:p>
+            <a:pPr algn="ctr"/>
+            <a:r>
+              <a:rPr lang="en-US" sz="1400" dirty="0" err="1">
+                <a:latin typeface="Nunito" pitchFamily="2" charset="0"/>
+              </a:rPr>
+              <a:t>Carrinho</a:t>
+            </a:r>
+            <a:r>
+              <a:rPr lang="en-US" sz="1400" dirty="0">
+                <a:latin typeface="Nunito" pitchFamily="2" charset="0"/>
+              </a:rPr>
+              <a:t> </a:t>
+            </a:r>
+            <a:r>
+              <a:rPr lang="en-US" sz="1400" dirty="0" err="1">
+                <a:latin typeface="Nunito" pitchFamily="2" charset="0"/>
+              </a:rPr>
+              <a:t>Atualizado</a:t>
+            </a:r>
+            <a:endParaRPr lang="pt-BR" sz="1400" dirty="0">
+              <a:latin typeface="Nunito" pitchFamily="2" charset="0"/>
+            </a:endParaRPr>
+          </a:p>
+        </p:txBody>
+      </p:sp>
+      <p:sp>
+        <p:nvSpPr>
+          <p:cNvPr id="30" name="Retângulo 29">
+            <a:extLst>
+              <a:ext uri="{FF2B5EF4-FFF2-40B4-BE49-F238E27FC236}">
+                <a16:creationId xmlns:a16="http://schemas.microsoft.com/office/drawing/2014/main" id="{E8CB615A-97EC-485C-908B-BAF78AC27D0F}"/>
+              </a:ext>
+            </a:extLst>
+          </p:cNvPr>
+          <p:cNvSpPr/>
+          <p:nvPr/>
+        </p:nvSpPr>
+        <p:spPr>
+          <a:xfrm>
+            <a:off x="10378496" y="3921617"/>
+            <a:ext cx="1513268" cy="985234"/>
+          </a:xfrm>
+          <a:prstGeom prst="rect">
+            <a:avLst/>
+          </a:prstGeom>
+          <a:solidFill>
+            <a:srgbClr val="5133B7"/>
+          </a:solidFill>
+          <a:ln>
+            <a:noFill/>
+          </a:ln>
+        </p:spPr>
+        <p:style>
+          <a:lnRef idx="2">
+            <a:schemeClr val="accent1">
+              <a:shade val="50000"/>
+            </a:schemeClr>
+          </a:lnRef>
+          <a:fillRef idx="1">
+            <a:schemeClr val="accent1"/>
+          </a:fillRef>
+          <a:effectRef idx="0">
+            <a:schemeClr val="accent1"/>
+          </a:effectRef>
+          <a:fontRef idx="minor">
+            <a:schemeClr val="lt1"/>
+          </a:fontRef>
+        </p:style>
+        <p:txBody>
+          <a:bodyPr rtlCol="0" anchor="ctr"/>
+          <a:lstStyle/>
+          <a:p>
+            <a:pPr algn="ctr"/>
+            <a:r>
+              <a:rPr lang="en-US" sz="1400" dirty="0">
+                <a:latin typeface="Nunito" pitchFamily="2" charset="0"/>
+              </a:rPr>
+              <a:t>Item fora de estoque</a:t>
+            </a:r>
+            <a:endParaRPr lang="pt-BR" sz="1400" dirty="0">
+              <a:latin typeface="Nunito" pitchFamily="2" charset="0"/>
+            </a:endParaRPr>
+          </a:p>
+        </p:txBody>
+      </p:sp>
+      <p:sp>
+        <p:nvSpPr>
+          <p:cNvPr id="31" name="Retângulo 30">
+            <a:extLst>
+              <a:ext uri="{FF2B5EF4-FFF2-40B4-BE49-F238E27FC236}">
+                <a16:creationId xmlns:a16="http://schemas.microsoft.com/office/drawing/2014/main" id="{6124FF55-79B5-49EA-9841-9C23C80B6605}"/>
+              </a:ext>
+            </a:extLst>
+          </p:cNvPr>
+          <p:cNvSpPr/>
+          <p:nvPr/>
+        </p:nvSpPr>
+        <p:spPr>
+          <a:xfrm>
+            <a:off x="10378496" y="5399468"/>
+            <a:ext cx="1513268" cy="985234"/>
+          </a:xfrm>
+          <a:prstGeom prst="rect">
+            <a:avLst/>
+          </a:prstGeom>
+          <a:solidFill>
+            <a:srgbClr val="5133B7"/>
+          </a:solidFill>
+          <a:ln>
+            <a:noFill/>
+          </a:ln>
+        </p:spPr>
+        <p:style>
+          <a:lnRef idx="2">
+            <a:schemeClr val="accent1">
+              <a:shade val="50000"/>
+            </a:schemeClr>
+          </a:lnRef>
+          <a:fillRef idx="1">
+            <a:schemeClr val="accent1"/>
+          </a:fillRef>
+          <a:effectRef idx="0">
+            <a:schemeClr val="accent1"/>
+          </a:effectRef>
+          <a:fontRef idx="minor">
+            <a:schemeClr val="lt1"/>
+          </a:fontRef>
+        </p:style>
+        <p:txBody>
+          <a:bodyPr rtlCol="0" anchor="ctr"/>
+          <a:lstStyle/>
+          <a:p>
+            <a:pPr algn="ctr"/>
+            <a:r>
+              <a:rPr lang="en-US" sz="1400" dirty="0" err="1">
+                <a:latin typeface="Nunito" pitchFamily="2" charset="0"/>
+              </a:rPr>
+              <a:t>Notificação</a:t>
+            </a:r>
+            <a:r>
+              <a:rPr lang="en-US" sz="1400" dirty="0">
+                <a:latin typeface="Nunito" pitchFamily="2" charset="0"/>
+              </a:rPr>
+              <a:t> </a:t>
+            </a:r>
+            <a:r>
+              <a:rPr lang="en-US" sz="1400" dirty="0" err="1">
+                <a:latin typeface="Nunito" pitchFamily="2" charset="0"/>
+              </a:rPr>
+              <a:t>enviada</a:t>
+            </a:r>
+            <a:endParaRPr lang="pt-BR" sz="1400" dirty="0">
+              <a:latin typeface="Nunito" pitchFamily="2" charset="0"/>
+            </a:endParaRPr>
+          </a:p>
+        </p:txBody>
+      </p:sp>
+      <p:sp>
+        <p:nvSpPr>
+          <p:cNvPr id="32" name="CaixaDeTexto 31">
+            <a:extLst>
+              <a:ext uri="{FF2B5EF4-FFF2-40B4-BE49-F238E27FC236}">
+                <a16:creationId xmlns:a16="http://schemas.microsoft.com/office/drawing/2014/main" id="{F0660A24-BD64-473D-817B-F43A928F8385}"/>
+              </a:ext>
+            </a:extLst>
+          </p:cNvPr>
+          <p:cNvSpPr txBox="1"/>
+          <p:nvPr/>
+        </p:nvSpPr>
+        <p:spPr>
+          <a:xfrm>
+            <a:off x="7590944" y="2178997"/>
+            <a:ext cx="1786066" cy="523220"/>
+          </a:xfrm>
+          <a:prstGeom prst="rect">
+            <a:avLst/>
+          </a:prstGeom>
+          <a:noFill/>
+        </p:spPr>
+        <p:txBody>
+          <a:bodyPr wrap="none" rtlCol="0">
+            <a:spAutoFit/>
+          </a:bodyPr>
+          <a:lstStyle/>
+          <a:p>
+            <a:r>
+              <a:rPr lang="en-US" sz="2800" dirty="0" err="1">
+                <a:latin typeface="Nunito" pitchFamily="2" charset="0"/>
+              </a:rPr>
+              <a:t>Agregado</a:t>
+            </a:r>
+            <a:endParaRPr lang="pt-BR" sz="2800" dirty="0">
+              <a:latin typeface="Nunito" pitchFamily="2" charset="0"/>
+            </a:endParaRPr>
+          </a:p>
+        </p:txBody>
+      </p:sp>
+    </p:spTree>
+    <p:extLst>
+      <p:ext uri="{BB962C8B-B14F-4D97-AF65-F5344CB8AC3E}">
+        <p14:creationId xmlns:p14="http://schemas.microsoft.com/office/powerpoint/2010/main" val="610743990"/>
+      </p:ext>
+    </p:extLst>
+  </p:cSld>
+  <p:clrMapOvr>
+    <a:masterClrMapping/>
+  </p:clrMapOvr>
+  <mc:AlternateContent xmlns:mc="http://schemas.openxmlformats.org/markup-compatibility/2006" xmlns:p159="http://schemas.microsoft.com/office/powerpoint/2015/09/main">
+    <mc:Choice Requires="p159">
+      <p:transition xmlns:p14="http://schemas.microsoft.com/office/powerpoint/2010/main" spd="slow" p14:dur="2000">
+        <p159:morph option="byObject"/>
+      </p:transition>
+    </mc:Choice>
+    <mc:Fallback xmlns="">
+      <p:transition spd="slow">
+        <p:fade/>
+      </p:transition>
+    </mc:Fallback>
+  </mc:AlternateContent>
+  <p:timing>
+    <p:tnLst>
+      <p:par>
+        <p:cTn id="1" dur="indefinite" restart="never" nodeType="tmRoot">
+          <p:childTnLst>
+            <p:seq concurrent="1" nextAc="seek">
+              <p:cTn id="2" dur="indefinite" nodeType="mainSeq">
+                <p:childTnLst>
+                  <p:par>
+                    <p:cTn id="3" fill="hold">
+                      <p:stCondLst>
+                        <p:cond delay="indefinite"/>
+                      </p:stCondLst>
+                      <p:childTnLst>
+                        <p:par>
+                          <p:cTn id="4" fill="hold">
+                            <p:stCondLst>
+                              <p:cond delay="0"/>
+                            </p:stCondLst>
+                            <p:childTnLst>
+                              <p:par>
+                                <p:cTn id="5" presetID="10" presetClass="entr" presetSubtype="0" fill="hold" grpId="0" nodeType="clickEffect">
+                                  <p:stCondLst>
+                                    <p:cond delay="0"/>
+                                  </p:stCondLst>
+                                  <p:childTnLst>
+                                    <p:set>
+                                      <p:cBhvr>
+                                        <p:cTn id="6" dur="1" fill="hold">
+                                          <p:stCondLst>
+                                            <p:cond delay="0"/>
+                                          </p:stCondLst>
+                                        </p:cTn>
+                                        <p:tgtEl>
+                                          <p:spTgt spid="17"/>
+                                        </p:tgtEl>
+                                        <p:attrNameLst>
+                                          <p:attrName>style.visibility</p:attrName>
+                                        </p:attrNameLst>
+                                      </p:cBhvr>
+                                      <p:to>
+                                        <p:strVal val="visible"/>
+                                      </p:to>
+                                    </p:set>
+                                    <p:animEffect transition="in" filter="fade">
+                                      <p:cBhvr>
+                                        <p:cTn id="7" dur="500"/>
+                                        <p:tgtEl>
+                                          <p:spTgt spid="17"/>
+                                        </p:tgtEl>
+                                      </p:cBhvr>
+                                    </p:animEffect>
+                                  </p:childTnLst>
+                                </p:cTn>
+                              </p:par>
+                            </p:childTnLst>
+                          </p:cTn>
+                        </p:par>
+                      </p:childTnLst>
+                    </p:cTn>
+                  </p:par>
+                  <p:par>
+                    <p:cTn id="8" fill="hold">
+                      <p:stCondLst>
+                        <p:cond delay="indefinite"/>
+                      </p:stCondLst>
+                      <p:childTnLst>
+                        <p:par>
+                          <p:cTn id="9" fill="hold">
+                            <p:stCondLst>
+                              <p:cond delay="0"/>
+                            </p:stCondLst>
+                            <p:childTnLst>
+                              <p:par>
+                                <p:cTn id="10" presetID="10" presetClass="entr" presetSubtype="0" fill="hold" grpId="0" nodeType="clickEffect">
+                                  <p:stCondLst>
+                                    <p:cond delay="0"/>
+                                  </p:stCondLst>
+                                  <p:childTnLst>
+                                    <p:set>
+                                      <p:cBhvr>
+                                        <p:cTn id="11" dur="1" fill="hold">
+                                          <p:stCondLst>
+                                            <p:cond delay="0"/>
+                                          </p:stCondLst>
+                                        </p:cTn>
+                                        <p:tgtEl>
+                                          <p:spTgt spid="24"/>
+                                        </p:tgtEl>
+                                        <p:attrNameLst>
+                                          <p:attrName>style.visibility</p:attrName>
+                                        </p:attrNameLst>
+                                      </p:cBhvr>
+                                      <p:to>
+                                        <p:strVal val="visible"/>
+                                      </p:to>
+                                    </p:set>
+                                    <p:animEffect transition="in" filter="fade">
+                                      <p:cBhvr>
+                                        <p:cTn id="12" dur="500"/>
+                                        <p:tgtEl>
+                                          <p:spTgt spid="24"/>
+                                        </p:tgtEl>
+                                      </p:cBhvr>
+                                    </p:animEffect>
+                                  </p:childTnLst>
+                                </p:cTn>
+                              </p:par>
+                            </p:childTnLst>
+                          </p:cTn>
+                        </p:par>
+                      </p:childTnLst>
+                    </p:cTn>
+                  </p:par>
+                  <p:par>
+                    <p:cTn id="13" fill="hold">
+                      <p:stCondLst>
+                        <p:cond delay="indefinite"/>
+                      </p:stCondLst>
+                      <p:childTnLst>
+                        <p:par>
+                          <p:cTn id="14" fill="hold">
+                            <p:stCondLst>
+                              <p:cond delay="0"/>
+                            </p:stCondLst>
+                            <p:childTnLst>
+                              <p:par>
+                                <p:cTn id="15" presetID="10" presetClass="entr" presetSubtype="0" fill="hold" grpId="0" nodeType="clickEffect">
+                                  <p:stCondLst>
+                                    <p:cond delay="0"/>
+                                  </p:stCondLst>
+                                  <p:childTnLst>
+                                    <p:set>
+                                      <p:cBhvr>
+                                        <p:cTn id="16" dur="1" fill="hold">
+                                          <p:stCondLst>
+                                            <p:cond delay="0"/>
+                                          </p:stCondLst>
+                                        </p:cTn>
+                                        <p:tgtEl>
+                                          <p:spTgt spid="25"/>
+                                        </p:tgtEl>
+                                        <p:attrNameLst>
+                                          <p:attrName>style.visibility</p:attrName>
+                                        </p:attrNameLst>
+                                      </p:cBhvr>
+                                      <p:to>
+                                        <p:strVal val="visible"/>
+                                      </p:to>
+                                    </p:set>
+                                    <p:animEffect transition="in" filter="fade">
+                                      <p:cBhvr>
+                                        <p:cTn id="17" dur="500"/>
+                                        <p:tgtEl>
+                                          <p:spTgt spid="25"/>
+                                        </p:tgtEl>
+                                      </p:cBhvr>
+                                    </p:animEffect>
+                                  </p:childTnLst>
+                                </p:cTn>
+                              </p:par>
+                            </p:childTnLst>
+                          </p:cTn>
+                        </p:par>
+                      </p:childTnLst>
+                    </p:cTn>
+                  </p:par>
+                  <p:par>
+                    <p:cTn id="18" fill="hold">
+                      <p:stCondLst>
+                        <p:cond delay="indefinite"/>
+                      </p:stCondLst>
+                      <p:childTnLst>
+                        <p:par>
+                          <p:cTn id="19" fill="hold">
+                            <p:stCondLst>
+                              <p:cond delay="0"/>
+                            </p:stCondLst>
+                            <p:childTnLst>
+                              <p:par>
+                                <p:cTn id="20" presetID="10" presetClass="entr" presetSubtype="0" fill="hold" grpId="0" nodeType="clickEffect">
+                                  <p:stCondLst>
+                                    <p:cond delay="0"/>
+                                  </p:stCondLst>
+                                  <p:childTnLst>
+                                    <p:set>
+                                      <p:cBhvr>
+                                        <p:cTn id="21" dur="1" fill="hold">
+                                          <p:stCondLst>
+                                            <p:cond delay="0"/>
+                                          </p:stCondLst>
+                                        </p:cTn>
+                                        <p:tgtEl>
+                                          <p:spTgt spid="26"/>
+                                        </p:tgtEl>
+                                        <p:attrNameLst>
+                                          <p:attrName>style.visibility</p:attrName>
+                                        </p:attrNameLst>
+                                      </p:cBhvr>
+                                      <p:to>
+                                        <p:strVal val="visible"/>
+                                      </p:to>
+                                    </p:set>
+                                    <p:animEffect transition="in" filter="fade">
+                                      <p:cBhvr>
+                                        <p:cTn id="22" dur="500"/>
+                                        <p:tgtEl>
+                                          <p:spTgt spid="26"/>
+                                        </p:tgtEl>
+                                      </p:cBhvr>
+                                    </p:animEffect>
+                                  </p:childTnLst>
+                                </p:cTn>
+                              </p:par>
+                            </p:childTnLst>
+                          </p:cTn>
+                        </p:par>
+                      </p:childTnLst>
+                    </p:cTn>
+                  </p:par>
+                  <p:par>
+                    <p:cTn id="23" fill="hold">
+                      <p:stCondLst>
+                        <p:cond delay="indefinite"/>
+                      </p:stCondLst>
+                      <p:childTnLst>
+                        <p:par>
+                          <p:cTn id="24" fill="hold">
+                            <p:stCondLst>
+                              <p:cond delay="0"/>
+                            </p:stCondLst>
+                            <p:childTnLst>
+                              <p:par>
+                                <p:cTn id="25" presetID="10" presetClass="entr" presetSubtype="0" fill="hold" grpId="0" nodeType="clickEffect">
+                                  <p:stCondLst>
+                                    <p:cond delay="0"/>
+                                  </p:stCondLst>
+                                  <p:childTnLst>
+                                    <p:set>
+                                      <p:cBhvr>
+                                        <p:cTn id="26" dur="1" fill="hold">
+                                          <p:stCondLst>
+                                            <p:cond delay="0"/>
+                                          </p:stCondLst>
+                                        </p:cTn>
+                                        <p:tgtEl>
+                                          <p:spTgt spid="28"/>
+                                        </p:tgtEl>
+                                        <p:attrNameLst>
+                                          <p:attrName>style.visibility</p:attrName>
+                                        </p:attrNameLst>
+                                      </p:cBhvr>
+                                      <p:to>
+                                        <p:strVal val="visible"/>
+                                      </p:to>
+                                    </p:set>
+                                    <p:animEffect transition="in" filter="fade">
+                                      <p:cBhvr>
+                                        <p:cTn id="27" dur="500"/>
+                                        <p:tgtEl>
+                                          <p:spTgt spid="28"/>
+                                        </p:tgtEl>
+                                      </p:cBhvr>
+                                    </p:animEffect>
+                                  </p:childTnLst>
+                                </p:cTn>
+                              </p:par>
+                            </p:childTnLst>
+                          </p:cTn>
+                        </p:par>
+                      </p:childTnLst>
+                    </p:cTn>
+                  </p:par>
+                  <p:par>
+                    <p:cTn id="28" fill="hold">
+                      <p:stCondLst>
+                        <p:cond delay="indefinite"/>
+                      </p:stCondLst>
+                      <p:childTnLst>
+                        <p:par>
+                          <p:cTn id="29" fill="hold">
+                            <p:stCondLst>
+                              <p:cond delay="0"/>
+                            </p:stCondLst>
+                            <p:childTnLst>
+                              <p:par>
+                                <p:cTn id="30" presetID="10" presetClass="entr" presetSubtype="0" fill="hold" grpId="0" nodeType="clickEffect">
+                                  <p:stCondLst>
+                                    <p:cond delay="0"/>
+                                  </p:stCondLst>
+                                  <p:childTnLst>
+                                    <p:set>
+                                      <p:cBhvr>
+                                        <p:cTn id="31" dur="1" fill="hold">
+                                          <p:stCondLst>
+                                            <p:cond delay="0"/>
+                                          </p:stCondLst>
+                                        </p:cTn>
+                                        <p:tgtEl>
+                                          <p:spTgt spid="29"/>
+                                        </p:tgtEl>
+                                        <p:attrNameLst>
+                                          <p:attrName>style.visibility</p:attrName>
+                                        </p:attrNameLst>
+                                      </p:cBhvr>
+                                      <p:to>
+                                        <p:strVal val="visible"/>
+                                      </p:to>
+                                    </p:set>
+                                    <p:animEffect transition="in" filter="fade">
+                                      <p:cBhvr>
+                                        <p:cTn id="32" dur="500"/>
+                                        <p:tgtEl>
+                                          <p:spTgt spid="29"/>
+                                        </p:tgtEl>
+                                      </p:cBhvr>
+                                    </p:animEffect>
+                                  </p:childTnLst>
+                                </p:cTn>
+                              </p:par>
+                            </p:childTnLst>
+                          </p:cTn>
+                        </p:par>
+                      </p:childTnLst>
+                    </p:cTn>
+                  </p:par>
+                  <p:par>
+                    <p:cTn id="33" fill="hold">
+                      <p:stCondLst>
+                        <p:cond delay="indefinite"/>
+                      </p:stCondLst>
+                      <p:childTnLst>
+                        <p:par>
+                          <p:cTn id="34" fill="hold">
+                            <p:stCondLst>
+                              <p:cond delay="0"/>
+                            </p:stCondLst>
+                            <p:childTnLst>
+                              <p:par>
+                                <p:cTn id="35" presetID="10" presetClass="entr" presetSubtype="0" fill="hold" grpId="0" nodeType="clickEffect">
+                                  <p:stCondLst>
+                                    <p:cond delay="0"/>
+                                  </p:stCondLst>
+                                  <p:childTnLst>
+                                    <p:set>
+                                      <p:cBhvr>
+                                        <p:cTn id="36" dur="1" fill="hold">
+                                          <p:stCondLst>
+                                            <p:cond delay="0"/>
+                                          </p:stCondLst>
+                                        </p:cTn>
+                                        <p:tgtEl>
+                                          <p:spTgt spid="30"/>
+                                        </p:tgtEl>
+                                        <p:attrNameLst>
+                                          <p:attrName>style.visibility</p:attrName>
+                                        </p:attrNameLst>
+                                      </p:cBhvr>
+                                      <p:to>
+                                        <p:strVal val="visible"/>
+                                      </p:to>
+                                    </p:set>
+                                    <p:animEffect transition="in" filter="fade">
+                                      <p:cBhvr>
+                                        <p:cTn id="37" dur="500"/>
+                                        <p:tgtEl>
+                                          <p:spTgt spid="30"/>
+                                        </p:tgtEl>
+                                      </p:cBhvr>
+                                    </p:animEffect>
+                                  </p:childTnLst>
+                                </p:cTn>
+                              </p:par>
+                            </p:childTnLst>
+                          </p:cTn>
+                        </p:par>
+                      </p:childTnLst>
+                    </p:cTn>
+                  </p:par>
+                  <p:par>
+                    <p:cTn id="38" fill="hold">
+                      <p:stCondLst>
+                        <p:cond delay="indefinite"/>
+                      </p:stCondLst>
+                      <p:childTnLst>
+                        <p:par>
+                          <p:cTn id="39" fill="hold">
+                            <p:stCondLst>
+                              <p:cond delay="0"/>
+                            </p:stCondLst>
+                            <p:childTnLst>
+                              <p:par>
+                                <p:cTn id="40" presetID="10" presetClass="entr" presetSubtype="0" fill="hold" grpId="0" nodeType="clickEffect">
+                                  <p:stCondLst>
+                                    <p:cond delay="0"/>
+                                  </p:stCondLst>
+                                  <p:childTnLst>
+                                    <p:set>
+                                      <p:cBhvr>
+                                        <p:cTn id="41" dur="1" fill="hold">
+                                          <p:stCondLst>
+                                            <p:cond delay="0"/>
+                                          </p:stCondLst>
+                                        </p:cTn>
+                                        <p:tgtEl>
+                                          <p:spTgt spid="31"/>
+                                        </p:tgtEl>
+                                        <p:attrNameLst>
+                                          <p:attrName>style.visibility</p:attrName>
+                                        </p:attrNameLst>
+                                      </p:cBhvr>
+                                      <p:to>
+                                        <p:strVal val="visible"/>
+                                      </p:to>
+                                    </p:set>
+                                    <p:animEffect transition="in" filter="fade">
+                                      <p:cBhvr>
+                                        <p:cTn id="42" dur="500"/>
+                                        <p:tgtEl>
+                                          <p:spTgt spid="31"/>
+                                        </p:tgtEl>
+                                      </p:cBhvr>
+                                    </p:animEffect>
+                                  </p:childTnLst>
+                                </p:cTn>
+                              </p:par>
+                            </p:childTnLst>
+                          </p:cTn>
+                        </p:par>
+                      </p:childTnLst>
+                    </p:cTn>
+                  </p:par>
+                </p:childTnLst>
+              </p:cTn>
+              <p:prevCondLst>
+                <p:cond evt="onPrev" delay="0">
+                  <p:tgtEl>
+                    <p:sldTgt/>
+                  </p:tgtEl>
+                </p:cond>
+              </p:prevCondLst>
+              <p:nextCondLst>
+                <p:cond evt="onNext" delay="0">
+                  <p:tgtEl>
+                    <p:sldTgt/>
+                  </p:tgtEl>
+                </p:cond>
+              </p:nextCondLst>
+            </p:seq>
+          </p:childTnLst>
+        </p:cTn>
+      </p:par>
+    </p:tnLst>
+    <p:bldLst>
+      <p:bldP spid="17" grpId="0" animBg="1"/>
+      <p:bldP spid="24" grpId="0" animBg="1"/>
+      <p:bldP spid="25" grpId="0" animBg="1"/>
+      <p:bldP spid="26" grpId="0" animBg="1"/>
+      <p:bldP spid="28" grpId="0" animBg="1"/>
+      <p:bldP spid="29" grpId="0" animBg="1"/>
+      <p:bldP spid="30" grpId="0" animBg="1"/>
+      <p:bldP spid="31" grpId="0" animBg="1"/>
+    </p:bldLst>
+  </p:timing>
+</p:sld>
+</file>
+
+<file path=ppt/slides/slide3.xml><?xml version="1.0" encoding="utf-8"?>
+<p:sld xmlns:a="http://schemas.openxmlformats.org/drawingml/2006/main" xmlns:r="http://schemas.openxmlformats.org/officeDocument/2006/relationships" xmlns:p="http://schemas.openxmlformats.org/presentationml/2006/main">
+  <p:cSld>
+    <p:spTree>
+      <p:nvGrpSpPr>
+        <p:cNvPr id="1" name=""/>
+        <p:cNvGrpSpPr/>
+        <p:nvPr/>
+      </p:nvGrpSpPr>
+      <p:grpSpPr>
+        <a:xfrm>
+          <a:off x="0" y="0"/>
+          <a:ext cx="0" cy="0"/>
+          <a:chOff x="0" y="0"/>
+          <a:chExt cx="0" cy="0"/>
+        </a:xfrm>
+      </p:grpSpPr>
+      <p:pic>
+        <p:nvPicPr>
+          <p:cNvPr id="5" name="Espaço Reservado para Conteúdo 4">
+            <a:extLst>
+              <a:ext uri="{FF2B5EF4-FFF2-40B4-BE49-F238E27FC236}">
+                <a16:creationId xmlns:a16="http://schemas.microsoft.com/office/drawing/2014/main" id="{DEBCF998-65B9-41B2-A535-E5741DD64BE5}"/>
+              </a:ext>
+            </a:extLst>
+          </p:cNvPr>
+          <p:cNvPicPr>
+            <a:picLocks noGrp="1" noChangeAspect="1"/>
+          </p:cNvPicPr>
+          <p:nvPr>
+            <p:ph idx="1"/>
+          </p:nvPr>
+        </p:nvPicPr>
+        <p:blipFill>
+          <a:blip r:embed="rId2">
+            <a:extLst>
+              <a:ext uri="{28A0092B-C50C-407E-A947-70E740481C1C}">
+                <a14:useLocalDpi xmlns:a14="http://schemas.microsoft.com/office/drawing/2010/main" val="0"/>
+              </a:ext>
+            </a:extLst>
+          </a:blip>
+          <a:stretch>
+            <a:fillRect/>
+          </a:stretch>
+        </p:blipFill>
+        <p:spPr>
+          <a:xfrm>
+            <a:off x="-11088" y="1"/>
+            <a:ext cx="12203088" cy="6881654"/>
+          </a:xfrm>
+        </p:spPr>
+      </p:pic>
+      <p:sp>
+        <p:nvSpPr>
+          <p:cNvPr id="6" name="Título 1">
+            <a:extLst>
+              <a:ext uri="{FF2B5EF4-FFF2-40B4-BE49-F238E27FC236}">
+                <a16:creationId xmlns:a16="http://schemas.microsoft.com/office/drawing/2014/main" id="{EC993F68-2ABC-472C-9DAA-F49885B6553A}"/>
+              </a:ext>
+            </a:extLst>
+          </p:cNvPr>
+          <p:cNvSpPr>
+            <a:spLocks noGrp="1"/>
+          </p:cNvSpPr>
+          <p:nvPr>
+            <p:ph type="title"/>
+          </p:nvPr>
+        </p:nvSpPr>
+        <p:spPr>
+          <a:xfrm>
+            <a:off x="1131581" y="1875841"/>
+            <a:ext cx="5853910" cy="3662317"/>
+          </a:xfrm>
+        </p:spPr>
+        <p:txBody>
+          <a:bodyPr>
+            <a:normAutofit/>
+          </a:bodyPr>
+          <a:lstStyle/>
+          <a:p>
+            <a:br>
+              <a:rPr lang="pt-BR" sz="2400" dirty="0">
+                <a:solidFill>
+                  <a:schemeClr val="bg1"/>
+                </a:solidFill>
+                <a:latin typeface="Montserrat Light" panose="00000400000000000000" pitchFamily="2" charset="0"/>
+              </a:rPr>
+            </a:br>
+            <a:br>
+              <a:rPr lang="pt-BR" sz="2400" dirty="0">
+                <a:solidFill>
+                  <a:schemeClr val="bg1"/>
+                </a:solidFill>
+                <a:latin typeface="Montserrat Light" panose="00000400000000000000" pitchFamily="2" charset="0"/>
+              </a:rPr>
+            </a:br>
+            <a:r>
+              <a:rPr lang="pt-BR" sz="6000" b="1" dirty="0">
+                <a:solidFill>
+                  <a:schemeClr val="bg1"/>
+                </a:solidFill>
+                <a:latin typeface="Nunito" pitchFamily="2" charset="77"/>
+              </a:rPr>
+              <a:t>André Baltieri</a:t>
+            </a:r>
+            <a:br>
+              <a:rPr lang="pt-BR" sz="7300" dirty="0">
+                <a:solidFill>
+                  <a:schemeClr val="bg1"/>
+                </a:solidFill>
+                <a:latin typeface="Nunito" pitchFamily="2" charset="77"/>
+              </a:rPr>
+            </a:br>
+            <a:r>
+              <a:rPr lang="pt-BR" sz="2400" dirty="0">
+                <a:solidFill>
+                  <a:schemeClr val="bg1"/>
+                </a:solidFill>
+                <a:latin typeface="Nunito" pitchFamily="2" charset="77"/>
+              </a:rPr>
+              <a:t>9x Microsoft MVP</a:t>
+            </a:r>
+            <a:br>
+              <a:rPr lang="pt-BR" sz="2400" dirty="0">
+                <a:solidFill>
+                  <a:schemeClr val="bg1"/>
+                </a:solidFill>
+                <a:latin typeface="Nunito" pitchFamily="2" charset="77"/>
+              </a:rPr>
+            </a:br>
+            <a:r>
+              <a:rPr lang="pt-BR" sz="2400" b="1" dirty="0">
+                <a:solidFill>
+                  <a:schemeClr val="bg1"/>
+                </a:solidFill>
+                <a:latin typeface="Nunito" pitchFamily="2" charset="77"/>
+              </a:rPr>
+              <a:t>balta.io</a:t>
+            </a:r>
+            <a:endParaRPr lang="pt-BR" sz="5400" b="1" dirty="0">
+              <a:solidFill>
+                <a:schemeClr val="bg1"/>
+              </a:solidFill>
+              <a:latin typeface="Nunito" pitchFamily="2" charset="77"/>
+            </a:endParaRPr>
+          </a:p>
+        </p:txBody>
+      </p:sp>
+      <p:pic>
+        <p:nvPicPr>
+          <p:cNvPr id="17" name="Gráfico 16">
+            <a:extLst>
+              <a:ext uri="{FF2B5EF4-FFF2-40B4-BE49-F238E27FC236}">
+                <a16:creationId xmlns:a16="http://schemas.microsoft.com/office/drawing/2014/main" id="{5475B6F3-1B09-40B6-BF70-51E8D08D2176}"/>
+              </a:ext>
+            </a:extLst>
+          </p:cNvPr>
+          <p:cNvPicPr>
+            <a:picLocks noChangeAspect="1"/>
+          </p:cNvPicPr>
+          <p:nvPr/>
+        </p:nvPicPr>
+        <p:blipFill>
+          <a:blip r:embed="rId3">
+            <a:extLst>
+              <a:ext uri="{96DAC541-7B7A-43D3-8B79-37D633B846F1}">
+                <asvg:svgBlip xmlns:asvg="http://schemas.microsoft.com/office/drawing/2016/SVG/main" r:embed="rId4"/>
+              </a:ext>
+            </a:extLst>
+          </a:blip>
+          <a:stretch>
+            <a:fillRect/>
+          </a:stretch>
+        </p:blipFill>
+        <p:spPr>
+          <a:xfrm>
+            <a:off x="1561276" y="436764"/>
+            <a:ext cx="2287912" cy="778156"/>
+          </a:xfrm>
+          <a:prstGeom prst="rect">
+            <a:avLst/>
+          </a:prstGeom>
+        </p:spPr>
+      </p:pic>
+      <p:pic>
+        <p:nvPicPr>
+          <p:cNvPr id="4" name="Picture 3" descr="A person wearing glasses&#10;&#10;Description automatically generated with medium confidence">
+            <a:extLst>
+              <a:ext uri="{FF2B5EF4-FFF2-40B4-BE49-F238E27FC236}">
+                <a16:creationId xmlns:a16="http://schemas.microsoft.com/office/drawing/2014/main" id="{88233FB1-C205-144D-B73D-CDD649858E5D}"/>
+              </a:ext>
+            </a:extLst>
+          </p:cNvPr>
+          <p:cNvPicPr>
+            <a:picLocks noChangeAspect="1"/>
+          </p:cNvPicPr>
+          <p:nvPr/>
+        </p:nvPicPr>
+        <p:blipFill>
+          <a:blip r:embed="rId5">
+            <a:extLst>
+              <a:ext uri="{28A0092B-C50C-407E-A947-70E740481C1C}">
+                <a14:useLocalDpi xmlns:a14="http://schemas.microsoft.com/office/drawing/2010/main" val="0"/>
+              </a:ext>
+            </a:extLst>
+          </a:blip>
+          <a:stretch>
+            <a:fillRect/>
+          </a:stretch>
+        </p:blipFill>
+        <p:spPr>
+          <a:xfrm>
+            <a:off x="7489886" y="2165701"/>
+            <a:ext cx="3372457" cy="3372457"/>
+          </a:xfrm>
+          <a:prstGeom prst="ellipse">
+            <a:avLst/>
+          </a:prstGeom>
+          <a:noFill/>
+          <a:ln w="63500" cap="rnd">
+            <a:solidFill>
+              <a:srgbClr val="FFFFFF">
+                <a:alpha val="23137"/>
+              </a:srgbClr>
+            </a:solidFill>
+          </a:ln>
+          <a:effectLst>
+            <a:outerShdw blurRad="381000" dist="292100" dir="5400000" sx="-80000" sy="-18000" rotWithShape="0">
+              <a:srgbClr val="000000">
+                <a:alpha val="22000"/>
+              </a:srgbClr>
+            </a:outerShdw>
+          </a:effectLst>
+          <a:scene3d>
+            <a:camera prst="orthographicFront"/>
+            <a:lightRig rig="contrasting" dir="t">
+              <a:rot lat="0" lon="0" rev="3000000"/>
+            </a:lightRig>
+          </a:scene3d>
+          <a:sp3d contourW="7620">
+            <a:bevelT w="95250" h="31750"/>
+            <a:contourClr>
+              <a:srgbClr val="333333"/>
+            </a:contourClr>
+          </a:sp3d>
+        </p:spPr>
+      </p:pic>
+    </p:spTree>
+    <p:extLst>
+      <p:ext uri="{BB962C8B-B14F-4D97-AF65-F5344CB8AC3E}">
+        <p14:creationId xmlns:p14="http://schemas.microsoft.com/office/powerpoint/2010/main" val="3214383598"/>
+      </p:ext>
+    </p:extLst>
+  </p:cSld>
+  <p:clrMapOvr>
+    <a:masterClrMapping/>
+  </p:clrMapOvr>
+  <p:transition spd="slow">
+    <p:wipe/>
+  </p:transition>
+  <p:timing>
+    <p:tnLst>
+      <p:par>
+        <p:cTn id="1" dur="indefinite" restart="never" nodeType="tmRoot">
+          <p:childTnLst>
+            <p:seq concurrent="1" nextAc="seek">
+              <p:cTn id="2" dur="indefinite" nodeType="mainSeq">
+                <p:childTnLst>
+                  <p:par>
+                    <p:cTn id="3" fill="hold">
+                      <p:stCondLst>
+                        <p:cond delay="indefinite"/>
+                        <p:cond evt="onBegin" delay="0">
+                          <p:tn val="2"/>
+                        </p:cond>
+                      </p:stCondLst>
+                      <p:childTnLst>
+                        <p:par>
+                          <p:cTn id="4" fill="hold">
+                            <p:stCondLst>
+                              <p:cond delay="0"/>
+                            </p:stCondLst>
+                            <p:childTnLst>
+                              <p:par>
+                                <p:cTn id="5" presetID="10" presetClass="entr" presetSubtype="0" fill="hold" grpId="0" nodeType="afterEffect">
+                                  <p:stCondLst>
+                                    <p:cond delay="0"/>
+                                  </p:stCondLst>
+                                  <p:childTnLst>
+                                    <p:set>
+                                      <p:cBhvr>
+                                        <p:cTn id="6" dur="1" fill="hold">
+                                          <p:stCondLst>
+                                            <p:cond delay="0"/>
+                                          </p:stCondLst>
+                                        </p:cTn>
+                                        <p:tgtEl>
+                                          <p:spTgt spid="6"/>
+                                        </p:tgtEl>
+                                        <p:attrNameLst>
+                                          <p:attrName>style.visibility</p:attrName>
+                                        </p:attrNameLst>
+                                      </p:cBhvr>
+                                      <p:to>
+                                        <p:strVal val="visible"/>
+                                      </p:to>
+                                    </p:set>
+                                    <p:animEffect transition="in" filter="fade">
+                                      <p:cBhvr>
+                                        <p:cTn id="7" dur="500"/>
+                                        <p:tgtEl>
+                                          <p:spTgt spid="6"/>
+                                        </p:tgtEl>
+                                      </p:cBhvr>
+                                    </p:animEffect>
+                                  </p:childTnLst>
+                                </p:cTn>
+                              </p:par>
+                            </p:childTnLst>
+                          </p:cTn>
+                        </p:par>
+                      </p:childTnLst>
+                    </p:cTn>
+                  </p:par>
+                </p:childTnLst>
+              </p:cTn>
+              <p:prevCondLst>
+                <p:cond evt="onPrev" delay="0">
+                  <p:tgtEl>
+                    <p:sldTgt/>
+                  </p:tgtEl>
+                </p:cond>
+              </p:prevCondLst>
+              <p:nextCondLst>
+                <p:cond evt="onNext" delay="0">
+                  <p:tgtEl>
+                    <p:sldTgt/>
+                  </p:tgtEl>
+                </p:cond>
+              </p:nextCondLst>
+            </p:seq>
+          </p:childTnLst>
+        </p:cTn>
+      </p:par>
+    </p:tnLst>
+    <p:bldLst>
+      <p:bldP spid="6" grpId="0"/>
+    </p:bldLst>
+  </p:timing>
+</p:sld>
+</file>
+
+<file path=ppt/slides/slide30.xml><?xml version="1.0" encoding="utf-8"?>
+<p:sld xmlns:a="http://schemas.openxmlformats.org/drawingml/2006/main" xmlns:r="http://schemas.openxmlformats.org/officeDocument/2006/relationships" xmlns:p="http://schemas.openxmlformats.org/presentationml/2006/main">
+  <p:cSld>
+    <p:spTree>
+      <p:nvGrpSpPr>
+        <p:cNvPr id="1" name=""/>
+        <p:cNvGrpSpPr/>
+        <p:nvPr/>
+      </p:nvGrpSpPr>
+      <p:grpSpPr>
+        <a:xfrm>
+          <a:off x="0" y="0"/>
+          <a:ext cx="0" cy="0"/>
+          <a:chOff x="0" y="0"/>
+          <a:chExt cx="0" cy="0"/>
+        </a:xfrm>
+      </p:grpSpPr>
+      <p:sp>
+        <p:nvSpPr>
+          <p:cNvPr id="6" name="Retângulo 5">
+            <a:extLst>
+              <a:ext uri="{FF2B5EF4-FFF2-40B4-BE49-F238E27FC236}">
+                <a16:creationId xmlns:a16="http://schemas.microsoft.com/office/drawing/2014/main" id="{C2E0C31B-BC82-4147-BD1A-32C96BEF8FA3}"/>
+              </a:ext>
+            </a:extLst>
+          </p:cNvPr>
+          <p:cNvSpPr/>
+          <p:nvPr/>
+        </p:nvSpPr>
+        <p:spPr>
+          <a:xfrm>
+            <a:off x="1594338" y="2168769"/>
+            <a:ext cx="3927231" cy="4560277"/>
+          </a:xfrm>
+          <a:prstGeom prst="rect">
+            <a:avLst/>
+          </a:prstGeom>
+          <a:solidFill>
+            <a:schemeClr val="bg1">
+              <a:lumMod val="85000"/>
+            </a:schemeClr>
+          </a:solidFill>
+          <a:ln>
+            <a:noFill/>
+          </a:ln>
+        </p:spPr>
+        <p:style>
+          <a:lnRef idx="2">
+            <a:schemeClr val="accent1">
+              <a:shade val="50000"/>
+            </a:schemeClr>
+          </a:lnRef>
+          <a:fillRef idx="1">
+            <a:schemeClr val="accent1"/>
+          </a:fillRef>
+          <a:effectRef idx="0">
+            <a:schemeClr val="accent1"/>
+          </a:effectRef>
+          <a:fontRef idx="minor">
+            <a:schemeClr val="lt1"/>
+          </a:fontRef>
+        </p:style>
+        <p:txBody>
+          <a:bodyPr rtlCol="0" anchor="ctr"/>
+          <a:lstStyle/>
+          <a:p>
+            <a:pPr algn="ctr"/>
+            <a:endParaRPr lang="pt-BR" dirty="0"/>
+          </a:p>
+        </p:txBody>
+      </p:sp>
+      <p:pic>
+        <p:nvPicPr>
+          <p:cNvPr id="7" name="Imagem 6">
+            <a:extLst>
+              <a:ext uri="{FF2B5EF4-FFF2-40B4-BE49-F238E27FC236}">
+                <a16:creationId xmlns:a16="http://schemas.microsoft.com/office/drawing/2014/main" id="{15EF5E79-A320-604B-B8D0-BB7CC7F3BD24}"/>
+              </a:ext>
+            </a:extLst>
+          </p:cNvPr>
+          <p:cNvPicPr>
+            <a:picLocks noChangeAspect="1"/>
+          </p:cNvPicPr>
+          <p:nvPr/>
+        </p:nvPicPr>
+        <p:blipFill>
+          <a:blip r:embed="rId3">
+            <a:extLst>
+              <a:ext uri="{28A0092B-C50C-407E-A947-70E740481C1C}">
+                <a14:useLocalDpi xmlns:a14="http://schemas.microsoft.com/office/drawing/2010/main" val="0"/>
+              </a:ext>
+            </a:extLst>
+          </a:blip>
+          <a:stretch>
+            <a:fillRect/>
+          </a:stretch>
+        </p:blipFill>
+        <p:spPr>
+          <a:xfrm>
+            <a:off x="-1" y="-1590"/>
+            <a:ext cx="12192001" cy="2021978"/>
+          </a:xfrm>
+          <a:prstGeom prst="rect">
+            <a:avLst/>
+          </a:prstGeom>
+        </p:spPr>
+      </p:pic>
+      <p:sp>
+        <p:nvSpPr>
+          <p:cNvPr id="13" name="Título 1">
+            <a:extLst>
+              <a:ext uri="{FF2B5EF4-FFF2-40B4-BE49-F238E27FC236}">
+                <a16:creationId xmlns:a16="http://schemas.microsoft.com/office/drawing/2014/main" id="{94E1A0D2-D048-46FE-90D3-722FBF740CC7}"/>
+              </a:ext>
+            </a:extLst>
+          </p:cNvPr>
+          <p:cNvSpPr>
+            <a:spLocks noGrp="1"/>
+          </p:cNvSpPr>
+          <p:nvPr>
+            <p:ph type="title"/>
+          </p:nvPr>
+        </p:nvSpPr>
+        <p:spPr>
+          <a:xfrm>
+            <a:off x="2159726" y="0"/>
+            <a:ext cx="9292046" cy="2021978"/>
+          </a:xfrm>
+        </p:spPr>
+        <p:txBody>
+          <a:bodyPr>
+            <a:normAutofit/>
+          </a:bodyPr>
+          <a:lstStyle/>
+          <a:p>
+            <a:r>
+              <a:rPr lang="pt-BR" dirty="0">
+                <a:solidFill>
+                  <a:schemeClr val="bg1"/>
+                </a:solidFill>
+                <a:latin typeface="Nunito" pitchFamily="2" charset="77"/>
+              </a:rPr>
+              <a:t>Mapeando contextos delimitados</a:t>
+            </a:r>
+          </a:p>
+        </p:txBody>
+      </p:sp>
+      <p:pic>
+        <p:nvPicPr>
+          <p:cNvPr id="14" name="Gráfico 13">
+            <a:extLst>
+              <a:ext uri="{FF2B5EF4-FFF2-40B4-BE49-F238E27FC236}">
+                <a16:creationId xmlns:a16="http://schemas.microsoft.com/office/drawing/2014/main" id="{2B5477E9-00BA-4494-BA1B-5466AC45994D}"/>
+              </a:ext>
+            </a:extLst>
+          </p:cNvPr>
+          <p:cNvPicPr>
+            <a:picLocks noChangeAspect="1"/>
+          </p:cNvPicPr>
+          <p:nvPr/>
+        </p:nvPicPr>
+        <p:blipFill>
+          <a:blip r:embed="rId4">
+            <a:extLst>
+              <a:ext uri="{96DAC541-7B7A-43D3-8B79-37D633B846F1}">
+                <asvg:svgBlip xmlns:asvg="http://schemas.microsoft.com/office/drawing/2016/SVG/main" r:embed="rId5"/>
+              </a:ext>
+            </a:extLst>
+          </a:blip>
+          <a:stretch>
+            <a:fillRect/>
+          </a:stretch>
+        </p:blipFill>
+        <p:spPr>
+          <a:xfrm>
+            <a:off x="1097280" y="636835"/>
+            <a:ext cx="610307" cy="705667"/>
+          </a:xfrm>
+          <a:prstGeom prst="rect">
+            <a:avLst/>
+          </a:prstGeom>
+        </p:spPr>
+      </p:pic>
+      <p:sp>
+        <p:nvSpPr>
+          <p:cNvPr id="27" name="Retângulo 26">
+            <a:extLst>
+              <a:ext uri="{FF2B5EF4-FFF2-40B4-BE49-F238E27FC236}">
+                <a16:creationId xmlns:a16="http://schemas.microsoft.com/office/drawing/2014/main" id="{E1A210B9-8EC8-458B-B18D-686E913370AE}"/>
+              </a:ext>
+            </a:extLst>
+          </p:cNvPr>
+          <p:cNvSpPr/>
+          <p:nvPr/>
+        </p:nvSpPr>
+        <p:spPr>
+          <a:xfrm>
+            <a:off x="7524541" y="2168769"/>
+            <a:ext cx="3927231" cy="4560277"/>
+          </a:xfrm>
+          <a:prstGeom prst="rect">
+            <a:avLst/>
+          </a:prstGeom>
+          <a:solidFill>
+            <a:schemeClr val="bg1">
+              <a:lumMod val="85000"/>
+            </a:schemeClr>
+          </a:solidFill>
+          <a:ln>
+            <a:noFill/>
+          </a:ln>
+        </p:spPr>
+        <p:style>
+          <a:lnRef idx="2">
+            <a:schemeClr val="accent1">
+              <a:shade val="50000"/>
+            </a:schemeClr>
+          </a:lnRef>
+          <a:fillRef idx="1">
+            <a:schemeClr val="accent1"/>
+          </a:fillRef>
+          <a:effectRef idx="0">
+            <a:schemeClr val="accent1"/>
+          </a:effectRef>
+          <a:fontRef idx="minor">
+            <a:schemeClr val="lt1"/>
+          </a:fontRef>
+        </p:style>
+        <p:txBody>
+          <a:bodyPr rtlCol="0" anchor="ctr"/>
+          <a:lstStyle/>
+          <a:p>
+            <a:pPr algn="ctr"/>
+            <a:endParaRPr lang="pt-BR"/>
+          </a:p>
+        </p:txBody>
+      </p:sp>
+      <p:sp>
+        <p:nvSpPr>
+          <p:cNvPr id="2" name="CaixaDeTexto 1">
+            <a:extLst>
+              <a:ext uri="{FF2B5EF4-FFF2-40B4-BE49-F238E27FC236}">
+                <a16:creationId xmlns:a16="http://schemas.microsoft.com/office/drawing/2014/main" id="{1E83E390-A90C-4529-AE6D-0DA6683638AD}"/>
+              </a:ext>
+            </a:extLst>
+          </p:cNvPr>
+          <p:cNvSpPr txBox="1"/>
+          <p:nvPr/>
+        </p:nvSpPr>
+        <p:spPr>
+          <a:xfrm>
+            <a:off x="2416770" y="2167179"/>
+            <a:ext cx="2064989" cy="369332"/>
+          </a:xfrm>
+          <a:prstGeom prst="rect">
+            <a:avLst/>
+          </a:prstGeom>
+          <a:noFill/>
+        </p:spPr>
+        <p:txBody>
+          <a:bodyPr wrap="none" rtlCol="0">
+            <a:spAutoFit/>
+          </a:bodyPr>
+          <a:lstStyle/>
+          <a:p>
+            <a:r>
+              <a:rPr lang="en-US" dirty="0" err="1">
+                <a:latin typeface="Nunito" pitchFamily="2" charset="0"/>
+              </a:rPr>
+              <a:t>Contexto</a:t>
+            </a:r>
+            <a:r>
+              <a:rPr lang="en-US" dirty="0">
+                <a:latin typeface="Nunito" pitchFamily="2" charset="0"/>
+              </a:rPr>
+              <a:t> de </a:t>
+            </a:r>
+            <a:r>
+              <a:rPr lang="en-US" dirty="0" err="1">
+                <a:latin typeface="Nunito" pitchFamily="2" charset="0"/>
+              </a:rPr>
+              <a:t>envio</a:t>
+            </a:r>
+            <a:endParaRPr lang="pt-BR" dirty="0">
+              <a:latin typeface="Nunito" pitchFamily="2" charset="0"/>
+            </a:endParaRPr>
+          </a:p>
+        </p:txBody>
+      </p:sp>
+      <p:sp>
+        <p:nvSpPr>
+          <p:cNvPr id="18" name="CaixaDeTexto 17">
+            <a:extLst>
+              <a:ext uri="{FF2B5EF4-FFF2-40B4-BE49-F238E27FC236}">
+                <a16:creationId xmlns:a16="http://schemas.microsoft.com/office/drawing/2014/main" id="{DB06D84B-BC63-4F48-ABD6-7FFE68E891BB}"/>
+              </a:ext>
+            </a:extLst>
+          </p:cNvPr>
+          <p:cNvSpPr txBox="1"/>
+          <p:nvPr/>
+        </p:nvSpPr>
+        <p:spPr>
+          <a:xfrm>
+            <a:off x="8323414" y="2167179"/>
+            <a:ext cx="2329484" cy="369332"/>
+          </a:xfrm>
+          <a:prstGeom prst="rect">
+            <a:avLst/>
+          </a:prstGeom>
+          <a:noFill/>
+        </p:spPr>
+        <p:txBody>
+          <a:bodyPr wrap="none" rtlCol="0">
+            <a:spAutoFit/>
+          </a:bodyPr>
+          <a:lstStyle/>
+          <a:p>
+            <a:r>
+              <a:rPr lang="en-US" dirty="0" err="1">
+                <a:latin typeface="Nunito" pitchFamily="2" charset="0"/>
+              </a:rPr>
+              <a:t>Contexto</a:t>
+            </a:r>
+            <a:r>
+              <a:rPr lang="en-US" dirty="0">
+                <a:latin typeface="Nunito" pitchFamily="2" charset="0"/>
+              </a:rPr>
+              <a:t> de </a:t>
+            </a:r>
+            <a:r>
+              <a:rPr lang="en-US" dirty="0" err="1">
+                <a:latin typeface="Nunito" pitchFamily="2" charset="0"/>
+              </a:rPr>
+              <a:t>pedidos</a:t>
+            </a:r>
+            <a:endParaRPr lang="pt-BR" dirty="0">
+              <a:latin typeface="Nunito" pitchFamily="2" charset="0"/>
+            </a:endParaRPr>
+          </a:p>
+        </p:txBody>
+      </p:sp>
+      <p:sp>
+        <p:nvSpPr>
+          <p:cNvPr id="19" name="Retângulo 18">
+            <a:extLst>
+              <a:ext uri="{FF2B5EF4-FFF2-40B4-BE49-F238E27FC236}">
+                <a16:creationId xmlns:a16="http://schemas.microsoft.com/office/drawing/2014/main" id="{FCB4744B-81E8-4E7C-822C-DE23F90007C9}"/>
+              </a:ext>
+            </a:extLst>
+          </p:cNvPr>
+          <p:cNvSpPr/>
+          <p:nvPr/>
+        </p:nvSpPr>
+        <p:spPr>
+          <a:xfrm>
+            <a:off x="2500267" y="3346937"/>
+            <a:ext cx="1897994" cy="2203939"/>
+          </a:xfrm>
+          <a:prstGeom prst="rect">
+            <a:avLst/>
+          </a:prstGeom>
+          <a:solidFill>
+            <a:srgbClr val="FCDB04"/>
+          </a:solidFill>
+          <a:ln>
+            <a:noFill/>
+          </a:ln>
+        </p:spPr>
+        <p:style>
+          <a:lnRef idx="2">
+            <a:schemeClr val="accent1">
+              <a:shade val="50000"/>
+            </a:schemeClr>
+          </a:lnRef>
+          <a:fillRef idx="1">
+            <a:schemeClr val="accent1"/>
+          </a:fillRef>
+          <a:effectRef idx="0">
+            <a:schemeClr val="accent1"/>
+          </a:effectRef>
+          <a:fontRef idx="minor">
+            <a:schemeClr val="lt1"/>
+          </a:fontRef>
+        </p:style>
+        <p:txBody>
+          <a:bodyPr rtlCol="0" anchor="ctr"/>
+          <a:lstStyle/>
+          <a:p>
+            <a:pPr algn="ctr"/>
+            <a:endParaRPr lang="pt-BR"/>
+          </a:p>
+        </p:txBody>
+      </p:sp>
+      <p:sp>
+        <p:nvSpPr>
+          <p:cNvPr id="20" name="Retângulo 19">
+            <a:extLst>
+              <a:ext uri="{FF2B5EF4-FFF2-40B4-BE49-F238E27FC236}">
+                <a16:creationId xmlns:a16="http://schemas.microsoft.com/office/drawing/2014/main" id="{F72E93A6-6F8D-4011-BECF-2A97AA2AB0BF}"/>
+              </a:ext>
+            </a:extLst>
+          </p:cNvPr>
+          <p:cNvSpPr/>
+          <p:nvPr/>
+        </p:nvSpPr>
+        <p:spPr>
+          <a:xfrm>
+            <a:off x="8539159" y="3346937"/>
+            <a:ext cx="1897994" cy="2203939"/>
+          </a:xfrm>
+          <a:prstGeom prst="rect">
+            <a:avLst/>
+          </a:prstGeom>
+          <a:solidFill>
+            <a:srgbClr val="FCDB04"/>
+          </a:solidFill>
+          <a:ln>
+            <a:noFill/>
+          </a:ln>
+        </p:spPr>
+        <p:style>
+          <a:lnRef idx="2">
+            <a:schemeClr val="accent1">
+              <a:shade val="50000"/>
+            </a:schemeClr>
+          </a:lnRef>
+          <a:fillRef idx="1">
+            <a:schemeClr val="accent1"/>
+          </a:fillRef>
+          <a:effectRef idx="0">
+            <a:schemeClr val="accent1"/>
+          </a:effectRef>
+          <a:fontRef idx="minor">
+            <a:schemeClr val="lt1"/>
+          </a:fontRef>
+        </p:style>
+        <p:txBody>
+          <a:bodyPr rtlCol="0" anchor="ctr"/>
+          <a:lstStyle/>
+          <a:p>
+            <a:pPr algn="ctr"/>
+            <a:endParaRPr lang="pt-BR"/>
+          </a:p>
+        </p:txBody>
+      </p:sp>
+    </p:spTree>
+    <p:extLst>
+      <p:ext uri="{BB962C8B-B14F-4D97-AF65-F5344CB8AC3E}">
+        <p14:creationId xmlns:p14="http://schemas.microsoft.com/office/powerpoint/2010/main" val="4165242182"/>
+      </p:ext>
+    </p:extLst>
+  </p:cSld>
+  <p:clrMapOvr>
+    <a:masterClrMapping/>
+  </p:clrMapOvr>
+  <mc:AlternateContent xmlns:mc="http://schemas.openxmlformats.org/markup-compatibility/2006" xmlns:p159="http://schemas.microsoft.com/office/powerpoint/2015/09/main">
+    <mc:Choice Requires="p159">
+      <p:transition xmlns:p14="http://schemas.microsoft.com/office/powerpoint/2010/main" spd="slow" p14:dur="2000">
+        <p159:morph option="byObject"/>
+      </p:transition>
+    </mc:Choice>
+    <mc:Fallback xmlns="">
+      <p:transition spd="slow">
+        <p:fade/>
+      </p:transition>
+    </mc:Fallback>
+  </mc:AlternateContent>
+</p:sld>
+</file>
+
+<file path=ppt/slides/slide31.xml><?xml version="1.0" encoding="utf-8"?>
+<p:sld xmlns:a="http://schemas.openxmlformats.org/drawingml/2006/main" xmlns:r="http://schemas.openxmlformats.org/officeDocument/2006/relationships" xmlns:p="http://schemas.openxmlformats.org/presentationml/2006/main">
+  <p:cSld>
+    <p:spTree>
+      <p:nvGrpSpPr>
+        <p:cNvPr id="1" name=""/>
+        <p:cNvGrpSpPr/>
+        <p:nvPr/>
+      </p:nvGrpSpPr>
+      <p:grpSpPr>
+        <a:xfrm>
+          <a:off x="0" y="0"/>
+          <a:ext cx="0" cy="0"/>
+          <a:chOff x="0" y="0"/>
+          <a:chExt cx="0" cy="0"/>
+        </a:xfrm>
+      </p:grpSpPr>
       <p:pic>
         <p:nvPicPr>
           <p:cNvPr id="5" name="Espaço Reservado para Conteúdo 4">
@@ -21671,359 +24211,7 @@
 </p:sld>
 </file>
 
-<file path=ppt/slides/slide3.xml><?xml version="1.0" encoding="utf-8"?>
-<p:sld xmlns:a="http://schemas.openxmlformats.org/drawingml/2006/main" xmlns:r="http://schemas.openxmlformats.org/officeDocument/2006/relationships" xmlns:p="http://schemas.openxmlformats.org/presentationml/2006/main">
-  <p:cSld>
-    <p:spTree>
-      <p:nvGrpSpPr>
-        <p:cNvPr id="1" name=""/>
-        <p:cNvGrpSpPr/>
-        <p:nvPr/>
-      </p:nvGrpSpPr>
-      <p:grpSpPr>
-        <a:xfrm>
-          <a:off x="0" y="0"/>
-          <a:ext cx="0" cy="0"/>
-          <a:chOff x="0" y="0"/>
-          <a:chExt cx="0" cy="0"/>
-        </a:xfrm>
-      </p:grpSpPr>
-      <p:pic>
-        <p:nvPicPr>
-          <p:cNvPr id="5" name="Espaço Reservado para Conteúdo 4">
-            <a:extLst>
-              <a:ext uri="{FF2B5EF4-FFF2-40B4-BE49-F238E27FC236}">
-                <a16:creationId xmlns:a16="http://schemas.microsoft.com/office/drawing/2014/main" id="{DEBCF998-65B9-41B2-A535-E5741DD64BE5}"/>
-              </a:ext>
-            </a:extLst>
-          </p:cNvPr>
-          <p:cNvPicPr>
-            <a:picLocks noGrp="1" noChangeAspect="1"/>
-          </p:cNvPicPr>
-          <p:nvPr>
-            <p:ph idx="1"/>
-          </p:nvPr>
-        </p:nvPicPr>
-        <p:blipFill>
-          <a:blip r:embed="rId2">
-            <a:extLst>
-              <a:ext uri="{28A0092B-C50C-407E-A947-70E740481C1C}">
-                <a14:useLocalDpi xmlns:a14="http://schemas.microsoft.com/office/drawing/2010/main" val="0"/>
-              </a:ext>
-            </a:extLst>
-          </a:blip>
-          <a:stretch>
-            <a:fillRect/>
-          </a:stretch>
-        </p:blipFill>
-        <p:spPr>
-          <a:xfrm>
-            <a:off x="-11088" y="1"/>
-            <a:ext cx="12203088" cy="6881654"/>
-          </a:xfrm>
-        </p:spPr>
-      </p:pic>
-      <p:sp>
-        <p:nvSpPr>
-          <p:cNvPr id="6" name="Título 1">
-            <a:extLst>
-              <a:ext uri="{FF2B5EF4-FFF2-40B4-BE49-F238E27FC236}">
-                <a16:creationId xmlns:a16="http://schemas.microsoft.com/office/drawing/2014/main" id="{EC993F68-2ABC-472C-9DAA-F49885B6553A}"/>
-              </a:ext>
-            </a:extLst>
-          </p:cNvPr>
-          <p:cNvSpPr>
-            <a:spLocks noGrp="1"/>
-          </p:cNvSpPr>
-          <p:nvPr>
-            <p:ph type="title"/>
-          </p:nvPr>
-        </p:nvSpPr>
-        <p:spPr>
-          <a:xfrm>
-            <a:off x="1131581" y="1875841"/>
-            <a:ext cx="5853910" cy="3662317"/>
-          </a:xfrm>
-        </p:spPr>
-        <p:txBody>
-          <a:bodyPr>
-            <a:normAutofit/>
-          </a:bodyPr>
-          <a:lstStyle/>
-          <a:p>
-            <a:br>
-              <a:rPr lang="pt-BR" sz="2400" dirty="0">
-                <a:solidFill>
-                  <a:schemeClr val="bg1"/>
-                </a:solidFill>
-                <a:latin typeface="Montserrat Light" panose="00000400000000000000" pitchFamily="2" charset="0"/>
-              </a:rPr>
-            </a:br>
-            <a:br>
-              <a:rPr lang="pt-BR" sz="2400" dirty="0">
-                <a:solidFill>
-                  <a:schemeClr val="bg1"/>
-                </a:solidFill>
-                <a:latin typeface="Montserrat Light" panose="00000400000000000000" pitchFamily="2" charset="0"/>
-              </a:rPr>
-            </a:br>
-            <a:r>
-              <a:rPr lang="pt-BR" sz="6000" b="1" dirty="0">
-                <a:solidFill>
-                  <a:schemeClr val="bg1"/>
-                </a:solidFill>
-                <a:latin typeface="Nunito" pitchFamily="2" charset="77"/>
-              </a:rPr>
-              <a:t>André Baltieri</a:t>
-            </a:r>
-            <a:br>
-              <a:rPr lang="pt-BR" sz="7300" dirty="0">
-                <a:solidFill>
-                  <a:schemeClr val="bg1"/>
-                </a:solidFill>
-                <a:latin typeface="Nunito" pitchFamily="2" charset="77"/>
-              </a:rPr>
-            </a:br>
-            <a:r>
-              <a:rPr lang="pt-BR" sz="2400" dirty="0">
-                <a:solidFill>
-                  <a:schemeClr val="bg1"/>
-                </a:solidFill>
-                <a:latin typeface="Nunito" pitchFamily="2" charset="77"/>
-              </a:rPr>
-              <a:t>9x Microsoft MVP</a:t>
-            </a:r>
-            <a:br>
-              <a:rPr lang="pt-BR" sz="2400" dirty="0">
-                <a:solidFill>
-                  <a:schemeClr val="bg1"/>
-                </a:solidFill>
-                <a:latin typeface="Nunito" pitchFamily="2" charset="77"/>
-              </a:rPr>
-            </a:br>
-            <a:r>
-              <a:rPr lang="pt-BR" sz="2400" b="1" dirty="0">
-                <a:solidFill>
-                  <a:schemeClr val="bg1"/>
-                </a:solidFill>
-                <a:latin typeface="Nunito" pitchFamily="2" charset="77"/>
-              </a:rPr>
-              <a:t>balta.io</a:t>
-            </a:r>
-            <a:endParaRPr lang="pt-BR" sz="5400" b="1" dirty="0">
-              <a:solidFill>
-                <a:schemeClr val="bg1"/>
-              </a:solidFill>
-              <a:latin typeface="Nunito" pitchFamily="2" charset="77"/>
-            </a:endParaRPr>
-          </a:p>
-        </p:txBody>
-      </p:sp>
-      <p:pic>
-        <p:nvPicPr>
-          <p:cNvPr id="17" name="Gráfico 16">
-            <a:extLst>
-              <a:ext uri="{FF2B5EF4-FFF2-40B4-BE49-F238E27FC236}">
-                <a16:creationId xmlns:a16="http://schemas.microsoft.com/office/drawing/2014/main" id="{5475B6F3-1B09-40B6-BF70-51E8D08D2176}"/>
-              </a:ext>
-            </a:extLst>
-          </p:cNvPr>
-          <p:cNvPicPr>
-            <a:picLocks noChangeAspect="1"/>
-          </p:cNvPicPr>
-          <p:nvPr/>
-        </p:nvPicPr>
-        <p:blipFill>
-          <a:blip r:embed="rId3">
-            <a:extLst>
-              <a:ext uri="{96DAC541-7B7A-43D3-8B79-37D633B846F1}">
-                <asvg:svgBlip xmlns:asvg="http://schemas.microsoft.com/office/drawing/2016/SVG/main" r:embed="rId4"/>
-              </a:ext>
-            </a:extLst>
-          </a:blip>
-          <a:stretch>
-            <a:fillRect/>
-          </a:stretch>
-        </p:blipFill>
-        <p:spPr>
-          <a:xfrm>
-            <a:off x="1561276" y="436764"/>
-            <a:ext cx="2287912" cy="778156"/>
-          </a:xfrm>
-          <a:prstGeom prst="rect">
-            <a:avLst/>
-          </a:prstGeom>
-        </p:spPr>
-      </p:pic>
-      <p:pic>
-        <p:nvPicPr>
-          <p:cNvPr id="4" name="Picture 3" descr="A person wearing glasses&#10;&#10;Description automatically generated with medium confidence">
-            <a:extLst>
-              <a:ext uri="{FF2B5EF4-FFF2-40B4-BE49-F238E27FC236}">
-                <a16:creationId xmlns:a16="http://schemas.microsoft.com/office/drawing/2014/main" id="{88233FB1-C205-144D-B73D-CDD649858E5D}"/>
-              </a:ext>
-            </a:extLst>
-          </p:cNvPr>
-          <p:cNvPicPr>
-            <a:picLocks noChangeAspect="1"/>
-          </p:cNvPicPr>
-          <p:nvPr/>
-        </p:nvPicPr>
-        <p:blipFill>
-          <a:blip r:embed="rId5">
-            <a:extLst>
-              <a:ext uri="{28A0092B-C50C-407E-A947-70E740481C1C}">
-                <a14:useLocalDpi xmlns:a14="http://schemas.microsoft.com/office/drawing/2010/main" val="0"/>
-              </a:ext>
-            </a:extLst>
-          </a:blip>
-          <a:stretch>
-            <a:fillRect/>
-          </a:stretch>
-        </p:blipFill>
-        <p:spPr>
-          <a:xfrm>
-            <a:off x="7489886" y="2165701"/>
-            <a:ext cx="3372457" cy="3372457"/>
-          </a:xfrm>
-          <a:prstGeom prst="ellipse">
-            <a:avLst/>
-          </a:prstGeom>
-          <a:noFill/>
-          <a:ln w="63500" cap="rnd">
-            <a:solidFill>
-              <a:srgbClr val="FFFFFF">
-                <a:alpha val="23137"/>
-              </a:srgbClr>
-            </a:solidFill>
-          </a:ln>
-          <a:effectLst>
-            <a:outerShdw blurRad="381000" dist="292100" dir="5400000" sx="-80000" sy="-18000" rotWithShape="0">
-              <a:srgbClr val="000000">
-                <a:alpha val="22000"/>
-              </a:srgbClr>
-            </a:outerShdw>
-          </a:effectLst>
-          <a:scene3d>
-            <a:camera prst="orthographicFront"/>
-            <a:lightRig rig="contrasting" dir="t">
-              <a:rot lat="0" lon="0" rev="3000000"/>
-            </a:lightRig>
-          </a:scene3d>
-          <a:sp3d contourW="7620">
-            <a:bevelT w="95250" h="31750"/>
-            <a:contourClr>
-              <a:srgbClr val="333333"/>
-            </a:contourClr>
-          </a:sp3d>
-        </p:spPr>
-      </p:pic>
-    </p:spTree>
-    <p:extLst>
-      <p:ext uri="{BB962C8B-B14F-4D97-AF65-F5344CB8AC3E}">
-        <p14:creationId xmlns:p14="http://schemas.microsoft.com/office/powerpoint/2010/main" val="3214383598"/>
-      </p:ext>
-    </p:extLst>
-  </p:cSld>
-  <p:clrMapOvr>
-    <a:masterClrMapping/>
-  </p:clrMapOvr>
-  <p:transition spd="slow">
-    <p:wipe/>
-  </p:transition>
-  <p:timing>
-    <p:tnLst>
-      <p:par>
-        <p:cTn id="1" dur="indefinite" restart="never" nodeType="tmRoot">
-          <p:childTnLst>
-            <p:seq concurrent="1" nextAc="seek">
-              <p:cTn id="2" dur="indefinite" nodeType="mainSeq">
-                <p:childTnLst>
-                  <p:par>
-                    <p:cTn id="3" fill="hold">
-                      <p:stCondLst>
-                        <p:cond delay="indefinite"/>
-                        <p:cond evt="onBegin" delay="0">
-                          <p:tn val="2"/>
-                        </p:cond>
-                      </p:stCondLst>
-                      <p:childTnLst>
-                        <p:par>
-                          <p:cTn id="4" fill="hold">
-                            <p:stCondLst>
-                              <p:cond delay="0"/>
-                            </p:stCondLst>
-                            <p:childTnLst>
-                              <p:par>
-                                <p:cTn id="5" presetID="10" presetClass="entr" presetSubtype="0" fill="hold" grpId="0" nodeType="afterEffect">
-                                  <p:stCondLst>
-                                    <p:cond delay="0"/>
-                                  </p:stCondLst>
-                                  <p:childTnLst>
-                                    <p:set>
-                                      <p:cBhvr>
-                                        <p:cTn id="6" dur="1" fill="hold">
-                                          <p:stCondLst>
-                                            <p:cond delay="0"/>
-                                          </p:stCondLst>
-                                        </p:cTn>
-                                        <p:tgtEl>
-                                          <p:spTgt spid="6"/>
-                                        </p:tgtEl>
-                                        <p:attrNameLst>
-                                          <p:attrName>style.visibility</p:attrName>
-                                        </p:attrNameLst>
-                                      </p:cBhvr>
-                                      <p:to>
-                                        <p:strVal val="visible"/>
-                                      </p:to>
-                                    </p:set>
-                                    <p:animEffect transition="in" filter="fade">
-                                      <p:cBhvr>
-                                        <p:cTn id="7" dur="500"/>
-                                        <p:tgtEl>
-                                          <p:spTgt spid="6"/>
-                                        </p:tgtEl>
-                                      </p:cBhvr>
-                                    </p:animEffect>
-                                  </p:childTnLst>
-                                </p:cTn>
-                              </p:par>
-                            </p:childTnLst>
-                          </p:cTn>
-                        </p:par>
-                      </p:childTnLst>
-                    </p:cTn>
-                  </p:par>
-                </p:childTnLst>
-              </p:cTn>
-              <p:prevCondLst>
-                <p:cond evt="onPrev" delay="0">
-                  <p:tgtEl>
-                    <p:sldTgt/>
-                  </p:tgtEl>
-                </p:cond>
-              </p:prevCondLst>
-              <p:nextCondLst>
-                <p:cond evt="onNext" delay="0">
-                  <p:tgtEl>
-                    <p:sldTgt/>
-                  </p:tgtEl>
-                </p:cond>
-              </p:nextCondLst>
-            </p:seq>
-          </p:childTnLst>
-        </p:cTn>
-      </p:par>
-    </p:tnLst>
-    <p:bldLst>
-      <p:bldP spid="6" grpId="0"/>
-    </p:bldLst>
-  </p:timing>
-</p:sld>
-</file>
-
-<file path=ppt/slides/slide30.xml><?xml version="1.0" encoding="utf-8"?>
+<file path=ppt/slides/slide32.xml><?xml version="1.0" encoding="utf-8"?>
 <p:sld xmlns:a="http://schemas.openxmlformats.org/drawingml/2006/main" xmlns:r="http://schemas.openxmlformats.org/officeDocument/2006/relationships" xmlns:p="http://schemas.openxmlformats.org/presentationml/2006/main">
   <p:cSld>
     <p:spTree>
@@ -22422,7 +24610,7 @@
 </p:sld>
 </file>
 
-<file path=ppt/slides/slide31.xml><?xml version="1.0" encoding="utf-8"?>
+<file path=ppt/slides/slide33.xml><?xml version="1.0" encoding="utf-8"?>
 <p:sld xmlns:a="http://schemas.openxmlformats.org/drawingml/2006/main" xmlns:r="http://schemas.openxmlformats.org/officeDocument/2006/relationships" xmlns:p="http://schemas.openxmlformats.org/presentationml/2006/main">
   <p:cSld>
     <p:spTree>
@@ -22504,20 +24692,14 @@
           <a:lstStyle/>
           <a:p>
             <a:r>
-              <a:rPr lang="pt-BR" dirty="0" err="1">
+              <a:rPr lang="pt-BR" dirty="0">
                 <a:solidFill>
                   <a:schemeClr val="bg1"/>
                 </a:solidFill>
                 <a:latin typeface="Nunito" pitchFamily="2" charset="77"/>
               </a:rPr>
-              <a:t>Zookeeper</a:t>
-            </a:r>
-            <a:endParaRPr lang="pt-BR" dirty="0">
-              <a:solidFill>
-                <a:schemeClr val="bg1"/>
-              </a:solidFill>
-              <a:latin typeface="Nunito" pitchFamily="2" charset="77"/>
-            </a:endParaRPr>
+              <a:t>Kafka</a:t>
+            </a:r>
           </a:p>
         </p:txBody>
       </p:sp>
@@ -22572,7 +24754,7 @@
         <p:spPr>
           <a:xfrm>
             <a:off x="1097280" y="2719343"/>
-            <a:ext cx="6400800" cy="2031325"/>
+            <a:ext cx="6400800" cy="4524315"/>
           </a:xfrm>
           <a:prstGeom prst="rect">
             <a:avLst/>
@@ -22589,7 +24771,7 @@
               <a:rPr lang="pt-BR" b="1" dirty="0">
                 <a:latin typeface="Nunito" pitchFamily="2" charset="77"/>
               </a:rPr>
-              <a:t>Mensagem</a:t>
+              <a:t>Por que escolher Kafka?</a:t>
             </a:r>
           </a:p>
           <a:p>
@@ -22598,38 +24780,11 @@
               <a:buChar char="-"/>
             </a:pPr>
             <a:r>
-              <a:rPr lang="en-US" dirty="0" err="1">
-                <a:latin typeface="Nunito" pitchFamily="2" charset="77"/>
-              </a:rPr>
-              <a:t>Unidade</a:t>
-            </a:r>
-            <a:r>
               <a:rPr lang="en-US" dirty="0">
                 <a:latin typeface="Nunito" pitchFamily="2" charset="77"/>
               </a:rPr>
-              <a:t> </a:t>
-            </a:r>
-            <a:r>
-              <a:rPr lang="en-US" dirty="0" err="1">
-                <a:latin typeface="Nunito" pitchFamily="2" charset="77"/>
-              </a:rPr>
-              <a:t>básica</a:t>
-            </a:r>
-            <a:r>
-              <a:rPr lang="en-US" dirty="0">
-                <a:latin typeface="Nunito" pitchFamily="2" charset="77"/>
-              </a:rPr>
-              <a:t> de </a:t>
-            </a:r>
-            <a:r>
-              <a:rPr lang="en-US" dirty="0" err="1">
-                <a:latin typeface="Nunito" pitchFamily="2" charset="77"/>
-              </a:rPr>
-              <a:t>comunicação</a:t>
-            </a:r>
-            <a:endParaRPr lang="en-US" dirty="0">
-              <a:latin typeface="Nunito" pitchFamily="2" charset="77"/>
-            </a:endParaRPr>
+              <a:t>Open source</a:t>
+            </a:r>
           </a:p>
           <a:p>
             <a:pPr marL="285750" indent="-285750">
@@ -22640,19 +24795,49 @@
               <a:rPr lang="en-US" dirty="0" err="1">
                 <a:latin typeface="Nunito" pitchFamily="2" charset="77"/>
               </a:rPr>
-              <a:t>Pode</a:t>
+              <a:t>Criado</a:t>
             </a:r>
             <a:r>
               <a:rPr lang="en-US" dirty="0">
                 <a:latin typeface="Nunito" pitchFamily="2" charset="77"/>
               </a:rPr>
-              <a:t> ser </a:t>
-            </a:r>
+              <a:t> no LinkedIn</a:t>
+            </a:r>
+          </a:p>
+          <a:p>
+            <a:pPr marL="285750" indent="-285750">
+              <a:buFontTx/>
+              <a:buChar char="-"/>
+            </a:pPr>
+            <a:r>
+              <a:rPr lang="en-US" dirty="0">
+                <a:latin typeface="Nunito" pitchFamily="2" charset="77"/>
+              </a:rPr>
+              <a:t>Apache License</a:t>
+            </a:r>
+          </a:p>
+          <a:p>
+            <a:pPr marL="285750" indent="-285750">
+              <a:buFontTx/>
+              <a:buChar char="-"/>
+            </a:pPr>
+            <a:r>
+              <a:rPr lang="en-US" dirty="0">
+                <a:latin typeface="Nunito" pitchFamily="2" charset="77"/>
+              </a:rPr>
+              <a:t>Netflix, Uber, Spotify</a:t>
+            </a:r>
+          </a:p>
+          <a:p>
+            <a:pPr marL="285750" indent="-285750">
+              <a:buFontTx/>
+              <a:buChar char="-"/>
+            </a:pPr>
             <a:r>
               <a:rPr lang="en-US" dirty="0" err="1">
                 <a:latin typeface="Nunito" pitchFamily="2" charset="77"/>
               </a:rPr>
-              <a:t>literalmente</a:t>
+              <a:t>Feito</a:t>
             </a:r>
             <a:r>
               <a:rPr lang="en-US" dirty="0">
@@ -22664,23 +24849,14 @@
               <a:rPr lang="en-US" dirty="0" err="1">
                 <a:latin typeface="Nunito" pitchFamily="2" charset="77"/>
               </a:rPr>
-              <a:t>qualquer</a:t>
+              <a:t>em</a:t>
             </a:r>
             <a:r>
               <a:rPr lang="en-US" dirty="0">
                 <a:latin typeface="Nunito" pitchFamily="2" charset="77"/>
               </a:rPr>
-              <a:t> </a:t>
-            </a:r>
-            <a:r>
-              <a:rPr lang="en-US" dirty="0" err="1">
-                <a:latin typeface="Nunito" pitchFamily="2" charset="77"/>
-              </a:rPr>
-              <a:t>coisa</a:t>
-            </a:r>
-            <a:endParaRPr lang="en-US" dirty="0">
-              <a:latin typeface="Nunito" pitchFamily="2" charset="77"/>
-            </a:endParaRPr>
+              <a:t> Java</a:t>
+            </a:r>
           </a:p>
           <a:p>
             <a:pPr marL="742950" lvl="1" indent="-285750">
@@ -22688,16 +24864,163 @@
               <a:buChar char="-"/>
             </a:pPr>
             <a:r>
+              <a:rPr lang="en-US" dirty="0" err="1">
+                <a:latin typeface="Nunito" pitchFamily="2" charset="77"/>
+              </a:rPr>
+              <a:t>ByteCode</a:t>
+            </a:r>
+            <a:r>
               <a:rPr lang="en-US" dirty="0">
                 <a:latin typeface="Nunito" pitchFamily="2" charset="77"/>
               </a:rPr>
-              <a:t>String, int, </a:t>
+              <a:t> =&gt; JVM</a:t>
+            </a:r>
+          </a:p>
+          <a:p>
+            <a:pPr marL="285750" indent="-285750">
+              <a:buFontTx/>
+              <a:buChar char="-"/>
+            </a:pPr>
+            <a:r>
+              <a:rPr lang="en-US" dirty="0">
+                <a:latin typeface="Nunito" pitchFamily="2" charset="77"/>
+              </a:rPr>
+              <a:t>High </a:t>
             </a:r>
             <a:r>
               <a:rPr lang="en-US" dirty="0" err="1">
                 <a:latin typeface="Nunito" pitchFamily="2" charset="77"/>
               </a:rPr>
-              <a:t>objeto</a:t>
+              <a:t>throughtput</a:t>
+            </a:r>
+            <a:endParaRPr lang="en-US" dirty="0">
+              <a:latin typeface="Nunito" pitchFamily="2" charset="77"/>
+            </a:endParaRPr>
+          </a:p>
+          <a:p>
+            <a:pPr marL="742950" lvl="1" indent="-285750">
+              <a:buFontTx/>
+              <a:buChar char="-"/>
+            </a:pPr>
+            <a:r>
+              <a:rPr lang="en-US" dirty="0" err="1">
+                <a:latin typeface="Nunito" pitchFamily="2" charset="77"/>
+              </a:rPr>
+              <a:t>Não</a:t>
+            </a:r>
+            <a:r>
+              <a:rPr lang="en-US" dirty="0">
+                <a:latin typeface="Nunito" pitchFamily="2" charset="77"/>
+              </a:rPr>
+              <a:t> </a:t>
+            </a:r>
+            <a:r>
+              <a:rPr lang="en-US" dirty="0" err="1">
+                <a:latin typeface="Nunito" pitchFamily="2" charset="77"/>
+              </a:rPr>
+              <a:t>tem</a:t>
+            </a:r>
+            <a:r>
+              <a:rPr lang="en-US" dirty="0">
+                <a:latin typeface="Nunito" pitchFamily="2" charset="77"/>
+              </a:rPr>
+              <a:t> </a:t>
+            </a:r>
+            <a:r>
+              <a:rPr lang="en-US" dirty="0" err="1">
+                <a:latin typeface="Nunito" pitchFamily="2" charset="77"/>
+              </a:rPr>
+              <a:t>serialização</a:t>
+            </a:r>
+            <a:r>
+              <a:rPr lang="en-US" dirty="0">
+                <a:latin typeface="Nunito" pitchFamily="2" charset="77"/>
+              </a:rPr>
+              <a:t>/</a:t>
+            </a:r>
+            <a:r>
+              <a:rPr lang="en-US" dirty="0" err="1">
+                <a:latin typeface="Nunito" pitchFamily="2" charset="77"/>
+              </a:rPr>
+              <a:t>deserialização</a:t>
+            </a:r>
+            <a:endParaRPr lang="en-US" dirty="0">
+              <a:latin typeface="Nunito" pitchFamily="2" charset="77"/>
+            </a:endParaRPr>
+          </a:p>
+          <a:p>
+            <a:pPr marL="742950" lvl="1" indent="-285750">
+              <a:buFontTx/>
+              <a:buChar char="-"/>
+            </a:pPr>
+            <a:r>
+              <a:rPr lang="en-US" dirty="0" err="1">
+                <a:latin typeface="Nunito" pitchFamily="2" charset="77"/>
+              </a:rPr>
+              <a:t>Tudo</a:t>
+            </a:r>
+            <a:r>
+              <a:rPr lang="en-US" dirty="0">
+                <a:latin typeface="Nunito" pitchFamily="2" charset="77"/>
+              </a:rPr>
+              <a:t> </a:t>
+            </a:r>
+            <a:r>
+              <a:rPr lang="en-US" dirty="0" err="1">
+                <a:latin typeface="Nunito" pitchFamily="2" charset="77"/>
+              </a:rPr>
+              <a:t>binário</a:t>
+            </a:r>
+            <a:endParaRPr lang="en-US" dirty="0">
+              <a:latin typeface="Nunito" pitchFamily="2" charset="77"/>
+            </a:endParaRPr>
+          </a:p>
+          <a:p>
+            <a:pPr marL="742950" lvl="1" indent="-285750">
+              <a:buFontTx/>
+              <a:buChar char="-"/>
+            </a:pPr>
+            <a:r>
+              <a:rPr lang="en-US" dirty="0">
+                <a:latin typeface="Nunito" pitchFamily="2" charset="77"/>
+              </a:rPr>
+              <a:t>Zero Copy</a:t>
+            </a:r>
+          </a:p>
+          <a:p>
+            <a:pPr marL="285750" indent="-285750">
+              <a:buFontTx/>
+              <a:buChar char="-"/>
+            </a:pPr>
+            <a:r>
+              <a:rPr lang="en-US" dirty="0">
+                <a:latin typeface="Nunito" pitchFamily="2" charset="77"/>
+              </a:rPr>
+              <a:t>Distributed Streaming Platform</a:t>
+            </a:r>
+          </a:p>
+          <a:p>
+            <a:pPr marL="742950" lvl="1" indent="-285750">
+              <a:buFontTx/>
+              <a:buChar char="-"/>
+            </a:pPr>
+            <a:r>
+              <a:rPr lang="en-US" dirty="0" err="1">
+                <a:latin typeface="Nunito" pitchFamily="2" charset="77"/>
+              </a:rPr>
+              <a:t>Mensageria</a:t>
+            </a:r>
+            <a:r>
+              <a:rPr lang="en-US" dirty="0">
+                <a:latin typeface="Nunito" pitchFamily="2" charset="77"/>
+              </a:rPr>
+              <a:t>, Storage, </a:t>
+            </a:r>
+            <a:r>
+              <a:rPr lang="en-US" dirty="0" err="1">
+                <a:latin typeface="Nunito" pitchFamily="2" charset="77"/>
+              </a:rPr>
+              <a:t>Processamento</a:t>
             </a:r>
             <a:endParaRPr lang="en-US" dirty="0">
               <a:latin typeface="Nunito" pitchFamily="2" charset="77"/>
@@ -22874,7 +25197,1118 @@
 </p:sld>
 </file>
 
-<file path=ppt/slides/slide32.xml><?xml version="1.0" encoding="utf-8"?>
+<file path=ppt/slides/slide34.xml><?xml version="1.0" encoding="utf-8"?>
+<p:sld xmlns:a="http://schemas.openxmlformats.org/drawingml/2006/main" xmlns:r="http://schemas.openxmlformats.org/officeDocument/2006/relationships" xmlns:p="http://schemas.openxmlformats.org/presentationml/2006/main">
+  <p:cSld>
+    <p:spTree>
+      <p:nvGrpSpPr>
+        <p:cNvPr id="1" name=""/>
+        <p:cNvGrpSpPr/>
+        <p:nvPr/>
+      </p:nvGrpSpPr>
+      <p:grpSpPr>
+        <a:xfrm>
+          <a:off x="0" y="0"/>
+          <a:ext cx="0" cy="0"/>
+          <a:chOff x="0" y="0"/>
+          <a:chExt cx="0" cy="0"/>
+        </a:xfrm>
+      </p:grpSpPr>
+      <p:pic>
+        <p:nvPicPr>
+          <p:cNvPr id="7" name="Imagem 6">
+            <a:extLst>
+              <a:ext uri="{FF2B5EF4-FFF2-40B4-BE49-F238E27FC236}">
+                <a16:creationId xmlns:a16="http://schemas.microsoft.com/office/drawing/2014/main" id="{15EF5E79-A320-604B-B8D0-BB7CC7F3BD24}"/>
+              </a:ext>
+            </a:extLst>
+          </p:cNvPr>
+          <p:cNvPicPr>
+            <a:picLocks noChangeAspect="1"/>
+          </p:cNvPicPr>
+          <p:nvPr/>
+        </p:nvPicPr>
+        <p:blipFill>
+          <a:blip r:embed="rId2">
+            <a:extLst>
+              <a:ext uri="{28A0092B-C50C-407E-A947-70E740481C1C}">
+                <a14:useLocalDpi xmlns:a14="http://schemas.microsoft.com/office/drawing/2010/main" val="0"/>
+              </a:ext>
+            </a:extLst>
+          </a:blip>
+          <a:stretch>
+            <a:fillRect/>
+          </a:stretch>
+        </p:blipFill>
+        <p:spPr>
+          <a:xfrm>
+            <a:off x="-1" y="-1590"/>
+            <a:ext cx="12192001" cy="2021978"/>
+          </a:xfrm>
+          <a:prstGeom prst="rect">
+            <a:avLst/>
+          </a:prstGeom>
+        </p:spPr>
+      </p:pic>
+      <p:sp>
+        <p:nvSpPr>
+          <p:cNvPr id="13" name="Título 1">
+            <a:extLst>
+              <a:ext uri="{FF2B5EF4-FFF2-40B4-BE49-F238E27FC236}">
+                <a16:creationId xmlns:a16="http://schemas.microsoft.com/office/drawing/2014/main" id="{94E1A0D2-D048-46FE-90D3-722FBF740CC7}"/>
+              </a:ext>
+            </a:extLst>
+          </p:cNvPr>
+          <p:cNvSpPr>
+            <a:spLocks noGrp="1"/>
+          </p:cNvSpPr>
+          <p:nvPr>
+            <p:ph type="title"/>
+          </p:nvPr>
+        </p:nvSpPr>
+        <p:spPr>
+          <a:xfrm>
+            <a:off x="2159726" y="0"/>
+            <a:ext cx="9292046" cy="2021978"/>
+          </a:xfrm>
+        </p:spPr>
+        <p:txBody>
+          <a:bodyPr>
+            <a:normAutofit/>
+          </a:bodyPr>
+          <a:lstStyle/>
+          <a:p>
+            <a:r>
+              <a:rPr lang="pt-BR" dirty="0">
+                <a:solidFill>
+                  <a:schemeClr val="bg1"/>
+                </a:solidFill>
+                <a:latin typeface="Nunito" pitchFamily="2" charset="77"/>
+              </a:rPr>
+              <a:t>Broker</a:t>
+            </a:r>
+          </a:p>
+        </p:txBody>
+      </p:sp>
+      <p:pic>
+        <p:nvPicPr>
+          <p:cNvPr id="14" name="Gráfico 13">
+            <a:extLst>
+              <a:ext uri="{FF2B5EF4-FFF2-40B4-BE49-F238E27FC236}">
+                <a16:creationId xmlns:a16="http://schemas.microsoft.com/office/drawing/2014/main" id="{2B5477E9-00BA-4494-BA1B-5466AC45994D}"/>
+              </a:ext>
+            </a:extLst>
+          </p:cNvPr>
+          <p:cNvPicPr>
+            <a:picLocks noChangeAspect="1"/>
+          </p:cNvPicPr>
+          <p:nvPr/>
+        </p:nvPicPr>
+        <p:blipFill>
+          <a:blip r:embed="rId3">
+            <a:extLst>
+              <a:ext uri="{96DAC541-7B7A-43D3-8B79-37D633B846F1}">
+                <asvg:svgBlip xmlns:asvg="http://schemas.microsoft.com/office/drawing/2016/SVG/main" r:embed="rId4"/>
+              </a:ext>
+            </a:extLst>
+          </a:blip>
+          <a:stretch>
+            <a:fillRect/>
+          </a:stretch>
+        </p:blipFill>
+        <p:spPr>
+          <a:xfrm>
+            <a:off x="1097280" y="636835"/>
+            <a:ext cx="610307" cy="705667"/>
+          </a:xfrm>
+          <a:prstGeom prst="rect">
+            <a:avLst/>
+          </a:prstGeom>
+        </p:spPr>
+      </p:pic>
+      <p:sp>
+        <p:nvSpPr>
+          <p:cNvPr id="8" name="CaixaDeTexto 7">
+            <a:extLst>
+              <a:ext uri="{FF2B5EF4-FFF2-40B4-BE49-F238E27FC236}">
+                <a16:creationId xmlns:a16="http://schemas.microsoft.com/office/drawing/2014/main" id="{29557DB5-A419-464F-8DE1-FE557705DF73}"/>
+              </a:ext>
+            </a:extLst>
+          </p:cNvPr>
+          <p:cNvSpPr txBox="1"/>
+          <p:nvPr/>
+        </p:nvSpPr>
+        <p:spPr>
+          <a:xfrm>
+            <a:off x="1097280" y="2719343"/>
+            <a:ext cx="6400800" cy="4524315"/>
+          </a:xfrm>
+          <a:prstGeom prst="rect">
+            <a:avLst/>
+          </a:prstGeom>
+          <a:noFill/>
+        </p:spPr>
+        <p:txBody>
+          <a:bodyPr wrap="square" rtlCol="0">
+            <a:spAutoFit/>
+          </a:bodyPr>
+          <a:lstStyle/>
+          <a:p>
+            <a:r>
+              <a:rPr lang="pt-BR" b="1" dirty="0">
+                <a:latin typeface="Nunito" pitchFamily="2" charset="77"/>
+              </a:rPr>
+              <a:t>Mensagem</a:t>
+            </a:r>
+          </a:p>
+          <a:p>
+            <a:pPr marL="285750" indent="-285750">
+              <a:buFontTx/>
+              <a:buChar char="-"/>
+            </a:pPr>
+            <a:r>
+              <a:rPr lang="en-US" dirty="0">
+                <a:latin typeface="Nunito" pitchFamily="2" charset="77"/>
+              </a:rPr>
+              <a:t>Open source</a:t>
+            </a:r>
+          </a:p>
+          <a:p>
+            <a:pPr marL="285750" indent="-285750">
+              <a:buFontTx/>
+              <a:buChar char="-"/>
+            </a:pPr>
+            <a:r>
+              <a:rPr lang="en-US" dirty="0" err="1">
+                <a:latin typeface="Nunito" pitchFamily="2" charset="77"/>
+              </a:rPr>
+              <a:t>Criado</a:t>
+            </a:r>
+            <a:r>
+              <a:rPr lang="en-US" dirty="0">
+                <a:latin typeface="Nunito" pitchFamily="2" charset="77"/>
+              </a:rPr>
+              <a:t> no LinkedIn</a:t>
+            </a:r>
+          </a:p>
+          <a:p>
+            <a:pPr marL="285750" indent="-285750">
+              <a:buFontTx/>
+              <a:buChar char="-"/>
+            </a:pPr>
+            <a:r>
+              <a:rPr lang="en-US" dirty="0">
+                <a:latin typeface="Nunito" pitchFamily="2" charset="77"/>
+              </a:rPr>
+              <a:t>Apache License</a:t>
+            </a:r>
+          </a:p>
+          <a:p>
+            <a:pPr marL="285750" indent="-285750">
+              <a:buFontTx/>
+              <a:buChar char="-"/>
+            </a:pPr>
+            <a:r>
+              <a:rPr lang="en-US" dirty="0">
+                <a:latin typeface="Nunito" pitchFamily="2" charset="77"/>
+              </a:rPr>
+              <a:t>Netflix, Uber, Spotify</a:t>
+            </a:r>
+          </a:p>
+          <a:p>
+            <a:pPr marL="285750" indent="-285750">
+              <a:buFontTx/>
+              <a:buChar char="-"/>
+            </a:pPr>
+            <a:r>
+              <a:rPr lang="en-US" dirty="0" err="1">
+                <a:latin typeface="Nunito" pitchFamily="2" charset="77"/>
+              </a:rPr>
+              <a:t>Feito</a:t>
+            </a:r>
+            <a:r>
+              <a:rPr lang="en-US" dirty="0">
+                <a:latin typeface="Nunito" pitchFamily="2" charset="77"/>
+              </a:rPr>
+              <a:t> </a:t>
+            </a:r>
+            <a:r>
+              <a:rPr lang="en-US" dirty="0" err="1">
+                <a:latin typeface="Nunito" pitchFamily="2" charset="77"/>
+              </a:rPr>
+              <a:t>em</a:t>
+            </a:r>
+            <a:r>
+              <a:rPr lang="en-US" dirty="0">
+                <a:latin typeface="Nunito" pitchFamily="2" charset="77"/>
+              </a:rPr>
+              <a:t> Java</a:t>
+            </a:r>
+          </a:p>
+          <a:p>
+            <a:pPr marL="742950" lvl="1" indent="-285750">
+              <a:buFontTx/>
+              <a:buChar char="-"/>
+            </a:pPr>
+            <a:r>
+              <a:rPr lang="en-US" dirty="0" err="1">
+                <a:latin typeface="Nunito" pitchFamily="2" charset="77"/>
+              </a:rPr>
+              <a:t>ByteCode</a:t>
+            </a:r>
+            <a:r>
+              <a:rPr lang="en-US" dirty="0">
+                <a:latin typeface="Nunito" pitchFamily="2" charset="77"/>
+              </a:rPr>
+              <a:t> =&gt; JVM</a:t>
+            </a:r>
+          </a:p>
+          <a:p>
+            <a:pPr marL="285750" indent="-285750">
+              <a:buFontTx/>
+              <a:buChar char="-"/>
+            </a:pPr>
+            <a:r>
+              <a:rPr lang="en-US" dirty="0">
+                <a:latin typeface="Nunito" pitchFamily="2" charset="77"/>
+              </a:rPr>
+              <a:t>High </a:t>
+            </a:r>
+            <a:r>
+              <a:rPr lang="en-US" dirty="0" err="1">
+                <a:latin typeface="Nunito" pitchFamily="2" charset="77"/>
+              </a:rPr>
+              <a:t>throughtput</a:t>
+            </a:r>
+            <a:endParaRPr lang="en-US" dirty="0">
+              <a:latin typeface="Nunito" pitchFamily="2" charset="77"/>
+            </a:endParaRPr>
+          </a:p>
+          <a:p>
+            <a:pPr marL="742950" lvl="1" indent="-285750">
+              <a:buFontTx/>
+              <a:buChar char="-"/>
+            </a:pPr>
+            <a:r>
+              <a:rPr lang="en-US" dirty="0" err="1">
+                <a:latin typeface="Nunito" pitchFamily="2" charset="77"/>
+              </a:rPr>
+              <a:t>Não</a:t>
+            </a:r>
+            <a:r>
+              <a:rPr lang="en-US" dirty="0">
+                <a:latin typeface="Nunito" pitchFamily="2" charset="77"/>
+              </a:rPr>
+              <a:t> </a:t>
+            </a:r>
+            <a:r>
+              <a:rPr lang="en-US" dirty="0" err="1">
+                <a:latin typeface="Nunito" pitchFamily="2" charset="77"/>
+              </a:rPr>
+              <a:t>tem</a:t>
+            </a:r>
+            <a:r>
+              <a:rPr lang="en-US" dirty="0">
+                <a:latin typeface="Nunito" pitchFamily="2" charset="77"/>
+              </a:rPr>
+              <a:t> </a:t>
+            </a:r>
+            <a:r>
+              <a:rPr lang="en-US" dirty="0" err="1">
+                <a:latin typeface="Nunito" pitchFamily="2" charset="77"/>
+              </a:rPr>
+              <a:t>serialização</a:t>
+            </a:r>
+            <a:r>
+              <a:rPr lang="en-US" dirty="0">
+                <a:latin typeface="Nunito" pitchFamily="2" charset="77"/>
+              </a:rPr>
+              <a:t>/</a:t>
+            </a:r>
+            <a:r>
+              <a:rPr lang="en-US" dirty="0" err="1">
+                <a:latin typeface="Nunito" pitchFamily="2" charset="77"/>
+              </a:rPr>
+              <a:t>deserialização</a:t>
+            </a:r>
+            <a:endParaRPr lang="en-US" dirty="0">
+              <a:latin typeface="Nunito" pitchFamily="2" charset="77"/>
+            </a:endParaRPr>
+          </a:p>
+          <a:p>
+            <a:pPr marL="742950" lvl="1" indent="-285750">
+              <a:buFontTx/>
+              <a:buChar char="-"/>
+            </a:pPr>
+            <a:r>
+              <a:rPr lang="en-US" dirty="0" err="1">
+                <a:latin typeface="Nunito" pitchFamily="2" charset="77"/>
+              </a:rPr>
+              <a:t>Tudo</a:t>
+            </a:r>
+            <a:r>
+              <a:rPr lang="en-US" dirty="0">
+                <a:latin typeface="Nunito" pitchFamily="2" charset="77"/>
+              </a:rPr>
+              <a:t> </a:t>
+            </a:r>
+            <a:r>
+              <a:rPr lang="en-US" dirty="0" err="1">
+                <a:latin typeface="Nunito" pitchFamily="2" charset="77"/>
+              </a:rPr>
+              <a:t>binário</a:t>
+            </a:r>
+            <a:endParaRPr lang="en-US" dirty="0">
+              <a:latin typeface="Nunito" pitchFamily="2" charset="77"/>
+            </a:endParaRPr>
+          </a:p>
+          <a:p>
+            <a:pPr marL="742950" lvl="1" indent="-285750">
+              <a:buFontTx/>
+              <a:buChar char="-"/>
+            </a:pPr>
+            <a:r>
+              <a:rPr lang="en-US" dirty="0">
+                <a:latin typeface="Nunito" pitchFamily="2" charset="77"/>
+              </a:rPr>
+              <a:t>Zero Copy</a:t>
+            </a:r>
+          </a:p>
+          <a:p>
+            <a:pPr marL="285750" indent="-285750">
+              <a:buFontTx/>
+              <a:buChar char="-"/>
+            </a:pPr>
+            <a:r>
+              <a:rPr lang="en-US" dirty="0">
+                <a:latin typeface="Nunito" pitchFamily="2" charset="77"/>
+              </a:rPr>
+              <a:t>Distributed Streaming Platform</a:t>
+            </a:r>
+          </a:p>
+          <a:p>
+            <a:pPr marL="742950" lvl="1" indent="-285750">
+              <a:buFontTx/>
+              <a:buChar char="-"/>
+            </a:pPr>
+            <a:r>
+              <a:rPr lang="en-US" dirty="0" err="1">
+                <a:latin typeface="Nunito" pitchFamily="2" charset="77"/>
+              </a:rPr>
+              <a:t>Mensageria</a:t>
+            </a:r>
+            <a:r>
+              <a:rPr lang="en-US" dirty="0">
+                <a:latin typeface="Nunito" pitchFamily="2" charset="77"/>
+              </a:rPr>
+              <a:t>, Storage, </a:t>
+            </a:r>
+            <a:r>
+              <a:rPr lang="en-US" dirty="0" err="1">
+                <a:latin typeface="Nunito" pitchFamily="2" charset="77"/>
+              </a:rPr>
+              <a:t>Processamento</a:t>
+            </a:r>
+            <a:endParaRPr lang="en-US" dirty="0">
+              <a:latin typeface="Nunito" pitchFamily="2" charset="77"/>
+            </a:endParaRPr>
+          </a:p>
+          <a:p>
+            <a:pPr marL="285750" indent="-285750">
+              <a:buFontTx/>
+              <a:buChar char="-"/>
+            </a:pPr>
+            <a:endParaRPr lang="en-US" dirty="0">
+              <a:latin typeface="Montserrat Light" panose="00000400000000000000" pitchFamily="2" charset="0"/>
+            </a:endParaRPr>
+          </a:p>
+          <a:p>
+            <a:pPr marL="285750" indent="-285750">
+              <a:buFontTx/>
+              <a:buChar char="-"/>
+            </a:pPr>
+            <a:endParaRPr lang="pt-BR" dirty="0">
+              <a:latin typeface="Montserrat Light" panose="00000400000000000000" pitchFamily="2" charset="0"/>
+            </a:endParaRPr>
+          </a:p>
+          <a:p>
+            <a:pPr marL="285750" indent="-285750">
+              <a:buFontTx/>
+              <a:buChar char="-"/>
+            </a:pPr>
+            <a:endParaRPr lang="pt-BR" dirty="0">
+              <a:latin typeface="Montserrat Light" panose="00000400000000000000" pitchFamily="2" charset="0"/>
+            </a:endParaRPr>
+          </a:p>
+        </p:txBody>
+      </p:sp>
+      <p:pic>
+        <p:nvPicPr>
+          <p:cNvPr id="3" name="Gráfico 2">
+            <a:extLst>
+              <a:ext uri="{FF2B5EF4-FFF2-40B4-BE49-F238E27FC236}">
+                <a16:creationId xmlns:a16="http://schemas.microsoft.com/office/drawing/2014/main" id="{CBA04222-E9A5-46A3-809E-82ED64A96098}"/>
+              </a:ext>
+            </a:extLst>
+          </p:cNvPr>
+          <p:cNvPicPr>
+            <a:picLocks noChangeAspect="1"/>
+          </p:cNvPicPr>
+          <p:nvPr/>
+        </p:nvPicPr>
+        <p:blipFill>
+          <a:blip r:embed="rId5">
+            <a:extLst>
+              <a:ext uri="{28A0092B-C50C-407E-A947-70E740481C1C}">
+                <a14:useLocalDpi xmlns:a14="http://schemas.microsoft.com/office/drawing/2010/main" val="0"/>
+              </a:ext>
+              <a:ext uri="{96DAC541-7B7A-43D3-8B79-37D633B846F1}">
+                <asvg:svgBlip xmlns:asvg="http://schemas.microsoft.com/office/drawing/2016/SVG/main" r:embed="rId6"/>
+              </a:ext>
+            </a:extLst>
+          </a:blip>
+          <a:stretch>
+            <a:fillRect/>
+          </a:stretch>
+        </p:blipFill>
+        <p:spPr>
+          <a:xfrm>
+            <a:off x="6012472" y="2719343"/>
+            <a:ext cx="5439300" cy="3275393"/>
+          </a:xfrm>
+          <a:prstGeom prst="rect">
+            <a:avLst/>
+          </a:prstGeom>
+        </p:spPr>
+      </p:pic>
+    </p:spTree>
+    <p:extLst>
+      <p:ext uri="{BB962C8B-B14F-4D97-AF65-F5344CB8AC3E}">
+        <p14:creationId xmlns:p14="http://schemas.microsoft.com/office/powerpoint/2010/main" val="3958007421"/>
+      </p:ext>
+    </p:extLst>
+  </p:cSld>
+  <p:clrMapOvr>
+    <a:masterClrMapping/>
+  </p:clrMapOvr>
+  <mc:AlternateContent xmlns:mc="http://schemas.openxmlformats.org/markup-compatibility/2006" xmlns:p159="http://schemas.microsoft.com/office/powerpoint/2015/09/main">
+    <mc:Choice Requires="p159">
+      <p:transition xmlns:p14="http://schemas.microsoft.com/office/powerpoint/2010/main" spd="slow" p14:dur="2000">
+        <p159:morph option="byObject"/>
+      </p:transition>
+    </mc:Choice>
+    <mc:Fallback xmlns="">
+      <p:transition spd="slow">
+        <p:fade/>
+      </p:transition>
+    </mc:Fallback>
+  </mc:AlternateContent>
+  <p:timing>
+    <p:tnLst>
+      <p:par>
+        <p:cTn id="1" dur="indefinite" restart="never" nodeType="tmRoot">
+          <p:childTnLst>
+            <p:seq concurrent="1" nextAc="seek">
+              <p:cTn id="2" dur="indefinite" nodeType="mainSeq">
+                <p:childTnLst>
+                  <p:par>
+                    <p:cTn id="3" fill="hold">
+                      <p:stCondLst>
+                        <p:cond delay="indefinite"/>
+                      </p:stCondLst>
+                      <p:childTnLst>
+                        <p:par>
+                          <p:cTn id="4" fill="hold">
+                            <p:stCondLst>
+                              <p:cond delay="0"/>
+                            </p:stCondLst>
+                            <p:childTnLst>
+                              <p:par>
+                                <p:cTn id="5" presetID="1" presetClass="entr" presetSubtype="0" fill="hold" grpId="0" nodeType="clickEffect">
+                                  <p:stCondLst>
+                                    <p:cond delay="0"/>
+                                  </p:stCondLst>
+                                  <p:childTnLst>
+                                    <p:set>
+                                      <p:cBhvr>
+                                        <p:cTn id="6" dur="1" fill="hold">
+                                          <p:stCondLst>
+                                            <p:cond delay="0"/>
+                                          </p:stCondLst>
+                                        </p:cTn>
+                                        <p:tgtEl>
+                                          <p:spTgt spid="8"/>
+                                        </p:tgtEl>
+                                        <p:attrNameLst>
+                                          <p:attrName>style.visibility</p:attrName>
+                                        </p:attrNameLst>
+                                      </p:cBhvr>
+                                      <p:to>
+                                        <p:strVal val="visible"/>
+                                      </p:to>
+                                    </p:set>
+                                  </p:childTnLst>
+                                </p:cTn>
+                              </p:par>
+                            </p:childTnLst>
+                          </p:cTn>
+                        </p:par>
+                      </p:childTnLst>
+                    </p:cTn>
+                  </p:par>
+                </p:childTnLst>
+              </p:cTn>
+              <p:prevCondLst>
+                <p:cond evt="onPrev" delay="0">
+                  <p:tgtEl>
+                    <p:sldTgt/>
+                  </p:tgtEl>
+                </p:cond>
+              </p:prevCondLst>
+              <p:nextCondLst>
+                <p:cond evt="onNext" delay="0">
+                  <p:tgtEl>
+                    <p:sldTgt/>
+                  </p:tgtEl>
+                </p:cond>
+              </p:nextCondLst>
+            </p:seq>
+          </p:childTnLst>
+        </p:cTn>
+      </p:par>
+    </p:tnLst>
+    <p:bldLst>
+      <p:bldP spid="8" grpId="0"/>
+    </p:bldLst>
+  </p:timing>
+</p:sld>
+</file>
+
+<file path=ppt/slides/slide35.xml><?xml version="1.0" encoding="utf-8"?>
+<p:sld xmlns:a="http://schemas.openxmlformats.org/drawingml/2006/main" xmlns:r="http://schemas.openxmlformats.org/officeDocument/2006/relationships" xmlns:p="http://schemas.openxmlformats.org/presentationml/2006/main">
+  <p:cSld>
+    <p:spTree>
+      <p:nvGrpSpPr>
+        <p:cNvPr id="1" name=""/>
+        <p:cNvGrpSpPr/>
+        <p:nvPr/>
+      </p:nvGrpSpPr>
+      <p:grpSpPr>
+        <a:xfrm>
+          <a:off x="0" y="0"/>
+          <a:ext cx="0" cy="0"/>
+          <a:chOff x="0" y="0"/>
+          <a:chExt cx="0" cy="0"/>
+        </a:xfrm>
+      </p:grpSpPr>
+      <p:pic>
+        <p:nvPicPr>
+          <p:cNvPr id="7" name="Imagem 6">
+            <a:extLst>
+              <a:ext uri="{FF2B5EF4-FFF2-40B4-BE49-F238E27FC236}">
+                <a16:creationId xmlns:a16="http://schemas.microsoft.com/office/drawing/2014/main" id="{15EF5E79-A320-604B-B8D0-BB7CC7F3BD24}"/>
+              </a:ext>
+            </a:extLst>
+          </p:cNvPr>
+          <p:cNvPicPr>
+            <a:picLocks noChangeAspect="1"/>
+          </p:cNvPicPr>
+          <p:nvPr/>
+        </p:nvPicPr>
+        <p:blipFill>
+          <a:blip r:embed="rId2">
+            <a:extLst>
+              <a:ext uri="{28A0092B-C50C-407E-A947-70E740481C1C}">
+                <a14:useLocalDpi xmlns:a14="http://schemas.microsoft.com/office/drawing/2010/main" val="0"/>
+              </a:ext>
+            </a:extLst>
+          </a:blip>
+          <a:stretch>
+            <a:fillRect/>
+          </a:stretch>
+        </p:blipFill>
+        <p:spPr>
+          <a:xfrm>
+            <a:off x="-1" y="-1590"/>
+            <a:ext cx="12192001" cy="2021978"/>
+          </a:xfrm>
+          <a:prstGeom prst="rect">
+            <a:avLst/>
+          </a:prstGeom>
+        </p:spPr>
+      </p:pic>
+      <p:sp>
+        <p:nvSpPr>
+          <p:cNvPr id="13" name="Título 1">
+            <a:extLst>
+              <a:ext uri="{FF2B5EF4-FFF2-40B4-BE49-F238E27FC236}">
+                <a16:creationId xmlns:a16="http://schemas.microsoft.com/office/drawing/2014/main" id="{94E1A0D2-D048-46FE-90D3-722FBF740CC7}"/>
+              </a:ext>
+            </a:extLst>
+          </p:cNvPr>
+          <p:cNvSpPr>
+            <a:spLocks noGrp="1"/>
+          </p:cNvSpPr>
+          <p:nvPr>
+            <p:ph type="title"/>
+          </p:nvPr>
+        </p:nvSpPr>
+        <p:spPr>
+          <a:xfrm>
+            <a:off x="2159726" y="0"/>
+            <a:ext cx="9292046" cy="2021978"/>
+          </a:xfrm>
+        </p:spPr>
+        <p:txBody>
+          <a:bodyPr>
+            <a:normAutofit/>
+          </a:bodyPr>
+          <a:lstStyle/>
+          <a:p>
+            <a:r>
+              <a:rPr lang="pt-BR" dirty="0">
+                <a:solidFill>
+                  <a:schemeClr val="bg1"/>
+                </a:solidFill>
+                <a:latin typeface="Nunito" pitchFamily="2" charset="77"/>
+              </a:rPr>
+              <a:t>Streaming</a:t>
+            </a:r>
+          </a:p>
+        </p:txBody>
+      </p:sp>
+      <p:pic>
+        <p:nvPicPr>
+          <p:cNvPr id="14" name="Gráfico 13">
+            <a:extLst>
+              <a:ext uri="{FF2B5EF4-FFF2-40B4-BE49-F238E27FC236}">
+                <a16:creationId xmlns:a16="http://schemas.microsoft.com/office/drawing/2014/main" id="{2B5477E9-00BA-4494-BA1B-5466AC45994D}"/>
+              </a:ext>
+            </a:extLst>
+          </p:cNvPr>
+          <p:cNvPicPr>
+            <a:picLocks noChangeAspect="1"/>
+          </p:cNvPicPr>
+          <p:nvPr/>
+        </p:nvPicPr>
+        <p:blipFill>
+          <a:blip r:embed="rId3">
+            <a:extLst>
+              <a:ext uri="{96DAC541-7B7A-43D3-8B79-37D633B846F1}">
+                <asvg:svgBlip xmlns:asvg="http://schemas.microsoft.com/office/drawing/2016/SVG/main" r:embed="rId4"/>
+              </a:ext>
+            </a:extLst>
+          </a:blip>
+          <a:stretch>
+            <a:fillRect/>
+          </a:stretch>
+        </p:blipFill>
+        <p:spPr>
+          <a:xfrm>
+            <a:off x="1097280" y="636835"/>
+            <a:ext cx="610307" cy="705667"/>
+          </a:xfrm>
+          <a:prstGeom prst="rect">
+            <a:avLst/>
+          </a:prstGeom>
+        </p:spPr>
+      </p:pic>
+      <p:sp>
+        <p:nvSpPr>
+          <p:cNvPr id="8" name="CaixaDeTexto 7">
+            <a:extLst>
+              <a:ext uri="{FF2B5EF4-FFF2-40B4-BE49-F238E27FC236}">
+                <a16:creationId xmlns:a16="http://schemas.microsoft.com/office/drawing/2014/main" id="{29557DB5-A419-464F-8DE1-FE557705DF73}"/>
+              </a:ext>
+            </a:extLst>
+          </p:cNvPr>
+          <p:cNvSpPr txBox="1"/>
+          <p:nvPr/>
+        </p:nvSpPr>
+        <p:spPr>
+          <a:xfrm>
+            <a:off x="1097280" y="2719343"/>
+            <a:ext cx="6400800" cy="2585323"/>
+          </a:xfrm>
+          <a:prstGeom prst="rect">
+            <a:avLst/>
+          </a:prstGeom>
+          <a:noFill/>
+        </p:spPr>
+        <p:txBody>
+          <a:bodyPr wrap="square" rtlCol="0">
+            <a:spAutoFit/>
+          </a:bodyPr>
+          <a:lstStyle/>
+          <a:p>
+            <a:r>
+              <a:rPr lang="pt-BR" b="1" dirty="0">
+                <a:latin typeface="Nunito" pitchFamily="2" charset="77"/>
+              </a:rPr>
+              <a:t>Mensagem</a:t>
+            </a:r>
+          </a:p>
+          <a:p>
+            <a:pPr marL="285750" indent="-285750">
+              <a:buFontTx/>
+              <a:buChar char="-"/>
+            </a:pPr>
+            <a:r>
+              <a:rPr lang="en-US" dirty="0">
+                <a:latin typeface="Nunito" pitchFamily="2" charset="77"/>
+              </a:rPr>
+              <a:t>É o </a:t>
+            </a:r>
+            <a:r>
+              <a:rPr lang="en-US" dirty="0" err="1">
+                <a:latin typeface="Nunito" pitchFamily="2" charset="77"/>
+              </a:rPr>
+              <a:t>ato</a:t>
+            </a:r>
+            <a:r>
+              <a:rPr lang="en-US" dirty="0">
+                <a:latin typeface="Nunito" pitchFamily="2" charset="77"/>
+              </a:rPr>
+              <a:t> de </a:t>
+            </a:r>
+            <a:r>
+              <a:rPr lang="en-US" dirty="0" err="1">
+                <a:latin typeface="Nunito" pitchFamily="2" charset="77"/>
+              </a:rPr>
+              <a:t>processar</a:t>
+            </a:r>
+            <a:r>
+              <a:rPr lang="en-US" dirty="0">
+                <a:latin typeface="Nunito" pitchFamily="2" charset="77"/>
+              </a:rPr>
+              <a:t> </a:t>
+            </a:r>
+            <a:r>
+              <a:rPr lang="en-US" dirty="0" err="1">
+                <a:latin typeface="Nunito" pitchFamily="2" charset="77"/>
+              </a:rPr>
+              <a:t>os</a:t>
+            </a:r>
+            <a:r>
+              <a:rPr lang="en-US" dirty="0">
+                <a:latin typeface="Nunito" pitchFamily="2" charset="77"/>
+              </a:rPr>
+              <a:t> </a:t>
+            </a:r>
+            <a:r>
+              <a:rPr lang="en-US" dirty="0" err="1">
+                <a:latin typeface="Nunito" pitchFamily="2" charset="77"/>
+              </a:rPr>
+              <a:t>eventos</a:t>
+            </a:r>
+            <a:r>
+              <a:rPr lang="en-US" dirty="0">
+                <a:latin typeface="Nunito" pitchFamily="2" charset="77"/>
+              </a:rPr>
+              <a:t>, um a um, </a:t>
+            </a:r>
+            <a:r>
+              <a:rPr lang="en-US" dirty="0" err="1">
+                <a:latin typeface="Nunito" pitchFamily="2" charset="77"/>
+              </a:rPr>
+              <a:t>na</a:t>
+            </a:r>
+            <a:r>
+              <a:rPr lang="en-US" dirty="0">
+                <a:latin typeface="Nunito" pitchFamily="2" charset="77"/>
+              </a:rPr>
+              <a:t> </a:t>
+            </a:r>
+            <a:r>
+              <a:rPr lang="en-US" dirty="0" err="1">
+                <a:latin typeface="Nunito" pitchFamily="2" charset="77"/>
+              </a:rPr>
+              <a:t>ordem</a:t>
+            </a:r>
+            <a:r>
+              <a:rPr lang="en-US" dirty="0">
+                <a:latin typeface="Nunito" pitchFamily="2" charset="77"/>
+              </a:rPr>
+              <a:t> que </a:t>
+            </a:r>
+            <a:r>
+              <a:rPr lang="en-US" dirty="0" err="1">
+                <a:latin typeface="Nunito" pitchFamily="2" charset="77"/>
+              </a:rPr>
+              <a:t>chegam</a:t>
+            </a:r>
+            <a:r>
+              <a:rPr lang="en-US" dirty="0">
+                <a:latin typeface="Nunito" pitchFamily="2" charset="77"/>
+              </a:rPr>
+              <a:t> no </a:t>
+            </a:r>
+            <a:r>
+              <a:rPr lang="en-US" dirty="0" err="1">
+                <a:latin typeface="Nunito" pitchFamily="2" charset="77"/>
+              </a:rPr>
+              <a:t>sistema</a:t>
+            </a:r>
+            <a:endParaRPr lang="en-US" dirty="0">
+              <a:latin typeface="Nunito" pitchFamily="2" charset="77"/>
+            </a:endParaRPr>
+          </a:p>
+          <a:p>
+            <a:pPr marL="742950" lvl="1" indent="-285750">
+              <a:buFontTx/>
+              <a:buChar char="-"/>
+            </a:pPr>
+            <a:r>
+              <a:rPr lang="en-US" dirty="0" err="1">
+                <a:latin typeface="Nunito" pitchFamily="2" charset="77"/>
+              </a:rPr>
+              <a:t>Igual</a:t>
+            </a:r>
+            <a:r>
+              <a:rPr lang="en-US" dirty="0">
+                <a:latin typeface="Nunito" pitchFamily="2" charset="77"/>
+              </a:rPr>
+              <a:t> um streaming de video</a:t>
+            </a:r>
+          </a:p>
+          <a:p>
+            <a:pPr marL="285750" indent="-285750">
+              <a:buFontTx/>
+              <a:buChar char="-"/>
+            </a:pPr>
+            <a:r>
+              <a:rPr lang="en-US" dirty="0" err="1">
+                <a:latin typeface="Nunito" pitchFamily="2" charset="77"/>
+              </a:rPr>
+              <a:t>Processar</a:t>
+            </a:r>
+            <a:r>
+              <a:rPr lang="en-US" dirty="0">
+                <a:latin typeface="Nunito" pitchFamily="2" charset="77"/>
+              </a:rPr>
+              <a:t> as </a:t>
+            </a:r>
+            <a:r>
+              <a:rPr lang="en-US" dirty="0" err="1">
+                <a:latin typeface="Nunito" pitchFamily="2" charset="77"/>
+              </a:rPr>
+              <a:t>ações</a:t>
+            </a:r>
+            <a:r>
+              <a:rPr lang="en-US" dirty="0">
+                <a:latin typeface="Nunito" pitchFamily="2" charset="77"/>
+              </a:rPr>
+              <a:t> que </a:t>
+            </a:r>
+            <a:r>
+              <a:rPr lang="en-US" dirty="0" err="1">
+                <a:latin typeface="Nunito" pitchFamily="2" charset="77"/>
+              </a:rPr>
+              <a:t>acontecem</a:t>
+            </a:r>
+            <a:r>
+              <a:rPr lang="en-US" dirty="0">
+                <a:latin typeface="Nunito" pitchFamily="2" charset="77"/>
+              </a:rPr>
+              <a:t> no </a:t>
+            </a:r>
+            <a:r>
+              <a:rPr lang="en-US" dirty="0" err="1">
+                <a:latin typeface="Nunito" pitchFamily="2" charset="77"/>
+              </a:rPr>
+              <a:t>sistema</a:t>
+            </a:r>
+            <a:r>
+              <a:rPr lang="en-US" dirty="0">
+                <a:latin typeface="Nunito" pitchFamily="2" charset="77"/>
+              </a:rPr>
+              <a:t> </a:t>
+            </a:r>
+            <a:r>
+              <a:rPr lang="en-US" dirty="0" err="1">
+                <a:latin typeface="Nunito" pitchFamily="2" charset="77"/>
+              </a:rPr>
+              <a:t>em</a:t>
+            </a:r>
+            <a:r>
+              <a:rPr lang="en-US" dirty="0">
+                <a:latin typeface="Nunito" pitchFamily="2" charset="77"/>
+              </a:rPr>
+              <a:t> tempo real.</a:t>
+            </a:r>
+          </a:p>
+          <a:p>
+            <a:pPr marL="285750" indent="-285750">
+              <a:buFontTx/>
+              <a:buChar char="-"/>
+            </a:pPr>
+            <a:endParaRPr lang="en-US" dirty="0">
+              <a:latin typeface="Montserrat Light" panose="00000400000000000000" pitchFamily="2" charset="0"/>
+            </a:endParaRPr>
+          </a:p>
+          <a:p>
+            <a:pPr marL="285750" indent="-285750">
+              <a:buFontTx/>
+              <a:buChar char="-"/>
+            </a:pPr>
+            <a:endParaRPr lang="pt-BR" dirty="0">
+              <a:latin typeface="Montserrat Light" panose="00000400000000000000" pitchFamily="2" charset="0"/>
+            </a:endParaRPr>
+          </a:p>
+          <a:p>
+            <a:pPr marL="285750" indent="-285750">
+              <a:buFontTx/>
+              <a:buChar char="-"/>
+            </a:pPr>
+            <a:endParaRPr lang="pt-BR" dirty="0">
+              <a:latin typeface="Montserrat Light" panose="00000400000000000000" pitchFamily="2" charset="0"/>
+            </a:endParaRPr>
+          </a:p>
+        </p:txBody>
+      </p:sp>
+      <p:pic>
+        <p:nvPicPr>
+          <p:cNvPr id="3" name="Gráfico 2">
+            <a:extLst>
+              <a:ext uri="{FF2B5EF4-FFF2-40B4-BE49-F238E27FC236}">
+                <a16:creationId xmlns:a16="http://schemas.microsoft.com/office/drawing/2014/main" id="{CBA04222-E9A5-46A3-809E-82ED64A96098}"/>
+              </a:ext>
+            </a:extLst>
+          </p:cNvPr>
+          <p:cNvPicPr>
+            <a:picLocks noChangeAspect="1"/>
+          </p:cNvPicPr>
+          <p:nvPr/>
+        </p:nvPicPr>
+        <p:blipFill>
+          <a:blip r:embed="rId5">
+            <a:extLst>
+              <a:ext uri="{28A0092B-C50C-407E-A947-70E740481C1C}">
+                <a14:useLocalDpi xmlns:a14="http://schemas.microsoft.com/office/drawing/2010/main" val="0"/>
+              </a:ext>
+              <a:ext uri="{96DAC541-7B7A-43D3-8B79-37D633B846F1}">
+                <asvg:svgBlip xmlns:asvg="http://schemas.microsoft.com/office/drawing/2016/SVG/main" r:embed="rId6"/>
+              </a:ext>
+            </a:extLst>
+          </a:blip>
+          <a:stretch>
+            <a:fillRect/>
+          </a:stretch>
+        </p:blipFill>
+        <p:spPr>
+          <a:xfrm>
+            <a:off x="6012472" y="2719343"/>
+            <a:ext cx="5439300" cy="3275393"/>
+          </a:xfrm>
+          <a:prstGeom prst="rect">
+            <a:avLst/>
+          </a:prstGeom>
+        </p:spPr>
+      </p:pic>
+    </p:spTree>
+    <p:extLst>
+      <p:ext uri="{BB962C8B-B14F-4D97-AF65-F5344CB8AC3E}">
+        <p14:creationId xmlns:p14="http://schemas.microsoft.com/office/powerpoint/2010/main" val="1795169556"/>
+      </p:ext>
+    </p:extLst>
+  </p:cSld>
+  <p:clrMapOvr>
+    <a:masterClrMapping/>
+  </p:clrMapOvr>
+  <mc:AlternateContent xmlns:mc="http://schemas.openxmlformats.org/markup-compatibility/2006" xmlns:p159="http://schemas.microsoft.com/office/powerpoint/2015/09/main">
+    <mc:Choice Requires="p159">
+      <p:transition xmlns:p14="http://schemas.microsoft.com/office/powerpoint/2010/main" spd="slow" p14:dur="2000">
+        <p159:morph option="byObject"/>
+      </p:transition>
+    </mc:Choice>
+    <mc:Fallback xmlns="">
+      <p:transition spd="slow">
+        <p:fade/>
+      </p:transition>
+    </mc:Fallback>
+  </mc:AlternateContent>
+  <p:timing>
+    <p:tnLst>
+      <p:par>
+        <p:cTn id="1" dur="indefinite" restart="never" nodeType="tmRoot">
+          <p:childTnLst>
+            <p:seq concurrent="1" nextAc="seek">
+              <p:cTn id="2" dur="indefinite" nodeType="mainSeq">
+                <p:childTnLst>
+                  <p:par>
+                    <p:cTn id="3" fill="hold">
+                      <p:stCondLst>
+                        <p:cond delay="indefinite"/>
+                      </p:stCondLst>
+                      <p:childTnLst>
+                        <p:par>
+                          <p:cTn id="4" fill="hold">
+                            <p:stCondLst>
+                              <p:cond delay="0"/>
+                            </p:stCondLst>
+                            <p:childTnLst>
+                              <p:par>
+                                <p:cTn id="5" presetID="1" presetClass="entr" presetSubtype="0" fill="hold" grpId="0" nodeType="clickEffect">
+                                  <p:stCondLst>
+                                    <p:cond delay="0"/>
+                                  </p:stCondLst>
+                                  <p:childTnLst>
+                                    <p:set>
+                                      <p:cBhvr>
+                                        <p:cTn id="6" dur="1" fill="hold">
+                                          <p:stCondLst>
+                                            <p:cond delay="0"/>
+                                          </p:stCondLst>
+                                        </p:cTn>
+                                        <p:tgtEl>
+                                          <p:spTgt spid="8"/>
+                                        </p:tgtEl>
+                                        <p:attrNameLst>
+                                          <p:attrName>style.visibility</p:attrName>
+                                        </p:attrNameLst>
+                                      </p:cBhvr>
+                                      <p:to>
+                                        <p:strVal val="visible"/>
+                                      </p:to>
+                                    </p:set>
+                                  </p:childTnLst>
+                                </p:cTn>
+                              </p:par>
+                            </p:childTnLst>
+                          </p:cTn>
+                        </p:par>
+                      </p:childTnLst>
+                    </p:cTn>
+                  </p:par>
+                </p:childTnLst>
+              </p:cTn>
+              <p:prevCondLst>
+                <p:cond evt="onPrev" delay="0">
+                  <p:tgtEl>
+                    <p:sldTgt/>
+                  </p:tgtEl>
+                </p:cond>
+              </p:prevCondLst>
+              <p:nextCondLst>
+                <p:cond evt="onNext" delay="0">
+                  <p:tgtEl>
+                    <p:sldTgt/>
+                  </p:tgtEl>
+                </p:cond>
+              </p:nextCondLst>
+            </p:seq>
+          </p:childTnLst>
+        </p:cTn>
+      </p:par>
+    </p:tnLst>
+    <p:bldLst>
+      <p:bldP spid="8" grpId="0"/>
+    </p:bldLst>
+  </p:timing>
+</p:sld>
+</file>
+
+<file path=ppt/slides/slide36.xml><?xml version="1.0" encoding="utf-8"?>
 <p:sld xmlns:a="http://schemas.openxmlformats.org/drawingml/2006/main" xmlns:r="http://schemas.openxmlformats.org/officeDocument/2006/relationships" xmlns:p="http://schemas.openxmlformats.org/presentationml/2006/main">
   <p:cSld>
     <p:spTree>

--- a/2021-08-25_event-driven-architecture.pptx
+++ b/2021-08-25_event-driven-architecture.pptx
@@ -5,7 +5,7 @@
     <p:sldMasterId id="2147483648" r:id="rId1"/>
   </p:sldMasterIdLst>
   <p:notesMasterIdLst>
-    <p:notesMasterId r:id="rId38"/>
+    <p:notesMasterId r:id="rId40"/>
   </p:notesMasterIdLst>
   <p:sldIdLst>
     <p:sldId id="260" r:id="rId2"/>
@@ -42,8 +42,10 @@
     <p:sldId id="504" r:id="rId33"/>
     <p:sldId id="506" r:id="rId34"/>
     <p:sldId id="510" r:id="rId35"/>
-    <p:sldId id="509" r:id="rId36"/>
-    <p:sldId id="265" r:id="rId37"/>
+    <p:sldId id="511" r:id="rId36"/>
+    <p:sldId id="512" r:id="rId37"/>
+    <p:sldId id="509" r:id="rId38"/>
+    <p:sldId id="265" r:id="rId39"/>
   </p:sldIdLst>
   <p:sldSz cx="12192000" cy="6858000"/>
   <p:notesSz cx="6858000" cy="9144000"/>
@@ -25341,7 +25343,7 @@
         <p:spPr>
           <a:xfrm>
             <a:off x="1097280" y="2719343"/>
-            <a:ext cx="6400800" cy="4524315"/>
+            <a:ext cx="6400800" cy="3416320"/>
           </a:xfrm>
           <a:prstGeom prst="rect">
             <a:avLst/>
@@ -25358,7 +25360,7 @@
               <a:rPr lang="pt-BR" b="1" dirty="0">
                 <a:latin typeface="Nunito" pitchFamily="2" charset="77"/>
               </a:rPr>
-              <a:t>Mensagem</a:t>
+              <a:t>O que é?</a:t>
             </a:r>
           </a:p>
           <a:p>
@@ -25367,10 +25369,10 @@
               <a:buChar char="-"/>
             </a:pPr>
             <a:r>
-              <a:rPr lang="en-US" dirty="0">
-                <a:latin typeface="Nunito" pitchFamily="2" charset="77"/>
-              </a:rPr>
-              <a:t>Open source</a:t>
+              <a:rPr lang="pt-BR" dirty="0">
+                <a:latin typeface="Montserrat Light" panose="00000400000000000000" pitchFamily="2" charset="0"/>
+              </a:rPr>
+              <a:t>Recebe, armazena e transmite as mensagens</a:t>
             </a:r>
           </a:p>
           <a:p>
@@ -25379,17 +25381,20 @@
               <a:buChar char="-"/>
             </a:pPr>
             <a:r>
-              <a:rPr lang="en-US" dirty="0" err="1">
-                <a:latin typeface="Nunito" pitchFamily="2" charset="77"/>
-              </a:rPr>
-              <a:t>Criado</a:t>
-            </a:r>
-            <a:r>
-              <a:rPr lang="en-US" dirty="0">
-                <a:latin typeface="Nunito" pitchFamily="2" charset="77"/>
-              </a:rPr>
-              <a:t> no LinkedIn</a:t>
-            </a:r>
+              <a:rPr lang="pt-BR" dirty="0">
+                <a:latin typeface="Montserrat Light" panose="00000400000000000000" pitchFamily="2" charset="0"/>
+              </a:rPr>
+              <a:t>Funciona em conjunto com o </a:t>
+            </a:r>
+            <a:r>
+              <a:rPr lang="pt-BR" dirty="0" err="1">
+                <a:latin typeface="Montserrat Light" panose="00000400000000000000" pitchFamily="2" charset="0"/>
+              </a:rPr>
+              <a:t>Zookeeper</a:t>
+            </a:r>
+            <a:endParaRPr lang="pt-BR" dirty="0">
+              <a:latin typeface="Montserrat Light" panose="00000400000000000000" pitchFamily="2" charset="0"/>
+            </a:endParaRPr>
           </a:p>
           <a:p>
             <a:pPr marL="285750" indent="-285750">
@@ -25397,10 +25402,22 @@
               <a:buChar char="-"/>
             </a:pPr>
             <a:r>
-              <a:rPr lang="en-US" dirty="0">
-                <a:latin typeface="Nunito" pitchFamily="2" charset="77"/>
-              </a:rPr>
-              <a:t>Apache License</a:t>
+              <a:rPr lang="pt-BR" dirty="0">
+                <a:latin typeface="Montserrat Light" panose="00000400000000000000" pitchFamily="2" charset="0"/>
+              </a:rPr>
+              <a:t>Deve ficar em um espaço dedicado</a:t>
+            </a:r>
+          </a:p>
+          <a:p>
+            <a:pPr marL="742950" lvl="1" indent="-285750">
+              <a:buFontTx/>
+              <a:buChar char="-"/>
+            </a:pPr>
+            <a:r>
+              <a:rPr lang="pt-BR" dirty="0">
+                <a:latin typeface="Montserrat Light" panose="00000400000000000000" pitchFamily="2" charset="0"/>
+              </a:rPr>
+              <a:t>Servidor dedicado, recursos dedicados</a:t>
             </a:r>
           </a:p>
           <a:p>
@@ -25409,10 +25426,22 @@
               <a:buChar char="-"/>
             </a:pPr>
             <a:r>
-              <a:rPr lang="en-US" dirty="0">
-                <a:latin typeface="Nunito" pitchFamily="2" charset="77"/>
-              </a:rPr>
-              <a:t>Netflix, Uber, Spotify</a:t>
+              <a:rPr lang="pt-BR" dirty="0">
+                <a:latin typeface="Montserrat Light" panose="00000400000000000000" pitchFamily="2" charset="0"/>
+              </a:rPr>
+              <a:t>Tem um alto nível de I/O</a:t>
+            </a:r>
+          </a:p>
+          <a:p>
+            <a:pPr marL="742950" lvl="1" indent="-285750">
+              <a:buFontTx/>
+              <a:buChar char="-"/>
+            </a:pPr>
+            <a:r>
+              <a:rPr lang="pt-BR" dirty="0">
+                <a:latin typeface="Montserrat Light" panose="00000400000000000000" pitchFamily="2" charset="0"/>
+              </a:rPr>
+              <a:t>Pode afetar todo o resto</a:t>
             </a:r>
           </a:p>
           <a:p>
@@ -25421,28 +25450,22 @@
               <a:buChar char="-"/>
             </a:pPr>
             <a:r>
-              <a:rPr lang="en-US" dirty="0" err="1">
-                <a:latin typeface="Nunito" pitchFamily="2" charset="77"/>
-              </a:rPr>
-              <a:t>Feito</a:t>
-            </a:r>
-            <a:r>
-              <a:rPr lang="en-US" dirty="0">
-                <a:latin typeface="Nunito" pitchFamily="2" charset="77"/>
-              </a:rPr>
-              <a:t> </a:t>
-            </a:r>
-            <a:r>
-              <a:rPr lang="en-US" dirty="0" err="1">
-                <a:latin typeface="Nunito" pitchFamily="2" charset="77"/>
-              </a:rPr>
-              <a:t>em</a:t>
-            </a:r>
-            <a:r>
-              <a:rPr lang="en-US" dirty="0">
-                <a:latin typeface="Nunito" pitchFamily="2" charset="77"/>
-              </a:rPr>
-              <a:t> Java</a:t>
+              <a:rPr lang="pt-BR" dirty="0">
+                <a:latin typeface="Montserrat Light" panose="00000400000000000000" pitchFamily="2" charset="0"/>
+              </a:rPr>
+              <a:t>Processo que roda no topo do OS</a:t>
+            </a:r>
+          </a:p>
+          <a:p>
+            <a:pPr marL="285750" indent="-285750">
+              <a:buFontTx/>
+              <a:buChar char="-"/>
+            </a:pPr>
+            <a:r>
+              <a:rPr lang="pt-BR" dirty="0">
+                <a:latin typeface="Montserrat Light" panose="00000400000000000000" pitchFamily="2" charset="0"/>
+              </a:rPr>
+              <a:t>Basicamente armazena e lê mensagens</a:t>
             </a:r>
           </a:p>
           <a:p>
@@ -25451,16 +25474,10 @@
               <a:buChar char="-"/>
             </a:pPr>
             <a:r>
-              <a:rPr lang="en-US" dirty="0" err="1">
-                <a:latin typeface="Nunito" pitchFamily="2" charset="77"/>
-              </a:rPr>
-              <a:t>ByteCode</a:t>
-            </a:r>
-            <a:r>
-              <a:rPr lang="en-US" dirty="0">
-                <a:latin typeface="Nunito" pitchFamily="2" charset="77"/>
-              </a:rPr>
-              <a:t> =&gt; JVM</a:t>
+              <a:rPr lang="pt-BR" dirty="0">
+                <a:latin typeface="Montserrat Light" panose="00000400000000000000" pitchFamily="2" charset="0"/>
+              </a:rPr>
+              <a:t>Tudo binário</a:t>
             </a:r>
           </a:p>
           <a:p>
@@ -25469,20 +25486,11 @@
               <a:buChar char="-"/>
             </a:pPr>
             <a:r>
-              <a:rPr lang="en-US" dirty="0">
-                <a:latin typeface="Nunito" pitchFamily="2" charset="77"/>
-              </a:rPr>
-              <a:t>High </a:t>
-            </a:r>
-            <a:r>
-              <a:rPr lang="en-US" dirty="0" err="1">
-                <a:latin typeface="Nunito" pitchFamily="2" charset="77"/>
-              </a:rPr>
-              <a:t>throughtput</a:t>
-            </a:r>
-            <a:endParaRPr lang="en-US" dirty="0">
-              <a:latin typeface="Nunito" pitchFamily="2" charset="77"/>
-            </a:endParaRPr>
+              <a:rPr lang="pt-BR" dirty="0">
+                <a:latin typeface="Montserrat Light" panose="00000400000000000000" pitchFamily="2" charset="0"/>
+              </a:rPr>
+              <a:t>Provavelmente vai rodar em um cluster</a:t>
+            </a:r>
           </a:p>
           <a:p>
             <a:pPr marL="742950" lvl="1" indent="-285750">
@@ -25490,155 +25498,11 @@
               <a:buChar char="-"/>
             </a:pPr>
             <a:r>
-              <a:rPr lang="en-US" dirty="0" err="1">
-                <a:latin typeface="Nunito" pitchFamily="2" charset="77"/>
-              </a:rPr>
-              <a:t>Não</a:t>
-            </a:r>
-            <a:r>
-              <a:rPr lang="en-US" dirty="0">
-                <a:latin typeface="Nunito" pitchFamily="2" charset="77"/>
-              </a:rPr>
-              <a:t> </a:t>
-            </a:r>
-            <a:r>
-              <a:rPr lang="en-US" dirty="0" err="1">
-                <a:latin typeface="Nunito" pitchFamily="2" charset="77"/>
-              </a:rPr>
-              <a:t>tem</a:t>
-            </a:r>
-            <a:r>
-              <a:rPr lang="en-US" dirty="0">
-                <a:latin typeface="Nunito" pitchFamily="2" charset="77"/>
-              </a:rPr>
-              <a:t> </a:t>
-            </a:r>
-            <a:r>
-              <a:rPr lang="en-US" dirty="0" err="1">
-                <a:latin typeface="Nunito" pitchFamily="2" charset="77"/>
-              </a:rPr>
-              <a:t>serialização</a:t>
-            </a:r>
-            <a:r>
-              <a:rPr lang="en-US" dirty="0">
-                <a:latin typeface="Nunito" pitchFamily="2" charset="77"/>
-              </a:rPr>
-              <a:t>/</a:t>
-            </a:r>
-            <a:r>
-              <a:rPr lang="en-US" dirty="0" err="1">
-                <a:latin typeface="Nunito" pitchFamily="2" charset="77"/>
-              </a:rPr>
-              <a:t>deserialização</a:t>
-            </a:r>
-            <a:endParaRPr lang="en-US" dirty="0">
-              <a:latin typeface="Nunito" pitchFamily="2" charset="77"/>
-            </a:endParaRPr>
-          </a:p>
-          <a:p>
-            <a:pPr marL="742950" lvl="1" indent="-285750">
-              <a:buFontTx/>
-              <a:buChar char="-"/>
-            </a:pPr>
-            <a:r>
-              <a:rPr lang="en-US" dirty="0" err="1">
-                <a:latin typeface="Nunito" pitchFamily="2" charset="77"/>
-              </a:rPr>
-              <a:t>Tudo</a:t>
-            </a:r>
-            <a:r>
-              <a:rPr lang="en-US" dirty="0">
-                <a:latin typeface="Nunito" pitchFamily="2" charset="77"/>
-              </a:rPr>
-              <a:t> </a:t>
-            </a:r>
-            <a:r>
-              <a:rPr lang="en-US" dirty="0" err="1">
-                <a:latin typeface="Nunito" pitchFamily="2" charset="77"/>
-              </a:rPr>
-              <a:t>binário</a:t>
-            </a:r>
-            <a:endParaRPr lang="en-US" dirty="0">
-              <a:latin typeface="Nunito" pitchFamily="2" charset="77"/>
-            </a:endParaRPr>
-          </a:p>
-          <a:p>
-            <a:pPr marL="742950" lvl="1" indent="-285750">
-              <a:buFontTx/>
-              <a:buChar char="-"/>
-            </a:pPr>
-            <a:r>
-              <a:rPr lang="en-US" dirty="0">
-                <a:latin typeface="Nunito" pitchFamily="2" charset="77"/>
-              </a:rPr>
-              <a:t>Zero Copy</a:t>
-            </a:r>
-          </a:p>
-          <a:p>
-            <a:pPr marL="285750" indent="-285750">
-              <a:buFontTx/>
-              <a:buChar char="-"/>
-            </a:pPr>
-            <a:r>
-              <a:rPr lang="en-US" dirty="0">
-                <a:latin typeface="Nunito" pitchFamily="2" charset="77"/>
-              </a:rPr>
-              <a:t>Distributed Streaming Platform</a:t>
-            </a:r>
-          </a:p>
-          <a:p>
-            <a:pPr marL="742950" lvl="1" indent="-285750">
-              <a:buFontTx/>
-              <a:buChar char="-"/>
-            </a:pPr>
-            <a:r>
-              <a:rPr lang="en-US" dirty="0" err="1">
-                <a:latin typeface="Nunito" pitchFamily="2" charset="77"/>
-              </a:rPr>
-              <a:t>Mensageria</a:t>
-            </a:r>
-            <a:r>
-              <a:rPr lang="en-US" dirty="0">
-                <a:latin typeface="Nunito" pitchFamily="2" charset="77"/>
-              </a:rPr>
-              <a:t>, Storage, </a:t>
-            </a:r>
-            <a:r>
-              <a:rPr lang="en-US" dirty="0" err="1">
-                <a:latin typeface="Nunito" pitchFamily="2" charset="77"/>
-              </a:rPr>
-              <a:t>Processamento</a:t>
-            </a:r>
-            <a:endParaRPr lang="en-US" dirty="0">
-              <a:latin typeface="Nunito" pitchFamily="2" charset="77"/>
-            </a:endParaRPr>
-          </a:p>
-          <a:p>
-            <a:pPr marL="285750" indent="-285750">
-              <a:buFontTx/>
-              <a:buChar char="-"/>
-            </a:pPr>
-            <a:endParaRPr lang="en-US" dirty="0">
-              <a:latin typeface="Montserrat Light" panose="00000400000000000000" pitchFamily="2" charset="0"/>
-            </a:endParaRPr>
-          </a:p>
-          <a:p>
-            <a:pPr marL="285750" indent="-285750">
-              <a:buFontTx/>
-              <a:buChar char="-"/>
-            </a:pPr>
-            <a:endParaRPr lang="pt-BR" dirty="0">
-              <a:latin typeface="Montserrat Light" panose="00000400000000000000" pitchFamily="2" charset="0"/>
-            </a:endParaRPr>
-          </a:p>
-          <a:p>
-            <a:pPr marL="285750" indent="-285750">
-              <a:buFontTx/>
-              <a:buChar char="-"/>
-            </a:pPr>
-            <a:endParaRPr lang="pt-BR" dirty="0">
-              <a:latin typeface="Montserrat Light" panose="00000400000000000000" pitchFamily="2" charset="0"/>
-            </a:endParaRPr>
+              <a:rPr lang="pt-BR" dirty="0">
+                <a:latin typeface="Montserrat Light" panose="00000400000000000000" pitchFamily="2" charset="0"/>
+              </a:rPr>
+              <a:t>Cluster = Conjunto de servidores</a:t>
+            </a:r>
           </a:p>
         </p:txBody>
       </p:sp>
@@ -25866,6 +25730,805 @@
           <a:lstStyle/>
           <a:p>
             <a:r>
+              <a:rPr lang="pt-BR" dirty="0" err="1">
+                <a:solidFill>
+                  <a:schemeClr val="bg1"/>
+                </a:solidFill>
+                <a:latin typeface="Nunito" pitchFamily="2" charset="77"/>
+              </a:rPr>
+              <a:t>Zookeeper</a:t>
+            </a:r>
+            <a:endParaRPr lang="pt-BR" dirty="0">
+              <a:solidFill>
+                <a:schemeClr val="bg1"/>
+              </a:solidFill>
+              <a:latin typeface="Nunito" pitchFamily="2" charset="77"/>
+            </a:endParaRPr>
+          </a:p>
+        </p:txBody>
+      </p:sp>
+      <p:pic>
+        <p:nvPicPr>
+          <p:cNvPr id="14" name="Gráfico 13">
+            <a:extLst>
+              <a:ext uri="{FF2B5EF4-FFF2-40B4-BE49-F238E27FC236}">
+                <a16:creationId xmlns:a16="http://schemas.microsoft.com/office/drawing/2014/main" id="{2B5477E9-00BA-4494-BA1B-5466AC45994D}"/>
+              </a:ext>
+            </a:extLst>
+          </p:cNvPr>
+          <p:cNvPicPr>
+            <a:picLocks noChangeAspect="1"/>
+          </p:cNvPicPr>
+          <p:nvPr/>
+        </p:nvPicPr>
+        <p:blipFill>
+          <a:blip r:embed="rId3">
+            <a:extLst>
+              <a:ext uri="{96DAC541-7B7A-43D3-8B79-37D633B846F1}">
+                <asvg:svgBlip xmlns:asvg="http://schemas.microsoft.com/office/drawing/2016/SVG/main" r:embed="rId4"/>
+              </a:ext>
+            </a:extLst>
+          </a:blip>
+          <a:stretch>
+            <a:fillRect/>
+          </a:stretch>
+        </p:blipFill>
+        <p:spPr>
+          <a:xfrm>
+            <a:off x="1097280" y="636835"/>
+            <a:ext cx="610307" cy="705667"/>
+          </a:xfrm>
+          <a:prstGeom prst="rect">
+            <a:avLst/>
+          </a:prstGeom>
+        </p:spPr>
+      </p:pic>
+      <p:sp>
+        <p:nvSpPr>
+          <p:cNvPr id="8" name="CaixaDeTexto 7">
+            <a:extLst>
+              <a:ext uri="{FF2B5EF4-FFF2-40B4-BE49-F238E27FC236}">
+                <a16:creationId xmlns:a16="http://schemas.microsoft.com/office/drawing/2014/main" id="{29557DB5-A419-464F-8DE1-FE557705DF73}"/>
+              </a:ext>
+            </a:extLst>
+          </p:cNvPr>
+          <p:cNvSpPr txBox="1"/>
+          <p:nvPr/>
+        </p:nvSpPr>
+        <p:spPr>
+          <a:xfrm>
+            <a:off x="1097280" y="2719343"/>
+            <a:ext cx="6400800" cy="1477328"/>
+          </a:xfrm>
+          <a:prstGeom prst="rect">
+            <a:avLst/>
+          </a:prstGeom>
+          <a:noFill/>
+        </p:spPr>
+        <p:txBody>
+          <a:bodyPr wrap="square" rtlCol="0">
+            <a:spAutoFit/>
+          </a:bodyPr>
+          <a:lstStyle/>
+          <a:p>
+            <a:r>
+              <a:rPr lang="pt-BR" b="1" dirty="0">
+                <a:latin typeface="Nunito" pitchFamily="2" charset="77"/>
+              </a:rPr>
+              <a:t>O que é?</a:t>
+            </a:r>
+          </a:p>
+          <a:p>
+            <a:pPr marL="285750" indent="-285750">
+              <a:buFontTx/>
+              <a:buChar char="-"/>
+            </a:pPr>
+            <a:r>
+              <a:rPr lang="pt-BR" dirty="0">
+                <a:latin typeface="Montserrat Light" panose="00000400000000000000" pitchFamily="2" charset="0"/>
+              </a:rPr>
+              <a:t>Faz o “meio-campo” entre os brokers</a:t>
+            </a:r>
+          </a:p>
+          <a:p>
+            <a:pPr marL="285750" indent="-285750">
+              <a:buFontTx/>
+              <a:buChar char="-"/>
+            </a:pPr>
+            <a:r>
+              <a:rPr lang="pt-BR" dirty="0">
+                <a:latin typeface="Montserrat Light" panose="00000400000000000000" pitchFamily="2" charset="0"/>
+              </a:rPr>
+              <a:t>Funciona como um “</a:t>
+            </a:r>
+            <a:r>
+              <a:rPr lang="pt-BR" dirty="0" err="1">
+                <a:latin typeface="Montserrat Light" panose="00000400000000000000" pitchFamily="2" charset="0"/>
+              </a:rPr>
+              <a:t>load</a:t>
+            </a:r>
+            <a:r>
+              <a:rPr lang="pt-BR" dirty="0">
+                <a:latin typeface="Montserrat Light" panose="00000400000000000000" pitchFamily="2" charset="0"/>
+              </a:rPr>
+              <a:t> </a:t>
+            </a:r>
+            <a:r>
+              <a:rPr lang="pt-BR" dirty="0" err="1">
+                <a:latin typeface="Montserrat Light" panose="00000400000000000000" pitchFamily="2" charset="0"/>
+              </a:rPr>
+              <a:t>balancer</a:t>
+            </a:r>
+            <a:r>
+              <a:rPr lang="pt-BR" dirty="0">
+                <a:latin typeface="Montserrat Light" panose="00000400000000000000" pitchFamily="2" charset="0"/>
+              </a:rPr>
+              <a:t>”</a:t>
+            </a:r>
+          </a:p>
+          <a:p>
+            <a:pPr marL="285750" indent="-285750">
+              <a:buFontTx/>
+              <a:buChar char="-"/>
+            </a:pPr>
+            <a:r>
+              <a:rPr lang="pt-BR" dirty="0">
+                <a:latin typeface="Montserrat Light" panose="00000400000000000000" pitchFamily="2" charset="0"/>
+              </a:rPr>
+              <a:t>Gerencia falhas nos brokers</a:t>
+            </a:r>
+          </a:p>
+          <a:p>
+            <a:pPr marL="285750" indent="-285750">
+              <a:buFontTx/>
+              <a:buChar char="-"/>
+            </a:pPr>
+            <a:endParaRPr lang="pt-BR" dirty="0">
+              <a:latin typeface="Montserrat Light" panose="00000400000000000000" pitchFamily="2" charset="0"/>
+            </a:endParaRPr>
+          </a:p>
+        </p:txBody>
+      </p:sp>
+      <p:pic>
+        <p:nvPicPr>
+          <p:cNvPr id="3" name="Gráfico 2">
+            <a:extLst>
+              <a:ext uri="{FF2B5EF4-FFF2-40B4-BE49-F238E27FC236}">
+                <a16:creationId xmlns:a16="http://schemas.microsoft.com/office/drawing/2014/main" id="{CBA04222-E9A5-46A3-809E-82ED64A96098}"/>
+              </a:ext>
+            </a:extLst>
+          </p:cNvPr>
+          <p:cNvPicPr>
+            <a:picLocks noChangeAspect="1"/>
+          </p:cNvPicPr>
+          <p:nvPr/>
+        </p:nvPicPr>
+        <p:blipFill>
+          <a:blip r:embed="rId5">
+            <a:extLst>
+              <a:ext uri="{28A0092B-C50C-407E-A947-70E740481C1C}">
+                <a14:useLocalDpi xmlns:a14="http://schemas.microsoft.com/office/drawing/2010/main" val="0"/>
+              </a:ext>
+              <a:ext uri="{96DAC541-7B7A-43D3-8B79-37D633B846F1}">
+                <asvg:svgBlip xmlns:asvg="http://schemas.microsoft.com/office/drawing/2016/SVG/main" r:embed="rId6"/>
+              </a:ext>
+            </a:extLst>
+          </a:blip>
+          <a:stretch>
+            <a:fillRect/>
+          </a:stretch>
+        </p:blipFill>
+        <p:spPr>
+          <a:xfrm>
+            <a:off x="6012472" y="2719343"/>
+            <a:ext cx="5439300" cy="3275393"/>
+          </a:xfrm>
+          <a:prstGeom prst="rect">
+            <a:avLst/>
+          </a:prstGeom>
+        </p:spPr>
+      </p:pic>
+    </p:spTree>
+    <p:extLst>
+      <p:ext uri="{BB962C8B-B14F-4D97-AF65-F5344CB8AC3E}">
+        <p14:creationId xmlns:p14="http://schemas.microsoft.com/office/powerpoint/2010/main" val="1524686891"/>
+      </p:ext>
+    </p:extLst>
+  </p:cSld>
+  <p:clrMapOvr>
+    <a:masterClrMapping/>
+  </p:clrMapOvr>
+  <mc:AlternateContent xmlns:mc="http://schemas.openxmlformats.org/markup-compatibility/2006" xmlns:p159="http://schemas.microsoft.com/office/powerpoint/2015/09/main">
+    <mc:Choice Requires="p159">
+      <p:transition xmlns:p14="http://schemas.microsoft.com/office/powerpoint/2010/main" spd="slow" p14:dur="2000">
+        <p159:morph option="byObject"/>
+      </p:transition>
+    </mc:Choice>
+    <mc:Fallback xmlns="">
+      <p:transition spd="slow">
+        <p:fade/>
+      </p:transition>
+    </mc:Fallback>
+  </mc:AlternateContent>
+  <p:timing>
+    <p:tnLst>
+      <p:par>
+        <p:cTn id="1" dur="indefinite" restart="never" nodeType="tmRoot">
+          <p:childTnLst>
+            <p:seq concurrent="1" nextAc="seek">
+              <p:cTn id="2" dur="indefinite" nodeType="mainSeq">
+                <p:childTnLst>
+                  <p:par>
+                    <p:cTn id="3" fill="hold">
+                      <p:stCondLst>
+                        <p:cond delay="indefinite"/>
+                      </p:stCondLst>
+                      <p:childTnLst>
+                        <p:par>
+                          <p:cTn id="4" fill="hold">
+                            <p:stCondLst>
+                              <p:cond delay="0"/>
+                            </p:stCondLst>
+                            <p:childTnLst>
+                              <p:par>
+                                <p:cTn id="5" presetID="1" presetClass="entr" presetSubtype="0" fill="hold" grpId="0" nodeType="clickEffect">
+                                  <p:stCondLst>
+                                    <p:cond delay="0"/>
+                                  </p:stCondLst>
+                                  <p:childTnLst>
+                                    <p:set>
+                                      <p:cBhvr>
+                                        <p:cTn id="6" dur="1" fill="hold">
+                                          <p:stCondLst>
+                                            <p:cond delay="0"/>
+                                          </p:stCondLst>
+                                        </p:cTn>
+                                        <p:tgtEl>
+                                          <p:spTgt spid="8"/>
+                                        </p:tgtEl>
+                                        <p:attrNameLst>
+                                          <p:attrName>style.visibility</p:attrName>
+                                        </p:attrNameLst>
+                                      </p:cBhvr>
+                                      <p:to>
+                                        <p:strVal val="visible"/>
+                                      </p:to>
+                                    </p:set>
+                                  </p:childTnLst>
+                                </p:cTn>
+                              </p:par>
+                            </p:childTnLst>
+                          </p:cTn>
+                        </p:par>
+                      </p:childTnLst>
+                    </p:cTn>
+                  </p:par>
+                </p:childTnLst>
+              </p:cTn>
+              <p:prevCondLst>
+                <p:cond evt="onPrev" delay="0">
+                  <p:tgtEl>
+                    <p:sldTgt/>
+                  </p:tgtEl>
+                </p:cond>
+              </p:prevCondLst>
+              <p:nextCondLst>
+                <p:cond evt="onNext" delay="0">
+                  <p:tgtEl>
+                    <p:sldTgt/>
+                  </p:tgtEl>
+                </p:cond>
+              </p:nextCondLst>
+            </p:seq>
+          </p:childTnLst>
+        </p:cTn>
+      </p:par>
+    </p:tnLst>
+    <p:bldLst>
+      <p:bldP spid="8" grpId="0"/>
+    </p:bldLst>
+  </p:timing>
+</p:sld>
+</file>
+
+<file path=ppt/slides/slide36.xml><?xml version="1.0" encoding="utf-8"?>
+<p:sld xmlns:a="http://schemas.openxmlformats.org/drawingml/2006/main" xmlns:r="http://schemas.openxmlformats.org/officeDocument/2006/relationships" xmlns:p="http://schemas.openxmlformats.org/presentationml/2006/main">
+  <p:cSld>
+    <p:spTree>
+      <p:nvGrpSpPr>
+        <p:cNvPr id="1" name=""/>
+        <p:cNvGrpSpPr/>
+        <p:nvPr/>
+      </p:nvGrpSpPr>
+      <p:grpSpPr>
+        <a:xfrm>
+          <a:off x="0" y="0"/>
+          <a:ext cx="0" cy="0"/>
+          <a:chOff x="0" y="0"/>
+          <a:chExt cx="0" cy="0"/>
+        </a:xfrm>
+      </p:grpSpPr>
+      <p:pic>
+        <p:nvPicPr>
+          <p:cNvPr id="5" name="Espaço Reservado para Conteúdo 4">
+            <a:extLst>
+              <a:ext uri="{FF2B5EF4-FFF2-40B4-BE49-F238E27FC236}">
+                <a16:creationId xmlns:a16="http://schemas.microsoft.com/office/drawing/2014/main" id="{DEBCF998-65B9-41B2-A535-E5741DD64BE5}"/>
+              </a:ext>
+            </a:extLst>
+          </p:cNvPr>
+          <p:cNvPicPr>
+            <a:picLocks noGrp="1" noChangeAspect="1"/>
+          </p:cNvPicPr>
+          <p:nvPr>
+            <p:ph idx="1"/>
+          </p:nvPr>
+        </p:nvPicPr>
+        <p:blipFill>
+          <a:blip r:embed="rId2">
+            <a:extLst>
+              <a:ext uri="{28A0092B-C50C-407E-A947-70E740481C1C}">
+                <a14:useLocalDpi xmlns:a14="http://schemas.microsoft.com/office/drawing/2010/main" val="0"/>
+              </a:ext>
+            </a:extLst>
+          </a:blip>
+          <a:stretch>
+            <a:fillRect/>
+          </a:stretch>
+        </p:blipFill>
+        <p:spPr>
+          <a:xfrm>
+            <a:off x="-11088" y="1"/>
+            <a:ext cx="12203088" cy="6881654"/>
+          </a:xfrm>
+        </p:spPr>
+      </p:pic>
+      <p:pic>
+        <p:nvPicPr>
+          <p:cNvPr id="9" name="Gráfico 8">
+            <a:extLst>
+              <a:ext uri="{FF2B5EF4-FFF2-40B4-BE49-F238E27FC236}">
+                <a16:creationId xmlns:a16="http://schemas.microsoft.com/office/drawing/2014/main" id="{8951ED2D-02AB-4784-A820-1B65DE4713F5}"/>
+              </a:ext>
+            </a:extLst>
+          </p:cNvPr>
+          <p:cNvPicPr>
+            <a:picLocks noChangeAspect="1"/>
+          </p:cNvPicPr>
+          <p:nvPr/>
+        </p:nvPicPr>
+        <p:blipFill>
+          <a:blip r:embed="rId3">
+            <a:extLst>
+              <a:ext uri="{96DAC541-7B7A-43D3-8B79-37D633B846F1}">
+                <asvg:svgBlip xmlns:asvg="http://schemas.microsoft.com/office/drawing/2016/SVG/main" r:embed="rId4"/>
+              </a:ext>
+            </a:extLst>
+          </a:blip>
+          <a:stretch>
+            <a:fillRect/>
+          </a:stretch>
+        </p:blipFill>
+        <p:spPr>
+          <a:xfrm>
+            <a:off x="5497357" y="2473134"/>
+            <a:ext cx="185616" cy="219365"/>
+          </a:xfrm>
+          <a:prstGeom prst="rect">
+            <a:avLst/>
+          </a:prstGeom>
+        </p:spPr>
+      </p:pic>
+      <p:pic>
+        <p:nvPicPr>
+          <p:cNvPr id="10" name="Gráfico 9">
+            <a:extLst>
+              <a:ext uri="{FF2B5EF4-FFF2-40B4-BE49-F238E27FC236}">
+                <a16:creationId xmlns:a16="http://schemas.microsoft.com/office/drawing/2014/main" id="{FDE0F12D-8D89-4BEF-85B4-ADA531FBBE17}"/>
+              </a:ext>
+            </a:extLst>
+          </p:cNvPr>
+          <p:cNvPicPr>
+            <a:picLocks noChangeAspect="1"/>
+          </p:cNvPicPr>
+          <p:nvPr/>
+        </p:nvPicPr>
+        <p:blipFill>
+          <a:blip r:embed="rId3">
+            <a:extLst>
+              <a:ext uri="{96DAC541-7B7A-43D3-8B79-37D633B846F1}">
+                <asvg:svgBlip xmlns:asvg="http://schemas.microsoft.com/office/drawing/2016/SVG/main" r:embed="rId4"/>
+              </a:ext>
+            </a:extLst>
+          </a:blip>
+          <a:stretch>
+            <a:fillRect/>
+          </a:stretch>
+        </p:blipFill>
+        <p:spPr>
+          <a:xfrm>
+            <a:off x="6565133" y="3554365"/>
+            <a:ext cx="107465" cy="127002"/>
+          </a:xfrm>
+          <a:prstGeom prst="rect">
+            <a:avLst/>
+          </a:prstGeom>
+        </p:spPr>
+      </p:pic>
+      <p:sp>
+        <p:nvSpPr>
+          <p:cNvPr id="6" name="Título 1">
+            <a:extLst>
+              <a:ext uri="{FF2B5EF4-FFF2-40B4-BE49-F238E27FC236}">
+                <a16:creationId xmlns:a16="http://schemas.microsoft.com/office/drawing/2014/main" id="{EC993F68-2ABC-472C-9DAA-F49885B6553A}"/>
+              </a:ext>
+            </a:extLst>
+          </p:cNvPr>
+          <p:cNvSpPr>
+            <a:spLocks noGrp="1"/>
+          </p:cNvSpPr>
+          <p:nvPr>
+            <p:ph type="title"/>
+          </p:nvPr>
+        </p:nvSpPr>
+        <p:spPr>
+          <a:xfrm>
+            <a:off x="29290" y="2418011"/>
+            <a:ext cx="12162710" cy="2021978"/>
+          </a:xfrm>
+        </p:spPr>
+        <p:txBody>
+          <a:bodyPr>
+            <a:normAutofit/>
+          </a:bodyPr>
+          <a:lstStyle/>
+          <a:p>
+            <a:pPr algn="ctr"/>
+            <a:r>
+              <a:rPr lang="pt-BR" sz="3200" dirty="0">
+                <a:solidFill>
+                  <a:schemeClr val="bg1"/>
+                </a:solidFill>
+                <a:latin typeface="Nunito" pitchFamily="2" charset="77"/>
+              </a:rPr>
+              <a:t>DEMO</a:t>
+            </a:r>
+            <a:br>
+              <a:rPr lang="pt-BR" sz="7300" dirty="0">
+                <a:solidFill>
+                  <a:schemeClr val="bg1"/>
+                </a:solidFill>
+                <a:latin typeface="Nunito" pitchFamily="2" charset="77"/>
+              </a:rPr>
+            </a:br>
+            <a:r>
+              <a:rPr lang="pt-BR" sz="7300" dirty="0">
+                <a:solidFill>
+                  <a:schemeClr val="bg1"/>
+                </a:solidFill>
+                <a:latin typeface="Nunito" pitchFamily="2" charset="77"/>
+              </a:rPr>
+              <a:t>Subindo Kafka</a:t>
+            </a:r>
+            <a:endParaRPr lang="pt-BR" sz="5400" dirty="0">
+              <a:solidFill>
+                <a:schemeClr val="bg1"/>
+              </a:solidFill>
+              <a:latin typeface="Nunito" pitchFamily="2" charset="77"/>
+            </a:endParaRPr>
+          </a:p>
+        </p:txBody>
+      </p:sp>
+    </p:spTree>
+    <p:extLst>
+      <p:ext uri="{BB962C8B-B14F-4D97-AF65-F5344CB8AC3E}">
+        <p14:creationId xmlns:p14="http://schemas.microsoft.com/office/powerpoint/2010/main" val="3339337764"/>
+      </p:ext>
+    </p:extLst>
+  </p:cSld>
+  <p:clrMapOvr>
+    <a:masterClrMapping/>
+  </p:clrMapOvr>
+  <mc:AlternateContent xmlns:mc="http://schemas.openxmlformats.org/markup-compatibility/2006" xmlns:p14="http://schemas.microsoft.com/office/powerpoint/2010/main">
+    <mc:Choice Requires="p14">
+      <p:transition spd="med" p14:dur="700">
+        <p:fade/>
+      </p:transition>
+    </mc:Choice>
+    <mc:Fallback xmlns="">
+      <p:transition spd="med">
+        <p:fade/>
+      </p:transition>
+    </mc:Fallback>
+  </mc:AlternateContent>
+  <p:timing>
+    <p:tnLst>
+      <p:par>
+        <p:cTn id="1" dur="indefinite" restart="never" nodeType="tmRoot">
+          <p:childTnLst>
+            <p:seq concurrent="1" nextAc="seek">
+              <p:cTn id="2" dur="indefinite" nodeType="mainSeq">
+                <p:childTnLst>
+                  <p:par>
+                    <p:cTn id="3" fill="hold">
+                      <p:stCondLst>
+                        <p:cond delay="indefinite"/>
+                        <p:cond evt="onBegin" delay="0">
+                          <p:tn val="2"/>
+                        </p:cond>
+                      </p:stCondLst>
+                      <p:childTnLst>
+                        <p:par>
+                          <p:cTn id="4" fill="hold">
+                            <p:stCondLst>
+                              <p:cond delay="0"/>
+                            </p:stCondLst>
+                            <p:childTnLst>
+                              <p:par>
+                                <p:cTn id="5" presetID="10" presetClass="entr" presetSubtype="0" fill="hold" grpId="0" nodeType="afterEffect">
+                                  <p:stCondLst>
+                                    <p:cond delay="0"/>
+                                  </p:stCondLst>
+                                  <p:childTnLst>
+                                    <p:set>
+                                      <p:cBhvr>
+                                        <p:cTn id="6" dur="1" fill="hold">
+                                          <p:stCondLst>
+                                            <p:cond delay="0"/>
+                                          </p:stCondLst>
+                                        </p:cTn>
+                                        <p:tgtEl>
+                                          <p:spTgt spid="6"/>
+                                        </p:tgtEl>
+                                        <p:attrNameLst>
+                                          <p:attrName>style.visibility</p:attrName>
+                                        </p:attrNameLst>
+                                      </p:cBhvr>
+                                      <p:to>
+                                        <p:strVal val="visible"/>
+                                      </p:to>
+                                    </p:set>
+                                    <p:animEffect transition="in" filter="fade">
+                                      <p:cBhvr>
+                                        <p:cTn id="7" dur="500"/>
+                                        <p:tgtEl>
+                                          <p:spTgt spid="6"/>
+                                        </p:tgtEl>
+                                      </p:cBhvr>
+                                    </p:animEffect>
+                                  </p:childTnLst>
+                                </p:cTn>
+                              </p:par>
+                              <p:par>
+                                <p:cTn id="8" presetID="10" presetClass="entr" presetSubtype="0" fill="hold" nodeType="withEffect">
+                                  <p:stCondLst>
+                                    <p:cond delay="0"/>
+                                  </p:stCondLst>
+                                  <p:childTnLst>
+                                    <p:set>
+                                      <p:cBhvr>
+                                        <p:cTn id="9" dur="1" fill="hold">
+                                          <p:stCondLst>
+                                            <p:cond delay="0"/>
+                                          </p:stCondLst>
+                                        </p:cTn>
+                                        <p:tgtEl>
+                                          <p:spTgt spid="9"/>
+                                        </p:tgtEl>
+                                        <p:attrNameLst>
+                                          <p:attrName>style.visibility</p:attrName>
+                                        </p:attrNameLst>
+                                      </p:cBhvr>
+                                      <p:to>
+                                        <p:strVal val="visible"/>
+                                      </p:to>
+                                    </p:set>
+                                    <p:animEffect transition="in" filter="fade">
+                                      <p:cBhvr>
+                                        <p:cTn id="10" dur="500"/>
+                                        <p:tgtEl>
+                                          <p:spTgt spid="9"/>
+                                        </p:tgtEl>
+                                      </p:cBhvr>
+                                    </p:animEffect>
+                                  </p:childTnLst>
+                                </p:cTn>
+                              </p:par>
+                              <p:par>
+                                <p:cTn id="11" presetID="51" presetClass="path" presetSubtype="0" repeatCount="indefinite" accel="50000" decel="50000" autoRev="1" fill="hold" nodeType="withEffect">
+                                  <p:stCondLst>
+                                    <p:cond delay="0"/>
+                                  </p:stCondLst>
+                                  <p:childTnLst>
+                                    <p:animMotion origin="layout" path="M -3.54167E-6 -3.7037E-7 L -0.03997 0.0669 C -0.04895 0.08102 -0.05403 0.10208 -0.05403 0.12407 C -0.05403 0.14907 -0.04895 0.16898 -0.03997 0.1831 L -3.54167E-6 0.25 " pathEditMode="relative" rAng="0" ptsTypes="AAAAA">
+                                      <p:cBhvr>
+                                        <p:cTn id="12" dur="2000" fill="hold"/>
+                                        <p:tgtEl>
+                                          <p:spTgt spid="9"/>
+                                        </p:tgtEl>
+                                        <p:attrNameLst>
+                                          <p:attrName>ppt_x</p:attrName>
+                                          <p:attrName>ppt_y</p:attrName>
+                                        </p:attrNameLst>
+                                      </p:cBhvr>
+                                      <p:rCtr x="-2708" y="12500"/>
+                                    </p:animMotion>
+                                  </p:childTnLst>
+                                </p:cTn>
+                              </p:par>
+                              <p:par>
+                                <p:cTn id="13" presetID="10" presetClass="entr" presetSubtype="0" fill="hold" nodeType="withEffect">
+                                  <p:stCondLst>
+                                    <p:cond delay="0"/>
+                                  </p:stCondLst>
+                                  <p:childTnLst>
+                                    <p:set>
+                                      <p:cBhvr>
+                                        <p:cTn id="14" dur="1" fill="hold">
+                                          <p:stCondLst>
+                                            <p:cond delay="0"/>
+                                          </p:stCondLst>
+                                        </p:cTn>
+                                        <p:tgtEl>
+                                          <p:spTgt spid="10"/>
+                                        </p:tgtEl>
+                                        <p:attrNameLst>
+                                          <p:attrName>style.visibility</p:attrName>
+                                        </p:attrNameLst>
+                                      </p:cBhvr>
+                                      <p:to>
+                                        <p:strVal val="visible"/>
+                                      </p:to>
+                                    </p:set>
+                                    <p:animEffect transition="in" filter="fade">
+                                      <p:cBhvr>
+                                        <p:cTn id="15" dur="500"/>
+                                        <p:tgtEl>
+                                          <p:spTgt spid="10"/>
+                                        </p:tgtEl>
+                                      </p:cBhvr>
+                                    </p:animEffect>
+                                  </p:childTnLst>
+                                </p:cTn>
+                              </p:par>
+                              <p:par>
+                                <p:cTn id="16" presetID="1" presetClass="path" presetSubtype="0" repeatCount="indefinite" accel="50000" decel="50000" autoRev="1" fill="hold" nodeType="withEffect">
+                                  <p:stCondLst>
+                                    <p:cond delay="0"/>
+                                  </p:stCondLst>
+                                  <p:childTnLst>
+                                    <p:animMotion origin="layout" path="M -0.04909 -0.08658 C -0.00925 -0.08658 0.02305 -0.03056 0.02305 0.03842 C 0.02305 0.1074 -0.00925 0.16342 -0.04909 0.16342 C -0.08893 0.16342 -0.1211 0.1074 -0.1211 0.03842 C -0.1211 -0.03056 -0.08893 -0.08658 -0.04909 -0.08658 Z " pathEditMode="relative" rAng="0" ptsTypes="AAAAA">
+                                      <p:cBhvr>
+                                        <p:cTn id="17" dur="4000" fill="hold"/>
+                                        <p:tgtEl>
+                                          <p:spTgt spid="10"/>
+                                        </p:tgtEl>
+                                        <p:attrNameLst>
+                                          <p:attrName>ppt_x</p:attrName>
+                                          <p:attrName>ppt_y</p:attrName>
+                                        </p:attrNameLst>
+                                      </p:cBhvr>
+                                      <p:rCtr x="0" y="12500"/>
+                                    </p:animMotion>
+                                  </p:childTnLst>
+                                </p:cTn>
+                              </p:par>
+                            </p:childTnLst>
+                          </p:cTn>
+                        </p:par>
+                      </p:childTnLst>
+                    </p:cTn>
+                  </p:par>
+                </p:childTnLst>
+              </p:cTn>
+              <p:prevCondLst>
+                <p:cond evt="onPrev" delay="0">
+                  <p:tgtEl>
+                    <p:sldTgt/>
+                  </p:tgtEl>
+                </p:cond>
+              </p:prevCondLst>
+              <p:nextCondLst>
+                <p:cond evt="onNext" delay="0">
+                  <p:tgtEl>
+                    <p:sldTgt/>
+                  </p:tgtEl>
+                </p:cond>
+              </p:nextCondLst>
+            </p:seq>
+          </p:childTnLst>
+        </p:cTn>
+      </p:par>
+    </p:tnLst>
+    <p:bldLst>
+      <p:bldP spid="6" grpId="0"/>
+    </p:bldLst>
+  </p:timing>
+</p:sld>
+</file>
+
+<file path=ppt/slides/slide37.xml><?xml version="1.0" encoding="utf-8"?>
+<p:sld xmlns:a="http://schemas.openxmlformats.org/drawingml/2006/main" xmlns:r="http://schemas.openxmlformats.org/officeDocument/2006/relationships" xmlns:p="http://schemas.openxmlformats.org/presentationml/2006/main">
+  <p:cSld>
+    <p:spTree>
+      <p:nvGrpSpPr>
+        <p:cNvPr id="1" name=""/>
+        <p:cNvGrpSpPr/>
+        <p:nvPr/>
+      </p:nvGrpSpPr>
+      <p:grpSpPr>
+        <a:xfrm>
+          <a:off x="0" y="0"/>
+          <a:ext cx="0" cy="0"/>
+          <a:chOff x="0" y="0"/>
+          <a:chExt cx="0" cy="0"/>
+        </a:xfrm>
+      </p:grpSpPr>
+      <p:pic>
+        <p:nvPicPr>
+          <p:cNvPr id="7" name="Imagem 6">
+            <a:extLst>
+              <a:ext uri="{FF2B5EF4-FFF2-40B4-BE49-F238E27FC236}">
+                <a16:creationId xmlns:a16="http://schemas.microsoft.com/office/drawing/2014/main" id="{15EF5E79-A320-604B-B8D0-BB7CC7F3BD24}"/>
+              </a:ext>
+            </a:extLst>
+          </p:cNvPr>
+          <p:cNvPicPr>
+            <a:picLocks noChangeAspect="1"/>
+          </p:cNvPicPr>
+          <p:nvPr/>
+        </p:nvPicPr>
+        <p:blipFill>
+          <a:blip r:embed="rId2">
+            <a:extLst>
+              <a:ext uri="{28A0092B-C50C-407E-A947-70E740481C1C}">
+                <a14:useLocalDpi xmlns:a14="http://schemas.microsoft.com/office/drawing/2010/main" val="0"/>
+              </a:ext>
+            </a:extLst>
+          </a:blip>
+          <a:stretch>
+            <a:fillRect/>
+          </a:stretch>
+        </p:blipFill>
+        <p:spPr>
+          <a:xfrm>
+            <a:off x="-1" y="-1590"/>
+            <a:ext cx="12192001" cy="2021978"/>
+          </a:xfrm>
+          <a:prstGeom prst="rect">
+            <a:avLst/>
+          </a:prstGeom>
+        </p:spPr>
+      </p:pic>
+      <p:sp>
+        <p:nvSpPr>
+          <p:cNvPr id="13" name="Título 1">
+            <a:extLst>
+              <a:ext uri="{FF2B5EF4-FFF2-40B4-BE49-F238E27FC236}">
+                <a16:creationId xmlns:a16="http://schemas.microsoft.com/office/drawing/2014/main" id="{94E1A0D2-D048-46FE-90D3-722FBF740CC7}"/>
+              </a:ext>
+            </a:extLst>
+          </p:cNvPr>
+          <p:cNvSpPr>
+            <a:spLocks noGrp="1"/>
+          </p:cNvSpPr>
+          <p:nvPr>
+            <p:ph type="title"/>
+          </p:nvPr>
+        </p:nvSpPr>
+        <p:spPr>
+          <a:xfrm>
+            <a:off x="2159726" y="0"/>
+            <a:ext cx="9292046" cy="2021978"/>
+          </a:xfrm>
+        </p:spPr>
+        <p:txBody>
+          <a:bodyPr>
+            <a:normAutofit/>
+          </a:bodyPr>
+          <a:lstStyle/>
+          <a:p>
+            <a:r>
               <a:rPr lang="pt-BR" dirty="0">
                 <a:solidFill>
                   <a:schemeClr val="bg1"/>
@@ -26308,7 +26971,7 @@
 </p:sld>
 </file>
 
-<file path=ppt/slides/slide36.xml><?xml version="1.0" encoding="utf-8"?>
+<file path=ppt/slides/slide38.xml><?xml version="1.0" encoding="utf-8"?>
 <p:sld xmlns:a="http://schemas.openxmlformats.org/drawingml/2006/main" xmlns:r="http://schemas.openxmlformats.org/officeDocument/2006/relationships" xmlns:p="http://schemas.openxmlformats.org/presentationml/2006/main">
   <p:cSld>
     <p:spTree>

--- a/2021-08-25_event-driven-architecture.pptx
+++ b/2021-08-25_event-driven-architecture.pptx
@@ -5,7 +5,7 @@
     <p:sldMasterId id="2147483648" r:id="rId1"/>
   </p:sldMasterIdLst>
   <p:notesMasterIdLst>
-    <p:notesMasterId r:id="rId40"/>
+    <p:notesMasterId r:id="rId42"/>
   </p:notesMasterIdLst>
   <p:sldIdLst>
     <p:sldId id="260" r:id="rId2"/>
@@ -45,7 +45,9 @@
     <p:sldId id="511" r:id="rId36"/>
     <p:sldId id="512" r:id="rId37"/>
     <p:sldId id="509" r:id="rId38"/>
-    <p:sldId id="265" r:id="rId39"/>
+    <p:sldId id="514" r:id="rId39"/>
+    <p:sldId id="513" r:id="rId40"/>
+    <p:sldId id="265" r:id="rId41"/>
   </p:sldIdLst>
   <p:sldSz cx="12192000" cy="6858000"/>
   <p:notesSz cx="6858000" cy="9144000"/>
@@ -3750,7 +3752,7 @@
           <a:p>
             <a:fld id="{2232590A-2ECD-4930-A16F-BAB4FCA317C7}" type="datetimeFigureOut">
               <a:rPr lang="pt-BR" smtClean="0"/>
-              <a:t>24/08/2021</a:t>
+              <a:t>25/08/2021</a:t>
             </a:fld>
             <a:endParaRPr lang="pt-BR"/>
           </a:p>
@@ -4445,6 +4447,306 @@
 </p:notes>
 </file>
 
+<file path=ppt/notesSlides/notesSlide12.xml><?xml version="1.0" encoding="utf-8"?>
+<p:notes xmlns:a="http://schemas.openxmlformats.org/drawingml/2006/main" xmlns:r="http://schemas.openxmlformats.org/officeDocument/2006/relationships" xmlns:p="http://schemas.openxmlformats.org/presentationml/2006/main">
+  <p:cSld>
+    <p:spTree>
+      <p:nvGrpSpPr>
+        <p:cNvPr id="1" name=""/>
+        <p:cNvGrpSpPr/>
+        <p:nvPr/>
+      </p:nvGrpSpPr>
+      <p:grpSpPr>
+        <a:xfrm>
+          <a:off x="0" y="0"/>
+          <a:ext cx="0" cy="0"/>
+          <a:chOff x="0" y="0"/>
+          <a:chExt cx="0" cy="0"/>
+        </a:xfrm>
+      </p:grpSpPr>
+      <p:sp>
+        <p:nvSpPr>
+          <p:cNvPr id="2" name="Espaço Reservado para Imagem de Slide 1"/>
+          <p:cNvSpPr>
+            <a:spLocks noGrp="1" noRot="1" noChangeAspect="1"/>
+          </p:cNvSpPr>
+          <p:nvPr>
+            <p:ph type="sldImg"/>
+          </p:nvPr>
+        </p:nvSpPr>
+        <p:spPr/>
+      </p:sp>
+      <p:sp>
+        <p:nvSpPr>
+          <p:cNvPr id="3" name="Espaço Reservado para Anotações 2"/>
+          <p:cNvSpPr>
+            <a:spLocks noGrp="1"/>
+          </p:cNvSpPr>
+          <p:nvPr>
+            <p:ph type="body" idx="1"/>
+          </p:nvPr>
+        </p:nvSpPr>
+        <p:spPr/>
+        <p:txBody>
+          <a:bodyPr/>
+          <a:lstStyle/>
+          <a:p>
+            <a:r>
+              <a:rPr lang="en-US" dirty="0"/>
+              <a:t>Delete: Seta um valor </a:t>
+            </a:r>
+            <a:r>
+              <a:rPr lang="en-US" dirty="0" err="1"/>
+              <a:t>máximo</a:t>
+            </a:r>
+            <a:r>
+              <a:rPr lang="en-US" dirty="0"/>
+              <a:t> (Bytes) para o </a:t>
+            </a:r>
+            <a:r>
+              <a:rPr lang="en-US" dirty="0" err="1"/>
+              <a:t>tópico</a:t>
+            </a:r>
+            <a:r>
+              <a:rPr lang="en-US" dirty="0"/>
+              <a:t> e </a:t>
+            </a:r>
+            <a:r>
+              <a:rPr lang="en-US" dirty="0" err="1"/>
+              <a:t>vai</a:t>
+            </a:r>
+            <a:r>
+              <a:rPr lang="en-US" dirty="0"/>
+              <a:t> </a:t>
+            </a:r>
+            <a:r>
+              <a:rPr lang="en-US" dirty="0" err="1"/>
+              <a:t>deletando</a:t>
+            </a:r>
+            <a:r>
+              <a:rPr lang="en-US" dirty="0"/>
+              <a:t> as </a:t>
+            </a:r>
+            <a:r>
+              <a:rPr lang="en-US" dirty="0" err="1"/>
+              <a:t>mensagens</a:t>
+            </a:r>
+            <a:r>
+              <a:rPr lang="en-US" dirty="0"/>
+              <a:t> </a:t>
+            </a:r>
+            <a:r>
+              <a:rPr lang="en-US" dirty="0" err="1"/>
+              <a:t>antigas</a:t>
+            </a:r>
+            <a:r>
+              <a:rPr lang="pt-BR" dirty="0"/>
+              <a:t>. Ou por um determinado tempo.</a:t>
+            </a:r>
+          </a:p>
+          <a:p>
+            <a:r>
+              <a:rPr lang="pt-BR" dirty="0" err="1"/>
+              <a:t>Compaction</a:t>
+            </a:r>
+            <a:r>
+              <a:rPr lang="pt-BR" dirty="0"/>
+              <a:t> = </a:t>
+            </a:r>
+            <a:r>
+              <a:rPr lang="pt-BR" dirty="0" err="1"/>
+              <a:t>Upsert</a:t>
+            </a:r>
+            <a:endParaRPr lang="en-US" dirty="0"/>
+          </a:p>
+        </p:txBody>
+      </p:sp>
+      <p:sp>
+        <p:nvSpPr>
+          <p:cNvPr id="4" name="Espaço Reservado para Número de Slide 3"/>
+          <p:cNvSpPr>
+            <a:spLocks noGrp="1"/>
+          </p:cNvSpPr>
+          <p:nvPr>
+            <p:ph type="sldNum" sz="quarter" idx="5"/>
+          </p:nvPr>
+        </p:nvSpPr>
+        <p:spPr/>
+        <p:txBody>
+          <a:bodyPr/>
+          <a:lstStyle/>
+          <a:p>
+            <a:fld id="{1BFBF4EA-A19C-4108-A664-D5EED1568F94}" type="slidenum">
+              <a:rPr lang="pt-BR" smtClean="0"/>
+              <a:t>37</a:t>
+            </a:fld>
+            <a:endParaRPr lang="pt-BR"/>
+          </a:p>
+        </p:txBody>
+      </p:sp>
+    </p:spTree>
+    <p:extLst>
+      <p:ext uri="{BB962C8B-B14F-4D97-AF65-F5344CB8AC3E}">
+        <p14:creationId xmlns:p14="http://schemas.microsoft.com/office/powerpoint/2010/main" val="2008148462"/>
+      </p:ext>
+    </p:extLst>
+  </p:cSld>
+  <p:clrMapOvr>
+    <a:masterClrMapping/>
+  </p:clrMapOvr>
+</p:notes>
+</file>
+
+<file path=ppt/notesSlides/notesSlide13.xml><?xml version="1.0" encoding="utf-8"?>
+<p:notes xmlns:a="http://schemas.openxmlformats.org/drawingml/2006/main" xmlns:r="http://schemas.openxmlformats.org/officeDocument/2006/relationships" xmlns:p="http://schemas.openxmlformats.org/presentationml/2006/main">
+  <p:cSld>
+    <p:spTree>
+      <p:nvGrpSpPr>
+        <p:cNvPr id="1" name=""/>
+        <p:cNvGrpSpPr/>
+        <p:nvPr/>
+      </p:nvGrpSpPr>
+      <p:grpSpPr>
+        <a:xfrm>
+          <a:off x="0" y="0"/>
+          <a:ext cx="0" cy="0"/>
+          <a:chOff x="0" y="0"/>
+          <a:chExt cx="0" cy="0"/>
+        </a:xfrm>
+      </p:grpSpPr>
+      <p:sp>
+        <p:nvSpPr>
+          <p:cNvPr id="2" name="Espaço Reservado para Imagem de Slide 1"/>
+          <p:cNvSpPr>
+            <a:spLocks noGrp="1" noRot="1" noChangeAspect="1"/>
+          </p:cNvSpPr>
+          <p:nvPr>
+            <p:ph type="sldImg"/>
+          </p:nvPr>
+        </p:nvSpPr>
+        <p:spPr/>
+      </p:sp>
+      <p:sp>
+        <p:nvSpPr>
+          <p:cNvPr id="3" name="Espaço Reservado para Anotações 2"/>
+          <p:cNvSpPr>
+            <a:spLocks noGrp="1"/>
+          </p:cNvSpPr>
+          <p:nvPr>
+            <p:ph type="body" idx="1"/>
+          </p:nvPr>
+        </p:nvSpPr>
+        <p:spPr/>
+        <p:txBody>
+          <a:bodyPr/>
+          <a:lstStyle/>
+          <a:p>
+            <a:r>
+              <a:rPr lang="en-US" dirty="0"/>
+              <a:t>Delete: Seta um valor </a:t>
+            </a:r>
+            <a:r>
+              <a:rPr lang="en-US" dirty="0" err="1"/>
+              <a:t>máximo</a:t>
+            </a:r>
+            <a:r>
+              <a:rPr lang="en-US" dirty="0"/>
+              <a:t> (Bytes) para o </a:t>
+            </a:r>
+            <a:r>
+              <a:rPr lang="en-US" dirty="0" err="1"/>
+              <a:t>tópico</a:t>
+            </a:r>
+            <a:r>
+              <a:rPr lang="en-US" dirty="0"/>
+              <a:t> e </a:t>
+            </a:r>
+            <a:r>
+              <a:rPr lang="en-US" dirty="0" err="1"/>
+              <a:t>vai</a:t>
+            </a:r>
+            <a:r>
+              <a:rPr lang="en-US" dirty="0"/>
+              <a:t> </a:t>
+            </a:r>
+            <a:r>
+              <a:rPr lang="en-US" dirty="0" err="1"/>
+              <a:t>deletando</a:t>
+            </a:r>
+            <a:r>
+              <a:rPr lang="en-US" dirty="0"/>
+              <a:t> as </a:t>
+            </a:r>
+            <a:r>
+              <a:rPr lang="en-US" dirty="0" err="1"/>
+              <a:t>mensagens</a:t>
+            </a:r>
+            <a:r>
+              <a:rPr lang="en-US" dirty="0"/>
+              <a:t> </a:t>
+            </a:r>
+            <a:r>
+              <a:rPr lang="en-US" dirty="0" err="1"/>
+              <a:t>antigas</a:t>
+            </a:r>
+            <a:r>
+              <a:rPr lang="pt-BR" dirty="0"/>
+              <a:t>. Ou por um determinado tempo.</a:t>
+            </a:r>
+          </a:p>
+          <a:p>
+            <a:r>
+              <a:rPr lang="pt-BR" dirty="0" err="1"/>
+              <a:t>Compaction</a:t>
+            </a:r>
+            <a:r>
+              <a:rPr lang="pt-BR" dirty="0"/>
+              <a:t> = </a:t>
+            </a:r>
+            <a:r>
+              <a:rPr lang="pt-BR" dirty="0" err="1"/>
+              <a:t>Upsert</a:t>
+            </a:r>
+            <a:endParaRPr lang="en-US" dirty="0"/>
+          </a:p>
+        </p:txBody>
+      </p:sp>
+      <p:sp>
+        <p:nvSpPr>
+          <p:cNvPr id="4" name="Espaço Reservado para Número de Slide 3"/>
+          <p:cNvSpPr>
+            <a:spLocks noGrp="1"/>
+          </p:cNvSpPr>
+          <p:nvPr>
+            <p:ph type="sldNum" sz="quarter" idx="5"/>
+          </p:nvPr>
+        </p:nvSpPr>
+        <p:spPr/>
+        <p:txBody>
+          <a:bodyPr/>
+          <a:lstStyle/>
+          <a:p>
+            <a:fld id="{1BFBF4EA-A19C-4108-A664-D5EED1568F94}" type="slidenum">
+              <a:rPr lang="pt-BR" smtClean="0"/>
+              <a:t>38</a:t>
+            </a:fld>
+            <a:endParaRPr lang="pt-BR"/>
+          </a:p>
+        </p:txBody>
+      </p:sp>
+    </p:spTree>
+    <p:extLst>
+      <p:ext uri="{BB962C8B-B14F-4D97-AF65-F5344CB8AC3E}">
+        <p14:creationId xmlns:p14="http://schemas.microsoft.com/office/powerpoint/2010/main" val="1894365384"/>
+      </p:ext>
+    </p:extLst>
+  </p:cSld>
+  <p:clrMapOvr>
+    <a:masterClrMapping/>
+  </p:clrMapOvr>
+</p:notes>
+</file>
+
 <file path=ppt/notesSlides/notesSlide2.xml><?xml version="1.0" encoding="utf-8"?>
 <p:notes xmlns:a="http://schemas.openxmlformats.org/drawingml/2006/main" xmlns:r="http://schemas.openxmlformats.org/officeDocument/2006/relationships" xmlns:p="http://schemas.openxmlformats.org/presentationml/2006/main">
   <p:cSld>
@@ -5438,7 +5740,7 @@
           <a:p>
             <a:fld id="{358D75C1-F3B0-4D81-A190-EFDBB1D1AFEE}" type="datetimeFigureOut">
               <a:rPr lang="pt-BR" smtClean="0"/>
-              <a:t>24/08/2021</a:t>
+              <a:t>25/08/2021</a:t>
             </a:fld>
             <a:endParaRPr lang="pt-BR"/>
           </a:p>
@@ -5636,7 +5938,7 @@
           <a:p>
             <a:fld id="{358D75C1-F3B0-4D81-A190-EFDBB1D1AFEE}" type="datetimeFigureOut">
               <a:rPr lang="pt-BR" smtClean="0"/>
-              <a:t>24/08/2021</a:t>
+              <a:t>25/08/2021</a:t>
             </a:fld>
             <a:endParaRPr lang="pt-BR"/>
           </a:p>
@@ -5844,7 +6146,7 @@
           <a:p>
             <a:fld id="{358D75C1-F3B0-4D81-A190-EFDBB1D1AFEE}" type="datetimeFigureOut">
               <a:rPr lang="pt-BR" smtClean="0"/>
-              <a:t>24/08/2021</a:t>
+              <a:t>25/08/2021</a:t>
             </a:fld>
             <a:endParaRPr lang="pt-BR"/>
           </a:p>
@@ -6042,7 +6344,7 @@
           <a:p>
             <a:fld id="{358D75C1-F3B0-4D81-A190-EFDBB1D1AFEE}" type="datetimeFigureOut">
               <a:rPr lang="pt-BR" smtClean="0"/>
-              <a:t>24/08/2021</a:t>
+              <a:t>25/08/2021</a:t>
             </a:fld>
             <a:endParaRPr lang="pt-BR"/>
           </a:p>
@@ -6317,7 +6619,7 @@
           <a:p>
             <a:fld id="{358D75C1-F3B0-4D81-A190-EFDBB1D1AFEE}" type="datetimeFigureOut">
               <a:rPr lang="pt-BR" smtClean="0"/>
-              <a:t>24/08/2021</a:t>
+              <a:t>25/08/2021</a:t>
             </a:fld>
             <a:endParaRPr lang="pt-BR"/>
           </a:p>
@@ -6582,7 +6884,7 @@
           <a:p>
             <a:fld id="{358D75C1-F3B0-4D81-A190-EFDBB1D1AFEE}" type="datetimeFigureOut">
               <a:rPr lang="pt-BR" smtClean="0"/>
-              <a:t>24/08/2021</a:t>
+              <a:t>25/08/2021</a:t>
             </a:fld>
             <a:endParaRPr lang="pt-BR"/>
           </a:p>
@@ -6994,7 +7296,7 @@
           <a:p>
             <a:fld id="{358D75C1-F3B0-4D81-A190-EFDBB1D1AFEE}" type="datetimeFigureOut">
               <a:rPr lang="pt-BR" smtClean="0"/>
-              <a:t>24/08/2021</a:t>
+              <a:t>25/08/2021</a:t>
             </a:fld>
             <a:endParaRPr lang="pt-BR"/>
           </a:p>
@@ -7135,7 +7437,7 @@
           <a:p>
             <a:fld id="{358D75C1-F3B0-4D81-A190-EFDBB1D1AFEE}" type="datetimeFigureOut">
               <a:rPr lang="pt-BR" smtClean="0"/>
-              <a:t>24/08/2021</a:t>
+              <a:t>25/08/2021</a:t>
             </a:fld>
             <a:endParaRPr lang="pt-BR"/>
           </a:p>
@@ -7248,7 +7550,7 @@
           <a:p>
             <a:fld id="{358D75C1-F3B0-4D81-A190-EFDBB1D1AFEE}" type="datetimeFigureOut">
               <a:rPr lang="pt-BR" smtClean="0"/>
-              <a:t>24/08/2021</a:t>
+              <a:t>25/08/2021</a:t>
             </a:fld>
             <a:endParaRPr lang="pt-BR"/>
           </a:p>
@@ -7559,7 +7861,7 @@
           <a:p>
             <a:fld id="{358D75C1-F3B0-4D81-A190-EFDBB1D1AFEE}" type="datetimeFigureOut">
               <a:rPr lang="pt-BR" smtClean="0"/>
-              <a:t>24/08/2021</a:t>
+              <a:t>25/08/2021</a:t>
             </a:fld>
             <a:endParaRPr lang="pt-BR"/>
           </a:p>
@@ -7847,7 +8149,7 @@
           <a:p>
             <a:fld id="{358D75C1-F3B0-4D81-A190-EFDBB1D1AFEE}" type="datetimeFigureOut">
               <a:rPr lang="pt-BR" smtClean="0"/>
-              <a:t>24/08/2021</a:t>
+              <a:t>25/08/2021</a:t>
             </a:fld>
             <a:endParaRPr lang="pt-BR"/>
           </a:p>
@@ -8088,7 +8390,7 @@
           <a:p>
             <a:fld id="{358D75C1-F3B0-4D81-A190-EFDBB1D1AFEE}" type="datetimeFigureOut">
               <a:rPr lang="pt-BR" smtClean="0"/>
-              <a:t>24/08/2021</a:t>
+              <a:t>25/08/2021</a:t>
             </a:fld>
             <a:endParaRPr lang="pt-BR"/>
           </a:p>
@@ -25370,7 +25672,7 @@
             </a:pPr>
             <a:r>
               <a:rPr lang="pt-BR" dirty="0">
-                <a:latin typeface="Montserrat Light" panose="00000400000000000000" pitchFamily="2" charset="0"/>
+                <a:latin typeface="Nunito" pitchFamily="2" charset="0"/>
               </a:rPr>
               <a:t>Recebe, armazena e transmite as mensagens</a:t>
             </a:r>
@@ -25382,18 +25684,18 @@
             </a:pPr>
             <a:r>
               <a:rPr lang="pt-BR" dirty="0">
-                <a:latin typeface="Montserrat Light" panose="00000400000000000000" pitchFamily="2" charset="0"/>
+                <a:latin typeface="Nunito" pitchFamily="2" charset="0"/>
               </a:rPr>
               <a:t>Funciona em conjunto com o </a:t>
             </a:r>
             <a:r>
               <a:rPr lang="pt-BR" dirty="0" err="1">
-                <a:latin typeface="Montserrat Light" panose="00000400000000000000" pitchFamily="2" charset="0"/>
+                <a:latin typeface="Nunito" pitchFamily="2" charset="0"/>
               </a:rPr>
               <a:t>Zookeeper</a:t>
             </a:r>
             <a:endParaRPr lang="pt-BR" dirty="0">
-              <a:latin typeface="Montserrat Light" panose="00000400000000000000" pitchFamily="2" charset="0"/>
+              <a:latin typeface="Nunito" pitchFamily="2" charset="0"/>
             </a:endParaRPr>
           </a:p>
           <a:p>
@@ -25403,7 +25705,7 @@
             </a:pPr>
             <a:r>
               <a:rPr lang="pt-BR" dirty="0">
-                <a:latin typeface="Montserrat Light" panose="00000400000000000000" pitchFamily="2" charset="0"/>
+                <a:latin typeface="Nunito" pitchFamily="2" charset="0"/>
               </a:rPr>
               <a:t>Deve ficar em um espaço dedicado</a:t>
             </a:r>
@@ -25415,7 +25717,7 @@
             </a:pPr>
             <a:r>
               <a:rPr lang="pt-BR" dirty="0">
-                <a:latin typeface="Montserrat Light" panose="00000400000000000000" pitchFamily="2" charset="0"/>
+                <a:latin typeface="Nunito" pitchFamily="2" charset="0"/>
               </a:rPr>
               <a:t>Servidor dedicado, recursos dedicados</a:t>
             </a:r>
@@ -25427,7 +25729,7 @@
             </a:pPr>
             <a:r>
               <a:rPr lang="pt-BR" dirty="0">
-                <a:latin typeface="Montserrat Light" panose="00000400000000000000" pitchFamily="2" charset="0"/>
+                <a:latin typeface="Nunito" pitchFamily="2" charset="0"/>
               </a:rPr>
               <a:t>Tem um alto nível de I/O</a:t>
             </a:r>
@@ -25439,7 +25741,7 @@
             </a:pPr>
             <a:r>
               <a:rPr lang="pt-BR" dirty="0">
-                <a:latin typeface="Montserrat Light" panose="00000400000000000000" pitchFamily="2" charset="0"/>
+                <a:latin typeface="Nunito" pitchFamily="2" charset="0"/>
               </a:rPr>
               <a:t>Pode afetar todo o resto</a:t>
             </a:r>
@@ -25451,7 +25753,7 @@
             </a:pPr>
             <a:r>
               <a:rPr lang="pt-BR" dirty="0">
-                <a:latin typeface="Montserrat Light" panose="00000400000000000000" pitchFamily="2" charset="0"/>
+                <a:latin typeface="Nunito" pitchFamily="2" charset="0"/>
               </a:rPr>
               <a:t>Processo que roda no topo do OS</a:t>
             </a:r>
@@ -25463,7 +25765,7 @@
             </a:pPr>
             <a:r>
               <a:rPr lang="pt-BR" dirty="0">
-                <a:latin typeface="Montserrat Light" panose="00000400000000000000" pitchFamily="2" charset="0"/>
+                <a:latin typeface="Nunito" pitchFamily="2" charset="0"/>
               </a:rPr>
               <a:t>Basicamente armazena e lê mensagens</a:t>
             </a:r>
@@ -25475,7 +25777,7 @@
             </a:pPr>
             <a:r>
               <a:rPr lang="pt-BR" dirty="0">
-                <a:latin typeface="Montserrat Light" panose="00000400000000000000" pitchFamily="2" charset="0"/>
+                <a:latin typeface="Nunito" pitchFamily="2" charset="0"/>
               </a:rPr>
               <a:t>Tudo binário</a:t>
             </a:r>
@@ -25487,7 +25789,7 @@
             </a:pPr>
             <a:r>
               <a:rPr lang="pt-BR" dirty="0">
-                <a:latin typeface="Montserrat Light" panose="00000400000000000000" pitchFamily="2" charset="0"/>
+                <a:latin typeface="Nunito" pitchFamily="2" charset="0"/>
               </a:rPr>
               <a:t>Provavelmente vai rodar em um cluster</a:t>
             </a:r>
@@ -25499,7 +25801,7 @@
             </a:pPr>
             <a:r>
               <a:rPr lang="pt-BR" dirty="0">
-                <a:latin typeface="Montserrat Light" panose="00000400000000000000" pitchFamily="2" charset="0"/>
+                <a:latin typeface="Nunito" pitchFamily="2" charset="0"/>
               </a:rPr>
               <a:t>Cluster = Conjunto de servidores</a:t>
             </a:r>
@@ -25825,7 +26127,7 @@
             </a:pPr>
             <a:r>
               <a:rPr lang="pt-BR" dirty="0">
-                <a:latin typeface="Montserrat Light" panose="00000400000000000000" pitchFamily="2" charset="0"/>
+                <a:latin typeface="Nunito" pitchFamily="2" charset="0"/>
               </a:rPr>
               <a:t>Faz o “meio-campo” entre os brokers</a:t>
             </a:r>
@@ -25837,31 +26139,31 @@
             </a:pPr>
             <a:r>
               <a:rPr lang="pt-BR" dirty="0">
-                <a:latin typeface="Montserrat Light" panose="00000400000000000000" pitchFamily="2" charset="0"/>
+                <a:latin typeface="Nunito" pitchFamily="2" charset="0"/>
               </a:rPr>
               <a:t>Funciona como um “</a:t>
             </a:r>
             <a:r>
               <a:rPr lang="pt-BR" dirty="0" err="1">
-                <a:latin typeface="Montserrat Light" panose="00000400000000000000" pitchFamily="2" charset="0"/>
+                <a:latin typeface="Nunito" pitchFamily="2" charset="0"/>
               </a:rPr>
               <a:t>load</a:t>
             </a:r>
             <a:r>
               <a:rPr lang="pt-BR" dirty="0">
-                <a:latin typeface="Montserrat Light" panose="00000400000000000000" pitchFamily="2" charset="0"/>
+                <a:latin typeface="Nunito" pitchFamily="2" charset="0"/>
               </a:rPr>
               <a:t> </a:t>
             </a:r>
             <a:r>
               <a:rPr lang="pt-BR" dirty="0" err="1">
-                <a:latin typeface="Montserrat Light" panose="00000400000000000000" pitchFamily="2" charset="0"/>
+                <a:latin typeface="Nunito" pitchFamily="2" charset="0"/>
               </a:rPr>
               <a:t>balancer</a:t>
             </a:r>
             <a:r>
               <a:rPr lang="pt-BR" dirty="0">
-                <a:latin typeface="Montserrat Light" panose="00000400000000000000" pitchFamily="2" charset="0"/>
+                <a:latin typeface="Nunito" pitchFamily="2" charset="0"/>
               </a:rPr>
               <a:t>”</a:t>
             </a:r>
@@ -25873,7 +26175,7 @@
             </a:pPr>
             <a:r>
               <a:rPr lang="pt-BR" dirty="0">
-                <a:latin typeface="Montserrat Light" panose="00000400000000000000" pitchFamily="2" charset="0"/>
+                <a:latin typeface="Nunito" pitchFamily="2" charset="0"/>
               </a:rPr>
               <a:t>Gerencia falhas nos brokers</a:t>
             </a:r>
@@ -26479,7 +26781,7 @@
           <p:nvPr/>
         </p:nvPicPr>
         <p:blipFill>
-          <a:blip r:embed="rId2">
+          <a:blip r:embed="rId3">
             <a:extLst>
               <a:ext uri="{28A0092B-C50C-407E-A947-70E740481C1C}">
                 <a14:useLocalDpi xmlns:a14="http://schemas.microsoft.com/office/drawing/2010/main" val="0"/>
@@ -26535,8 +26837,41 @@
                 </a:solidFill>
                 <a:latin typeface="Nunito" pitchFamily="2" charset="77"/>
               </a:rPr>
-              <a:t>Streaming</a:t>
-            </a:r>
+              <a:t>Records, </a:t>
+            </a:r>
+            <a:r>
+              <a:rPr lang="pt-BR" dirty="0" err="1">
+                <a:solidFill>
+                  <a:schemeClr val="bg1"/>
+                </a:solidFill>
+                <a:latin typeface="Nunito" pitchFamily="2" charset="77"/>
+              </a:rPr>
+              <a:t>Topics</a:t>
+            </a:r>
+            <a:r>
+              <a:rPr lang="pt-BR" dirty="0">
+                <a:solidFill>
+                  <a:schemeClr val="bg1"/>
+                </a:solidFill>
+                <a:latin typeface="Nunito" pitchFamily="2" charset="77"/>
+              </a:rPr>
+              <a:t> e </a:t>
+            </a:r>
+            <a:r>
+              <a:rPr lang="pt-BR" dirty="0" err="1">
+                <a:solidFill>
+                  <a:schemeClr val="bg1"/>
+                </a:solidFill>
+                <a:latin typeface="Nunito" pitchFamily="2" charset="77"/>
+              </a:rPr>
+              <a:t>Partitions</a:t>
+            </a:r>
+            <a:endParaRPr lang="pt-BR" dirty="0">
+              <a:solidFill>
+                <a:schemeClr val="bg1"/>
+              </a:solidFill>
+              <a:latin typeface="Nunito" pitchFamily="2" charset="77"/>
+            </a:endParaRPr>
           </a:p>
         </p:txBody>
       </p:sp>
@@ -26555,10 +26890,10 @@
           <p:nvPr/>
         </p:nvPicPr>
         <p:blipFill>
-          <a:blip r:embed="rId3">
+          <a:blip r:embed="rId4">
             <a:extLst>
               <a:ext uri="{96DAC541-7B7A-43D3-8B79-37D633B846F1}">
-                <asvg:svgBlip xmlns:asvg="http://schemas.microsoft.com/office/drawing/2016/SVG/main" r:embed="rId4"/>
+                <asvg:svgBlip xmlns:asvg="http://schemas.microsoft.com/office/drawing/2016/SVG/main" r:embed="rId5"/>
               </a:ext>
             </a:extLst>
           </a:blip>
@@ -26591,7 +26926,7 @@
         <p:spPr>
           <a:xfrm>
             <a:off x="1097280" y="2719343"/>
-            <a:ext cx="6400800" cy="2585323"/>
+            <a:ext cx="6400800" cy="4524315"/>
           </a:xfrm>
           <a:prstGeom prst="rect">
             <a:avLst/>
@@ -26608,7 +26943,7 @@
               <a:rPr lang="pt-BR" b="1" dirty="0">
                 <a:latin typeface="Nunito" pitchFamily="2" charset="77"/>
               </a:rPr>
-              <a:t>Mensagem</a:t>
+              <a:t>Record</a:t>
             </a:r>
           </a:p>
           <a:p>
@@ -26620,101 +26955,8 @@
               <a:rPr lang="en-US" dirty="0">
                 <a:latin typeface="Nunito" pitchFamily="2" charset="77"/>
               </a:rPr>
-              <a:t>É o </a:t>
-            </a:r>
-            <a:r>
-              <a:rPr lang="en-US" dirty="0" err="1">
-                <a:latin typeface="Nunito" pitchFamily="2" charset="77"/>
-              </a:rPr>
-              <a:t>ato</a:t>
-            </a:r>
-            <a:r>
-              <a:rPr lang="en-US" dirty="0">
-                <a:latin typeface="Nunito" pitchFamily="2" charset="77"/>
-              </a:rPr>
-              <a:t> de </a:t>
-            </a:r>
-            <a:r>
-              <a:rPr lang="en-US" dirty="0" err="1">
-                <a:latin typeface="Nunito" pitchFamily="2" charset="77"/>
-              </a:rPr>
-              <a:t>processar</a:t>
-            </a:r>
-            <a:r>
-              <a:rPr lang="en-US" dirty="0">
-                <a:latin typeface="Nunito" pitchFamily="2" charset="77"/>
-              </a:rPr>
-              <a:t> </a:t>
-            </a:r>
-            <a:r>
-              <a:rPr lang="en-US" dirty="0" err="1">
-                <a:latin typeface="Nunito" pitchFamily="2" charset="77"/>
-              </a:rPr>
-              <a:t>os</a:t>
-            </a:r>
-            <a:r>
-              <a:rPr lang="en-US" dirty="0">
-                <a:latin typeface="Nunito" pitchFamily="2" charset="77"/>
-              </a:rPr>
-              <a:t> </a:t>
-            </a:r>
-            <a:r>
-              <a:rPr lang="en-US" dirty="0" err="1">
-                <a:latin typeface="Nunito" pitchFamily="2" charset="77"/>
-              </a:rPr>
-              <a:t>eventos</a:t>
-            </a:r>
-            <a:r>
-              <a:rPr lang="en-US" dirty="0">
-                <a:latin typeface="Nunito" pitchFamily="2" charset="77"/>
-              </a:rPr>
-              <a:t>, um a um, </a:t>
-            </a:r>
-            <a:r>
-              <a:rPr lang="en-US" dirty="0" err="1">
-                <a:latin typeface="Nunito" pitchFamily="2" charset="77"/>
-              </a:rPr>
-              <a:t>na</a:t>
-            </a:r>
-            <a:r>
-              <a:rPr lang="en-US" dirty="0">
-                <a:latin typeface="Nunito" pitchFamily="2" charset="77"/>
-              </a:rPr>
-              <a:t> </a:t>
-            </a:r>
-            <a:r>
-              <a:rPr lang="en-US" dirty="0" err="1">
-                <a:latin typeface="Nunito" pitchFamily="2" charset="77"/>
-              </a:rPr>
-              <a:t>ordem</a:t>
-            </a:r>
-            <a:r>
-              <a:rPr lang="en-US" dirty="0">
-                <a:latin typeface="Nunito" pitchFamily="2" charset="77"/>
-              </a:rPr>
-              <a:t> que </a:t>
-            </a:r>
-            <a:r>
-              <a:rPr lang="en-US" dirty="0" err="1">
-                <a:latin typeface="Nunito" pitchFamily="2" charset="77"/>
-              </a:rPr>
-              <a:t>chegam</a:t>
-            </a:r>
-            <a:r>
-              <a:rPr lang="en-US" dirty="0">
-                <a:latin typeface="Nunito" pitchFamily="2" charset="77"/>
-              </a:rPr>
-              <a:t> no </a:t>
-            </a:r>
-            <a:r>
-              <a:rPr lang="en-US" dirty="0" err="1">
-                <a:latin typeface="Nunito" pitchFamily="2" charset="77"/>
-              </a:rPr>
-              <a:t>sistema</a:t>
-            </a:r>
-            <a:endParaRPr lang="en-US" dirty="0">
-              <a:latin typeface="Nunito" pitchFamily="2" charset="77"/>
-            </a:endParaRPr>
+              <a:t>Key, Value, Timestamp</a:t>
+            </a:r>
           </a:p>
           <a:p>
             <a:pPr marL="742950" lvl="1" indent="-285750">
@@ -26722,17 +26964,43 @@
               <a:buChar char="-"/>
             </a:pPr>
             <a:r>
+              <a:rPr lang="en-US" dirty="0">
+                <a:latin typeface="Nunito" pitchFamily="2" charset="77"/>
+              </a:rPr>
+              <a:t>Key e Value = </a:t>
+            </a:r>
+            <a:r>
               <a:rPr lang="en-US" dirty="0" err="1">
                 <a:latin typeface="Nunito" pitchFamily="2" charset="77"/>
               </a:rPr>
-              <a:t>Igual</a:t>
+              <a:t>Qualquer</a:t>
             </a:r>
             <a:r>
               <a:rPr lang="en-US" dirty="0">
                 <a:latin typeface="Nunito" pitchFamily="2" charset="77"/>
               </a:rPr>
-              <a:t> um streaming de video</a:t>
-            </a:r>
+              <a:t> </a:t>
+            </a:r>
+            <a:r>
+              <a:rPr lang="en-US" dirty="0" err="1">
+                <a:latin typeface="Nunito" pitchFamily="2" charset="77"/>
+              </a:rPr>
+              <a:t>coisa</a:t>
+            </a:r>
+            <a:endParaRPr lang="en-US" dirty="0">
+              <a:latin typeface="Nunito" pitchFamily="2" charset="77"/>
+            </a:endParaRPr>
+          </a:p>
+          <a:p>
+            <a:r>
+              <a:rPr lang="pt-BR" b="1" dirty="0" err="1">
+                <a:latin typeface="Nunito" pitchFamily="2" charset="77"/>
+              </a:rPr>
+              <a:t>Topic</a:t>
+            </a:r>
+            <a:endParaRPr lang="pt-BR" b="1" dirty="0">
+              <a:latin typeface="Nunito" pitchFamily="2" charset="77"/>
+            </a:endParaRPr>
           </a:p>
           <a:p>
             <a:pPr marL="285750" indent="-285750">
@@ -26743,62 +27011,304 @@
               <a:rPr lang="en-US" dirty="0" err="1">
                 <a:latin typeface="Nunito" pitchFamily="2" charset="77"/>
               </a:rPr>
-              <a:t>Processar</a:t>
+              <a:t>Categoria</a:t>
             </a:r>
             <a:r>
               <a:rPr lang="en-US" dirty="0">
                 <a:latin typeface="Nunito" pitchFamily="2" charset="77"/>
               </a:rPr>
-              <a:t> as </a:t>
+              <a:t> de um </a:t>
             </a:r>
             <a:r>
               <a:rPr lang="en-US" dirty="0" err="1">
                 <a:latin typeface="Nunito" pitchFamily="2" charset="77"/>
               </a:rPr>
-              <a:t>ações</a:t>
+              <a:t>grupo</a:t>
             </a:r>
             <a:r>
               <a:rPr lang="en-US" dirty="0">
                 <a:latin typeface="Nunito" pitchFamily="2" charset="77"/>
               </a:rPr>
-              <a:t> que </a:t>
+              <a:t> de records</a:t>
+            </a:r>
+          </a:p>
+          <a:p>
+            <a:pPr marL="285750" indent="-285750">
+              <a:buFontTx/>
+              <a:buChar char="-"/>
+            </a:pPr>
+            <a:r>
+              <a:rPr lang="en-US" dirty="0">
+                <a:latin typeface="Nunito" pitchFamily="2" charset="77"/>
+              </a:rPr>
+              <a:t>São </a:t>
             </a:r>
             <a:r>
               <a:rPr lang="en-US" dirty="0" err="1">
                 <a:latin typeface="Nunito" pitchFamily="2" charset="77"/>
               </a:rPr>
-              <a:t>acontecem</a:t>
+              <a:t>armazenados</a:t>
             </a:r>
             <a:r>
               <a:rPr lang="en-US" dirty="0">
                 <a:latin typeface="Nunito" pitchFamily="2" charset="77"/>
               </a:rPr>
-              <a:t> no </a:t>
+              <a:t> </a:t>
             </a:r>
             <a:r>
               <a:rPr lang="en-US" dirty="0" err="1">
                 <a:latin typeface="Nunito" pitchFamily="2" charset="77"/>
               </a:rPr>
-              <a:t>sistema</a:t>
+              <a:t>nos</a:t>
             </a:r>
             <a:r>
               <a:rPr lang="en-US" dirty="0">
                 <a:latin typeface="Nunito" pitchFamily="2" charset="77"/>
               </a:rPr>
+              <a:t> Brokers</a:t>
+            </a:r>
+          </a:p>
+          <a:p>
+            <a:pPr marL="285750" indent="-285750">
+              <a:buFontTx/>
+              <a:buChar char="-"/>
+            </a:pPr>
+            <a:r>
+              <a:rPr lang="en-US" dirty="0" err="1">
+                <a:latin typeface="Nunito" pitchFamily="2" charset="77"/>
+              </a:rPr>
+              <a:t>Gerenciado</a:t>
+            </a:r>
+            <a:r>
+              <a:rPr lang="en-US" dirty="0">
+                <a:latin typeface="Nunito" pitchFamily="2" charset="77"/>
+              </a:rPr>
               <a:t> </a:t>
             </a:r>
             <a:r>
               <a:rPr lang="en-US" dirty="0" err="1">
                 <a:latin typeface="Nunito" pitchFamily="2" charset="77"/>
               </a:rPr>
+              <a:t>pelo</a:t>
+            </a:r>
+            <a:r>
+              <a:rPr lang="en-US" dirty="0">
+                <a:latin typeface="Nunito" pitchFamily="2" charset="77"/>
+              </a:rPr>
+              <a:t> Zookeeper</a:t>
+            </a:r>
+          </a:p>
+          <a:p>
+            <a:pPr marL="285750" indent="-285750">
+              <a:buFontTx/>
+              <a:buChar char="-"/>
+            </a:pPr>
+            <a:r>
+              <a:rPr lang="en-US" dirty="0">
+                <a:latin typeface="Nunito" pitchFamily="2" charset="77"/>
+              </a:rPr>
+              <a:t>Delete/Compaction</a:t>
+            </a:r>
+          </a:p>
+          <a:p>
+            <a:r>
+              <a:rPr lang="pt-BR" b="1" dirty="0" err="1">
+                <a:latin typeface="Nunito" pitchFamily="2" charset="77"/>
+              </a:rPr>
+              <a:t>Partitions</a:t>
+            </a:r>
+            <a:endParaRPr lang="pt-BR" b="1" dirty="0">
+              <a:latin typeface="Nunito" pitchFamily="2" charset="77"/>
+            </a:endParaRPr>
+          </a:p>
+          <a:p>
+            <a:pPr marL="285750" indent="-285750">
+              <a:buFontTx/>
+              <a:buChar char="-"/>
+            </a:pPr>
+            <a:r>
+              <a:rPr lang="en-US" dirty="0" err="1">
+                <a:latin typeface="Nunito" pitchFamily="2" charset="77"/>
+              </a:rPr>
+              <a:t>Permite</a:t>
+            </a:r>
+            <a:r>
+              <a:rPr lang="en-US" dirty="0">
+                <a:latin typeface="Nunito" pitchFamily="2" charset="77"/>
+              </a:rPr>
+              <a:t> </a:t>
+            </a:r>
+            <a:r>
+              <a:rPr lang="en-US" dirty="0" err="1">
+                <a:latin typeface="Nunito" pitchFamily="2" charset="77"/>
+              </a:rPr>
+              <a:t>uma</a:t>
+            </a:r>
+            <a:r>
+              <a:rPr lang="en-US" dirty="0">
+                <a:latin typeface="Nunito" pitchFamily="2" charset="77"/>
+              </a:rPr>
+              <a:t> </a:t>
+            </a:r>
+            <a:r>
+              <a:rPr lang="en-US" dirty="0" err="1">
+                <a:latin typeface="Nunito" pitchFamily="2" charset="77"/>
+              </a:rPr>
+              <a:t>categoria</a:t>
+            </a:r>
+            <a:r>
+              <a:rPr lang="en-US" dirty="0">
+                <a:latin typeface="Nunito" pitchFamily="2" charset="77"/>
+              </a:rPr>
+              <a:t> </a:t>
+            </a:r>
+            <a:r>
+              <a:rPr lang="en-US" dirty="0" err="1">
+                <a:latin typeface="Nunito" pitchFamily="2" charset="77"/>
+              </a:rPr>
+              <a:t>existir</a:t>
+            </a:r>
+            <a:r>
+              <a:rPr lang="en-US" dirty="0">
+                <a:latin typeface="Nunito" pitchFamily="2" charset="77"/>
+              </a:rPr>
+              <a:t> </a:t>
+            </a:r>
+            <a:r>
+              <a:rPr lang="en-US" dirty="0" err="1">
+                <a:latin typeface="Nunito" pitchFamily="2" charset="77"/>
+              </a:rPr>
               <a:t>em</a:t>
             </a:r>
             <a:r>
               <a:rPr lang="en-US" dirty="0">
                 <a:latin typeface="Nunito" pitchFamily="2" charset="77"/>
               </a:rPr>
-              <a:t> tempo real.</a:t>
-            </a:r>
+              <a:t> N brokers</a:t>
+            </a:r>
+          </a:p>
+          <a:p>
+            <a:pPr marL="285750" indent="-285750">
+              <a:buFontTx/>
+              <a:buChar char="-"/>
+            </a:pPr>
+            <a:r>
+              <a:rPr lang="en-US" dirty="0">
+                <a:latin typeface="Nunito" pitchFamily="2" charset="77"/>
+              </a:rPr>
+              <a:t>A </a:t>
+            </a:r>
+            <a:r>
+              <a:rPr lang="en-US" dirty="0" err="1">
+                <a:latin typeface="Nunito" pitchFamily="2" charset="77"/>
+              </a:rPr>
+              <a:t>mesma</a:t>
+            </a:r>
+            <a:r>
+              <a:rPr lang="en-US" dirty="0">
+                <a:latin typeface="Nunito" pitchFamily="2" charset="77"/>
+              </a:rPr>
+              <a:t> </a:t>
+            </a:r>
+            <a:r>
+              <a:rPr lang="en-US" dirty="0" err="1">
+                <a:latin typeface="Nunito" pitchFamily="2" charset="77"/>
+              </a:rPr>
+              <a:t>mensagem</a:t>
+            </a:r>
+            <a:r>
+              <a:rPr lang="en-US" dirty="0">
+                <a:latin typeface="Nunito" pitchFamily="2" charset="77"/>
+              </a:rPr>
+              <a:t> </a:t>
+            </a:r>
+            <a:r>
+              <a:rPr lang="en-US" dirty="0" err="1">
+                <a:latin typeface="Nunito" pitchFamily="2" charset="77"/>
+              </a:rPr>
+              <a:t>não</a:t>
+            </a:r>
+            <a:r>
+              <a:rPr lang="en-US" dirty="0">
+                <a:latin typeface="Nunito" pitchFamily="2" charset="77"/>
+              </a:rPr>
+              <a:t> </a:t>
+            </a:r>
+            <a:r>
+              <a:rPr lang="en-US" dirty="0" err="1">
+                <a:latin typeface="Nunito" pitchFamily="2" charset="77"/>
+              </a:rPr>
+              <a:t>existe</a:t>
+            </a:r>
+            <a:r>
+              <a:rPr lang="en-US" dirty="0">
+                <a:latin typeface="Nunito" pitchFamily="2" charset="77"/>
+              </a:rPr>
+              <a:t> </a:t>
+            </a:r>
+            <a:r>
+              <a:rPr lang="en-US" dirty="0" err="1">
+                <a:latin typeface="Nunito" pitchFamily="2" charset="77"/>
+              </a:rPr>
+              <a:t>em</a:t>
+            </a:r>
+            <a:r>
+              <a:rPr lang="en-US" dirty="0">
+                <a:latin typeface="Nunito" pitchFamily="2" charset="77"/>
+              </a:rPr>
+              <a:t> N partitions</a:t>
+            </a:r>
+          </a:p>
+          <a:p>
+            <a:pPr marL="285750" indent="-285750">
+              <a:buFontTx/>
+              <a:buChar char="-"/>
+            </a:pPr>
+            <a:r>
+              <a:rPr lang="en-US" dirty="0">
+                <a:latin typeface="Nunito" pitchFamily="2" charset="77"/>
+              </a:rPr>
+              <a:t>Replicated Partitions</a:t>
+            </a:r>
+          </a:p>
+          <a:p>
+            <a:pPr marL="742950" lvl="1" indent="-285750">
+              <a:buFontTx/>
+              <a:buChar char="-"/>
+            </a:pPr>
+            <a:r>
+              <a:rPr lang="en-US" dirty="0" err="1">
+                <a:latin typeface="Nunito" pitchFamily="2" charset="77"/>
+              </a:rPr>
+              <a:t>Mesma</a:t>
+            </a:r>
+            <a:r>
+              <a:rPr lang="en-US" dirty="0">
+                <a:latin typeface="Nunito" pitchFamily="2" charset="77"/>
+              </a:rPr>
+              <a:t> partition </a:t>
+            </a:r>
+            <a:r>
+              <a:rPr lang="en-US" dirty="0" err="1">
+                <a:latin typeface="Nunito" pitchFamily="2" charset="77"/>
+              </a:rPr>
+              <a:t>em</a:t>
+            </a:r>
+            <a:r>
+              <a:rPr lang="en-US" dirty="0">
+                <a:latin typeface="Nunito" pitchFamily="2" charset="77"/>
+              </a:rPr>
+              <a:t> Brokers </a:t>
+            </a:r>
+            <a:r>
+              <a:rPr lang="en-US" dirty="0" err="1">
+                <a:latin typeface="Nunito" pitchFamily="2" charset="77"/>
+              </a:rPr>
+              <a:t>diferentes</a:t>
+            </a:r>
+            <a:endParaRPr lang="en-US" dirty="0">
+              <a:latin typeface="Nunito" pitchFamily="2" charset="77"/>
+            </a:endParaRPr>
           </a:p>
           <a:p>
             <a:pPr marL="285750" indent="-285750">
@@ -26844,13 +27354,13 @@
           <p:nvPr/>
         </p:nvPicPr>
         <p:blipFill>
-          <a:blip r:embed="rId5">
+          <a:blip r:embed="rId6">
             <a:extLst>
               <a:ext uri="{28A0092B-C50C-407E-A947-70E740481C1C}">
                 <a14:useLocalDpi xmlns:a14="http://schemas.microsoft.com/office/drawing/2010/main" val="0"/>
               </a:ext>
               <a:ext uri="{96DAC541-7B7A-43D3-8B79-37D633B846F1}">
-                <asvg:svgBlip xmlns:asvg="http://schemas.microsoft.com/office/drawing/2016/SVG/main" r:embed="rId6"/>
+                <asvg:svgBlip xmlns:asvg="http://schemas.microsoft.com/office/drawing/2016/SVG/main" r:embed="rId7"/>
               </a:ext>
             </a:extLst>
           </a:blip>
@@ -26990,22 +27500,20 @@
       </p:grpSpPr>
       <p:pic>
         <p:nvPicPr>
-          <p:cNvPr id="5" name="Espaço Reservado para Conteúdo 4">
+          <p:cNvPr id="7" name="Imagem 6">
             <a:extLst>
               <a:ext uri="{FF2B5EF4-FFF2-40B4-BE49-F238E27FC236}">
-                <a16:creationId xmlns:a16="http://schemas.microsoft.com/office/drawing/2014/main" id="{DEBCF998-65B9-41B2-A535-E5741DD64BE5}"/>
+                <a16:creationId xmlns:a16="http://schemas.microsoft.com/office/drawing/2014/main" id="{15EF5E79-A320-604B-B8D0-BB7CC7F3BD24}"/>
               </a:ext>
             </a:extLst>
           </p:cNvPr>
           <p:cNvPicPr>
-            <a:picLocks noGrp="1" noChangeAspect="1"/>
+            <a:picLocks noChangeAspect="1"/>
           </p:cNvPicPr>
-          <p:nvPr>
-            <p:ph idx="1"/>
-          </p:nvPr>
+          <p:nvPr/>
         </p:nvPicPr>
         <p:blipFill>
-          <a:blip r:embed="rId2">
+          <a:blip r:embed="rId3">
             <a:extLst>
               <a:ext uri="{28A0092B-C50C-407E-A947-70E740481C1C}">
                 <a14:useLocalDpi xmlns:a14="http://schemas.microsoft.com/office/drawing/2010/main" val="0"/>
@@ -27018,17 +27526,20 @@
         </p:blipFill>
         <p:spPr>
           <a:xfrm>
-            <a:off x="-11088" y="1"/>
-            <a:ext cx="12203088" cy="6881654"/>
+            <a:off x="-1" y="-1590"/>
+            <a:ext cx="12192001" cy="2021978"/>
           </a:xfrm>
+          <a:prstGeom prst="rect">
+            <a:avLst/>
+          </a:prstGeom>
         </p:spPr>
       </p:pic>
       <p:sp>
         <p:nvSpPr>
-          <p:cNvPr id="6" name="Título 1">
+          <p:cNvPr id="13" name="Título 1">
             <a:extLst>
               <a:ext uri="{FF2B5EF4-FFF2-40B4-BE49-F238E27FC236}">
-                <a16:creationId xmlns:a16="http://schemas.microsoft.com/office/drawing/2014/main" id="{EC993F68-2ABC-472C-9DAA-F49885B6553A}"/>
+                <a16:creationId xmlns:a16="http://schemas.microsoft.com/office/drawing/2014/main" id="{94E1A0D2-D048-46FE-90D3-722FBF740CC7}"/>
               </a:ext>
             </a:extLst>
           </p:cNvPr>
@@ -27041,8 +27552,8 @@
         </p:nvSpPr>
         <p:spPr>
           <a:xfrm>
-            <a:off x="29290" y="2418011"/>
-            <a:ext cx="11358357" cy="2021978"/>
+            <a:off x="2159726" y="0"/>
+            <a:ext cx="9292046" cy="2021978"/>
           </a:xfrm>
         </p:spPr>
         <p:txBody>
@@ -27051,31 +27562,24 @@
           </a:bodyPr>
           <a:lstStyle/>
           <a:p>
-            <a:pPr algn="ctr"/>
-            <a:r>
-              <a:rPr lang="pt-BR" sz="7300" dirty="0">
+            <a:r>
+              <a:rPr lang="pt-BR" dirty="0">
                 <a:solidFill>
                   <a:schemeClr val="bg1"/>
                 </a:solidFill>
                 <a:latin typeface="Nunito" pitchFamily="2" charset="77"/>
               </a:rPr>
-              <a:t>Dúvidas?</a:t>
-            </a:r>
-            <a:endParaRPr lang="pt-BR" sz="5400" dirty="0">
-              <a:solidFill>
-                <a:schemeClr val="bg1"/>
-              </a:solidFill>
-              <a:latin typeface="Nunito" pitchFamily="2" charset="77"/>
-            </a:endParaRPr>
+              <a:t>Producer</a:t>
+            </a:r>
           </a:p>
         </p:txBody>
       </p:sp>
       <p:pic>
         <p:nvPicPr>
-          <p:cNvPr id="4" name="Gráfico 3">
+          <p:cNvPr id="14" name="Gráfico 13">
             <a:extLst>
               <a:ext uri="{FF2B5EF4-FFF2-40B4-BE49-F238E27FC236}">
-                <a16:creationId xmlns:a16="http://schemas.microsoft.com/office/drawing/2014/main" id="{30B2841D-7CA4-4E0E-8F46-4FA75875DD08}"/>
+                <a16:creationId xmlns:a16="http://schemas.microsoft.com/office/drawing/2014/main" id="{2B5477E9-00BA-4494-BA1B-5466AC45994D}"/>
               </a:ext>
             </a:extLst>
           </p:cNvPr>
@@ -27085,13 +27589,10 @@
           <p:nvPr/>
         </p:nvPicPr>
         <p:blipFill>
-          <a:blip r:embed="rId3">
-            <a:extLst>
-              <a:ext uri="{28A0092B-C50C-407E-A947-70E740481C1C}">
-                <a14:useLocalDpi xmlns:a14="http://schemas.microsoft.com/office/drawing/2010/main" val="0"/>
-              </a:ext>
+          <a:blip r:embed="rId4">
+            <a:extLst>
               <a:ext uri="{96DAC541-7B7A-43D3-8B79-37D633B846F1}">
-                <asvg:svgBlip xmlns:asvg="http://schemas.microsoft.com/office/drawing/2016/SVG/main" r:embed="rId4"/>
+                <asvg:svgBlip xmlns:asvg="http://schemas.microsoft.com/office/drawing/2016/SVG/main" r:embed="rId5"/>
               </a:ext>
             </a:extLst>
           </a:blip>
@@ -27101,8 +27602,8 @@
         </p:blipFill>
         <p:spPr>
           <a:xfrm>
-            <a:off x="8042728" y="2538248"/>
-            <a:ext cx="1285750" cy="1648398"/>
+            <a:off x="1097280" y="636835"/>
+            <a:ext cx="610307" cy="705667"/>
           </a:xfrm>
           <a:prstGeom prst="rect">
             <a:avLst/>
@@ -27111,10 +27612,10 @@
       </p:pic>
       <p:sp>
         <p:nvSpPr>
-          <p:cNvPr id="7" name="CaixaDeTexto 6">
+          <p:cNvPr id="8" name="CaixaDeTexto 7">
             <a:extLst>
               <a:ext uri="{FF2B5EF4-FFF2-40B4-BE49-F238E27FC236}">
-                <a16:creationId xmlns:a16="http://schemas.microsoft.com/office/drawing/2014/main" id="{F156BB03-8A3B-4693-854F-02F1C8040212}"/>
+                <a16:creationId xmlns:a16="http://schemas.microsoft.com/office/drawing/2014/main" id="{29557DB5-A419-464F-8DE1-FE557705DF73}"/>
               </a:ext>
             </a:extLst>
           </p:cNvPr>
@@ -27123,8 +27624,8 @@
         </p:nvSpPr>
         <p:spPr>
           <a:xfrm>
-            <a:off x="3307223" y="3955813"/>
-            <a:ext cx="5052852" cy="400110"/>
+            <a:off x="1097280" y="2719343"/>
+            <a:ext cx="6400800" cy="4524315"/>
           </a:xfrm>
           <a:prstGeom prst="rect">
             <a:avLst/>
@@ -27137,64 +27638,463 @@
           </a:bodyPr>
           <a:lstStyle/>
           <a:p>
-            <a:pPr algn="ctr"/>
-            <a:r>
-              <a:rPr lang="pt-BR" sz="2000" dirty="0" err="1">
-                <a:solidFill>
-                  <a:schemeClr val="bg1"/>
-                </a:solidFill>
-                <a:latin typeface="Nunito" pitchFamily="2" charset="77"/>
-              </a:rPr>
-              <a:t>https</a:t>
-            </a:r>
-            <a:r>
-              <a:rPr lang="pt-BR" sz="2000" dirty="0">
-                <a:solidFill>
-                  <a:schemeClr val="bg1"/>
-                </a:solidFill>
-                <a:latin typeface="Nunito" pitchFamily="2" charset="77"/>
-              </a:rPr>
-              <a:t>://</a:t>
-            </a:r>
-            <a:r>
-              <a:rPr lang="pt-BR" sz="2000" dirty="0" err="1">
-                <a:solidFill>
-                  <a:schemeClr val="bg1"/>
-                </a:solidFill>
-                <a:latin typeface="Nunito" pitchFamily="2" charset="77"/>
-              </a:rPr>
-              <a:t>balta.io</a:t>
-            </a:r>
-            <a:r>
-              <a:rPr lang="pt-BR" sz="2000" dirty="0">
-                <a:solidFill>
-                  <a:schemeClr val="bg1"/>
-                </a:solidFill>
-                <a:latin typeface="Nunito" pitchFamily="2" charset="77"/>
-              </a:rPr>
-              <a:t>/ajuda</a:t>
-            </a:r>
+            <a:r>
+              <a:rPr lang="pt-BR" b="1" dirty="0">
+                <a:latin typeface="Nunito" pitchFamily="2" charset="77"/>
+              </a:rPr>
+              <a:t>Record</a:t>
+            </a:r>
+          </a:p>
+          <a:p>
+            <a:pPr marL="285750" indent="-285750">
+              <a:buFontTx/>
+              <a:buChar char="-"/>
+            </a:pPr>
+            <a:r>
+              <a:rPr lang="en-US" dirty="0">
+                <a:latin typeface="Nunito" pitchFamily="2" charset="77"/>
+              </a:rPr>
+              <a:t>Key, Value, Timestamp</a:t>
+            </a:r>
+          </a:p>
+          <a:p>
+            <a:pPr marL="742950" lvl="1" indent="-285750">
+              <a:buFontTx/>
+              <a:buChar char="-"/>
+            </a:pPr>
+            <a:r>
+              <a:rPr lang="en-US" dirty="0">
+                <a:latin typeface="Nunito" pitchFamily="2" charset="77"/>
+              </a:rPr>
+              <a:t>Key e Value = </a:t>
+            </a:r>
+            <a:r>
+              <a:rPr lang="en-US" dirty="0" err="1">
+                <a:latin typeface="Nunito" pitchFamily="2" charset="77"/>
+              </a:rPr>
+              <a:t>Qualquer</a:t>
+            </a:r>
+            <a:r>
+              <a:rPr lang="en-US" dirty="0">
+                <a:latin typeface="Nunito" pitchFamily="2" charset="77"/>
+              </a:rPr>
+              <a:t> </a:t>
+            </a:r>
+            <a:r>
+              <a:rPr lang="en-US" dirty="0" err="1">
+                <a:latin typeface="Nunito" pitchFamily="2" charset="77"/>
+              </a:rPr>
+              <a:t>coisa</a:t>
+            </a:r>
+            <a:endParaRPr lang="en-US" dirty="0">
+              <a:latin typeface="Nunito" pitchFamily="2" charset="77"/>
+            </a:endParaRPr>
+          </a:p>
+          <a:p>
+            <a:r>
+              <a:rPr lang="pt-BR" b="1" dirty="0" err="1">
+                <a:latin typeface="Nunito" pitchFamily="2" charset="77"/>
+              </a:rPr>
+              <a:t>Topic</a:t>
+            </a:r>
+            <a:endParaRPr lang="pt-BR" b="1" dirty="0">
+              <a:latin typeface="Nunito" pitchFamily="2" charset="77"/>
+            </a:endParaRPr>
+          </a:p>
+          <a:p>
+            <a:pPr marL="285750" indent="-285750">
+              <a:buFontTx/>
+              <a:buChar char="-"/>
+            </a:pPr>
+            <a:r>
+              <a:rPr lang="en-US" dirty="0" err="1">
+                <a:latin typeface="Nunito" pitchFamily="2" charset="77"/>
+              </a:rPr>
+              <a:t>Categoria</a:t>
+            </a:r>
+            <a:r>
+              <a:rPr lang="en-US" dirty="0">
+                <a:latin typeface="Nunito" pitchFamily="2" charset="77"/>
+              </a:rPr>
+              <a:t> de um </a:t>
+            </a:r>
+            <a:r>
+              <a:rPr lang="en-US" dirty="0" err="1">
+                <a:latin typeface="Nunito" pitchFamily="2" charset="77"/>
+              </a:rPr>
+              <a:t>grupo</a:t>
+            </a:r>
+            <a:r>
+              <a:rPr lang="en-US" dirty="0">
+                <a:latin typeface="Nunito" pitchFamily="2" charset="77"/>
+              </a:rPr>
+              <a:t> de records</a:t>
+            </a:r>
+          </a:p>
+          <a:p>
+            <a:pPr marL="285750" indent="-285750">
+              <a:buFontTx/>
+              <a:buChar char="-"/>
+            </a:pPr>
+            <a:r>
+              <a:rPr lang="en-US" dirty="0">
+                <a:latin typeface="Nunito" pitchFamily="2" charset="77"/>
+              </a:rPr>
+              <a:t>São </a:t>
+            </a:r>
+            <a:r>
+              <a:rPr lang="en-US" dirty="0" err="1">
+                <a:latin typeface="Nunito" pitchFamily="2" charset="77"/>
+              </a:rPr>
+              <a:t>armazenados</a:t>
+            </a:r>
+            <a:r>
+              <a:rPr lang="en-US" dirty="0">
+                <a:latin typeface="Nunito" pitchFamily="2" charset="77"/>
+              </a:rPr>
+              <a:t> </a:t>
+            </a:r>
+            <a:r>
+              <a:rPr lang="en-US" dirty="0" err="1">
+                <a:latin typeface="Nunito" pitchFamily="2" charset="77"/>
+              </a:rPr>
+              <a:t>nos</a:t>
+            </a:r>
+            <a:r>
+              <a:rPr lang="en-US" dirty="0">
+                <a:latin typeface="Nunito" pitchFamily="2" charset="77"/>
+              </a:rPr>
+              <a:t> Brokers</a:t>
+            </a:r>
+          </a:p>
+          <a:p>
+            <a:pPr marL="285750" indent="-285750">
+              <a:buFontTx/>
+              <a:buChar char="-"/>
+            </a:pPr>
+            <a:r>
+              <a:rPr lang="en-US" dirty="0" err="1">
+                <a:latin typeface="Nunito" pitchFamily="2" charset="77"/>
+              </a:rPr>
+              <a:t>Gerenciado</a:t>
+            </a:r>
+            <a:r>
+              <a:rPr lang="en-US" dirty="0">
+                <a:latin typeface="Nunito" pitchFamily="2" charset="77"/>
+              </a:rPr>
+              <a:t> </a:t>
+            </a:r>
+            <a:r>
+              <a:rPr lang="en-US" dirty="0" err="1">
+                <a:latin typeface="Nunito" pitchFamily="2" charset="77"/>
+              </a:rPr>
+              <a:t>pelo</a:t>
+            </a:r>
+            <a:r>
+              <a:rPr lang="en-US" dirty="0">
+                <a:latin typeface="Nunito" pitchFamily="2" charset="77"/>
+              </a:rPr>
+              <a:t> Zookeeper</a:t>
+            </a:r>
+          </a:p>
+          <a:p>
+            <a:pPr marL="285750" indent="-285750">
+              <a:buFontTx/>
+              <a:buChar char="-"/>
+            </a:pPr>
+            <a:r>
+              <a:rPr lang="en-US" dirty="0">
+                <a:latin typeface="Nunito" pitchFamily="2" charset="77"/>
+              </a:rPr>
+              <a:t>Delete/Compaction</a:t>
+            </a:r>
+          </a:p>
+          <a:p>
+            <a:r>
+              <a:rPr lang="pt-BR" b="1" dirty="0" err="1">
+                <a:latin typeface="Nunito" pitchFamily="2" charset="77"/>
+              </a:rPr>
+              <a:t>Partitions</a:t>
+            </a:r>
+            <a:endParaRPr lang="pt-BR" b="1" dirty="0">
+              <a:latin typeface="Nunito" pitchFamily="2" charset="77"/>
+            </a:endParaRPr>
+          </a:p>
+          <a:p>
+            <a:pPr marL="285750" indent="-285750">
+              <a:buFontTx/>
+              <a:buChar char="-"/>
+            </a:pPr>
+            <a:r>
+              <a:rPr lang="en-US" dirty="0" err="1">
+                <a:latin typeface="Nunito" pitchFamily="2" charset="77"/>
+              </a:rPr>
+              <a:t>Permite</a:t>
+            </a:r>
+            <a:r>
+              <a:rPr lang="en-US" dirty="0">
+                <a:latin typeface="Nunito" pitchFamily="2" charset="77"/>
+              </a:rPr>
+              <a:t> </a:t>
+            </a:r>
+            <a:r>
+              <a:rPr lang="en-US" dirty="0" err="1">
+                <a:latin typeface="Nunito" pitchFamily="2" charset="77"/>
+              </a:rPr>
+              <a:t>uma</a:t>
+            </a:r>
+            <a:r>
+              <a:rPr lang="en-US" dirty="0">
+                <a:latin typeface="Nunito" pitchFamily="2" charset="77"/>
+              </a:rPr>
+              <a:t> </a:t>
+            </a:r>
+            <a:r>
+              <a:rPr lang="en-US" dirty="0" err="1">
+                <a:latin typeface="Nunito" pitchFamily="2" charset="77"/>
+              </a:rPr>
+              <a:t>categoria</a:t>
+            </a:r>
+            <a:r>
+              <a:rPr lang="en-US" dirty="0">
+                <a:latin typeface="Nunito" pitchFamily="2" charset="77"/>
+              </a:rPr>
+              <a:t> </a:t>
+            </a:r>
+            <a:r>
+              <a:rPr lang="en-US" dirty="0" err="1">
+                <a:latin typeface="Nunito" pitchFamily="2" charset="77"/>
+              </a:rPr>
+              <a:t>existir</a:t>
+            </a:r>
+            <a:r>
+              <a:rPr lang="en-US" dirty="0">
+                <a:latin typeface="Nunito" pitchFamily="2" charset="77"/>
+              </a:rPr>
+              <a:t> </a:t>
+            </a:r>
+            <a:r>
+              <a:rPr lang="en-US" dirty="0" err="1">
+                <a:latin typeface="Nunito" pitchFamily="2" charset="77"/>
+              </a:rPr>
+              <a:t>em</a:t>
+            </a:r>
+            <a:r>
+              <a:rPr lang="en-US" dirty="0">
+                <a:latin typeface="Nunito" pitchFamily="2" charset="77"/>
+              </a:rPr>
+              <a:t> N brokers</a:t>
+            </a:r>
+          </a:p>
+          <a:p>
+            <a:pPr marL="285750" indent="-285750">
+              <a:buFontTx/>
+              <a:buChar char="-"/>
+            </a:pPr>
+            <a:r>
+              <a:rPr lang="en-US" dirty="0">
+                <a:latin typeface="Nunito" pitchFamily="2" charset="77"/>
+              </a:rPr>
+              <a:t>A </a:t>
+            </a:r>
+            <a:r>
+              <a:rPr lang="en-US" dirty="0" err="1">
+                <a:latin typeface="Nunito" pitchFamily="2" charset="77"/>
+              </a:rPr>
+              <a:t>mesma</a:t>
+            </a:r>
+            <a:r>
+              <a:rPr lang="en-US" dirty="0">
+                <a:latin typeface="Nunito" pitchFamily="2" charset="77"/>
+              </a:rPr>
+              <a:t> </a:t>
+            </a:r>
+            <a:r>
+              <a:rPr lang="en-US" dirty="0" err="1">
+                <a:latin typeface="Nunito" pitchFamily="2" charset="77"/>
+              </a:rPr>
+              <a:t>mensagem</a:t>
+            </a:r>
+            <a:r>
+              <a:rPr lang="en-US" dirty="0">
+                <a:latin typeface="Nunito" pitchFamily="2" charset="77"/>
+              </a:rPr>
+              <a:t> </a:t>
+            </a:r>
+            <a:r>
+              <a:rPr lang="en-US" dirty="0" err="1">
+                <a:latin typeface="Nunito" pitchFamily="2" charset="77"/>
+              </a:rPr>
+              <a:t>não</a:t>
+            </a:r>
+            <a:r>
+              <a:rPr lang="en-US" dirty="0">
+                <a:latin typeface="Nunito" pitchFamily="2" charset="77"/>
+              </a:rPr>
+              <a:t> </a:t>
+            </a:r>
+            <a:r>
+              <a:rPr lang="en-US" dirty="0" err="1">
+                <a:latin typeface="Nunito" pitchFamily="2" charset="77"/>
+              </a:rPr>
+              <a:t>existe</a:t>
+            </a:r>
+            <a:r>
+              <a:rPr lang="en-US" dirty="0">
+                <a:latin typeface="Nunito" pitchFamily="2" charset="77"/>
+              </a:rPr>
+              <a:t> </a:t>
+            </a:r>
+            <a:r>
+              <a:rPr lang="en-US" dirty="0" err="1">
+                <a:latin typeface="Nunito" pitchFamily="2" charset="77"/>
+              </a:rPr>
+              <a:t>em</a:t>
+            </a:r>
+            <a:r>
+              <a:rPr lang="en-US" dirty="0">
+                <a:latin typeface="Nunito" pitchFamily="2" charset="77"/>
+              </a:rPr>
+              <a:t> N partitions</a:t>
+            </a:r>
+          </a:p>
+          <a:p>
+            <a:pPr marL="285750" indent="-285750">
+              <a:buFontTx/>
+              <a:buChar char="-"/>
+            </a:pPr>
+            <a:r>
+              <a:rPr lang="en-US" dirty="0">
+                <a:latin typeface="Nunito" pitchFamily="2" charset="77"/>
+              </a:rPr>
+              <a:t>Replicated Partitions</a:t>
+            </a:r>
+          </a:p>
+          <a:p>
+            <a:pPr marL="742950" lvl="1" indent="-285750">
+              <a:buFontTx/>
+              <a:buChar char="-"/>
+            </a:pPr>
+            <a:r>
+              <a:rPr lang="en-US" dirty="0" err="1">
+                <a:latin typeface="Nunito" pitchFamily="2" charset="77"/>
+              </a:rPr>
+              <a:t>Mesma</a:t>
+            </a:r>
+            <a:r>
+              <a:rPr lang="en-US" dirty="0">
+                <a:latin typeface="Nunito" pitchFamily="2" charset="77"/>
+              </a:rPr>
+              <a:t> partition </a:t>
+            </a:r>
+            <a:r>
+              <a:rPr lang="en-US" dirty="0" err="1">
+                <a:latin typeface="Nunito" pitchFamily="2" charset="77"/>
+              </a:rPr>
+              <a:t>em</a:t>
+            </a:r>
+            <a:r>
+              <a:rPr lang="en-US" dirty="0">
+                <a:latin typeface="Nunito" pitchFamily="2" charset="77"/>
+              </a:rPr>
+              <a:t> Brokers </a:t>
+            </a:r>
+            <a:r>
+              <a:rPr lang="en-US" dirty="0" err="1">
+                <a:latin typeface="Nunito" pitchFamily="2" charset="77"/>
+              </a:rPr>
+              <a:t>diferentes</a:t>
+            </a:r>
+            <a:endParaRPr lang="en-US" dirty="0">
+              <a:latin typeface="Nunito" pitchFamily="2" charset="77"/>
+            </a:endParaRPr>
+          </a:p>
+          <a:p>
+            <a:pPr marL="285750" indent="-285750">
+              <a:buFontTx/>
+              <a:buChar char="-"/>
+            </a:pPr>
+            <a:endParaRPr lang="en-US" dirty="0">
+              <a:latin typeface="Montserrat Light" panose="00000400000000000000" pitchFamily="2" charset="0"/>
+            </a:endParaRPr>
+          </a:p>
+          <a:p>
+            <a:pPr marL="285750" indent="-285750">
+              <a:buFontTx/>
+              <a:buChar char="-"/>
+            </a:pPr>
+            <a:endParaRPr lang="pt-BR" dirty="0">
+              <a:latin typeface="Montserrat Light" panose="00000400000000000000" pitchFamily="2" charset="0"/>
+            </a:endParaRPr>
+          </a:p>
+          <a:p>
+            <a:pPr marL="285750" indent="-285750">
+              <a:buFontTx/>
+              <a:buChar char="-"/>
+            </a:pPr>
+            <a:endParaRPr lang="pt-BR" dirty="0">
+              <a:latin typeface="Montserrat Light" panose="00000400000000000000" pitchFamily="2" charset="0"/>
+            </a:endParaRPr>
           </a:p>
         </p:txBody>
       </p:sp>
+      <p:pic>
+        <p:nvPicPr>
+          <p:cNvPr id="3" name="Gráfico 2">
+            <a:extLst>
+              <a:ext uri="{FF2B5EF4-FFF2-40B4-BE49-F238E27FC236}">
+                <a16:creationId xmlns:a16="http://schemas.microsoft.com/office/drawing/2014/main" id="{CBA04222-E9A5-46A3-809E-82ED64A96098}"/>
+              </a:ext>
+            </a:extLst>
+          </p:cNvPr>
+          <p:cNvPicPr>
+            <a:picLocks noChangeAspect="1"/>
+          </p:cNvPicPr>
+          <p:nvPr/>
+        </p:nvPicPr>
+        <p:blipFill>
+          <a:blip r:embed="rId6">
+            <a:extLst>
+              <a:ext uri="{28A0092B-C50C-407E-A947-70E740481C1C}">
+                <a14:useLocalDpi xmlns:a14="http://schemas.microsoft.com/office/drawing/2010/main" val="0"/>
+              </a:ext>
+              <a:ext uri="{96DAC541-7B7A-43D3-8B79-37D633B846F1}">
+                <asvg:svgBlip xmlns:asvg="http://schemas.microsoft.com/office/drawing/2016/SVG/main" r:embed="rId7"/>
+              </a:ext>
+            </a:extLst>
+          </a:blip>
+          <a:stretch>
+            <a:fillRect/>
+          </a:stretch>
+        </p:blipFill>
+        <p:spPr>
+          <a:xfrm>
+            <a:off x="6012472" y="2719343"/>
+            <a:ext cx="5439300" cy="3275393"/>
+          </a:xfrm>
+          <a:prstGeom prst="rect">
+            <a:avLst/>
+          </a:prstGeom>
+        </p:spPr>
+      </p:pic>
     </p:spTree>
     <p:extLst>
       <p:ext uri="{BB962C8B-B14F-4D97-AF65-F5344CB8AC3E}">
-        <p14:creationId xmlns:p14="http://schemas.microsoft.com/office/powerpoint/2010/main" val="797744895"/>
+        <p14:creationId xmlns:p14="http://schemas.microsoft.com/office/powerpoint/2010/main" val="1954672123"/>
       </p:ext>
     </p:extLst>
   </p:cSld>
   <p:clrMapOvr>
     <a:masterClrMapping/>
   </p:clrMapOvr>
-  <mc:AlternateContent xmlns:mc="http://schemas.openxmlformats.org/markup-compatibility/2006" xmlns:p14="http://schemas.microsoft.com/office/powerpoint/2010/main">
-    <mc:Choice Requires="p14">
-      <p:transition spd="med" p14:dur="700">
-        <p:fade/>
+  <mc:AlternateContent xmlns:mc="http://schemas.openxmlformats.org/markup-compatibility/2006" xmlns:p159="http://schemas.microsoft.com/office/powerpoint/2015/09/main">
+    <mc:Choice Requires="p159">
+      <p:transition xmlns:p14="http://schemas.microsoft.com/office/powerpoint/2010/main" spd="slow" p14:dur="2000">
+        <p159:morph option="byObject"/>
       </p:transition>
     </mc:Choice>
     <mc:Fallback xmlns="">
-      <p:transition spd="med">
+      <p:transition spd="slow">
         <p:fade/>
       </p:transition>
     </mc:Fallback>
@@ -27211,9 +28111,6 @@
                     <p:cTn id="3" fill="hold">
                       <p:stCondLst>
                         <p:cond delay="indefinite"/>
-                        <p:cond evt="onBegin" delay="0">
-                          <p:tn val="2"/>
-                        </p:cond>
                       </p:stCondLst>
                       <p:childTnLst>
                         <p:par>
@@ -27223,7 +28120,7 @@
                             </p:stCondLst>
                             <p:childTnLst>
                               <p:par>
-                                <p:cTn id="5" presetID="10" presetClass="entr" presetSubtype="0" fill="hold" grpId="0" nodeType="afterEffect">
+                                <p:cTn id="5" presetID="1" presetClass="entr" presetSubtype="0" fill="hold" grpId="0" nodeType="clickEffect">
                                   <p:stCondLst>
                                     <p:cond delay="0"/>
                                   </p:stCondLst>
@@ -27236,7 +28133,7 @@
                                           </p:stCondLst>
                                         </p:cTn>
                                         <p:tgtEl>
-                                          <p:spTgt spid="6"/>
+                                          <p:spTgt spid="8"/>
                                         </p:tgtEl>
                                         <p:attrNameLst>
                                           <p:attrName>style.visibility</p:attrName>
@@ -27246,89 +28143,6 @@
                                         <p:strVal val="visible"/>
                                       </p:to>
                                     </p:set>
-                                    <p:animEffect transition="in" filter="fade">
-                                      <p:cBhvr>
-                                        <p:cTn id="7" dur="500"/>
-                                        <p:tgtEl>
-                                          <p:spTgt spid="6"/>
-                                        </p:tgtEl>
-                                      </p:cBhvr>
-                                    </p:animEffect>
-                                  </p:childTnLst>
-                                </p:cTn>
-                              </p:par>
-                            </p:childTnLst>
-                          </p:cTn>
-                        </p:par>
-                        <p:par>
-                          <p:cTn id="8" fill="hold">
-                            <p:stCondLst>
-                              <p:cond delay="500"/>
-                            </p:stCondLst>
-                            <p:childTnLst>
-                              <p:par>
-                                <p:cTn id="9" presetID="10" presetClass="entr" presetSubtype="0" fill="hold" nodeType="afterEffect">
-                                  <p:stCondLst>
-                                    <p:cond delay="0"/>
-                                  </p:stCondLst>
-                                  <p:childTnLst>
-                                    <p:set>
-                                      <p:cBhvr>
-                                        <p:cTn id="10" dur="1" fill="hold">
-                                          <p:stCondLst>
-                                            <p:cond delay="0"/>
-                                          </p:stCondLst>
-                                        </p:cTn>
-                                        <p:tgtEl>
-                                          <p:spTgt spid="4"/>
-                                        </p:tgtEl>
-                                        <p:attrNameLst>
-                                          <p:attrName>style.visibility</p:attrName>
-                                        </p:attrNameLst>
-                                      </p:cBhvr>
-                                      <p:to>
-                                        <p:strVal val="visible"/>
-                                      </p:to>
-                                    </p:set>
-                                    <p:animEffect transition="in" filter="fade">
-                                      <p:cBhvr>
-                                        <p:cTn id="11" dur="500"/>
-                                        <p:tgtEl>
-                                          <p:spTgt spid="4"/>
-                                        </p:tgtEl>
-                                      </p:cBhvr>
-                                    </p:animEffect>
-                                  </p:childTnLst>
-                                </p:cTn>
-                              </p:par>
-                            </p:childTnLst>
-                          </p:cTn>
-                        </p:par>
-                        <p:par>
-                          <p:cTn id="12" fill="hold">
-                            <p:stCondLst>
-                              <p:cond delay="1000"/>
-                            </p:stCondLst>
-                            <p:childTnLst>
-                              <p:par>
-                                <p:cTn id="13" presetID="42" presetClass="path" presetSubtype="0" repeatCount="indefinite" accel="50000" decel="50000" autoRev="1" fill="hold" nodeType="afterEffect">
-                                  <p:stCondLst>
-                                    <p:cond delay="0"/>
-                                  </p:stCondLst>
-                                  <p:childTnLst>
-                                    <p:animMotion origin="layout" path="M 2.08333E-7 2.22222E-6 L 0.00052 0.05208 " pathEditMode="relative" rAng="0" ptsTypes="AA">
-                                      <p:cBhvr>
-                                        <p:cTn id="14" dur="2000" fill="hold"/>
-                                        <p:tgtEl>
-                                          <p:spTgt spid="4"/>
-                                        </p:tgtEl>
-                                        <p:attrNameLst>
-                                          <p:attrName>ppt_x</p:attrName>
-                                          <p:attrName>ppt_y</p:attrName>
-                                        </p:attrNameLst>
-                                      </p:cBhvr>
-                                      <p:rCtr x="26" y="2593"/>
-                                    </p:animMotion>
                                   </p:childTnLst>
                                 </p:cTn>
                               </p:par>
@@ -27360,7 +28174,531 @@
       </p:par>
     </p:tnLst>
     <p:bldLst>
-      <p:bldP spid="6" grpId="0"/>
+      <p:bldP spid="8" grpId="0"/>
+    </p:bldLst>
+  </p:timing>
+</p:sld>
+</file>
+
+<file path=ppt/slides/slide39.xml><?xml version="1.0" encoding="utf-8"?>
+<p:sld xmlns:a="http://schemas.openxmlformats.org/drawingml/2006/main" xmlns:r="http://schemas.openxmlformats.org/officeDocument/2006/relationships" xmlns:p="http://schemas.openxmlformats.org/presentationml/2006/main">
+  <p:cSld>
+    <p:spTree>
+      <p:nvGrpSpPr>
+        <p:cNvPr id="1" name=""/>
+        <p:cNvGrpSpPr/>
+        <p:nvPr/>
+      </p:nvGrpSpPr>
+      <p:grpSpPr>
+        <a:xfrm>
+          <a:off x="0" y="0"/>
+          <a:ext cx="0" cy="0"/>
+          <a:chOff x="0" y="0"/>
+          <a:chExt cx="0" cy="0"/>
+        </a:xfrm>
+      </p:grpSpPr>
+      <p:pic>
+        <p:nvPicPr>
+          <p:cNvPr id="7" name="Imagem 6">
+            <a:extLst>
+              <a:ext uri="{FF2B5EF4-FFF2-40B4-BE49-F238E27FC236}">
+                <a16:creationId xmlns:a16="http://schemas.microsoft.com/office/drawing/2014/main" id="{15EF5E79-A320-604B-B8D0-BB7CC7F3BD24}"/>
+              </a:ext>
+            </a:extLst>
+          </p:cNvPr>
+          <p:cNvPicPr>
+            <a:picLocks noChangeAspect="1"/>
+          </p:cNvPicPr>
+          <p:nvPr/>
+        </p:nvPicPr>
+        <p:blipFill>
+          <a:blip r:embed="rId2">
+            <a:extLst>
+              <a:ext uri="{28A0092B-C50C-407E-A947-70E740481C1C}">
+                <a14:useLocalDpi xmlns:a14="http://schemas.microsoft.com/office/drawing/2010/main" val="0"/>
+              </a:ext>
+            </a:extLst>
+          </a:blip>
+          <a:stretch>
+            <a:fillRect/>
+          </a:stretch>
+        </p:blipFill>
+        <p:spPr>
+          <a:xfrm>
+            <a:off x="-1" y="-1590"/>
+            <a:ext cx="12192001" cy="2021978"/>
+          </a:xfrm>
+          <a:prstGeom prst="rect">
+            <a:avLst/>
+          </a:prstGeom>
+        </p:spPr>
+      </p:pic>
+      <p:sp>
+        <p:nvSpPr>
+          <p:cNvPr id="13" name="Título 1">
+            <a:extLst>
+              <a:ext uri="{FF2B5EF4-FFF2-40B4-BE49-F238E27FC236}">
+                <a16:creationId xmlns:a16="http://schemas.microsoft.com/office/drawing/2014/main" id="{94E1A0D2-D048-46FE-90D3-722FBF740CC7}"/>
+              </a:ext>
+            </a:extLst>
+          </p:cNvPr>
+          <p:cNvSpPr>
+            <a:spLocks noGrp="1"/>
+          </p:cNvSpPr>
+          <p:nvPr>
+            <p:ph type="title"/>
+          </p:nvPr>
+        </p:nvSpPr>
+        <p:spPr>
+          <a:xfrm>
+            <a:off x="2159726" y="0"/>
+            <a:ext cx="9292046" cy="2021978"/>
+          </a:xfrm>
+        </p:spPr>
+        <p:txBody>
+          <a:bodyPr>
+            <a:normAutofit/>
+          </a:bodyPr>
+          <a:lstStyle/>
+          <a:p>
+            <a:r>
+              <a:rPr lang="pt-BR" dirty="0">
+                <a:solidFill>
+                  <a:schemeClr val="bg1"/>
+                </a:solidFill>
+                <a:latin typeface="Nunito" pitchFamily="2" charset="77"/>
+              </a:rPr>
+              <a:t>Streaming</a:t>
+            </a:r>
+          </a:p>
+        </p:txBody>
+      </p:sp>
+      <p:pic>
+        <p:nvPicPr>
+          <p:cNvPr id="14" name="Gráfico 13">
+            <a:extLst>
+              <a:ext uri="{FF2B5EF4-FFF2-40B4-BE49-F238E27FC236}">
+                <a16:creationId xmlns:a16="http://schemas.microsoft.com/office/drawing/2014/main" id="{2B5477E9-00BA-4494-BA1B-5466AC45994D}"/>
+              </a:ext>
+            </a:extLst>
+          </p:cNvPr>
+          <p:cNvPicPr>
+            <a:picLocks noChangeAspect="1"/>
+          </p:cNvPicPr>
+          <p:nvPr/>
+        </p:nvPicPr>
+        <p:blipFill>
+          <a:blip r:embed="rId3">
+            <a:extLst>
+              <a:ext uri="{96DAC541-7B7A-43D3-8B79-37D633B846F1}">
+                <asvg:svgBlip xmlns:asvg="http://schemas.microsoft.com/office/drawing/2016/SVG/main" r:embed="rId4"/>
+              </a:ext>
+            </a:extLst>
+          </a:blip>
+          <a:stretch>
+            <a:fillRect/>
+          </a:stretch>
+        </p:blipFill>
+        <p:spPr>
+          <a:xfrm>
+            <a:off x="1097280" y="636835"/>
+            <a:ext cx="610307" cy="705667"/>
+          </a:xfrm>
+          <a:prstGeom prst="rect">
+            <a:avLst/>
+          </a:prstGeom>
+        </p:spPr>
+      </p:pic>
+      <p:sp>
+        <p:nvSpPr>
+          <p:cNvPr id="8" name="CaixaDeTexto 7">
+            <a:extLst>
+              <a:ext uri="{FF2B5EF4-FFF2-40B4-BE49-F238E27FC236}">
+                <a16:creationId xmlns:a16="http://schemas.microsoft.com/office/drawing/2014/main" id="{29557DB5-A419-464F-8DE1-FE557705DF73}"/>
+              </a:ext>
+            </a:extLst>
+          </p:cNvPr>
+          <p:cNvSpPr txBox="1"/>
+          <p:nvPr/>
+        </p:nvSpPr>
+        <p:spPr>
+          <a:xfrm>
+            <a:off x="1097280" y="2719343"/>
+            <a:ext cx="6400800" cy="2585323"/>
+          </a:xfrm>
+          <a:prstGeom prst="rect">
+            <a:avLst/>
+          </a:prstGeom>
+          <a:noFill/>
+        </p:spPr>
+        <p:txBody>
+          <a:bodyPr wrap="square" rtlCol="0">
+            <a:spAutoFit/>
+          </a:bodyPr>
+          <a:lstStyle/>
+          <a:p>
+            <a:r>
+              <a:rPr lang="pt-BR" b="1" dirty="0">
+                <a:latin typeface="Nunito" pitchFamily="2" charset="77"/>
+              </a:rPr>
+              <a:t>Mensagem</a:t>
+            </a:r>
+          </a:p>
+          <a:p>
+            <a:pPr marL="285750" indent="-285750">
+              <a:buFontTx/>
+              <a:buChar char="-"/>
+            </a:pPr>
+            <a:r>
+              <a:rPr lang="en-US" dirty="0">
+                <a:latin typeface="Nunito" pitchFamily="2" charset="77"/>
+              </a:rPr>
+              <a:t>É o </a:t>
+            </a:r>
+            <a:r>
+              <a:rPr lang="en-US" dirty="0" err="1">
+                <a:latin typeface="Nunito" pitchFamily="2" charset="77"/>
+              </a:rPr>
+              <a:t>ato</a:t>
+            </a:r>
+            <a:r>
+              <a:rPr lang="en-US" dirty="0">
+                <a:latin typeface="Nunito" pitchFamily="2" charset="77"/>
+              </a:rPr>
+              <a:t> de </a:t>
+            </a:r>
+            <a:r>
+              <a:rPr lang="en-US" dirty="0" err="1">
+                <a:latin typeface="Nunito" pitchFamily="2" charset="77"/>
+              </a:rPr>
+              <a:t>processar</a:t>
+            </a:r>
+            <a:r>
+              <a:rPr lang="en-US" dirty="0">
+                <a:latin typeface="Nunito" pitchFamily="2" charset="77"/>
+              </a:rPr>
+              <a:t> </a:t>
+            </a:r>
+            <a:r>
+              <a:rPr lang="en-US" dirty="0" err="1">
+                <a:latin typeface="Nunito" pitchFamily="2" charset="77"/>
+              </a:rPr>
+              <a:t>os</a:t>
+            </a:r>
+            <a:r>
+              <a:rPr lang="en-US" dirty="0">
+                <a:latin typeface="Nunito" pitchFamily="2" charset="77"/>
+              </a:rPr>
+              <a:t> </a:t>
+            </a:r>
+            <a:r>
+              <a:rPr lang="en-US" dirty="0" err="1">
+                <a:latin typeface="Nunito" pitchFamily="2" charset="77"/>
+              </a:rPr>
+              <a:t>eventos</a:t>
+            </a:r>
+            <a:r>
+              <a:rPr lang="en-US" dirty="0">
+                <a:latin typeface="Nunito" pitchFamily="2" charset="77"/>
+              </a:rPr>
+              <a:t>, um a um, </a:t>
+            </a:r>
+            <a:r>
+              <a:rPr lang="en-US" dirty="0" err="1">
+                <a:latin typeface="Nunito" pitchFamily="2" charset="77"/>
+              </a:rPr>
+              <a:t>na</a:t>
+            </a:r>
+            <a:r>
+              <a:rPr lang="en-US" dirty="0">
+                <a:latin typeface="Nunito" pitchFamily="2" charset="77"/>
+              </a:rPr>
+              <a:t> </a:t>
+            </a:r>
+            <a:r>
+              <a:rPr lang="en-US" dirty="0" err="1">
+                <a:latin typeface="Nunito" pitchFamily="2" charset="77"/>
+              </a:rPr>
+              <a:t>ordem</a:t>
+            </a:r>
+            <a:r>
+              <a:rPr lang="en-US" dirty="0">
+                <a:latin typeface="Nunito" pitchFamily="2" charset="77"/>
+              </a:rPr>
+              <a:t> que </a:t>
+            </a:r>
+            <a:r>
+              <a:rPr lang="en-US" dirty="0" err="1">
+                <a:latin typeface="Nunito" pitchFamily="2" charset="77"/>
+              </a:rPr>
+              <a:t>chegam</a:t>
+            </a:r>
+            <a:r>
+              <a:rPr lang="en-US" dirty="0">
+                <a:latin typeface="Nunito" pitchFamily="2" charset="77"/>
+              </a:rPr>
+              <a:t> no </a:t>
+            </a:r>
+            <a:r>
+              <a:rPr lang="en-US" dirty="0" err="1">
+                <a:latin typeface="Nunito" pitchFamily="2" charset="77"/>
+              </a:rPr>
+              <a:t>sistema</a:t>
+            </a:r>
+            <a:endParaRPr lang="en-US" dirty="0">
+              <a:latin typeface="Nunito" pitchFamily="2" charset="77"/>
+            </a:endParaRPr>
+          </a:p>
+          <a:p>
+            <a:pPr marL="742950" lvl="1" indent="-285750">
+              <a:buFontTx/>
+              <a:buChar char="-"/>
+            </a:pPr>
+            <a:r>
+              <a:rPr lang="en-US" dirty="0" err="1">
+                <a:latin typeface="Nunito" pitchFamily="2" charset="77"/>
+              </a:rPr>
+              <a:t>Igual</a:t>
+            </a:r>
+            <a:r>
+              <a:rPr lang="en-US" dirty="0">
+                <a:latin typeface="Nunito" pitchFamily="2" charset="77"/>
+              </a:rPr>
+              <a:t> um streaming de video</a:t>
+            </a:r>
+          </a:p>
+          <a:p>
+            <a:pPr marL="285750" indent="-285750">
+              <a:buFontTx/>
+              <a:buChar char="-"/>
+            </a:pPr>
+            <a:r>
+              <a:rPr lang="en-US" dirty="0" err="1">
+                <a:latin typeface="Nunito" pitchFamily="2" charset="77"/>
+              </a:rPr>
+              <a:t>Processar</a:t>
+            </a:r>
+            <a:r>
+              <a:rPr lang="en-US" dirty="0">
+                <a:latin typeface="Nunito" pitchFamily="2" charset="77"/>
+              </a:rPr>
+              <a:t> as </a:t>
+            </a:r>
+            <a:r>
+              <a:rPr lang="en-US" dirty="0" err="1">
+                <a:latin typeface="Nunito" pitchFamily="2" charset="77"/>
+              </a:rPr>
+              <a:t>ações</a:t>
+            </a:r>
+            <a:r>
+              <a:rPr lang="en-US" dirty="0">
+                <a:latin typeface="Nunito" pitchFamily="2" charset="77"/>
+              </a:rPr>
+              <a:t> que </a:t>
+            </a:r>
+            <a:r>
+              <a:rPr lang="en-US" dirty="0" err="1">
+                <a:latin typeface="Nunito" pitchFamily="2" charset="77"/>
+              </a:rPr>
+              <a:t>acontecem</a:t>
+            </a:r>
+            <a:r>
+              <a:rPr lang="en-US" dirty="0">
+                <a:latin typeface="Nunito" pitchFamily="2" charset="77"/>
+              </a:rPr>
+              <a:t> no </a:t>
+            </a:r>
+            <a:r>
+              <a:rPr lang="en-US" dirty="0" err="1">
+                <a:latin typeface="Nunito" pitchFamily="2" charset="77"/>
+              </a:rPr>
+              <a:t>sistema</a:t>
+            </a:r>
+            <a:r>
+              <a:rPr lang="en-US" dirty="0">
+                <a:latin typeface="Nunito" pitchFamily="2" charset="77"/>
+              </a:rPr>
+              <a:t> </a:t>
+            </a:r>
+            <a:r>
+              <a:rPr lang="en-US" dirty="0" err="1">
+                <a:latin typeface="Nunito" pitchFamily="2" charset="77"/>
+              </a:rPr>
+              <a:t>em</a:t>
+            </a:r>
+            <a:r>
+              <a:rPr lang="en-US" dirty="0">
+                <a:latin typeface="Nunito" pitchFamily="2" charset="77"/>
+              </a:rPr>
+              <a:t> tempo real.</a:t>
+            </a:r>
+          </a:p>
+          <a:p>
+            <a:pPr marL="285750" indent="-285750">
+              <a:buFontTx/>
+              <a:buChar char="-"/>
+            </a:pPr>
+            <a:endParaRPr lang="en-US" dirty="0">
+              <a:latin typeface="Montserrat Light" panose="00000400000000000000" pitchFamily="2" charset="0"/>
+            </a:endParaRPr>
+          </a:p>
+          <a:p>
+            <a:pPr marL="285750" indent="-285750">
+              <a:buFontTx/>
+              <a:buChar char="-"/>
+            </a:pPr>
+            <a:endParaRPr lang="pt-BR" dirty="0">
+              <a:latin typeface="Montserrat Light" panose="00000400000000000000" pitchFamily="2" charset="0"/>
+            </a:endParaRPr>
+          </a:p>
+          <a:p>
+            <a:pPr marL="285750" indent="-285750">
+              <a:buFontTx/>
+              <a:buChar char="-"/>
+            </a:pPr>
+            <a:endParaRPr lang="pt-BR" dirty="0">
+              <a:latin typeface="Montserrat Light" panose="00000400000000000000" pitchFamily="2" charset="0"/>
+            </a:endParaRPr>
+          </a:p>
+        </p:txBody>
+      </p:sp>
+      <p:pic>
+        <p:nvPicPr>
+          <p:cNvPr id="3" name="Gráfico 2">
+            <a:extLst>
+              <a:ext uri="{FF2B5EF4-FFF2-40B4-BE49-F238E27FC236}">
+                <a16:creationId xmlns:a16="http://schemas.microsoft.com/office/drawing/2014/main" id="{CBA04222-E9A5-46A3-809E-82ED64A96098}"/>
+              </a:ext>
+            </a:extLst>
+          </p:cNvPr>
+          <p:cNvPicPr>
+            <a:picLocks noChangeAspect="1"/>
+          </p:cNvPicPr>
+          <p:nvPr/>
+        </p:nvPicPr>
+        <p:blipFill>
+          <a:blip r:embed="rId5">
+            <a:extLst>
+              <a:ext uri="{28A0092B-C50C-407E-A947-70E740481C1C}">
+                <a14:useLocalDpi xmlns:a14="http://schemas.microsoft.com/office/drawing/2010/main" val="0"/>
+              </a:ext>
+              <a:ext uri="{96DAC541-7B7A-43D3-8B79-37D633B846F1}">
+                <asvg:svgBlip xmlns:asvg="http://schemas.microsoft.com/office/drawing/2016/SVG/main" r:embed="rId6"/>
+              </a:ext>
+            </a:extLst>
+          </a:blip>
+          <a:stretch>
+            <a:fillRect/>
+          </a:stretch>
+        </p:blipFill>
+        <p:spPr>
+          <a:xfrm>
+            <a:off x="6012472" y="2719343"/>
+            <a:ext cx="5439300" cy="3275393"/>
+          </a:xfrm>
+          <a:prstGeom prst="rect">
+            <a:avLst/>
+          </a:prstGeom>
+        </p:spPr>
+      </p:pic>
+    </p:spTree>
+    <p:extLst>
+      <p:ext uri="{BB962C8B-B14F-4D97-AF65-F5344CB8AC3E}">
+        <p14:creationId xmlns:p14="http://schemas.microsoft.com/office/powerpoint/2010/main" val="1135574743"/>
+      </p:ext>
+    </p:extLst>
+  </p:cSld>
+  <p:clrMapOvr>
+    <a:masterClrMapping/>
+  </p:clrMapOvr>
+  <mc:AlternateContent xmlns:mc="http://schemas.openxmlformats.org/markup-compatibility/2006" xmlns:p159="http://schemas.microsoft.com/office/powerpoint/2015/09/main">
+    <mc:Choice Requires="p159">
+      <p:transition xmlns:p14="http://schemas.microsoft.com/office/powerpoint/2010/main" spd="slow" p14:dur="2000">
+        <p159:morph option="byObject"/>
+      </p:transition>
+    </mc:Choice>
+    <mc:Fallback xmlns="">
+      <p:transition spd="slow">
+        <p:fade/>
+      </p:transition>
+    </mc:Fallback>
+  </mc:AlternateContent>
+  <p:timing>
+    <p:tnLst>
+      <p:par>
+        <p:cTn id="1" dur="indefinite" restart="never" nodeType="tmRoot">
+          <p:childTnLst>
+            <p:seq concurrent="1" nextAc="seek">
+              <p:cTn id="2" dur="indefinite" nodeType="mainSeq">
+                <p:childTnLst>
+                  <p:par>
+                    <p:cTn id="3" fill="hold">
+                      <p:stCondLst>
+                        <p:cond delay="indefinite"/>
+                      </p:stCondLst>
+                      <p:childTnLst>
+                        <p:par>
+                          <p:cTn id="4" fill="hold">
+                            <p:stCondLst>
+                              <p:cond delay="0"/>
+                            </p:stCondLst>
+                            <p:childTnLst>
+                              <p:par>
+                                <p:cTn id="5" presetID="1" presetClass="entr" presetSubtype="0" fill="hold" grpId="0" nodeType="clickEffect">
+                                  <p:stCondLst>
+                                    <p:cond delay="0"/>
+                                  </p:stCondLst>
+                                  <p:childTnLst>
+                                    <p:set>
+                                      <p:cBhvr>
+                                        <p:cTn id="6" dur="1" fill="hold">
+                                          <p:stCondLst>
+                                            <p:cond delay="0"/>
+                                          </p:stCondLst>
+                                        </p:cTn>
+                                        <p:tgtEl>
+                                          <p:spTgt spid="8"/>
+                                        </p:tgtEl>
+                                        <p:attrNameLst>
+                                          <p:attrName>style.visibility</p:attrName>
+                                        </p:attrNameLst>
+                                      </p:cBhvr>
+                                      <p:to>
+                                        <p:strVal val="visible"/>
+                                      </p:to>
+                                    </p:set>
+                                  </p:childTnLst>
+                                </p:cTn>
+                              </p:par>
+                            </p:childTnLst>
+                          </p:cTn>
+                        </p:par>
+                      </p:childTnLst>
+                    </p:cTn>
+                  </p:par>
+                </p:childTnLst>
+              </p:cTn>
+              <p:prevCondLst>
+                <p:cond evt="onPrev" delay="0">
+                  <p:tgtEl>
+                    <p:sldTgt/>
+                  </p:tgtEl>
+                </p:cond>
+              </p:prevCondLst>
+              <p:nextCondLst>
+                <p:cond evt="onNext" delay="0">
+                  <p:tgtEl>
+                    <p:sldTgt/>
+                  </p:tgtEl>
+                </p:cond>
+              </p:nextCondLst>
+            </p:seq>
+          </p:childTnLst>
+        </p:cTn>
+      </p:par>
+    </p:tnLst>
+    <p:bldLst>
+      <p:bldP spid="8" grpId="0"/>
     </p:bldLst>
   </p:timing>
 </p:sld>
@@ -28011,6 +29349,401 @@
     <p:bldLst>
       <p:bldP spid="11" grpId="0"/>
       <p:bldP spid="12" grpId="0"/>
+    </p:bldLst>
+  </p:timing>
+</p:sld>
+</file>
+
+<file path=ppt/slides/slide40.xml><?xml version="1.0" encoding="utf-8"?>
+<p:sld xmlns:a="http://schemas.openxmlformats.org/drawingml/2006/main" xmlns:r="http://schemas.openxmlformats.org/officeDocument/2006/relationships" xmlns:p="http://schemas.openxmlformats.org/presentationml/2006/main">
+  <p:cSld>
+    <p:spTree>
+      <p:nvGrpSpPr>
+        <p:cNvPr id="1" name=""/>
+        <p:cNvGrpSpPr/>
+        <p:nvPr/>
+      </p:nvGrpSpPr>
+      <p:grpSpPr>
+        <a:xfrm>
+          <a:off x="0" y="0"/>
+          <a:ext cx="0" cy="0"/>
+          <a:chOff x="0" y="0"/>
+          <a:chExt cx="0" cy="0"/>
+        </a:xfrm>
+      </p:grpSpPr>
+      <p:pic>
+        <p:nvPicPr>
+          <p:cNvPr id="5" name="Espaço Reservado para Conteúdo 4">
+            <a:extLst>
+              <a:ext uri="{FF2B5EF4-FFF2-40B4-BE49-F238E27FC236}">
+                <a16:creationId xmlns:a16="http://schemas.microsoft.com/office/drawing/2014/main" id="{DEBCF998-65B9-41B2-A535-E5741DD64BE5}"/>
+              </a:ext>
+            </a:extLst>
+          </p:cNvPr>
+          <p:cNvPicPr>
+            <a:picLocks noGrp="1" noChangeAspect="1"/>
+          </p:cNvPicPr>
+          <p:nvPr>
+            <p:ph idx="1"/>
+          </p:nvPr>
+        </p:nvPicPr>
+        <p:blipFill>
+          <a:blip r:embed="rId2">
+            <a:extLst>
+              <a:ext uri="{28A0092B-C50C-407E-A947-70E740481C1C}">
+                <a14:useLocalDpi xmlns:a14="http://schemas.microsoft.com/office/drawing/2010/main" val="0"/>
+              </a:ext>
+            </a:extLst>
+          </a:blip>
+          <a:stretch>
+            <a:fillRect/>
+          </a:stretch>
+        </p:blipFill>
+        <p:spPr>
+          <a:xfrm>
+            <a:off x="-11088" y="1"/>
+            <a:ext cx="12203088" cy="6881654"/>
+          </a:xfrm>
+        </p:spPr>
+      </p:pic>
+      <p:sp>
+        <p:nvSpPr>
+          <p:cNvPr id="6" name="Título 1">
+            <a:extLst>
+              <a:ext uri="{FF2B5EF4-FFF2-40B4-BE49-F238E27FC236}">
+                <a16:creationId xmlns:a16="http://schemas.microsoft.com/office/drawing/2014/main" id="{EC993F68-2ABC-472C-9DAA-F49885B6553A}"/>
+              </a:ext>
+            </a:extLst>
+          </p:cNvPr>
+          <p:cNvSpPr>
+            <a:spLocks noGrp="1"/>
+          </p:cNvSpPr>
+          <p:nvPr>
+            <p:ph type="title"/>
+          </p:nvPr>
+        </p:nvSpPr>
+        <p:spPr>
+          <a:xfrm>
+            <a:off x="29290" y="2418011"/>
+            <a:ext cx="11358357" cy="2021978"/>
+          </a:xfrm>
+        </p:spPr>
+        <p:txBody>
+          <a:bodyPr>
+            <a:normAutofit/>
+          </a:bodyPr>
+          <a:lstStyle/>
+          <a:p>
+            <a:pPr algn="ctr"/>
+            <a:r>
+              <a:rPr lang="pt-BR" sz="7300" dirty="0">
+                <a:solidFill>
+                  <a:schemeClr val="bg1"/>
+                </a:solidFill>
+                <a:latin typeface="Nunito" pitchFamily="2" charset="77"/>
+              </a:rPr>
+              <a:t>Dúvidas?</a:t>
+            </a:r>
+            <a:endParaRPr lang="pt-BR" sz="5400" dirty="0">
+              <a:solidFill>
+                <a:schemeClr val="bg1"/>
+              </a:solidFill>
+              <a:latin typeface="Nunito" pitchFamily="2" charset="77"/>
+            </a:endParaRPr>
+          </a:p>
+        </p:txBody>
+      </p:sp>
+      <p:pic>
+        <p:nvPicPr>
+          <p:cNvPr id="4" name="Gráfico 3">
+            <a:extLst>
+              <a:ext uri="{FF2B5EF4-FFF2-40B4-BE49-F238E27FC236}">
+                <a16:creationId xmlns:a16="http://schemas.microsoft.com/office/drawing/2014/main" id="{30B2841D-7CA4-4E0E-8F46-4FA75875DD08}"/>
+              </a:ext>
+            </a:extLst>
+          </p:cNvPr>
+          <p:cNvPicPr>
+            <a:picLocks noChangeAspect="1"/>
+          </p:cNvPicPr>
+          <p:nvPr/>
+        </p:nvPicPr>
+        <p:blipFill>
+          <a:blip r:embed="rId3">
+            <a:extLst>
+              <a:ext uri="{28A0092B-C50C-407E-A947-70E740481C1C}">
+                <a14:useLocalDpi xmlns:a14="http://schemas.microsoft.com/office/drawing/2010/main" val="0"/>
+              </a:ext>
+              <a:ext uri="{96DAC541-7B7A-43D3-8B79-37D633B846F1}">
+                <asvg:svgBlip xmlns:asvg="http://schemas.microsoft.com/office/drawing/2016/SVG/main" r:embed="rId4"/>
+              </a:ext>
+            </a:extLst>
+          </a:blip>
+          <a:stretch>
+            <a:fillRect/>
+          </a:stretch>
+        </p:blipFill>
+        <p:spPr>
+          <a:xfrm>
+            <a:off x="8042728" y="2538248"/>
+            <a:ext cx="1285750" cy="1648398"/>
+          </a:xfrm>
+          <a:prstGeom prst="rect">
+            <a:avLst/>
+          </a:prstGeom>
+        </p:spPr>
+      </p:pic>
+      <p:sp>
+        <p:nvSpPr>
+          <p:cNvPr id="7" name="CaixaDeTexto 6">
+            <a:extLst>
+              <a:ext uri="{FF2B5EF4-FFF2-40B4-BE49-F238E27FC236}">
+                <a16:creationId xmlns:a16="http://schemas.microsoft.com/office/drawing/2014/main" id="{F156BB03-8A3B-4693-854F-02F1C8040212}"/>
+              </a:ext>
+            </a:extLst>
+          </p:cNvPr>
+          <p:cNvSpPr txBox="1"/>
+          <p:nvPr/>
+        </p:nvSpPr>
+        <p:spPr>
+          <a:xfrm>
+            <a:off x="3307223" y="3955813"/>
+            <a:ext cx="5052852" cy="400110"/>
+          </a:xfrm>
+          <a:prstGeom prst="rect">
+            <a:avLst/>
+          </a:prstGeom>
+          <a:noFill/>
+        </p:spPr>
+        <p:txBody>
+          <a:bodyPr wrap="square" rtlCol="0">
+            <a:spAutoFit/>
+          </a:bodyPr>
+          <a:lstStyle/>
+          <a:p>
+            <a:pPr algn="ctr"/>
+            <a:r>
+              <a:rPr lang="pt-BR" sz="2000" dirty="0" err="1">
+                <a:solidFill>
+                  <a:schemeClr val="bg1"/>
+                </a:solidFill>
+                <a:latin typeface="Nunito" pitchFamily="2" charset="77"/>
+              </a:rPr>
+              <a:t>https</a:t>
+            </a:r>
+            <a:r>
+              <a:rPr lang="pt-BR" sz="2000" dirty="0">
+                <a:solidFill>
+                  <a:schemeClr val="bg1"/>
+                </a:solidFill>
+                <a:latin typeface="Nunito" pitchFamily="2" charset="77"/>
+              </a:rPr>
+              <a:t>://</a:t>
+            </a:r>
+            <a:r>
+              <a:rPr lang="pt-BR" sz="2000" dirty="0" err="1">
+                <a:solidFill>
+                  <a:schemeClr val="bg1"/>
+                </a:solidFill>
+                <a:latin typeface="Nunito" pitchFamily="2" charset="77"/>
+              </a:rPr>
+              <a:t>balta.io</a:t>
+            </a:r>
+            <a:r>
+              <a:rPr lang="pt-BR" sz="2000" dirty="0">
+                <a:solidFill>
+                  <a:schemeClr val="bg1"/>
+                </a:solidFill>
+                <a:latin typeface="Nunito" pitchFamily="2" charset="77"/>
+              </a:rPr>
+              <a:t>/ajuda</a:t>
+            </a:r>
+          </a:p>
+        </p:txBody>
+      </p:sp>
+    </p:spTree>
+    <p:extLst>
+      <p:ext uri="{BB962C8B-B14F-4D97-AF65-F5344CB8AC3E}">
+        <p14:creationId xmlns:p14="http://schemas.microsoft.com/office/powerpoint/2010/main" val="797744895"/>
+      </p:ext>
+    </p:extLst>
+  </p:cSld>
+  <p:clrMapOvr>
+    <a:masterClrMapping/>
+  </p:clrMapOvr>
+  <mc:AlternateContent xmlns:mc="http://schemas.openxmlformats.org/markup-compatibility/2006" xmlns:p14="http://schemas.microsoft.com/office/powerpoint/2010/main">
+    <mc:Choice Requires="p14">
+      <p:transition spd="med" p14:dur="700">
+        <p:fade/>
+      </p:transition>
+    </mc:Choice>
+    <mc:Fallback xmlns="">
+      <p:transition spd="med">
+        <p:fade/>
+      </p:transition>
+    </mc:Fallback>
+  </mc:AlternateContent>
+  <p:timing>
+    <p:tnLst>
+      <p:par>
+        <p:cTn id="1" dur="indefinite" restart="never" nodeType="tmRoot">
+          <p:childTnLst>
+            <p:seq concurrent="1" nextAc="seek">
+              <p:cTn id="2" dur="indefinite" nodeType="mainSeq">
+                <p:childTnLst>
+                  <p:par>
+                    <p:cTn id="3" fill="hold">
+                      <p:stCondLst>
+                        <p:cond delay="indefinite"/>
+                        <p:cond evt="onBegin" delay="0">
+                          <p:tn val="2"/>
+                        </p:cond>
+                      </p:stCondLst>
+                      <p:childTnLst>
+                        <p:par>
+                          <p:cTn id="4" fill="hold">
+                            <p:stCondLst>
+                              <p:cond delay="0"/>
+                            </p:stCondLst>
+                            <p:childTnLst>
+                              <p:par>
+                                <p:cTn id="5" presetID="10" presetClass="entr" presetSubtype="0" fill="hold" grpId="0" nodeType="afterEffect">
+                                  <p:stCondLst>
+                                    <p:cond delay="0"/>
+                                  </p:stCondLst>
+                                  <p:childTnLst>
+                                    <p:set>
+                                      <p:cBhvr>
+                                        <p:cTn id="6" dur="1" fill="hold">
+                                          <p:stCondLst>
+                                            <p:cond delay="0"/>
+                                          </p:stCondLst>
+                                        </p:cTn>
+                                        <p:tgtEl>
+                                          <p:spTgt spid="6"/>
+                                        </p:tgtEl>
+                                        <p:attrNameLst>
+                                          <p:attrName>style.visibility</p:attrName>
+                                        </p:attrNameLst>
+                                      </p:cBhvr>
+                                      <p:to>
+                                        <p:strVal val="visible"/>
+                                      </p:to>
+                                    </p:set>
+                                    <p:animEffect transition="in" filter="fade">
+                                      <p:cBhvr>
+                                        <p:cTn id="7" dur="500"/>
+                                        <p:tgtEl>
+                                          <p:spTgt spid="6"/>
+                                        </p:tgtEl>
+                                      </p:cBhvr>
+                                    </p:animEffect>
+                                  </p:childTnLst>
+                                </p:cTn>
+                              </p:par>
+                            </p:childTnLst>
+                          </p:cTn>
+                        </p:par>
+                        <p:par>
+                          <p:cTn id="8" fill="hold">
+                            <p:stCondLst>
+                              <p:cond delay="500"/>
+                            </p:stCondLst>
+                            <p:childTnLst>
+                              <p:par>
+                                <p:cTn id="9" presetID="10" presetClass="entr" presetSubtype="0" fill="hold" nodeType="afterEffect">
+                                  <p:stCondLst>
+                                    <p:cond delay="0"/>
+                                  </p:stCondLst>
+                                  <p:childTnLst>
+                                    <p:set>
+                                      <p:cBhvr>
+                                        <p:cTn id="10" dur="1" fill="hold">
+                                          <p:stCondLst>
+                                            <p:cond delay="0"/>
+                                          </p:stCondLst>
+                                        </p:cTn>
+                                        <p:tgtEl>
+                                          <p:spTgt spid="4"/>
+                                        </p:tgtEl>
+                                        <p:attrNameLst>
+                                          <p:attrName>style.visibility</p:attrName>
+                                        </p:attrNameLst>
+                                      </p:cBhvr>
+                                      <p:to>
+                                        <p:strVal val="visible"/>
+                                      </p:to>
+                                    </p:set>
+                                    <p:animEffect transition="in" filter="fade">
+                                      <p:cBhvr>
+                                        <p:cTn id="11" dur="500"/>
+                                        <p:tgtEl>
+                                          <p:spTgt spid="4"/>
+                                        </p:tgtEl>
+                                      </p:cBhvr>
+                                    </p:animEffect>
+                                  </p:childTnLst>
+                                </p:cTn>
+                              </p:par>
+                            </p:childTnLst>
+                          </p:cTn>
+                        </p:par>
+                        <p:par>
+                          <p:cTn id="12" fill="hold">
+                            <p:stCondLst>
+                              <p:cond delay="1000"/>
+                            </p:stCondLst>
+                            <p:childTnLst>
+                              <p:par>
+                                <p:cTn id="13" presetID="42" presetClass="path" presetSubtype="0" repeatCount="indefinite" accel="50000" decel="50000" autoRev="1" fill="hold" nodeType="afterEffect">
+                                  <p:stCondLst>
+                                    <p:cond delay="0"/>
+                                  </p:stCondLst>
+                                  <p:childTnLst>
+                                    <p:animMotion origin="layout" path="M 2.08333E-7 2.22222E-6 L 0.00052 0.05208 " pathEditMode="relative" rAng="0" ptsTypes="AA">
+                                      <p:cBhvr>
+                                        <p:cTn id="14" dur="2000" fill="hold"/>
+                                        <p:tgtEl>
+                                          <p:spTgt spid="4"/>
+                                        </p:tgtEl>
+                                        <p:attrNameLst>
+                                          <p:attrName>ppt_x</p:attrName>
+                                          <p:attrName>ppt_y</p:attrName>
+                                        </p:attrNameLst>
+                                      </p:cBhvr>
+                                      <p:rCtr x="26" y="2593"/>
+                                    </p:animMotion>
+                                  </p:childTnLst>
+                                </p:cTn>
+                              </p:par>
+                            </p:childTnLst>
+                          </p:cTn>
+                        </p:par>
+                      </p:childTnLst>
+                    </p:cTn>
+                  </p:par>
+                </p:childTnLst>
+              </p:cTn>
+              <p:prevCondLst>
+                <p:cond evt="onPrev" delay="0">
+                  <p:tgtEl>
+                    <p:sldTgt/>
+                  </p:tgtEl>
+                </p:cond>
+              </p:prevCondLst>
+              <p:nextCondLst>
+                <p:cond evt="onNext" delay="0">
+                  <p:tgtEl>
+                    <p:sldTgt/>
+                  </p:tgtEl>
+                </p:cond>
+              </p:nextCondLst>
+            </p:seq>
+          </p:childTnLst>
+        </p:cTn>
+      </p:par>
+    </p:tnLst>
+    <p:bldLst>
+      <p:bldP spid="6" grpId="0"/>
     </p:bldLst>
   </p:timing>
 </p:sld>
